--- a/Attention-is-all-you-need/image.pptx
+++ b/Attention-is-all-you-need/image.pptx
@@ -107,6 +107,11 @@
       </a:defRPr>
     </a:lvl9pPr>
   </p:defaultTextStyle>
+  <p:extLst>
+    <p:ext uri="{EFAFB233-063F-42B5-8137-9DF3F51BA10A}">
+      <p15:sldGuideLst xmlns:p15="http://schemas.microsoft.com/office/powerpoint/2012/main"/>
+    </p:ext>
+  </p:extLst>
 </p:presentation>
 </file>
 
@@ -241,7 +246,7 @@
           <a:p>
             <a:fld id="{5C943AA4-F205-4A15-B641-BE44906CC2CE}" type="datetimeFigureOut">
               <a:rPr lang="zh-TW" altLang="en-US" smtClean="0"/>
-              <a:t>2020/5/30</a:t>
+              <a:t>2020/5/31</a:t>
             </a:fld>
             <a:endParaRPr lang="zh-TW" altLang="en-US"/>
           </a:p>
@@ -411,7 +416,7 @@
           <a:p>
             <a:fld id="{5C943AA4-F205-4A15-B641-BE44906CC2CE}" type="datetimeFigureOut">
               <a:rPr lang="zh-TW" altLang="en-US" smtClean="0"/>
-              <a:t>2020/5/30</a:t>
+              <a:t>2020/5/31</a:t>
             </a:fld>
             <a:endParaRPr lang="zh-TW" altLang="en-US"/>
           </a:p>
@@ -591,7 +596,7 @@
           <a:p>
             <a:fld id="{5C943AA4-F205-4A15-B641-BE44906CC2CE}" type="datetimeFigureOut">
               <a:rPr lang="zh-TW" altLang="en-US" smtClean="0"/>
-              <a:t>2020/5/30</a:t>
+              <a:t>2020/5/31</a:t>
             </a:fld>
             <a:endParaRPr lang="zh-TW" altLang="en-US"/>
           </a:p>
@@ -761,7 +766,7 @@
           <a:p>
             <a:fld id="{5C943AA4-F205-4A15-B641-BE44906CC2CE}" type="datetimeFigureOut">
               <a:rPr lang="zh-TW" altLang="en-US" smtClean="0"/>
-              <a:t>2020/5/30</a:t>
+              <a:t>2020/5/31</a:t>
             </a:fld>
             <a:endParaRPr lang="zh-TW" altLang="en-US"/>
           </a:p>
@@ -1007,7 +1012,7 @@
           <a:p>
             <a:fld id="{5C943AA4-F205-4A15-B641-BE44906CC2CE}" type="datetimeFigureOut">
               <a:rPr lang="zh-TW" altLang="en-US" smtClean="0"/>
-              <a:t>2020/5/30</a:t>
+              <a:t>2020/5/31</a:t>
             </a:fld>
             <a:endParaRPr lang="zh-TW" altLang="en-US"/>
           </a:p>
@@ -1239,7 +1244,7 @@
           <a:p>
             <a:fld id="{5C943AA4-F205-4A15-B641-BE44906CC2CE}" type="datetimeFigureOut">
               <a:rPr lang="zh-TW" altLang="en-US" smtClean="0"/>
-              <a:t>2020/5/30</a:t>
+              <a:t>2020/5/31</a:t>
             </a:fld>
             <a:endParaRPr lang="zh-TW" altLang="en-US"/>
           </a:p>
@@ -1606,7 +1611,7 @@
           <a:p>
             <a:fld id="{5C943AA4-F205-4A15-B641-BE44906CC2CE}" type="datetimeFigureOut">
               <a:rPr lang="zh-TW" altLang="en-US" smtClean="0"/>
-              <a:t>2020/5/30</a:t>
+              <a:t>2020/5/31</a:t>
             </a:fld>
             <a:endParaRPr lang="zh-TW" altLang="en-US"/>
           </a:p>
@@ -1724,7 +1729,7 @@
           <a:p>
             <a:fld id="{5C943AA4-F205-4A15-B641-BE44906CC2CE}" type="datetimeFigureOut">
               <a:rPr lang="zh-TW" altLang="en-US" smtClean="0"/>
-              <a:t>2020/5/30</a:t>
+              <a:t>2020/5/31</a:t>
             </a:fld>
             <a:endParaRPr lang="zh-TW" altLang="en-US"/>
           </a:p>
@@ -1819,7 +1824,7 @@
           <a:p>
             <a:fld id="{5C943AA4-F205-4A15-B641-BE44906CC2CE}" type="datetimeFigureOut">
               <a:rPr lang="zh-TW" altLang="en-US" smtClean="0"/>
-              <a:t>2020/5/30</a:t>
+              <a:t>2020/5/31</a:t>
             </a:fld>
             <a:endParaRPr lang="zh-TW" altLang="en-US"/>
           </a:p>
@@ -2096,7 +2101,7 @@
           <a:p>
             <a:fld id="{5C943AA4-F205-4A15-B641-BE44906CC2CE}" type="datetimeFigureOut">
               <a:rPr lang="zh-TW" altLang="en-US" smtClean="0"/>
-              <a:t>2020/5/30</a:t>
+              <a:t>2020/5/31</a:t>
             </a:fld>
             <a:endParaRPr lang="zh-TW" altLang="en-US"/>
           </a:p>
@@ -2349,7 +2354,7 @@
           <a:p>
             <a:fld id="{5C943AA4-F205-4A15-B641-BE44906CC2CE}" type="datetimeFigureOut">
               <a:rPr lang="zh-TW" altLang="en-US" smtClean="0"/>
-              <a:t>2020/5/30</a:t>
+              <a:t>2020/5/31</a:t>
             </a:fld>
             <a:endParaRPr lang="zh-TW" altLang="en-US"/>
           </a:p>
@@ -2562,7 +2567,7 @@
           <a:p>
             <a:fld id="{5C943AA4-F205-4A15-B641-BE44906CC2CE}" type="datetimeFigureOut">
               <a:rPr lang="zh-TW" altLang="en-US" smtClean="0"/>
-              <a:t>2020/5/30</a:t>
+              <a:t>2020/5/31</a:t>
             </a:fld>
             <a:endParaRPr lang="zh-TW" altLang="en-US"/>
           </a:p>
@@ -3068,8 +3073,8 @@
           </a:fontRef>
         </p:style>
       </p:cxnSp>
-      <mc:AlternateContent xmlns:mc="http://schemas.openxmlformats.org/markup-compatibility/2006">
-        <mc:Choice xmlns:a14="http://schemas.microsoft.com/office/drawing/2010/main" Requires="a14">
+      <mc:AlternateContent xmlns:mc="http://schemas.openxmlformats.org/markup-compatibility/2006" xmlns:a14="http://schemas.microsoft.com/office/drawing/2010/main">
+        <mc:Choice Requires="a14">
           <p:sp>
             <p:nvSpPr>
               <p:cNvPr id="9" name="橢圓 8"/>
@@ -3155,7 +3160,7 @@
             </p:txBody>
           </p:sp>
         </mc:Choice>
-        <mc:Fallback>
+        <mc:Fallback xmlns="">
           <p:sp>
             <p:nvSpPr>
               <p:cNvPr id="9" name="橢圓 8"/>
@@ -3239,8 +3244,8 @@
           </a:fontRef>
         </p:style>
       </p:cxnSp>
-      <mc:AlternateContent xmlns:mc="http://schemas.openxmlformats.org/markup-compatibility/2006">
-        <mc:Choice xmlns:a14="http://schemas.microsoft.com/office/drawing/2010/main" Requires="a14">
+      <mc:AlternateContent xmlns:mc="http://schemas.openxmlformats.org/markup-compatibility/2006" xmlns:a14="http://schemas.microsoft.com/office/drawing/2010/main">
+        <mc:Choice Requires="a14">
           <p:sp>
             <p:nvSpPr>
               <p:cNvPr id="12" name="橢圓 11"/>
@@ -3323,7 +3328,7 @@
             </p:txBody>
           </p:sp>
         </mc:Choice>
-        <mc:Fallback>
+        <mc:Fallback xmlns="">
           <p:sp>
             <p:nvSpPr>
               <p:cNvPr id="12" name="橢圓 11"/>
@@ -3453,8 +3458,8 @@
           </a:p>
         </p:txBody>
       </p:sp>
-      <mc:AlternateContent xmlns:mc="http://schemas.openxmlformats.org/markup-compatibility/2006">
-        <mc:Choice xmlns:a14="http://schemas.microsoft.com/office/drawing/2010/main" Requires="a14">
+      <mc:AlternateContent xmlns:mc="http://schemas.openxmlformats.org/markup-compatibility/2006" xmlns:a14="http://schemas.microsoft.com/office/drawing/2010/main">
+        <mc:Choice Requires="a14">
           <p:sp>
             <p:nvSpPr>
               <p:cNvPr id="20" name="橢圓 19"/>
@@ -3540,7 +3545,7 @@
             </p:txBody>
           </p:sp>
         </mc:Choice>
-        <mc:Fallback>
+        <mc:Fallback xmlns="">
           <p:sp>
             <p:nvSpPr>
               <p:cNvPr id="20" name="橢圓 19"/>
@@ -3624,8 +3629,8 @@
           </a:fontRef>
         </p:style>
       </p:cxnSp>
-      <mc:AlternateContent xmlns:mc="http://schemas.openxmlformats.org/markup-compatibility/2006">
-        <mc:Choice xmlns:a14="http://schemas.microsoft.com/office/drawing/2010/main" Requires="a14">
+      <mc:AlternateContent xmlns:mc="http://schemas.openxmlformats.org/markup-compatibility/2006" xmlns:a14="http://schemas.microsoft.com/office/drawing/2010/main">
+        <mc:Choice Requires="a14">
           <p:sp>
             <p:nvSpPr>
               <p:cNvPr id="22" name="橢圓 21"/>
@@ -3708,7 +3713,7 @@
             </p:txBody>
           </p:sp>
         </mc:Choice>
-        <mc:Fallback>
+        <mc:Fallback xmlns="">
           <p:sp>
             <p:nvSpPr>
               <p:cNvPr id="22" name="橢圓 21"/>
@@ -3838,8 +3843,8 @@
           </a:p>
         </p:txBody>
       </p:sp>
-      <mc:AlternateContent xmlns:mc="http://schemas.openxmlformats.org/markup-compatibility/2006">
-        <mc:Choice xmlns:a14="http://schemas.microsoft.com/office/drawing/2010/main" Requires="a14">
+      <mc:AlternateContent xmlns:mc="http://schemas.openxmlformats.org/markup-compatibility/2006" xmlns:a14="http://schemas.microsoft.com/office/drawing/2010/main">
+        <mc:Choice Requires="a14">
           <p:sp>
             <p:nvSpPr>
               <p:cNvPr id="26" name="橢圓 25"/>
@@ -3925,7 +3930,7 @@
             </p:txBody>
           </p:sp>
         </mc:Choice>
-        <mc:Fallback>
+        <mc:Fallback xmlns="">
           <p:sp>
             <p:nvSpPr>
               <p:cNvPr id="26" name="橢圓 25"/>
@@ -4009,8 +4014,8 @@
           </a:fontRef>
         </p:style>
       </p:cxnSp>
-      <mc:AlternateContent xmlns:mc="http://schemas.openxmlformats.org/markup-compatibility/2006">
-        <mc:Choice xmlns:a14="http://schemas.microsoft.com/office/drawing/2010/main" Requires="a14">
+      <mc:AlternateContent xmlns:mc="http://schemas.openxmlformats.org/markup-compatibility/2006" xmlns:a14="http://schemas.microsoft.com/office/drawing/2010/main">
+        <mc:Choice Requires="a14">
           <p:sp>
             <p:nvSpPr>
               <p:cNvPr id="28" name="橢圓 27"/>
@@ -4093,7 +4098,7 @@
             </p:txBody>
           </p:sp>
         </mc:Choice>
-        <mc:Fallback>
+        <mc:Fallback xmlns="">
           <p:sp>
             <p:nvSpPr>
               <p:cNvPr id="28" name="橢圓 27"/>
@@ -4223,8 +4228,8 @@
           </a:p>
         </p:txBody>
       </p:sp>
-      <mc:AlternateContent xmlns:mc="http://schemas.openxmlformats.org/markup-compatibility/2006">
-        <mc:Choice xmlns:a14="http://schemas.microsoft.com/office/drawing/2010/main" Requires="a14">
+      <mc:AlternateContent xmlns:mc="http://schemas.openxmlformats.org/markup-compatibility/2006" xmlns:a14="http://schemas.microsoft.com/office/drawing/2010/main">
+        <mc:Choice Requires="a14">
           <p:sp>
             <p:nvSpPr>
               <p:cNvPr id="32" name="橢圓 31"/>
@@ -4310,7 +4315,7 @@
             </p:txBody>
           </p:sp>
         </mc:Choice>
-        <mc:Fallback>
+        <mc:Fallback xmlns="">
           <p:sp>
             <p:nvSpPr>
               <p:cNvPr id="32" name="橢圓 31"/>
@@ -4394,8 +4399,8 @@
           </a:fontRef>
         </p:style>
       </p:cxnSp>
-      <mc:AlternateContent xmlns:mc="http://schemas.openxmlformats.org/markup-compatibility/2006">
-        <mc:Choice xmlns:a14="http://schemas.microsoft.com/office/drawing/2010/main" Requires="a14">
+      <mc:AlternateContent xmlns:mc="http://schemas.openxmlformats.org/markup-compatibility/2006" xmlns:a14="http://schemas.microsoft.com/office/drawing/2010/main">
+        <mc:Choice Requires="a14">
           <p:sp>
             <p:nvSpPr>
               <p:cNvPr id="34" name="橢圓 33"/>
@@ -4478,7 +4483,7 @@
             </p:txBody>
           </p:sp>
         </mc:Choice>
-        <mc:Fallback>
+        <mc:Fallback xmlns="">
           <p:sp>
             <p:nvSpPr>
               <p:cNvPr id="34" name="橢圓 33"/>
@@ -4729,8 +4734,8 @@
         </p:nvSpPr>
         <p:spPr>
           <a:xfrm>
-            <a:off x="1590795" y="1838528"/>
-            <a:ext cx="8959174" cy="3229583"/>
+            <a:off x="1636515" y="941832"/>
+            <a:ext cx="8959174" cy="4727448"/>
           </a:xfrm>
           <a:prstGeom prst="roundRect">
             <a:avLst/>
@@ -4782,8 +4787,8 @@
         </p:nvSpPr>
         <p:spPr>
           <a:xfrm>
-            <a:off x="1977957" y="2029160"/>
-            <a:ext cx="3420892" cy="2860608"/>
+            <a:off x="2023677" y="1370188"/>
+            <a:ext cx="3420892" cy="1277226"/>
           </a:xfrm>
           <a:prstGeom prst="roundRect">
             <a:avLst/>
@@ -4836,8 +4841,8 @@
         </p:nvSpPr>
         <p:spPr>
           <a:xfrm>
-            <a:off x="6749698" y="2023015"/>
-            <a:ext cx="3420892" cy="2860608"/>
+            <a:off x="6795418" y="1370187"/>
+            <a:ext cx="3420892" cy="1277227"/>
           </a:xfrm>
           <a:prstGeom prst="roundRect">
             <a:avLst/>
@@ -4874,13 +4879,7 @@
               <a:rPr lang="en-US" altLang="zh-TW" sz="4000" dirty="0" smtClean="0">
                 <a:latin typeface="Source Code Pro" panose="020B0509030403020204" pitchFamily="49" charset="0"/>
               </a:rPr>
-              <a:t>De</a:t>
-            </a:r>
-            <a:r>
-              <a:rPr lang="en-US" altLang="zh-TW" sz="4000" dirty="0" smtClean="0">
-                <a:latin typeface="Source Code Pro" panose="020B0509030403020204" pitchFamily="49" charset="0"/>
-              </a:rPr>
-              <a:t>coders</a:t>
+              <a:t>Decoders</a:t>
             </a:r>
             <a:endParaRPr lang="zh-TW" altLang="en-US" sz="4000" dirty="0"/>
           </a:p>
@@ -4896,9 +4895,9 @@
           <p:nvPr/>
         </p:nvCxnSpPr>
         <p:spPr>
-          <a:xfrm flipV="1">
-            <a:off x="5398849" y="3453319"/>
-            <a:ext cx="1350849" cy="6145"/>
+          <a:xfrm>
+            <a:off x="5444569" y="2008801"/>
+            <a:ext cx="1350849" cy="0"/>
           </a:xfrm>
           <a:prstGeom prst="straightConnector1">
             <a:avLst/>
@@ -4930,14 +4929,14 @@
           <p:cNvPr id="13" name="直線單箭頭接點 12"/>
           <p:cNvCxnSpPr>
             <a:stCxn id="15" idx="0"/>
-            <a:endCxn id="5" idx="2"/>
+            <a:endCxn id="34" idx="2"/>
           </p:cNvCxnSpPr>
           <p:nvPr/>
         </p:nvCxnSpPr>
         <p:spPr>
-          <a:xfrm flipH="1" flipV="1">
-            <a:off x="3688403" y="4889768"/>
-            <a:ext cx="1" cy="596631"/>
+          <a:xfrm flipV="1">
+            <a:off x="3734124" y="5356106"/>
+            <a:ext cx="1168" cy="563397"/>
           </a:xfrm>
           <a:prstGeom prst="straightConnector1">
             <a:avLst/>
@@ -4972,8 +4971,8 @@
         </p:nvSpPr>
         <p:spPr>
           <a:xfrm>
-            <a:off x="2313561" y="5486399"/>
-            <a:ext cx="2749685" cy="864134"/>
+            <a:off x="2359281" y="5919503"/>
+            <a:ext cx="2749685" cy="745413"/>
           </a:xfrm>
           <a:prstGeom prst="roundRect">
             <a:avLst/>
@@ -5031,9 +5030,9 @@
           <p:nvPr/>
         </p:nvCxnSpPr>
         <p:spPr>
-          <a:xfrm flipV="1">
-            <a:off x="8460144" y="1410510"/>
-            <a:ext cx="1" cy="612505"/>
+          <a:xfrm flipH="1" flipV="1">
+            <a:off x="8498081" y="816721"/>
+            <a:ext cx="7783" cy="553466"/>
           </a:xfrm>
           <a:prstGeom prst="straightConnector1">
             <a:avLst/>
@@ -5068,8 +5067,8 @@
         </p:nvSpPr>
         <p:spPr>
           <a:xfrm>
-            <a:off x="7085302" y="546376"/>
-            <a:ext cx="2749685" cy="864134"/>
+            <a:off x="7123238" y="137731"/>
+            <a:ext cx="2749685" cy="678990"/>
           </a:xfrm>
           <a:prstGeom prst="roundRect">
             <a:avLst/>
@@ -5117,6 +5116,485 @@
           </a:p>
         </p:txBody>
       </p:sp>
+      <p:sp>
+        <p:nvSpPr>
+          <p:cNvPr id="34" name="圓角矩形 33"/>
+          <p:cNvSpPr/>
+          <p:nvPr/>
+        </p:nvSpPr>
+        <p:spPr>
+          <a:xfrm>
+            <a:off x="2359281" y="4725876"/>
+            <a:ext cx="2752021" cy="630230"/>
+          </a:xfrm>
+          <a:prstGeom prst="roundRect">
+            <a:avLst/>
+          </a:prstGeom>
+          <a:solidFill>
+            <a:srgbClr val="FF9999"/>
+          </a:solidFill>
+          <a:ln w="50800">
+            <a:noFill/>
+          </a:ln>
+        </p:spPr>
+        <p:style>
+          <a:lnRef idx="2">
+            <a:schemeClr val="accent1">
+              <a:shade val="50000"/>
+            </a:schemeClr>
+          </a:lnRef>
+          <a:fillRef idx="1">
+            <a:schemeClr val="accent1"/>
+          </a:fillRef>
+          <a:effectRef idx="0">
+            <a:schemeClr val="accent1"/>
+          </a:effectRef>
+          <a:fontRef idx="minor">
+            <a:schemeClr val="lt1"/>
+          </a:fontRef>
+        </p:style>
+        <p:txBody>
+          <a:bodyPr rtlCol="0" anchor="ctr"/>
+          <a:lstStyle/>
+          <a:p>
+            <a:pPr algn="ctr"/>
+            <a:r>
+              <a:rPr lang="en-US" altLang="zh-TW" sz="3200" dirty="0" smtClean="0">
+                <a:latin typeface="Source Code Pro" panose="020B0509030403020204" pitchFamily="49" charset="0"/>
+              </a:rPr>
+              <a:t>Embedding</a:t>
+            </a:r>
+            <a:endParaRPr lang="zh-TW" altLang="en-US" sz="3200" dirty="0">
+              <a:latin typeface="Source Code Pro" panose="020B0509030403020204" pitchFamily="49" charset="0"/>
+            </a:endParaRPr>
+          </a:p>
+        </p:txBody>
+      </p:sp>
+      <p:sp>
+        <p:nvSpPr>
+          <p:cNvPr id="37" name="圓角矩形 36"/>
+          <p:cNvSpPr/>
+          <p:nvPr/>
+        </p:nvSpPr>
+        <p:spPr>
+          <a:xfrm>
+            <a:off x="2359281" y="3163063"/>
+            <a:ext cx="2752021" cy="1047164"/>
+          </a:xfrm>
+          <a:prstGeom prst="roundRect">
+            <a:avLst/>
+          </a:prstGeom>
+          <a:solidFill>
+            <a:srgbClr val="CC66FF"/>
+          </a:solidFill>
+          <a:ln w="50800">
+            <a:noFill/>
+          </a:ln>
+        </p:spPr>
+        <p:style>
+          <a:lnRef idx="2">
+            <a:schemeClr val="accent1">
+              <a:shade val="50000"/>
+            </a:schemeClr>
+          </a:lnRef>
+          <a:fillRef idx="1">
+            <a:schemeClr val="accent1"/>
+          </a:fillRef>
+          <a:effectRef idx="0">
+            <a:schemeClr val="accent1"/>
+          </a:effectRef>
+          <a:fontRef idx="minor">
+            <a:schemeClr val="lt1"/>
+          </a:fontRef>
+        </p:style>
+        <p:txBody>
+          <a:bodyPr rtlCol="0" anchor="ctr"/>
+          <a:lstStyle/>
+          <a:p>
+            <a:pPr algn="ctr"/>
+            <a:r>
+              <a:rPr lang="en-US" altLang="zh-TW" sz="3200" dirty="0" smtClean="0">
+                <a:latin typeface="Source Code Pro" panose="020B0509030403020204" pitchFamily="49" charset="0"/>
+              </a:rPr>
+              <a:t>P</a:t>
+            </a:r>
+            <a:r>
+              <a:rPr lang="en-US" altLang="zh-TW" sz="3200" dirty="0" smtClean="0">
+                <a:latin typeface="Source Code Pro" panose="020B0509030403020204" pitchFamily="49" charset="0"/>
+              </a:rPr>
+              <a:t>ositional Encoding</a:t>
+            </a:r>
+            <a:endParaRPr lang="zh-TW" altLang="en-US" sz="3200" dirty="0">
+              <a:latin typeface="Source Code Pro" panose="020B0509030403020204" pitchFamily="49" charset="0"/>
+            </a:endParaRPr>
+          </a:p>
+        </p:txBody>
+      </p:sp>
+      <p:cxnSp>
+        <p:nvCxnSpPr>
+          <p:cNvPr id="47" name="直線單箭頭接點 46"/>
+          <p:cNvCxnSpPr>
+            <a:stCxn id="34" idx="0"/>
+            <a:endCxn id="37" idx="2"/>
+          </p:cNvCxnSpPr>
+          <p:nvPr/>
+        </p:nvCxnSpPr>
+        <p:spPr>
+          <a:xfrm flipV="1">
+            <a:off x="3735292" y="4210227"/>
+            <a:ext cx="0" cy="515649"/>
+          </a:xfrm>
+          <a:prstGeom prst="straightConnector1">
+            <a:avLst/>
+          </a:prstGeom>
+          <a:ln w="127000">
+            <a:solidFill>
+              <a:srgbClr val="FF0066"/>
+            </a:solidFill>
+            <a:tailEnd type="triangle"/>
+          </a:ln>
+        </p:spPr>
+        <p:style>
+          <a:lnRef idx="1">
+            <a:schemeClr val="accent1"/>
+          </a:lnRef>
+          <a:fillRef idx="0">
+            <a:schemeClr val="accent1"/>
+          </a:fillRef>
+          <a:effectRef idx="0">
+            <a:schemeClr val="accent1"/>
+          </a:effectRef>
+          <a:fontRef idx="minor">
+            <a:schemeClr val="tx1"/>
+          </a:fontRef>
+        </p:style>
+      </p:cxnSp>
+      <p:cxnSp>
+        <p:nvCxnSpPr>
+          <p:cNvPr id="55" name="直線單箭頭接點 54"/>
+          <p:cNvCxnSpPr>
+            <a:stCxn id="37" idx="0"/>
+            <a:endCxn id="5" idx="2"/>
+          </p:cNvCxnSpPr>
+          <p:nvPr/>
+        </p:nvCxnSpPr>
+        <p:spPr>
+          <a:xfrm flipH="1" flipV="1">
+            <a:off x="3734123" y="2647414"/>
+            <a:ext cx="1169" cy="515649"/>
+          </a:xfrm>
+          <a:prstGeom prst="straightConnector1">
+            <a:avLst/>
+          </a:prstGeom>
+          <a:ln w="127000">
+            <a:solidFill>
+              <a:srgbClr val="FF0066"/>
+            </a:solidFill>
+            <a:tailEnd type="triangle"/>
+          </a:ln>
+        </p:spPr>
+        <p:style>
+          <a:lnRef idx="1">
+            <a:schemeClr val="accent1"/>
+          </a:lnRef>
+          <a:fillRef idx="0">
+            <a:schemeClr val="accent1"/>
+          </a:fillRef>
+          <a:effectRef idx="0">
+            <a:schemeClr val="accent1"/>
+          </a:effectRef>
+          <a:fontRef idx="minor">
+            <a:schemeClr val="tx1"/>
+          </a:fontRef>
+        </p:style>
+      </p:cxnSp>
+      <p:cxnSp>
+        <p:nvCxnSpPr>
+          <p:cNvPr id="68" name="直線單箭頭接點 67"/>
+          <p:cNvCxnSpPr>
+            <a:stCxn id="69" idx="0"/>
+            <a:endCxn id="70" idx="2"/>
+          </p:cNvCxnSpPr>
+          <p:nvPr/>
+        </p:nvCxnSpPr>
+        <p:spPr>
+          <a:xfrm flipV="1">
+            <a:off x="8498082" y="5356106"/>
+            <a:ext cx="1168" cy="563397"/>
+          </a:xfrm>
+          <a:prstGeom prst="straightConnector1">
+            <a:avLst/>
+          </a:prstGeom>
+          <a:ln w="127000">
+            <a:solidFill>
+              <a:srgbClr val="FF0066"/>
+            </a:solidFill>
+            <a:tailEnd type="triangle"/>
+          </a:ln>
+        </p:spPr>
+        <p:style>
+          <a:lnRef idx="1">
+            <a:schemeClr val="accent1"/>
+          </a:lnRef>
+          <a:fillRef idx="0">
+            <a:schemeClr val="accent1"/>
+          </a:fillRef>
+          <a:effectRef idx="0">
+            <a:schemeClr val="accent1"/>
+          </a:effectRef>
+          <a:fontRef idx="minor">
+            <a:schemeClr val="tx1"/>
+          </a:fontRef>
+        </p:style>
+      </p:cxnSp>
+      <p:sp>
+        <p:nvSpPr>
+          <p:cNvPr id="69" name="圓角矩形 68"/>
+          <p:cNvSpPr/>
+          <p:nvPr/>
+        </p:nvSpPr>
+        <p:spPr>
+          <a:xfrm>
+            <a:off x="7123239" y="5919503"/>
+            <a:ext cx="2749685" cy="745413"/>
+          </a:xfrm>
+          <a:prstGeom prst="roundRect">
+            <a:avLst/>
+          </a:prstGeom>
+          <a:solidFill>
+            <a:schemeClr val="accent6">
+              <a:lumMod val="60000"/>
+              <a:lumOff val="40000"/>
+            </a:schemeClr>
+          </a:solidFill>
+          <a:ln w="50800">
+            <a:noFill/>
+          </a:ln>
+        </p:spPr>
+        <p:style>
+          <a:lnRef idx="2">
+            <a:schemeClr val="accent1">
+              <a:shade val="50000"/>
+            </a:schemeClr>
+          </a:lnRef>
+          <a:fillRef idx="1">
+            <a:schemeClr val="accent1"/>
+          </a:fillRef>
+          <a:effectRef idx="0">
+            <a:schemeClr val="accent1"/>
+          </a:effectRef>
+          <a:fontRef idx="minor">
+            <a:schemeClr val="lt1"/>
+          </a:fontRef>
+        </p:style>
+        <p:txBody>
+          <a:bodyPr rtlCol="0" anchor="ctr"/>
+          <a:lstStyle/>
+          <a:p>
+            <a:pPr algn="ctr"/>
+            <a:r>
+              <a:rPr lang="en-US" altLang="zh-TW" sz="3200" dirty="0" smtClean="0">
+                <a:latin typeface="Source Code Pro" panose="020B0509030403020204" pitchFamily="49" charset="0"/>
+              </a:rPr>
+              <a:t>Target</a:t>
+            </a:r>
+            <a:endParaRPr lang="zh-TW" altLang="en-US" sz="3200" dirty="0">
+              <a:latin typeface="Source Code Pro" panose="020B0509030403020204" pitchFamily="49" charset="0"/>
+            </a:endParaRPr>
+          </a:p>
+        </p:txBody>
+      </p:sp>
+      <p:sp>
+        <p:nvSpPr>
+          <p:cNvPr id="70" name="圓角矩形 69"/>
+          <p:cNvSpPr/>
+          <p:nvPr/>
+        </p:nvSpPr>
+        <p:spPr>
+          <a:xfrm>
+            <a:off x="7123239" y="4725876"/>
+            <a:ext cx="2752021" cy="630230"/>
+          </a:xfrm>
+          <a:prstGeom prst="roundRect">
+            <a:avLst/>
+          </a:prstGeom>
+          <a:solidFill>
+            <a:srgbClr val="FF9999"/>
+          </a:solidFill>
+          <a:ln w="50800">
+            <a:noFill/>
+          </a:ln>
+        </p:spPr>
+        <p:style>
+          <a:lnRef idx="2">
+            <a:schemeClr val="accent1">
+              <a:shade val="50000"/>
+            </a:schemeClr>
+          </a:lnRef>
+          <a:fillRef idx="1">
+            <a:schemeClr val="accent1"/>
+          </a:fillRef>
+          <a:effectRef idx="0">
+            <a:schemeClr val="accent1"/>
+          </a:effectRef>
+          <a:fontRef idx="minor">
+            <a:schemeClr val="lt1"/>
+          </a:fontRef>
+        </p:style>
+        <p:txBody>
+          <a:bodyPr rtlCol="0" anchor="ctr"/>
+          <a:lstStyle/>
+          <a:p>
+            <a:pPr algn="ctr"/>
+            <a:r>
+              <a:rPr lang="en-US" altLang="zh-TW" sz="3200" dirty="0" smtClean="0">
+                <a:latin typeface="Source Code Pro" panose="020B0509030403020204" pitchFamily="49" charset="0"/>
+              </a:rPr>
+              <a:t>Embedding</a:t>
+            </a:r>
+            <a:endParaRPr lang="zh-TW" altLang="en-US" sz="3200" dirty="0">
+              <a:latin typeface="Source Code Pro" panose="020B0509030403020204" pitchFamily="49" charset="0"/>
+            </a:endParaRPr>
+          </a:p>
+        </p:txBody>
+      </p:sp>
+      <p:sp>
+        <p:nvSpPr>
+          <p:cNvPr id="71" name="圓角矩形 70"/>
+          <p:cNvSpPr/>
+          <p:nvPr/>
+        </p:nvSpPr>
+        <p:spPr>
+          <a:xfrm>
+            <a:off x="7123239" y="3163063"/>
+            <a:ext cx="2752021" cy="1047164"/>
+          </a:xfrm>
+          <a:prstGeom prst="roundRect">
+            <a:avLst/>
+          </a:prstGeom>
+          <a:solidFill>
+            <a:srgbClr val="CC66FF"/>
+          </a:solidFill>
+          <a:ln w="50800">
+            <a:noFill/>
+          </a:ln>
+        </p:spPr>
+        <p:style>
+          <a:lnRef idx="2">
+            <a:schemeClr val="accent1">
+              <a:shade val="50000"/>
+            </a:schemeClr>
+          </a:lnRef>
+          <a:fillRef idx="1">
+            <a:schemeClr val="accent1"/>
+          </a:fillRef>
+          <a:effectRef idx="0">
+            <a:schemeClr val="accent1"/>
+          </a:effectRef>
+          <a:fontRef idx="minor">
+            <a:schemeClr val="lt1"/>
+          </a:fontRef>
+        </p:style>
+        <p:txBody>
+          <a:bodyPr rtlCol="0" anchor="ctr"/>
+          <a:lstStyle/>
+          <a:p>
+            <a:pPr algn="ctr"/>
+            <a:r>
+              <a:rPr lang="en-US" altLang="zh-TW" sz="3200" dirty="0" smtClean="0">
+                <a:latin typeface="Source Code Pro" panose="020B0509030403020204" pitchFamily="49" charset="0"/>
+              </a:rPr>
+              <a:t>P</a:t>
+            </a:r>
+            <a:r>
+              <a:rPr lang="en-US" altLang="zh-TW" sz="3200" dirty="0" smtClean="0">
+                <a:latin typeface="Source Code Pro" panose="020B0509030403020204" pitchFamily="49" charset="0"/>
+              </a:rPr>
+              <a:t>ositional Encoding</a:t>
+            </a:r>
+            <a:endParaRPr lang="zh-TW" altLang="en-US" sz="3200" dirty="0">
+              <a:latin typeface="Source Code Pro" panose="020B0509030403020204" pitchFamily="49" charset="0"/>
+            </a:endParaRPr>
+          </a:p>
+        </p:txBody>
+      </p:sp>
+      <p:cxnSp>
+        <p:nvCxnSpPr>
+          <p:cNvPr id="72" name="直線單箭頭接點 71"/>
+          <p:cNvCxnSpPr>
+            <a:stCxn id="71" idx="0"/>
+            <a:endCxn id="6" idx="2"/>
+          </p:cNvCxnSpPr>
+          <p:nvPr/>
+        </p:nvCxnSpPr>
+        <p:spPr>
+          <a:xfrm flipV="1">
+            <a:off x="8499250" y="2647414"/>
+            <a:ext cx="6614" cy="515649"/>
+          </a:xfrm>
+          <a:prstGeom prst="straightConnector1">
+            <a:avLst/>
+          </a:prstGeom>
+          <a:ln w="127000">
+            <a:solidFill>
+              <a:srgbClr val="FF0066"/>
+            </a:solidFill>
+            <a:tailEnd type="triangle"/>
+          </a:ln>
+        </p:spPr>
+        <p:style>
+          <a:lnRef idx="1">
+            <a:schemeClr val="accent1"/>
+          </a:lnRef>
+          <a:fillRef idx="0">
+            <a:schemeClr val="accent1"/>
+          </a:fillRef>
+          <a:effectRef idx="0">
+            <a:schemeClr val="accent1"/>
+          </a:effectRef>
+          <a:fontRef idx="minor">
+            <a:schemeClr val="tx1"/>
+          </a:fontRef>
+        </p:style>
+      </p:cxnSp>
+      <p:cxnSp>
+        <p:nvCxnSpPr>
+          <p:cNvPr id="74" name="直線單箭頭接點 73"/>
+          <p:cNvCxnSpPr>
+            <a:endCxn id="71" idx="2"/>
+          </p:cNvCxnSpPr>
+          <p:nvPr/>
+        </p:nvCxnSpPr>
+        <p:spPr>
+          <a:xfrm flipH="1" flipV="1">
+            <a:off x="8499250" y="4210227"/>
+            <a:ext cx="6614" cy="515649"/>
+          </a:xfrm>
+          <a:prstGeom prst="straightConnector1">
+            <a:avLst/>
+          </a:prstGeom>
+          <a:ln w="127000">
+            <a:solidFill>
+              <a:srgbClr val="FF0066"/>
+            </a:solidFill>
+            <a:tailEnd type="triangle"/>
+          </a:ln>
+        </p:spPr>
+        <p:style>
+          <a:lnRef idx="1">
+            <a:schemeClr val="accent1"/>
+          </a:lnRef>
+          <a:fillRef idx="0">
+            <a:schemeClr val="accent1"/>
+          </a:fillRef>
+          <a:effectRef idx="0">
+            <a:schemeClr val="accent1"/>
+          </a:effectRef>
+          <a:fontRef idx="minor">
+            <a:schemeClr val="tx1"/>
+          </a:fontRef>
+        </p:style>
+      </p:cxnSp>
     </p:spTree>
     <p:extLst>
       <p:ext uri="{BB962C8B-B14F-4D97-AF65-F5344CB8AC3E}">

--- a/Attention-is-all-you-need/image.pptx
+++ b/Attention-is-all-you-need/image.pptx
@@ -5,10 +5,12 @@
     <p:sldMasterId id="2147483648" r:id="rId1"/>
   </p:sldMasterIdLst>
   <p:sldIdLst>
-    <p:sldId id="256" r:id="rId2"/>
-    <p:sldId id="257" r:id="rId3"/>
-    <p:sldId id="258" r:id="rId4"/>
-    <p:sldId id="259" r:id="rId5"/>
+    <p:sldId id="259" r:id="rId2"/>
+    <p:sldId id="260" r:id="rId3"/>
+    <p:sldId id="261" r:id="rId4"/>
+    <p:sldId id="256" r:id="rId5"/>
+    <p:sldId id="257" r:id="rId6"/>
+    <p:sldId id="258" r:id="rId7"/>
   </p:sldIdLst>
   <p:sldSz cx="12192000" cy="6858000"/>
   <p:notesSz cx="6858000" cy="9144000"/>
@@ -2982,6 +2984,3386 @@
       </p:grpSpPr>
       <p:sp>
         <p:nvSpPr>
+          <p:cNvPr id="5" name="圓角矩形 4"/>
+          <p:cNvSpPr/>
+          <p:nvPr/>
+        </p:nvSpPr>
+        <p:spPr>
+          <a:xfrm>
+            <a:off x="3429000" y="1792224"/>
+            <a:ext cx="3849624" cy="566928"/>
+          </a:xfrm>
+          <a:prstGeom prst="roundRect">
+            <a:avLst/>
+          </a:prstGeom>
+          <a:solidFill>
+            <a:srgbClr val="00B0F0"/>
+          </a:solidFill>
+          <a:ln w="25400">
+            <a:solidFill>
+              <a:schemeClr val="bg1"/>
+            </a:solidFill>
+          </a:ln>
+        </p:spPr>
+        <p:style>
+          <a:lnRef idx="2">
+            <a:schemeClr val="accent1">
+              <a:shade val="50000"/>
+            </a:schemeClr>
+          </a:lnRef>
+          <a:fillRef idx="1">
+            <a:schemeClr val="accent1"/>
+          </a:fillRef>
+          <a:effectRef idx="0">
+            <a:schemeClr val="accent1"/>
+          </a:effectRef>
+          <a:fontRef idx="minor">
+            <a:schemeClr val="lt1"/>
+          </a:fontRef>
+        </p:style>
+        <p:txBody>
+          <a:bodyPr rtlCol="0" anchor="ctr"/>
+          <a:lstStyle/>
+          <a:p>
+            <a:pPr algn="ctr"/>
+            <a:r>
+              <a:rPr lang="en-US" altLang="zh-TW" sz="2400" dirty="0" smtClean="0">
+                <a:latin typeface="SauceCodePro Nerd Font" panose="020B0509030403020204" pitchFamily="49" charset="0"/>
+              </a:rPr>
+              <a:t>Vector 0</a:t>
+            </a:r>
+            <a:endParaRPr lang="zh-TW" altLang="en-US" sz="2400" dirty="0">
+              <a:latin typeface="SauceCodePro Nerd Font" panose="020B0509030403020204" pitchFamily="49" charset="0"/>
+            </a:endParaRPr>
+          </a:p>
+        </p:txBody>
+      </p:sp>
+      <p:sp>
+        <p:nvSpPr>
+          <p:cNvPr id="7" name="弧形 6"/>
+          <p:cNvSpPr/>
+          <p:nvPr/>
+        </p:nvSpPr>
+        <p:spPr>
+          <a:xfrm>
+            <a:off x="6583679" y="1396451"/>
+            <a:ext cx="694945" cy="791546"/>
+          </a:xfrm>
+          <a:prstGeom prst="arc">
+            <a:avLst/>
+          </a:prstGeom>
+          <a:ln w="38100">
+            <a:solidFill>
+              <a:schemeClr val="bg1"/>
+            </a:solidFill>
+          </a:ln>
+        </p:spPr>
+        <p:style>
+          <a:lnRef idx="1">
+            <a:schemeClr val="accent1"/>
+          </a:lnRef>
+          <a:fillRef idx="0">
+            <a:schemeClr val="accent1"/>
+          </a:fillRef>
+          <a:effectRef idx="0">
+            <a:schemeClr val="accent1"/>
+          </a:effectRef>
+          <a:fontRef idx="minor">
+            <a:schemeClr val="tx1"/>
+          </a:fontRef>
+        </p:style>
+        <p:txBody>
+          <a:bodyPr rtlCol="0" anchor="ctr"/>
+          <a:lstStyle/>
+          <a:p>
+            <a:pPr algn="ctr"/>
+            <a:endParaRPr lang="zh-TW" altLang="en-US"/>
+          </a:p>
+        </p:txBody>
+      </p:sp>
+      <p:sp>
+        <p:nvSpPr>
+          <p:cNvPr id="8" name="弧形 7"/>
+          <p:cNvSpPr/>
+          <p:nvPr/>
+        </p:nvSpPr>
+        <p:spPr>
+          <a:xfrm flipH="1">
+            <a:off x="3429000" y="1396451"/>
+            <a:ext cx="694946" cy="791546"/>
+          </a:xfrm>
+          <a:prstGeom prst="arc">
+            <a:avLst/>
+          </a:prstGeom>
+          <a:ln w="38100">
+            <a:solidFill>
+              <a:schemeClr val="bg1"/>
+            </a:solidFill>
+          </a:ln>
+        </p:spPr>
+        <p:style>
+          <a:lnRef idx="1">
+            <a:schemeClr val="accent1"/>
+          </a:lnRef>
+          <a:fillRef idx="0">
+            <a:schemeClr val="accent1"/>
+          </a:fillRef>
+          <a:effectRef idx="0">
+            <a:schemeClr val="accent1"/>
+          </a:effectRef>
+          <a:fontRef idx="minor">
+            <a:schemeClr val="tx1"/>
+          </a:fontRef>
+        </p:style>
+        <p:txBody>
+          <a:bodyPr rtlCol="0" anchor="ctr"/>
+          <a:lstStyle/>
+          <a:p>
+            <a:pPr algn="ctr"/>
+            <a:endParaRPr lang="zh-TW" altLang="en-US"/>
+          </a:p>
+        </p:txBody>
+      </p:sp>
+      <p:sp>
+        <p:nvSpPr>
+          <p:cNvPr id="9" name="圓角矩形 8"/>
+          <p:cNvSpPr/>
+          <p:nvPr/>
+        </p:nvSpPr>
+        <p:spPr>
+          <a:xfrm>
+            <a:off x="3429000" y="1225296"/>
+            <a:ext cx="3849624" cy="566928"/>
+          </a:xfrm>
+          <a:prstGeom prst="roundRect">
+            <a:avLst/>
+          </a:prstGeom>
+          <a:solidFill>
+            <a:schemeClr val="accent1">
+              <a:alpha val="0"/>
+            </a:schemeClr>
+          </a:solidFill>
+          <a:ln>
+            <a:solidFill>
+              <a:schemeClr val="accent1">
+                <a:shade val="50000"/>
+                <a:alpha val="0"/>
+              </a:schemeClr>
+            </a:solidFill>
+          </a:ln>
+        </p:spPr>
+        <p:style>
+          <a:lnRef idx="2">
+            <a:schemeClr val="accent1">
+              <a:shade val="50000"/>
+            </a:schemeClr>
+          </a:lnRef>
+          <a:fillRef idx="1">
+            <a:schemeClr val="accent1"/>
+          </a:fillRef>
+          <a:effectRef idx="0">
+            <a:schemeClr val="accent1"/>
+          </a:effectRef>
+          <a:fontRef idx="minor">
+            <a:schemeClr val="lt1"/>
+          </a:fontRef>
+        </p:style>
+        <p:txBody>
+          <a:bodyPr rtlCol="0" anchor="ctr"/>
+          <a:lstStyle/>
+          <a:p>
+            <a:pPr algn="ctr"/>
+            <a:r>
+              <a:rPr lang="en-US" altLang="zh-TW" sz="2400" dirty="0" smtClean="0">
+                <a:latin typeface="SauceCodePro Nerd Font" panose="020B0509030403020204" pitchFamily="49" charset="0"/>
+                <a:ea typeface="SauceCodePro Nerd Font" panose="020B0509030403020204" pitchFamily="49" charset="0"/>
+              </a:rPr>
+              <a:t>Embedding length</a:t>
+            </a:r>
+            <a:endParaRPr lang="zh-TW" altLang="en-US" sz="2400" dirty="0">
+              <a:latin typeface="SauceCodePro Nerd Font" panose="020B0509030403020204" pitchFamily="49" charset="0"/>
+            </a:endParaRPr>
+          </a:p>
+        </p:txBody>
+      </p:sp>
+      <p:sp>
+        <p:nvSpPr>
+          <p:cNvPr id="10" name="圓角矩形 9"/>
+          <p:cNvSpPr/>
+          <p:nvPr/>
+        </p:nvSpPr>
+        <p:spPr>
+          <a:xfrm>
+            <a:off x="3429000" y="2359152"/>
+            <a:ext cx="3849624" cy="566928"/>
+          </a:xfrm>
+          <a:prstGeom prst="roundRect">
+            <a:avLst/>
+          </a:prstGeom>
+          <a:solidFill>
+            <a:srgbClr val="00B0F0"/>
+          </a:solidFill>
+          <a:ln w="25400">
+            <a:solidFill>
+              <a:schemeClr val="bg1"/>
+            </a:solidFill>
+          </a:ln>
+        </p:spPr>
+        <p:style>
+          <a:lnRef idx="2">
+            <a:schemeClr val="accent1">
+              <a:shade val="50000"/>
+            </a:schemeClr>
+          </a:lnRef>
+          <a:fillRef idx="1">
+            <a:schemeClr val="accent1"/>
+          </a:fillRef>
+          <a:effectRef idx="0">
+            <a:schemeClr val="accent1"/>
+          </a:effectRef>
+          <a:fontRef idx="minor">
+            <a:schemeClr val="lt1"/>
+          </a:fontRef>
+        </p:style>
+        <p:txBody>
+          <a:bodyPr rtlCol="0" anchor="ctr"/>
+          <a:lstStyle/>
+          <a:p>
+            <a:pPr algn="ctr"/>
+            <a:r>
+              <a:rPr lang="en-US" altLang="zh-TW" sz="2400" dirty="0" smtClean="0">
+                <a:latin typeface="SauceCodePro Nerd Font" panose="020B0509030403020204" pitchFamily="49" charset="0"/>
+              </a:rPr>
+              <a:t>Vector 1</a:t>
+            </a:r>
+            <a:endParaRPr lang="zh-TW" altLang="en-US" sz="2400" dirty="0">
+              <a:latin typeface="SauceCodePro Nerd Font" panose="020B0509030403020204" pitchFamily="49" charset="0"/>
+            </a:endParaRPr>
+          </a:p>
+        </p:txBody>
+      </p:sp>
+      <p:sp>
+        <p:nvSpPr>
+          <p:cNvPr id="11" name="圓角矩形 10"/>
+          <p:cNvSpPr/>
+          <p:nvPr/>
+        </p:nvSpPr>
+        <p:spPr>
+          <a:xfrm>
+            <a:off x="3429000" y="3475303"/>
+            <a:ext cx="3849624" cy="566928"/>
+          </a:xfrm>
+          <a:prstGeom prst="roundRect">
+            <a:avLst/>
+          </a:prstGeom>
+          <a:solidFill>
+            <a:schemeClr val="accent1">
+              <a:alpha val="0"/>
+            </a:schemeClr>
+          </a:solidFill>
+          <a:ln w="25400">
+            <a:solidFill>
+              <a:schemeClr val="bg1">
+                <a:alpha val="0"/>
+              </a:schemeClr>
+            </a:solidFill>
+          </a:ln>
+        </p:spPr>
+        <p:style>
+          <a:lnRef idx="2">
+            <a:schemeClr val="accent1">
+              <a:shade val="50000"/>
+            </a:schemeClr>
+          </a:lnRef>
+          <a:fillRef idx="1">
+            <a:schemeClr val="accent1"/>
+          </a:fillRef>
+          <a:effectRef idx="0">
+            <a:schemeClr val="accent1"/>
+          </a:effectRef>
+          <a:fontRef idx="minor">
+            <a:schemeClr val="lt1"/>
+          </a:fontRef>
+        </p:style>
+        <p:txBody>
+          <a:bodyPr rtlCol="0" anchor="ctr"/>
+          <a:lstStyle/>
+          <a:p>
+            <a:pPr algn="ctr"/>
+            <a:r>
+              <a:rPr lang="en-US" altLang="zh-TW" sz="3200" dirty="0" smtClean="0">
+                <a:latin typeface="SauceCodePro Nerd Font" panose="020B0509030403020204" pitchFamily="49" charset="0"/>
+                <a:ea typeface="SauceCodePro Nerd Font" panose="020B0509030403020204" pitchFamily="49" charset="0"/>
+              </a:rPr>
+              <a:t>.</a:t>
+            </a:r>
+          </a:p>
+          <a:p>
+            <a:pPr algn="ctr"/>
+            <a:r>
+              <a:rPr lang="en-US" altLang="zh-TW" sz="3200" dirty="0" smtClean="0">
+                <a:latin typeface="SauceCodePro Nerd Font" panose="020B0509030403020204" pitchFamily="49" charset="0"/>
+                <a:ea typeface="SauceCodePro Nerd Font" panose="020B0509030403020204" pitchFamily="49" charset="0"/>
+              </a:rPr>
+              <a:t>.</a:t>
+            </a:r>
+          </a:p>
+          <a:p>
+            <a:pPr algn="ctr"/>
+            <a:r>
+              <a:rPr lang="en-US" altLang="zh-TW" sz="3200" dirty="0">
+                <a:latin typeface="SauceCodePro Nerd Font" panose="020B0509030403020204" pitchFamily="49" charset="0"/>
+                <a:ea typeface="SauceCodePro Nerd Font" panose="020B0509030403020204" pitchFamily="49" charset="0"/>
+              </a:rPr>
+              <a:t>.</a:t>
+            </a:r>
+            <a:endParaRPr lang="zh-TW" altLang="en-US" sz="3200" dirty="0">
+              <a:latin typeface="SauceCodePro Nerd Font" panose="020B0509030403020204" pitchFamily="49" charset="0"/>
+            </a:endParaRPr>
+          </a:p>
+        </p:txBody>
+      </p:sp>
+      <p:sp>
+        <p:nvSpPr>
+          <p:cNvPr id="14" name="圓角矩形 13"/>
+          <p:cNvSpPr/>
+          <p:nvPr/>
+        </p:nvSpPr>
+        <p:spPr>
+          <a:xfrm>
+            <a:off x="3429000" y="4851145"/>
+            <a:ext cx="3849624" cy="566928"/>
+          </a:xfrm>
+          <a:prstGeom prst="roundRect">
+            <a:avLst/>
+          </a:prstGeom>
+          <a:solidFill>
+            <a:srgbClr val="00B0F0"/>
+          </a:solidFill>
+          <a:ln w="25400">
+            <a:solidFill>
+              <a:schemeClr val="bg1"/>
+            </a:solidFill>
+          </a:ln>
+        </p:spPr>
+        <p:style>
+          <a:lnRef idx="2">
+            <a:schemeClr val="accent1">
+              <a:shade val="50000"/>
+            </a:schemeClr>
+          </a:lnRef>
+          <a:fillRef idx="1">
+            <a:schemeClr val="accent1"/>
+          </a:fillRef>
+          <a:effectRef idx="0">
+            <a:schemeClr val="accent1"/>
+          </a:effectRef>
+          <a:fontRef idx="minor">
+            <a:schemeClr val="lt1"/>
+          </a:fontRef>
+        </p:style>
+        <p:txBody>
+          <a:bodyPr rtlCol="0" anchor="ctr"/>
+          <a:lstStyle/>
+          <a:p>
+            <a:pPr algn="ctr"/>
+            <a:r>
+              <a:rPr lang="en-US" altLang="zh-TW" sz="2400" dirty="0" smtClean="0">
+                <a:latin typeface="SauceCodePro Nerd Font" panose="020B0509030403020204" pitchFamily="49" charset="0"/>
+              </a:rPr>
+              <a:t>Vector d</a:t>
+            </a:r>
+            <a:endParaRPr lang="zh-TW" altLang="en-US" sz="2400" dirty="0">
+              <a:latin typeface="SauceCodePro Nerd Font" panose="020B0509030403020204" pitchFamily="49" charset="0"/>
+            </a:endParaRPr>
+          </a:p>
+        </p:txBody>
+      </p:sp>
+      <p:sp>
+        <p:nvSpPr>
+          <p:cNvPr id="20" name="圓角矩形 19"/>
+          <p:cNvSpPr/>
+          <p:nvPr/>
+        </p:nvSpPr>
+        <p:spPr>
+          <a:xfrm rot="5400000">
+            <a:off x="5935401" y="3321684"/>
+            <a:ext cx="3253370" cy="566928"/>
+          </a:xfrm>
+          <a:prstGeom prst="roundRect">
+            <a:avLst/>
+          </a:prstGeom>
+          <a:solidFill>
+            <a:schemeClr val="accent1">
+              <a:alpha val="0"/>
+            </a:schemeClr>
+          </a:solidFill>
+          <a:ln>
+            <a:solidFill>
+              <a:schemeClr val="accent1">
+                <a:shade val="50000"/>
+                <a:alpha val="0"/>
+              </a:schemeClr>
+            </a:solidFill>
+          </a:ln>
+        </p:spPr>
+        <p:style>
+          <a:lnRef idx="2">
+            <a:schemeClr val="accent1">
+              <a:shade val="50000"/>
+            </a:schemeClr>
+          </a:lnRef>
+          <a:fillRef idx="1">
+            <a:schemeClr val="accent1"/>
+          </a:fillRef>
+          <a:effectRef idx="0">
+            <a:schemeClr val="accent1"/>
+          </a:effectRef>
+          <a:fontRef idx="minor">
+            <a:schemeClr val="lt1"/>
+          </a:fontRef>
+        </p:style>
+        <p:txBody>
+          <a:bodyPr rtlCol="0" anchor="ctr"/>
+          <a:lstStyle/>
+          <a:p>
+            <a:pPr algn="ctr"/>
+            <a:r>
+              <a:rPr lang="en-US" altLang="zh-TW" sz="2400" dirty="0" smtClean="0">
+                <a:latin typeface="SauceCodePro Nerd Font" panose="020B0509030403020204" pitchFamily="49" charset="0"/>
+                <a:ea typeface="SauceCodePro Nerd Font" panose="020B0509030403020204" pitchFamily="49" charset="0"/>
+              </a:rPr>
+              <a:t>Dictionary</a:t>
+            </a:r>
+            <a:r>
+              <a:rPr lang="zh-TW" altLang="en-US" sz="2400" dirty="0" smtClean="0">
+                <a:latin typeface="SauceCodePro Nerd Font" panose="020B0509030403020204" pitchFamily="49" charset="0"/>
+                <a:ea typeface="SauceCodePro Nerd Font" panose="020B0509030403020204" pitchFamily="49" charset="0"/>
+              </a:rPr>
+              <a:t> </a:t>
+            </a:r>
+            <a:r>
+              <a:rPr lang="en-US" altLang="zh-TW" sz="2400" dirty="0">
+                <a:latin typeface="SauceCodePro Nerd Font" panose="020B0509030403020204" pitchFamily="49" charset="0"/>
+                <a:ea typeface="SauceCodePro Nerd Font" panose="020B0509030403020204" pitchFamily="49" charset="0"/>
+              </a:rPr>
+              <a:t>s</a:t>
+            </a:r>
+            <a:r>
+              <a:rPr lang="en-US" altLang="zh-TW" sz="2400" dirty="0" smtClean="0">
+                <a:latin typeface="SauceCodePro Nerd Font" panose="020B0509030403020204" pitchFamily="49" charset="0"/>
+                <a:ea typeface="SauceCodePro Nerd Font" panose="020B0509030403020204" pitchFamily="49" charset="0"/>
+              </a:rPr>
+              <a:t>ize</a:t>
+            </a:r>
+            <a:endParaRPr lang="zh-TW" altLang="en-US" sz="2400" dirty="0">
+              <a:latin typeface="SauceCodePro Nerd Font" panose="020B0509030403020204" pitchFamily="49" charset="0"/>
+            </a:endParaRPr>
+          </a:p>
+        </p:txBody>
+      </p:sp>
+      <p:sp>
+        <p:nvSpPr>
+          <p:cNvPr id="21" name="弧形 20"/>
+          <p:cNvSpPr/>
+          <p:nvPr/>
+        </p:nvSpPr>
+        <p:spPr>
+          <a:xfrm rot="5400000" flipH="1">
+            <a:off x="6931149" y="1743924"/>
+            <a:ext cx="694946" cy="791546"/>
+          </a:xfrm>
+          <a:prstGeom prst="arc">
+            <a:avLst/>
+          </a:prstGeom>
+          <a:ln w="38100">
+            <a:solidFill>
+              <a:schemeClr val="bg1"/>
+            </a:solidFill>
+          </a:ln>
+        </p:spPr>
+        <p:style>
+          <a:lnRef idx="1">
+            <a:schemeClr val="accent1"/>
+          </a:lnRef>
+          <a:fillRef idx="0">
+            <a:schemeClr val="accent1"/>
+          </a:fillRef>
+          <a:effectRef idx="0">
+            <a:schemeClr val="accent1"/>
+          </a:effectRef>
+          <a:fontRef idx="minor">
+            <a:schemeClr val="tx1"/>
+          </a:fontRef>
+        </p:style>
+        <p:txBody>
+          <a:bodyPr rtlCol="0" anchor="ctr"/>
+          <a:lstStyle/>
+          <a:p>
+            <a:pPr algn="ctr"/>
+            <a:endParaRPr lang="zh-TW" altLang="en-US"/>
+          </a:p>
+        </p:txBody>
+      </p:sp>
+      <p:sp>
+        <p:nvSpPr>
+          <p:cNvPr id="22" name="弧形 21"/>
+          <p:cNvSpPr/>
+          <p:nvPr/>
+        </p:nvSpPr>
+        <p:spPr>
+          <a:xfrm rot="5400000">
+            <a:off x="6931150" y="4674826"/>
+            <a:ext cx="694945" cy="791546"/>
+          </a:xfrm>
+          <a:prstGeom prst="arc">
+            <a:avLst/>
+          </a:prstGeom>
+          <a:ln w="38100">
+            <a:solidFill>
+              <a:schemeClr val="bg1"/>
+            </a:solidFill>
+          </a:ln>
+        </p:spPr>
+        <p:style>
+          <a:lnRef idx="1">
+            <a:schemeClr val="accent1"/>
+          </a:lnRef>
+          <a:fillRef idx="0">
+            <a:schemeClr val="accent1"/>
+          </a:fillRef>
+          <a:effectRef idx="0">
+            <a:schemeClr val="accent1"/>
+          </a:effectRef>
+          <a:fontRef idx="minor">
+            <a:schemeClr val="tx1"/>
+          </a:fontRef>
+        </p:style>
+        <p:txBody>
+          <a:bodyPr rtlCol="0" anchor="ctr"/>
+          <a:lstStyle/>
+          <a:p>
+            <a:pPr algn="ctr"/>
+            <a:endParaRPr lang="zh-TW" altLang="en-US"/>
+          </a:p>
+        </p:txBody>
+      </p:sp>
+      <p:sp>
+        <p:nvSpPr>
+          <p:cNvPr id="23" name="圓角矩形 22"/>
+          <p:cNvSpPr/>
+          <p:nvPr/>
+        </p:nvSpPr>
+        <p:spPr>
+          <a:xfrm>
+            <a:off x="1140422" y="1792224"/>
+            <a:ext cx="2288578" cy="566928"/>
+          </a:xfrm>
+          <a:prstGeom prst="roundRect">
+            <a:avLst/>
+          </a:prstGeom>
+          <a:solidFill>
+            <a:schemeClr val="accent1">
+              <a:alpha val="0"/>
+            </a:schemeClr>
+          </a:solidFill>
+          <a:ln w="25400">
+            <a:solidFill>
+              <a:schemeClr val="bg1">
+                <a:alpha val="0"/>
+              </a:schemeClr>
+            </a:solidFill>
+          </a:ln>
+        </p:spPr>
+        <p:style>
+          <a:lnRef idx="2">
+            <a:schemeClr val="accent1">
+              <a:shade val="50000"/>
+            </a:schemeClr>
+          </a:lnRef>
+          <a:fillRef idx="1">
+            <a:schemeClr val="accent1"/>
+          </a:fillRef>
+          <a:effectRef idx="0">
+            <a:schemeClr val="accent1"/>
+          </a:effectRef>
+          <a:fontRef idx="minor">
+            <a:schemeClr val="lt1"/>
+          </a:fontRef>
+        </p:style>
+        <p:txBody>
+          <a:bodyPr rtlCol="0" anchor="ctr"/>
+          <a:lstStyle/>
+          <a:p>
+            <a:r>
+              <a:rPr lang="en-US" altLang="zh-TW" sz="2400" dirty="0">
+                <a:latin typeface="SauceCodePro Nerd Font" panose="020B0509030403020204" pitchFamily="49" charset="0"/>
+                <a:ea typeface="SauceCodePro Nerd Font" panose="020B0509030403020204" pitchFamily="49" charset="0"/>
+              </a:rPr>
+              <a:t>Token id</a:t>
+            </a:r>
+            <a:r>
+              <a:rPr lang="zh-TW" altLang="en-US" sz="2400" dirty="0">
+                <a:latin typeface="SauceCodePro Nerd Font" panose="020B0509030403020204" pitchFamily="49" charset="0"/>
+              </a:rPr>
+              <a:t>：</a:t>
+            </a:r>
+            <a:r>
+              <a:rPr lang="en-US" altLang="zh-TW" sz="2400" dirty="0">
+                <a:latin typeface="SauceCodePro Nerd Font" panose="020B0509030403020204" pitchFamily="49" charset="0"/>
+                <a:ea typeface="SauceCodePro Nerd Font" panose="020B0509030403020204" pitchFamily="49" charset="0"/>
+              </a:rPr>
+              <a:t>0</a:t>
+            </a:r>
+            <a:endParaRPr lang="zh-TW" altLang="en-US" sz="2400" dirty="0">
+              <a:latin typeface="SauceCodePro Nerd Font" panose="020B0509030403020204" pitchFamily="49" charset="0"/>
+            </a:endParaRPr>
+          </a:p>
+        </p:txBody>
+      </p:sp>
+      <p:sp>
+        <p:nvSpPr>
+          <p:cNvPr id="24" name="圓角矩形 23"/>
+          <p:cNvSpPr/>
+          <p:nvPr/>
+        </p:nvSpPr>
+        <p:spPr>
+          <a:xfrm>
+            <a:off x="1140422" y="2341447"/>
+            <a:ext cx="2288578" cy="566928"/>
+          </a:xfrm>
+          <a:prstGeom prst="roundRect">
+            <a:avLst/>
+          </a:prstGeom>
+          <a:solidFill>
+            <a:schemeClr val="accent1">
+              <a:alpha val="0"/>
+            </a:schemeClr>
+          </a:solidFill>
+          <a:ln w="25400">
+            <a:solidFill>
+              <a:schemeClr val="bg1">
+                <a:alpha val="0"/>
+              </a:schemeClr>
+            </a:solidFill>
+          </a:ln>
+        </p:spPr>
+        <p:style>
+          <a:lnRef idx="2">
+            <a:schemeClr val="accent1">
+              <a:shade val="50000"/>
+            </a:schemeClr>
+          </a:lnRef>
+          <a:fillRef idx="1">
+            <a:schemeClr val="accent1"/>
+          </a:fillRef>
+          <a:effectRef idx="0">
+            <a:schemeClr val="accent1"/>
+          </a:effectRef>
+          <a:fontRef idx="minor">
+            <a:schemeClr val="lt1"/>
+          </a:fontRef>
+        </p:style>
+        <p:txBody>
+          <a:bodyPr rtlCol="0" anchor="ctr"/>
+          <a:lstStyle/>
+          <a:p>
+            <a:r>
+              <a:rPr lang="en-US" altLang="zh-TW" sz="2400" dirty="0">
+                <a:latin typeface="SauceCodePro Nerd Font" panose="020B0509030403020204" pitchFamily="49" charset="0"/>
+                <a:ea typeface="SauceCodePro Nerd Font" panose="020B0509030403020204" pitchFamily="49" charset="0"/>
+              </a:rPr>
+              <a:t>Token id</a:t>
+            </a:r>
+            <a:r>
+              <a:rPr lang="zh-TW" altLang="en-US" sz="2400" dirty="0" smtClean="0">
+                <a:latin typeface="SauceCodePro Nerd Font" panose="020B0509030403020204" pitchFamily="49" charset="0"/>
+              </a:rPr>
+              <a:t>：</a:t>
+            </a:r>
+            <a:r>
+              <a:rPr lang="en-US" altLang="zh-TW" sz="2400" dirty="0" smtClean="0">
+                <a:latin typeface="SauceCodePro Nerd Font" panose="020B0509030403020204" pitchFamily="49" charset="0"/>
+              </a:rPr>
+              <a:t>1</a:t>
+            </a:r>
+            <a:endParaRPr lang="zh-TW" altLang="en-US" sz="2400" dirty="0">
+              <a:latin typeface="SauceCodePro Nerd Font" panose="020B0509030403020204" pitchFamily="49" charset="0"/>
+            </a:endParaRPr>
+          </a:p>
+        </p:txBody>
+      </p:sp>
+      <p:sp>
+        <p:nvSpPr>
+          <p:cNvPr id="25" name="圓角矩形 24"/>
+          <p:cNvSpPr/>
+          <p:nvPr/>
+        </p:nvSpPr>
+        <p:spPr>
+          <a:xfrm>
+            <a:off x="1140422" y="4851144"/>
+            <a:ext cx="2288578" cy="566928"/>
+          </a:xfrm>
+          <a:prstGeom prst="roundRect">
+            <a:avLst/>
+          </a:prstGeom>
+          <a:solidFill>
+            <a:schemeClr val="accent1">
+              <a:alpha val="0"/>
+            </a:schemeClr>
+          </a:solidFill>
+          <a:ln w="25400">
+            <a:solidFill>
+              <a:schemeClr val="bg1">
+                <a:alpha val="0"/>
+              </a:schemeClr>
+            </a:solidFill>
+          </a:ln>
+        </p:spPr>
+        <p:style>
+          <a:lnRef idx="2">
+            <a:schemeClr val="accent1">
+              <a:shade val="50000"/>
+            </a:schemeClr>
+          </a:lnRef>
+          <a:fillRef idx="1">
+            <a:schemeClr val="accent1"/>
+          </a:fillRef>
+          <a:effectRef idx="0">
+            <a:schemeClr val="accent1"/>
+          </a:effectRef>
+          <a:fontRef idx="minor">
+            <a:schemeClr val="lt1"/>
+          </a:fontRef>
+        </p:style>
+        <p:txBody>
+          <a:bodyPr rtlCol="0" anchor="ctr"/>
+          <a:lstStyle/>
+          <a:p>
+            <a:r>
+              <a:rPr lang="en-US" altLang="zh-TW" sz="2400" dirty="0">
+                <a:latin typeface="SauceCodePro Nerd Font" panose="020B0509030403020204" pitchFamily="49" charset="0"/>
+                <a:ea typeface="SauceCodePro Nerd Font" panose="020B0509030403020204" pitchFamily="49" charset="0"/>
+              </a:rPr>
+              <a:t>Token id</a:t>
+            </a:r>
+            <a:r>
+              <a:rPr lang="zh-TW" altLang="en-US" sz="2400" dirty="0" smtClean="0">
+                <a:latin typeface="SauceCodePro Nerd Font" panose="020B0509030403020204" pitchFamily="49" charset="0"/>
+              </a:rPr>
+              <a:t>：</a:t>
+            </a:r>
+            <a:r>
+              <a:rPr lang="en-US" altLang="zh-TW" sz="2400" dirty="0" smtClean="0">
+                <a:latin typeface="SauceCodePro Nerd Font" panose="020B0509030403020204" pitchFamily="49" charset="0"/>
+                <a:ea typeface="SauceCodePro Nerd Font" panose="020B0509030403020204" pitchFamily="49" charset="0"/>
+              </a:rPr>
+              <a:t>d</a:t>
+            </a:r>
+            <a:endParaRPr lang="zh-TW" altLang="en-US" sz="2400" dirty="0">
+              <a:latin typeface="SauceCodePro Nerd Font" panose="020B0509030403020204" pitchFamily="49" charset="0"/>
+            </a:endParaRPr>
+          </a:p>
+        </p:txBody>
+      </p:sp>
+    </p:spTree>
+    <p:extLst>
+      <p:ext uri="{BB962C8B-B14F-4D97-AF65-F5344CB8AC3E}">
+        <p14:creationId xmlns:p14="http://schemas.microsoft.com/office/powerpoint/2010/main" val="3047557713"/>
+      </p:ext>
+    </p:extLst>
+  </p:cSld>
+  <p:clrMapOvr>
+    <a:masterClrMapping/>
+  </p:clrMapOvr>
+  <p:timing>
+    <p:tnLst>
+      <p:par>
+        <p:cTn id="1" dur="indefinite" restart="never" nodeType="tmRoot"/>
+      </p:par>
+    </p:tnLst>
+  </p:timing>
+</p:sld>
+</file>
+
+<file path=ppt/slides/slide2.xml><?xml version="1.0" encoding="utf-8"?>
+<p:sld xmlns:a="http://schemas.openxmlformats.org/drawingml/2006/main" xmlns:r="http://schemas.openxmlformats.org/officeDocument/2006/relationships" xmlns:p="http://schemas.openxmlformats.org/presentationml/2006/main">
+  <p:cSld>
+    <p:bg>
+      <p:bgPr>
+        <a:solidFill>
+          <a:srgbClr val="191919"/>
+        </a:solidFill>
+        <a:effectLst/>
+      </p:bgPr>
+    </p:bg>
+    <p:spTree>
+      <p:nvGrpSpPr>
+        <p:cNvPr id="1" name=""/>
+        <p:cNvGrpSpPr/>
+        <p:nvPr/>
+      </p:nvGrpSpPr>
+      <p:grpSpPr>
+        <a:xfrm>
+          <a:off x="0" y="0"/>
+          <a:ext cx="0" cy="0"/>
+          <a:chOff x="0" y="0"/>
+          <a:chExt cx="0" cy="0"/>
+        </a:xfrm>
+      </p:grpSpPr>
+      <p:sp>
+        <p:nvSpPr>
+          <p:cNvPr id="5" name="圓角矩形 4"/>
+          <p:cNvSpPr/>
+          <p:nvPr/>
+        </p:nvSpPr>
+        <p:spPr>
+          <a:xfrm>
+            <a:off x="6434846" y="1801950"/>
+            <a:ext cx="3849624" cy="566928"/>
+          </a:xfrm>
+          <a:prstGeom prst="roundRect">
+            <a:avLst/>
+          </a:prstGeom>
+          <a:solidFill>
+            <a:srgbClr val="00B0F0"/>
+          </a:solidFill>
+          <a:ln w="25400">
+            <a:solidFill>
+              <a:schemeClr val="bg1"/>
+            </a:solidFill>
+          </a:ln>
+        </p:spPr>
+        <p:style>
+          <a:lnRef idx="2">
+            <a:schemeClr val="accent1">
+              <a:shade val="50000"/>
+            </a:schemeClr>
+          </a:lnRef>
+          <a:fillRef idx="1">
+            <a:schemeClr val="accent1"/>
+          </a:fillRef>
+          <a:effectRef idx="0">
+            <a:schemeClr val="accent1"/>
+          </a:effectRef>
+          <a:fontRef idx="minor">
+            <a:schemeClr val="lt1"/>
+          </a:fontRef>
+        </p:style>
+        <p:txBody>
+          <a:bodyPr rtlCol="0" anchor="ctr"/>
+          <a:lstStyle/>
+          <a:p>
+            <a:pPr algn="ctr"/>
+            <a:r>
+              <a:rPr lang="en-US" altLang="zh-TW" sz="2400" dirty="0" smtClean="0">
+                <a:latin typeface="SauceCodePro Nerd Font" panose="020B0509030403020204" pitchFamily="49" charset="0"/>
+              </a:rPr>
+              <a:t>Vector 0</a:t>
+            </a:r>
+            <a:endParaRPr lang="zh-TW" altLang="en-US" sz="2400" dirty="0">
+              <a:latin typeface="SauceCodePro Nerd Font" panose="020B0509030403020204" pitchFamily="49" charset="0"/>
+            </a:endParaRPr>
+          </a:p>
+        </p:txBody>
+      </p:sp>
+      <p:sp>
+        <p:nvSpPr>
+          <p:cNvPr id="7" name="弧形 6"/>
+          <p:cNvSpPr/>
+          <p:nvPr/>
+        </p:nvSpPr>
+        <p:spPr>
+          <a:xfrm>
+            <a:off x="9589525" y="1406177"/>
+            <a:ext cx="694945" cy="791546"/>
+          </a:xfrm>
+          <a:prstGeom prst="arc">
+            <a:avLst/>
+          </a:prstGeom>
+          <a:ln w="38100">
+            <a:solidFill>
+              <a:schemeClr val="bg1"/>
+            </a:solidFill>
+          </a:ln>
+        </p:spPr>
+        <p:style>
+          <a:lnRef idx="1">
+            <a:schemeClr val="accent1"/>
+          </a:lnRef>
+          <a:fillRef idx="0">
+            <a:schemeClr val="accent1"/>
+          </a:fillRef>
+          <a:effectRef idx="0">
+            <a:schemeClr val="accent1"/>
+          </a:effectRef>
+          <a:fontRef idx="minor">
+            <a:schemeClr val="tx1"/>
+          </a:fontRef>
+        </p:style>
+        <p:txBody>
+          <a:bodyPr rtlCol="0" anchor="ctr"/>
+          <a:lstStyle/>
+          <a:p>
+            <a:pPr algn="ctr"/>
+            <a:endParaRPr lang="zh-TW" altLang="en-US"/>
+          </a:p>
+        </p:txBody>
+      </p:sp>
+      <p:sp>
+        <p:nvSpPr>
+          <p:cNvPr id="8" name="弧形 7"/>
+          <p:cNvSpPr/>
+          <p:nvPr/>
+        </p:nvSpPr>
+        <p:spPr>
+          <a:xfrm flipH="1">
+            <a:off x="6434846" y="1406177"/>
+            <a:ext cx="694946" cy="791546"/>
+          </a:xfrm>
+          <a:prstGeom prst="arc">
+            <a:avLst/>
+          </a:prstGeom>
+          <a:ln w="38100">
+            <a:solidFill>
+              <a:schemeClr val="bg1"/>
+            </a:solidFill>
+          </a:ln>
+        </p:spPr>
+        <p:style>
+          <a:lnRef idx="1">
+            <a:schemeClr val="accent1"/>
+          </a:lnRef>
+          <a:fillRef idx="0">
+            <a:schemeClr val="accent1"/>
+          </a:fillRef>
+          <a:effectRef idx="0">
+            <a:schemeClr val="accent1"/>
+          </a:effectRef>
+          <a:fontRef idx="minor">
+            <a:schemeClr val="tx1"/>
+          </a:fontRef>
+        </p:style>
+        <p:txBody>
+          <a:bodyPr rtlCol="0" anchor="ctr"/>
+          <a:lstStyle/>
+          <a:p>
+            <a:pPr algn="ctr"/>
+            <a:endParaRPr lang="zh-TW" altLang="en-US"/>
+          </a:p>
+        </p:txBody>
+      </p:sp>
+      <p:sp>
+        <p:nvSpPr>
+          <p:cNvPr id="9" name="圓角矩形 8"/>
+          <p:cNvSpPr/>
+          <p:nvPr/>
+        </p:nvSpPr>
+        <p:spPr>
+          <a:xfrm>
+            <a:off x="6434846" y="1235022"/>
+            <a:ext cx="3849624" cy="566928"/>
+          </a:xfrm>
+          <a:prstGeom prst="roundRect">
+            <a:avLst/>
+          </a:prstGeom>
+          <a:solidFill>
+            <a:schemeClr val="accent1">
+              <a:alpha val="0"/>
+            </a:schemeClr>
+          </a:solidFill>
+          <a:ln>
+            <a:solidFill>
+              <a:schemeClr val="accent1">
+                <a:shade val="50000"/>
+                <a:alpha val="0"/>
+              </a:schemeClr>
+            </a:solidFill>
+          </a:ln>
+        </p:spPr>
+        <p:style>
+          <a:lnRef idx="2">
+            <a:schemeClr val="accent1">
+              <a:shade val="50000"/>
+            </a:schemeClr>
+          </a:lnRef>
+          <a:fillRef idx="1">
+            <a:schemeClr val="accent1"/>
+          </a:fillRef>
+          <a:effectRef idx="0">
+            <a:schemeClr val="accent1"/>
+          </a:effectRef>
+          <a:fontRef idx="minor">
+            <a:schemeClr val="lt1"/>
+          </a:fontRef>
+        </p:style>
+        <p:txBody>
+          <a:bodyPr rtlCol="0" anchor="ctr"/>
+          <a:lstStyle/>
+          <a:p>
+            <a:pPr algn="ctr"/>
+            <a:r>
+              <a:rPr lang="en-US" altLang="zh-TW" sz="2400" dirty="0" smtClean="0">
+                <a:latin typeface="SauceCodePro Nerd Font" panose="020B0509030403020204" pitchFamily="49" charset="0"/>
+                <a:ea typeface="SauceCodePro Nerd Font" panose="020B0509030403020204" pitchFamily="49" charset="0"/>
+              </a:rPr>
+              <a:t>Embedding length</a:t>
+            </a:r>
+            <a:endParaRPr lang="zh-TW" altLang="en-US" sz="2400" dirty="0">
+              <a:latin typeface="SauceCodePro Nerd Font" panose="020B0509030403020204" pitchFamily="49" charset="0"/>
+            </a:endParaRPr>
+          </a:p>
+        </p:txBody>
+      </p:sp>
+      <p:sp>
+        <p:nvSpPr>
+          <p:cNvPr id="10" name="圓角矩形 9"/>
+          <p:cNvSpPr/>
+          <p:nvPr/>
+        </p:nvSpPr>
+        <p:spPr>
+          <a:xfrm>
+            <a:off x="6434846" y="2368878"/>
+            <a:ext cx="3849624" cy="566928"/>
+          </a:xfrm>
+          <a:prstGeom prst="roundRect">
+            <a:avLst/>
+          </a:prstGeom>
+          <a:solidFill>
+            <a:srgbClr val="00B0F0"/>
+          </a:solidFill>
+          <a:ln w="25400">
+            <a:solidFill>
+              <a:schemeClr val="bg1"/>
+            </a:solidFill>
+          </a:ln>
+        </p:spPr>
+        <p:style>
+          <a:lnRef idx="2">
+            <a:schemeClr val="accent1">
+              <a:shade val="50000"/>
+            </a:schemeClr>
+          </a:lnRef>
+          <a:fillRef idx="1">
+            <a:schemeClr val="accent1"/>
+          </a:fillRef>
+          <a:effectRef idx="0">
+            <a:schemeClr val="accent1"/>
+          </a:effectRef>
+          <a:fontRef idx="minor">
+            <a:schemeClr val="lt1"/>
+          </a:fontRef>
+        </p:style>
+        <p:txBody>
+          <a:bodyPr rtlCol="0" anchor="ctr"/>
+          <a:lstStyle/>
+          <a:p>
+            <a:pPr algn="ctr"/>
+            <a:r>
+              <a:rPr lang="en-US" altLang="zh-TW" sz="2400" dirty="0" smtClean="0">
+                <a:latin typeface="SauceCodePro Nerd Font" panose="020B0509030403020204" pitchFamily="49" charset="0"/>
+              </a:rPr>
+              <a:t>Vector 1</a:t>
+            </a:r>
+            <a:endParaRPr lang="zh-TW" altLang="en-US" sz="2400" dirty="0">
+              <a:latin typeface="SauceCodePro Nerd Font" panose="020B0509030403020204" pitchFamily="49" charset="0"/>
+            </a:endParaRPr>
+          </a:p>
+        </p:txBody>
+      </p:sp>
+      <p:sp>
+        <p:nvSpPr>
+          <p:cNvPr id="11" name="圓角矩形 10"/>
+          <p:cNvSpPr/>
+          <p:nvPr/>
+        </p:nvSpPr>
+        <p:spPr>
+          <a:xfrm>
+            <a:off x="6434846" y="3485029"/>
+            <a:ext cx="3849624" cy="566928"/>
+          </a:xfrm>
+          <a:prstGeom prst="roundRect">
+            <a:avLst/>
+          </a:prstGeom>
+          <a:solidFill>
+            <a:schemeClr val="accent1">
+              <a:alpha val="0"/>
+            </a:schemeClr>
+          </a:solidFill>
+          <a:ln w="25400">
+            <a:solidFill>
+              <a:schemeClr val="bg1">
+                <a:alpha val="0"/>
+              </a:schemeClr>
+            </a:solidFill>
+          </a:ln>
+        </p:spPr>
+        <p:style>
+          <a:lnRef idx="2">
+            <a:schemeClr val="accent1">
+              <a:shade val="50000"/>
+            </a:schemeClr>
+          </a:lnRef>
+          <a:fillRef idx="1">
+            <a:schemeClr val="accent1"/>
+          </a:fillRef>
+          <a:effectRef idx="0">
+            <a:schemeClr val="accent1"/>
+          </a:effectRef>
+          <a:fontRef idx="minor">
+            <a:schemeClr val="lt1"/>
+          </a:fontRef>
+        </p:style>
+        <p:txBody>
+          <a:bodyPr rtlCol="0" anchor="ctr"/>
+          <a:lstStyle/>
+          <a:p>
+            <a:pPr algn="ctr"/>
+            <a:r>
+              <a:rPr lang="en-US" altLang="zh-TW" sz="3200" dirty="0" smtClean="0">
+                <a:latin typeface="SauceCodePro Nerd Font" panose="020B0509030403020204" pitchFamily="49" charset="0"/>
+                <a:ea typeface="SauceCodePro Nerd Font" panose="020B0509030403020204" pitchFamily="49" charset="0"/>
+              </a:rPr>
+              <a:t>.</a:t>
+            </a:r>
+          </a:p>
+          <a:p>
+            <a:pPr algn="ctr"/>
+            <a:r>
+              <a:rPr lang="en-US" altLang="zh-TW" sz="3200" dirty="0" smtClean="0">
+                <a:latin typeface="SauceCodePro Nerd Font" panose="020B0509030403020204" pitchFamily="49" charset="0"/>
+                <a:ea typeface="SauceCodePro Nerd Font" panose="020B0509030403020204" pitchFamily="49" charset="0"/>
+              </a:rPr>
+              <a:t>.</a:t>
+            </a:r>
+          </a:p>
+          <a:p>
+            <a:pPr algn="ctr"/>
+            <a:r>
+              <a:rPr lang="en-US" altLang="zh-TW" sz="3200" dirty="0">
+                <a:latin typeface="SauceCodePro Nerd Font" panose="020B0509030403020204" pitchFamily="49" charset="0"/>
+                <a:ea typeface="SauceCodePro Nerd Font" panose="020B0509030403020204" pitchFamily="49" charset="0"/>
+              </a:rPr>
+              <a:t>.</a:t>
+            </a:r>
+            <a:endParaRPr lang="zh-TW" altLang="en-US" sz="3200" dirty="0">
+              <a:latin typeface="SauceCodePro Nerd Font" panose="020B0509030403020204" pitchFamily="49" charset="0"/>
+            </a:endParaRPr>
+          </a:p>
+        </p:txBody>
+      </p:sp>
+      <p:sp>
+        <p:nvSpPr>
+          <p:cNvPr id="14" name="圓角矩形 13"/>
+          <p:cNvSpPr/>
+          <p:nvPr/>
+        </p:nvSpPr>
+        <p:spPr>
+          <a:xfrm>
+            <a:off x="6434846" y="4860871"/>
+            <a:ext cx="3849624" cy="566928"/>
+          </a:xfrm>
+          <a:prstGeom prst="roundRect">
+            <a:avLst/>
+          </a:prstGeom>
+          <a:solidFill>
+            <a:srgbClr val="00B0F0"/>
+          </a:solidFill>
+          <a:ln w="25400">
+            <a:solidFill>
+              <a:schemeClr val="bg1"/>
+            </a:solidFill>
+          </a:ln>
+        </p:spPr>
+        <p:style>
+          <a:lnRef idx="2">
+            <a:schemeClr val="accent1">
+              <a:shade val="50000"/>
+            </a:schemeClr>
+          </a:lnRef>
+          <a:fillRef idx="1">
+            <a:schemeClr val="accent1"/>
+          </a:fillRef>
+          <a:effectRef idx="0">
+            <a:schemeClr val="accent1"/>
+          </a:effectRef>
+          <a:fontRef idx="minor">
+            <a:schemeClr val="lt1"/>
+          </a:fontRef>
+        </p:style>
+        <p:txBody>
+          <a:bodyPr rtlCol="0" anchor="ctr"/>
+          <a:lstStyle/>
+          <a:p>
+            <a:pPr algn="ctr"/>
+            <a:r>
+              <a:rPr lang="en-US" altLang="zh-TW" sz="2400" dirty="0" smtClean="0">
+                <a:latin typeface="SauceCodePro Nerd Font" panose="020B0509030403020204" pitchFamily="49" charset="0"/>
+              </a:rPr>
+              <a:t>Vector d</a:t>
+            </a:r>
+            <a:endParaRPr lang="zh-TW" altLang="en-US" sz="2400" dirty="0">
+              <a:latin typeface="SauceCodePro Nerd Font" panose="020B0509030403020204" pitchFamily="49" charset="0"/>
+            </a:endParaRPr>
+          </a:p>
+        </p:txBody>
+      </p:sp>
+      <p:sp>
+        <p:nvSpPr>
+          <p:cNvPr id="20" name="圓角矩形 19"/>
+          <p:cNvSpPr/>
+          <p:nvPr/>
+        </p:nvSpPr>
+        <p:spPr>
+          <a:xfrm rot="5400000">
+            <a:off x="8941247" y="3331410"/>
+            <a:ext cx="3253370" cy="566928"/>
+          </a:xfrm>
+          <a:prstGeom prst="roundRect">
+            <a:avLst/>
+          </a:prstGeom>
+          <a:solidFill>
+            <a:schemeClr val="accent1">
+              <a:alpha val="0"/>
+            </a:schemeClr>
+          </a:solidFill>
+          <a:ln>
+            <a:solidFill>
+              <a:schemeClr val="accent1">
+                <a:shade val="50000"/>
+                <a:alpha val="0"/>
+              </a:schemeClr>
+            </a:solidFill>
+          </a:ln>
+        </p:spPr>
+        <p:style>
+          <a:lnRef idx="2">
+            <a:schemeClr val="accent1">
+              <a:shade val="50000"/>
+            </a:schemeClr>
+          </a:lnRef>
+          <a:fillRef idx="1">
+            <a:schemeClr val="accent1"/>
+          </a:fillRef>
+          <a:effectRef idx="0">
+            <a:schemeClr val="accent1"/>
+          </a:effectRef>
+          <a:fontRef idx="minor">
+            <a:schemeClr val="lt1"/>
+          </a:fontRef>
+        </p:style>
+        <p:txBody>
+          <a:bodyPr rtlCol="0" anchor="ctr"/>
+          <a:lstStyle/>
+          <a:p>
+            <a:pPr algn="ctr"/>
+            <a:r>
+              <a:rPr lang="en-US" altLang="zh-TW" sz="2400" dirty="0" smtClean="0">
+                <a:latin typeface="SauceCodePro Nerd Font" panose="020B0509030403020204" pitchFamily="49" charset="0"/>
+                <a:ea typeface="SauceCodePro Nerd Font" panose="020B0509030403020204" pitchFamily="49" charset="0"/>
+              </a:rPr>
+              <a:t>Dictionary</a:t>
+            </a:r>
+            <a:r>
+              <a:rPr lang="zh-TW" altLang="en-US" sz="2400" dirty="0" smtClean="0">
+                <a:latin typeface="SauceCodePro Nerd Font" panose="020B0509030403020204" pitchFamily="49" charset="0"/>
+                <a:ea typeface="SauceCodePro Nerd Font" panose="020B0509030403020204" pitchFamily="49" charset="0"/>
+              </a:rPr>
+              <a:t> </a:t>
+            </a:r>
+            <a:r>
+              <a:rPr lang="en-US" altLang="zh-TW" sz="2400" dirty="0">
+                <a:latin typeface="SauceCodePro Nerd Font" panose="020B0509030403020204" pitchFamily="49" charset="0"/>
+                <a:ea typeface="SauceCodePro Nerd Font" panose="020B0509030403020204" pitchFamily="49" charset="0"/>
+              </a:rPr>
+              <a:t>s</a:t>
+            </a:r>
+            <a:r>
+              <a:rPr lang="en-US" altLang="zh-TW" sz="2400" dirty="0" smtClean="0">
+                <a:latin typeface="SauceCodePro Nerd Font" panose="020B0509030403020204" pitchFamily="49" charset="0"/>
+                <a:ea typeface="SauceCodePro Nerd Font" panose="020B0509030403020204" pitchFamily="49" charset="0"/>
+              </a:rPr>
+              <a:t>ize</a:t>
+            </a:r>
+            <a:endParaRPr lang="zh-TW" altLang="en-US" sz="2400" dirty="0">
+              <a:latin typeface="SauceCodePro Nerd Font" panose="020B0509030403020204" pitchFamily="49" charset="0"/>
+            </a:endParaRPr>
+          </a:p>
+        </p:txBody>
+      </p:sp>
+      <p:sp>
+        <p:nvSpPr>
+          <p:cNvPr id="21" name="弧形 20"/>
+          <p:cNvSpPr/>
+          <p:nvPr/>
+        </p:nvSpPr>
+        <p:spPr>
+          <a:xfrm rot="5400000" flipH="1">
+            <a:off x="9936995" y="1753650"/>
+            <a:ext cx="694946" cy="791546"/>
+          </a:xfrm>
+          <a:prstGeom prst="arc">
+            <a:avLst/>
+          </a:prstGeom>
+          <a:ln w="38100">
+            <a:solidFill>
+              <a:schemeClr val="bg1"/>
+            </a:solidFill>
+          </a:ln>
+        </p:spPr>
+        <p:style>
+          <a:lnRef idx="1">
+            <a:schemeClr val="accent1"/>
+          </a:lnRef>
+          <a:fillRef idx="0">
+            <a:schemeClr val="accent1"/>
+          </a:fillRef>
+          <a:effectRef idx="0">
+            <a:schemeClr val="accent1"/>
+          </a:effectRef>
+          <a:fontRef idx="minor">
+            <a:schemeClr val="tx1"/>
+          </a:fontRef>
+        </p:style>
+        <p:txBody>
+          <a:bodyPr rtlCol="0" anchor="ctr"/>
+          <a:lstStyle/>
+          <a:p>
+            <a:pPr algn="ctr"/>
+            <a:endParaRPr lang="zh-TW" altLang="en-US"/>
+          </a:p>
+        </p:txBody>
+      </p:sp>
+      <p:sp>
+        <p:nvSpPr>
+          <p:cNvPr id="22" name="弧形 21"/>
+          <p:cNvSpPr/>
+          <p:nvPr/>
+        </p:nvSpPr>
+        <p:spPr>
+          <a:xfrm rot="5400000">
+            <a:off x="9936996" y="4684552"/>
+            <a:ext cx="694945" cy="791546"/>
+          </a:xfrm>
+          <a:prstGeom prst="arc">
+            <a:avLst/>
+          </a:prstGeom>
+          <a:ln w="38100">
+            <a:solidFill>
+              <a:schemeClr val="bg1"/>
+            </a:solidFill>
+          </a:ln>
+        </p:spPr>
+        <p:style>
+          <a:lnRef idx="1">
+            <a:schemeClr val="accent1"/>
+          </a:lnRef>
+          <a:fillRef idx="0">
+            <a:schemeClr val="accent1"/>
+          </a:fillRef>
+          <a:effectRef idx="0">
+            <a:schemeClr val="accent1"/>
+          </a:effectRef>
+          <a:fontRef idx="minor">
+            <a:schemeClr val="tx1"/>
+          </a:fontRef>
+        </p:style>
+        <p:txBody>
+          <a:bodyPr rtlCol="0" anchor="ctr"/>
+          <a:lstStyle/>
+          <a:p>
+            <a:pPr algn="ctr"/>
+            <a:endParaRPr lang="zh-TW" altLang="en-US"/>
+          </a:p>
+        </p:txBody>
+      </p:sp>
+      <p:sp>
+        <p:nvSpPr>
+          <p:cNvPr id="23" name="圓角矩形 22"/>
+          <p:cNvSpPr/>
+          <p:nvPr/>
+        </p:nvSpPr>
+        <p:spPr>
+          <a:xfrm>
+            <a:off x="3987188" y="1978574"/>
+            <a:ext cx="675710" cy="619460"/>
+          </a:xfrm>
+          <a:prstGeom prst="roundRect">
+            <a:avLst/>
+          </a:prstGeom>
+          <a:solidFill>
+            <a:schemeClr val="accent1">
+              <a:alpha val="0"/>
+            </a:schemeClr>
+          </a:solidFill>
+          <a:ln w="25400">
+            <a:solidFill>
+              <a:srgbClr val="FF0066"/>
+            </a:solidFill>
+          </a:ln>
+        </p:spPr>
+        <p:style>
+          <a:lnRef idx="2">
+            <a:schemeClr val="accent1">
+              <a:shade val="50000"/>
+            </a:schemeClr>
+          </a:lnRef>
+          <a:fillRef idx="1">
+            <a:schemeClr val="accent1"/>
+          </a:fillRef>
+          <a:effectRef idx="0">
+            <a:schemeClr val="accent1"/>
+          </a:effectRef>
+          <a:fontRef idx="minor">
+            <a:schemeClr val="lt1"/>
+          </a:fontRef>
+        </p:style>
+        <p:txBody>
+          <a:bodyPr rtlCol="0" anchor="ctr"/>
+          <a:lstStyle/>
+          <a:p>
+            <a:r>
+              <a:rPr lang="en-US" altLang="zh-TW" sz="2400" dirty="0">
+                <a:latin typeface="SauceCodePro Nerd Font" panose="020B0509030403020204" pitchFamily="49" charset="0"/>
+                <a:ea typeface="SauceCodePro Nerd Font" panose="020B0509030403020204" pitchFamily="49" charset="0"/>
+              </a:rPr>
+              <a:t>1</a:t>
+            </a:r>
+            <a:endParaRPr lang="zh-TW" altLang="en-US" sz="2400" dirty="0">
+              <a:latin typeface="SauceCodePro Nerd Font" panose="020B0509030403020204" pitchFamily="49" charset="0"/>
+            </a:endParaRPr>
+          </a:p>
+        </p:txBody>
+      </p:sp>
+      <p:sp>
+        <p:nvSpPr>
+          <p:cNvPr id="16" name="圓角矩形 15"/>
+          <p:cNvSpPr/>
+          <p:nvPr/>
+        </p:nvSpPr>
+        <p:spPr>
+          <a:xfrm>
+            <a:off x="3452996" y="5275763"/>
+            <a:ext cx="1744094" cy="566928"/>
+          </a:xfrm>
+          <a:prstGeom prst="roundRect">
+            <a:avLst/>
+          </a:prstGeom>
+          <a:solidFill>
+            <a:schemeClr val="accent1">
+              <a:alpha val="0"/>
+            </a:schemeClr>
+          </a:solidFill>
+          <a:ln w="25400">
+            <a:solidFill>
+              <a:srgbClr val="FF0066">
+                <a:alpha val="0"/>
+              </a:srgbClr>
+            </a:solidFill>
+          </a:ln>
+        </p:spPr>
+        <p:style>
+          <a:lnRef idx="2">
+            <a:schemeClr val="accent1">
+              <a:shade val="50000"/>
+            </a:schemeClr>
+          </a:lnRef>
+          <a:fillRef idx="1">
+            <a:schemeClr val="accent1"/>
+          </a:fillRef>
+          <a:effectRef idx="0">
+            <a:schemeClr val="accent1"/>
+          </a:effectRef>
+          <a:fontRef idx="minor">
+            <a:schemeClr val="lt1"/>
+          </a:fontRef>
+        </p:style>
+        <p:txBody>
+          <a:bodyPr rtlCol="0" anchor="ctr"/>
+          <a:lstStyle/>
+          <a:p>
+            <a:r>
+              <a:rPr lang="en-US" altLang="zh-TW" sz="2400" dirty="0">
+                <a:latin typeface="SauceCodePro Nerd Font" panose="020B0509030403020204" pitchFamily="49" charset="0"/>
+                <a:ea typeface="SauceCodePro Nerd Font" panose="020B0509030403020204" pitchFamily="49" charset="0"/>
+              </a:rPr>
+              <a:t>Token </a:t>
+            </a:r>
+            <a:r>
+              <a:rPr lang="en-US" altLang="zh-TW" sz="2400" dirty="0" smtClean="0">
+                <a:latin typeface="SauceCodePro Nerd Font" panose="020B0509030403020204" pitchFamily="49" charset="0"/>
+                <a:ea typeface="SauceCodePro Nerd Font" panose="020B0509030403020204" pitchFamily="49" charset="0"/>
+              </a:rPr>
+              <a:t>id</a:t>
+            </a:r>
+            <a:endParaRPr lang="zh-TW" altLang="en-US" sz="2400" dirty="0">
+              <a:latin typeface="SauceCodePro Nerd Font" panose="020B0509030403020204" pitchFamily="49" charset="0"/>
+            </a:endParaRPr>
+          </a:p>
+        </p:txBody>
+      </p:sp>
+      <p:sp>
+        <p:nvSpPr>
+          <p:cNvPr id="17" name="圓角矩形 16"/>
+          <p:cNvSpPr/>
+          <p:nvPr/>
+        </p:nvSpPr>
+        <p:spPr>
+          <a:xfrm>
+            <a:off x="3987188" y="2598034"/>
+            <a:ext cx="675710" cy="619460"/>
+          </a:xfrm>
+          <a:prstGeom prst="roundRect">
+            <a:avLst/>
+          </a:prstGeom>
+          <a:solidFill>
+            <a:schemeClr val="accent1">
+              <a:alpha val="0"/>
+            </a:schemeClr>
+          </a:solidFill>
+          <a:ln w="25400">
+            <a:solidFill>
+              <a:srgbClr val="FF0066"/>
+            </a:solidFill>
+          </a:ln>
+        </p:spPr>
+        <p:style>
+          <a:lnRef idx="2">
+            <a:schemeClr val="accent1">
+              <a:shade val="50000"/>
+            </a:schemeClr>
+          </a:lnRef>
+          <a:fillRef idx="1">
+            <a:schemeClr val="accent1"/>
+          </a:fillRef>
+          <a:effectRef idx="0">
+            <a:schemeClr val="accent1"/>
+          </a:effectRef>
+          <a:fontRef idx="minor">
+            <a:schemeClr val="lt1"/>
+          </a:fontRef>
+        </p:style>
+        <p:txBody>
+          <a:bodyPr rtlCol="0" anchor="ctr"/>
+          <a:lstStyle/>
+          <a:p>
+            <a:r>
+              <a:rPr lang="en-US" altLang="zh-TW" sz="2400" dirty="0" smtClean="0">
+                <a:latin typeface="SauceCodePro Nerd Font" panose="020B0509030403020204" pitchFamily="49" charset="0"/>
+                <a:ea typeface="SauceCodePro Nerd Font" panose="020B0509030403020204" pitchFamily="49" charset="0"/>
+              </a:rPr>
+              <a:t>12</a:t>
+            </a:r>
+            <a:endParaRPr lang="zh-TW" altLang="en-US" sz="2400" dirty="0">
+              <a:latin typeface="SauceCodePro Nerd Font" panose="020B0509030403020204" pitchFamily="49" charset="0"/>
+            </a:endParaRPr>
+          </a:p>
+        </p:txBody>
+      </p:sp>
+      <p:sp>
+        <p:nvSpPr>
+          <p:cNvPr id="18" name="圓角矩形 17"/>
+          <p:cNvSpPr/>
+          <p:nvPr/>
+        </p:nvSpPr>
+        <p:spPr>
+          <a:xfrm>
+            <a:off x="3987188" y="3217494"/>
+            <a:ext cx="675710" cy="619460"/>
+          </a:xfrm>
+          <a:prstGeom prst="roundRect">
+            <a:avLst/>
+          </a:prstGeom>
+          <a:solidFill>
+            <a:schemeClr val="accent1">
+              <a:alpha val="0"/>
+            </a:schemeClr>
+          </a:solidFill>
+          <a:ln w="25400">
+            <a:solidFill>
+              <a:srgbClr val="FF0066"/>
+            </a:solidFill>
+          </a:ln>
+        </p:spPr>
+        <p:style>
+          <a:lnRef idx="2">
+            <a:schemeClr val="accent1">
+              <a:shade val="50000"/>
+            </a:schemeClr>
+          </a:lnRef>
+          <a:fillRef idx="1">
+            <a:schemeClr val="accent1"/>
+          </a:fillRef>
+          <a:effectRef idx="0">
+            <a:schemeClr val="accent1"/>
+          </a:effectRef>
+          <a:fontRef idx="minor">
+            <a:schemeClr val="lt1"/>
+          </a:fontRef>
+        </p:style>
+        <p:txBody>
+          <a:bodyPr rtlCol="0" anchor="ctr"/>
+          <a:lstStyle/>
+          <a:p>
+            <a:r>
+              <a:rPr lang="en-US" altLang="zh-TW" sz="2400" dirty="0" smtClean="0">
+                <a:latin typeface="SauceCodePro Nerd Font" panose="020B0509030403020204" pitchFamily="49" charset="0"/>
+                <a:ea typeface="SauceCodePro Nerd Font" panose="020B0509030403020204" pitchFamily="49" charset="0"/>
+              </a:rPr>
+              <a:t>0</a:t>
+            </a:r>
+            <a:endParaRPr lang="zh-TW" altLang="en-US" sz="2400" dirty="0">
+              <a:latin typeface="SauceCodePro Nerd Font" panose="020B0509030403020204" pitchFamily="49" charset="0"/>
+            </a:endParaRPr>
+          </a:p>
+        </p:txBody>
+      </p:sp>
+      <p:sp>
+        <p:nvSpPr>
+          <p:cNvPr id="19" name="圓角矩形 18"/>
+          <p:cNvSpPr/>
+          <p:nvPr/>
+        </p:nvSpPr>
+        <p:spPr>
+          <a:xfrm>
+            <a:off x="3987188" y="3836954"/>
+            <a:ext cx="675710" cy="619460"/>
+          </a:xfrm>
+          <a:prstGeom prst="roundRect">
+            <a:avLst/>
+          </a:prstGeom>
+          <a:solidFill>
+            <a:schemeClr val="accent1">
+              <a:alpha val="0"/>
+            </a:schemeClr>
+          </a:solidFill>
+          <a:ln w="25400">
+            <a:solidFill>
+              <a:srgbClr val="FF0066"/>
+            </a:solidFill>
+          </a:ln>
+        </p:spPr>
+        <p:style>
+          <a:lnRef idx="2">
+            <a:schemeClr val="accent1">
+              <a:shade val="50000"/>
+            </a:schemeClr>
+          </a:lnRef>
+          <a:fillRef idx="1">
+            <a:schemeClr val="accent1"/>
+          </a:fillRef>
+          <a:effectRef idx="0">
+            <a:schemeClr val="accent1"/>
+          </a:effectRef>
+          <a:fontRef idx="minor">
+            <a:schemeClr val="lt1"/>
+          </a:fontRef>
+        </p:style>
+        <p:txBody>
+          <a:bodyPr rtlCol="0" anchor="ctr"/>
+          <a:lstStyle/>
+          <a:p>
+            <a:r>
+              <a:rPr lang="en-US" altLang="zh-TW" sz="2400" dirty="0">
+                <a:latin typeface="SauceCodePro Nerd Font" panose="020B0509030403020204" pitchFamily="49" charset="0"/>
+                <a:ea typeface="SauceCodePro Nerd Font" panose="020B0509030403020204" pitchFamily="49" charset="0"/>
+              </a:rPr>
+              <a:t>d</a:t>
+            </a:r>
+            <a:endParaRPr lang="zh-TW" altLang="en-US" sz="2400" dirty="0">
+              <a:latin typeface="SauceCodePro Nerd Font" panose="020B0509030403020204" pitchFamily="49" charset="0"/>
+            </a:endParaRPr>
+          </a:p>
+        </p:txBody>
+      </p:sp>
+      <p:sp>
+        <p:nvSpPr>
+          <p:cNvPr id="26" name="圓角矩形 25"/>
+          <p:cNvSpPr/>
+          <p:nvPr/>
+        </p:nvSpPr>
+        <p:spPr>
+          <a:xfrm>
+            <a:off x="3987188" y="4456414"/>
+            <a:ext cx="675710" cy="619460"/>
+          </a:xfrm>
+          <a:prstGeom prst="roundRect">
+            <a:avLst/>
+          </a:prstGeom>
+          <a:solidFill>
+            <a:schemeClr val="accent1">
+              <a:alpha val="0"/>
+            </a:schemeClr>
+          </a:solidFill>
+          <a:ln w="25400">
+            <a:solidFill>
+              <a:srgbClr val="FF0066"/>
+            </a:solidFill>
+          </a:ln>
+        </p:spPr>
+        <p:style>
+          <a:lnRef idx="2">
+            <a:schemeClr val="accent1">
+              <a:shade val="50000"/>
+            </a:schemeClr>
+          </a:lnRef>
+          <a:fillRef idx="1">
+            <a:schemeClr val="accent1"/>
+          </a:fillRef>
+          <a:effectRef idx="0">
+            <a:schemeClr val="accent1"/>
+          </a:effectRef>
+          <a:fontRef idx="minor">
+            <a:schemeClr val="lt1"/>
+          </a:fontRef>
+        </p:style>
+        <p:txBody>
+          <a:bodyPr rtlCol="0" anchor="ctr"/>
+          <a:lstStyle/>
+          <a:p>
+            <a:r>
+              <a:rPr lang="en-US" altLang="zh-TW" sz="2400" dirty="0">
+                <a:latin typeface="SauceCodePro Nerd Font" panose="020B0509030403020204" pitchFamily="49" charset="0"/>
+                <a:ea typeface="SauceCodePro Nerd Font" panose="020B0509030403020204" pitchFamily="49" charset="0"/>
+              </a:rPr>
+              <a:t>5</a:t>
+            </a:r>
+            <a:endParaRPr lang="zh-TW" altLang="en-US" sz="2400" dirty="0">
+              <a:latin typeface="SauceCodePro Nerd Font" panose="020B0509030403020204" pitchFamily="49" charset="0"/>
+            </a:endParaRPr>
+          </a:p>
+        </p:txBody>
+      </p:sp>
+      <p:cxnSp>
+        <p:nvCxnSpPr>
+          <p:cNvPr id="27" name="直線單箭頭接點 26"/>
+          <p:cNvCxnSpPr>
+            <a:stCxn id="23" idx="3"/>
+            <a:endCxn id="10" idx="1"/>
+          </p:cNvCxnSpPr>
+          <p:nvPr/>
+        </p:nvCxnSpPr>
+        <p:spPr>
+          <a:xfrm>
+            <a:off x="4662898" y="2288304"/>
+            <a:ext cx="1771948" cy="364038"/>
+          </a:xfrm>
+          <a:prstGeom prst="straightConnector1">
+            <a:avLst/>
+          </a:prstGeom>
+          <a:ln w="63500">
+            <a:solidFill>
+              <a:schemeClr val="accent6">
+                <a:lumMod val="60000"/>
+                <a:lumOff val="40000"/>
+              </a:schemeClr>
+            </a:solidFill>
+            <a:tailEnd type="triangle"/>
+          </a:ln>
+        </p:spPr>
+        <p:style>
+          <a:lnRef idx="1">
+            <a:schemeClr val="accent1"/>
+          </a:lnRef>
+          <a:fillRef idx="0">
+            <a:schemeClr val="accent1"/>
+          </a:fillRef>
+          <a:effectRef idx="0">
+            <a:schemeClr val="accent1"/>
+          </a:effectRef>
+          <a:fontRef idx="minor">
+            <a:schemeClr val="tx1"/>
+          </a:fontRef>
+        </p:style>
+      </p:cxnSp>
+      <p:cxnSp>
+        <p:nvCxnSpPr>
+          <p:cNvPr id="28" name="直線單箭頭接點 27"/>
+          <p:cNvCxnSpPr>
+            <a:stCxn id="18" idx="3"/>
+            <a:endCxn id="5" idx="1"/>
+          </p:cNvCxnSpPr>
+          <p:nvPr/>
+        </p:nvCxnSpPr>
+        <p:spPr>
+          <a:xfrm flipV="1">
+            <a:off x="4662898" y="2085414"/>
+            <a:ext cx="1771948" cy="1441810"/>
+          </a:xfrm>
+          <a:prstGeom prst="straightConnector1">
+            <a:avLst/>
+          </a:prstGeom>
+          <a:ln w="63500">
+            <a:solidFill>
+              <a:schemeClr val="accent6">
+                <a:lumMod val="60000"/>
+                <a:lumOff val="40000"/>
+              </a:schemeClr>
+            </a:solidFill>
+            <a:tailEnd type="triangle"/>
+          </a:ln>
+        </p:spPr>
+        <p:style>
+          <a:lnRef idx="1">
+            <a:schemeClr val="accent1"/>
+          </a:lnRef>
+          <a:fillRef idx="0">
+            <a:schemeClr val="accent1"/>
+          </a:fillRef>
+          <a:effectRef idx="0">
+            <a:schemeClr val="accent1"/>
+          </a:effectRef>
+          <a:fontRef idx="minor">
+            <a:schemeClr val="tx1"/>
+          </a:fontRef>
+        </p:style>
+      </p:cxnSp>
+      <p:cxnSp>
+        <p:nvCxnSpPr>
+          <p:cNvPr id="29" name="直線單箭頭接點 28"/>
+          <p:cNvCxnSpPr>
+            <a:stCxn id="19" idx="3"/>
+            <a:endCxn id="14" idx="1"/>
+          </p:cNvCxnSpPr>
+          <p:nvPr/>
+        </p:nvCxnSpPr>
+        <p:spPr>
+          <a:xfrm>
+            <a:off x="4662898" y="4146684"/>
+            <a:ext cx="1771948" cy="997651"/>
+          </a:xfrm>
+          <a:prstGeom prst="straightConnector1">
+            <a:avLst/>
+          </a:prstGeom>
+          <a:ln w="63500">
+            <a:solidFill>
+              <a:schemeClr val="accent6">
+                <a:lumMod val="60000"/>
+                <a:lumOff val="40000"/>
+              </a:schemeClr>
+            </a:solidFill>
+            <a:tailEnd type="triangle"/>
+          </a:ln>
+        </p:spPr>
+        <p:style>
+          <a:lnRef idx="1">
+            <a:schemeClr val="accent1"/>
+          </a:lnRef>
+          <a:fillRef idx="0">
+            <a:schemeClr val="accent1"/>
+          </a:fillRef>
+          <a:effectRef idx="0">
+            <a:schemeClr val="accent1"/>
+          </a:effectRef>
+          <a:fontRef idx="minor">
+            <a:schemeClr val="tx1"/>
+          </a:fontRef>
+        </p:style>
+      </p:cxnSp>
+      <p:cxnSp>
+        <p:nvCxnSpPr>
+          <p:cNvPr id="31" name="直線單箭頭接點 30"/>
+          <p:cNvCxnSpPr>
+            <a:stCxn id="17" idx="3"/>
+            <a:endCxn id="11" idx="1"/>
+          </p:cNvCxnSpPr>
+          <p:nvPr/>
+        </p:nvCxnSpPr>
+        <p:spPr>
+          <a:xfrm>
+            <a:off x="4662898" y="2907764"/>
+            <a:ext cx="1771948" cy="860729"/>
+          </a:xfrm>
+          <a:prstGeom prst="straightConnector1">
+            <a:avLst/>
+          </a:prstGeom>
+          <a:ln w="63500">
+            <a:solidFill>
+              <a:schemeClr val="accent6">
+                <a:lumMod val="60000"/>
+                <a:lumOff val="40000"/>
+              </a:schemeClr>
+            </a:solidFill>
+            <a:tailEnd type="triangle"/>
+          </a:ln>
+        </p:spPr>
+        <p:style>
+          <a:lnRef idx="1">
+            <a:schemeClr val="accent1"/>
+          </a:lnRef>
+          <a:fillRef idx="0">
+            <a:schemeClr val="accent1"/>
+          </a:fillRef>
+          <a:effectRef idx="0">
+            <a:schemeClr val="accent1"/>
+          </a:effectRef>
+          <a:fontRef idx="minor">
+            <a:schemeClr val="tx1"/>
+          </a:fontRef>
+        </p:style>
+      </p:cxnSp>
+      <p:cxnSp>
+        <p:nvCxnSpPr>
+          <p:cNvPr id="34" name="直線單箭頭接點 33"/>
+          <p:cNvCxnSpPr>
+            <a:stCxn id="26" idx="3"/>
+          </p:cNvCxnSpPr>
+          <p:nvPr/>
+        </p:nvCxnSpPr>
+        <p:spPr>
+          <a:xfrm flipV="1">
+            <a:off x="4662898" y="3327335"/>
+            <a:ext cx="1771948" cy="1438809"/>
+          </a:xfrm>
+          <a:prstGeom prst="straightConnector1">
+            <a:avLst/>
+          </a:prstGeom>
+          <a:ln w="63500">
+            <a:solidFill>
+              <a:schemeClr val="accent6">
+                <a:lumMod val="60000"/>
+                <a:lumOff val="40000"/>
+              </a:schemeClr>
+            </a:solidFill>
+            <a:tailEnd type="triangle"/>
+          </a:ln>
+        </p:spPr>
+        <p:style>
+          <a:lnRef idx="1">
+            <a:schemeClr val="accent1"/>
+          </a:lnRef>
+          <a:fillRef idx="0">
+            <a:schemeClr val="accent1"/>
+          </a:fillRef>
+          <a:effectRef idx="0">
+            <a:schemeClr val="accent1"/>
+          </a:effectRef>
+          <a:fontRef idx="minor">
+            <a:schemeClr val="tx1"/>
+          </a:fontRef>
+        </p:style>
+      </p:cxnSp>
+      <p:sp>
+        <p:nvSpPr>
+          <p:cNvPr id="44" name="圓角矩形 43"/>
+          <p:cNvSpPr/>
+          <p:nvPr/>
+        </p:nvSpPr>
+        <p:spPr>
+          <a:xfrm rot="16200000">
+            <a:off x="2060310" y="3234186"/>
+            <a:ext cx="3253370" cy="566928"/>
+          </a:xfrm>
+          <a:prstGeom prst="roundRect">
+            <a:avLst/>
+          </a:prstGeom>
+          <a:solidFill>
+            <a:schemeClr val="accent1">
+              <a:alpha val="0"/>
+            </a:schemeClr>
+          </a:solidFill>
+          <a:ln>
+            <a:solidFill>
+              <a:schemeClr val="accent1">
+                <a:shade val="50000"/>
+                <a:alpha val="0"/>
+              </a:schemeClr>
+            </a:solidFill>
+          </a:ln>
+        </p:spPr>
+        <p:style>
+          <a:lnRef idx="2">
+            <a:schemeClr val="accent1">
+              <a:shade val="50000"/>
+            </a:schemeClr>
+          </a:lnRef>
+          <a:fillRef idx="1">
+            <a:schemeClr val="accent1"/>
+          </a:fillRef>
+          <a:effectRef idx="0">
+            <a:schemeClr val="accent1"/>
+          </a:effectRef>
+          <a:fontRef idx="minor">
+            <a:schemeClr val="lt1"/>
+          </a:fontRef>
+        </p:style>
+        <p:txBody>
+          <a:bodyPr rtlCol="0" anchor="ctr"/>
+          <a:lstStyle/>
+          <a:p>
+            <a:pPr algn="ctr"/>
+            <a:r>
+              <a:rPr lang="en-US" altLang="zh-TW" sz="2400" dirty="0" smtClean="0">
+                <a:latin typeface="SauceCodePro Nerd Font" panose="020B0509030403020204" pitchFamily="49" charset="0"/>
+              </a:rPr>
+              <a:t>Input length</a:t>
+            </a:r>
+            <a:endParaRPr lang="zh-TW" altLang="en-US" sz="2400" dirty="0">
+              <a:latin typeface="SauceCodePro Nerd Font" panose="020B0509030403020204" pitchFamily="49" charset="0"/>
+            </a:endParaRPr>
+          </a:p>
+        </p:txBody>
+      </p:sp>
+      <p:sp>
+        <p:nvSpPr>
+          <p:cNvPr id="45" name="弧形 44"/>
+          <p:cNvSpPr/>
+          <p:nvPr/>
+        </p:nvSpPr>
+        <p:spPr>
+          <a:xfrm rot="16200000" flipH="1">
+            <a:off x="3627640" y="4332628"/>
+            <a:ext cx="694946" cy="791546"/>
+          </a:xfrm>
+          <a:prstGeom prst="arc">
+            <a:avLst/>
+          </a:prstGeom>
+          <a:ln w="38100">
+            <a:solidFill>
+              <a:schemeClr val="bg1"/>
+            </a:solidFill>
+          </a:ln>
+        </p:spPr>
+        <p:style>
+          <a:lnRef idx="1">
+            <a:schemeClr val="accent1"/>
+          </a:lnRef>
+          <a:fillRef idx="0">
+            <a:schemeClr val="accent1"/>
+          </a:fillRef>
+          <a:effectRef idx="0">
+            <a:schemeClr val="accent1"/>
+          </a:effectRef>
+          <a:fontRef idx="minor">
+            <a:schemeClr val="tx1"/>
+          </a:fontRef>
+        </p:style>
+        <p:txBody>
+          <a:bodyPr rtlCol="0" anchor="ctr"/>
+          <a:lstStyle/>
+          <a:p>
+            <a:pPr algn="ctr"/>
+            <a:endParaRPr lang="zh-TW" altLang="en-US"/>
+          </a:p>
+        </p:txBody>
+      </p:sp>
+      <p:sp>
+        <p:nvSpPr>
+          <p:cNvPr id="46" name="弧形 45"/>
+          <p:cNvSpPr/>
+          <p:nvPr/>
+        </p:nvSpPr>
+        <p:spPr>
+          <a:xfrm rot="16200000">
+            <a:off x="3627640" y="1933342"/>
+            <a:ext cx="694945" cy="791546"/>
+          </a:xfrm>
+          <a:prstGeom prst="arc">
+            <a:avLst/>
+          </a:prstGeom>
+          <a:ln w="38100">
+            <a:solidFill>
+              <a:schemeClr val="bg1"/>
+            </a:solidFill>
+          </a:ln>
+        </p:spPr>
+        <p:style>
+          <a:lnRef idx="1">
+            <a:schemeClr val="accent1"/>
+          </a:lnRef>
+          <a:fillRef idx="0">
+            <a:schemeClr val="accent1"/>
+          </a:fillRef>
+          <a:effectRef idx="0">
+            <a:schemeClr val="accent1"/>
+          </a:effectRef>
+          <a:fontRef idx="minor">
+            <a:schemeClr val="tx1"/>
+          </a:fontRef>
+        </p:style>
+        <p:txBody>
+          <a:bodyPr rtlCol="0" anchor="ctr"/>
+          <a:lstStyle/>
+          <a:p>
+            <a:pPr algn="ctr"/>
+            <a:endParaRPr lang="zh-TW" altLang="en-US"/>
+          </a:p>
+        </p:txBody>
+      </p:sp>
+    </p:spTree>
+    <p:extLst>
+      <p:ext uri="{BB962C8B-B14F-4D97-AF65-F5344CB8AC3E}">
+        <p14:creationId xmlns:p14="http://schemas.microsoft.com/office/powerpoint/2010/main" val="3963773577"/>
+      </p:ext>
+    </p:extLst>
+  </p:cSld>
+  <p:clrMapOvr>
+    <a:masterClrMapping/>
+  </p:clrMapOvr>
+  <p:timing>
+    <p:tnLst>
+      <p:par>
+        <p:cTn id="1" dur="indefinite" restart="never" nodeType="tmRoot"/>
+      </p:par>
+    </p:tnLst>
+  </p:timing>
+</p:sld>
+</file>
+
+<file path=ppt/slides/slide3.xml><?xml version="1.0" encoding="utf-8"?>
+<p:sld xmlns:a="http://schemas.openxmlformats.org/drawingml/2006/main" xmlns:r="http://schemas.openxmlformats.org/officeDocument/2006/relationships" xmlns:p="http://schemas.openxmlformats.org/presentationml/2006/main">
+  <p:cSld>
+    <p:bg>
+      <p:bgPr>
+        <a:solidFill>
+          <a:srgbClr val="191919"/>
+        </a:solidFill>
+        <a:effectLst/>
+      </p:bgPr>
+    </p:bg>
+    <p:spTree>
+      <p:nvGrpSpPr>
+        <p:cNvPr id="1" name=""/>
+        <p:cNvGrpSpPr/>
+        <p:nvPr/>
+      </p:nvGrpSpPr>
+      <p:grpSpPr>
+        <a:xfrm>
+          <a:off x="0" y="0"/>
+          <a:ext cx="0" cy="0"/>
+          <a:chOff x="0" y="0"/>
+          <a:chExt cx="0" cy="0"/>
+        </a:xfrm>
+      </p:grpSpPr>
+      <p:sp>
+        <p:nvSpPr>
+          <p:cNvPr id="4" name="圓角矩形 3"/>
+          <p:cNvSpPr/>
+          <p:nvPr/>
+        </p:nvSpPr>
+        <p:spPr>
+          <a:xfrm>
+            <a:off x="5656634" y="2191058"/>
+            <a:ext cx="3849624" cy="566928"/>
+          </a:xfrm>
+          <a:prstGeom prst="roundRect">
+            <a:avLst/>
+          </a:prstGeom>
+          <a:solidFill>
+            <a:srgbClr val="FF0066"/>
+          </a:solidFill>
+          <a:ln w="25400">
+            <a:solidFill>
+              <a:schemeClr val="bg1"/>
+            </a:solidFill>
+          </a:ln>
+        </p:spPr>
+        <p:style>
+          <a:lnRef idx="2">
+            <a:schemeClr val="accent1">
+              <a:shade val="50000"/>
+            </a:schemeClr>
+          </a:lnRef>
+          <a:fillRef idx="1">
+            <a:schemeClr val="accent1"/>
+          </a:fillRef>
+          <a:effectRef idx="0">
+            <a:schemeClr val="accent1"/>
+          </a:effectRef>
+          <a:fontRef idx="minor">
+            <a:schemeClr val="lt1"/>
+          </a:fontRef>
+        </p:style>
+        <p:txBody>
+          <a:bodyPr rtlCol="0" anchor="ctr"/>
+          <a:lstStyle/>
+          <a:p>
+            <a:pPr algn="ctr"/>
+            <a:r>
+              <a:rPr lang="en-US" altLang="zh-TW" sz="2400" dirty="0" smtClean="0">
+                <a:latin typeface="SauceCodePro Nerd Font" panose="020B0509030403020204" pitchFamily="49" charset="0"/>
+              </a:rPr>
+              <a:t>Vector 0</a:t>
+            </a:r>
+            <a:endParaRPr lang="zh-TW" altLang="en-US" sz="2400" dirty="0">
+              <a:latin typeface="SauceCodePro Nerd Font" panose="020B0509030403020204" pitchFamily="49" charset="0"/>
+            </a:endParaRPr>
+          </a:p>
+        </p:txBody>
+      </p:sp>
+      <p:sp>
+        <p:nvSpPr>
+          <p:cNvPr id="5" name="弧形 4"/>
+          <p:cNvSpPr/>
+          <p:nvPr/>
+        </p:nvSpPr>
+        <p:spPr>
+          <a:xfrm>
+            <a:off x="8811313" y="1795285"/>
+            <a:ext cx="694945" cy="791546"/>
+          </a:xfrm>
+          <a:prstGeom prst="arc">
+            <a:avLst/>
+          </a:prstGeom>
+          <a:ln w="38100">
+            <a:solidFill>
+              <a:schemeClr val="bg1"/>
+            </a:solidFill>
+          </a:ln>
+        </p:spPr>
+        <p:style>
+          <a:lnRef idx="1">
+            <a:schemeClr val="accent1"/>
+          </a:lnRef>
+          <a:fillRef idx="0">
+            <a:schemeClr val="accent1"/>
+          </a:fillRef>
+          <a:effectRef idx="0">
+            <a:schemeClr val="accent1"/>
+          </a:effectRef>
+          <a:fontRef idx="minor">
+            <a:schemeClr val="tx1"/>
+          </a:fontRef>
+        </p:style>
+        <p:txBody>
+          <a:bodyPr rtlCol="0" anchor="ctr"/>
+          <a:lstStyle/>
+          <a:p>
+            <a:pPr algn="ctr"/>
+            <a:endParaRPr lang="zh-TW" altLang="en-US"/>
+          </a:p>
+        </p:txBody>
+      </p:sp>
+      <p:sp>
+        <p:nvSpPr>
+          <p:cNvPr id="6" name="弧形 5"/>
+          <p:cNvSpPr/>
+          <p:nvPr/>
+        </p:nvSpPr>
+        <p:spPr>
+          <a:xfrm flipH="1">
+            <a:off x="5656634" y="1795285"/>
+            <a:ext cx="694946" cy="791546"/>
+          </a:xfrm>
+          <a:prstGeom prst="arc">
+            <a:avLst/>
+          </a:prstGeom>
+          <a:ln w="38100">
+            <a:solidFill>
+              <a:schemeClr val="bg1"/>
+            </a:solidFill>
+          </a:ln>
+        </p:spPr>
+        <p:style>
+          <a:lnRef idx="1">
+            <a:schemeClr val="accent1"/>
+          </a:lnRef>
+          <a:fillRef idx="0">
+            <a:schemeClr val="accent1"/>
+          </a:fillRef>
+          <a:effectRef idx="0">
+            <a:schemeClr val="accent1"/>
+          </a:effectRef>
+          <a:fontRef idx="minor">
+            <a:schemeClr val="tx1"/>
+          </a:fontRef>
+        </p:style>
+        <p:txBody>
+          <a:bodyPr rtlCol="0" anchor="ctr"/>
+          <a:lstStyle/>
+          <a:p>
+            <a:pPr algn="ctr"/>
+            <a:endParaRPr lang="zh-TW" altLang="en-US"/>
+          </a:p>
+        </p:txBody>
+      </p:sp>
+      <p:sp>
+        <p:nvSpPr>
+          <p:cNvPr id="7" name="圓角矩形 6"/>
+          <p:cNvSpPr/>
+          <p:nvPr/>
+        </p:nvSpPr>
+        <p:spPr>
+          <a:xfrm>
+            <a:off x="5656634" y="1624130"/>
+            <a:ext cx="3849624" cy="566928"/>
+          </a:xfrm>
+          <a:prstGeom prst="roundRect">
+            <a:avLst/>
+          </a:prstGeom>
+          <a:solidFill>
+            <a:schemeClr val="accent1">
+              <a:alpha val="0"/>
+            </a:schemeClr>
+          </a:solidFill>
+          <a:ln>
+            <a:solidFill>
+              <a:schemeClr val="accent1">
+                <a:shade val="50000"/>
+                <a:alpha val="0"/>
+              </a:schemeClr>
+            </a:solidFill>
+          </a:ln>
+        </p:spPr>
+        <p:style>
+          <a:lnRef idx="2">
+            <a:schemeClr val="accent1">
+              <a:shade val="50000"/>
+            </a:schemeClr>
+          </a:lnRef>
+          <a:fillRef idx="1">
+            <a:schemeClr val="accent1"/>
+          </a:fillRef>
+          <a:effectRef idx="0">
+            <a:schemeClr val="accent1"/>
+          </a:effectRef>
+          <a:fontRef idx="minor">
+            <a:schemeClr val="lt1"/>
+          </a:fontRef>
+        </p:style>
+        <p:txBody>
+          <a:bodyPr rtlCol="0" anchor="ctr"/>
+          <a:lstStyle/>
+          <a:p>
+            <a:pPr algn="ctr"/>
+            <a:r>
+              <a:rPr lang="en-US" altLang="zh-TW" sz="2400" dirty="0" smtClean="0">
+                <a:latin typeface="SauceCodePro Nerd Font" panose="020B0509030403020204" pitchFamily="49" charset="0"/>
+                <a:ea typeface="SauceCodePro Nerd Font" panose="020B0509030403020204" pitchFamily="49" charset="0"/>
+              </a:rPr>
+              <a:t>Embedding length</a:t>
+            </a:r>
+            <a:endParaRPr lang="zh-TW" altLang="en-US" sz="2400" dirty="0">
+              <a:latin typeface="SauceCodePro Nerd Font" panose="020B0509030403020204" pitchFamily="49" charset="0"/>
+            </a:endParaRPr>
+          </a:p>
+        </p:txBody>
+      </p:sp>
+      <p:sp>
+        <p:nvSpPr>
+          <p:cNvPr id="8" name="圓角矩形 7"/>
+          <p:cNvSpPr/>
+          <p:nvPr/>
+        </p:nvSpPr>
+        <p:spPr>
+          <a:xfrm>
+            <a:off x="5656634" y="2757986"/>
+            <a:ext cx="3849624" cy="566928"/>
+          </a:xfrm>
+          <a:prstGeom prst="roundRect">
+            <a:avLst/>
+          </a:prstGeom>
+          <a:solidFill>
+            <a:srgbClr val="FF0066"/>
+          </a:solidFill>
+          <a:ln w="25400">
+            <a:solidFill>
+              <a:schemeClr val="bg1"/>
+            </a:solidFill>
+          </a:ln>
+        </p:spPr>
+        <p:style>
+          <a:lnRef idx="2">
+            <a:schemeClr val="accent1">
+              <a:shade val="50000"/>
+            </a:schemeClr>
+          </a:lnRef>
+          <a:fillRef idx="1">
+            <a:schemeClr val="accent1"/>
+          </a:fillRef>
+          <a:effectRef idx="0">
+            <a:schemeClr val="accent1"/>
+          </a:effectRef>
+          <a:fontRef idx="minor">
+            <a:schemeClr val="lt1"/>
+          </a:fontRef>
+        </p:style>
+        <p:txBody>
+          <a:bodyPr rtlCol="0" anchor="ctr"/>
+          <a:lstStyle/>
+          <a:p>
+            <a:pPr algn="ctr"/>
+            <a:r>
+              <a:rPr lang="en-US" altLang="zh-TW" sz="2400" dirty="0" smtClean="0">
+                <a:latin typeface="SauceCodePro Nerd Font" panose="020B0509030403020204" pitchFamily="49" charset="0"/>
+              </a:rPr>
+              <a:t>Vector 1</a:t>
+            </a:r>
+            <a:endParaRPr lang="zh-TW" altLang="en-US" sz="2400" dirty="0">
+              <a:latin typeface="SauceCodePro Nerd Font" panose="020B0509030403020204" pitchFamily="49" charset="0"/>
+            </a:endParaRPr>
+          </a:p>
+        </p:txBody>
+      </p:sp>
+      <p:sp>
+        <p:nvSpPr>
+          <p:cNvPr id="10" name="圓角矩形 9"/>
+          <p:cNvSpPr/>
+          <p:nvPr/>
+        </p:nvSpPr>
+        <p:spPr>
+          <a:xfrm>
+            <a:off x="5656634" y="3324914"/>
+            <a:ext cx="3849624" cy="566928"/>
+          </a:xfrm>
+          <a:prstGeom prst="roundRect">
+            <a:avLst/>
+          </a:prstGeom>
+          <a:solidFill>
+            <a:srgbClr val="FF0066"/>
+          </a:solidFill>
+          <a:ln w="25400">
+            <a:solidFill>
+              <a:schemeClr val="bg1"/>
+            </a:solidFill>
+          </a:ln>
+        </p:spPr>
+        <p:style>
+          <a:lnRef idx="2">
+            <a:schemeClr val="accent1">
+              <a:shade val="50000"/>
+            </a:schemeClr>
+          </a:lnRef>
+          <a:fillRef idx="1">
+            <a:schemeClr val="accent1"/>
+          </a:fillRef>
+          <a:effectRef idx="0">
+            <a:schemeClr val="accent1"/>
+          </a:effectRef>
+          <a:fontRef idx="minor">
+            <a:schemeClr val="lt1"/>
+          </a:fontRef>
+        </p:style>
+        <p:txBody>
+          <a:bodyPr rtlCol="0" anchor="ctr"/>
+          <a:lstStyle/>
+          <a:p>
+            <a:pPr algn="ctr"/>
+            <a:r>
+              <a:rPr lang="en-US" altLang="zh-TW" sz="2400" dirty="0" smtClean="0">
+                <a:latin typeface="SauceCodePro Nerd Font" panose="020B0509030403020204" pitchFamily="49" charset="0"/>
+              </a:rPr>
+              <a:t>Vector d</a:t>
+            </a:r>
+            <a:endParaRPr lang="zh-TW" altLang="en-US" sz="2400" dirty="0">
+              <a:latin typeface="SauceCodePro Nerd Font" panose="020B0509030403020204" pitchFamily="49" charset="0"/>
+            </a:endParaRPr>
+          </a:p>
+        </p:txBody>
+      </p:sp>
+      <p:sp>
+        <p:nvSpPr>
+          <p:cNvPr id="14" name="圓角矩形 13"/>
+          <p:cNvSpPr/>
+          <p:nvPr/>
+        </p:nvSpPr>
+        <p:spPr>
+          <a:xfrm>
+            <a:off x="5656634" y="3891842"/>
+            <a:ext cx="3849624" cy="566928"/>
+          </a:xfrm>
+          <a:prstGeom prst="roundRect">
+            <a:avLst/>
+          </a:prstGeom>
+          <a:solidFill>
+            <a:srgbClr val="FF0066"/>
+          </a:solidFill>
+          <a:ln w="25400">
+            <a:solidFill>
+              <a:schemeClr val="bg1"/>
+            </a:solidFill>
+          </a:ln>
+        </p:spPr>
+        <p:style>
+          <a:lnRef idx="2">
+            <a:schemeClr val="accent1">
+              <a:shade val="50000"/>
+            </a:schemeClr>
+          </a:lnRef>
+          <a:fillRef idx="1">
+            <a:schemeClr val="accent1"/>
+          </a:fillRef>
+          <a:effectRef idx="0">
+            <a:schemeClr val="accent1"/>
+          </a:effectRef>
+          <a:fontRef idx="minor">
+            <a:schemeClr val="lt1"/>
+          </a:fontRef>
+        </p:style>
+        <p:txBody>
+          <a:bodyPr rtlCol="0" anchor="ctr"/>
+          <a:lstStyle/>
+          <a:p>
+            <a:pPr algn="ctr"/>
+            <a:r>
+              <a:rPr lang="en-US" altLang="zh-TW" sz="2400" dirty="0" smtClean="0">
+                <a:latin typeface="SauceCodePro Nerd Font" panose="020B0509030403020204" pitchFamily="49" charset="0"/>
+              </a:rPr>
+              <a:t>Vector d</a:t>
+            </a:r>
+            <a:endParaRPr lang="zh-TW" altLang="en-US" sz="2400" dirty="0">
+              <a:latin typeface="SauceCodePro Nerd Font" panose="020B0509030403020204" pitchFamily="49" charset="0"/>
+            </a:endParaRPr>
+          </a:p>
+        </p:txBody>
+      </p:sp>
+      <p:sp>
+        <p:nvSpPr>
+          <p:cNvPr id="15" name="圓角矩形 14"/>
+          <p:cNvSpPr/>
+          <p:nvPr/>
+        </p:nvSpPr>
+        <p:spPr>
+          <a:xfrm>
+            <a:off x="5656634" y="4458770"/>
+            <a:ext cx="3849624" cy="566928"/>
+          </a:xfrm>
+          <a:prstGeom prst="roundRect">
+            <a:avLst/>
+          </a:prstGeom>
+          <a:solidFill>
+            <a:srgbClr val="FF0066"/>
+          </a:solidFill>
+          <a:ln w="25400">
+            <a:solidFill>
+              <a:schemeClr val="bg1"/>
+            </a:solidFill>
+          </a:ln>
+        </p:spPr>
+        <p:style>
+          <a:lnRef idx="2">
+            <a:schemeClr val="accent1">
+              <a:shade val="50000"/>
+            </a:schemeClr>
+          </a:lnRef>
+          <a:fillRef idx="1">
+            <a:schemeClr val="accent1"/>
+          </a:fillRef>
+          <a:effectRef idx="0">
+            <a:schemeClr val="accent1"/>
+          </a:effectRef>
+          <a:fontRef idx="minor">
+            <a:schemeClr val="lt1"/>
+          </a:fontRef>
+        </p:style>
+        <p:txBody>
+          <a:bodyPr rtlCol="0" anchor="ctr"/>
+          <a:lstStyle/>
+          <a:p>
+            <a:pPr algn="ctr"/>
+            <a:r>
+              <a:rPr lang="en-US" altLang="zh-TW" sz="2400" dirty="0" smtClean="0">
+                <a:latin typeface="SauceCodePro Nerd Font" panose="020B0509030403020204" pitchFamily="49" charset="0"/>
+              </a:rPr>
+              <a:t>Vector d</a:t>
+            </a:r>
+            <a:endParaRPr lang="zh-TW" altLang="en-US" sz="2400" dirty="0">
+              <a:latin typeface="SauceCodePro Nerd Font" panose="020B0509030403020204" pitchFamily="49" charset="0"/>
+            </a:endParaRPr>
+          </a:p>
+        </p:txBody>
+      </p:sp>
+      <p:sp>
+        <p:nvSpPr>
+          <p:cNvPr id="16" name="圓角矩形 15"/>
+          <p:cNvSpPr/>
+          <p:nvPr/>
+        </p:nvSpPr>
+        <p:spPr>
+          <a:xfrm>
+            <a:off x="2324854" y="2041249"/>
+            <a:ext cx="675710" cy="619460"/>
+          </a:xfrm>
+          <a:prstGeom prst="roundRect">
+            <a:avLst/>
+          </a:prstGeom>
+          <a:solidFill>
+            <a:schemeClr val="accent1">
+              <a:alpha val="0"/>
+            </a:schemeClr>
+          </a:solidFill>
+          <a:ln w="25400">
+            <a:solidFill>
+              <a:srgbClr val="FF0066"/>
+            </a:solidFill>
+          </a:ln>
+        </p:spPr>
+        <p:style>
+          <a:lnRef idx="2">
+            <a:schemeClr val="accent1">
+              <a:shade val="50000"/>
+            </a:schemeClr>
+          </a:lnRef>
+          <a:fillRef idx="1">
+            <a:schemeClr val="accent1"/>
+          </a:fillRef>
+          <a:effectRef idx="0">
+            <a:schemeClr val="accent1"/>
+          </a:effectRef>
+          <a:fontRef idx="minor">
+            <a:schemeClr val="lt1"/>
+          </a:fontRef>
+        </p:style>
+        <p:txBody>
+          <a:bodyPr rtlCol="0" anchor="ctr"/>
+          <a:lstStyle/>
+          <a:p>
+            <a:r>
+              <a:rPr lang="en-US" altLang="zh-TW" sz="2400" dirty="0">
+                <a:latin typeface="SauceCodePro Nerd Font" panose="020B0509030403020204" pitchFamily="49" charset="0"/>
+                <a:ea typeface="SauceCodePro Nerd Font" panose="020B0509030403020204" pitchFamily="49" charset="0"/>
+              </a:rPr>
+              <a:t>1</a:t>
+            </a:r>
+            <a:endParaRPr lang="zh-TW" altLang="en-US" sz="2400" dirty="0">
+              <a:latin typeface="SauceCodePro Nerd Font" panose="020B0509030403020204" pitchFamily="49" charset="0"/>
+            </a:endParaRPr>
+          </a:p>
+        </p:txBody>
+      </p:sp>
+      <p:sp>
+        <p:nvSpPr>
+          <p:cNvPr id="17" name="圓角矩形 16"/>
+          <p:cNvSpPr/>
+          <p:nvPr/>
+        </p:nvSpPr>
+        <p:spPr>
+          <a:xfrm>
+            <a:off x="1790662" y="5193504"/>
+            <a:ext cx="1744094" cy="566928"/>
+          </a:xfrm>
+          <a:prstGeom prst="roundRect">
+            <a:avLst/>
+          </a:prstGeom>
+          <a:solidFill>
+            <a:schemeClr val="accent1">
+              <a:alpha val="0"/>
+            </a:schemeClr>
+          </a:solidFill>
+          <a:ln w="25400">
+            <a:solidFill>
+              <a:srgbClr val="FF0066">
+                <a:alpha val="0"/>
+              </a:srgbClr>
+            </a:solidFill>
+          </a:ln>
+        </p:spPr>
+        <p:style>
+          <a:lnRef idx="2">
+            <a:schemeClr val="accent1">
+              <a:shade val="50000"/>
+            </a:schemeClr>
+          </a:lnRef>
+          <a:fillRef idx="1">
+            <a:schemeClr val="accent1"/>
+          </a:fillRef>
+          <a:effectRef idx="0">
+            <a:schemeClr val="accent1"/>
+          </a:effectRef>
+          <a:fontRef idx="minor">
+            <a:schemeClr val="lt1"/>
+          </a:fontRef>
+        </p:style>
+        <p:txBody>
+          <a:bodyPr rtlCol="0" anchor="ctr"/>
+          <a:lstStyle/>
+          <a:p>
+            <a:r>
+              <a:rPr lang="en-US" altLang="zh-TW" sz="2400" dirty="0">
+                <a:latin typeface="SauceCodePro Nerd Font" panose="020B0509030403020204" pitchFamily="49" charset="0"/>
+                <a:ea typeface="SauceCodePro Nerd Font" panose="020B0509030403020204" pitchFamily="49" charset="0"/>
+              </a:rPr>
+              <a:t>Token </a:t>
+            </a:r>
+            <a:r>
+              <a:rPr lang="en-US" altLang="zh-TW" sz="2400" dirty="0" smtClean="0">
+                <a:latin typeface="SauceCodePro Nerd Font" panose="020B0509030403020204" pitchFamily="49" charset="0"/>
+                <a:ea typeface="SauceCodePro Nerd Font" panose="020B0509030403020204" pitchFamily="49" charset="0"/>
+              </a:rPr>
+              <a:t>id</a:t>
+            </a:r>
+            <a:endParaRPr lang="zh-TW" altLang="en-US" sz="2400" dirty="0">
+              <a:latin typeface="SauceCodePro Nerd Font" panose="020B0509030403020204" pitchFamily="49" charset="0"/>
+            </a:endParaRPr>
+          </a:p>
+        </p:txBody>
+      </p:sp>
+      <p:sp>
+        <p:nvSpPr>
+          <p:cNvPr id="18" name="圓角矩形 17"/>
+          <p:cNvSpPr/>
+          <p:nvPr/>
+        </p:nvSpPr>
+        <p:spPr>
+          <a:xfrm>
+            <a:off x="2324854" y="2660709"/>
+            <a:ext cx="675710" cy="619460"/>
+          </a:xfrm>
+          <a:prstGeom prst="roundRect">
+            <a:avLst/>
+          </a:prstGeom>
+          <a:solidFill>
+            <a:schemeClr val="accent1">
+              <a:alpha val="0"/>
+            </a:schemeClr>
+          </a:solidFill>
+          <a:ln w="25400">
+            <a:solidFill>
+              <a:srgbClr val="FF0066"/>
+            </a:solidFill>
+          </a:ln>
+        </p:spPr>
+        <p:style>
+          <a:lnRef idx="2">
+            <a:schemeClr val="accent1">
+              <a:shade val="50000"/>
+            </a:schemeClr>
+          </a:lnRef>
+          <a:fillRef idx="1">
+            <a:schemeClr val="accent1"/>
+          </a:fillRef>
+          <a:effectRef idx="0">
+            <a:schemeClr val="accent1"/>
+          </a:effectRef>
+          <a:fontRef idx="minor">
+            <a:schemeClr val="lt1"/>
+          </a:fontRef>
+        </p:style>
+        <p:txBody>
+          <a:bodyPr rtlCol="0" anchor="ctr"/>
+          <a:lstStyle/>
+          <a:p>
+            <a:r>
+              <a:rPr lang="en-US" altLang="zh-TW" sz="2400" dirty="0" smtClean="0">
+                <a:latin typeface="SauceCodePro Nerd Font" panose="020B0509030403020204" pitchFamily="49" charset="0"/>
+                <a:ea typeface="SauceCodePro Nerd Font" panose="020B0509030403020204" pitchFamily="49" charset="0"/>
+              </a:rPr>
+              <a:t>12</a:t>
+            </a:r>
+            <a:endParaRPr lang="zh-TW" altLang="en-US" sz="2400" dirty="0">
+              <a:latin typeface="SauceCodePro Nerd Font" panose="020B0509030403020204" pitchFamily="49" charset="0"/>
+            </a:endParaRPr>
+          </a:p>
+        </p:txBody>
+      </p:sp>
+      <p:sp>
+        <p:nvSpPr>
+          <p:cNvPr id="19" name="圓角矩形 18"/>
+          <p:cNvSpPr/>
+          <p:nvPr/>
+        </p:nvSpPr>
+        <p:spPr>
+          <a:xfrm>
+            <a:off x="2324854" y="3280169"/>
+            <a:ext cx="675710" cy="619460"/>
+          </a:xfrm>
+          <a:prstGeom prst="roundRect">
+            <a:avLst/>
+          </a:prstGeom>
+          <a:solidFill>
+            <a:schemeClr val="accent1">
+              <a:alpha val="0"/>
+            </a:schemeClr>
+          </a:solidFill>
+          <a:ln w="25400">
+            <a:solidFill>
+              <a:srgbClr val="FF0066"/>
+            </a:solidFill>
+          </a:ln>
+        </p:spPr>
+        <p:style>
+          <a:lnRef idx="2">
+            <a:schemeClr val="accent1">
+              <a:shade val="50000"/>
+            </a:schemeClr>
+          </a:lnRef>
+          <a:fillRef idx="1">
+            <a:schemeClr val="accent1"/>
+          </a:fillRef>
+          <a:effectRef idx="0">
+            <a:schemeClr val="accent1"/>
+          </a:effectRef>
+          <a:fontRef idx="minor">
+            <a:schemeClr val="lt1"/>
+          </a:fontRef>
+        </p:style>
+        <p:txBody>
+          <a:bodyPr rtlCol="0" anchor="ctr"/>
+          <a:lstStyle/>
+          <a:p>
+            <a:r>
+              <a:rPr lang="en-US" altLang="zh-TW" sz="2400" dirty="0" smtClean="0">
+                <a:latin typeface="SauceCodePro Nerd Font" panose="020B0509030403020204" pitchFamily="49" charset="0"/>
+                <a:ea typeface="SauceCodePro Nerd Font" panose="020B0509030403020204" pitchFamily="49" charset="0"/>
+              </a:rPr>
+              <a:t>0</a:t>
+            </a:r>
+            <a:endParaRPr lang="zh-TW" altLang="en-US" sz="2400" dirty="0">
+              <a:latin typeface="SauceCodePro Nerd Font" panose="020B0509030403020204" pitchFamily="49" charset="0"/>
+            </a:endParaRPr>
+          </a:p>
+        </p:txBody>
+      </p:sp>
+      <p:sp>
+        <p:nvSpPr>
+          <p:cNvPr id="20" name="圓角矩形 19"/>
+          <p:cNvSpPr/>
+          <p:nvPr/>
+        </p:nvSpPr>
+        <p:spPr>
+          <a:xfrm>
+            <a:off x="2324854" y="3899629"/>
+            <a:ext cx="675710" cy="619460"/>
+          </a:xfrm>
+          <a:prstGeom prst="roundRect">
+            <a:avLst/>
+          </a:prstGeom>
+          <a:solidFill>
+            <a:schemeClr val="accent1">
+              <a:alpha val="0"/>
+            </a:schemeClr>
+          </a:solidFill>
+          <a:ln w="25400">
+            <a:solidFill>
+              <a:srgbClr val="FF0066"/>
+            </a:solidFill>
+          </a:ln>
+        </p:spPr>
+        <p:style>
+          <a:lnRef idx="2">
+            <a:schemeClr val="accent1">
+              <a:shade val="50000"/>
+            </a:schemeClr>
+          </a:lnRef>
+          <a:fillRef idx="1">
+            <a:schemeClr val="accent1"/>
+          </a:fillRef>
+          <a:effectRef idx="0">
+            <a:schemeClr val="accent1"/>
+          </a:effectRef>
+          <a:fontRef idx="minor">
+            <a:schemeClr val="lt1"/>
+          </a:fontRef>
+        </p:style>
+        <p:txBody>
+          <a:bodyPr rtlCol="0" anchor="ctr"/>
+          <a:lstStyle/>
+          <a:p>
+            <a:r>
+              <a:rPr lang="en-US" altLang="zh-TW" sz="2400" dirty="0">
+                <a:latin typeface="SauceCodePro Nerd Font" panose="020B0509030403020204" pitchFamily="49" charset="0"/>
+                <a:ea typeface="SauceCodePro Nerd Font" panose="020B0509030403020204" pitchFamily="49" charset="0"/>
+              </a:rPr>
+              <a:t>d</a:t>
+            </a:r>
+            <a:endParaRPr lang="zh-TW" altLang="en-US" sz="2400" dirty="0">
+              <a:latin typeface="SauceCodePro Nerd Font" panose="020B0509030403020204" pitchFamily="49" charset="0"/>
+            </a:endParaRPr>
+          </a:p>
+        </p:txBody>
+      </p:sp>
+      <p:sp>
+        <p:nvSpPr>
+          <p:cNvPr id="21" name="圓角矩形 20"/>
+          <p:cNvSpPr/>
+          <p:nvPr/>
+        </p:nvSpPr>
+        <p:spPr>
+          <a:xfrm>
+            <a:off x="2324854" y="4519089"/>
+            <a:ext cx="675710" cy="619460"/>
+          </a:xfrm>
+          <a:prstGeom prst="roundRect">
+            <a:avLst/>
+          </a:prstGeom>
+          <a:solidFill>
+            <a:schemeClr val="accent1">
+              <a:alpha val="0"/>
+            </a:schemeClr>
+          </a:solidFill>
+          <a:ln w="25400">
+            <a:solidFill>
+              <a:srgbClr val="FF0066"/>
+            </a:solidFill>
+          </a:ln>
+        </p:spPr>
+        <p:style>
+          <a:lnRef idx="2">
+            <a:schemeClr val="accent1">
+              <a:shade val="50000"/>
+            </a:schemeClr>
+          </a:lnRef>
+          <a:fillRef idx="1">
+            <a:schemeClr val="accent1"/>
+          </a:fillRef>
+          <a:effectRef idx="0">
+            <a:schemeClr val="accent1"/>
+          </a:effectRef>
+          <a:fontRef idx="minor">
+            <a:schemeClr val="lt1"/>
+          </a:fontRef>
+        </p:style>
+        <p:txBody>
+          <a:bodyPr rtlCol="0" anchor="ctr"/>
+          <a:lstStyle/>
+          <a:p>
+            <a:r>
+              <a:rPr lang="en-US" altLang="zh-TW" sz="2400" dirty="0">
+                <a:latin typeface="SauceCodePro Nerd Font" panose="020B0509030403020204" pitchFamily="49" charset="0"/>
+                <a:ea typeface="SauceCodePro Nerd Font" panose="020B0509030403020204" pitchFamily="49" charset="0"/>
+              </a:rPr>
+              <a:t>5</a:t>
+            </a:r>
+            <a:endParaRPr lang="zh-TW" altLang="en-US" sz="2400" dirty="0">
+              <a:latin typeface="SauceCodePro Nerd Font" panose="020B0509030403020204" pitchFamily="49" charset="0"/>
+            </a:endParaRPr>
+          </a:p>
+        </p:txBody>
+      </p:sp>
+      <p:sp>
+        <p:nvSpPr>
+          <p:cNvPr id="22" name="圓角矩形 21"/>
+          <p:cNvSpPr/>
+          <p:nvPr/>
+        </p:nvSpPr>
+        <p:spPr>
+          <a:xfrm rot="16200000">
+            <a:off x="397976" y="3296861"/>
+            <a:ext cx="3253370" cy="566928"/>
+          </a:xfrm>
+          <a:prstGeom prst="roundRect">
+            <a:avLst/>
+          </a:prstGeom>
+          <a:solidFill>
+            <a:schemeClr val="accent1">
+              <a:alpha val="0"/>
+            </a:schemeClr>
+          </a:solidFill>
+          <a:ln>
+            <a:solidFill>
+              <a:schemeClr val="accent1">
+                <a:shade val="50000"/>
+                <a:alpha val="0"/>
+              </a:schemeClr>
+            </a:solidFill>
+          </a:ln>
+        </p:spPr>
+        <p:style>
+          <a:lnRef idx="2">
+            <a:schemeClr val="accent1">
+              <a:shade val="50000"/>
+            </a:schemeClr>
+          </a:lnRef>
+          <a:fillRef idx="1">
+            <a:schemeClr val="accent1"/>
+          </a:fillRef>
+          <a:effectRef idx="0">
+            <a:schemeClr val="accent1"/>
+          </a:effectRef>
+          <a:fontRef idx="minor">
+            <a:schemeClr val="lt1"/>
+          </a:fontRef>
+        </p:style>
+        <p:txBody>
+          <a:bodyPr rtlCol="0" anchor="ctr"/>
+          <a:lstStyle/>
+          <a:p>
+            <a:pPr algn="ctr"/>
+            <a:r>
+              <a:rPr lang="en-US" altLang="zh-TW" sz="2400" dirty="0" smtClean="0">
+                <a:latin typeface="SauceCodePro Nerd Font" panose="020B0509030403020204" pitchFamily="49" charset="0"/>
+              </a:rPr>
+              <a:t>Input length</a:t>
+            </a:r>
+            <a:endParaRPr lang="zh-TW" altLang="en-US" sz="2400" dirty="0">
+              <a:latin typeface="SauceCodePro Nerd Font" panose="020B0509030403020204" pitchFamily="49" charset="0"/>
+            </a:endParaRPr>
+          </a:p>
+        </p:txBody>
+      </p:sp>
+      <p:sp>
+        <p:nvSpPr>
+          <p:cNvPr id="23" name="弧形 22"/>
+          <p:cNvSpPr/>
+          <p:nvPr/>
+        </p:nvSpPr>
+        <p:spPr>
+          <a:xfrm rot="16200000" flipH="1">
+            <a:off x="1965306" y="4395303"/>
+            <a:ext cx="694946" cy="791546"/>
+          </a:xfrm>
+          <a:prstGeom prst="arc">
+            <a:avLst/>
+          </a:prstGeom>
+          <a:ln w="38100">
+            <a:solidFill>
+              <a:schemeClr val="bg1"/>
+            </a:solidFill>
+          </a:ln>
+        </p:spPr>
+        <p:style>
+          <a:lnRef idx="1">
+            <a:schemeClr val="accent1"/>
+          </a:lnRef>
+          <a:fillRef idx="0">
+            <a:schemeClr val="accent1"/>
+          </a:fillRef>
+          <a:effectRef idx="0">
+            <a:schemeClr val="accent1"/>
+          </a:effectRef>
+          <a:fontRef idx="minor">
+            <a:schemeClr val="tx1"/>
+          </a:fontRef>
+        </p:style>
+        <p:txBody>
+          <a:bodyPr rtlCol="0" anchor="ctr"/>
+          <a:lstStyle/>
+          <a:p>
+            <a:pPr algn="ctr"/>
+            <a:endParaRPr lang="zh-TW" altLang="en-US"/>
+          </a:p>
+        </p:txBody>
+      </p:sp>
+      <p:sp>
+        <p:nvSpPr>
+          <p:cNvPr id="24" name="弧形 23"/>
+          <p:cNvSpPr/>
+          <p:nvPr/>
+        </p:nvSpPr>
+        <p:spPr>
+          <a:xfrm rot="16200000">
+            <a:off x="1965306" y="1996017"/>
+            <a:ext cx="694945" cy="791546"/>
+          </a:xfrm>
+          <a:prstGeom prst="arc">
+            <a:avLst/>
+          </a:prstGeom>
+          <a:ln w="38100">
+            <a:solidFill>
+              <a:schemeClr val="bg1"/>
+            </a:solidFill>
+          </a:ln>
+        </p:spPr>
+        <p:style>
+          <a:lnRef idx="1">
+            <a:schemeClr val="accent1"/>
+          </a:lnRef>
+          <a:fillRef idx="0">
+            <a:schemeClr val="accent1"/>
+          </a:fillRef>
+          <a:effectRef idx="0">
+            <a:schemeClr val="accent1"/>
+          </a:effectRef>
+          <a:fontRef idx="minor">
+            <a:schemeClr val="tx1"/>
+          </a:fontRef>
+        </p:style>
+        <p:txBody>
+          <a:bodyPr rtlCol="0" anchor="ctr"/>
+          <a:lstStyle/>
+          <a:p>
+            <a:pPr algn="ctr"/>
+            <a:endParaRPr lang="zh-TW" altLang="en-US"/>
+          </a:p>
+        </p:txBody>
+      </p:sp>
+      <p:cxnSp>
+        <p:nvCxnSpPr>
+          <p:cNvPr id="25" name="直線單箭頭接點 24"/>
+          <p:cNvCxnSpPr>
+            <a:stCxn id="19" idx="3"/>
+            <a:endCxn id="10" idx="1"/>
+          </p:cNvCxnSpPr>
+          <p:nvPr/>
+        </p:nvCxnSpPr>
+        <p:spPr>
+          <a:xfrm>
+            <a:off x="3000564" y="3589899"/>
+            <a:ext cx="2656070" cy="18479"/>
+          </a:xfrm>
+          <a:prstGeom prst="straightConnector1">
+            <a:avLst/>
+          </a:prstGeom>
+          <a:ln w="63500">
+            <a:solidFill>
+              <a:schemeClr val="accent6">
+                <a:lumMod val="60000"/>
+                <a:lumOff val="40000"/>
+              </a:schemeClr>
+            </a:solidFill>
+            <a:tailEnd type="triangle"/>
+          </a:ln>
+        </p:spPr>
+        <p:style>
+          <a:lnRef idx="1">
+            <a:schemeClr val="accent1"/>
+          </a:lnRef>
+          <a:fillRef idx="0">
+            <a:schemeClr val="accent1"/>
+          </a:fillRef>
+          <a:effectRef idx="0">
+            <a:schemeClr val="accent1"/>
+          </a:effectRef>
+          <a:fontRef idx="minor">
+            <a:schemeClr val="tx1"/>
+          </a:fontRef>
+        </p:style>
+      </p:cxnSp>
+      <p:sp>
+        <p:nvSpPr>
+          <p:cNvPr id="29" name="圓角矩形 28"/>
+          <p:cNvSpPr/>
+          <p:nvPr/>
+        </p:nvSpPr>
+        <p:spPr>
+          <a:xfrm>
+            <a:off x="3251375" y="2660709"/>
+            <a:ext cx="1948814" cy="1015017"/>
+          </a:xfrm>
+          <a:prstGeom prst="roundRect">
+            <a:avLst/>
+          </a:prstGeom>
+          <a:solidFill>
+            <a:srgbClr val="00B0F0">
+              <a:alpha val="0"/>
+            </a:srgbClr>
+          </a:solidFill>
+          <a:ln w="25400">
+            <a:solidFill>
+              <a:schemeClr val="bg1">
+                <a:alpha val="0"/>
+              </a:schemeClr>
+            </a:solidFill>
+          </a:ln>
+        </p:spPr>
+        <p:style>
+          <a:lnRef idx="2">
+            <a:schemeClr val="accent1">
+              <a:shade val="50000"/>
+            </a:schemeClr>
+          </a:lnRef>
+          <a:fillRef idx="1">
+            <a:schemeClr val="accent1"/>
+          </a:fillRef>
+          <a:effectRef idx="0">
+            <a:schemeClr val="accent1"/>
+          </a:effectRef>
+          <a:fontRef idx="minor">
+            <a:schemeClr val="lt1"/>
+          </a:fontRef>
+        </p:style>
+        <p:txBody>
+          <a:bodyPr rtlCol="0" anchor="ctr"/>
+          <a:lstStyle/>
+          <a:p>
+            <a:pPr algn="ctr"/>
+            <a:r>
+              <a:rPr lang="en-US" altLang="zh-TW" sz="2400" dirty="0" smtClean="0">
+                <a:latin typeface="SauceCodePro Nerd Font" panose="020B0509030403020204" pitchFamily="49" charset="0"/>
+                <a:ea typeface="SauceCodePro Nerd Font" panose="020B0509030403020204" pitchFamily="49" charset="0"/>
+              </a:rPr>
+              <a:t>Word Embedding</a:t>
+            </a:r>
+            <a:endParaRPr lang="zh-TW" altLang="en-US" sz="2400" dirty="0">
+              <a:latin typeface="SauceCodePro Nerd Font" panose="020B0509030403020204" pitchFamily="49" charset="0"/>
+            </a:endParaRPr>
+          </a:p>
+        </p:txBody>
+      </p:sp>
+      <p:sp>
+        <p:nvSpPr>
+          <p:cNvPr id="31" name="圓角矩形 30"/>
+          <p:cNvSpPr/>
+          <p:nvPr/>
+        </p:nvSpPr>
+        <p:spPr>
+          <a:xfrm rot="5400000">
+            <a:off x="8524272" y="3327152"/>
+            <a:ext cx="2530900" cy="566928"/>
+          </a:xfrm>
+          <a:prstGeom prst="roundRect">
+            <a:avLst/>
+          </a:prstGeom>
+          <a:solidFill>
+            <a:schemeClr val="accent1">
+              <a:alpha val="0"/>
+            </a:schemeClr>
+          </a:solidFill>
+          <a:ln>
+            <a:solidFill>
+              <a:schemeClr val="accent1">
+                <a:shade val="50000"/>
+                <a:alpha val="0"/>
+              </a:schemeClr>
+            </a:solidFill>
+          </a:ln>
+        </p:spPr>
+        <p:style>
+          <a:lnRef idx="2">
+            <a:schemeClr val="accent1">
+              <a:shade val="50000"/>
+            </a:schemeClr>
+          </a:lnRef>
+          <a:fillRef idx="1">
+            <a:schemeClr val="accent1"/>
+          </a:fillRef>
+          <a:effectRef idx="0">
+            <a:schemeClr val="accent1"/>
+          </a:effectRef>
+          <a:fontRef idx="minor">
+            <a:schemeClr val="lt1"/>
+          </a:fontRef>
+        </p:style>
+        <p:txBody>
+          <a:bodyPr rtlCol="0" anchor="ctr"/>
+          <a:lstStyle/>
+          <a:p>
+            <a:pPr algn="ctr"/>
+            <a:r>
+              <a:rPr lang="en-US" altLang="zh-TW" sz="2400" dirty="0">
+                <a:latin typeface="SauceCodePro Nerd Font" panose="020B0509030403020204" pitchFamily="49" charset="0"/>
+              </a:rPr>
+              <a:t>Input length</a:t>
+            </a:r>
+            <a:endParaRPr lang="zh-TW" altLang="en-US" sz="2400" dirty="0">
+              <a:latin typeface="SauceCodePro Nerd Font" panose="020B0509030403020204" pitchFamily="49" charset="0"/>
+            </a:endParaRPr>
+          </a:p>
+        </p:txBody>
+      </p:sp>
+      <p:sp>
+        <p:nvSpPr>
+          <p:cNvPr id="32" name="弧形 31"/>
+          <p:cNvSpPr/>
+          <p:nvPr/>
+        </p:nvSpPr>
+        <p:spPr>
+          <a:xfrm rot="5400000" flipH="1">
+            <a:off x="9145449" y="2147233"/>
+            <a:ext cx="694946" cy="791546"/>
+          </a:xfrm>
+          <a:prstGeom prst="arc">
+            <a:avLst/>
+          </a:prstGeom>
+          <a:ln w="38100">
+            <a:solidFill>
+              <a:schemeClr val="bg1"/>
+            </a:solidFill>
+          </a:ln>
+        </p:spPr>
+        <p:style>
+          <a:lnRef idx="1">
+            <a:schemeClr val="accent1"/>
+          </a:lnRef>
+          <a:fillRef idx="0">
+            <a:schemeClr val="accent1"/>
+          </a:fillRef>
+          <a:effectRef idx="0">
+            <a:schemeClr val="accent1"/>
+          </a:effectRef>
+          <a:fontRef idx="minor">
+            <a:schemeClr val="tx1"/>
+          </a:fontRef>
+        </p:style>
+        <p:txBody>
+          <a:bodyPr rtlCol="0" anchor="ctr"/>
+          <a:lstStyle/>
+          <a:p>
+            <a:pPr algn="ctr"/>
+            <a:endParaRPr lang="zh-TW" altLang="en-US"/>
+          </a:p>
+        </p:txBody>
+      </p:sp>
+      <p:sp>
+        <p:nvSpPr>
+          <p:cNvPr id="33" name="弧形 32"/>
+          <p:cNvSpPr/>
+          <p:nvPr/>
+        </p:nvSpPr>
+        <p:spPr>
+          <a:xfrm rot="5400000">
+            <a:off x="9140796" y="4282453"/>
+            <a:ext cx="694945" cy="791546"/>
+          </a:xfrm>
+          <a:prstGeom prst="arc">
+            <a:avLst/>
+          </a:prstGeom>
+          <a:ln w="38100">
+            <a:solidFill>
+              <a:schemeClr val="bg1"/>
+            </a:solidFill>
+          </a:ln>
+        </p:spPr>
+        <p:style>
+          <a:lnRef idx="1">
+            <a:schemeClr val="accent1"/>
+          </a:lnRef>
+          <a:fillRef idx="0">
+            <a:schemeClr val="accent1"/>
+          </a:fillRef>
+          <a:effectRef idx="0">
+            <a:schemeClr val="accent1"/>
+          </a:effectRef>
+          <a:fontRef idx="minor">
+            <a:schemeClr val="tx1"/>
+          </a:fontRef>
+        </p:style>
+        <p:txBody>
+          <a:bodyPr rtlCol="0" anchor="ctr"/>
+          <a:lstStyle/>
+          <a:p>
+            <a:pPr algn="ctr"/>
+            <a:endParaRPr lang="zh-TW" altLang="en-US"/>
+          </a:p>
+        </p:txBody>
+      </p:sp>
+    </p:spTree>
+    <p:extLst>
+      <p:ext uri="{BB962C8B-B14F-4D97-AF65-F5344CB8AC3E}">
+        <p14:creationId xmlns:p14="http://schemas.microsoft.com/office/powerpoint/2010/main" val="2171706955"/>
+      </p:ext>
+    </p:extLst>
+  </p:cSld>
+  <p:clrMapOvr>
+    <a:masterClrMapping/>
+  </p:clrMapOvr>
+  <p:timing>
+    <p:tnLst>
+      <p:par>
+        <p:cTn id="1" dur="indefinite" restart="never" nodeType="tmRoot"/>
+      </p:par>
+    </p:tnLst>
+  </p:timing>
+</p:sld>
+</file>
+
+<file path=ppt/slides/slide4.xml><?xml version="1.0" encoding="utf-8"?>
+<p:sld xmlns:a="http://schemas.openxmlformats.org/drawingml/2006/main" xmlns:r="http://schemas.openxmlformats.org/officeDocument/2006/relationships" xmlns:p="http://schemas.openxmlformats.org/presentationml/2006/main">
+  <p:cSld>
+    <p:bg>
+      <p:bgPr>
+        <a:solidFill>
+          <a:srgbClr val="191919"/>
+        </a:solidFill>
+        <a:effectLst/>
+      </p:bgPr>
+    </p:bg>
+    <p:spTree>
+      <p:nvGrpSpPr>
+        <p:cNvPr id="1" name=""/>
+        <p:cNvGrpSpPr/>
+        <p:nvPr/>
+      </p:nvGrpSpPr>
+      <p:grpSpPr>
+        <a:xfrm>
+          <a:off x="0" y="0"/>
+          <a:ext cx="0" cy="0"/>
+          <a:chOff x="0" y="0"/>
+          <a:chExt cx="0" cy="0"/>
+        </a:xfrm>
+      </p:grpSpPr>
+      <p:sp>
+        <p:nvSpPr>
           <p:cNvPr id="4" name="圓角矩形 3"/>
           <p:cNvSpPr/>
           <p:nvPr/>
@@ -4698,10 +8080,17 @@
   <p:clrMapOvr>
     <a:masterClrMapping/>
   </p:clrMapOvr>
+  <p:timing>
+    <p:tnLst>
+      <p:par>
+        <p:cTn id="1" dur="indefinite" restart="never" nodeType="tmRoot"/>
+      </p:par>
+    </p:tnLst>
+  </p:timing>
 </p:sld>
 </file>
 
-<file path=ppt/slides/slide2.xml><?xml version="1.0" encoding="utf-8"?>
+<file path=ppt/slides/slide5.xml><?xml version="1.0" encoding="utf-8"?>
 <p:sld xmlns:a="http://schemas.openxmlformats.org/drawingml/2006/main" xmlns:r="http://schemas.openxmlformats.org/officeDocument/2006/relationships" xmlns:p="http://schemas.openxmlformats.org/presentationml/2006/main">
   <p:cSld>
     <p:bg>
@@ -5216,13 +8605,7 @@
               <a:rPr lang="en-US" altLang="zh-TW" sz="3200" dirty="0" smtClean="0">
                 <a:latin typeface="Source Code Pro" panose="020B0509030403020204" pitchFamily="49" charset="0"/>
               </a:rPr>
-              <a:t>P</a:t>
-            </a:r>
-            <a:r>
-              <a:rPr lang="en-US" altLang="zh-TW" sz="3200" dirty="0" smtClean="0">
-                <a:latin typeface="Source Code Pro" panose="020B0509030403020204" pitchFamily="49" charset="0"/>
-              </a:rPr>
-              <a:t>ositional Encoding</a:t>
+              <a:t>Positional Encoding</a:t>
             </a:r>
             <a:endParaRPr lang="zh-TW" altLang="en-US" sz="3200" dirty="0">
               <a:latin typeface="Source Code Pro" panose="020B0509030403020204" pitchFamily="49" charset="0"/>
@@ -5504,13 +8887,7 @@
               <a:rPr lang="en-US" altLang="zh-TW" sz="3200" dirty="0" smtClean="0">
                 <a:latin typeface="Source Code Pro" panose="020B0509030403020204" pitchFamily="49" charset="0"/>
               </a:rPr>
-              <a:t>P</a:t>
-            </a:r>
-            <a:r>
-              <a:rPr lang="en-US" altLang="zh-TW" sz="3200" dirty="0" smtClean="0">
-                <a:latin typeface="Source Code Pro" panose="020B0509030403020204" pitchFamily="49" charset="0"/>
-              </a:rPr>
-              <a:t>ositional Encoding</a:t>
+              <a:t>Positional Encoding</a:t>
             </a:r>
             <a:endParaRPr lang="zh-TW" altLang="en-US" sz="3200" dirty="0">
               <a:latin typeface="Source Code Pro" panose="020B0509030403020204" pitchFamily="49" charset="0"/>
@@ -5605,10 +8982,17 @@
   <p:clrMapOvr>
     <a:masterClrMapping/>
   </p:clrMapOvr>
+  <p:timing>
+    <p:tnLst>
+      <p:par>
+        <p:cTn id="1" dur="indefinite" restart="never" nodeType="tmRoot"/>
+      </p:par>
+    </p:tnLst>
+  </p:timing>
 </p:sld>
 </file>
 
-<file path=ppt/slides/slide3.xml><?xml version="1.0" encoding="utf-8"?>
+<file path=ppt/slides/slide6.xml><?xml version="1.0" encoding="utf-8"?>
 <p:sld xmlns:a="http://schemas.openxmlformats.org/drawingml/2006/main" xmlns:r="http://schemas.openxmlformats.org/officeDocument/2006/relationships" xmlns:p="http://schemas.openxmlformats.org/presentationml/2006/main">
   <p:cSld>
     <p:bg>
@@ -6432,44 +9816,13 @@
   <p:clrMapOvr>
     <a:masterClrMapping/>
   </p:clrMapOvr>
-</p:sld>
-</file>
-
-<file path=ppt/slides/slide4.xml><?xml version="1.0" encoding="utf-8"?>
-<p:sld xmlns:a="http://schemas.openxmlformats.org/drawingml/2006/main" xmlns:r="http://schemas.openxmlformats.org/officeDocument/2006/relationships" xmlns:p="http://schemas.openxmlformats.org/presentationml/2006/main">
-  <p:cSld>
-    <p:bg>
-      <p:bgPr>
-        <a:solidFill>
-          <a:srgbClr val="191919"/>
-        </a:solidFill>
-        <a:effectLst/>
-      </p:bgPr>
-    </p:bg>
-    <p:spTree>
-      <p:nvGrpSpPr>
-        <p:cNvPr id="1" name=""/>
-        <p:cNvGrpSpPr/>
-        <p:nvPr/>
-      </p:nvGrpSpPr>
-      <p:grpSpPr>
-        <a:xfrm>
-          <a:off x="0" y="0"/>
-          <a:ext cx="0" cy="0"/>
-          <a:chOff x="0" y="0"/>
-          <a:chExt cx="0" cy="0"/>
-        </a:xfrm>
-      </p:grpSpPr>
-    </p:spTree>
-    <p:extLst>
-      <p:ext uri="{BB962C8B-B14F-4D97-AF65-F5344CB8AC3E}">
-        <p14:creationId xmlns:p14="http://schemas.microsoft.com/office/powerpoint/2010/main" val="3047557713"/>
-      </p:ext>
-    </p:extLst>
-  </p:cSld>
-  <p:clrMapOvr>
-    <a:masterClrMapping/>
-  </p:clrMapOvr>
+  <p:timing>
+    <p:tnLst>
+      <p:par>
+        <p:cTn id="1" dur="indefinite" restart="never" nodeType="tmRoot"/>
+      </p:par>
+    </p:tnLst>
+  </p:timing>
 </p:sld>
 </file>
 

--- a/Attention-is-all-you-need/image.pptx
+++ b/Attention-is-all-you-need/image.pptx
@@ -5,12 +5,13 @@
     <p:sldMasterId id="2147483648" r:id="rId1"/>
   </p:sldMasterIdLst>
   <p:sldIdLst>
-    <p:sldId id="259" r:id="rId2"/>
-    <p:sldId id="260" r:id="rId3"/>
-    <p:sldId id="261" r:id="rId4"/>
-    <p:sldId id="256" r:id="rId5"/>
-    <p:sldId id="257" r:id="rId6"/>
-    <p:sldId id="258" r:id="rId7"/>
+    <p:sldId id="262" r:id="rId2"/>
+    <p:sldId id="259" r:id="rId3"/>
+    <p:sldId id="260" r:id="rId4"/>
+    <p:sldId id="261" r:id="rId5"/>
+    <p:sldId id="256" r:id="rId6"/>
+    <p:sldId id="257" r:id="rId7"/>
+    <p:sldId id="258" r:id="rId8"/>
   </p:sldIdLst>
   <p:sldSz cx="12192000" cy="6858000"/>
   <p:notesSz cx="6858000" cy="9144000"/>
@@ -2984,20 +2985,20 @@
       </p:grpSpPr>
       <p:sp>
         <p:nvSpPr>
-          <p:cNvPr id="5" name="圓角矩形 4"/>
+          <p:cNvPr id="4" name="圓角矩形 3"/>
           <p:cNvSpPr/>
           <p:nvPr/>
         </p:nvSpPr>
         <p:spPr>
           <a:xfrm>
-            <a:off x="3429000" y="1792224"/>
-            <a:ext cx="3849624" cy="566928"/>
+            <a:off x="5656634" y="2191058"/>
+            <a:ext cx="5177112" cy="566928"/>
           </a:xfrm>
           <a:prstGeom prst="roundRect">
             <a:avLst/>
           </a:prstGeom>
           <a:solidFill>
-            <a:srgbClr val="00B0F0"/>
+            <a:srgbClr val="FF0066"/>
           </a:solidFill>
           <a:ln w="25400">
             <a:solidFill>
@@ -3025,12 +3026,59 @@
           <a:bodyPr rtlCol="0" anchor="ctr"/>
           <a:lstStyle/>
           <a:p>
-            <a:pPr algn="ctr"/>
             <a:r>
               <a:rPr lang="en-US" altLang="zh-TW" sz="2400" dirty="0" smtClean="0">
                 <a:latin typeface="SauceCodePro Nerd Font" panose="020B0509030403020204" pitchFamily="49" charset="0"/>
               </a:rPr>
-              <a:t>Vector 0</a:t>
+              <a:t>Vector[</a:t>
+            </a:r>
+            <a:r>
+              <a:rPr lang="en-US" altLang="zh-TW" sz="2400" dirty="0" err="1" smtClean="0">
+                <a:latin typeface="SauceCodePro Nerd Font" panose="020B0509030403020204" pitchFamily="49" charset="0"/>
+              </a:rPr>
+              <a:t>i</a:t>
+            </a:r>
+            <a:r>
+              <a:rPr lang="en-US" altLang="zh-TW" sz="2400" dirty="0" smtClean="0">
+                <a:latin typeface="SauceCodePro Nerd Font" panose="020B0509030403020204" pitchFamily="49" charset="0"/>
+              </a:rPr>
+              <a:t>]=1 if </a:t>
+            </a:r>
+            <a:r>
+              <a:rPr lang="en-US" altLang="zh-TW" sz="2400" dirty="0" err="1" smtClean="0">
+                <a:latin typeface="SauceCodePro Nerd Font" panose="020B0509030403020204" pitchFamily="49" charset="0"/>
+              </a:rPr>
+              <a:t>i</a:t>
+            </a:r>
+            <a:r>
+              <a:rPr lang="en-US" altLang="zh-TW" sz="2400" dirty="0" smtClean="0">
+                <a:latin typeface="SauceCodePro Nerd Font" panose="020B0509030403020204" pitchFamily="49" charset="0"/>
+              </a:rPr>
+              <a:t>==</a:t>
+            </a:r>
+            <a:r>
+              <a:rPr lang="en-US" altLang="zh-TW" sz="2400" dirty="0" smtClean="0">
+                <a:latin typeface="SauceCodePro Nerd Font" panose="020B0509030403020204" pitchFamily="49" charset="0"/>
+              </a:rPr>
+              <a:t>1</a:t>
+            </a:r>
+            <a:r>
+              <a:rPr lang="zh-TW" altLang="en-US" sz="2400" dirty="0" smtClean="0">
+                <a:latin typeface="SauceCodePro Nerd Font" panose="020B0509030403020204" pitchFamily="49" charset="0"/>
+              </a:rPr>
+              <a:t> </a:t>
+            </a:r>
+            <a:r>
+              <a:rPr lang="en-US" altLang="zh-TW" sz="2400" dirty="0" smtClean="0">
+                <a:latin typeface="SauceCodePro Nerd Font" panose="020B0509030403020204" pitchFamily="49" charset="0"/>
+              </a:rPr>
+              <a:t> </a:t>
+            </a:r>
+            <a:r>
+              <a:rPr lang="en-US" altLang="zh-TW" sz="2400" dirty="0" smtClean="0">
+                <a:latin typeface="SauceCodePro Nerd Font" panose="020B0509030403020204" pitchFamily="49" charset="0"/>
+              </a:rPr>
+              <a:t>else 0</a:t>
             </a:r>
             <a:endParaRPr lang="zh-TW" altLang="en-US" sz="2400" dirty="0">
               <a:latin typeface="SauceCodePro Nerd Font" panose="020B0509030403020204" pitchFamily="49" charset="0"/>
@@ -3040,13 +3088,13 @@
       </p:sp>
       <p:sp>
         <p:nvSpPr>
-          <p:cNvPr id="7" name="弧形 6"/>
+          <p:cNvPr id="5" name="弧形 4"/>
           <p:cNvSpPr/>
           <p:nvPr/>
         </p:nvSpPr>
         <p:spPr>
           <a:xfrm>
-            <a:off x="6583679" y="1396451"/>
+            <a:off x="10141128" y="1795285"/>
             <a:ext cx="694945" cy="791546"/>
           </a:xfrm>
           <a:prstGeom prst="arc">
@@ -3083,13 +3131,13 @@
       </p:sp>
       <p:sp>
         <p:nvSpPr>
-          <p:cNvPr id="8" name="弧形 7"/>
+          <p:cNvPr id="6" name="弧形 5"/>
           <p:cNvSpPr/>
           <p:nvPr/>
         </p:nvSpPr>
         <p:spPr>
           <a:xfrm flipH="1">
-            <a:off x="3429000" y="1396451"/>
+            <a:off x="5656634" y="1795285"/>
             <a:ext cx="694946" cy="791546"/>
           </a:xfrm>
           <a:prstGeom prst="arc">
@@ -3126,13 +3174,13 @@
       </p:sp>
       <p:sp>
         <p:nvSpPr>
-          <p:cNvPr id="9" name="圓角矩形 8"/>
+          <p:cNvPr id="7" name="圓角矩形 6"/>
           <p:cNvSpPr/>
           <p:nvPr/>
         </p:nvSpPr>
         <p:spPr>
           <a:xfrm>
-            <a:off x="3429000" y="1225296"/>
+            <a:off x="6320378" y="1624130"/>
             <a:ext cx="3849624" cy="566928"/>
           </a:xfrm>
           <a:prstGeom prst="roundRect">
@@ -3174,11 +3222,25 @@
           <a:p>
             <a:pPr algn="ctr"/>
             <a:r>
-              <a:rPr lang="en-US" altLang="zh-TW" sz="2400" dirty="0" smtClean="0">
+              <a:rPr lang="en-US" altLang="zh-TW" sz="2400" dirty="0">
                 <a:latin typeface="SauceCodePro Nerd Font" panose="020B0509030403020204" pitchFamily="49" charset="0"/>
                 <a:ea typeface="SauceCodePro Nerd Font" panose="020B0509030403020204" pitchFamily="49" charset="0"/>
               </a:rPr>
-              <a:t>Embedding length</a:t>
+              <a:t>Dictionary</a:t>
+            </a:r>
+            <a:r>
+              <a:rPr lang="zh-TW" altLang="en-US" sz="2400" dirty="0">
+                <a:latin typeface="SauceCodePro Nerd Font" panose="020B0509030403020204" pitchFamily="49" charset="0"/>
+                <a:ea typeface="SauceCodePro Nerd Font" panose="020B0509030403020204" pitchFamily="49" charset="0"/>
+              </a:rPr>
+              <a:t> </a:t>
+            </a:r>
+            <a:r>
+              <a:rPr lang="en-US" altLang="zh-TW" sz="2400" dirty="0">
+                <a:latin typeface="SauceCodePro Nerd Font" panose="020B0509030403020204" pitchFamily="49" charset="0"/>
+                <a:ea typeface="SauceCodePro Nerd Font" panose="020B0509030403020204" pitchFamily="49" charset="0"/>
+              </a:rPr>
+              <a:t>size</a:t>
             </a:r>
             <a:endParaRPr lang="zh-TW" altLang="en-US" sz="2400" dirty="0">
               <a:latin typeface="SauceCodePro Nerd Font" panose="020B0509030403020204" pitchFamily="49" charset="0"/>
@@ -3188,20 +3250,20 @@
       </p:sp>
       <p:sp>
         <p:nvSpPr>
-          <p:cNvPr id="10" name="圓角矩形 9"/>
+          <p:cNvPr id="8" name="圓角矩形 7"/>
           <p:cNvSpPr/>
           <p:nvPr/>
         </p:nvSpPr>
         <p:spPr>
           <a:xfrm>
-            <a:off x="3429000" y="2359152"/>
-            <a:ext cx="3849624" cy="566928"/>
+            <a:off x="5656634" y="2757986"/>
+            <a:ext cx="5177112" cy="566928"/>
           </a:xfrm>
           <a:prstGeom prst="roundRect">
             <a:avLst/>
           </a:prstGeom>
           <a:solidFill>
-            <a:srgbClr val="00B0F0"/>
+            <a:srgbClr val="FF0066"/>
           </a:solidFill>
           <a:ln w="25400">
             <a:solidFill>
@@ -3229,12 +3291,47 @@
           <a:bodyPr rtlCol="0" anchor="ctr"/>
           <a:lstStyle/>
           <a:p>
-            <a:pPr algn="ctr"/>
+            <a:r>
+              <a:rPr lang="en-US" altLang="zh-TW" sz="2400" dirty="0">
+                <a:latin typeface="SauceCodePro Nerd Font" panose="020B0509030403020204" pitchFamily="49" charset="0"/>
+              </a:rPr>
+              <a:t>Vector[</a:t>
+            </a:r>
+            <a:r>
+              <a:rPr lang="en-US" altLang="zh-TW" sz="2400" dirty="0" err="1">
+                <a:latin typeface="SauceCodePro Nerd Font" panose="020B0509030403020204" pitchFamily="49" charset="0"/>
+              </a:rPr>
+              <a:t>i</a:t>
+            </a:r>
+            <a:r>
+              <a:rPr lang="en-US" altLang="zh-TW" sz="2400" dirty="0">
+                <a:latin typeface="SauceCodePro Nerd Font" panose="020B0509030403020204" pitchFamily="49" charset="0"/>
+              </a:rPr>
+              <a:t>]=1 if </a:t>
+            </a:r>
+            <a:r>
+              <a:rPr lang="en-US" altLang="zh-TW" sz="2400" dirty="0" err="1">
+                <a:latin typeface="SauceCodePro Nerd Font" panose="020B0509030403020204" pitchFamily="49" charset="0"/>
+              </a:rPr>
+              <a:t>i</a:t>
+            </a:r>
             <a:r>
               <a:rPr lang="en-US" altLang="zh-TW" sz="2400" dirty="0" smtClean="0">
                 <a:latin typeface="SauceCodePro Nerd Font" panose="020B0509030403020204" pitchFamily="49" charset="0"/>
               </a:rPr>
-              <a:t>Vector 1</a:t>
+              <a:t>==12 </a:t>
+            </a:r>
+            <a:r>
+              <a:rPr lang="en-US" altLang="zh-TW" sz="2400" dirty="0">
+                <a:latin typeface="SauceCodePro Nerd Font" panose="020B0509030403020204" pitchFamily="49" charset="0"/>
+              </a:rPr>
+              <a:t>else </a:t>
+            </a:r>
+            <a:r>
+              <a:rPr lang="en-US" altLang="zh-TW" sz="2400" dirty="0" smtClean="0">
+                <a:latin typeface="SauceCodePro Nerd Font" panose="020B0509030403020204" pitchFamily="49" charset="0"/>
+              </a:rPr>
+              <a:t>0</a:t>
             </a:r>
             <a:endParaRPr lang="zh-TW" altLang="en-US" sz="2400" dirty="0">
               <a:latin typeface="SauceCodePro Nerd Font" panose="020B0509030403020204" pitchFamily="49" charset="0"/>
@@ -3244,14 +3341,305 @@
       </p:sp>
       <p:sp>
         <p:nvSpPr>
-          <p:cNvPr id="11" name="圓角矩形 10"/>
+          <p:cNvPr id="10" name="圓角矩形 9"/>
           <p:cNvSpPr/>
           <p:nvPr/>
         </p:nvSpPr>
         <p:spPr>
           <a:xfrm>
-            <a:off x="3429000" y="3475303"/>
-            <a:ext cx="3849624" cy="566928"/>
+            <a:off x="5656634" y="3324914"/>
+            <a:ext cx="5177112" cy="566928"/>
+          </a:xfrm>
+          <a:prstGeom prst="roundRect">
+            <a:avLst/>
+          </a:prstGeom>
+          <a:solidFill>
+            <a:srgbClr val="FF0066"/>
+          </a:solidFill>
+          <a:ln w="25400">
+            <a:solidFill>
+              <a:schemeClr val="bg1"/>
+            </a:solidFill>
+          </a:ln>
+        </p:spPr>
+        <p:style>
+          <a:lnRef idx="2">
+            <a:schemeClr val="accent1">
+              <a:shade val="50000"/>
+            </a:schemeClr>
+          </a:lnRef>
+          <a:fillRef idx="1">
+            <a:schemeClr val="accent1"/>
+          </a:fillRef>
+          <a:effectRef idx="0">
+            <a:schemeClr val="accent1"/>
+          </a:effectRef>
+          <a:fontRef idx="minor">
+            <a:schemeClr val="lt1"/>
+          </a:fontRef>
+        </p:style>
+        <p:txBody>
+          <a:bodyPr rtlCol="0" anchor="ctr"/>
+          <a:lstStyle/>
+          <a:p>
+            <a:r>
+              <a:rPr lang="en-US" altLang="zh-TW" sz="2400" dirty="0">
+                <a:latin typeface="SauceCodePro Nerd Font" panose="020B0509030403020204" pitchFamily="49" charset="0"/>
+              </a:rPr>
+              <a:t>Vector[</a:t>
+            </a:r>
+            <a:r>
+              <a:rPr lang="en-US" altLang="zh-TW" sz="2400" dirty="0" err="1">
+                <a:latin typeface="SauceCodePro Nerd Font" panose="020B0509030403020204" pitchFamily="49" charset="0"/>
+              </a:rPr>
+              <a:t>i</a:t>
+            </a:r>
+            <a:r>
+              <a:rPr lang="en-US" altLang="zh-TW" sz="2400" dirty="0">
+                <a:latin typeface="SauceCodePro Nerd Font" panose="020B0509030403020204" pitchFamily="49" charset="0"/>
+              </a:rPr>
+              <a:t>]=1 if </a:t>
+            </a:r>
+            <a:r>
+              <a:rPr lang="en-US" altLang="zh-TW" sz="2400" dirty="0" err="1">
+                <a:latin typeface="SauceCodePro Nerd Font" panose="020B0509030403020204" pitchFamily="49" charset="0"/>
+              </a:rPr>
+              <a:t>i</a:t>
+            </a:r>
+            <a:r>
+              <a:rPr lang="en-US" altLang="zh-TW" sz="2400" dirty="0" smtClean="0">
+                <a:latin typeface="SauceCodePro Nerd Font" panose="020B0509030403020204" pitchFamily="49" charset="0"/>
+              </a:rPr>
+              <a:t>==0 </a:t>
+            </a:r>
+            <a:r>
+              <a:rPr lang="zh-TW" altLang="en-US" sz="2400" dirty="0" smtClean="0">
+                <a:latin typeface="SauceCodePro Nerd Font" panose="020B0509030403020204" pitchFamily="49" charset="0"/>
+              </a:rPr>
+              <a:t> </a:t>
+            </a:r>
+            <a:r>
+              <a:rPr lang="en-US" altLang="zh-TW" sz="2400" dirty="0" smtClean="0">
+                <a:latin typeface="SauceCodePro Nerd Font" panose="020B0509030403020204" pitchFamily="49" charset="0"/>
+              </a:rPr>
+              <a:t>else </a:t>
+            </a:r>
+            <a:r>
+              <a:rPr lang="en-US" altLang="zh-TW" sz="2400" dirty="0" smtClean="0">
+                <a:latin typeface="SauceCodePro Nerd Font" panose="020B0509030403020204" pitchFamily="49" charset="0"/>
+              </a:rPr>
+              <a:t>0</a:t>
+            </a:r>
+            <a:endParaRPr lang="zh-TW" altLang="en-US" sz="2400" dirty="0">
+              <a:latin typeface="SauceCodePro Nerd Font" panose="020B0509030403020204" pitchFamily="49" charset="0"/>
+            </a:endParaRPr>
+          </a:p>
+        </p:txBody>
+      </p:sp>
+      <p:sp>
+        <p:nvSpPr>
+          <p:cNvPr id="14" name="圓角矩形 13"/>
+          <p:cNvSpPr/>
+          <p:nvPr/>
+        </p:nvSpPr>
+        <p:spPr>
+          <a:xfrm>
+            <a:off x="5656634" y="3891842"/>
+            <a:ext cx="5177112" cy="566928"/>
+          </a:xfrm>
+          <a:prstGeom prst="roundRect">
+            <a:avLst/>
+          </a:prstGeom>
+          <a:solidFill>
+            <a:srgbClr val="FF0066"/>
+          </a:solidFill>
+          <a:ln w="25400">
+            <a:solidFill>
+              <a:schemeClr val="bg1"/>
+            </a:solidFill>
+          </a:ln>
+        </p:spPr>
+        <p:style>
+          <a:lnRef idx="2">
+            <a:schemeClr val="accent1">
+              <a:shade val="50000"/>
+            </a:schemeClr>
+          </a:lnRef>
+          <a:fillRef idx="1">
+            <a:schemeClr val="accent1"/>
+          </a:fillRef>
+          <a:effectRef idx="0">
+            <a:schemeClr val="accent1"/>
+          </a:effectRef>
+          <a:fontRef idx="minor">
+            <a:schemeClr val="lt1"/>
+          </a:fontRef>
+        </p:style>
+        <p:txBody>
+          <a:bodyPr rtlCol="0" anchor="ctr"/>
+          <a:lstStyle/>
+          <a:p>
+            <a:r>
+              <a:rPr lang="en-US" altLang="zh-TW" sz="2400" dirty="0">
+                <a:latin typeface="SauceCodePro Nerd Font" panose="020B0509030403020204" pitchFamily="49" charset="0"/>
+              </a:rPr>
+              <a:t>Vector[</a:t>
+            </a:r>
+            <a:r>
+              <a:rPr lang="en-US" altLang="zh-TW" sz="2400" dirty="0" err="1">
+                <a:latin typeface="SauceCodePro Nerd Font" panose="020B0509030403020204" pitchFamily="49" charset="0"/>
+              </a:rPr>
+              <a:t>i</a:t>
+            </a:r>
+            <a:r>
+              <a:rPr lang="en-US" altLang="zh-TW" sz="2400" dirty="0">
+                <a:latin typeface="SauceCodePro Nerd Font" panose="020B0509030403020204" pitchFamily="49" charset="0"/>
+              </a:rPr>
+              <a:t>]=1 if </a:t>
+            </a:r>
+            <a:r>
+              <a:rPr lang="en-US" altLang="zh-TW" sz="2400" dirty="0" err="1">
+                <a:latin typeface="SauceCodePro Nerd Font" panose="020B0509030403020204" pitchFamily="49" charset="0"/>
+              </a:rPr>
+              <a:t>i</a:t>
+            </a:r>
+            <a:r>
+              <a:rPr lang="en-US" altLang="zh-TW" sz="2400" dirty="0" smtClean="0">
+                <a:latin typeface="SauceCodePro Nerd Font" panose="020B0509030403020204" pitchFamily="49" charset="0"/>
+              </a:rPr>
+              <a:t>==d </a:t>
+            </a:r>
+            <a:r>
+              <a:rPr lang="zh-TW" altLang="en-US" sz="2400" dirty="0" smtClean="0">
+                <a:latin typeface="SauceCodePro Nerd Font" panose="020B0509030403020204" pitchFamily="49" charset="0"/>
+              </a:rPr>
+              <a:t> </a:t>
+            </a:r>
+            <a:r>
+              <a:rPr lang="en-US" altLang="zh-TW" sz="2400" dirty="0" smtClean="0">
+                <a:latin typeface="SauceCodePro Nerd Font" panose="020B0509030403020204" pitchFamily="49" charset="0"/>
+              </a:rPr>
+              <a:t>else </a:t>
+            </a:r>
+            <a:r>
+              <a:rPr lang="en-US" altLang="zh-TW" sz="2400" dirty="0" smtClean="0">
+                <a:latin typeface="SauceCodePro Nerd Font" panose="020B0509030403020204" pitchFamily="49" charset="0"/>
+              </a:rPr>
+              <a:t>0</a:t>
+            </a:r>
+            <a:endParaRPr lang="zh-TW" altLang="en-US" sz="2400" dirty="0">
+              <a:latin typeface="SauceCodePro Nerd Font" panose="020B0509030403020204" pitchFamily="49" charset="0"/>
+            </a:endParaRPr>
+          </a:p>
+        </p:txBody>
+      </p:sp>
+      <p:sp>
+        <p:nvSpPr>
+          <p:cNvPr id="15" name="圓角矩形 14"/>
+          <p:cNvSpPr/>
+          <p:nvPr/>
+        </p:nvSpPr>
+        <p:spPr>
+          <a:xfrm>
+            <a:off x="5656634" y="4458770"/>
+            <a:ext cx="5177112" cy="566928"/>
+          </a:xfrm>
+          <a:prstGeom prst="roundRect">
+            <a:avLst/>
+          </a:prstGeom>
+          <a:solidFill>
+            <a:srgbClr val="FF0066"/>
+          </a:solidFill>
+          <a:ln w="25400">
+            <a:solidFill>
+              <a:schemeClr val="bg1"/>
+            </a:solidFill>
+          </a:ln>
+        </p:spPr>
+        <p:style>
+          <a:lnRef idx="2">
+            <a:schemeClr val="accent1">
+              <a:shade val="50000"/>
+            </a:schemeClr>
+          </a:lnRef>
+          <a:fillRef idx="1">
+            <a:schemeClr val="accent1"/>
+          </a:fillRef>
+          <a:effectRef idx="0">
+            <a:schemeClr val="accent1"/>
+          </a:effectRef>
+          <a:fontRef idx="minor">
+            <a:schemeClr val="lt1"/>
+          </a:fontRef>
+        </p:style>
+        <p:txBody>
+          <a:bodyPr rtlCol="0" anchor="ctr"/>
+          <a:lstStyle/>
+          <a:p>
+            <a:r>
+              <a:rPr lang="en-US" altLang="zh-TW" sz="2400" dirty="0">
+                <a:latin typeface="SauceCodePro Nerd Font" panose="020B0509030403020204" pitchFamily="49" charset="0"/>
+              </a:rPr>
+              <a:t>Vector[</a:t>
+            </a:r>
+            <a:r>
+              <a:rPr lang="en-US" altLang="zh-TW" sz="2400" dirty="0" err="1">
+                <a:latin typeface="SauceCodePro Nerd Font" panose="020B0509030403020204" pitchFamily="49" charset="0"/>
+              </a:rPr>
+              <a:t>i</a:t>
+            </a:r>
+            <a:r>
+              <a:rPr lang="en-US" altLang="zh-TW" sz="2400" dirty="0">
+                <a:latin typeface="SauceCodePro Nerd Font" panose="020B0509030403020204" pitchFamily="49" charset="0"/>
+              </a:rPr>
+              <a:t>]=1 if </a:t>
+            </a:r>
+            <a:r>
+              <a:rPr lang="en-US" altLang="zh-TW" sz="2400" dirty="0" err="1">
+                <a:latin typeface="SauceCodePro Nerd Font" panose="020B0509030403020204" pitchFamily="49" charset="0"/>
+              </a:rPr>
+              <a:t>i</a:t>
+            </a:r>
+            <a:r>
+              <a:rPr lang="en-US" altLang="zh-TW" sz="2400" dirty="0" smtClean="0">
+                <a:latin typeface="SauceCodePro Nerd Font" panose="020B0509030403020204" pitchFamily="49" charset="0"/>
+              </a:rPr>
+              <a:t>==5 </a:t>
+            </a:r>
+            <a:r>
+              <a:rPr lang="zh-TW" altLang="en-US" sz="2400" smtClean="0">
+                <a:latin typeface="SauceCodePro Nerd Font" panose="020B0509030403020204" pitchFamily="49" charset="0"/>
+              </a:rPr>
+              <a:t> </a:t>
+            </a:r>
+            <a:r>
+              <a:rPr lang="en-US" altLang="zh-TW" sz="2400" smtClean="0">
+                <a:latin typeface="SauceCodePro Nerd Font" panose="020B0509030403020204" pitchFamily="49" charset="0"/>
+              </a:rPr>
+              <a:t>else </a:t>
+            </a:r>
+            <a:r>
+              <a:rPr lang="en-US" altLang="zh-TW" sz="2400" dirty="0" smtClean="0">
+                <a:latin typeface="SauceCodePro Nerd Font" panose="020B0509030403020204" pitchFamily="49" charset="0"/>
+              </a:rPr>
+              <a:t>0</a:t>
+            </a:r>
+            <a:endParaRPr lang="zh-TW" altLang="en-US" sz="2400" dirty="0">
+              <a:latin typeface="SauceCodePro Nerd Font" panose="020B0509030403020204" pitchFamily="49" charset="0"/>
+            </a:endParaRPr>
+          </a:p>
+        </p:txBody>
+      </p:sp>
+      <p:sp>
+        <p:nvSpPr>
+          <p:cNvPr id="16" name="圓角矩形 15"/>
+          <p:cNvSpPr/>
+          <p:nvPr/>
+        </p:nvSpPr>
+        <p:spPr>
+          <a:xfrm>
+            <a:off x="2324854" y="2041249"/>
+            <a:ext cx="675710" cy="619460"/>
           </a:xfrm>
           <a:prstGeom prst="roundRect">
             <a:avLst/>
@@ -3263,9 +3651,7 @@
           </a:solidFill>
           <a:ln w="25400">
             <a:solidFill>
-              <a:schemeClr val="bg1">
-                <a:alpha val="0"/>
-              </a:schemeClr>
+              <a:srgbClr val="FF0066"/>
             </a:solidFill>
           </a:ln>
         </p:spPr>
@@ -3289,35 +3675,14 @@
           <a:bodyPr rtlCol="0" anchor="ctr"/>
           <a:lstStyle/>
           <a:p>
-            <a:pPr algn="ctr"/>
-            <a:r>
-              <a:rPr lang="en-US" altLang="zh-TW" sz="3200" dirty="0" smtClean="0">
+            <a:r>
+              <a:rPr lang="en-US" altLang="zh-TW" sz="2400" dirty="0">
                 <a:latin typeface="SauceCodePro Nerd Font" panose="020B0509030403020204" pitchFamily="49" charset="0"/>
                 <a:ea typeface="SauceCodePro Nerd Font" panose="020B0509030403020204" pitchFamily="49" charset="0"/>
               </a:rPr>
-              <a:t>.</a:t>
-            </a:r>
-          </a:p>
-          <a:p>
-            <a:pPr algn="ctr"/>
-            <a:r>
-              <a:rPr lang="en-US" altLang="zh-TW" sz="3200" dirty="0" smtClean="0">
-                <a:latin typeface="SauceCodePro Nerd Font" panose="020B0509030403020204" pitchFamily="49" charset="0"/>
-                <a:ea typeface="SauceCodePro Nerd Font" panose="020B0509030403020204" pitchFamily="49" charset="0"/>
-              </a:rPr>
-              <a:t>.</a:t>
-            </a:r>
-          </a:p>
-          <a:p>
-            <a:pPr algn="ctr"/>
-            <a:r>
-              <a:rPr lang="en-US" altLang="zh-TW" sz="3200" dirty="0">
-                <a:latin typeface="SauceCodePro Nerd Font" panose="020B0509030403020204" pitchFamily="49" charset="0"/>
-                <a:ea typeface="SauceCodePro Nerd Font" panose="020B0509030403020204" pitchFamily="49" charset="0"/>
-              </a:rPr>
-              <a:t>.</a:t>
-            </a:r>
-            <a:endParaRPr lang="zh-TW" altLang="en-US" sz="3200" dirty="0">
+              <a:t>1</a:t>
+            </a:r>
+            <a:endParaRPr lang="zh-TW" altLang="en-US" sz="2400" dirty="0">
               <a:latin typeface="SauceCodePro Nerd Font" panose="020B0509030403020204" pitchFamily="49" charset="0"/>
             </a:endParaRPr>
           </a:p>
@@ -3325,24 +3690,28 @@
       </p:sp>
       <p:sp>
         <p:nvSpPr>
-          <p:cNvPr id="14" name="圓角矩形 13"/>
+          <p:cNvPr id="17" name="圓角矩形 16"/>
           <p:cNvSpPr/>
           <p:nvPr/>
         </p:nvSpPr>
         <p:spPr>
           <a:xfrm>
-            <a:off x="3429000" y="4851145"/>
-            <a:ext cx="3849624" cy="566928"/>
+            <a:off x="1790662" y="5193504"/>
+            <a:ext cx="1744094" cy="566928"/>
           </a:xfrm>
           <a:prstGeom prst="roundRect">
             <a:avLst/>
           </a:prstGeom>
           <a:solidFill>
-            <a:srgbClr val="00B0F0"/>
+            <a:schemeClr val="accent1">
+              <a:alpha val="0"/>
+            </a:schemeClr>
           </a:solidFill>
           <a:ln w="25400">
             <a:solidFill>
-              <a:schemeClr val="bg1"/>
+              <a:srgbClr val="FF0066">
+                <a:alpha val="0"/>
+              </a:srgbClr>
             </a:solidFill>
           </a:ln>
         </p:spPr>
@@ -3366,12 +3735,19 @@
           <a:bodyPr rtlCol="0" anchor="ctr"/>
           <a:lstStyle/>
           <a:p>
-            <a:pPr algn="ctr"/>
+            <a:r>
+              <a:rPr lang="en-US" altLang="zh-TW" sz="2400" dirty="0">
+                <a:latin typeface="SauceCodePro Nerd Font" panose="020B0509030403020204" pitchFamily="49" charset="0"/>
+                <a:ea typeface="SauceCodePro Nerd Font" panose="020B0509030403020204" pitchFamily="49" charset="0"/>
+              </a:rPr>
+              <a:t>Token </a:t>
+            </a:r>
             <a:r>
               <a:rPr lang="en-US" altLang="zh-TW" sz="2400" dirty="0" smtClean="0">
                 <a:latin typeface="SauceCodePro Nerd Font" panose="020B0509030403020204" pitchFamily="49" charset="0"/>
-              </a:rPr>
-              <a:t>Vector d</a:t>
+                <a:ea typeface="SauceCodePro Nerd Font" panose="020B0509030403020204" pitchFamily="49" charset="0"/>
+              </a:rPr>
+              <a:t>id</a:t>
             </a:r>
             <a:endParaRPr lang="zh-TW" altLang="en-US" sz="2400" dirty="0">
               <a:latin typeface="SauceCodePro Nerd Font" panose="020B0509030403020204" pitchFamily="49" charset="0"/>
@@ -3381,13 +3757,245 @@
       </p:sp>
       <p:sp>
         <p:nvSpPr>
+          <p:cNvPr id="18" name="圓角矩形 17"/>
+          <p:cNvSpPr/>
+          <p:nvPr/>
+        </p:nvSpPr>
+        <p:spPr>
+          <a:xfrm>
+            <a:off x="2324854" y="2660709"/>
+            <a:ext cx="675710" cy="619460"/>
+          </a:xfrm>
+          <a:prstGeom prst="roundRect">
+            <a:avLst/>
+          </a:prstGeom>
+          <a:solidFill>
+            <a:schemeClr val="accent1">
+              <a:alpha val="0"/>
+            </a:schemeClr>
+          </a:solidFill>
+          <a:ln w="25400">
+            <a:solidFill>
+              <a:srgbClr val="FF0066"/>
+            </a:solidFill>
+          </a:ln>
+        </p:spPr>
+        <p:style>
+          <a:lnRef idx="2">
+            <a:schemeClr val="accent1">
+              <a:shade val="50000"/>
+            </a:schemeClr>
+          </a:lnRef>
+          <a:fillRef idx="1">
+            <a:schemeClr val="accent1"/>
+          </a:fillRef>
+          <a:effectRef idx="0">
+            <a:schemeClr val="accent1"/>
+          </a:effectRef>
+          <a:fontRef idx="minor">
+            <a:schemeClr val="lt1"/>
+          </a:fontRef>
+        </p:style>
+        <p:txBody>
+          <a:bodyPr rtlCol="0" anchor="ctr"/>
+          <a:lstStyle/>
+          <a:p>
+            <a:r>
+              <a:rPr lang="en-US" altLang="zh-TW" sz="2400" dirty="0" smtClean="0">
+                <a:latin typeface="SauceCodePro Nerd Font" panose="020B0509030403020204" pitchFamily="49" charset="0"/>
+                <a:ea typeface="SauceCodePro Nerd Font" panose="020B0509030403020204" pitchFamily="49" charset="0"/>
+              </a:rPr>
+              <a:t>12</a:t>
+            </a:r>
+            <a:endParaRPr lang="zh-TW" altLang="en-US" sz="2400" dirty="0">
+              <a:latin typeface="SauceCodePro Nerd Font" panose="020B0509030403020204" pitchFamily="49" charset="0"/>
+            </a:endParaRPr>
+          </a:p>
+        </p:txBody>
+      </p:sp>
+      <p:sp>
+        <p:nvSpPr>
+          <p:cNvPr id="19" name="圓角矩形 18"/>
+          <p:cNvSpPr/>
+          <p:nvPr/>
+        </p:nvSpPr>
+        <p:spPr>
+          <a:xfrm>
+            <a:off x="2324854" y="3280169"/>
+            <a:ext cx="675710" cy="619460"/>
+          </a:xfrm>
+          <a:prstGeom prst="roundRect">
+            <a:avLst/>
+          </a:prstGeom>
+          <a:solidFill>
+            <a:schemeClr val="accent1">
+              <a:alpha val="0"/>
+            </a:schemeClr>
+          </a:solidFill>
+          <a:ln w="25400">
+            <a:solidFill>
+              <a:srgbClr val="FF0066"/>
+            </a:solidFill>
+          </a:ln>
+        </p:spPr>
+        <p:style>
+          <a:lnRef idx="2">
+            <a:schemeClr val="accent1">
+              <a:shade val="50000"/>
+            </a:schemeClr>
+          </a:lnRef>
+          <a:fillRef idx="1">
+            <a:schemeClr val="accent1"/>
+          </a:fillRef>
+          <a:effectRef idx="0">
+            <a:schemeClr val="accent1"/>
+          </a:effectRef>
+          <a:fontRef idx="minor">
+            <a:schemeClr val="lt1"/>
+          </a:fontRef>
+        </p:style>
+        <p:txBody>
+          <a:bodyPr rtlCol="0" anchor="ctr"/>
+          <a:lstStyle/>
+          <a:p>
+            <a:r>
+              <a:rPr lang="en-US" altLang="zh-TW" sz="2400" dirty="0" smtClean="0">
+                <a:latin typeface="SauceCodePro Nerd Font" panose="020B0509030403020204" pitchFamily="49" charset="0"/>
+                <a:ea typeface="SauceCodePro Nerd Font" panose="020B0509030403020204" pitchFamily="49" charset="0"/>
+              </a:rPr>
+              <a:t>0</a:t>
+            </a:r>
+            <a:endParaRPr lang="zh-TW" altLang="en-US" sz="2400" dirty="0">
+              <a:latin typeface="SauceCodePro Nerd Font" panose="020B0509030403020204" pitchFamily="49" charset="0"/>
+            </a:endParaRPr>
+          </a:p>
+        </p:txBody>
+      </p:sp>
+      <p:sp>
+        <p:nvSpPr>
           <p:cNvPr id="20" name="圓角矩形 19"/>
           <p:cNvSpPr/>
           <p:nvPr/>
         </p:nvSpPr>
         <p:spPr>
-          <a:xfrm rot="5400000">
-            <a:off x="5935401" y="3321684"/>
+          <a:xfrm>
+            <a:off x="2324854" y="3899629"/>
+            <a:ext cx="675710" cy="619460"/>
+          </a:xfrm>
+          <a:prstGeom prst="roundRect">
+            <a:avLst/>
+          </a:prstGeom>
+          <a:solidFill>
+            <a:schemeClr val="accent1">
+              <a:alpha val="0"/>
+            </a:schemeClr>
+          </a:solidFill>
+          <a:ln w="25400">
+            <a:solidFill>
+              <a:srgbClr val="FF0066"/>
+            </a:solidFill>
+          </a:ln>
+        </p:spPr>
+        <p:style>
+          <a:lnRef idx="2">
+            <a:schemeClr val="accent1">
+              <a:shade val="50000"/>
+            </a:schemeClr>
+          </a:lnRef>
+          <a:fillRef idx="1">
+            <a:schemeClr val="accent1"/>
+          </a:fillRef>
+          <a:effectRef idx="0">
+            <a:schemeClr val="accent1"/>
+          </a:effectRef>
+          <a:fontRef idx="minor">
+            <a:schemeClr val="lt1"/>
+          </a:fontRef>
+        </p:style>
+        <p:txBody>
+          <a:bodyPr rtlCol="0" anchor="ctr"/>
+          <a:lstStyle/>
+          <a:p>
+            <a:r>
+              <a:rPr lang="en-US" altLang="zh-TW" sz="2400" dirty="0">
+                <a:latin typeface="SauceCodePro Nerd Font" panose="020B0509030403020204" pitchFamily="49" charset="0"/>
+                <a:ea typeface="SauceCodePro Nerd Font" panose="020B0509030403020204" pitchFamily="49" charset="0"/>
+              </a:rPr>
+              <a:t>d</a:t>
+            </a:r>
+            <a:endParaRPr lang="zh-TW" altLang="en-US" sz="2400" dirty="0">
+              <a:latin typeface="SauceCodePro Nerd Font" panose="020B0509030403020204" pitchFamily="49" charset="0"/>
+            </a:endParaRPr>
+          </a:p>
+        </p:txBody>
+      </p:sp>
+      <p:sp>
+        <p:nvSpPr>
+          <p:cNvPr id="21" name="圓角矩形 20"/>
+          <p:cNvSpPr/>
+          <p:nvPr/>
+        </p:nvSpPr>
+        <p:spPr>
+          <a:xfrm>
+            <a:off x="2324854" y="4519089"/>
+            <a:ext cx="675710" cy="619460"/>
+          </a:xfrm>
+          <a:prstGeom prst="roundRect">
+            <a:avLst/>
+          </a:prstGeom>
+          <a:solidFill>
+            <a:schemeClr val="accent1">
+              <a:alpha val="0"/>
+            </a:schemeClr>
+          </a:solidFill>
+          <a:ln w="25400">
+            <a:solidFill>
+              <a:srgbClr val="FF0066"/>
+            </a:solidFill>
+          </a:ln>
+        </p:spPr>
+        <p:style>
+          <a:lnRef idx="2">
+            <a:schemeClr val="accent1">
+              <a:shade val="50000"/>
+            </a:schemeClr>
+          </a:lnRef>
+          <a:fillRef idx="1">
+            <a:schemeClr val="accent1"/>
+          </a:fillRef>
+          <a:effectRef idx="0">
+            <a:schemeClr val="accent1"/>
+          </a:effectRef>
+          <a:fontRef idx="minor">
+            <a:schemeClr val="lt1"/>
+          </a:fontRef>
+        </p:style>
+        <p:txBody>
+          <a:bodyPr rtlCol="0" anchor="ctr"/>
+          <a:lstStyle/>
+          <a:p>
+            <a:r>
+              <a:rPr lang="en-US" altLang="zh-TW" sz="2400" dirty="0">
+                <a:latin typeface="SauceCodePro Nerd Font" panose="020B0509030403020204" pitchFamily="49" charset="0"/>
+                <a:ea typeface="SauceCodePro Nerd Font" panose="020B0509030403020204" pitchFamily="49" charset="0"/>
+              </a:rPr>
+              <a:t>5</a:t>
+            </a:r>
+            <a:endParaRPr lang="zh-TW" altLang="en-US" sz="2400" dirty="0">
+              <a:latin typeface="SauceCodePro Nerd Font" panose="020B0509030403020204" pitchFamily="49" charset="0"/>
+            </a:endParaRPr>
+          </a:p>
+        </p:txBody>
+      </p:sp>
+      <p:sp>
+        <p:nvSpPr>
+          <p:cNvPr id="22" name="圓角矩形 21"/>
+          <p:cNvSpPr/>
+          <p:nvPr/>
+        </p:nvSpPr>
+        <p:spPr>
+          <a:xfrm rot="16200000">
+            <a:off x="397976" y="3296861"/>
             <a:ext cx="3253370" cy="566928"/>
           </a:xfrm>
           <a:prstGeom prst="roundRect">
@@ -3431,30 +4039,8 @@
             <a:r>
               <a:rPr lang="en-US" altLang="zh-TW" sz="2400" dirty="0" smtClean="0">
                 <a:latin typeface="SauceCodePro Nerd Font" panose="020B0509030403020204" pitchFamily="49" charset="0"/>
-                <a:ea typeface="SauceCodePro Nerd Font" panose="020B0509030403020204" pitchFamily="49" charset="0"/>
-              </a:rPr>
-              <a:t>Dictionary</a:t>
-            </a:r>
-            <a:r>
-              <a:rPr lang="zh-TW" altLang="en-US" sz="2400" dirty="0" smtClean="0">
-                <a:latin typeface="SauceCodePro Nerd Font" panose="020B0509030403020204" pitchFamily="49" charset="0"/>
-                <a:ea typeface="SauceCodePro Nerd Font" panose="020B0509030403020204" pitchFamily="49" charset="0"/>
-              </a:rPr>
-              <a:t> </a:t>
-            </a:r>
-            <a:r>
-              <a:rPr lang="en-US" altLang="zh-TW" sz="2400" dirty="0">
-                <a:latin typeface="SauceCodePro Nerd Font" panose="020B0509030403020204" pitchFamily="49" charset="0"/>
-                <a:ea typeface="SauceCodePro Nerd Font" panose="020B0509030403020204" pitchFamily="49" charset="0"/>
-              </a:rPr>
-              <a:t>s</a:t>
-            </a:r>
-            <a:r>
-              <a:rPr lang="en-US" altLang="zh-TW" sz="2400" dirty="0" smtClean="0">
-                <a:latin typeface="SauceCodePro Nerd Font" panose="020B0509030403020204" pitchFamily="49" charset="0"/>
-                <a:ea typeface="SauceCodePro Nerd Font" panose="020B0509030403020204" pitchFamily="49" charset="0"/>
-              </a:rPr>
-              <a:t>ize</a:t>
+              </a:rPr>
+              <a:t>Input length</a:t>
             </a:r>
             <a:endParaRPr lang="zh-TW" altLang="en-US" sz="2400" dirty="0">
               <a:latin typeface="SauceCodePro Nerd Font" panose="020B0509030403020204" pitchFamily="49" charset="0"/>
@@ -3464,13 +4050,13 @@
       </p:sp>
       <p:sp>
         <p:nvSpPr>
-          <p:cNvPr id="21" name="弧形 20"/>
+          <p:cNvPr id="23" name="弧形 22"/>
           <p:cNvSpPr/>
           <p:nvPr/>
         </p:nvSpPr>
         <p:spPr>
-          <a:xfrm rot="5400000" flipH="1">
-            <a:off x="6931149" y="1743924"/>
+          <a:xfrm rot="16200000" flipH="1">
+            <a:off x="1965306" y="4395303"/>
             <a:ext cx="694946" cy="791546"/>
           </a:xfrm>
           <a:prstGeom prst="arc">
@@ -3507,13 +4093,13 @@
       </p:sp>
       <p:sp>
         <p:nvSpPr>
-          <p:cNvPr id="22" name="弧形 21"/>
+          <p:cNvPr id="24" name="弧形 23"/>
           <p:cNvSpPr/>
           <p:nvPr/>
         </p:nvSpPr>
         <p:spPr>
-          <a:xfrm rot="5400000">
-            <a:off x="6931150" y="4674826"/>
+          <a:xfrm rot="16200000">
+            <a:off x="1965306" y="1996017"/>
             <a:ext cx="694945" cy="791546"/>
           </a:xfrm>
           <a:prstGeom prst="arc">
@@ -3548,24 +4134,66 @@
           </a:p>
         </p:txBody>
       </p:sp>
-      <p:sp>
-        <p:nvSpPr>
-          <p:cNvPr id="23" name="圓角矩形 22"/>
+      <p:cxnSp>
+        <p:nvCxnSpPr>
+          <p:cNvPr id="25" name="直線單箭頭接點 24"/>
+          <p:cNvCxnSpPr>
+            <a:stCxn id="19" idx="3"/>
+            <a:endCxn id="10" idx="1"/>
+          </p:cNvCxnSpPr>
+          <p:nvPr/>
+        </p:nvCxnSpPr>
+        <p:spPr>
+          <a:xfrm>
+            <a:off x="3000564" y="3589899"/>
+            <a:ext cx="2656070" cy="18479"/>
+          </a:xfrm>
+          <a:prstGeom prst="straightConnector1">
+            <a:avLst/>
+          </a:prstGeom>
+          <a:ln w="63500">
+            <a:solidFill>
+              <a:schemeClr val="accent6">
+                <a:lumMod val="60000"/>
+                <a:lumOff val="40000"/>
+              </a:schemeClr>
+            </a:solidFill>
+            <a:tailEnd type="triangle"/>
+          </a:ln>
+        </p:spPr>
+        <p:style>
+          <a:lnRef idx="1">
+            <a:schemeClr val="accent1"/>
+          </a:lnRef>
+          <a:fillRef idx="0">
+            <a:schemeClr val="accent1"/>
+          </a:fillRef>
+          <a:effectRef idx="0">
+            <a:schemeClr val="accent1"/>
+          </a:effectRef>
+          <a:fontRef idx="minor">
+            <a:schemeClr val="tx1"/>
+          </a:fontRef>
+        </p:style>
+      </p:cxnSp>
+      <p:sp>
+        <p:nvSpPr>
+          <p:cNvPr id="29" name="圓角矩形 28"/>
           <p:cNvSpPr/>
           <p:nvPr/>
         </p:nvSpPr>
         <p:spPr>
           <a:xfrm>
-            <a:off x="1140422" y="1792224"/>
-            <a:ext cx="2288578" cy="566928"/>
+            <a:off x="3251375" y="2660709"/>
+            <a:ext cx="1948814" cy="1015017"/>
           </a:xfrm>
           <a:prstGeom prst="roundRect">
             <a:avLst/>
           </a:prstGeom>
           <a:solidFill>
-            <a:schemeClr val="accent1">
+            <a:srgbClr val="00B0F0">
               <a:alpha val="0"/>
-            </a:schemeClr>
+            </a:srgbClr>
           </a:solidFill>
           <a:ln w="25400">
             <a:solidFill>
@@ -3595,25 +4223,13 @@
           <a:bodyPr rtlCol="0" anchor="ctr"/>
           <a:lstStyle/>
           <a:p>
-            <a:r>
-              <a:rPr lang="en-US" altLang="zh-TW" sz="2400" dirty="0">
+            <a:pPr algn="ctr"/>
+            <a:r>
+              <a:rPr lang="en-US" altLang="zh-TW" sz="2400" dirty="0" smtClean="0">
                 <a:latin typeface="SauceCodePro Nerd Font" panose="020B0509030403020204" pitchFamily="49" charset="0"/>
                 <a:ea typeface="SauceCodePro Nerd Font" panose="020B0509030403020204" pitchFamily="49" charset="0"/>
               </a:rPr>
-              <a:t>Token id</a:t>
-            </a:r>
-            <a:r>
-              <a:rPr lang="zh-TW" altLang="en-US" sz="2400" dirty="0">
-                <a:latin typeface="SauceCodePro Nerd Font" panose="020B0509030403020204" pitchFamily="49" charset="0"/>
-              </a:rPr>
-              <a:t>：</a:t>
-            </a:r>
-            <a:r>
-              <a:rPr lang="en-US" altLang="zh-TW" sz="2400" dirty="0">
-                <a:latin typeface="SauceCodePro Nerd Font" panose="020B0509030403020204" pitchFamily="49" charset="0"/>
-                <a:ea typeface="SauceCodePro Nerd Font" panose="020B0509030403020204" pitchFamily="49" charset="0"/>
-              </a:rPr>
-              <a:t>0</a:t>
+              <a:t>One Hot Encoding</a:t>
             </a:r>
             <a:endParaRPr lang="zh-TW" altLang="en-US" sz="2400" dirty="0">
               <a:latin typeface="SauceCodePro Nerd Font" panose="020B0509030403020204" pitchFamily="49" charset="0"/>
@@ -3623,14 +4239,14 @@
       </p:sp>
       <p:sp>
         <p:nvSpPr>
-          <p:cNvPr id="24" name="圓角矩形 23"/>
+          <p:cNvPr id="31" name="圓角矩形 30"/>
           <p:cNvSpPr/>
           <p:nvPr/>
         </p:nvSpPr>
         <p:spPr>
-          <a:xfrm>
-            <a:off x="1140422" y="2341447"/>
-            <a:ext cx="2288578" cy="566928"/>
+          <a:xfrm rot="5400000">
+            <a:off x="9851760" y="3327152"/>
+            <a:ext cx="2530900" cy="566928"/>
           </a:xfrm>
           <a:prstGeom prst="roundRect">
             <a:avLst/>
@@ -3640,9 +4256,10 @@
               <a:alpha val="0"/>
             </a:schemeClr>
           </a:solidFill>
-          <a:ln w="25400">
+          <a:ln>
             <a:solidFill>
-              <a:schemeClr val="bg1">
+              <a:schemeClr val="accent1">
+                <a:shade val="50000"/>
                 <a:alpha val="0"/>
               </a:schemeClr>
             </a:solidFill>
@@ -3668,24 +4285,12 @@
           <a:bodyPr rtlCol="0" anchor="ctr"/>
           <a:lstStyle/>
           <a:p>
+            <a:pPr algn="ctr"/>
             <a:r>
               <a:rPr lang="en-US" altLang="zh-TW" sz="2400" dirty="0">
                 <a:latin typeface="SauceCodePro Nerd Font" panose="020B0509030403020204" pitchFamily="49" charset="0"/>
-                <a:ea typeface="SauceCodePro Nerd Font" panose="020B0509030403020204" pitchFamily="49" charset="0"/>
-              </a:rPr>
-              <a:t>Token id</a:t>
-            </a:r>
-            <a:r>
-              <a:rPr lang="zh-TW" altLang="en-US" sz="2400" dirty="0" smtClean="0">
-                <a:latin typeface="SauceCodePro Nerd Font" panose="020B0509030403020204" pitchFamily="49" charset="0"/>
-              </a:rPr>
-              <a:t>：</a:t>
-            </a:r>
-            <a:r>
-              <a:rPr lang="en-US" altLang="zh-TW" sz="2400" dirty="0" smtClean="0">
-                <a:latin typeface="SauceCodePro Nerd Font" panose="020B0509030403020204" pitchFamily="49" charset="0"/>
-              </a:rPr>
-              <a:t>1</a:t>
+              </a:rPr>
+              <a:t>Input length</a:t>
             </a:r>
             <a:endParaRPr lang="zh-TW" altLang="en-US" sz="2400" dirty="0">
               <a:latin typeface="SauceCodePro Nerd Font" panose="020B0509030403020204" pitchFamily="49" charset="0"/>
@@ -3695,81 +4300,94 @@
       </p:sp>
       <p:sp>
         <p:nvSpPr>
-          <p:cNvPr id="25" name="圓角矩形 24"/>
+          <p:cNvPr id="32" name="弧形 31"/>
           <p:cNvSpPr/>
           <p:nvPr/>
         </p:nvSpPr>
         <p:spPr>
-          <a:xfrm>
-            <a:off x="1140422" y="4851144"/>
-            <a:ext cx="2288578" cy="566928"/>
-          </a:xfrm>
-          <a:prstGeom prst="roundRect">
-            <a:avLst/>
-          </a:prstGeom>
-          <a:solidFill>
-            <a:schemeClr val="accent1">
-              <a:alpha val="0"/>
-            </a:schemeClr>
-          </a:solidFill>
-          <a:ln w="25400">
+          <a:xfrm rot="5400000" flipH="1">
+            <a:off x="10472937" y="2147233"/>
+            <a:ext cx="694946" cy="791546"/>
+          </a:xfrm>
+          <a:prstGeom prst="arc">
+            <a:avLst/>
+          </a:prstGeom>
+          <a:ln w="38100">
             <a:solidFill>
-              <a:schemeClr val="bg1">
-                <a:alpha val="0"/>
-              </a:schemeClr>
+              <a:schemeClr val="bg1"/>
             </a:solidFill>
           </a:ln>
         </p:spPr>
         <p:style>
-          <a:lnRef idx="2">
-            <a:schemeClr val="accent1">
-              <a:shade val="50000"/>
-            </a:schemeClr>
-          </a:lnRef>
-          <a:fillRef idx="1">
-            <a:schemeClr val="accent1"/>
-          </a:fillRef>
-          <a:effectRef idx="0">
-            <a:schemeClr val="accent1"/>
-          </a:effectRef>
-          <a:fontRef idx="minor">
-            <a:schemeClr val="lt1"/>
+          <a:lnRef idx="1">
+            <a:schemeClr val="accent1"/>
+          </a:lnRef>
+          <a:fillRef idx="0">
+            <a:schemeClr val="accent1"/>
+          </a:fillRef>
+          <a:effectRef idx="0">
+            <a:schemeClr val="accent1"/>
+          </a:effectRef>
+          <a:fontRef idx="minor">
+            <a:schemeClr val="tx1"/>
           </a:fontRef>
         </p:style>
         <p:txBody>
           <a:bodyPr rtlCol="0" anchor="ctr"/>
           <a:lstStyle/>
           <a:p>
-            <a:r>
-              <a:rPr lang="en-US" altLang="zh-TW" sz="2400" dirty="0">
-                <a:latin typeface="SauceCodePro Nerd Font" panose="020B0509030403020204" pitchFamily="49" charset="0"/>
-                <a:ea typeface="SauceCodePro Nerd Font" panose="020B0509030403020204" pitchFamily="49" charset="0"/>
-              </a:rPr>
-              <a:t>Token id</a:t>
-            </a:r>
-            <a:r>
-              <a:rPr lang="zh-TW" altLang="en-US" sz="2400" dirty="0" smtClean="0">
-                <a:latin typeface="SauceCodePro Nerd Font" panose="020B0509030403020204" pitchFamily="49" charset="0"/>
-              </a:rPr>
-              <a:t>：</a:t>
-            </a:r>
-            <a:r>
-              <a:rPr lang="en-US" altLang="zh-TW" sz="2400" dirty="0" smtClean="0">
-                <a:latin typeface="SauceCodePro Nerd Font" panose="020B0509030403020204" pitchFamily="49" charset="0"/>
-                <a:ea typeface="SauceCodePro Nerd Font" panose="020B0509030403020204" pitchFamily="49" charset="0"/>
-              </a:rPr>
-              <a:t>d</a:t>
-            </a:r>
-            <a:endParaRPr lang="zh-TW" altLang="en-US" sz="2400" dirty="0">
-              <a:latin typeface="SauceCodePro Nerd Font" panose="020B0509030403020204" pitchFamily="49" charset="0"/>
-            </a:endParaRPr>
+            <a:pPr algn="ctr"/>
+            <a:endParaRPr lang="zh-TW" altLang="en-US"/>
+          </a:p>
+        </p:txBody>
+      </p:sp>
+      <p:sp>
+        <p:nvSpPr>
+          <p:cNvPr id="33" name="弧形 32"/>
+          <p:cNvSpPr/>
+          <p:nvPr/>
+        </p:nvSpPr>
+        <p:spPr>
+          <a:xfrm rot="5400000">
+            <a:off x="10468284" y="4282453"/>
+            <a:ext cx="694945" cy="791546"/>
+          </a:xfrm>
+          <a:prstGeom prst="arc">
+            <a:avLst/>
+          </a:prstGeom>
+          <a:ln w="38100">
+            <a:solidFill>
+              <a:schemeClr val="bg1"/>
+            </a:solidFill>
+          </a:ln>
+        </p:spPr>
+        <p:style>
+          <a:lnRef idx="1">
+            <a:schemeClr val="accent1"/>
+          </a:lnRef>
+          <a:fillRef idx="0">
+            <a:schemeClr val="accent1"/>
+          </a:fillRef>
+          <a:effectRef idx="0">
+            <a:schemeClr val="accent1"/>
+          </a:effectRef>
+          <a:fontRef idx="minor">
+            <a:schemeClr val="tx1"/>
+          </a:fontRef>
+        </p:style>
+        <p:txBody>
+          <a:bodyPr rtlCol="0" anchor="ctr"/>
+          <a:lstStyle/>
+          <a:p>
+            <a:pPr algn="ctr"/>
+            <a:endParaRPr lang="zh-TW" altLang="en-US"/>
           </a:p>
         </p:txBody>
       </p:sp>
     </p:spTree>
     <p:extLst>
       <p:ext uri="{BB962C8B-B14F-4D97-AF65-F5344CB8AC3E}">
-        <p14:creationId xmlns:p14="http://schemas.microsoft.com/office/powerpoint/2010/main" val="3047557713"/>
+        <p14:creationId xmlns:p14="http://schemas.microsoft.com/office/powerpoint/2010/main" val="3112532608"/>
       </p:ext>
     </p:extLst>
   </p:cSld>
@@ -3819,7 +4437,7 @@
         </p:nvSpPr>
         <p:spPr>
           <a:xfrm>
-            <a:off x="6434846" y="1801950"/>
+            <a:off x="3429000" y="1792224"/>
             <a:ext cx="3849624" cy="566928"/>
           </a:xfrm>
           <a:prstGeom prst="roundRect">
@@ -3875,7 +4493,7 @@
         </p:nvSpPr>
         <p:spPr>
           <a:xfrm>
-            <a:off x="9589525" y="1406177"/>
+            <a:off x="6583679" y="1396451"/>
             <a:ext cx="694945" cy="791546"/>
           </a:xfrm>
           <a:prstGeom prst="arc">
@@ -3918,7 +4536,7 @@
         </p:nvSpPr>
         <p:spPr>
           <a:xfrm flipH="1">
-            <a:off x="6434846" y="1406177"/>
+            <a:off x="3429000" y="1396451"/>
             <a:ext cx="694946" cy="791546"/>
           </a:xfrm>
           <a:prstGeom prst="arc">
@@ -3961,7 +4579,7 @@
         </p:nvSpPr>
         <p:spPr>
           <a:xfrm>
-            <a:off x="6434846" y="1235022"/>
+            <a:off x="3429000" y="1225296"/>
             <a:ext cx="3849624" cy="566928"/>
           </a:xfrm>
           <a:prstGeom prst="roundRect">
@@ -4023,7 +4641,7 @@
         </p:nvSpPr>
         <p:spPr>
           <a:xfrm>
-            <a:off x="6434846" y="2368878"/>
+            <a:off x="3429000" y="2359152"/>
             <a:ext cx="3849624" cy="566928"/>
           </a:xfrm>
           <a:prstGeom prst="roundRect">
@@ -4079,7 +4697,7 @@
         </p:nvSpPr>
         <p:spPr>
           <a:xfrm>
-            <a:off x="6434846" y="3485029"/>
+            <a:off x="3429000" y="3475303"/>
             <a:ext cx="3849624" cy="566928"/>
           </a:xfrm>
           <a:prstGeom prst="roundRect">
@@ -4160,7 +4778,7 @@
         </p:nvSpPr>
         <p:spPr>
           <a:xfrm>
-            <a:off x="6434846" y="4860871"/>
+            <a:off x="3429000" y="4851145"/>
             <a:ext cx="3849624" cy="566928"/>
           </a:xfrm>
           <a:prstGeom prst="roundRect">
@@ -4216,7 +4834,7 @@
         </p:nvSpPr>
         <p:spPr>
           <a:xfrm rot="5400000">
-            <a:off x="8941247" y="3331410"/>
+            <a:off x="5935401" y="3321684"/>
             <a:ext cx="3253370" cy="566928"/>
           </a:xfrm>
           <a:prstGeom prst="roundRect">
@@ -4299,7 +4917,7 @@
         </p:nvSpPr>
         <p:spPr>
           <a:xfrm rot="5400000" flipH="1">
-            <a:off x="9936995" y="1753650"/>
+            <a:off x="6931149" y="1743924"/>
             <a:ext cx="694946" cy="791546"/>
           </a:xfrm>
           <a:prstGeom prst="arc">
@@ -4342,7 +4960,7 @@
         </p:nvSpPr>
         <p:spPr>
           <a:xfrm rot="5400000">
-            <a:off x="9936996" y="4684552"/>
+            <a:off x="6931150" y="4674826"/>
             <a:ext cx="694945" cy="791546"/>
           </a:xfrm>
           <a:prstGeom prst="arc">
@@ -4385,8 +5003,8 @@
         </p:nvSpPr>
         <p:spPr>
           <a:xfrm>
-            <a:off x="3987188" y="1978574"/>
-            <a:ext cx="675710" cy="619460"/>
+            <a:off x="1140422" y="1792224"/>
+            <a:ext cx="2288578" cy="566928"/>
           </a:xfrm>
           <a:prstGeom prst="roundRect">
             <a:avLst/>
@@ -4398,7 +5016,9 @@
           </a:solidFill>
           <a:ln w="25400">
             <a:solidFill>
-              <a:srgbClr val="FF0066"/>
+              <a:schemeClr val="bg1">
+                <a:alpha val="0"/>
+              </a:schemeClr>
             </a:solidFill>
           </a:ln>
         </p:spPr>
@@ -4427,7 +5047,20 @@
                 <a:latin typeface="SauceCodePro Nerd Font" panose="020B0509030403020204" pitchFamily="49" charset="0"/>
                 <a:ea typeface="SauceCodePro Nerd Font" panose="020B0509030403020204" pitchFamily="49" charset="0"/>
               </a:rPr>
-              <a:t>1</a:t>
+              <a:t>Token id</a:t>
+            </a:r>
+            <a:r>
+              <a:rPr lang="zh-TW" altLang="en-US" sz="2400" dirty="0">
+                <a:latin typeface="SauceCodePro Nerd Font" panose="020B0509030403020204" pitchFamily="49" charset="0"/>
+              </a:rPr>
+              <a:t>：</a:t>
+            </a:r>
+            <a:r>
+              <a:rPr lang="en-US" altLang="zh-TW" sz="2400" dirty="0">
+                <a:latin typeface="SauceCodePro Nerd Font" panose="020B0509030403020204" pitchFamily="49" charset="0"/>
+                <a:ea typeface="SauceCodePro Nerd Font" panose="020B0509030403020204" pitchFamily="49" charset="0"/>
+              </a:rPr>
+              <a:t>0</a:t>
             </a:r>
             <a:endParaRPr lang="zh-TW" altLang="en-US" sz="2400" dirty="0">
               <a:latin typeface="SauceCodePro Nerd Font" panose="020B0509030403020204" pitchFamily="49" charset="0"/>
@@ -4437,14 +5070,14 @@
       </p:sp>
       <p:sp>
         <p:nvSpPr>
-          <p:cNvPr id="16" name="圓角矩形 15"/>
+          <p:cNvPr id="24" name="圓角矩形 23"/>
           <p:cNvSpPr/>
           <p:nvPr/>
         </p:nvSpPr>
         <p:spPr>
           <a:xfrm>
-            <a:off x="3452996" y="5275763"/>
-            <a:ext cx="1744094" cy="566928"/>
+            <a:off x="1140422" y="2341447"/>
+            <a:ext cx="2288578" cy="566928"/>
           </a:xfrm>
           <a:prstGeom prst="roundRect">
             <a:avLst/>
@@ -4456,9 +5089,9 @@
           </a:solidFill>
           <a:ln w="25400">
             <a:solidFill>
-              <a:srgbClr val="FF0066">
+              <a:schemeClr val="bg1">
                 <a:alpha val="0"/>
-              </a:srgbClr>
+              </a:schemeClr>
             </a:solidFill>
           </a:ln>
         </p:spPr>
@@ -4487,14 +5120,19 @@
                 <a:latin typeface="SauceCodePro Nerd Font" panose="020B0509030403020204" pitchFamily="49" charset="0"/>
                 <a:ea typeface="SauceCodePro Nerd Font" panose="020B0509030403020204" pitchFamily="49" charset="0"/>
               </a:rPr>
-              <a:t>Token </a:t>
+              <a:t>Token id</a:t>
+            </a:r>
+            <a:r>
+              <a:rPr lang="zh-TW" altLang="en-US" sz="2400" dirty="0" smtClean="0">
+                <a:latin typeface="SauceCodePro Nerd Font" panose="020B0509030403020204" pitchFamily="49" charset="0"/>
+              </a:rPr>
+              <a:t>：</a:t>
             </a:r>
             <a:r>
               <a:rPr lang="en-US" altLang="zh-TW" sz="2400" dirty="0" smtClean="0">
                 <a:latin typeface="SauceCodePro Nerd Font" panose="020B0509030403020204" pitchFamily="49" charset="0"/>
-                <a:ea typeface="SauceCodePro Nerd Font" panose="020B0509030403020204" pitchFamily="49" charset="0"/>
-              </a:rPr>
-              <a:t>id</a:t>
+              </a:rPr>
+              <a:t>1</a:t>
             </a:r>
             <a:endParaRPr lang="zh-TW" altLang="en-US" sz="2400" dirty="0">
               <a:latin typeface="SauceCodePro Nerd Font" panose="020B0509030403020204" pitchFamily="49" charset="0"/>
@@ -4504,14 +5142,14 @@
       </p:sp>
       <p:sp>
         <p:nvSpPr>
-          <p:cNvPr id="17" name="圓角矩形 16"/>
+          <p:cNvPr id="25" name="圓角矩形 24"/>
           <p:cNvSpPr/>
           <p:nvPr/>
         </p:nvSpPr>
         <p:spPr>
           <a:xfrm>
-            <a:off x="3987188" y="2598034"/>
-            <a:ext cx="675710" cy="619460"/>
+            <a:off x="1140422" y="4851144"/>
+            <a:ext cx="2288578" cy="566928"/>
           </a:xfrm>
           <a:prstGeom prst="roundRect">
             <a:avLst/>
@@ -4523,7 +5161,9 @@
           </a:solidFill>
           <a:ln w="25400">
             <a:solidFill>
-              <a:srgbClr val="FF0066"/>
+              <a:schemeClr val="bg1">
+                <a:alpha val="0"/>
+              </a:schemeClr>
             </a:solidFill>
           </a:ln>
         </p:spPr>
@@ -4548,11 +5188,24 @@
           <a:lstStyle/>
           <a:p>
             <a:r>
+              <a:rPr lang="en-US" altLang="zh-TW" sz="2400" dirty="0">
+                <a:latin typeface="SauceCodePro Nerd Font" panose="020B0509030403020204" pitchFamily="49" charset="0"/>
+                <a:ea typeface="SauceCodePro Nerd Font" panose="020B0509030403020204" pitchFamily="49" charset="0"/>
+              </a:rPr>
+              <a:t>Token id</a:t>
+            </a:r>
+            <a:r>
+              <a:rPr lang="zh-TW" altLang="en-US" sz="2400" dirty="0" smtClean="0">
+                <a:latin typeface="SauceCodePro Nerd Font" panose="020B0509030403020204" pitchFamily="49" charset="0"/>
+              </a:rPr>
+              <a:t>：</a:t>
+            </a:r>
+            <a:r>
               <a:rPr lang="en-US" altLang="zh-TW" sz="2400" dirty="0" smtClean="0">
                 <a:latin typeface="SauceCodePro Nerd Font" panose="020B0509030403020204" pitchFamily="49" charset="0"/>
                 <a:ea typeface="SauceCodePro Nerd Font" panose="020B0509030403020204" pitchFamily="49" charset="0"/>
               </a:rPr>
-              <a:t>12</a:t>
+              <a:t>d</a:t>
             </a:r>
             <a:endParaRPr lang="zh-TW" altLang="en-US" sz="2400" dirty="0">
               <a:latin typeface="SauceCodePro Nerd Font" panose="020B0509030403020204" pitchFamily="49" charset="0"/>
@@ -4560,540 +5213,10 @@
           </a:p>
         </p:txBody>
       </p:sp>
-      <p:sp>
-        <p:nvSpPr>
-          <p:cNvPr id="18" name="圓角矩形 17"/>
-          <p:cNvSpPr/>
-          <p:nvPr/>
-        </p:nvSpPr>
-        <p:spPr>
-          <a:xfrm>
-            <a:off x="3987188" y="3217494"/>
-            <a:ext cx="675710" cy="619460"/>
-          </a:xfrm>
-          <a:prstGeom prst="roundRect">
-            <a:avLst/>
-          </a:prstGeom>
-          <a:solidFill>
-            <a:schemeClr val="accent1">
-              <a:alpha val="0"/>
-            </a:schemeClr>
-          </a:solidFill>
-          <a:ln w="25400">
-            <a:solidFill>
-              <a:srgbClr val="FF0066"/>
-            </a:solidFill>
-          </a:ln>
-        </p:spPr>
-        <p:style>
-          <a:lnRef idx="2">
-            <a:schemeClr val="accent1">
-              <a:shade val="50000"/>
-            </a:schemeClr>
-          </a:lnRef>
-          <a:fillRef idx="1">
-            <a:schemeClr val="accent1"/>
-          </a:fillRef>
-          <a:effectRef idx="0">
-            <a:schemeClr val="accent1"/>
-          </a:effectRef>
-          <a:fontRef idx="minor">
-            <a:schemeClr val="lt1"/>
-          </a:fontRef>
-        </p:style>
-        <p:txBody>
-          <a:bodyPr rtlCol="0" anchor="ctr"/>
-          <a:lstStyle/>
-          <a:p>
-            <a:r>
-              <a:rPr lang="en-US" altLang="zh-TW" sz="2400" dirty="0" smtClean="0">
-                <a:latin typeface="SauceCodePro Nerd Font" panose="020B0509030403020204" pitchFamily="49" charset="0"/>
-                <a:ea typeface="SauceCodePro Nerd Font" panose="020B0509030403020204" pitchFamily="49" charset="0"/>
-              </a:rPr>
-              <a:t>0</a:t>
-            </a:r>
-            <a:endParaRPr lang="zh-TW" altLang="en-US" sz="2400" dirty="0">
-              <a:latin typeface="SauceCodePro Nerd Font" panose="020B0509030403020204" pitchFamily="49" charset="0"/>
-            </a:endParaRPr>
-          </a:p>
-        </p:txBody>
-      </p:sp>
-      <p:sp>
-        <p:nvSpPr>
-          <p:cNvPr id="19" name="圓角矩形 18"/>
-          <p:cNvSpPr/>
-          <p:nvPr/>
-        </p:nvSpPr>
-        <p:spPr>
-          <a:xfrm>
-            <a:off x="3987188" y="3836954"/>
-            <a:ext cx="675710" cy="619460"/>
-          </a:xfrm>
-          <a:prstGeom prst="roundRect">
-            <a:avLst/>
-          </a:prstGeom>
-          <a:solidFill>
-            <a:schemeClr val="accent1">
-              <a:alpha val="0"/>
-            </a:schemeClr>
-          </a:solidFill>
-          <a:ln w="25400">
-            <a:solidFill>
-              <a:srgbClr val="FF0066"/>
-            </a:solidFill>
-          </a:ln>
-        </p:spPr>
-        <p:style>
-          <a:lnRef idx="2">
-            <a:schemeClr val="accent1">
-              <a:shade val="50000"/>
-            </a:schemeClr>
-          </a:lnRef>
-          <a:fillRef idx="1">
-            <a:schemeClr val="accent1"/>
-          </a:fillRef>
-          <a:effectRef idx="0">
-            <a:schemeClr val="accent1"/>
-          </a:effectRef>
-          <a:fontRef idx="minor">
-            <a:schemeClr val="lt1"/>
-          </a:fontRef>
-        </p:style>
-        <p:txBody>
-          <a:bodyPr rtlCol="0" anchor="ctr"/>
-          <a:lstStyle/>
-          <a:p>
-            <a:r>
-              <a:rPr lang="en-US" altLang="zh-TW" sz="2400" dirty="0">
-                <a:latin typeface="SauceCodePro Nerd Font" panose="020B0509030403020204" pitchFamily="49" charset="0"/>
-                <a:ea typeface="SauceCodePro Nerd Font" panose="020B0509030403020204" pitchFamily="49" charset="0"/>
-              </a:rPr>
-              <a:t>d</a:t>
-            </a:r>
-            <a:endParaRPr lang="zh-TW" altLang="en-US" sz="2400" dirty="0">
-              <a:latin typeface="SauceCodePro Nerd Font" panose="020B0509030403020204" pitchFamily="49" charset="0"/>
-            </a:endParaRPr>
-          </a:p>
-        </p:txBody>
-      </p:sp>
-      <p:sp>
-        <p:nvSpPr>
-          <p:cNvPr id="26" name="圓角矩形 25"/>
-          <p:cNvSpPr/>
-          <p:nvPr/>
-        </p:nvSpPr>
-        <p:spPr>
-          <a:xfrm>
-            <a:off x="3987188" y="4456414"/>
-            <a:ext cx="675710" cy="619460"/>
-          </a:xfrm>
-          <a:prstGeom prst="roundRect">
-            <a:avLst/>
-          </a:prstGeom>
-          <a:solidFill>
-            <a:schemeClr val="accent1">
-              <a:alpha val="0"/>
-            </a:schemeClr>
-          </a:solidFill>
-          <a:ln w="25400">
-            <a:solidFill>
-              <a:srgbClr val="FF0066"/>
-            </a:solidFill>
-          </a:ln>
-        </p:spPr>
-        <p:style>
-          <a:lnRef idx="2">
-            <a:schemeClr val="accent1">
-              <a:shade val="50000"/>
-            </a:schemeClr>
-          </a:lnRef>
-          <a:fillRef idx="1">
-            <a:schemeClr val="accent1"/>
-          </a:fillRef>
-          <a:effectRef idx="0">
-            <a:schemeClr val="accent1"/>
-          </a:effectRef>
-          <a:fontRef idx="minor">
-            <a:schemeClr val="lt1"/>
-          </a:fontRef>
-        </p:style>
-        <p:txBody>
-          <a:bodyPr rtlCol="0" anchor="ctr"/>
-          <a:lstStyle/>
-          <a:p>
-            <a:r>
-              <a:rPr lang="en-US" altLang="zh-TW" sz="2400" dirty="0">
-                <a:latin typeface="SauceCodePro Nerd Font" panose="020B0509030403020204" pitchFamily="49" charset="0"/>
-                <a:ea typeface="SauceCodePro Nerd Font" panose="020B0509030403020204" pitchFamily="49" charset="0"/>
-              </a:rPr>
-              <a:t>5</a:t>
-            </a:r>
-            <a:endParaRPr lang="zh-TW" altLang="en-US" sz="2400" dirty="0">
-              <a:latin typeface="SauceCodePro Nerd Font" panose="020B0509030403020204" pitchFamily="49" charset="0"/>
-            </a:endParaRPr>
-          </a:p>
-        </p:txBody>
-      </p:sp>
-      <p:cxnSp>
-        <p:nvCxnSpPr>
-          <p:cNvPr id="27" name="直線單箭頭接點 26"/>
-          <p:cNvCxnSpPr>
-            <a:stCxn id="23" idx="3"/>
-            <a:endCxn id="10" idx="1"/>
-          </p:cNvCxnSpPr>
-          <p:nvPr/>
-        </p:nvCxnSpPr>
-        <p:spPr>
-          <a:xfrm>
-            <a:off x="4662898" y="2288304"/>
-            <a:ext cx="1771948" cy="364038"/>
-          </a:xfrm>
-          <a:prstGeom prst="straightConnector1">
-            <a:avLst/>
-          </a:prstGeom>
-          <a:ln w="63500">
-            <a:solidFill>
-              <a:schemeClr val="accent6">
-                <a:lumMod val="60000"/>
-                <a:lumOff val="40000"/>
-              </a:schemeClr>
-            </a:solidFill>
-            <a:tailEnd type="triangle"/>
-          </a:ln>
-        </p:spPr>
-        <p:style>
-          <a:lnRef idx="1">
-            <a:schemeClr val="accent1"/>
-          </a:lnRef>
-          <a:fillRef idx="0">
-            <a:schemeClr val="accent1"/>
-          </a:fillRef>
-          <a:effectRef idx="0">
-            <a:schemeClr val="accent1"/>
-          </a:effectRef>
-          <a:fontRef idx="minor">
-            <a:schemeClr val="tx1"/>
-          </a:fontRef>
-        </p:style>
-      </p:cxnSp>
-      <p:cxnSp>
-        <p:nvCxnSpPr>
-          <p:cNvPr id="28" name="直線單箭頭接點 27"/>
-          <p:cNvCxnSpPr>
-            <a:stCxn id="18" idx="3"/>
-            <a:endCxn id="5" idx="1"/>
-          </p:cNvCxnSpPr>
-          <p:nvPr/>
-        </p:nvCxnSpPr>
-        <p:spPr>
-          <a:xfrm flipV="1">
-            <a:off x="4662898" y="2085414"/>
-            <a:ext cx="1771948" cy="1441810"/>
-          </a:xfrm>
-          <a:prstGeom prst="straightConnector1">
-            <a:avLst/>
-          </a:prstGeom>
-          <a:ln w="63500">
-            <a:solidFill>
-              <a:schemeClr val="accent6">
-                <a:lumMod val="60000"/>
-                <a:lumOff val="40000"/>
-              </a:schemeClr>
-            </a:solidFill>
-            <a:tailEnd type="triangle"/>
-          </a:ln>
-        </p:spPr>
-        <p:style>
-          <a:lnRef idx="1">
-            <a:schemeClr val="accent1"/>
-          </a:lnRef>
-          <a:fillRef idx="0">
-            <a:schemeClr val="accent1"/>
-          </a:fillRef>
-          <a:effectRef idx="0">
-            <a:schemeClr val="accent1"/>
-          </a:effectRef>
-          <a:fontRef idx="minor">
-            <a:schemeClr val="tx1"/>
-          </a:fontRef>
-        </p:style>
-      </p:cxnSp>
-      <p:cxnSp>
-        <p:nvCxnSpPr>
-          <p:cNvPr id="29" name="直線單箭頭接點 28"/>
-          <p:cNvCxnSpPr>
-            <a:stCxn id="19" idx="3"/>
-            <a:endCxn id="14" idx="1"/>
-          </p:cNvCxnSpPr>
-          <p:nvPr/>
-        </p:nvCxnSpPr>
-        <p:spPr>
-          <a:xfrm>
-            <a:off x="4662898" y="4146684"/>
-            <a:ext cx="1771948" cy="997651"/>
-          </a:xfrm>
-          <a:prstGeom prst="straightConnector1">
-            <a:avLst/>
-          </a:prstGeom>
-          <a:ln w="63500">
-            <a:solidFill>
-              <a:schemeClr val="accent6">
-                <a:lumMod val="60000"/>
-                <a:lumOff val="40000"/>
-              </a:schemeClr>
-            </a:solidFill>
-            <a:tailEnd type="triangle"/>
-          </a:ln>
-        </p:spPr>
-        <p:style>
-          <a:lnRef idx="1">
-            <a:schemeClr val="accent1"/>
-          </a:lnRef>
-          <a:fillRef idx="0">
-            <a:schemeClr val="accent1"/>
-          </a:fillRef>
-          <a:effectRef idx="0">
-            <a:schemeClr val="accent1"/>
-          </a:effectRef>
-          <a:fontRef idx="minor">
-            <a:schemeClr val="tx1"/>
-          </a:fontRef>
-        </p:style>
-      </p:cxnSp>
-      <p:cxnSp>
-        <p:nvCxnSpPr>
-          <p:cNvPr id="31" name="直線單箭頭接點 30"/>
-          <p:cNvCxnSpPr>
-            <a:stCxn id="17" idx="3"/>
-            <a:endCxn id="11" idx="1"/>
-          </p:cNvCxnSpPr>
-          <p:nvPr/>
-        </p:nvCxnSpPr>
-        <p:spPr>
-          <a:xfrm>
-            <a:off x="4662898" y="2907764"/>
-            <a:ext cx="1771948" cy="860729"/>
-          </a:xfrm>
-          <a:prstGeom prst="straightConnector1">
-            <a:avLst/>
-          </a:prstGeom>
-          <a:ln w="63500">
-            <a:solidFill>
-              <a:schemeClr val="accent6">
-                <a:lumMod val="60000"/>
-                <a:lumOff val="40000"/>
-              </a:schemeClr>
-            </a:solidFill>
-            <a:tailEnd type="triangle"/>
-          </a:ln>
-        </p:spPr>
-        <p:style>
-          <a:lnRef idx="1">
-            <a:schemeClr val="accent1"/>
-          </a:lnRef>
-          <a:fillRef idx="0">
-            <a:schemeClr val="accent1"/>
-          </a:fillRef>
-          <a:effectRef idx="0">
-            <a:schemeClr val="accent1"/>
-          </a:effectRef>
-          <a:fontRef idx="minor">
-            <a:schemeClr val="tx1"/>
-          </a:fontRef>
-        </p:style>
-      </p:cxnSp>
-      <p:cxnSp>
-        <p:nvCxnSpPr>
-          <p:cNvPr id="34" name="直線單箭頭接點 33"/>
-          <p:cNvCxnSpPr>
-            <a:stCxn id="26" idx="3"/>
-          </p:cNvCxnSpPr>
-          <p:nvPr/>
-        </p:nvCxnSpPr>
-        <p:spPr>
-          <a:xfrm flipV="1">
-            <a:off x="4662898" y="3327335"/>
-            <a:ext cx="1771948" cy="1438809"/>
-          </a:xfrm>
-          <a:prstGeom prst="straightConnector1">
-            <a:avLst/>
-          </a:prstGeom>
-          <a:ln w="63500">
-            <a:solidFill>
-              <a:schemeClr val="accent6">
-                <a:lumMod val="60000"/>
-                <a:lumOff val="40000"/>
-              </a:schemeClr>
-            </a:solidFill>
-            <a:tailEnd type="triangle"/>
-          </a:ln>
-        </p:spPr>
-        <p:style>
-          <a:lnRef idx="1">
-            <a:schemeClr val="accent1"/>
-          </a:lnRef>
-          <a:fillRef idx="0">
-            <a:schemeClr val="accent1"/>
-          </a:fillRef>
-          <a:effectRef idx="0">
-            <a:schemeClr val="accent1"/>
-          </a:effectRef>
-          <a:fontRef idx="minor">
-            <a:schemeClr val="tx1"/>
-          </a:fontRef>
-        </p:style>
-      </p:cxnSp>
-      <p:sp>
-        <p:nvSpPr>
-          <p:cNvPr id="44" name="圓角矩形 43"/>
-          <p:cNvSpPr/>
-          <p:nvPr/>
-        </p:nvSpPr>
-        <p:spPr>
-          <a:xfrm rot="16200000">
-            <a:off x="2060310" y="3234186"/>
-            <a:ext cx="3253370" cy="566928"/>
-          </a:xfrm>
-          <a:prstGeom prst="roundRect">
-            <a:avLst/>
-          </a:prstGeom>
-          <a:solidFill>
-            <a:schemeClr val="accent1">
-              <a:alpha val="0"/>
-            </a:schemeClr>
-          </a:solidFill>
-          <a:ln>
-            <a:solidFill>
-              <a:schemeClr val="accent1">
-                <a:shade val="50000"/>
-                <a:alpha val="0"/>
-              </a:schemeClr>
-            </a:solidFill>
-          </a:ln>
-        </p:spPr>
-        <p:style>
-          <a:lnRef idx="2">
-            <a:schemeClr val="accent1">
-              <a:shade val="50000"/>
-            </a:schemeClr>
-          </a:lnRef>
-          <a:fillRef idx="1">
-            <a:schemeClr val="accent1"/>
-          </a:fillRef>
-          <a:effectRef idx="0">
-            <a:schemeClr val="accent1"/>
-          </a:effectRef>
-          <a:fontRef idx="minor">
-            <a:schemeClr val="lt1"/>
-          </a:fontRef>
-        </p:style>
-        <p:txBody>
-          <a:bodyPr rtlCol="0" anchor="ctr"/>
-          <a:lstStyle/>
-          <a:p>
-            <a:pPr algn="ctr"/>
-            <a:r>
-              <a:rPr lang="en-US" altLang="zh-TW" sz="2400" dirty="0" smtClean="0">
-                <a:latin typeface="SauceCodePro Nerd Font" panose="020B0509030403020204" pitchFamily="49" charset="0"/>
-              </a:rPr>
-              <a:t>Input length</a:t>
-            </a:r>
-            <a:endParaRPr lang="zh-TW" altLang="en-US" sz="2400" dirty="0">
-              <a:latin typeface="SauceCodePro Nerd Font" panose="020B0509030403020204" pitchFamily="49" charset="0"/>
-            </a:endParaRPr>
-          </a:p>
-        </p:txBody>
-      </p:sp>
-      <p:sp>
-        <p:nvSpPr>
-          <p:cNvPr id="45" name="弧形 44"/>
-          <p:cNvSpPr/>
-          <p:nvPr/>
-        </p:nvSpPr>
-        <p:spPr>
-          <a:xfrm rot="16200000" flipH="1">
-            <a:off x="3627640" y="4332628"/>
-            <a:ext cx="694946" cy="791546"/>
-          </a:xfrm>
-          <a:prstGeom prst="arc">
-            <a:avLst/>
-          </a:prstGeom>
-          <a:ln w="38100">
-            <a:solidFill>
-              <a:schemeClr val="bg1"/>
-            </a:solidFill>
-          </a:ln>
-        </p:spPr>
-        <p:style>
-          <a:lnRef idx="1">
-            <a:schemeClr val="accent1"/>
-          </a:lnRef>
-          <a:fillRef idx="0">
-            <a:schemeClr val="accent1"/>
-          </a:fillRef>
-          <a:effectRef idx="0">
-            <a:schemeClr val="accent1"/>
-          </a:effectRef>
-          <a:fontRef idx="minor">
-            <a:schemeClr val="tx1"/>
-          </a:fontRef>
-        </p:style>
-        <p:txBody>
-          <a:bodyPr rtlCol="0" anchor="ctr"/>
-          <a:lstStyle/>
-          <a:p>
-            <a:pPr algn="ctr"/>
-            <a:endParaRPr lang="zh-TW" altLang="en-US"/>
-          </a:p>
-        </p:txBody>
-      </p:sp>
-      <p:sp>
-        <p:nvSpPr>
-          <p:cNvPr id="46" name="弧形 45"/>
-          <p:cNvSpPr/>
-          <p:nvPr/>
-        </p:nvSpPr>
-        <p:spPr>
-          <a:xfrm rot="16200000">
-            <a:off x="3627640" y="1933342"/>
-            <a:ext cx="694945" cy="791546"/>
-          </a:xfrm>
-          <a:prstGeom prst="arc">
-            <a:avLst/>
-          </a:prstGeom>
-          <a:ln w="38100">
-            <a:solidFill>
-              <a:schemeClr val="bg1"/>
-            </a:solidFill>
-          </a:ln>
-        </p:spPr>
-        <p:style>
-          <a:lnRef idx="1">
-            <a:schemeClr val="accent1"/>
-          </a:lnRef>
-          <a:fillRef idx="0">
-            <a:schemeClr val="accent1"/>
-          </a:fillRef>
-          <a:effectRef idx="0">
-            <a:schemeClr val="accent1"/>
-          </a:effectRef>
-          <a:fontRef idx="minor">
-            <a:schemeClr val="tx1"/>
-          </a:fontRef>
-        </p:style>
-        <p:txBody>
-          <a:bodyPr rtlCol="0" anchor="ctr"/>
-          <a:lstStyle/>
-          <a:p>
-            <a:pPr algn="ctr"/>
-            <a:endParaRPr lang="zh-TW" altLang="en-US"/>
-          </a:p>
-        </p:txBody>
-      </p:sp>
     </p:spTree>
     <p:extLst>
       <p:ext uri="{BB962C8B-B14F-4D97-AF65-F5344CB8AC3E}">
-        <p14:creationId xmlns:p14="http://schemas.microsoft.com/office/powerpoint/2010/main" val="3963773577"/>
+        <p14:creationId xmlns:p14="http://schemas.microsoft.com/office/powerpoint/2010/main" val="3047557713"/>
       </p:ext>
     </p:extLst>
   </p:cSld>
@@ -5137,20 +5260,20 @@
       </p:grpSpPr>
       <p:sp>
         <p:nvSpPr>
-          <p:cNvPr id="4" name="圓角矩形 3"/>
+          <p:cNvPr id="5" name="圓角矩形 4"/>
           <p:cNvSpPr/>
           <p:nvPr/>
         </p:nvSpPr>
         <p:spPr>
           <a:xfrm>
-            <a:off x="5656634" y="2191058"/>
+            <a:off x="6434846" y="1801950"/>
             <a:ext cx="3849624" cy="566928"/>
           </a:xfrm>
           <a:prstGeom prst="roundRect">
             <a:avLst/>
           </a:prstGeom>
           <a:solidFill>
-            <a:srgbClr val="FF0066"/>
+            <a:srgbClr val="00B0F0"/>
           </a:solidFill>
           <a:ln w="25400">
             <a:solidFill>
@@ -5193,13 +5316,13 @@
       </p:sp>
       <p:sp>
         <p:nvSpPr>
-          <p:cNvPr id="5" name="弧形 4"/>
+          <p:cNvPr id="7" name="弧形 6"/>
           <p:cNvSpPr/>
           <p:nvPr/>
         </p:nvSpPr>
         <p:spPr>
           <a:xfrm>
-            <a:off x="8811313" y="1795285"/>
+            <a:off x="9589525" y="1406177"/>
             <a:ext cx="694945" cy="791546"/>
           </a:xfrm>
           <a:prstGeom prst="arc">
@@ -5236,13 +5359,13 @@
       </p:sp>
       <p:sp>
         <p:nvSpPr>
-          <p:cNvPr id="6" name="弧形 5"/>
+          <p:cNvPr id="8" name="弧形 7"/>
           <p:cNvSpPr/>
           <p:nvPr/>
         </p:nvSpPr>
         <p:spPr>
           <a:xfrm flipH="1">
-            <a:off x="5656634" y="1795285"/>
+            <a:off x="6434846" y="1406177"/>
             <a:ext cx="694946" cy="791546"/>
           </a:xfrm>
           <a:prstGeom prst="arc">
@@ -5279,13 +5402,13 @@
       </p:sp>
       <p:sp>
         <p:nvSpPr>
-          <p:cNvPr id="7" name="圓角矩形 6"/>
+          <p:cNvPr id="9" name="圓角矩形 8"/>
           <p:cNvSpPr/>
           <p:nvPr/>
         </p:nvSpPr>
         <p:spPr>
           <a:xfrm>
-            <a:off x="5656634" y="1624130"/>
+            <a:off x="6434846" y="1235022"/>
             <a:ext cx="3849624" cy="566928"/>
           </a:xfrm>
           <a:prstGeom prst="roundRect">
@@ -5341,13 +5464,1133 @@
       </p:sp>
       <p:sp>
         <p:nvSpPr>
-          <p:cNvPr id="8" name="圓角矩形 7"/>
+          <p:cNvPr id="10" name="圓角矩形 9"/>
           <p:cNvSpPr/>
           <p:nvPr/>
         </p:nvSpPr>
         <p:spPr>
           <a:xfrm>
-            <a:off x="5656634" y="2757986"/>
+            <a:off x="6434846" y="2368878"/>
+            <a:ext cx="3849624" cy="566928"/>
+          </a:xfrm>
+          <a:prstGeom prst="roundRect">
+            <a:avLst/>
+          </a:prstGeom>
+          <a:solidFill>
+            <a:srgbClr val="00B0F0"/>
+          </a:solidFill>
+          <a:ln w="25400">
+            <a:solidFill>
+              <a:schemeClr val="bg1"/>
+            </a:solidFill>
+          </a:ln>
+        </p:spPr>
+        <p:style>
+          <a:lnRef idx="2">
+            <a:schemeClr val="accent1">
+              <a:shade val="50000"/>
+            </a:schemeClr>
+          </a:lnRef>
+          <a:fillRef idx="1">
+            <a:schemeClr val="accent1"/>
+          </a:fillRef>
+          <a:effectRef idx="0">
+            <a:schemeClr val="accent1"/>
+          </a:effectRef>
+          <a:fontRef idx="minor">
+            <a:schemeClr val="lt1"/>
+          </a:fontRef>
+        </p:style>
+        <p:txBody>
+          <a:bodyPr rtlCol="0" anchor="ctr"/>
+          <a:lstStyle/>
+          <a:p>
+            <a:pPr algn="ctr"/>
+            <a:r>
+              <a:rPr lang="en-US" altLang="zh-TW" sz="2400" dirty="0" smtClean="0">
+                <a:latin typeface="SauceCodePro Nerd Font" panose="020B0509030403020204" pitchFamily="49" charset="0"/>
+              </a:rPr>
+              <a:t>Vector 1</a:t>
+            </a:r>
+            <a:endParaRPr lang="zh-TW" altLang="en-US" sz="2400" dirty="0">
+              <a:latin typeface="SauceCodePro Nerd Font" panose="020B0509030403020204" pitchFamily="49" charset="0"/>
+            </a:endParaRPr>
+          </a:p>
+        </p:txBody>
+      </p:sp>
+      <p:sp>
+        <p:nvSpPr>
+          <p:cNvPr id="11" name="圓角矩形 10"/>
+          <p:cNvSpPr/>
+          <p:nvPr/>
+        </p:nvSpPr>
+        <p:spPr>
+          <a:xfrm>
+            <a:off x="6434846" y="3485029"/>
+            <a:ext cx="3849624" cy="566928"/>
+          </a:xfrm>
+          <a:prstGeom prst="roundRect">
+            <a:avLst/>
+          </a:prstGeom>
+          <a:solidFill>
+            <a:schemeClr val="accent1">
+              <a:alpha val="0"/>
+            </a:schemeClr>
+          </a:solidFill>
+          <a:ln w="25400">
+            <a:solidFill>
+              <a:schemeClr val="bg1">
+                <a:alpha val="0"/>
+              </a:schemeClr>
+            </a:solidFill>
+          </a:ln>
+        </p:spPr>
+        <p:style>
+          <a:lnRef idx="2">
+            <a:schemeClr val="accent1">
+              <a:shade val="50000"/>
+            </a:schemeClr>
+          </a:lnRef>
+          <a:fillRef idx="1">
+            <a:schemeClr val="accent1"/>
+          </a:fillRef>
+          <a:effectRef idx="0">
+            <a:schemeClr val="accent1"/>
+          </a:effectRef>
+          <a:fontRef idx="minor">
+            <a:schemeClr val="lt1"/>
+          </a:fontRef>
+        </p:style>
+        <p:txBody>
+          <a:bodyPr rtlCol="0" anchor="ctr"/>
+          <a:lstStyle/>
+          <a:p>
+            <a:pPr algn="ctr"/>
+            <a:r>
+              <a:rPr lang="en-US" altLang="zh-TW" sz="3200" dirty="0" smtClean="0">
+                <a:latin typeface="SauceCodePro Nerd Font" panose="020B0509030403020204" pitchFamily="49" charset="0"/>
+                <a:ea typeface="SauceCodePro Nerd Font" panose="020B0509030403020204" pitchFamily="49" charset="0"/>
+              </a:rPr>
+              <a:t>.</a:t>
+            </a:r>
+          </a:p>
+          <a:p>
+            <a:pPr algn="ctr"/>
+            <a:r>
+              <a:rPr lang="en-US" altLang="zh-TW" sz="3200" dirty="0" smtClean="0">
+                <a:latin typeface="SauceCodePro Nerd Font" panose="020B0509030403020204" pitchFamily="49" charset="0"/>
+                <a:ea typeface="SauceCodePro Nerd Font" panose="020B0509030403020204" pitchFamily="49" charset="0"/>
+              </a:rPr>
+              <a:t>.</a:t>
+            </a:r>
+          </a:p>
+          <a:p>
+            <a:pPr algn="ctr"/>
+            <a:r>
+              <a:rPr lang="en-US" altLang="zh-TW" sz="3200" dirty="0">
+                <a:latin typeface="SauceCodePro Nerd Font" panose="020B0509030403020204" pitchFamily="49" charset="0"/>
+                <a:ea typeface="SauceCodePro Nerd Font" panose="020B0509030403020204" pitchFamily="49" charset="0"/>
+              </a:rPr>
+              <a:t>.</a:t>
+            </a:r>
+            <a:endParaRPr lang="zh-TW" altLang="en-US" sz="3200" dirty="0">
+              <a:latin typeface="SauceCodePro Nerd Font" panose="020B0509030403020204" pitchFamily="49" charset="0"/>
+            </a:endParaRPr>
+          </a:p>
+        </p:txBody>
+      </p:sp>
+      <p:sp>
+        <p:nvSpPr>
+          <p:cNvPr id="14" name="圓角矩形 13"/>
+          <p:cNvSpPr/>
+          <p:nvPr/>
+        </p:nvSpPr>
+        <p:spPr>
+          <a:xfrm>
+            <a:off x="6434846" y="4860871"/>
+            <a:ext cx="3849624" cy="566928"/>
+          </a:xfrm>
+          <a:prstGeom prst="roundRect">
+            <a:avLst/>
+          </a:prstGeom>
+          <a:solidFill>
+            <a:srgbClr val="00B0F0"/>
+          </a:solidFill>
+          <a:ln w="25400">
+            <a:solidFill>
+              <a:schemeClr val="bg1"/>
+            </a:solidFill>
+          </a:ln>
+        </p:spPr>
+        <p:style>
+          <a:lnRef idx="2">
+            <a:schemeClr val="accent1">
+              <a:shade val="50000"/>
+            </a:schemeClr>
+          </a:lnRef>
+          <a:fillRef idx="1">
+            <a:schemeClr val="accent1"/>
+          </a:fillRef>
+          <a:effectRef idx="0">
+            <a:schemeClr val="accent1"/>
+          </a:effectRef>
+          <a:fontRef idx="minor">
+            <a:schemeClr val="lt1"/>
+          </a:fontRef>
+        </p:style>
+        <p:txBody>
+          <a:bodyPr rtlCol="0" anchor="ctr"/>
+          <a:lstStyle/>
+          <a:p>
+            <a:pPr algn="ctr"/>
+            <a:r>
+              <a:rPr lang="en-US" altLang="zh-TW" sz="2400" dirty="0" smtClean="0">
+                <a:latin typeface="SauceCodePro Nerd Font" panose="020B0509030403020204" pitchFamily="49" charset="0"/>
+              </a:rPr>
+              <a:t>Vector d</a:t>
+            </a:r>
+            <a:endParaRPr lang="zh-TW" altLang="en-US" sz="2400" dirty="0">
+              <a:latin typeface="SauceCodePro Nerd Font" panose="020B0509030403020204" pitchFamily="49" charset="0"/>
+            </a:endParaRPr>
+          </a:p>
+        </p:txBody>
+      </p:sp>
+      <p:sp>
+        <p:nvSpPr>
+          <p:cNvPr id="20" name="圓角矩形 19"/>
+          <p:cNvSpPr/>
+          <p:nvPr/>
+        </p:nvSpPr>
+        <p:spPr>
+          <a:xfrm rot="5400000">
+            <a:off x="8941247" y="3331410"/>
+            <a:ext cx="3253370" cy="566928"/>
+          </a:xfrm>
+          <a:prstGeom prst="roundRect">
+            <a:avLst/>
+          </a:prstGeom>
+          <a:solidFill>
+            <a:schemeClr val="accent1">
+              <a:alpha val="0"/>
+            </a:schemeClr>
+          </a:solidFill>
+          <a:ln>
+            <a:solidFill>
+              <a:schemeClr val="accent1">
+                <a:shade val="50000"/>
+                <a:alpha val="0"/>
+              </a:schemeClr>
+            </a:solidFill>
+          </a:ln>
+        </p:spPr>
+        <p:style>
+          <a:lnRef idx="2">
+            <a:schemeClr val="accent1">
+              <a:shade val="50000"/>
+            </a:schemeClr>
+          </a:lnRef>
+          <a:fillRef idx="1">
+            <a:schemeClr val="accent1"/>
+          </a:fillRef>
+          <a:effectRef idx="0">
+            <a:schemeClr val="accent1"/>
+          </a:effectRef>
+          <a:fontRef idx="minor">
+            <a:schemeClr val="lt1"/>
+          </a:fontRef>
+        </p:style>
+        <p:txBody>
+          <a:bodyPr rtlCol="0" anchor="ctr"/>
+          <a:lstStyle/>
+          <a:p>
+            <a:pPr algn="ctr"/>
+            <a:r>
+              <a:rPr lang="en-US" altLang="zh-TW" sz="2400" dirty="0" smtClean="0">
+                <a:latin typeface="SauceCodePro Nerd Font" panose="020B0509030403020204" pitchFamily="49" charset="0"/>
+                <a:ea typeface="SauceCodePro Nerd Font" panose="020B0509030403020204" pitchFamily="49" charset="0"/>
+              </a:rPr>
+              <a:t>Dictionary</a:t>
+            </a:r>
+            <a:r>
+              <a:rPr lang="zh-TW" altLang="en-US" sz="2400" dirty="0" smtClean="0">
+                <a:latin typeface="SauceCodePro Nerd Font" panose="020B0509030403020204" pitchFamily="49" charset="0"/>
+                <a:ea typeface="SauceCodePro Nerd Font" panose="020B0509030403020204" pitchFamily="49" charset="0"/>
+              </a:rPr>
+              <a:t> </a:t>
+            </a:r>
+            <a:r>
+              <a:rPr lang="en-US" altLang="zh-TW" sz="2400" dirty="0">
+                <a:latin typeface="SauceCodePro Nerd Font" panose="020B0509030403020204" pitchFamily="49" charset="0"/>
+                <a:ea typeface="SauceCodePro Nerd Font" panose="020B0509030403020204" pitchFamily="49" charset="0"/>
+              </a:rPr>
+              <a:t>s</a:t>
+            </a:r>
+            <a:r>
+              <a:rPr lang="en-US" altLang="zh-TW" sz="2400" dirty="0" smtClean="0">
+                <a:latin typeface="SauceCodePro Nerd Font" panose="020B0509030403020204" pitchFamily="49" charset="0"/>
+                <a:ea typeface="SauceCodePro Nerd Font" panose="020B0509030403020204" pitchFamily="49" charset="0"/>
+              </a:rPr>
+              <a:t>ize</a:t>
+            </a:r>
+            <a:endParaRPr lang="zh-TW" altLang="en-US" sz="2400" dirty="0">
+              <a:latin typeface="SauceCodePro Nerd Font" panose="020B0509030403020204" pitchFamily="49" charset="0"/>
+            </a:endParaRPr>
+          </a:p>
+        </p:txBody>
+      </p:sp>
+      <p:sp>
+        <p:nvSpPr>
+          <p:cNvPr id="21" name="弧形 20"/>
+          <p:cNvSpPr/>
+          <p:nvPr/>
+        </p:nvSpPr>
+        <p:spPr>
+          <a:xfrm rot="5400000" flipH="1">
+            <a:off x="9936995" y="1753650"/>
+            <a:ext cx="694946" cy="791546"/>
+          </a:xfrm>
+          <a:prstGeom prst="arc">
+            <a:avLst/>
+          </a:prstGeom>
+          <a:ln w="38100">
+            <a:solidFill>
+              <a:schemeClr val="bg1"/>
+            </a:solidFill>
+          </a:ln>
+        </p:spPr>
+        <p:style>
+          <a:lnRef idx="1">
+            <a:schemeClr val="accent1"/>
+          </a:lnRef>
+          <a:fillRef idx="0">
+            <a:schemeClr val="accent1"/>
+          </a:fillRef>
+          <a:effectRef idx="0">
+            <a:schemeClr val="accent1"/>
+          </a:effectRef>
+          <a:fontRef idx="minor">
+            <a:schemeClr val="tx1"/>
+          </a:fontRef>
+        </p:style>
+        <p:txBody>
+          <a:bodyPr rtlCol="0" anchor="ctr"/>
+          <a:lstStyle/>
+          <a:p>
+            <a:pPr algn="ctr"/>
+            <a:endParaRPr lang="zh-TW" altLang="en-US"/>
+          </a:p>
+        </p:txBody>
+      </p:sp>
+      <p:sp>
+        <p:nvSpPr>
+          <p:cNvPr id="22" name="弧形 21"/>
+          <p:cNvSpPr/>
+          <p:nvPr/>
+        </p:nvSpPr>
+        <p:spPr>
+          <a:xfrm rot="5400000">
+            <a:off x="9936996" y="4684552"/>
+            <a:ext cx="694945" cy="791546"/>
+          </a:xfrm>
+          <a:prstGeom prst="arc">
+            <a:avLst/>
+          </a:prstGeom>
+          <a:ln w="38100">
+            <a:solidFill>
+              <a:schemeClr val="bg1"/>
+            </a:solidFill>
+          </a:ln>
+        </p:spPr>
+        <p:style>
+          <a:lnRef idx="1">
+            <a:schemeClr val="accent1"/>
+          </a:lnRef>
+          <a:fillRef idx="0">
+            <a:schemeClr val="accent1"/>
+          </a:fillRef>
+          <a:effectRef idx="0">
+            <a:schemeClr val="accent1"/>
+          </a:effectRef>
+          <a:fontRef idx="minor">
+            <a:schemeClr val="tx1"/>
+          </a:fontRef>
+        </p:style>
+        <p:txBody>
+          <a:bodyPr rtlCol="0" anchor="ctr"/>
+          <a:lstStyle/>
+          <a:p>
+            <a:pPr algn="ctr"/>
+            <a:endParaRPr lang="zh-TW" altLang="en-US"/>
+          </a:p>
+        </p:txBody>
+      </p:sp>
+      <p:sp>
+        <p:nvSpPr>
+          <p:cNvPr id="23" name="圓角矩形 22"/>
+          <p:cNvSpPr/>
+          <p:nvPr/>
+        </p:nvSpPr>
+        <p:spPr>
+          <a:xfrm>
+            <a:off x="3987188" y="1978574"/>
+            <a:ext cx="675710" cy="619460"/>
+          </a:xfrm>
+          <a:prstGeom prst="roundRect">
+            <a:avLst/>
+          </a:prstGeom>
+          <a:solidFill>
+            <a:schemeClr val="accent1">
+              <a:alpha val="0"/>
+            </a:schemeClr>
+          </a:solidFill>
+          <a:ln w="25400">
+            <a:solidFill>
+              <a:srgbClr val="FF0066"/>
+            </a:solidFill>
+          </a:ln>
+        </p:spPr>
+        <p:style>
+          <a:lnRef idx="2">
+            <a:schemeClr val="accent1">
+              <a:shade val="50000"/>
+            </a:schemeClr>
+          </a:lnRef>
+          <a:fillRef idx="1">
+            <a:schemeClr val="accent1"/>
+          </a:fillRef>
+          <a:effectRef idx="0">
+            <a:schemeClr val="accent1"/>
+          </a:effectRef>
+          <a:fontRef idx="minor">
+            <a:schemeClr val="lt1"/>
+          </a:fontRef>
+        </p:style>
+        <p:txBody>
+          <a:bodyPr rtlCol="0" anchor="ctr"/>
+          <a:lstStyle/>
+          <a:p>
+            <a:r>
+              <a:rPr lang="en-US" altLang="zh-TW" sz="2400" dirty="0">
+                <a:latin typeface="SauceCodePro Nerd Font" panose="020B0509030403020204" pitchFamily="49" charset="0"/>
+                <a:ea typeface="SauceCodePro Nerd Font" panose="020B0509030403020204" pitchFamily="49" charset="0"/>
+              </a:rPr>
+              <a:t>1</a:t>
+            </a:r>
+            <a:endParaRPr lang="zh-TW" altLang="en-US" sz="2400" dirty="0">
+              <a:latin typeface="SauceCodePro Nerd Font" panose="020B0509030403020204" pitchFamily="49" charset="0"/>
+            </a:endParaRPr>
+          </a:p>
+        </p:txBody>
+      </p:sp>
+      <p:sp>
+        <p:nvSpPr>
+          <p:cNvPr id="16" name="圓角矩形 15"/>
+          <p:cNvSpPr/>
+          <p:nvPr/>
+        </p:nvSpPr>
+        <p:spPr>
+          <a:xfrm>
+            <a:off x="3452996" y="5275763"/>
+            <a:ext cx="1744094" cy="566928"/>
+          </a:xfrm>
+          <a:prstGeom prst="roundRect">
+            <a:avLst/>
+          </a:prstGeom>
+          <a:solidFill>
+            <a:schemeClr val="accent1">
+              <a:alpha val="0"/>
+            </a:schemeClr>
+          </a:solidFill>
+          <a:ln w="25400">
+            <a:solidFill>
+              <a:srgbClr val="FF0066">
+                <a:alpha val="0"/>
+              </a:srgbClr>
+            </a:solidFill>
+          </a:ln>
+        </p:spPr>
+        <p:style>
+          <a:lnRef idx="2">
+            <a:schemeClr val="accent1">
+              <a:shade val="50000"/>
+            </a:schemeClr>
+          </a:lnRef>
+          <a:fillRef idx="1">
+            <a:schemeClr val="accent1"/>
+          </a:fillRef>
+          <a:effectRef idx="0">
+            <a:schemeClr val="accent1"/>
+          </a:effectRef>
+          <a:fontRef idx="minor">
+            <a:schemeClr val="lt1"/>
+          </a:fontRef>
+        </p:style>
+        <p:txBody>
+          <a:bodyPr rtlCol="0" anchor="ctr"/>
+          <a:lstStyle/>
+          <a:p>
+            <a:r>
+              <a:rPr lang="en-US" altLang="zh-TW" sz="2400" dirty="0">
+                <a:latin typeface="SauceCodePro Nerd Font" panose="020B0509030403020204" pitchFamily="49" charset="0"/>
+                <a:ea typeface="SauceCodePro Nerd Font" panose="020B0509030403020204" pitchFamily="49" charset="0"/>
+              </a:rPr>
+              <a:t>Token </a:t>
+            </a:r>
+            <a:r>
+              <a:rPr lang="en-US" altLang="zh-TW" sz="2400" dirty="0" smtClean="0">
+                <a:latin typeface="SauceCodePro Nerd Font" panose="020B0509030403020204" pitchFamily="49" charset="0"/>
+                <a:ea typeface="SauceCodePro Nerd Font" panose="020B0509030403020204" pitchFamily="49" charset="0"/>
+              </a:rPr>
+              <a:t>id</a:t>
+            </a:r>
+            <a:endParaRPr lang="zh-TW" altLang="en-US" sz="2400" dirty="0">
+              <a:latin typeface="SauceCodePro Nerd Font" panose="020B0509030403020204" pitchFamily="49" charset="0"/>
+            </a:endParaRPr>
+          </a:p>
+        </p:txBody>
+      </p:sp>
+      <p:sp>
+        <p:nvSpPr>
+          <p:cNvPr id="17" name="圓角矩形 16"/>
+          <p:cNvSpPr/>
+          <p:nvPr/>
+        </p:nvSpPr>
+        <p:spPr>
+          <a:xfrm>
+            <a:off x="3987188" y="2598034"/>
+            <a:ext cx="675710" cy="619460"/>
+          </a:xfrm>
+          <a:prstGeom prst="roundRect">
+            <a:avLst/>
+          </a:prstGeom>
+          <a:solidFill>
+            <a:schemeClr val="accent1">
+              <a:alpha val="0"/>
+            </a:schemeClr>
+          </a:solidFill>
+          <a:ln w="25400">
+            <a:solidFill>
+              <a:srgbClr val="FF0066"/>
+            </a:solidFill>
+          </a:ln>
+        </p:spPr>
+        <p:style>
+          <a:lnRef idx="2">
+            <a:schemeClr val="accent1">
+              <a:shade val="50000"/>
+            </a:schemeClr>
+          </a:lnRef>
+          <a:fillRef idx="1">
+            <a:schemeClr val="accent1"/>
+          </a:fillRef>
+          <a:effectRef idx="0">
+            <a:schemeClr val="accent1"/>
+          </a:effectRef>
+          <a:fontRef idx="minor">
+            <a:schemeClr val="lt1"/>
+          </a:fontRef>
+        </p:style>
+        <p:txBody>
+          <a:bodyPr rtlCol="0" anchor="ctr"/>
+          <a:lstStyle/>
+          <a:p>
+            <a:r>
+              <a:rPr lang="en-US" altLang="zh-TW" sz="2400" dirty="0" smtClean="0">
+                <a:latin typeface="SauceCodePro Nerd Font" panose="020B0509030403020204" pitchFamily="49" charset="0"/>
+                <a:ea typeface="SauceCodePro Nerd Font" panose="020B0509030403020204" pitchFamily="49" charset="0"/>
+              </a:rPr>
+              <a:t>12</a:t>
+            </a:r>
+            <a:endParaRPr lang="zh-TW" altLang="en-US" sz="2400" dirty="0">
+              <a:latin typeface="SauceCodePro Nerd Font" panose="020B0509030403020204" pitchFamily="49" charset="0"/>
+            </a:endParaRPr>
+          </a:p>
+        </p:txBody>
+      </p:sp>
+      <p:sp>
+        <p:nvSpPr>
+          <p:cNvPr id="18" name="圓角矩形 17"/>
+          <p:cNvSpPr/>
+          <p:nvPr/>
+        </p:nvSpPr>
+        <p:spPr>
+          <a:xfrm>
+            <a:off x="3987188" y="3217494"/>
+            <a:ext cx="675710" cy="619460"/>
+          </a:xfrm>
+          <a:prstGeom prst="roundRect">
+            <a:avLst/>
+          </a:prstGeom>
+          <a:solidFill>
+            <a:schemeClr val="accent1">
+              <a:alpha val="0"/>
+            </a:schemeClr>
+          </a:solidFill>
+          <a:ln w="25400">
+            <a:solidFill>
+              <a:srgbClr val="FF0066"/>
+            </a:solidFill>
+          </a:ln>
+        </p:spPr>
+        <p:style>
+          <a:lnRef idx="2">
+            <a:schemeClr val="accent1">
+              <a:shade val="50000"/>
+            </a:schemeClr>
+          </a:lnRef>
+          <a:fillRef idx="1">
+            <a:schemeClr val="accent1"/>
+          </a:fillRef>
+          <a:effectRef idx="0">
+            <a:schemeClr val="accent1"/>
+          </a:effectRef>
+          <a:fontRef idx="minor">
+            <a:schemeClr val="lt1"/>
+          </a:fontRef>
+        </p:style>
+        <p:txBody>
+          <a:bodyPr rtlCol="0" anchor="ctr"/>
+          <a:lstStyle/>
+          <a:p>
+            <a:r>
+              <a:rPr lang="en-US" altLang="zh-TW" sz="2400" dirty="0" smtClean="0">
+                <a:latin typeface="SauceCodePro Nerd Font" panose="020B0509030403020204" pitchFamily="49" charset="0"/>
+                <a:ea typeface="SauceCodePro Nerd Font" panose="020B0509030403020204" pitchFamily="49" charset="0"/>
+              </a:rPr>
+              <a:t>0</a:t>
+            </a:r>
+            <a:endParaRPr lang="zh-TW" altLang="en-US" sz="2400" dirty="0">
+              <a:latin typeface="SauceCodePro Nerd Font" panose="020B0509030403020204" pitchFamily="49" charset="0"/>
+            </a:endParaRPr>
+          </a:p>
+        </p:txBody>
+      </p:sp>
+      <p:sp>
+        <p:nvSpPr>
+          <p:cNvPr id="19" name="圓角矩形 18"/>
+          <p:cNvSpPr/>
+          <p:nvPr/>
+        </p:nvSpPr>
+        <p:spPr>
+          <a:xfrm>
+            <a:off x="3987188" y="3836954"/>
+            <a:ext cx="675710" cy="619460"/>
+          </a:xfrm>
+          <a:prstGeom prst="roundRect">
+            <a:avLst/>
+          </a:prstGeom>
+          <a:solidFill>
+            <a:schemeClr val="accent1">
+              <a:alpha val="0"/>
+            </a:schemeClr>
+          </a:solidFill>
+          <a:ln w="25400">
+            <a:solidFill>
+              <a:srgbClr val="FF0066"/>
+            </a:solidFill>
+          </a:ln>
+        </p:spPr>
+        <p:style>
+          <a:lnRef idx="2">
+            <a:schemeClr val="accent1">
+              <a:shade val="50000"/>
+            </a:schemeClr>
+          </a:lnRef>
+          <a:fillRef idx="1">
+            <a:schemeClr val="accent1"/>
+          </a:fillRef>
+          <a:effectRef idx="0">
+            <a:schemeClr val="accent1"/>
+          </a:effectRef>
+          <a:fontRef idx="minor">
+            <a:schemeClr val="lt1"/>
+          </a:fontRef>
+        </p:style>
+        <p:txBody>
+          <a:bodyPr rtlCol="0" anchor="ctr"/>
+          <a:lstStyle/>
+          <a:p>
+            <a:r>
+              <a:rPr lang="en-US" altLang="zh-TW" sz="2400" dirty="0">
+                <a:latin typeface="SauceCodePro Nerd Font" panose="020B0509030403020204" pitchFamily="49" charset="0"/>
+                <a:ea typeface="SauceCodePro Nerd Font" panose="020B0509030403020204" pitchFamily="49" charset="0"/>
+              </a:rPr>
+              <a:t>d</a:t>
+            </a:r>
+            <a:endParaRPr lang="zh-TW" altLang="en-US" sz="2400" dirty="0">
+              <a:latin typeface="SauceCodePro Nerd Font" panose="020B0509030403020204" pitchFamily="49" charset="0"/>
+            </a:endParaRPr>
+          </a:p>
+        </p:txBody>
+      </p:sp>
+      <p:sp>
+        <p:nvSpPr>
+          <p:cNvPr id="26" name="圓角矩形 25"/>
+          <p:cNvSpPr/>
+          <p:nvPr/>
+        </p:nvSpPr>
+        <p:spPr>
+          <a:xfrm>
+            <a:off x="3987188" y="4456414"/>
+            <a:ext cx="675710" cy="619460"/>
+          </a:xfrm>
+          <a:prstGeom prst="roundRect">
+            <a:avLst/>
+          </a:prstGeom>
+          <a:solidFill>
+            <a:schemeClr val="accent1">
+              <a:alpha val="0"/>
+            </a:schemeClr>
+          </a:solidFill>
+          <a:ln w="25400">
+            <a:solidFill>
+              <a:srgbClr val="FF0066"/>
+            </a:solidFill>
+          </a:ln>
+        </p:spPr>
+        <p:style>
+          <a:lnRef idx="2">
+            <a:schemeClr val="accent1">
+              <a:shade val="50000"/>
+            </a:schemeClr>
+          </a:lnRef>
+          <a:fillRef idx="1">
+            <a:schemeClr val="accent1"/>
+          </a:fillRef>
+          <a:effectRef idx="0">
+            <a:schemeClr val="accent1"/>
+          </a:effectRef>
+          <a:fontRef idx="minor">
+            <a:schemeClr val="lt1"/>
+          </a:fontRef>
+        </p:style>
+        <p:txBody>
+          <a:bodyPr rtlCol="0" anchor="ctr"/>
+          <a:lstStyle/>
+          <a:p>
+            <a:r>
+              <a:rPr lang="en-US" altLang="zh-TW" sz="2400" dirty="0">
+                <a:latin typeface="SauceCodePro Nerd Font" panose="020B0509030403020204" pitchFamily="49" charset="0"/>
+                <a:ea typeface="SauceCodePro Nerd Font" panose="020B0509030403020204" pitchFamily="49" charset="0"/>
+              </a:rPr>
+              <a:t>5</a:t>
+            </a:r>
+            <a:endParaRPr lang="zh-TW" altLang="en-US" sz="2400" dirty="0">
+              <a:latin typeface="SauceCodePro Nerd Font" panose="020B0509030403020204" pitchFamily="49" charset="0"/>
+            </a:endParaRPr>
+          </a:p>
+        </p:txBody>
+      </p:sp>
+      <p:cxnSp>
+        <p:nvCxnSpPr>
+          <p:cNvPr id="27" name="直線單箭頭接點 26"/>
+          <p:cNvCxnSpPr>
+            <a:stCxn id="23" idx="3"/>
+            <a:endCxn id="10" idx="1"/>
+          </p:cNvCxnSpPr>
+          <p:nvPr/>
+        </p:nvCxnSpPr>
+        <p:spPr>
+          <a:xfrm>
+            <a:off x="4662898" y="2288304"/>
+            <a:ext cx="1771948" cy="364038"/>
+          </a:xfrm>
+          <a:prstGeom prst="straightConnector1">
+            <a:avLst/>
+          </a:prstGeom>
+          <a:ln w="63500">
+            <a:solidFill>
+              <a:schemeClr val="accent6">
+                <a:lumMod val="60000"/>
+                <a:lumOff val="40000"/>
+              </a:schemeClr>
+            </a:solidFill>
+            <a:tailEnd type="triangle"/>
+          </a:ln>
+        </p:spPr>
+        <p:style>
+          <a:lnRef idx="1">
+            <a:schemeClr val="accent1"/>
+          </a:lnRef>
+          <a:fillRef idx="0">
+            <a:schemeClr val="accent1"/>
+          </a:fillRef>
+          <a:effectRef idx="0">
+            <a:schemeClr val="accent1"/>
+          </a:effectRef>
+          <a:fontRef idx="minor">
+            <a:schemeClr val="tx1"/>
+          </a:fontRef>
+        </p:style>
+      </p:cxnSp>
+      <p:cxnSp>
+        <p:nvCxnSpPr>
+          <p:cNvPr id="28" name="直線單箭頭接點 27"/>
+          <p:cNvCxnSpPr>
+            <a:stCxn id="18" idx="3"/>
+            <a:endCxn id="5" idx="1"/>
+          </p:cNvCxnSpPr>
+          <p:nvPr/>
+        </p:nvCxnSpPr>
+        <p:spPr>
+          <a:xfrm flipV="1">
+            <a:off x="4662898" y="2085414"/>
+            <a:ext cx="1771948" cy="1441810"/>
+          </a:xfrm>
+          <a:prstGeom prst="straightConnector1">
+            <a:avLst/>
+          </a:prstGeom>
+          <a:ln w="63500">
+            <a:solidFill>
+              <a:schemeClr val="accent6">
+                <a:lumMod val="60000"/>
+                <a:lumOff val="40000"/>
+              </a:schemeClr>
+            </a:solidFill>
+            <a:tailEnd type="triangle"/>
+          </a:ln>
+        </p:spPr>
+        <p:style>
+          <a:lnRef idx="1">
+            <a:schemeClr val="accent1"/>
+          </a:lnRef>
+          <a:fillRef idx="0">
+            <a:schemeClr val="accent1"/>
+          </a:fillRef>
+          <a:effectRef idx="0">
+            <a:schemeClr val="accent1"/>
+          </a:effectRef>
+          <a:fontRef idx="minor">
+            <a:schemeClr val="tx1"/>
+          </a:fontRef>
+        </p:style>
+      </p:cxnSp>
+      <p:cxnSp>
+        <p:nvCxnSpPr>
+          <p:cNvPr id="29" name="直線單箭頭接點 28"/>
+          <p:cNvCxnSpPr>
+            <a:stCxn id="19" idx="3"/>
+            <a:endCxn id="14" idx="1"/>
+          </p:cNvCxnSpPr>
+          <p:nvPr/>
+        </p:nvCxnSpPr>
+        <p:spPr>
+          <a:xfrm>
+            <a:off x="4662898" y="4146684"/>
+            <a:ext cx="1771948" cy="997651"/>
+          </a:xfrm>
+          <a:prstGeom prst="straightConnector1">
+            <a:avLst/>
+          </a:prstGeom>
+          <a:ln w="63500">
+            <a:solidFill>
+              <a:schemeClr val="accent6">
+                <a:lumMod val="60000"/>
+                <a:lumOff val="40000"/>
+              </a:schemeClr>
+            </a:solidFill>
+            <a:tailEnd type="triangle"/>
+          </a:ln>
+        </p:spPr>
+        <p:style>
+          <a:lnRef idx="1">
+            <a:schemeClr val="accent1"/>
+          </a:lnRef>
+          <a:fillRef idx="0">
+            <a:schemeClr val="accent1"/>
+          </a:fillRef>
+          <a:effectRef idx="0">
+            <a:schemeClr val="accent1"/>
+          </a:effectRef>
+          <a:fontRef idx="minor">
+            <a:schemeClr val="tx1"/>
+          </a:fontRef>
+        </p:style>
+      </p:cxnSp>
+      <p:cxnSp>
+        <p:nvCxnSpPr>
+          <p:cNvPr id="31" name="直線單箭頭接點 30"/>
+          <p:cNvCxnSpPr>
+            <a:stCxn id="17" idx="3"/>
+            <a:endCxn id="11" idx="1"/>
+          </p:cNvCxnSpPr>
+          <p:nvPr/>
+        </p:nvCxnSpPr>
+        <p:spPr>
+          <a:xfrm>
+            <a:off x="4662898" y="2907764"/>
+            <a:ext cx="1771948" cy="860729"/>
+          </a:xfrm>
+          <a:prstGeom prst="straightConnector1">
+            <a:avLst/>
+          </a:prstGeom>
+          <a:ln w="63500">
+            <a:solidFill>
+              <a:schemeClr val="accent6">
+                <a:lumMod val="60000"/>
+                <a:lumOff val="40000"/>
+              </a:schemeClr>
+            </a:solidFill>
+            <a:tailEnd type="triangle"/>
+          </a:ln>
+        </p:spPr>
+        <p:style>
+          <a:lnRef idx="1">
+            <a:schemeClr val="accent1"/>
+          </a:lnRef>
+          <a:fillRef idx="0">
+            <a:schemeClr val="accent1"/>
+          </a:fillRef>
+          <a:effectRef idx="0">
+            <a:schemeClr val="accent1"/>
+          </a:effectRef>
+          <a:fontRef idx="minor">
+            <a:schemeClr val="tx1"/>
+          </a:fontRef>
+        </p:style>
+      </p:cxnSp>
+      <p:cxnSp>
+        <p:nvCxnSpPr>
+          <p:cNvPr id="34" name="直線單箭頭接點 33"/>
+          <p:cNvCxnSpPr>
+            <a:stCxn id="26" idx="3"/>
+          </p:cNvCxnSpPr>
+          <p:nvPr/>
+        </p:nvCxnSpPr>
+        <p:spPr>
+          <a:xfrm flipV="1">
+            <a:off x="4662898" y="3327335"/>
+            <a:ext cx="1771948" cy="1438809"/>
+          </a:xfrm>
+          <a:prstGeom prst="straightConnector1">
+            <a:avLst/>
+          </a:prstGeom>
+          <a:ln w="63500">
+            <a:solidFill>
+              <a:schemeClr val="accent6">
+                <a:lumMod val="60000"/>
+                <a:lumOff val="40000"/>
+              </a:schemeClr>
+            </a:solidFill>
+            <a:tailEnd type="triangle"/>
+          </a:ln>
+        </p:spPr>
+        <p:style>
+          <a:lnRef idx="1">
+            <a:schemeClr val="accent1"/>
+          </a:lnRef>
+          <a:fillRef idx="0">
+            <a:schemeClr val="accent1"/>
+          </a:fillRef>
+          <a:effectRef idx="0">
+            <a:schemeClr val="accent1"/>
+          </a:effectRef>
+          <a:fontRef idx="minor">
+            <a:schemeClr val="tx1"/>
+          </a:fontRef>
+        </p:style>
+      </p:cxnSp>
+      <p:sp>
+        <p:nvSpPr>
+          <p:cNvPr id="44" name="圓角矩形 43"/>
+          <p:cNvSpPr/>
+          <p:nvPr/>
+        </p:nvSpPr>
+        <p:spPr>
+          <a:xfrm rot="16200000">
+            <a:off x="2060310" y="3234186"/>
+            <a:ext cx="3253370" cy="566928"/>
+          </a:xfrm>
+          <a:prstGeom prst="roundRect">
+            <a:avLst/>
+          </a:prstGeom>
+          <a:solidFill>
+            <a:schemeClr val="accent1">
+              <a:alpha val="0"/>
+            </a:schemeClr>
+          </a:solidFill>
+          <a:ln>
+            <a:solidFill>
+              <a:schemeClr val="accent1">
+                <a:shade val="50000"/>
+                <a:alpha val="0"/>
+              </a:schemeClr>
+            </a:solidFill>
+          </a:ln>
+        </p:spPr>
+        <p:style>
+          <a:lnRef idx="2">
+            <a:schemeClr val="accent1">
+              <a:shade val="50000"/>
+            </a:schemeClr>
+          </a:lnRef>
+          <a:fillRef idx="1">
+            <a:schemeClr val="accent1"/>
+          </a:fillRef>
+          <a:effectRef idx="0">
+            <a:schemeClr val="accent1"/>
+          </a:effectRef>
+          <a:fontRef idx="minor">
+            <a:schemeClr val="lt1"/>
+          </a:fontRef>
+        </p:style>
+        <p:txBody>
+          <a:bodyPr rtlCol="0" anchor="ctr"/>
+          <a:lstStyle/>
+          <a:p>
+            <a:pPr algn="ctr"/>
+            <a:r>
+              <a:rPr lang="en-US" altLang="zh-TW" sz="2400" dirty="0" smtClean="0">
+                <a:latin typeface="SauceCodePro Nerd Font" panose="020B0509030403020204" pitchFamily="49" charset="0"/>
+              </a:rPr>
+              <a:t>Input length</a:t>
+            </a:r>
+            <a:endParaRPr lang="zh-TW" altLang="en-US" sz="2400" dirty="0">
+              <a:latin typeface="SauceCodePro Nerd Font" panose="020B0509030403020204" pitchFamily="49" charset="0"/>
+            </a:endParaRPr>
+          </a:p>
+        </p:txBody>
+      </p:sp>
+      <p:sp>
+        <p:nvSpPr>
+          <p:cNvPr id="45" name="弧形 44"/>
+          <p:cNvSpPr/>
+          <p:nvPr/>
+        </p:nvSpPr>
+        <p:spPr>
+          <a:xfrm rot="16200000" flipH="1">
+            <a:off x="3627640" y="4332628"/>
+            <a:ext cx="694946" cy="791546"/>
+          </a:xfrm>
+          <a:prstGeom prst="arc">
+            <a:avLst/>
+          </a:prstGeom>
+          <a:ln w="38100">
+            <a:solidFill>
+              <a:schemeClr val="bg1"/>
+            </a:solidFill>
+          </a:ln>
+        </p:spPr>
+        <p:style>
+          <a:lnRef idx="1">
+            <a:schemeClr val="accent1"/>
+          </a:lnRef>
+          <a:fillRef idx="0">
+            <a:schemeClr val="accent1"/>
+          </a:fillRef>
+          <a:effectRef idx="0">
+            <a:schemeClr val="accent1"/>
+          </a:effectRef>
+          <a:fontRef idx="minor">
+            <a:schemeClr val="tx1"/>
+          </a:fontRef>
+        </p:style>
+        <p:txBody>
+          <a:bodyPr rtlCol="0" anchor="ctr"/>
+          <a:lstStyle/>
+          <a:p>
+            <a:pPr algn="ctr"/>
+            <a:endParaRPr lang="zh-TW" altLang="en-US"/>
+          </a:p>
+        </p:txBody>
+      </p:sp>
+      <p:sp>
+        <p:nvSpPr>
+          <p:cNvPr id="46" name="弧形 45"/>
+          <p:cNvSpPr/>
+          <p:nvPr/>
+        </p:nvSpPr>
+        <p:spPr>
+          <a:xfrm rot="16200000">
+            <a:off x="3627640" y="1933342"/>
+            <a:ext cx="694945" cy="791546"/>
+          </a:xfrm>
+          <a:prstGeom prst="arc">
+            <a:avLst/>
+          </a:prstGeom>
+          <a:ln w="38100">
+            <a:solidFill>
+              <a:schemeClr val="bg1"/>
+            </a:solidFill>
+          </a:ln>
+        </p:spPr>
+        <p:style>
+          <a:lnRef idx="1">
+            <a:schemeClr val="accent1"/>
+          </a:lnRef>
+          <a:fillRef idx="0">
+            <a:schemeClr val="accent1"/>
+          </a:fillRef>
+          <a:effectRef idx="0">
+            <a:schemeClr val="accent1"/>
+          </a:effectRef>
+          <a:fontRef idx="minor">
+            <a:schemeClr val="tx1"/>
+          </a:fontRef>
+        </p:style>
+        <p:txBody>
+          <a:bodyPr rtlCol="0" anchor="ctr"/>
+          <a:lstStyle/>
+          <a:p>
+            <a:pPr algn="ctr"/>
+            <a:endParaRPr lang="zh-TW" altLang="en-US"/>
+          </a:p>
+        </p:txBody>
+      </p:sp>
+    </p:spTree>
+    <p:extLst>
+      <p:ext uri="{BB962C8B-B14F-4D97-AF65-F5344CB8AC3E}">
+        <p14:creationId xmlns:p14="http://schemas.microsoft.com/office/powerpoint/2010/main" val="3963773577"/>
+      </p:ext>
+    </p:extLst>
+  </p:cSld>
+  <p:clrMapOvr>
+    <a:masterClrMapping/>
+  </p:clrMapOvr>
+  <p:timing>
+    <p:tnLst>
+      <p:par>
+        <p:cTn id="1" dur="indefinite" restart="never" nodeType="tmRoot"/>
+      </p:par>
+    </p:tnLst>
+  </p:timing>
+</p:sld>
+</file>
+
+<file path=ppt/slides/slide4.xml><?xml version="1.0" encoding="utf-8"?>
+<p:sld xmlns:a="http://schemas.openxmlformats.org/drawingml/2006/main" xmlns:r="http://schemas.openxmlformats.org/officeDocument/2006/relationships" xmlns:p="http://schemas.openxmlformats.org/presentationml/2006/main">
+  <p:cSld>
+    <p:bg>
+      <p:bgPr>
+        <a:solidFill>
+          <a:srgbClr val="191919"/>
+        </a:solidFill>
+        <a:effectLst/>
+      </p:bgPr>
+    </p:bg>
+    <p:spTree>
+      <p:nvGrpSpPr>
+        <p:cNvPr id="1" name=""/>
+        <p:cNvGrpSpPr/>
+        <p:nvPr/>
+      </p:nvGrpSpPr>
+      <p:grpSpPr>
+        <a:xfrm>
+          <a:off x="0" y="0"/>
+          <a:ext cx="0" cy="0"/>
+          <a:chOff x="0" y="0"/>
+          <a:chExt cx="0" cy="0"/>
+        </a:xfrm>
+      </p:grpSpPr>
+      <p:sp>
+        <p:nvSpPr>
+          <p:cNvPr id="4" name="圓角矩形 3"/>
+          <p:cNvSpPr/>
+          <p:nvPr/>
+        </p:nvSpPr>
+        <p:spPr>
+          <a:xfrm>
+            <a:off x="5656634" y="2191058"/>
             <a:ext cx="3849624" cy="566928"/>
           </a:xfrm>
           <a:prstGeom prst="roundRect">
@@ -5382,7 +6625,7 @@
           <a:bodyPr rtlCol="0" anchor="ctr"/>
           <a:lstStyle/>
           <a:p>
-            <a:pPr algn="ctr"/>
+            <a:pPr lvl="2"/>
             <a:r>
               <a:rPr lang="en-US" altLang="zh-TW" sz="2400" dirty="0" smtClean="0">
                 <a:latin typeface="SauceCodePro Nerd Font" panose="020B0509030403020204" pitchFamily="49" charset="0"/>
@@ -5397,13 +6640,161 @@
       </p:sp>
       <p:sp>
         <p:nvSpPr>
-          <p:cNvPr id="10" name="圓角矩形 9"/>
+          <p:cNvPr id="5" name="弧形 4"/>
           <p:cNvSpPr/>
           <p:nvPr/>
         </p:nvSpPr>
         <p:spPr>
           <a:xfrm>
-            <a:off x="5656634" y="3324914"/>
+            <a:off x="8811313" y="1795285"/>
+            <a:ext cx="694945" cy="791546"/>
+          </a:xfrm>
+          <a:prstGeom prst="arc">
+            <a:avLst/>
+          </a:prstGeom>
+          <a:ln w="38100">
+            <a:solidFill>
+              <a:schemeClr val="bg1"/>
+            </a:solidFill>
+          </a:ln>
+        </p:spPr>
+        <p:style>
+          <a:lnRef idx="1">
+            <a:schemeClr val="accent1"/>
+          </a:lnRef>
+          <a:fillRef idx="0">
+            <a:schemeClr val="accent1"/>
+          </a:fillRef>
+          <a:effectRef idx="0">
+            <a:schemeClr val="accent1"/>
+          </a:effectRef>
+          <a:fontRef idx="minor">
+            <a:schemeClr val="tx1"/>
+          </a:fontRef>
+        </p:style>
+        <p:txBody>
+          <a:bodyPr rtlCol="0" anchor="ctr"/>
+          <a:lstStyle/>
+          <a:p>
+            <a:pPr algn="ctr"/>
+            <a:endParaRPr lang="zh-TW" altLang="en-US"/>
+          </a:p>
+        </p:txBody>
+      </p:sp>
+      <p:sp>
+        <p:nvSpPr>
+          <p:cNvPr id="6" name="弧形 5"/>
+          <p:cNvSpPr/>
+          <p:nvPr/>
+        </p:nvSpPr>
+        <p:spPr>
+          <a:xfrm flipH="1">
+            <a:off x="5656634" y="1795285"/>
+            <a:ext cx="694946" cy="791546"/>
+          </a:xfrm>
+          <a:prstGeom prst="arc">
+            <a:avLst/>
+          </a:prstGeom>
+          <a:ln w="38100">
+            <a:solidFill>
+              <a:schemeClr val="bg1"/>
+            </a:solidFill>
+          </a:ln>
+        </p:spPr>
+        <p:style>
+          <a:lnRef idx="1">
+            <a:schemeClr val="accent1"/>
+          </a:lnRef>
+          <a:fillRef idx="0">
+            <a:schemeClr val="accent1"/>
+          </a:fillRef>
+          <a:effectRef idx="0">
+            <a:schemeClr val="accent1"/>
+          </a:effectRef>
+          <a:fontRef idx="minor">
+            <a:schemeClr val="tx1"/>
+          </a:fontRef>
+        </p:style>
+        <p:txBody>
+          <a:bodyPr rtlCol="0" anchor="ctr"/>
+          <a:lstStyle/>
+          <a:p>
+            <a:pPr algn="ctr"/>
+            <a:endParaRPr lang="zh-TW" altLang="en-US"/>
+          </a:p>
+        </p:txBody>
+      </p:sp>
+      <p:sp>
+        <p:nvSpPr>
+          <p:cNvPr id="7" name="圓角矩形 6"/>
+          <p:cNvSpPr/>
+          <p:nvPr/>
+        </p:nvSpPr>
+        <p:spPr>
+          <a:xfrm>
+            <a:off x="5656634" y="1624130"/>
+            <a:ext cx="3849624" cy="566928"/>
+          </a:xfrm>
+          <a:prstGeom prst="roundRect">
+            <a:avLst/>
+          </a:prstGeom>
+          <a:solidFill>
+            <a:schemeClr val="accent1">
+              <a:alpha val="0"/>
+            </a:schemeClr>
+          </a:solidFill>
+          <a:ln>
+            <a:solidFill>
+              <a:schemeClr val="accent1">
+                <a:shade val="50000"/>
+                <a:alpha val="0"/>
+              </a:schemeClr>
+            </a:solidFill>
+          </a:ln>
+        </p:spPr>
+        <p:style>
+          <a:lnRef idx="2">
+            <a:schemeClr val="accent1">
+              <a:shade val="50000"/>
+            </a:schemeClr>
+          </a:lnRef>
+          <a:fillRef idx="1">
+            <a:schemeClr val="accent1"/>
+          </a:fillRef>
+          <a:effectRef idx="0">
+            <a:schemeClr val="accent1"/>
+          </a:effectRef>
+          <a:fontRef idx="minor">
+            <a:schemeClr val="lt1"/>
+          </a:fontRef>
+        </p:style>
+        <p:txBody>
+          <a:bodyPr rtlCol="0" anchor="ctr"/>
+          <a:lstStyle/>
+          <a:p>
+            <a:pPr algn="ctr"/>
+            <a:r>
+              <a:rPr lang="en-US" altLang="zh-TW" sz="2400" dirty="0" smtClean="0">
+                <a:latin typeface="SauceCodePro Nerd Font" panose="020B0509030403020204" pitchFamily="49" charset="0"/>
+                <a:ea typeface="SauceCodePro Nerd Font" panose="020B0509030403020204" pitchFamily="49" charset="0"/>
+              </a:rPr>
+              <a:t>Embedding length</a:t>
+            </a:r>
+            <a:endParaRPr lang="zh-TW" altLang="en-US" sz="2400" dirty="0">
+              <a:latin typeface="SauceCodePro Nerd Font" panose="020B0509030403020204" pitchFamily="49" charset="0"/>
+            </a:endParaRPr>
+          </a:p>
+        </p:txBody>
+      </p:sp>
+      <p:sp>
+        <p:nvSpPr>
+          <p:cNvPr id="8" name="圓角矩形 7"/>
+          <p:cNvSpPr/>
+          <p:nvPr/>
+        </p:nvSpPr>
+        <p:spPr>
+          <a:xfrm>
+            <a:off x="5656634" y="2757986"/>
             <a:ext cx="3849624" cy="566928"/>
           </a:xfrm>
           <a:prstGeom prst="roundRect">
@@ -5438,12 +6829,12 @@
           <a:bodyPr rtlCol="0" anchor="ctr"/>
           <a:lstStyle/>
           <a:p>
-            <a:pPr algn="ctr"/>
+            <a:pPr lvl="2"/>
             <a:r>
               <a:rPr lang="en-US" altLang="zh-TW" sz="2400" dirty="0" smtClean="0">
                 <a:latin typeface="SauceCodePro Nerd Font" panose="020B0509030403020204" pitchFamily="49" charset="0"/>
               </a:rPr>
-              <a:t>Vector d</a:t>
+              <a:t>Vector 12</a:t>
             </a:r>
             <a:endParaRPr lang="zh-TW" altLang="en-US" sz="2400" dirty="0">
               <a:latin typeface="SauceCodePro Nerd Font" panose="020B0509030403020204" pitchFamily="49" charset="0"/>
@@ -5453,13 +6844,13 @@
       </p:sp>
       <p:sp>
         <p:nvSpPr>
-          <p:cNvPr id="14" name="圓角矩形 13"/>
+          <p:cNvPr id="10" name="圓角矩形 9"/>
           <p:cNvSpPr/>
           <p:nvPr/>
         </p:nvSpPr>
         <p:spPr>
           <a:xfrm>
-            <a:off x="5656634" y="3891842"/>
+            <a:off x="5656634" y="3324914"/>
             <a:ext cx="3849624" cy="566928"/>
           </a:xfrm>
           <a:prstGeom prst="roundRect">
@@ -5494,12 +6885,12 @@
           <a:bodyPr rtlCol="0" anchor="ctr"/>
           <a:lstStyle/>
           <a:p>
-            <a:pPr algn="ctr"/>
+            <a:pPr lvl="2"/>
             <a:r>
               <a:rPr lang="en-US" altLang="zh-TW" sz="2400" dirty="0" smtClean="0">
                 <a:latin typeface="SauceCodePro Nerd Font" panose="020B0509030403020204" pitchFamily="49" charset="0"/>
               </a:rPr>
-              <a:t>Vector d</a:t>
+              <a:t>Vector 0</a:t>
             </a:r>
             <a:endParaRPr lang="zh-TW" altLang="en-US" sz="2400" dirty="0">
               <a:latin typeface="SauceCodePro Nerd Font" panose="020B0509030403020204" pitchFamily="49" charset="0"/>
@@ -5509,13 +6900,13 @@
       </p:sp>
       <p:sp>
         <p:nvSpPr>
-          <p:cNvPr id="15" name="圓角矩形 14"/>
+          <p:cNvPr id="14" name="圓角矩形 13"/>
           <p:cNvSpPr/>
           <p:nvPr/>
         </p:nvSpPr>
         <p:spPr>
           <a:xfrm>
-            <a:off x="5656634" y="4458770"/>
+            <a:off x="5656634" y="3891842"/>
             <a:ext cx="3849624" cy="566928"/>
           </a:xfrm>
           <a:prstGeom prst="roundRect">
@@ -5550,12 +6941,68 @@
           <a:bodyPr rtlCol="0" anchor="ctr"/>
           <a:lstStyle/>
           <a:p>
-            <a:pPr algn="ctr"/>
+            <a:pPr lvl="2"/>
             <a:r>
               <a:rPr lang="en-US" altLang="zh-TW" sz="2400" dirty="0" smtClean="0">
                 <a:latin typeface="SauceCodePro Nerd Font" panose="020B0509030403020204" pitchFamily="49" charset="0"/>
               </a:rPr>
               <a:t>Vector d</a:t>
+            </a:r>
+            <a:endParaRPr lang="zh-TW" altLang="en-US" sz="2400" dirty="0">
+              <a:latin typeface="SauceCodePro Nerd Font" panose="020B0509030403020204" pitchFamily="49" charset="0"/>
+            </a:endParaRPr>
+          </a:p>
+        </p:txBody>
+      </p:sp>
+      <p:sp>
+        <p:nvSpPr>
+          <p:cNvPr id="15" name="圓角矩形 14"/>
+          <p:cNvSpPr/>
+          <p:nvPr/>
+        </p:nvSpPr>
+        <p:spPr>
+          <a:xfrm>
+            <a:off x="5656634" y="4458770"/>
+            <a:ext cx="3849624" cy="566928"/>
+          </a:xfrm>
+          <a:prstGeom prst="roundRect">
+            <a:avLst/>
+          </a:prstGeom>
+          <a:solidFill>
+            <a:srgbClr val="FF0066"/>
+          </a:solidFill>
+          <a:ln w="25400">
+            <a:solidFill>
+              <a:schemeClr val="bg1"/>
+            </a:solidFill>
+          </a:ln>
+        </p:spPr>
+        <p:style>
+          <a:lnRef idx="2">
+            <a:schemeClr val="accent1">
+              <a:shade val="50000"/>
+            </a:schemeClr>
+          </a:lnRef>
+          <a:fillRef idx="1">
+            <a:schemeClr val="accent1"/>
+          </a:fillRef>
+          <a:effectRef idx="0">
+            <a:schemeClr val="accent1"/>
+          </a:effectRef>
+          <a:fontRef idx="minor">
+            <a:schemeClr val="lt1"/>
+          </a:fontRef>
+        </p:style>
+        <p:txBody>
+          <a:bodyPr rtlCol="0" anchor="ctr"/>
+          <a:lstStyle/>
+          <a:p>
+            <a:pPr lvl="2"/>
+            <a:r>
+              <a:rPr lang="en-US" altLang="zh-TW" sz="2400" dirty="0" smtClean="0">
+                <a:latin typeface="SauceCodePro Nerd Font" panose="020B0509030403020204" pitchFamily="49" charset="0"/>
+              </a:rPr>
+              <a:t>Vector 5</a:t>
             </a:r>
             <a:endParaRPr lang="zh-TW" altLang="en-US" sz="2400" dirty="0">
               <a:latin typeface="SauceCodePro Nerd Font" panose="020B0509030403020204" pitchFamily="49" charset="0"/>
@@ -6337,7 +7784,7 @@
 </p:sld>
 </file>
 
-<file path=ppt/slides/slide4.xml><?xml version="1.0" encoding="utf-8"?>
+<file path=ppt/slides/slide5.xml><?xml version="1.0" encoding="utf-8"?>
 <p:sld xmlns:a="http://schemas.openxmlformats.org/drawingml/2006/main" xmlns:r="http://schemas.openxmlformats.org/officeDocument/2006/relationships" xmlns:p="http://schemas.openxmlformats.org/presentationml/2006/main">
   <p:cSld>
     <p:bg>
@@ -8090,7 +9537,7 @@
 </p:sld>
 </file>
 
-<file path=ppt/slides/slide5.xml><?xml version="1.0" encoding="utf-8"?>
+<file path=ppt/slides/slide6.xml><?xml version="1.0" encoding="utf-8"?>
 <p:sld xmlns:a="http://schemas.openxmlformats.org/drawingml/2006/main" xmlns:r="http://schemas.openxmlformats.org/officeDocument/2006/relationships" xmlns:p="http://schemas.openxmlformats.org/presentationml/2006/main">
   <p:cSld>
     <p:bg>
@@ -8992,7 +10439,7 @@
 </p:sld>
 </file>
 
-<file path=ppt/slides/slide6.xml><?xml version="1.0" encoding="utf-8"?>
+<file path=ppt/slides/slide7.xml><?xml version="1.0" encoding="utf-8"?>
 <p:sld xmlns:a="http://schemas.openxmlformats.org/drawingml/2006/main" xmlns:r="http://schemas.openxmlformats.org/officeDocument/2006/relationships" xmlns:p="http://schemas.openxmlformats.org/presentationml/2006/main">
   <p:cSld>
     <p:bg>

--- a/Attention-is-all-you-need/image.pptx
+++ b/Attention-is-all-you-need/image.pptx
@@ -3054,31 +3054,19 @@
               <a:rPr lang="en-US" altLang="zh-TW" sz="2400" dirty="0" smtClean="0">
                 <a:latin typeface="SauceCodePro Nerd Font" panose="020B0509030403020204" pitchFamily="49" charset="0"/>
               </a:rPr>
-              <a:t>==</a:t>
+              <a:t>==1</a:t>
+            </a:r>
+            <a:r>
+              <a:rPr lang="zh-TW" altLang="en-US" sz="2400" dirty="0" smtClean="0">
+                <a:latin typeface="SauceCodePro Nerd Font" panose="020B0509030403020204" pitchFamily="49" charset="0"/>
+              </a:rPr>
+              <a:t> </a:t>
             </a:r>
             <a:r>
               <a:rPr lang="en-US" altLang="zh-TW" sz="2400" dirty="0" smtClean="0">
                 <a:latin typeface="SauceCodePro Nerd Font" panose="020B0509030403020204" pitchFamily="49" charset="0"/>
               </a:rPr>
-              <a:t>1</a:t>
-            </a:r>
-            <a:r>
-              <a:rPr lang="zh-TW" altLang="en-US" sz="2400" dirty="0" smtClean="0">
-                <a:latin typeface="SauceCodePro Nerd Font" panose="020B0509030403020204" pitchFamily="49" charset="0"/>
-              </a:rPr>
-              <a:t> </a:t>
-            </a:r>
-            <a:r>
-              <a:rPr lang="en-US" altLang="zh-TW" sz="2400" dirty="0" smtClean="0">
-                <a:latin typeface="SauceCodePro Nerd Font" panose="020B0509030403020204" pitchFamily="49" charset="0"/>
-              </a:rPr>
-              <a:t> </a:t>
-            </a:r>
-            <a:r>
-              <a:rPr lang="en-US" altLang="zh-TW" sz="2400" dirty="0" smtClean="0">
-                <a:latin typeface="SauceCodePro Nerd Font" panose="020B0509030403020204" pitchFamily="49" charset="0"/>
-              </a:rPr>
-              <a:t>else 0</a:t>
+              <a:t> else 0</a:t>
             </a:r>
             <a:endParaRPr lang="zh-TW" altLang="en-US" sz="2400" dirty="0">
               <a:latin typeface="SauceCodePro Nerd Font" panose="020B0509030403020204" pitchFamily="49" charset="0"/>
@@ -3422,13 +3410,7 @@
               <a:rPr lang="en-US" altLang="zh-TW" sz="2400" dirty="0" smtClean="0">
                 <a:latin typeface="SauceCodePro Nerd Font" panose="020B0509030403020204" pitchFamily="49" charset="0"/>
               </a:rPr>
-              <a:t>else </a:t>
-            </a:r>
-            <a:r>
-              <a:rPr lang="en-US" altLang="zh-TW" sz="2400" dirty="0" smtClean="0">
-                <a:latin typeface="SauceCodePro Nerd Font" panose="020B0509030403020204" pitchFamily="49" charset="0"/>
-              </a:rPr>
-              <a:t>0</a:t>
+              <a:t>else 0</a:t>
             </a:r>
             <a:endParaRPr lang="zh-TW" altLang="en-US" sz="2400" dirty="0">
               <a:latin typeface="SauceCodePro Nerd Font" panose="020B0509030403020204" pitchFamily="49" charset="0"/>
@@ -3519,13 +3501,7 @@
               <a:rPr lang="en-US" altLang="zh-TW" sz="2400" dirty="0" smtClean="0">
                 <a:latin typeface="SauceCodePro Nerd Font" panose="020B0509030403020204" pitchFamily="49" charset="0"/>
               </a:rPr>
-              <a:t>else </a:t>
-            </a:r>
-            <a:r>
-              <a:rPr lang="en-US" altLang="zh-TW" sz="2400" dirty="0" smtClean="0">
-                <a:latin typeface="SauceCodePro Nerd Font" panose="020B0509030403020204" pitchFamily="49" charset="0"/>
-              </a:rPr>
-              <a:t>0</a:t>
+              <a:t>else 0</a:t>
             </a:r>
             <a:endParaRPr lang="zh-TW" altLang="en-US" sz="2400" dirty="0">
               <a:latin typeface="SauceCodePro Nerd Font" panose="020B0509030403020204" pitchFamily="49" charset="0"/>
@@ -3696,8 +3672,8 @@
         </p:nvSpPr>
         <p:spPr>
           <a:xfrm>
-            <a:off x="1790662" y="5193504"/>
-            <a:ext cx="1744094" cy="566928"/>
+            <a:off x="1701808" y="5138549"/>
+            <a:ext cx="1921802" cy="566928"/>
           </a:xfrm>
           <a:prstGeom prst="roundRect">
             <a:avLst/>
@@ -3736,11 +3712,18 @@
           <a:lstStyle/>
           <a:p>
             <a:r>
-              <a:rPr lang="en-US" altLang="zh-TW" sz="2400" dirty="0">
+              <a:rPr lang="en-US" altLang="zh-TW" sz="2400" dirty="0" smtClean="0">
                 <a:latin typeface="SauceCodePro Nerd Font" panose="020B0509030403020204" pitchFamily="49" charset="0"/>
                 <a:ea typeface="SauceCodePro Nerd Font" panose="020B0509030403020204" pitchFamily="49" charset="0"/>
               </a:rPr>
-              <a:t>Token </a:t>
+              <a:t>Symbol</a:t>
+            </a:r>
+            <a:r>
+              <a:rPr lang="en-US" altLang="zh-TW" sz="2400" dirty="0" smtClean="0">
+                <a:latin typeface="SauceCodePro Nerd Font" panose="020B0509030403020204" pitchFamily="49" charset="0"/>
+                <a:ea typeface="SauceCodePro Nerd Font" panose="020B0509030403020204" pitchFamily="49" charset="0"/>
+              </a:rPr>
+              <a:t> </a:t>
             </a:r>
             <a:r>
               <a:rPr lang="en-US" altLang="zh-TW" sz="2400" dirty="0" smtClean="0">
@@ -5003,8 +4986,8 @@
         </p:nvSpPr>
         <p:spPr>
           <a:xfrm>
-            <a:off x="1140422" y="1792224"/>
-            <a:ext cx="2288578" cy="566928"/>
+            <a:off x="1051560" y="1792224"/>
+            <a:ext cx="2377440" cy="566928"/>
           </a:xfrm>
           <a:prstGeom prst="roundRect">
             <a:avLst/>
@@ -5043,11 +5026,18 @@
           <a:lstStyle/>
           <a:p>
             <a:r>
+              <a:rPr lang="en-US" altLang="zh-TW" sz="2400" dirty="0" smtClean="0">
+                <a:latin typeface="SauceCodePro Nerd Font" panose="020B0509030403020204" pitchFamily="49" charset="0"/>
+                <a:ea typeface="SauceCodePro Nerd Font" panose="020B0509030403020204" pitchFamily="49" charset="0"/>
+              </a:rPr>
+              <a:t>Symbol </a:t>
+            </a:r>
+            <a:r>
               <a:rPr lang="en-US" altLang="zh-TW" sz="2400" dirty="0">
                 <a:latin typeface="SauceCodePro Nerd Font" panose="020B0509030403020204" pitchFamily="49" charset="0"/>
                 <a:ea typeface="SauceCodePro Nerd Font" panose="020B0509030403020204" pitchFamily="49" charset="0"/>
               </a:rPr>
-              <a:t>Token id</a:t>
+              <a:t>id</a:t>
             </a:r>
             <a:r>
               <a:rPr lang="zh-TW" altLang="en-US" sz="2400" dirty="0">
@@ -5070,14 +5060,14 @@
       </p:sp>
       <p:sp>
         <p:nvSpPr>
-          <p:cNvPr id="24" name="圓角矩形 23"/>
+          <p:cNvPr id="15" name="圓角矩形 14"/>
           <p:cNvSpPr/>
           <p:nvPr/>
         </p:nvSpPr>
         <p:spPr>
           <a:xfrm>
-            <a:off x="1140422" y="2341447"/>
-            <a:ext cx="2288578" cy="566928"/>
+            <a:off x="1051560" y="2359152"/>
+            <a:ext cx="2377440" cy="566928"/>
           </a:xfrm>
           <a:prstGeom prst="roundRect">
             <a:avLst/>
@@ -5116,11 +5106,18 @@
           <a:lstStyle/>
           <a:p>
             <a:r>
+              <a:rPr lang="en-US" altLang="zh-TW" sz="2400" dirty="0" smtClean="0">
+                <a:latin typeface="SauceCodePro Nerd Font" panose="020B0509030403020204" pitchFamily="49" charset="0"/>
+                <a:ea typeface="SauceCodePro Nerd Font" panose="020B0509030403020204" pitchFamily="49" charset="0"/>
+              </a:rPr>
+              <a:t>Symbol </a:t>
+            </a:r>
+            <a:r>
               <a:rPr lang="en-US" altLang="zh-TW" sz="2400" dirty="0">
                 <a:latin typeface="SauceCodePro Nerd Font" panose="020B0509030403020204" pitchFamily="49" charset="0"/>
                 <a:ea typeface="SauceCodePro Nerd Font" panose="020B0509030403020204" pitchFamily="49" charset="0"/>
               </a:rPr>
-              <a:t>Token id</a:t>
+              <a:t>id</a:t>
             </a:r>
             <a:r>
               <a:rPr lang="zh-TW" altLang="en-US" sz="2400" dirty="0" smtClean="0">
@@ -5129,8 +5126,9 @@
               <a:t>：</a:t>
             </a:r>
             <a:r>
-              <a:rPr lang="en-US" altLang="zh-TW" sz="2400" dirty="0" smtClean="0">
+              <a:rPr lang="en-US" altLang="zh-TW" sz="2400" dirty="0">
                 <a:latin typeface="SauceCodePro Nerd Font" panose="020B0509030403020204" pitchFamily="49" charset="0"/>
+                <a:ea typeface="SauceCodePro Nerd Font" panose="020B0509030403020204" pitchFamily="49" charset="0"/>
               </a:rPr>
               <a:t>1</a:t>
             </a:r>
@@ -5142,14 +5140,14 @@
       </p:sp>
       <p:sp>
         <p:nvSpPr>
-          <p:cNvPr id="25" name="圓角矩形 24"/>
+          <p:cNvPr id="16" name="圓角矩形 15"/>
           <p:cNvSpPr/>
           <p:nvPr/>
         </p:nvSpPr>
         <p:spPr>
           <a:xfrm>
-            <a:off x="1140422" y="4851144"/>
-            <a:ext cx="2288578" cy="566928"/>
+            <a:off x="1051560" y="4851145"/>
+            <a:ext cx="2377440" cy="566928"/>
           </a:xfrm>
           <a:prstGeom prst="roundRect">
             <a:avLst/>
@@ -5188,11 +5186,18 @@
           <a:lstStyle/>
           <a:p>
             <a:r>
+              <a:rPr lang="en-US" altLang="zh-TW" sz="2400" dirty="0" smtClean="0">
+                <a:latin typeface="SauceCodePro Nerd Font" panose="020B0509030403020204" pitchFamily="49" charset="0"/>
+                <a:ea typeface="SauceCodePro Nerd Font" panose="020B0509030403020204" pitchFamily="49" charset="0"/>
+              </a:rPr>
+              <a:t>Symbol </a:t>
+            </a:r>
+            <a:r>
               <a:rPr lang="en-US" altLang="zh-TW" sz="2400" dirty="0">
                 <a:latin typeface="SauceCodePro Nerd Font" panose="020B0509030403020204" pitchFamily="49" charset="0"/>
                 <a:ea typeface="SauceCodePro Nerd Font" panose="020B0509030403020204" pitchFamily="49" charset="0"/>
               </a:rPr>
-              <a:t>Token id</a:t>
+              <a:t>id</a:t>
             </a:r>
             <a:r>
               <a:rPr lang="zh-TW" altLang="en-US" sz="2400" dirty="0" smtClean="0">
@@ -5201,7 +5206,7 @@
               <a:t>：</a:t>
             </a:r>
             <a:r>
-              <a:rPr lang="en-US" altLang="zh-TW" sz="2400" dirty="0" smtClean="0">
+              <a:rPr lang="en-US" altLang="zh-TW" sz="2400" dirty="0">
                 <a:latin typeface="SauceCodePro Nerd Font" panose="020B0509030403020204" pitchFamily="49" charset="0"/>
                 <a:ea typeface="SauceCodePro Nerd Font" panose="020B0509030403020204" pitchFamily="49" charset="0"/>
               </a:rPr>
@@ -5884,73 +5889,6 @@
       </p:sp>
       <p:sp>
         <p:nvSpPr>
-          <p:cNvPr id="16" name="圓角矩形 15"/>
-          <p:cNvSpPr/>
-          <p:nvPr/>
-        </p:nvSpPr>
-        <p:spPr>
-          <a:xfrm>
-            <a:off x="3452996" y="5275763"/>
-            <a:ext cx="1744094" cy="566928"/>
-          </a:xfrm>
-          <a:prstGeom prst="roundRect">
-            <a:avLst/>
-          </a:prstGeom>
-          <a:solidFill>
-            <a:schemeClr val="accent1">
-              <a:alpha val="0"/>
-            </a:schemeClr>
-          </a:solidFill>
-          <a:ln w="25400">
-            <a:solidFill>
-              <a:srgbClr val="FF0066">
-                <a:alpha val="0"/>
-              </a:srgbClr>
-            </a:solidFill>
-          </a:ln>
-        </p:spPr>
-        <p:style>
-          <a:lnRef idx="2">
-            <a:schemeClr val="accent1">
-              <a:shade val="50000"/>
-            </a:schemeClr>
-          </a:lnRef>
-          <a:fillRef idx="1">
-            <a:schemeClr val="accent1"/>
-          </a:fillRef>
-          <a:effectRef idx="0">
-            <a:schemeClr val="accent1"/>
-          </a:effectRef>
-          <a:fontRef idx="minor">
-            <a:schemeClr val="lt1"/>
-          </a:fontRef>
-        </p:style>
-        <p:txBody>
-          <a:bodyPr rtlCol="0" anchor="ctr"/>
-          <a:lstStyle/>
-          <a:p>
-            <a:r>
-              <a:rPr lang="en-US" altLang="zh-TW" sz="2400" dirty="0">
-                <a:latin typeface="SauceCodePro Nerd Font" panose="020B0509030403020204" pitchFamily="49" charset="0"/>
-                <a:ea typeface="SauceCodePro Nerd Font" panose="020B0509030403020204" pitchFamily="49" charset="0"/>
-              </a:rPr>
-              <a:t>Token </a:t>
-            </a:r>
-            <a:r>
-              <a:rPr lang="en-US" altLang="zh-TW" sz="2400" dirty="0" smtClean="0">
-                <a:latin typeface="SauceCodePro Nerd Font" panose="020B0509030403020204" pitchFamily="49" charset="0"/>
-                <a:ea typeface="SauceCodePro Nerd Font" panose="020B0509030403020204" pitchFamily="49" charset="0"/>
-              </a:rPr>
-              <a:t>id</a:t>
-            </a:r>
-            <a:endParaRPr lang="zh-TW" altLang="en-US" sz="2400" dirty="0">
-              <a:latin typeface="SauceCodePro Nerd Font" panose="020B0509030403020204" pitchFamily="49" charset="0"/>
-            </a:endParaRPr>
-          </a:p>
-        </p:txBody>
-      </p:sp>
-      <p:sp>
-        <p:nvSpPr>
           <p:cNvPr id="17" name="圓角矩形 16"/>
           <p:cNvSpPr/>
           <p:nvPr/>
@@ -6534,6 +6472,80 @@
           <a:p>
             <a:pPr algn="ctr"/>
             <a:endParaRPr lang="zh-TW" altLang="en-US"/>
+          </a:p>
+        </p:txBody>
+      </p:sp>
+      <p:sp>
+        <p:nvSpPr>
+          <p:cNvPr id="30" name="圓角矩形 29"/>
+          <p:cNvSpPr/>
+          <p:nvPr/>
+        </p:nvSpPr>
+        <p:spPr>
+          <a:xfrm>
+            <a:off x="3354257" y="5075874"/>
+            <a:ext cx="1921802" cy="566928"/>
+          </a:xfrm>
+          <a:prstGeom prst="roundRect">
+            <a:avLst/>
+          </a:prstGeom>
+          <a:solidFill>
+            <a:schemeClr val="accent1">
+              <a:alpha val="0"/>
+            </a:schemeClr>
+          </a:solidFill>
+          <a:ln w="25400">
+            <a:solidFill>
+              <a:srgbClr val="FF0066">
+                <a:alpha val="0"/>
+              </a:srgbClr>
+            </a:solidFill>
+          </a:ln>
+        </p:spPr>
+        <p:style>
+          <a:lnRef idx="2">
+            <a:schemeClr val="accent1">
+              <a:shade val="50000"/>
+            </a:schemeClr>
+          </a:lnRef>
+          <a:fillRef idx="1">
+            <a:schemeClr val="accent1"/>
+          </a:fillRef>
+          <a:effectRef idx="0">
+            <a:schemeClr val="accent1"/>
+          </a:effectRef>
+          <a:fontRef idx="minor">
+            <a:schemeClr val="lt1"/>
+          </a:fontRef>
+        </p:style>
+        <p:txBody>
+          <a:bodyPr rtlCol="0" anchor="ctr"/>
+          <a:lstStyle/>
+          <a:p>
+            <a:r>
+              <a:rPr lang="en-US" altLang="zh-TW" sz="2400" dirty="0" smtClean="0">
+                <a:latin typeface="SauceCodePro Nerd Font" panose="020B0509030403020204" pitchFamily="49" charset="0"/>
+                <a:ea typeface="SauceCodePro Nerd Font" panose="020B0509030403020204" pitchFamily="49" charset="0"/>
+              </a:rPr>
+              <a:t>Symbol</a:t>
+            </a:r>
+            <a:r>
+              <a:rPr lang="en-US" altLang="zh-TW" sz="2400" dirty="0" smtClean="0">
+                <a:latin typeface="SauceCodePro Nerd Font" panose="020B0509030403020204" pitchFamily="49" charset="0"/>
+                <a:ea typeface="SauceCodePro Nerd Font" panose="020B0509030403020204" pitchFamily="49" charset="0"/>
+              </a:rPr>
+              <a:t> </a:t>
+            </a:r>
+            <a:r>
+              <a:rPr lang="en-US" altLang="zh-TW" sz="2400" dirty="0" smtClean="0">
+                <a:latin typeface="SauceCodePro Nerd Font" panose="020B0509030403020204" pitchFamily="49" charset="0"/>
+                <a:ea typeface="SauceCodePro Nerd Font" panose="020B0509030403020204" pitchFamily="49" charset="0"/>
+              </a:rPr>
+              <a:t>id</a:t>
+            </a:r>
+            <a:endParaRPr lang="zh-TW" altLang="en-US" sz="2400" dirty="0">
+              <a:latin typeface="SauceCodePro Nerd Font" panose="020B0509030403020204" pitchFamily="49" charset="0"/>
+            </a:endParaRPr>
           </a:p>
         </p:txBody>
       </p:sp>
@@ -7070,73 +7082,6 @@
       </p:sp>
       <p:sp>
         <p:nvSpPr>
-          <p:cNvPr id="17" name="圓角矩形 16"/>
-          <p:cNvSpPr/>
-          <p:nvPr/>
-        </p:nvSpPr>
-        <p:spPr>
-          <a:xfrm>
-            <a:off x="1790662" y="5193504"/>
-            <a:ext cx="1744094" cy="566928"/>
-          </a:xfrm>
-          <a:prstGeom prst="roundRect">
-            <a:avLst/>
-          </a:prstGeom>
-          <a:solidFill>
-            <a:schemeClr val="accent1">
-              <a:alpha val="0"/>
-            </a:schemeClr>
-          </a:solidFill>
-          <a:ln w="25400">
-            <a:solidFill>
-              <a:srgbClr val="FF0066">
-                <a:alpha val="0"/>
-              </a:srgbClr>
-            </a:solidFill>
-          </a:ln>
-        </p:spPr>
-        <p:style>
-          <a:lnRef idx="2">
-            <a:schemeClr val="accent1">
-              <a:shade val="50000"/>
-            </a:schemeClr>
-          </a:lnRef>
-          <a:fillRef idx="1">
-            <a:schemeClr val="accent1"/>
-          </a:fillRef>
-          <a:effectRef idx="0">
-            <a:schemeClr val="accent1"/>
-          </a:effectRef>
-          <a:fontRef idx="minor">
-            <a:schemeClr val="lt1"/>
-          </a:fontRef>
-        </p:style>
-        <p:txBody>
-          <a:bodyPr rtlCol="0" anchor="ctr"/>
-          <a:lstStyle/>
-          <a:p>
-            <a:r>
-              <a:rPr lang="en-US" altLang="zh-TW" sz="2400" dirty="0">
-                <a:latin typeface="SauceCodePro Nerd Font" panose="020B0509030403020204" pitchFamily="49" charset="0"/>
-                <a:ea typeface="SauceCodePro Nerd Font" panose="020B0509030403020204" pitchFamily="49" charset="0"/>
-              </a:rPr>
-              <a:t>Token </a:t>
-            </a:r>
-            <a:r>
-              <a:rPr lang="en-US" altLang="zh-TW" sz="2400" dirty="0" smtClean="0">
-                <a:latin typeface="SauceCodePro Nerd Font" panose="020B0509030403020204" pitchFamily="49" charset="0"/>
-                <a:ea typeface="SauceCodePro Nerd Font" panose="020B0509030403020204" pitchFamily="49" charset="0"/>
-              </a:rPr>
-              <a:t>id</a:t>
-            </a:r>
-            <a:endParaRPr lang="zh-TW" altLang="en-US" sz="2400" dirty="0">
-              <a:latin typeface="SauceCodePro Nerd Font" panose="020B0509030403020204" pitchFamily="49" charset="0"/>
-            </a:endParaRPr>
-          </a:p>
-        </p:txBody>
-      </p:sp>
-      <p:sp>
-        <p:nvSpPr>
           <p:cNvPr id="18" name="圓角矩形 17"/>
           <p:cNvSpPr/>
           <p:nvPr/>
@@ -7761,6 +7706,80 @@
           <a:p>
             <a:pPr algn="ctr"/>
             <a:endParaRPr lang="zh-TW" altLang="en-US"/>
+          </a:p>
+        </p:txBody>
+      </p:sp>
+      <p:sp>
+        <p:nvSpPr>
+          <p:cNvPr id="26" name="圓角矩形 25"/>
+          <p:cNvSpPr/>
+          <p:nvPr/>
+        </p:nvSpPr>
+        <p:spPr>
+          <a:xfrm>
+            <a:off x="1701808" y="5138549"/>
+            <a:ext cx="1921802" cy="566928"/>
+          </a:xfrm>
+          <a:prstGeom prst="roundRect">
+            <a:avLst/>
+          </a:prstGeom>
+          <a:solidFill>
+            <a:schemeClr val="accent1">
+              <a:alpha val="0"/>
+            </a:schemeClr>
+          </a:solidFill>
+          <a:ln w="25400">
+            <a:solidFill>
+              <a:srgbClr val="FF0066">
+                <a:alpha val="0"/>
+              </a:srgbClr>
+            </a:solidFill>
+          </a:ln>
+        </p:spPr>
+        <p:style>
+          <a:lnRef idx="2">
+            <a:schemeClr val="accent1">
+              <a:shade val="50000"/>
+            </a:schemeClr>
+          </a:lnRef>
+          <a:fillRef idx="1">
+            <a:schemeClr val="accent1"/>
+          </a:fillRef>
+          <a:effectRef idx="0">
+            <a:schemeClr val="accent1"/>
+          </a:effectRef>
+          <a:fontRef idx="minor">
+            <a:schemeClr val="lt1"/>
+          </a:fontRef>
+        </p:style>
+        <p:txBody>
+          <a:bodyPr rtlCol="0" anchor="ctr"/>
+          <a:lstStyle/>
+          <a:p>
+            <a:r>
+              <a:rPr lang="en-US" altLang="zh-TW" sz="2400" dirty="0" smtClean="0">
+                <a:latin typeface="SauceCodePro Nerd Font" panose="020B0509030403020204" pitchFamily="49" charset="0"/>
+                <a:ea typeface="SauceCodePro Nerd Font" panose="020B0509030403020204" pitchFamily="49" charset="0"/>
+              </a:rPr>
+              <a:t>Symbol</a:t>
+            </a:r>
+            <a:r>
+              <a:rPr lang="en-US" altLang="zh-TW" sz="2400" dirty="0" smtClean="0">
+                <a:latin typeface="SauceCodePro Nerd Font" panose="020B0509030403020204" pitchFamily="49" charset="0"/>
+                <a:ea typeface="SauceCodePro Nerd Font" panose="020B0509030403020204" pitchFamily="49" charset="0"/>
+              </a:rPr>
+              <a:t> </a:t>
+            </a:r>
+            <a:r>
+              <a:rPr lang="en-US" altLang="zh-TW" sz="2400" dirty="0" smtClean="0">
+                <a:latin typeface="SauceCodePro Nerd Font" panose="020B0509030403020204" pitchFamily="49" charset="0"/>
+                <a:ea typeface="SauceCodePro Nerd Font" panose="020B0509030403020204" pitchFamily="49" charset="0"/>
+              </a:rPr>
+              <a:t>id</a:t>
+            </a:r>
+            <a:endParaRPr lang="zh-TW" altLang="en-US" sz="2400" dirty="0">
+              <a:latin typeface="SauceCodePro Nerd Font" panose="020B0509030403020204" pitchFamily="49" charset="0"/>
+            </a:endParaRPr>
           </a:p>
         </p:txBody>
       </p:sp>

--- a/Attention-is-all-you-need/image.pptx
+++ b/Attention-is-all-you-need/image.pptx
@@ -3716,21 +3716,7 @@
                 <a:latin typeface="SauceCodePro Nerd Font" panose="020B0509030403020204" pitchFamily="49" charset="0"/>
                 <a:ea typeface="SauceCodePro Nerd Font" panose="020B0509030403020204" pitchFamily="49" charset="0"/>
               </a:rPr>
-              <a:t>Symbol</a:t>
-            </a:r>
-            <a:r>
-              <a:rPr lang="en-US" altLang="zh-TW" sz="2400" dirty="0" smtClean="0">
-                <a:latin typeface="SauceCodePro Nerd Font" panose="020B0509030403020204" pitchFamily="49" charset="0"/>
-                <a:ea typeface="SauceCodePro Nerd Font" panose="020B0509030403020204" pitchFamily="49" charset="0"/>
-              </a:rPr>
-              <a:t> </a:t>
-            </a:r>
-            <a:r>
-              <a:rPr lang="en-US" altLang="zh-TW" sz="2400" dirty="0" smtClean="0">
-                <a:latin typeface="SauceCodePro Nerd Font" panose="020B0509030403020204" pitchFamily="49" charset="0"/>
-                <a:ea typeface="SauceCodePro Nerd Font" panose="020B0509030403020204" pitchFamily="49" charset="0"/>
-              </a:rPr>
-              <a:t>id</a:t>
+              <a:t>Symbol id</a:t>
             </a:r>
             <a:endParaRPr lang="zh-TW" altLang="en-US" sz="2400" dirty="0">
               <a:latin typeface="SauceCodePro Nerd Font" panose="020B0509030403020204" pitchFamily="49" charset="0"/>
@@ -6527,21 +6513,7 @@
                 <a:latin typeface="SauceCodePro Nerd Font" panose="020B0509030403020204" pitchFamily="49" charset="0"/>
                 <a:ea typeface="SauceCodePro Nerd Font" panose="020B0509030403020204" pitchFamily="49" charset="0"/>
               </a:rPr>
-              <a:t>Symbol</a:t>
-            </a:r>
-            <a:r>
-              <a:rPr lang="en-US" altLang="zh-TW" sz="2400" dirty="0" smtClean="0">
-                <a:latin typeface="SauceCodePro Nerd Font" panose="020B0509030403020204" pitchFamily="49" charset="0"/>
-                <a:ea typeface="SauceCodePro Nerd Font" panose="020B0509030403020204" pitchFamily="49" charset="0"/>
-              </a:rPr>
-              <a:t> </a:t>
-            </a:r>
-            <a:r>
-              <a:rPr lang="en-US" altLang="zh-TW" sz="2400" dirty="0" smtClean="0">
-                <a:latin typeface="SauceCodePro Nerd Font" panose="020B0509030403020204" pitchFamily="49" charset="0"/>
-                <a:ea typeface="SauceCodePro Nerd Font" panose="020B0509030403020204" pitchFamily="49" charset="0"/>
-              </a:rPr>
-              <a:t>id</a:t>
+              <a:t>Symbol id</a:t>
             </a:r>
             <a:endParaRPr lang="zh-TW" altLang="en-US" sz="2400" dirty="0">
               <a:latin typeface="SauceCodePro Nerd Font" panose="020B0509030403020204" pitchFamily="49" charset="0"/>
@@ -7761,21 +7733,7 @@
                 <a:latin typeface="SauceCodePro Nerd Font" panose="020B0509030403020204" pitchFamily="49" charset="0"/>
                 <a:ea typeface="SauceCodePro Nerd Font" panose="020B0509030403020204" pitchFamily="49" charset="0"/>
               </a:rPr>
-              <a:t>Symbol</a:t>
-            </a:r>
-            <a:r>
-              <a:rPr lang="en-US" altLang="zh-TW" sz="2400" dirty="0" smtClean="0">
-                <a:latin typeface="SauceCodePro Nerd Font" panose="020B0509030403020204" pitchFamily="49" charset="0"/>
-                <a:ea typeface="SauceCodePro Nerd Font" panose="020B0509030403020204" pitchFamily="49" charset="0"/>
-              </a:rPr>
-              <a:t> </a:t>
-            </a:r>
-            <a:r>
-              <a:rPr lang="en-US" altLang="zh-TW" sz="2400" dirty="0" smtClean="0">
-                <a:latin typeface="SauceCodePro Nerd Font" panose="020B0509030403020204" pitchFamily="49" charset="0"/>
-                <a:ea typeface="SauceCodePro Nerd Font" panose="020B0509030403020204" pitchFamily="49" charset="0"/>
-              </a:rPr>
-              <a:t>id</a:t>
+              <a:t>Symbol id</a:t>
             </a:r>
             <a:endParaRPr lang="zh-TW" altLang="en-US" sz="2400" dirty="0">
               <a:latin typeface="SauceCodePro Nerd Font" panose="020B0509030403020204" pitchFamily="49" charset="0"/>
@@ -11245,6 +11203,42 @@
         <p:spPr>
           <a:xfrm flipV="1">
             <a:off x="3337774" y="6154364"/>
+            <a:ext cx="18267" cy="703637"/>
+          </a:xfrm>
+          <a:prstGeom prst="straightConnector1">
+            <a:avLst/>
+          </a:prstGeom>
+          <a:ln w="101600">
+            <a:solidFill>
+              <a:srgbClr val="FF0066"/>
+            </a:solidFill>
+            <a:tailEnd type="triangle"/>
+          </a:ln>
+        </p:spPr>
+        <p:style>
+          <a:lnRef idx="1">
+            <a:schemeClr val="accent1"/>
+          </a:lnRef>
+          <a:fillRef idx="0">
+            <a:schemeClr val="accent1"/>
+          </a:fillRef>
+          <a:effectRef idx="0">
+            <a:schemeClr val="accent1"/>
+          </a:effectRef>
+          <a:fontRef idx="minor">
+            <a:schemeClr val="tx1"/>
+          </a:fontRef>
+        </p:style>
+      </p:cxnSp>
+      <p:cxnSp>
+        <p:nvCxnSpPr>
+          <p:cNvPr id="26" name="直線單箭頭接點 25"/>
+          <p:cNvCxnSpPr/>
+          <p:nvPr/>
+        </p:nvCxnSpPr>
+        <p:spPr>
+          <a:xfrm flipV="1">
+            <a:off x="9288292" y="6154363"/>
             <a:ext cx="18267" cy="703637"/>
           </a:xfrm>
           <a:prstGeom prst="straightConnector1">

--- a/Attention-is-all-you-need/image.pptx
+++ b/Attention-is-all-you-need/image.pptx
@@ -10,8 +10,9 @@
     <p:sldId id="260" r:id="rId4"/>
     <p:sldId id="261" r:id="rId5"/>
     <p:sldId id="256" r:id="rId6"/>
-    <p:sldId id="257" r:id="rId7"/>
-    <p:sldId id="258" r:id="rId8"/>
+    <p:sldId id="263" r:id="rId7"/>
+    <p:sldId id="257" r:id="rId8"/>
+    <p:sldId id="258" r:id="rId9"/>
   </p:sldIdLst>
   <p:sldSz cx="12192000" cy="6858000"/>
   <p:notesSz cx="6858000" cy="9144000"/>
@@ -249,7 +250,7 @@
           <a:p>
             <a:fld id="{5C943AA4-F205-4A15-B641-BE44906CC2CE}" type="datetimeFigureOut">
               <a:rPr lang="zh-TW" altLang="en-US" smtClean="0"/>
-              <a:t>2020/5/31</a:t>
+              <a:t>2020/6/1</a:t>
             </a:fld>
             <a:endParaRPr lang="zh-TW" altLang="en-US"/>
           </a:p>
@@ -419,7 +420,7 @@
           <a:p>
             <a:fld id="{5C943AA4-F205-4A15-B641-BE44906CC2CE}" type="datetimeFigureOut">
               <a:rPr lang="zh-TW" altLang="en-US" smtClean="0"/>
-              <a:t>2020/5/31</a:t>
+              <a:t>2020/6/1</a:t>
             </a:fld>
             <a:endParaRPr lang="zh-TW" altLang="en-US"/>
           </a:p>
@@ -599,7 +600,7 @@
           <a:p>
             <a:fld id="{5C943AA4-F205-4A15-B641-BE44906CC2CE}" type="datetimeFigureOut">
               <a:rPr lang="zh-TW" altLang="en-US" smtClean="0"/>
-              <a:t>2020/5/31</a:t>
+              <a:t>2020/6/1</a:t>
             </a:fld>
             <a:endParaRPr lang="zh-TW" altLang="en-US"/>
           </a:p>
@@ -769,7 +770,7 @@
           <a:p>
             <a:fld id="{5C943AA4-F205-4A15-B641-BE44906CC2CE}" type="datetimeFigureOut">
               <a:rPr lang="zh-TW" altLang="en-US" smtClean="0"/>
-              <a:t>2020/5/31</a:t>
+              <a:t>2020/6/1</a:t>
             </a:fld>
             <a:endParaRPr lang="zh-TW" altLang="en-US"/>
           </a:p>
@@ -1015,7 +1016,7 @@
           <a:p>
             <a:fld id="{5C943AA4-F205-4A15-B641-BE44906CC2CE}" type="datetimeFigureOut">
               <a:rPr lang="zh-TW" altLang="en-US" smtClean="0"/>
-              <a:t>2020/5/31</a:t>
+              <a:t>2020/6/1</a:t>
             </a:fld>
             <a:endParaRPr lang="zh-TW" altLang="en-US"/>
           </a:p>
@@ -1247,7 +1248,7 @@
           <a:p>
             <a:fld id="{5C943AA4-F205-4A15-B641-BE44906CC2CE}" type="datetimeFigureOut">
               <a:rPr lang="zh-TW" altLang="en-US" smtClean="0"/>
-              <a:t>2020/5/31</a:t>
+              <a:t>2020/6/1</a:t>
             </a:fld>
             <a:endParaRPr lang="zh-TW" altLang="en-US"/>
           </a:p>
@@ -1614,7 +1615,7 @@
           <a:p>
             <a:fld id="{5C943AA4-F205-4A15-B641-BE44906CC2CE}" type="datetimeFigureOut">
               <a:rPr lang="zh-TW" altLang="en-US" smtClean="0"/>
-              <a:t>2020/5/31</a:t>
+              <a:t>2020/6/1</a:t>
             </a:fld>
             <a:endParaRPr lang="zh-TW" altLang="en-US"/>
           </a:p>
@@ -1732,7 +1733,7 @@
           <a:p>
             <a:fld id="{5C943AA4-F205-4A15-B641-BE44906CC2CE}" type="datetimeFigureOut">
               <a:rPr lang="zh-TW" altLang="en-US" smtClean="0"/>
-              <a:t>2020/5/31</a:t>
+              <a:t>2020/6/1</a:t>
             </a:fld>
             <a:endParaRPr lang="zh-TW" altLang="en-US"/>
           </a:p>
@@ -1827,7 +1828,7 @@
           <a:p>
             <a:fld id="{5C943AA4-F205-4A15-B641-BE44906CC2CE}" type="datetimeFigureOut">
               <a:rPr lang="zh-TW" altLang="en-US" smtClean="0"/>
-              <a:t>2020/5/31</a:t>
+              <a:t>2020/6/1</a:t>
             </a:fld>
             <a:endParaRPr lang="zh-TW" altLang="en-US"/>
           </a:p>
@@ -2104,7 +2105,7 @@
           <a:p>
             <a:fld id="{5C943AA4-F205-4A15-B641-BE44906CC2CE}" type="datetimeFigureOut">
               <a:rPr lang="zh-TW" altLang="en-US" smtClean="0"/>
-              <a:t>2020/5/31</a:t>
+              <a:t>2020/6/1</a:t>
             </a:fld>
             <a:endParaRPr lang="zh-TW" altLang="en-US"/>
           </a:p>
@@ -2357,7 +2358,7 @@
           <a:p>
             <a:fld id="{5C943AA4-F205-4A15-B641-BE44906CC2CE}" type="datetimeFigureOut">
               <a:rPr lang="zh-TW" altLang="en-US" smtClean="0"/>
-              <a:t>2020/5/31</a:t>
+              <a:t>2020/6/1</a:t>
             </a:fld>
             <a:endParaRPr lang="zh-TW" altLang="en-US"/>
           </a:p>
@@ -2570,7 +2571,7 @@
           <a:p>
             <a:fld id="{5C943AA4-F205-4A15-B641-BE44906CC2CE}" type="datetimeFigureOut">
               <a:rPr lang="zh-TW" altLang="en-US" smtClean="0"/>
-              <a:t>2020/5/31</a:t>
+              <a:t>2020/6/1</a:t>
             </a:fld>
             <a:endParaRPr lang="zh-TW" altLang="en-US"/>
           </a:p>
@@ -9547,6 +9548,1105 @@
         </p:nvSpPr>
         <p:spPr>
           <a:xfrm>
+            <a:off x="4716473" y="1633114"/>
+            <a:ext cx="3035087" cy="3133866"/>
+          </a:xfrm>
+          <a:prstGeom prst="roundRect">
+            <a:avLst/>
+          </a:prstGeom>
+          <a:noFill/>
+          <a:ln w="25400">
+            <a:solidFill>
+              <a:schemeClr val="bg1"/>
+            </a:solidFill>
+          </a:ln>
+        </p:spPr>
+        <p:style>
+          <a:lnRef idx="2">
+            <a:schemeClr val="accent1">
+              <a:shade val="50000"/>
+            </a:schemeClr>
+          </a:lnRef>
+          <a:fillRef idx="1">
+            <a:schemeClr val="accent1"/>
+          </a:fillRef>
+          <a:effectRef idx="0">
+            <a:schemeClr val="accent1"/>
+          </a:effectRef>
+          <a:fontRef idx="minor">
+            <a:schemeClr val="lt1"/>
+          </a:fontRef>
+        </p:style>
+        <p:txBody>
+          <a:bodyPr rtlCol="0" anchor="ctr"/>
+          <a:lstStyle/>
+          <a:p>
+            <a:endParaRPr lang="zh-TW" altLang="en-US" sz="2400" dirty="0">
+              <a:latin typeface="SauceCodePro Nerd Font" panose="020B0509030403020204" pitchFamily="49" charset="0"/>
+            </a:endParaRPr>
+          </a:p>
+        </p:txBody>
+      </p:sp>
+      <p:cxnSp>
+        <p:nvCxnSpPr>
+          <p:cNvPr id="6" name="直線接點 5"/>
+          <p:cNvCxnSpPr>
+            <a:stCxn id="4" idx="1"/>
+            <a:endCxn id="4" idx="2"/>
+          </p:cNvCxnSpPr>
+          <p:nvPr/>
+        </p:nvCxnSpPr>
+        <p:spPr>
+          <a:xfrm>
+            <a:off x="4716473" y="3200047"/>
+            <a:ext cx="1517544" cy="1566933"/>
+          </a:xfrm>
+          <a:prstGeom prst="line">
+            <a:avLst/>
+          </a:prstGeom>
+          <a:ln w="25400">
+            <a:solidFill>
+              <a:schemeClr val="bg1"/>
+            </a:solidFill>
+          </a:ln>
+        </p:spPr>
+        <p:style>
+          <a:lnRef idx="1">
+            <a:schemeClr val="accent1"/>
+          </a:lnRef>
+          <a:fillRef idx="0">
+            <a:schemeClr val="accent1"/>
+          </a:fillRef>
+          <a:effectRef idx="0">
+            <a:schemeClr val="accent1"/>
+          </a:effectRef>
+          <a:fontRef idx="minor">
+            <a:schemeClr val="tx1"/>
+          </a:fontRef>
+        </p:style>
+      </p:cxnSp>
+      <p:cxnSp>
+        <p:nvCxnSpPr>
+          <p:cNvPr id="9" name="直線接點 8"/>
+          <p:cNvCxnSpPr>
+            <a:stCxn id="4" idx="0"/>
+            <a:endCxn id="4" idx="3"/>
+          </p:cNvCxnSpPr>
+          <p:nvPr/>
+        </p:nvCxnSpPr>
+        <p:spPr>
+          <a:xfrm>
+            <a:off x="6234017" y="1633114"/>
+            <a:ext cx="1517543" cy="1566933"/>
+          </a:xfrm>
+          <a:prstGeom prst="line">
+            <a:avLst/>
+          </a:prstGeom>
+          <a:ln w="25400">
+            <a:solidFill>
+              <a:schemeClr val="bg1"/>
+            </a:solidFill>
+          </a:ln>
+        </p:spPr>
+        <p:style>
+          <a:lnRef idx="1">
+            <a:schemeClr val="accent1"/>
+          </a:lnRef>
+          <a:fillRef idx="0">
+            <a:schemeClr val="accent1"/>
+          </a:fillRef>
+          <a:effectRef idx="0">
+            <a:schemeClr val="accent1"/>
+          </a:effectRef>
+          <a:fontRef idx="minor">
+            <a:schemeClr val="tx1"/>
+          </a:fontRef>
+        </p:style>
+      </p:cxnSp>
+      <p:cxnSp>
+        <p:nvCxnSpPr>
+          <p:cNvPr id="12" name="直線接點 11"/>
+          <p:cNvCxnSpPr/>
+          <p:nvPr/>
+        </p:nvCxnSpPr>
+        <p:spPr>
+          <a:xfrm>
+            <a:off x="4716472" y="2416580"/>
+            <a:ext cx="2276315" cy="2350400"/>
+          </a:xfrm>
+          <a:prstGeom prst="line">
+            <a:avLst/>
+          </a:prstGeom>
+          <a:ln w="25400">
+            <a:solidFill>
+              <a:schemeClr val="bg1"/>
+            </a:solidFill>
+          </a:ln>
+        </p:spPr>
+        <p:style>
+          <a:lnRef idx="1">
+            <a:schemeClr val="accent1"/>
+          </a:lnRef>
+          <a:fillRef idx="0">
+            <a:schemeClr val="accent1"/>
+          </a:fillRef>
+          <a:effectRef idx="0">
+            <a:schemeClr val="accent1"/>
+          </a:effectRef>
+          <a:fontRef idx="minor">
+            <a:schemeClr val="tx1"/>
+          </a:fontRef>
+        </p:style>
+      </p:cxnSp>
+      <p:cxnSp>
+        <p:nvCxnSpPr>
+          <p:cNvPr id="14" name="直線接點 13"/>
+          <p:cNvCxnSpPr/>
+          <p:nvPr/>
+        </p:nvCxnSpPr>
+        <p:spPr>
+          <a:xfrm>
+            <a:off x="5475245" y="1633114"/>
+            <a:ext cx="2276315" cy="2350400"/>
+          </a:xfrm>
+          <a:prstGeom prst="line">
+            <a:avLst/>
+          </a:prstGeom>
+          <a:ln w="25400">
+            <a:solidFill>
+              <a:schemeClr val="bg1"/>
+            </a:solidFill>
+          </a:ln>
+        </p:spPr>
+        <p:style>
+          <a:lnRef idx="1">
+            <a:schemeClr val="accent1"/>
+          </a:lnRef>
+          <a:fillRef idx="0">
+            <a:schemeClr val="accent1"/>
+          </a:fillRef>
+          <a:effectRef idx="0">
+            <a:schemeClr val="accent1"/>
+          </a:effectRef>
+          <a:fontRef idx="minor">
+            <a:schemeClr val="tx1"/>
+          </a:fontRef>
+        </p:style>
+      </p:cxnSp>
+      <p:cxnSp>
+        <p:nvCxnSpPr>
+          <p:cNvPr id="15" name="直線接點 14"/>
+          <p:cNvCxnSpPr/>
+          <p:nvPr/>
+        </p:nvCxnSpPr>
+        <p:spPr>
+          <a:xfrm>
+            <a:off x="4875060" y="1796863"/>
+            <a:ext cx="2717911" cy="2806368"/>
+          </a:xfrm>
+          <a:prstGeom prst="line">
+            <a:avLst/>
+          </a:prstGeom>
+          <a:ln w="25400">
+            <a:solidFill>
+              <a:schemeClr val="bg1"/>
+            </a:solidFill>
+          </a:ln>
+        </p:spPr>
+        <p:style>
+          <a:lnRef idx="1">
+            <a:schemeClr val="accent1"/>
+          </a:lnRef>
+          <a:fillRef idx="0">
+            <a:schemeClr val="accent1"/>
+          </a:fillRef>
+          <a:effectRef idx="0">
+            <a:schemeClr val="accent1"/>
+          </a:effectRef>
+          <a:fontRef idx="minor">
+            <a:schemeClr val="tx1"/>
+          </a:fontRef>
+        </p:style>
+      </p:cxnSp>
+      <p:cxnSp>
+        <p:nvCxnSpPr>
+          <p:cNvPr id="19" name="直線接點 18"/>
+          <p:cNvCxnSpPr/>
+          <p:nvPr/>
+        </p:nvCxnSpPr>
+        <p:spPr>
+          <a:xfrm>
+            <a:off x="4708187" y="3819764"/>
+            <a:ext cx="917360" cy="947216"/>
+          </a:xfrm>
+          <a:prstGeom prst="line">
+            <a:avLst/>
+          </a:prstGeom>
+          <a:ln w="25400">
+            <a:solidFill>
+              <a:schemeClr val="bg1"/>
+            </a:solidFill>
+          </a:ln>
+        </p:spPr>
+        <p:style>
+          <a:lnRef idx="1">
+            <a:schemeClr val="accent1"/>
+          </a:lnRef>
+          <a:fillRef idx="0">
+            <a:schemeClr val="accent1"/>
+          </a:fillRef>
+          <a:effectRef idx="0">
+            <a:schemeClr val="accent1"/>
+          </a:effectRef>
+          <a:fontRef idx="minor">
+            <a:schemeClr val="tx1"/>
+          </a:fontRef>
+        </p:style>
+      </p:cxnSp>
+      <p:cxnSp>
+        <p:nvCxnSpPr>
+          <p:cNvPr id="21" name="直線接點 20"/>
+          <p:cNvCxnSpPr/>
+          <p:nvPr/>
+        </p:nvCxnSpPr>
+        <p:spPr>
+          <a:xfrm>
+            <a:off x="6834199" y="1633114"/>
+            <a:ext cx="917360" cy="947216"/>
+          </a:xfrm>
+          <a:prstGeom prst="line">
+            <a:avLst/>
+          </a:prstGeom>
+          <a:ln w="25400">
+            <a:solidFill>
+              <a:schemeClr val="bg1"/>
+            </a:solidFill>
+          </a:ln>
+        </p:spPr>
+        <p:style>
+          <a:lnRef idx="1">
+            <a:schemeClr val="accent1"/>
+          </a:lnRef>
+          <a:fillRef idx="0">
+            <a:schemeClr val="accent1"/>
+          </a:fillRef>
+          <a:effectRef idx="0">
+            <a:schemeClr val="accent1"/>
+          </a:effectRef>
+          <a:fontRef idx="minor">
+            <a:schemeClr val="tx1"/>
+          </a:fontRef>
+        </p:style>
+      </p:cxnSp>
+      <p:sp>
+        <p:nvSpPr>
+          <p:cNvPr id="22" name="圓角矩形 21"/>
+          <p:cNvSpPr/>
+          <p:nvPr/>
+        </p:nvSpPr>
+        <p:spPr>
+          <a:xfrm>
+            <a:off x="710119" y="2062901"/>
+            <a:ext cx="2637255" cy="745413"/>
+          </a:xfrm>
+          <a:prstGeom prst="roundRect">
+            <a:avLst/>
+          </a:prstGeom>
+          <a:solidFill>
+            <a:schemeClr val="accent6">
+              <a:alpha val="0"/>
+            </a:schemeClr>
+          </a:solidFill>
+          <a:ln w="50800">
+            <a:solidFill>
+              <a:schemeClr val="accent6"/>
+            </a:solidFill>
+          </a:ln>
+        </p:spPr>
+        <p:style>
+          <a:lnRef idx="2">
+            <a:schemeClr val="accent1">
+              <a:shade val="50000"/>
+            </a:schemeClr>
+          </a:lnRef>
+          <a:fillRef idx="1">
+            <a:schemeClr val="accent1"/>
+          </a:fillRef>
+          <a:effectRef idx="0">
+            <a:schemeClr val="accent1"/>
+          </a:effectRef>
+          <a:fontRef idx="minor">
+            <a:schemeClr val="lt1"/>
+          </a:fontRef>
+        </p:style>
+        <p:txBody>
+          <a:bodyPr rtlCol="0" anchor="ctr"/>
+          <a:lstStyle/>
+          <a:p>
+            <a:pPr algn="ctr"/>
+            <a:r>
+              <a:rPr lang="en-US" altLang="zh-TW" sz="3200" dirty="0" smtClean="0">
+                <a:latin typeface="Source Code Pro" panose="020B0509030403020204" pitchFamily="49" charset="0"/>
+              </a:rPr>
+              <a:t>Input</a:t>
+            </a:r>
+            <a:endParaRPr lang="zh-TW" altLang="en-US" sz="3200" dirty="0">
+              <a:latin typeface="Source Code Pro" panose="020B0509030403020204" pitchFamily="49" charset="0"/>
+            </a:endParaRPr>
+          </a:p>
+        </p:txBody>
+      </p:sp>
+      <p:sp>
+        <p:nvSpPr>
+          <p:cNvPr id="23" name="圓角矩形 22"/>
+          <p:cNvSpPr/>
+          <p:nvPr/>
+        </p:nvSpPr>
+        <p:spPr>
+          <a:xfrm>
+            <a:off x="1371600" y="3466084"/>
+            <a:ext cx="1975774" cy="745413"/>
+          </a:xfrm>
+          <a:prstGeom prst="roundRect">
+            <a:avLst/>
+          </a:prstGeom>
+          <a:solidFill>
+            <a:schemeClr val="accent2">
+              <a:alpha val="0"/>
+            </a:schemeClr>
+          </a:solidFill>
+          <a:ln w="50800">
+            <a:solidFill>
+              <a:schemeClr val="accent2"/>
+            </a:solidFill>
+          </a:ln>
+        </p:spPr>
+        <p:style>
+          <a:lnRef idx="2">
+            <a:schemeClr val="accent1">
+              <a:shade val="50000"/>
+            </a:schemeClr>
+          </a:lnRef>
+          <a:fillRef idx="1">
+            <a:schemeClr val="accent1"/>
+          </a:fillRef>
+          <a:effectRef idx="0">
+            <a:schemeClr val="accent1"/>
+          </a:effectRef>
+          <a:fontRef idx="minor">
+            <a:schemeClr val="lt1"/>
+          </a:fontRef>
+        </p:style>
+        <p:txBody>
+          <a:bodyPr rtlCol="0" anchor="ctr"/>
+          <a:lstStyle/>
+          <a:p>
+            <a:pPr algn="ctr"/>
+            <a:r>
+              <a:rPr lang="en-US" altLang="zh-TW" sz="3200" dirty="0" smtClean="0">
+                <a:latin typeface="Source Code Pro" panose="020B0509030403020204" pitchFamily="49" charset="0"/>
+              </a:rPr>
+              <a:t>Target</a:t>
+            </a:r>
+            <a:endParaRPr lang="zh-TW" altLang="en-US" sz="3200" dirty="0">
+              <a:latin typeface="Source Code Pro" panose="020B0509030403020204" pitchFamily="49" charset="0"/>
+            </a:endParaRPr>
+          </a:p>
+        </p:txBody>
+      </p:sp>
+      <p:cxnSp>
+        <p:nvCxnSpPr>
+          <p:cNvPr id="24" name="直線單箭頭接點 23"/>
+          <p:cNvCxnSpPr>
+            <a:stCxn id="22" idx="3"/>
+          </p:cNvCxnSpPr>
+          <p:nvPr/>
+        </p:nvCxnSpPr>
+        <p:spPr>
+          <a:xfrm>
+            <a:off x="3347374" y="2435608"/>
+            <a:ext cx="1360813" cy="0"/>
+          </a:xfrm>
+          <a:prstGeom prst="straightConnector1">
+            <a:avLst/>
+          </a:prstGeom>
+          <a:ln w="127000">
+            <a:solidFill>
+              <a:srgbClr val="FF0066"/>
+            </a:solidFill>
+            <a:tailEnd type="triangle"/>
+          </a:ln>
+        </p:spPr>
+        <p:style>
+          <a:lnRef idx="1">
+            <a:schemeClr val="accent1"/>
+          </a:lnRef>
+          <a:fillRef idx="0">
+            <a:schemeClr val="accent1"/>
+          </a:fillRef>
+          <a:effectRef idx="0">
+            <a:schemeClr val="accent1"/>
+          </a:effectRef>
+          <a:fontRef idx="minor">
+            <a:schemeClr val="tx1"/>
+          </a:fontRef>
+        </p:style>
+      </p:cxnSp>
+      <p:cxnSp>
+        <p:nvCxnSpPr>
+          <p:cNvPr id="29" name="直線單箭頭接點 28"/>
+          <p:cNvCxnSpPr>
+            <a:stCxn id="23" idx="3"/>
+          </p:cNvCxnSpPr>
+          <p:nvPr/>
+        </p:nvCxnSpPr>
+        <p:spPr>
+          <a:xfrm flipV="1">
+            <a:off x="3347374" y="3819764"/>
+            <a:ext cx="1369097" cy="19027"/>
+          </a:xfrm>
+          <a:prstGeom prst="straightConnector1">
+            <a:avLst/>
+          </a:prstGeom>
+          <a:ln w="127000">
+            <a:solidFill>
+              <a:srgbClr val="FF0066"/>
+            </a:solidFill>
+            <a:tailEnd type="triangle"/>
+          </a:ln>
+        </p:spPr>
+        <p:style>
+          <a:lnRef idx="1">
+            <a:schemeClr val="accent1"/>
+          </a:lnRef>
+          <a:fillRef idx="0">
+            <a:schemeClr val="accent1"/>
+          </a:fillRef>
+          <a:effectRef idx="0">
+            <a:schemeClr val="accent1"/>
+          </a:effectRef>
+          <a:fontRef idx="minor">
+            <a:schemeClr val="tx1"/>
+          </a:fontRef>
+        </p:style>
+      </p:cxnSp>
+      <p:cxnSp>
+        <p:nvCxnSpPr>
+          <p:cNvPr id="40" name="直線單箭頭接點 39"/>
+          <p:cNvCxnSpPr>
+            <a:stCxn id="4" idx="3"/>
+            <a:endCxn id="42" idx="1"/>
+          </p:cNvCxnSpPr>
+          <p:nvPr/>
+        </p:nvCxnSpPr>
+        <p:spPr>
+          <a:xfrm>
+            <a:off x="7751560" y="3200047"/>
+            <a:ext cx="1228161" cy="0"/>
+          </a:xfrm>
+          <a:prstGeom prst="straightConnector1">
+            <a:avLst/>
+          </a:prstGeom>
+          <a:ln w="127000">
+            <a:solidFill>
+              <a:srgbClr val="FF0066"/>
+            </a:solidFill>
+            <a:tailEnd type="triangle"/>
+          </a:ln>
+        </p:spPr>
+        <p:style>
+          <a:lnRef idx="1">
+            <a:schemeClr val="accent1"/>
+          </a:lnRef>
+          <a:fillRef idx="0">
+            <a:schemeClr val="accent1"/>
+          </a:fillRef>
+          <a:effectRef idx="0">
+            <a:schemeClr val="accent1"/>
+          </a:effectRef>
+          <a:fontRef idx="minor">
+            <a:schemeClr val="tx1"/>
+          </a:fontRef>
+        </p:style>
+      </p:cxnSp>
+      <p:sp>
+        <p:nvSpPr>
+          <p:cNvPr id="42" name="圓角矩形 41"/>
+          <p:cNvSpPr/>
+          <p:nvPr/>
+        </p:nvSpPr>
+        <p:spPr>
+          <a:xfrm>
+            <a:off x="8979721" y="2860552"/>
+            <a:ext cx="1975774" cy="678990"/>
+          </a:xfrm>
+          <a:prstGeom prst="roundRect">
+            <a:avLst/>
+          </a:prstGeom>
+          <a:solidFill>
+            <a:schemeClr val="accent2">
+              <a:lumMod val="60000"/>
+              <a:lumOff val="40000"/>
+              <a:alpha val="0"/>
+            </a:schemeClr>
+          </a:solidFill>
+          <a:ln w="50800">
+            <a:solidFill>
+              <a:srgbClr val="CC66FF"/>
+            </a:solidFill>
+          </a:ln>
+        </p:spPr>
+        <p:style>
+          <a:lnRef idx="2">
+            <a:schemeClr val="accent1">
+              <a:shade val="50000"/>
+            </a:schemeClr>
+          </a:lnRef>
+          <a:fillRef idx="1">
+            <a:schemeClr val="accent1"/>
+          </a:fillRef>
+          <a:effectRef idx="0">
+            <a:schemeClr val="accent1"/>
+          </a:effectRef>
+          <a:fontRef idx="minor">
+            <a:schemeClr val="lt1"/>
+          </a:fontRef>
+        </p:style>
+        <p:txBody>
+          <a:bodyPr rtlCol="0" anchor="ctr"/>
+          <a:lstStyle/>
+          <a:p>
+            <a:pPr algn="ctr"/>
+            <a:r>
+              <a:rPr lang="en-US" altLang="zh-TW" sz="3200" dirty="0" smtClean="0">
+                <a:latin typeface="Source Code Pro" panose="020B0509030403020204" pitchFamily="49" charset="0"/>
+              </a:rPr>
+              <a:t>Output</a:t>
+            </a:r>
+            <a:endParaRPr lang="zh-TW" altLang="en-US" sz="3200" dirty="0">
+              <a:latin typeface="Source Code Pro" panose="020B0509030403020204" pitchFamily="49" charset="0"/>
+            </a:endParaRPr>
+          </a:p>
+        </p:txBody>
+      </p:sp>
+      <p:sp>
+        <p:nvSpPr>
+          <p:cNvPr id="46" name="弧形 45"/>
+          <p:cNvSpPr/>
+          <p:nvPr/>
+        </p:nvSpPr>
+        <p:spPr>
+          <a:xfrm>
+            <a:off x="2652428" y="1667128"/>
+            <a:ext cx="694945" cy="791546"/>
+          </a:xfrm>
+          <a:prstGeom prst="arc">
+            <a:avLst/>
+          </a:prstGeom>
+          <a:ln w="38100">
+            <a:solidFill>
+              <a:schemeClr val="bg1"/>
+            </a:solidFill>
+          </a:ln>
+        </p:spPr>
+        <p:style>
+          <a:lnRef idx="1">
+            <a:schemeClr val="accent1"/>
+          </a:lnRef>
+          <a:fillRef idx="0">
+            <a:schemeClr val="accent1"/>
+          </a:fillRef>
+          <a:effectRef idx="0">
+            <a:schemeClr val="accent1"/>
+          </a:effectRef>
+          <a:fontRef idx="minor">
+            <a:schemeClr val="tx1"/>
+          </a:fontRef>
+        </p:style>
+        <p:txBody>
+          <a:bodyPr rtlCol="0" anchor="ctr"/>
+          <a:lstStyle/>
+          <a:p>
+            <a:pPr algn="ctr"/>
+            <a:endParaRPr lang="zh-TW" altLang="en-US"/>
+          </a:p>
+        </p:txBody>
+      </p:sp>
+      <p:sp>
+        <p:nvSpPr>
+          <p:cNvPr id="47" name="弧形 46"/>
+          <p:cNvSpPr/>
+          <p:nvPr/>
+        </p:nvSpPr>
+        <p:spPr>
+          <a:xfrm flipH="1">
+            <a:off x="729321" y="1667128"/>
+            <a:ext cx="694946" cy="791546"/>
+          </a:xfrm>
+          <a:prstGeom prst="arc">
+            <a:avLst/>
+          </a:prstGeom>
+          <a:ln w="38100">
+            <a:solidFill>
+              <a:schemeClr val="bg1"/>
+            </a:solidFill>
+          </a:ln>
+        </p:spPr>
+        <p:style>
+          <a:lnRef idx="1">
+            <a:schemeClr val="accent1"/>
+          </a:lnRef>
+          <a:fillRef idx="0">
+            <a:schemeClr val="accent1"/>
+          </a:fillRef>
+          <a:effectRef idx="0">
+            <a:schemeClr val="accent1"/>
+          </a:effectRef>
+          <a:fontRef idx="minor">
+            <a:schemeClr val="tx1"/>
+          </a:fontRef>
+        </p:style>
+        <p:txBody>
+          <a:bodyPr rtlCol="0" anchor="ctr"/>
+          <a:lstStyle/>
+          <a:p>
+            <a:pPr algn="ctr"/>
+            <a:endParaRPr lang="zh-TW" altLang="en-US"/>
+          </a:p>
+        </p:txBody>
+      </p:sp>
+      <p:sp>
+        <p:nvSpPr>
+          <p:cNvPr id="48" name="圓角矩形 47"/>
+          <p:cNvSpPr/>
+          <p:nvPr/>
+        </p:nvSpPr>
+        <p:spPr>
+          <a:xfrm>
+            <a:off x="849999" y="1230791"/>
+            <a:ext cx="2377588" cy="804646"/>
+          </a:xfrm>
+          <a:prstGeom prst="roundRect">
+            <a:avLst/>
+          </a:prstGeom>
+          <a:solidFill>
+            <a:schemeClr val="accent1">
+              <a:alpha val="0"/>
+            </a:schemeClr>
+          </a:solidFill>
+          <a:ln>
+            <a:solidFill>
+              <a:schemeClr val="accent1">
+                <a:shade val="50000"/>
+                <a:alpha val="0"/>
+              </a:schemeClr>
+            </a:solidFill>
+          </a:ln>
+        </p:spPr>
+        <p:style>
+          <a:lnRef idx="2">
+            <a:schemeClr val="accent1">
+              <a:shade val="50000"/>
+            </a:schemeClr>
+          </a:lnRef>
+          <a:fillRef idx="1">
+            <a:schemeClr val="accent1"/>
+          </a:fillRef>
+          <a:effectRef idx="0">
+            <a:schemeClr val="accent1"/>
+          </a:effectRef>
+          <a:fontRef idx="minor">
+            <a:schemeClr val="lt1"/>
+          </a:fontRef>
+        </p:style>
+        <p:txBody>
+          <a:bodyPr rtlCol="0" anchor="ctr"/>
+          <a:lstStyle/>
+          <a:p>
+            <a:pPr algn="ctr"/>
+            <a:r>
+              <a:rPr lang="en-US" altLang="zh-TW" sz="2400" dirty="0" smtClean="0">
+                <a:latin typeface="SauceCodePro Nerd Font" panose="020B0509030403020204" pitchFamily="49" charset="0"/>
+                <a:ea typeface="SauceCodePro Nerd Font" panose="020B0509030403020204" pitchFamily="49" charset="0"/>
+              </a:rPr>
+              <a:t>Input length</a:t>
+            </a:r>
+            <a:endParaRPr lang="zh-TW" altLang="en-US" sz="2400" dirty="0">
+              <a:latin typeface="SauceCodePro Nerd Font" panose="020B0509030403020204" pitchFamily="49" charset="0"/>
+            </a:endParaRPr>
+          </a:p>
+        </p:txBody>
+      </p:sp>
+      <p:sp>
+        <p:nvSpPr>
+          <p:cNvPr id="49" name="弧形 48"/>
+          <p:cNvSpPr/>
+          <p:nvPr/>
+        </p:nvSpPr>
+        <p:spPr>
+          <a:xfrm>
+            <a:off x="10260550" y="2458674"/>
+            <a:ext cx="694945" cy="791546"/>
+          </a:xfrm>
+          <a:prstGeom prst="arc">
+            <a:avLst/>
+          </a:prstGeom>
+          <a:ln w="38100">
+            <a:solidFill>
+              <a:schemeClr val="bg1"/>
+            </a:solidFill>
+          </a:ln>
+        </p:spPr>
+        <p:style>
+          <a:lnRef idx="1">
+            <a:schemeClr val="accent1"/>
+          </a:lnRef>
+          <a:fillRef idx="0">
+            <a:schemeClr val="accent1"/>
+          </a:fillRef>
+          <a:effectRef idx="0">
+            <a:schemeClr val="accent1"/>
+          </a:effectRef>
+          <a:fontRef idx="minor">
+            <a:schemeClr val="tx1"/>
+          </a:fontRef>
+        </p:style>
+        <p:txBody>
+          <a:bodyPr rtlCol="0" anchor="ctr"/>
+          <a:lstStyle/>
+          <a:p>
+            <a:pPr algn="ctr"/>
+            <a:endParaRPr lang="zh-TW" altLang="en-US"/>
+          </a:p>
+        </p:txBody>
+      </p:sp>
+      <p:sp>
+        <p:nvSpPr>
+          <p:cNvPr id="50" name="弧形 49"/>
+          <p:cNvSpPr/>
+          <p:nvPr/>
+        </p:nvSpPr>
+        <p:spPr>
+          <a:xfrm flipH="1">
+            <a:off x="8979720" y="2464779"/>
+            <a:ext cx="694946" cy="791546"/>
+          </a:xfrm>
+          <a:prstGeom prst="arc">
+            <a:avLst/>
+          </a:prstGeom>
+          <a:ln w="38100">
+            <a:solidFill>
+              <a:schemeClr val="bg1"/>
+            </a:solidFill>
+          </a:ln>
+        </p:spPr>
+        <p:style>
+          <a:lnRef idx="1">
+            <a:schemeClr val="accent1"/>
+          </a:lnRef>
+          <a:fillRef idx="0">
+            <a:schemeClr val="accent1"/>
+          </a:fillRef>
+          <a:effectRef idx="0">
+            <a:schemeClr val="accent1"/>
+          </a:effectRef>
+          <a:fontRef idx="minor">
+            <a:schemeClr val="tx1"/>
+          </a:fontRef>
+        </p:style>
+        <p:txBody>
+          <a:bodyPr rtlCol="0" anchor="ctr"/>
+          <a:lstStyle/>
+          <a:p>
+            <a:pPr algn="ctr"/>
+            <a:endParaRPr lang="zh-TW" altLang="en-US"/>
+          </a:p>
+        </p:txBody>
+      </p:sp>
+      <p:sp>
+        <p:nvSpPr>
+          <p:cNvPr id="51" name="圓角矩形 50"/>
+          <p:cNvSpPr/>
+          <p:nvPr/>
+        </p:nvSpPr>
+        <p:spPr>
+          <a:xfrm>
+            <a:off x="9226740" y="2033284"/>
+            <a:ext cx="1481736" cy="804646"/>
+          </a:xfrm>
+          <a:prstGeom prst="roundRect">
+            <a:avLst/>
+          </a:prstGeom>
+          <a:solidFill>
+            <a:schemeClr val="accent1">
+              <a:alpha val="0"/>
+            </a:schemeClr>
+          </a:solidFill>
+          <a:ln>
+            <a:solidFill>
+              <a:schemeClr val="accent1">
+                <a:shade val="50000"/>
+                <a:alpha val="0"/>
+              </a:schemeClr>
+            </a:solidFill>
+          </a:ln>
+        </p:spPr>
+        <p:style>
+          <a:lnRef idx="2">
+            <a:schemeClr val="accent1">
+              <a:shade val="50000"/>
+            </a:schemeClr>
+          </a:lnRef>
+          <a:fillRef idx="1">
+            <a:schemeClr val="accent1"/>
+          </a:fillRef>
+          <a:effectRef idx="0">
+            <a:schemeClr val="accent1"/>
+          </a:effectRef>
+          <a:fontRef idx="minor">
+            <a:schemeClr val="lt1"/>
+          </a:fontRef>
+        </p:style>
+        <p:txBody>
+          <a:bodyPr rtlCol="0" anchor="ctr"/>
+          <a:lstStyle/>
+          <a:p>
+            <a:pPr algn="ctr"/>
+            <a:r>
+              <a:rPr lang="en-US" altLang="zh-TW" sz="2400" smtClean="0">
+                <a:latin typeface="SauceCodePro Nerd Font" panose="020B0509030403020204" pitchFamily="49" charset="0"/>
+                <a:ea typeface="SauceCodePro Nerd Font" panose="020B0509030403020204" pitchFamily="49" charset="0"/>
+              </a:rPr>
+              <a:t>Target</a:t>
+            </a:r>
+            <a:r>
+              <a:rPr lang="en-US" altLang="zh-TW" sz="2400" smtClean="0">
+                <a:latin typeface="SauceCodePro Nerd Font" panose="020B0509030403020204" pitchFamily="49" charset="0"/>
+                <a:ea typeface="SauceCodePro Nerd Font" panose="020B0509030403020204" pitchFamily="49" charset="0"/>
+              </a:rPr>
+              <a:t> </a:t>
+            </a:r>
+            <a:r>
+              <a:rPr lang="en-US" altLang="zh-TW" sz="2400" dirty="0" smtClean="0">
+                <a:latin typeface="SauceCodePro Nerd Font" panose="020B0509030403020204" pitchFamily="49" charset="0"/>
+                <a:ea typeface="SauceCodePro Nerd Font" panose="020B0509030403020204" pitchFamily="49" charset="0"/>
+              </a:rPr>
+              <a:t>length</a:t>
+            </a:r>
+            <a:endParaRPr lang="zh-TW" altLang="en-US" sz="2400" dirty="0">
+              <a:latin typeface="SauceCodePro Nerd Font" panose="020B0509030403020204" pitchFamily="49" charset="0"/>
+            </a:endParaRPr>
+          </a:p>
+        </p:txBody>
+      </p:sp>
+      <p:sp>
+        <p:nvSpPr>
+          <p:cNvPr id="52" name="弧形 51"/>
+          <p:cNvSpPr/>
+          <p:nvPr/>
+        </p:nvSpPr>
+        <p:spPr>
+          <a:xfrm rot="10800000">
+            <a:off x="1371599" y="3811685"/>
+            <a:ext cx="694945" cy="791546"/>
+          </a:xfrm>
+          <a:prstGeom prst="arc">
+            <a:avLst/>
+          </a:prstGeom>
+          <a:ln w="38100">
+            <a:solidFill>
+              <a:schemeClr val="bg1"/>
+            </a:solidFill>
+          </a:ln>
+        </p:spPr>
+        <p:style>
+          <a:lnRef idx="1">
+            <a:schemeClr val="accent1"/>
+          </a:lnRef>
+          <a:fillRef idx="0">
+            <a:schemeClr val="accent1"/>
+          </a:fillRef>
+          <a:effectRef idx="0">
+            <a:schemeClr val="accent1"/>
+          </a:effectRef>
+          <a:fontRef idx="minor">
+            <a:schemeClr val="tx1"/>
+          </a:fontRef>
+        </p:style>
+        <p:txBody>
+          <a:bodyPr rtlCol="0" anchor="ctr"/>
+          <a:lstStyle/>
+          <a:p>
+            <a:pPr algn="ctr"/>
+            <a:endParaRPr lang="zh-TW" altLang="en-US"/>
+          </a:p>
+        </p:txBody>
+      </p:sp>
+      <p:sp>
+        <p:nvSpPr>
+          <p:cNvPr id="53" name="弧形 52"/>
+          <p:cNvSpPr/>
+          <p:nvPr/>
+        </p:nvSpPr>
+        <p:spPr>
+          <a:xfrm rot="10800000" flipH="1">
+            <a:off x="2666729" y="3811685"/>
+            <a:ext cx="694946" cy="791546"/>
+          </a:xfrm>
+          <a:prstGeom prst="arc">
+            <a:avLst/>
+          </a:prstGeom>
+          <a:ln w="38100">
+            <a:solidFill>
+              <a:schemeClr val="bg1"/>
+            </a:solidFill>
+          </a:ln>
+        </p:spPr>
+        <p:style>
+          <a:lnRef idx="1">
+            <a:schemeClr val="accent1"/>
+          </a:lnRef>
+          <a:fillRef idx="0">
+            <a:schemeClr val="accent1"/>
+          </a:fillRef>
+          <a:effectRef idx="0">
+            <a:schemeClr val="accent1"/>
+          </a:effectRef>
+          <a:fontRef idx="minor">
+            <a:schemeClr val="tx1"/>
+          </a:fontRef>
+        </p:style>
+        <p:txBody>
+          <a:bodyPr rtlCol="0" anchor="ctr"/>
+          <a:lstStyle/>
+          <a:p>
+            <a:pPr algn="ctr"/>
+            <a:endParaRPr lang="zh-TW" altLang="en-US"/>
+          </a:p>
+        </p:txBody>
+      </p:sp>
+      <p:sp>
+        <p:nvSpPr>
+          <p:cNvPr id="54" name="圓角矩形 53"/>
+          <p:cNvSpPr/>
+          <p:nvPr/>
+        </p:nvSpPr>
+        <p:spPr>
+          <a:xfrm>
+            <a:off x="1618619" y="4207458"/>
+            <a:ext cx="1481736" cy="804646"/>
+          </a:xfrm>
+          <a:prstGeom prst="roundRect">
+            <a:avLst/>
+          </a:prstGeom>
+          <a:solidFill>
+            <a:schemeClr val="accent1">
+              <a:alpha val="0"/>
+            </a:schemeClr>
+          </a:solidFill>
+          <a:ln>
+            <a:solidFill>
+              <a:schemeClr val="accent1">
+                <a:shade val="50000"/>
+                <a:alpha val="0"/>
+              </a:schemeClr>
+            </a:solidFill>
+          </a:ln>
+        </p:spPr>
+        <p:style>
+          <a:lnRef idx="2">
+            <a:schemeClr val="accent1">
+              <a:shade val="50000"/>
+            </a:schemeClr>
+          </a:lnRef>
+          <a:fillRef idx="1">
+            <a:schemeClr val="accent1"/>
+          </a:fillRef>
+          <a:effectRef idx="0">
+            <a:schemeClr val="accent1"/>
+          </a:effectRef>
+          <a:fontRef idx="minor">
+            <a:schemeClr val="lt1"/>
+          </a:fontRef>
+        </p:style>
+        <p:txBody>
+          <a:bodyPr rtlCol="0" anchor="ctr"/>
+          <a:lstStyle/>
+          <a:p>
+            <a:pPr algn="ctr"/>
+            <a:r>
+              <a:rPr lang="en-US" altLang="zh-TW" sz="2400" dirty="0" smtClean="0">
+                <a:latin typeface="SauceCodePro Nerd Font" panose="020B0509030403020204" pitchFamily="49" charset="0"/>
+                <a:ea typeface="SauceCodePro Nerd Font" panose="020B0509030403020204" pitchFamily="49" charset="0"/>
+              </a:rPr>
+              <a:t>Target</a:t>
+            </a:r>
+            <a:r>
+              <a:rPr lang="en-US" altLang="zh-TW" sz="2400" dirty="0" smtClean="0">
+                <a:latin typeface="SauceCodePro Nerd Font" panose="020B0509030403020204" pitchFamily="49" charset="0"/>
+                <a:ea typeface="SauceCodePro Nerd Font" panose="020B0509030403020204" pitchFamily="49" charset="0"/>
+              </a:rPr>
+              <a:t> </a:t>
+            </a:r>
+            <a:r>
+              <a:rPr lang="en-US" altLang="zh-TW" sz="2400" dirty="0" smtClean="0">
+                <a:latin typeface="SauceCodePro Nerd Font" panose="020B0509030403020204" pitchFamily="49" charset="0"/>
+                <a:ea typeface="SauceCodePro Nerd Font" panose="020B0509030403020204" pitchFamily="49" charset="0"/>
+              </a:rPr>
+              <a:t>length</a:t>
+            </a:r>
+            <a:endParaRPr lang="zh-TW" altLang="en-US" sz="2400" dirty="0">
+              <a:latin typeface="SauceCodePro Nerd Font" panose="020B0509030403020204" pitchFamily="49" charset="0"/>
+            </a:endParaRPr>
+          </a:p>
+        </p:txBody>
+      </p:sp>
+    </p:spTree>
+    <p:extLst>
+      <p:ext uri="{BB962C8B-B14F-4D97-AF65-F5344CB8AC3E}">
+        <p14:creationId xmlns:p14="http://schemas.microsoft.com/office/powerpoint/2010/main" val="3729400842"/>
+      </p:ext>
+    </p:extLst>
+  </p:cSld>
+  <p:clrMapOvr>
+    <a:masterClrMapping/>
+  </p:clrMapOvr>
+</p:sld>
+</file>
+
+<file path=ppt/slides/slide7.xml><?xml version="1.0" encoding="utf-8"?>
+<p:sld xmlns:a="http://schemas.openxmlformats.org/drawingml/2006/main" xmlns:r="http://schemas.openxmlformats.org/officeDocument/2006/relationships" xmlns:p="http://schemas.openxmlformats.org/presentationml/2006/main">
+  <p:cSld>
+    <p:bg>
+      <p:bgPr>
+        <a:solidFill>
+          <a:srgbClr val="191919"/>
+        </a:solidFill>
+        <a:effectLst/>
+      </p:bgPr>
+    </p:bg>
+    <p:spTree>
+      <p:nvGrpSpPr>
+        <p:cNvPr id="1" name=""/>
+        <p:cNvGrpSpPr/>
+        <p:nvPr/>
+      </p:nvGrpSpPr>
+      <p:grpSpPr>
+        <a:xfrm>
+          <a:off x="0" y="0"/>
+          <a:ext cx="0" cy="0"/>
+          <a:chOff x="0" y="0"/>
+          <a:chExt cx="0" cy="0"/>
+        </a:xfrm>
+      </p:grpSpPr>
+      <p:sp>
+        <p:nvSpPr>
+          <p:cNvPr id="4" name="圓角矩形 3"/>
+          <p:cNvSpPr/>
+          <p:nvPr/>
+        </p:nvSpPr>
+        <p:spPr>
+          <a:xfrm>
             <a:off x="1636515" y="941832"/>
             <a:ext cx="8959174" cy="4727448"/>
           </a:xfrm>
@@ -10416,7 +11516,7 @@
 </p:sld>
 </file>
 
-<file path=ppt/slides/slide7.xml><?xml version="1.0" encoding="utf-8"?>
+<file path=ppt/slides/slide8.xml><?xml version="1.0" encoding="utf-8"?>
 <p:sld xmlns:a="http://schemas.openxmlformats.org/drawingml/2006/main" xmlns:r="http://schemas.openxmlformats.org/officeDocument/2006/relationships" xmlns:p="http://schemas.openxmlformats.org/presentationml/2006/main">
   <p:cSld>
     <p:bg>

--- a/Attention-is-all-you-need/image.pptx
+++ b/Attention-is-all-you-need/image.pptx
@@ -11,8 +11,9 @@
     <p:sldId id="261" r:id="rId5"/>
     <p:sldId id="256" r:id="rId6"/>
     <p:sldId id="263" r:id="rId7"/>
-    <p:sldId id="257" r:id="rId8"/>
-    <p:sldId id="258" r:id="rId9"/>
+    <p:sldId id="264" r:id="rId8"/>
+    <p:sldId id="257" r:id="rId9"/>
+    <p:sldId id="258" r:id="rId10"/>
   </p:sldIdLst>
   <p:sldSz cx="12192000" cy="6858000"/>
   <p:notesSz cx="6858000" cy="9144000"/>
@@ -250,7 +251,7 @@
           <a:p>
             <a:fld id="{5C943AA4-F205-4A15-B641-BE44906CC2CE}" type="datetimeFigureOut">
               <a:rPr lang="zh-TW" altLang="en-US" smtClean="0"/>
-              <a:t>2020/6/1</a:t>
+              <a:t>2020/6/3</a:t>
             </a:fld>
             <a:endParaRPr lang="zh-TW" altLang="en-US"/>
           </a:p>
@@ -420,7 +421,7 @@
           <a:p>
             <a:fld id="{5C943AA4-F205-4A15-B641-BE44906CC2CE}" type="datetimeFigureOut">
               <a:rPr lang="zh-TW" altLang="en-US" smtClean="0"/>
-              <a:t>2020/6/1</a:t>
+              <a:t>2020/6/3</a:t>
             </a:fld>
             <a:endParaRPr lang="zh-TW" altLang="en-US"/>
           </a:p>
@@ -600,7 +601,7 @@
           <a:p>
             <a:fld id="{5C943AA4-F205-4A15-B641-BE44906CC2CE}" type="datetimeFigureOut">
               <a:rPr lang="zh-TW" altLang="en-US" smtClean="0"/>
-              <a:t>2020/6/1</a:t>
+              <a:t>2020/6/3</a:t>
             </a:fld>
             <a:endParaRPr lang="zh-TW" altLang="en-US"/>
           </a:p>
@@ -770,7 +771,7 @@
           <a:p>
             <a:fld id="{5C943AA4-F205-4A15-B641-BE44906CC2CE}" type="datetimeFigureOut">
               <a:rPr lang="zh-TW" altLang="en-US" smtClean="0"/>
-              <a:t>2020/6/1</a:t>
+              <a:t>2020/6/3</a:t>
             </a:fld>
             <a:endParaRPr lang="zh-TW" altLang="en-US"/>
           </a:p>
@@ -1016,7 +1017,7 @@
           <a:p>
             <a:fld id="{5C943AA4-F205-4A15-B641-BE44906CC2CE}" type="datetimeFigureOut">
               <a:rPr lang="zh-TW" altLang="en-US" smtClean="0"/>
-              <a:t>2020/6/1</a:t>
+              <a:t>2020/6/3</a:t>
             </a:fld>
             <a:endParaRPr lang="zh-TW" altLang="en-US"/>
           </a:p>
@@ -1248,7 +1249,7 @@
           <a:p>
             <a:fld id="{5C943AA4-F205-4A15-B641-BE44906CC2CE}" type="datetimeFigureOut">
               <a:rPr lang="zh-TW" altLang="en-US" smtClean="0"/>
-              <a:t>2020/6/1</a:t>
+              <a:t>2020/6/3</a:t>
             </a:fld>
             <a:endParaRPr lang="zh-TW" altLang="en-US"/>
           </a:p>
@@ -1615,7 +1616,7 @@
           <a:p>
             <a:fld id="{5C943AA4-F205-4A15-B641-BE44906CC2CE}" type="datetimeFigureOut">
               <a:rPr lang="zh-TW" altLang="en-US" smtClean="0"/>
-              <a:t>2020/6/1</a:t>
+              <a:t>2020/6/3</a:t>
             </a:fld>
             <a:endParaRPr lang="zh-TW" altLang="en-US"/>
           </a:p>
@@ -1733,7 +1734,7 @@
           <a:p>
             <a:fld id="{5C943AA4-F205-4A15-B641-BE44906CC2CE}" type="datetimeFigureOut">
               <a:rPr lang="zh-TW" altLang="en-US" smtClean="0"/>
-              <a:t>2020/6/1</a:t>
+              <a:t>2020/6/3</a:t>
             </a:fld>
             <a:endParaRPr lang="zh-TW" altLang="en-US"/>
           </a:p>
@@ -1828,7 +1829,7 @@
           <a:p>
             <a:fld id="{5C943AA4-F205-4A15-B641-BE44906CC2CE}" type="datetimeFigureOut">
               <a:rPr lang="zh-TW" altLang="en-US" smtClean="0"/>
-              <a:t>2020/6/1</a:t>
+              <a:t>2020/6/3</a:t>
             </a:fld>
             <a:endParaRPr lang="zh-TW" altLang="en-US"/>
           </a:p>
@@ -2105,7 +2106,7 @@
           <a:p>
             <a:fld id="{5C943AA4-F205-4A15-B641-BE44906CC2CE}" type="datetimeFigureOut">
               <a:rPr lang="zh-TW" altLang="en-US" smtClean="0"/>
-              <a:t>2020/6/1</a:t>
+              <a:t>2020/6/3</a:t>
             </a:fld>
             <a:endParaRPr lang="zh-TW" altLang="en-US"/>
           </a:p>
@@ -2358,7 +2359,7 @@
           <a:p>
             <a:fld id="{5C943AA4-F205-4A15-B641-BE44906CC2CE}" type="datetimeFigureOut">
               <a:rPr lang="zh-TW" altLang="en-US" smtClean="0"/>
-              <a:t>2020/6/1</a:t>
+              <a:t>2020/6/3</a:t>
             </a:fld>
             <a:endParaRPr lang="zh-TW" altLang="en-US"/>
           </a:p>
@@ -2571,7 +2572,7 @@
           <a:p>
             <a:fld id="{5C943AA4-F205-4A15-B641-BE44906CC2CE}" type="datetimeFigureOut">
               <a:rPr lang="zh-TW" altLang="en-US" smtClean="0"/>
-              <a:t>2020/6/1</a:t>
+              <a:t>2020/6/3</a:t>
             </a:fld>
             <a:endParaRPr lang="zh-TW" altLang="en-US"/>
           </a:p>
@@ -10417,14 +10418,7 @@
                 <a:latin typeface="SauceCodePro Nerd Font" panose="020B0509030403020204" pitchFamily="49" charset="0"/>
                 <a:ea typeface="SauceCodePro Nerd Font" panose="020B0509030403020204" pitchFamily="49" charset="0"/>
               </a:rPr>
-              <a:t>Target</a:t>
-            </a:r>
-            <a:r>
-              <a:rPr lang="en-US" altLang="zh-TW" sz="2400" smtClean="0">
-                <a:latin typeface="SauceCodePro Nerd Font" panose="020B0509030403020204" pitchFamily="49" charset="0"/>
-                <a:ea typeface="SauceCodePro Nerd Font" panose="020B0509030403020204" pitchFamily="49" charset="0"/>
-              </a:rPr>
-              <a:t> </a:t>
+              <a:t>Target </a:t>
             </a:r>
             <a:r>
               <a:rPr lang="en-US" altLang="zh-TW" sz="2400" dirty="0" smtClean="0">
@@ -10579,21 +10573,7 @@
                 <a:latin typeface="SauceCodePro Nerd Font" panose="020B0509030403020204" pitchFamily="49" charset="0"/>
                 <a:ea typeface="SauceCodePro Nerd Font" panose="020B0509030403020204" pitchFamily="49" charset="0"/>
               </a:rPr>
-              <a:t>Target</a:t>
-            </a:r>
-            <a:r>
-              <a:rPr lang="en-US" altLang="zh-TW" sz="2400" dirty="0" smtClean="0">
-                <a:latin typeface="SauceCodePro Nerd Font" panose="020B0509030403020204" pitchFamily="49" charset="0"/>
-                <a:ea typeface="SauceCodePro Nerd Font" panose="020B0509030403020204" pitchFamily="49" charset="0"/>
-              </a:rPr>
-              <a:t> </a:t>
-            </a:r>
-            <a:r>
-              <a:rPr lang="en-US" altLang="zh-TW" sz="2400" dirty="0" smtClean="0">
-                <a:latin typeface="SauceCodePro Nerd Font" panose="020B0509030403020204" pitchFamily="49" charset="0"/>
-                <a:ea typeface="SauceCodePro Nerd Font" panose="020B0509030403020204" pitchFamily="49" charset="0"/>
-              </a:rPr>
-              <a:t>length</a:t>
+              <a:t>Target length</a:t>
             </a:r>
             <a:endParaRPr lang="zh-TW" altLang="en-US" sz="2400" dirty="0">
               <a:latin typeface="SauceCodePro Nerd Font" panose="020B0509030403020204" pitchFamily="49" charset="0"/>
@@ -10647,6 +10627,1191 @@
         </p:nvSpPr>
         <p:spPr>
           <a:xfrm>
+            <a:off x="4762772" y="718714"/>
+            <a:ext cx="3035087" cy="3133866"/>
+          </a:xfrm>
+          <a:prstGeom prst="roundRect">
+            <a:avLst/>
+          </a:prstGeom>
+          <a:noFill/>
+          <a:ln w="25400">
+            <a:solidFill>
+              <a:schemeClr val="bg1"/>
+            </a:solidFill>
+          </a:ln>
+        </p:spPr>
+        <p:style>
+          <a:lnRef idx="2">
+            <a:schemeClr val="accent1">
+              <a:shade val="50000"/>
+            </a:schemeClr>
+          </a:lnRef>
+          <a:fillRef idx="1">
+            <a:schemeClr val="accent1"/>
+          </a:fillRef>
+          <a:effectRef idx="0">
+            <a:schemeClr val="accent1"/>
+          </a:effectRef>
+          <a:fontRef idx="minor">
+            <a:schemeClr val="lt1"/>
+          </a:fontRef>
+        </p:style>
+        <p:txBody>
+          <a:bodyPr rtlCol="0" anchor="ctr"/>
+          <a:lstStyle/>
+          <a:p>
+            <a:endParaRPr lang="zh-TW" altLang="en-US" sz="2400" dirty="0">
+              <a:latin typeface="SauceCodePro Nerd Font" panose="020B0509030403020204" pitchFamily="49" charset="0"/>
+            </a:endParaRPr>
+          </a:p>
+        </p:txBody>
+      </p:sp>
+      <p:cxnSp>
+        <p:nvCxnSpPr>
+          <p:cNvPr id="5" name="直線接點 4"/>
+          <p:cNvCxnSpPr>
+            <a:stCxn id="4" idx="1"/>
+            <a:endCxn id="4" idx="2"/>
+          </p:cNvCxnSpPr>
+          <p:nvPr/>
+        </p:nvCxnSpPr>
+        <p:spPr>
+          <a:xfrm>
+            <a:off x="4762772" y="2285647"/>
+            <a:ext cx="1517544" cy="1566933"/>
+          </a:xfrm>
+          <a:prstGeom prst="line">
+            <a:avLst/>
+          </a:prstGeom>
+          <a:ln w="25400">
+            <a:solidFill>
+              <a:schemeClr val="bg1"/>
+            </a:solidFill>
+          </a:ln>
+        </p:spPr>
+        <p:style>
+          <a:lnRef idx="1">
+            <a:schemeClr val="accent1"/>
+          </a:lnRef>
+          <a:fillRef idx="0">
+            <a:schemeClr val="accent1"/>
+          </a:fillRef>
+          <a:effectRef idx="0">
+            <a:schemeClr val="accent1"/>
+          </a:effectRef>
+          <a:fontRef idx="minor">
+            <a:schemeClr val="tx1"/>
+          </a:fontRef>
+        </p:style>
+      </p:cxnSp>
+      <p:cxnSp>
+        <p:nvCxnSpPr>
+          <p:cNvPr id="6" name="直線接點 5"/>
+          <p:cNvCxnSpPr>
+            <a:stCxn id="4" idx="0"/>
+            <a:endCxn id="4" idx="3"/>
+          </p:cNvCxnSpPr>
+          <p:nvPr/>
+        </p:nvCxnSpPr>
+        <p:spPr>
+          <a:xfrm>
+            <a:off x="6280316" y="718714"/>
+            <a:ext cx="1517543" cy="1566933"/>
+          </a:xfrm>
+          <a:prstGeom prst="line">
+            <a:avLst/>
+          </a:prstGeom>
+          <a:ln w="25400">
+            <a:solidFill>
+              <a:schemeClr val="bg1"/>
+            </a:solidFill>
+          </a:ln>
+        </p:spPr>
+        <p:style>
+          <a:lnRef idx="1">
+            <a:schemeClr val="accent1"/>
+          </a:lnRef>
+          <a:fillRef idx="0">
+            <a:schemeClr val="accent1"/>
+          </a:fillRef>
+          <a:effectRef idx="0">
+            <a:schemeClr val="accent1"/>
+          </a:effectRef>
+          <a:fontRef idx="minor">
+            <a:schemeClr val="tx1"/>
+          </a:fontRef>
+        </p:style>
+      </p:cxnSp>
+      <p:cxnSp>
+        <p:nvCxnSpPr>
+          <p:cNvPr id="7" name="直線接點 6"/>
+          <p:cNvCxnSpPr/>
+          <p:nvPr/>
+        </p:nvCxnSpPr>
+        <p:spPr>
+          <a:xfrm>
+            <a:off x="4762771" y="1502180"/>
+            <a:ext cx="2276315" cy="2350400"/>
+          </a:xfrm>
+          <a:prstGeom prst="line">
+            <a:avLst/>
+          </a:prstGeom>
+          <a:ln w="25400">
+            <a:solidFill>
+              <a:schemeClr val="bg1"/>
+            </a:solidFill>
+          </a:ln>
+        </p:spPr>
+        <p:style>
+          <a:lnRef idx="1">
+            <a:schemeClr val="accent1"/>
+          </a:lnRef>
+          <a:fillRef idx="0">
+            <a:schemeClr val="accent1"/>
+          </a:fillRef>
+          <a:effectRef idx="0">
+            <a:schemeClr val="accent1"/>
+          </a:effectRef>
+          <a:fontRef idx="minor">
+            <a:schemeClr val="tx1"/>
+          </a:fontRef>
+        </p:style>
+      </p:cxnSp>
+      <p:cxnSp>
+        <p:nvCxnSpPr>
+          <p:cNvPr id="8" name="直線接點 7"/>
+          <p:cNvCxnSpPr/>
+          <p:nvPr/>
+        </p:nvCxnSpPr>
+        <p:spPr>
+          <a:xfrm>
+            <a:off x="5521544" y="718714"/>
+            <a:ext cx="2276315" cy="2350400"/>
+          </a:xfrm>
+          <a:prstGeom prst="line">
+            <a:avLst/>
+          </a:prstGeom>
+          <a:ln w="25400">
+            <a:solidFill>
+              <a:schemeClr val="bg1"/>
+            </a:solidFill>
+          </a:ln>
+        </p:spPr>
+        <p:style>
+          <a:lnRef idx="1">
+            <a:schemeClr val="accent1"/>
+          </a:lnRef>
+          <a:fillRef idx="0">
+            <a:schemeClr val="accent1"/>
+          </a:fillRef>
+          <a:effectRef idx="0">
+            <a:schemeClr val="accent1"/>
+          </a:effectRef>
+          <a:fontRef idx="minor">
+            <a:schemeClr val="tx1"/>
+          </a:fontRef>
+        </p:style>
+      </p:cxnSp>
+      <p:cxnSp>
+        <p:nvCxnSpPr>
+          <p:cNvPr id="9" name="直線接點 8"/>
+          <p:cNvCxnSpPr/>
+          <p:nvPr/>
+        </p:nvCxnSpPr>
+        <p:spPr>
+          <a:xfrm>
+            <a:off x="4921359" y="882463"/>
+            <a:ext cx="2717911" cy="2806368"/>
+          </a:xfrm>
+          <a:prstGeom prst="line">
+            <a:avLst/>
+          </a:prstGeom>
+          <a:ln w="25400">
+            <a:solidFill>
+              <a:schemeClr val="bg1"/>
+            </a:solidFill>
+          </a:ln>
+        </p:spPr>
+        <p:style>
+          <a:lnRef idx="1">
+            <a:schemeClr val="accent1"/>
+          </a:lnRef>
+          <a:fillRef idx="0">
+            <a:schemeClr val="accent1"/>
+          </a:fillRef>
+          <a:effectRef idx="0">
+            <a:schemeClr val="accent1"/>
+          </a:effectRef>
+          <a:fontRef idx="minor">
+            <a:schemeClr val="tx1"/>
+          </a:fontRef>
+        </p:style>
+      </p:cxnSp>
+      <p:cxnSp>
+        <p:nvCxnSpPr>
+          <p:cNvPr id="10" name="直線接點 9"/>
+          <p:cNvCxnSpPr/>
+          <p:nvPr/>
+        </p:nvCxnSpPr>
+        <p:spPr>
+          <a:xfrm>
+            <a:off x="4754486" y="2905364"/>
+            <a:ext cx="917360" cy="947216"/>
+          </a:xfrm>
+          <a:prstGeom prst="line">
+            <a:avLst/>
+          </a:prstGeom>
+          <a:ln w="25400">
+            <a:solidFill>
+              <a:schemeClr val="bg1"/>
+            </a:solidFill>
+          </a:ln>
+        </p:spPr>
+        <p:style>
+          <a:lnRef idx="1">
+            <a:schemeClr val="accent1"/>
+          </a:lnRef>
+          <a:fillRef idx="0">
+            <a:schemeClr val="accent1"/>
+          </a:fillRef>
+          <a:effectRef idx="0">
+            <a:schemeClr val="accent1"/>
+          </a:effectRef>
+          <a:fontRef idx="minor">
+            <a:schemeClr val="tx1"/>
+          </a:fontRef>
+        </p:style>
+      </p:cxnSp>
+      <p:cxnSp>
+        <p:nvCxnSpPr>
+          <p:cNvPr id="11" name="直線接點 10"/>
+          <p:cNvCxnSpPr/>
+          <p:nvPr/>
+        </p:nvCxnSpPr>
+        <p:spPr>
+          <a:xfrm>
+            <a:off x="6880498" y="718714"/>
+            <a:ext cx="917360" cy="947216"/>
+          </a:xfrm>
+          <a:prstGeom prst="line">
+            <a:avLst/>
+          </a:prstGeom>
+          <a:ln w="25400">
+            <a:solidFill>
+              <a:schemeClr val="bg1"/>
+            </a:solidFill>
+          </a:ln>
+        </p:spPr>
+        <p:style>
+          <a:lnRef idx="1">
+            <a:schemeClr val="accent1"/>
+          </a:lnRef>
+          <a:fillRef idx="0">
+            <a:schemeClr val="accent1"/>
+          </a:fillRef>
+          <a:effectRef idx="0">
+            <a:schemeClr val="accent1"/>
+          </a:effectRef>
+          <a:fontRef idx="minor">
+            <a:schemeClr val="tx1"/>
+          </a:fontRef>
+        </p:style>
+      </p:cxnSp>
+      <p:cxnSp>
+        <p:nvCxnSpPr>
+          <p:cNvPr id="14" name="直線單箭頭接點 13"/>
+          <p:cNvCxnSpPr>
+            <a:stCxn id="12" idx="3"/>
+          </p:cNvCxnSpPr>
+          <p:nvPr/>
+        </p:nvCxnSpPr>
+        <p:spPr>
+          <a:xfrm>
+            <a:off x="3393673" y="1521208"/>
+            <a:ext cx="1360813" cy="0"/>
+          </a:xfrm>
+          <a:prstGeom prst="straightConnector1">
+            <a:avLst/>
+          </a:prstGeom>
+          <a:ln w="127000">
+            <a:solidFill>
+              <a:srgbClr val="FF0066"/>
+            </a:solidFill>
+            <a:tailEnd type="triangle"/>
+          </a:ln>
+        </p:spPr>
+        <p:style>
+          <a:lnRef idx="1">
+            <a:schemeClr val="accent1"/>
+          </a:lnRef>
+          <a:fillRef idx="0">
+            <a:schemeClr val="accent1"/>
+          </a:fillRef>
+          <a:effectRef idx="0">
+            <a:schemeClr val="accent1"/>
+          </a:effectRef>
+          <a:fontRef idx="minor">
+            <a:schemeClr val="tx1"/>
+          </a:fontRef>
+        </p:style>
+      </p:cxnSp>
+      <p:cxnSp>
+        <p:nvCxnSpPr>
+          <p:cNvPr id="15" name="直線單箭頭接點 14"/>
+          <p:cNvCxnSpPr>
+            <a:stCxn id="79" idx="3"/>
+          </p:cNvCxnSpPr>
+          <p:nvPr/>
+        </p:nvCxnSpPr>
+        <p:spPr>
+          <a:xfrm flipV="1">
+            <a:off x="3366776" y="2905365"/>
+            <a:ext cx="1395994" cy="19026"/>
+          </a:xfrm>
+          <a:prstGeom prst="straightConnector1">
+            <a:avLst/>
+          </a:prstGeom>
+          <a:ln w="127000">
+            <a:solidFill>
+              <a:srgbClr val="FF0066"/>
+            </a:solidFill>
+            <a:tailEnd type="triangle"/>
+          </a:ln>
+        </p:spPr>
+        <p:style>
+          <a:lnRef idx="1">
+            <a:schemeClr val="accent1"/>
+          </a:lnRef>
+          <a:fillRef idx="0">
+            <a:schemeClr val="accent1"/>
+          </a:fillRef>
+          <a:effectRef idx="0">
+            <a:schemeClr val="accent1"/>
+          </a:effectRef>
+          <a:fontRef idx="minor">
+            <a:schemeClr val="tx1"/>
+          </a:fontRef>
+        </p:style>
+      </p:cxnSp>
+      <p:cxnSp>
+        <p:nvCxnSpPr>
+          <p:cNvPr id="16" name="直線單箭頭接點 15"/>
+          <p:cNvCxnSpPr>
+            <a:stCxn id="4" idx="3"/>
+            <a:endCxn id="17" idx="1"/>
+          </p:cNvCxnSpPr>
+          <p:nvPr/>
+        </p:nvCxnSpPr>
+        <p:spPr>
+          <a:xfrm>
+            <a:off x="7797859" y="2285647"/>
+            <a:ext cx="1134519" cy="0"/>
+          </a:xfrm>
+          <a:prstGeom prst="straightConnector1">
+            <a:avLst/>
+          </a:prstGeom>
+          <a:ln w="127000">
+            <a:solidFill>
+              <a:srgbClr val="FF0066"/>
+            </a:solidFill>
+            <a:tailEnd type="triangle"/>
+          </a:ln>
+        </p:spPr>
+        <p:style>
+          <a:lnRef idx="1">
+            <a:schemeClr val="accent1"/>
+          </a:lnRef>
+          <a:fillRef idx="0">
+            <a:schemeClr val="accent1"/>
+          </a:fillRef>
+          <a:effectRef idx="0">
+            <a:schemeClr val="accent1"/>
+          </a:effectRef>
+          <a:fontRef idx="minor">
+            <a:schemeClr val="tx1"/>
+          </a:fontRef>
+        </p:style>
+      </p:cxnSp>
+      <p:cxnSp>
+        <p:nvCxnSpPr>
+          <p:cNvPr id="32" name="直線接點 31"/>
+          <p:cNvCxnSpPr>
+            <a:stCxn id="17" idx="3"/>
+          </p:cNvCxnSpPr>
+          <p:nvPr/>
+        </p:nvCxnSpPr>
+        <p:spPr>
+          <a:xfrm flipH="1" flipV="1">
+            <a:off x="10581145" y="1977597"/>
+            <a:ext cx="452867" cy="308050"/>
+          </a:xfrm>
+          <a:prstGeom prst="line">
+            <a:avLst/>
+          </a:prstGeom>
+          <a:ln w="50800">
+            <a:solidFill>
+              <a:srgbClr val="CC66FF"/>
+            </a:solidFill>
+          </a:ln>
+        </p:spPr>
+        <p:style>
+          <a:lnRef idx="1">
+            <a:schemeClr val="accent1"/>
+          </a:lnRef>
+          <a:fillRef idx="0">
+            <a:schemeClr val="accent1"/>
+          </a:fillRef>
+          <a:effectRef idx="0">
+            <a:schemeClr val="accent1"/>
+          </a:effectRef>
+          <a:fontRef idx="minor">
+            <a:schemeClr val="tx1"/>
+          </a:fontRef>
+        </p:style>
+      </p:cxnSp>
+      <p:cxnSp>
+        <p:nvCxnSpPr>
+          <p:cNvPr id="35" name="直線接點 34"/>
+          <p:cNvCxnSpPr/>
+          <p:nvPr/>
+        </p:nvCxnSpPr>
+        <p:spPr>
+          <a:xfrm flipH="1" flipV="1">
+            <a:off x="10581146" y="2137262"/>
+            <a:ext cx="452866" cy="339495"/>
+          </a:xfrm>
+          <a:prstGeom prst="line">
+            <a:avLst/>
+          </a:prstGeom>
+          <a:ln w="50800">
+            <a:solidFill>
+              <a:srgbClr val="CC66FF"/>
+            </a:solidFill>
+          </a:ln>
+        </p:spPr>
+        <p:style>
+          <a:lnRef idx="1">
+            <a:schemeClr val="accent1"/>
+          </a:lnRef>
+          <a:fillRef idx="0">
+            <a:schemeClr val="accent1"/>
+          </a:fillRef>
+          <a:effectRef idx="0">
+            <a:schemeClr val="accent1"/>
+          </a:effectRef>
+          <a:fontRef idx="minor">
+            <a:schemeClr val="tx1"/>
+          </a:fontRef>
+        </p:style>
+      </p:cxnSp>
+      <p:cxnSp>
+        <p:nvCxnSpPr>
+          <p:cNvPr id="36" name="直線接點 35"/>
+          <p:cNvCxnSpPr/>
+          <p:nvPr/>
+        </p:nvCxnSpPr>
+        <p:spPr>
+          <a:xfrm flipH="1" flipV="1">
+            <a:off x="10581145" y="2317092"/>
+            <a:ext cx="425970" cy="319331"/>
+          </a:xfrm>
+          <a:prstGeom prst="line">
+            <a:avLst/>
+          </a:prstGeom>
+          <a:ln w="50800">
+            <a:solidFill>
+              <a:srgbClr val="CC66FF"/>
+            </a:solidFill>
+          </a:ln>
+        </p:spPr>
+        <p:style>
+          <a:lnRef idx="1">
+            <a:schemeClr val="accent1"/>
+          </a:lnRef>
+          <a:fillRef idx="0">
+            <a:schemeClr val="accent1"/>
+          </a:fillRef>
+          <a:effectRef idx="0">
+            <a:schemeClr val="accent1"/>
+          </a:effectRef>
+          <a:fontRef idx="minor">
+            <a:schemeClr val="tx1"/>
+          </a:fontRef>
+        </p:style>
+      </p:cxnSp>
+      <p:cxnSp>
+        <p:nvCxnSpPr>
+          <p:cNvPr id="39" name="直線接點 38"/>
+          <p:cNvCxnSpPr/>
+          <p:nvPr/>
+        </p:nvCxnSpPr>
+        <p:spPr>
+          <a:xfrm flipH="1" flipV="1">
+            <a:off x="10581147" y="2469493"/>
+            <a:ext cx="261935" cy="196361"/>
+          </a:xfrm>
+          <a:prstGeom prst="line">
+            <a:avLst/>
+          </a:prstGeom>
+          <a:ln w="50800">
+            <a:solidFill>
+              <a:srgbClr val="CC66FF"/>
+            </a:solidFill>
+          </a:ln>
+        </p:spPr>
+        <p:style>
+          <a:lnRef idx="1">
+            <a:schemeClr val="accent1"/>
+          </a:lnRef>
+          <a:fillRef idx="0">
+            <a:schemeClr val="accent1"/>
+          </a:fillRef>
+          <a:effectRef idx="0">
+            <a:schemeClr val="accent1"/>
+          </a:effectRef>
+          <a:fontRef idx="minor">
+            <a:schemeClr val="tx1"/>
+          </a:fontRef>
+        </p:style>
+      </p:cxnSp>
+      <p:cxnSp>
+        <p:nvCxnSpPr>
+          <p:cNvPr id="41" name="直線接點 40"/>
+          <p:cNvCxnSpPr/>
+          <p:nvPr/>
+        </p:nvCxnSpPr>
+        <p:spPr>
+          <a:xfrm flipH="1" flipV="1">
+            <a:off x="10715081" y="1914707"/>
+            <a:ext cx="318932" cy="239087"/>
+          </a:xfrm>
+          <a:prstGeom prst="line">
+            <a:avLst/>
+          </a:prstGeom>
+          <a:ln w="50800">
+            <a:solidFill>
+              <a:srgbClr val="CC66FF"/>
+            </a:solidFill>
+          </a:ln>
+        </p:spPr>
+        <p:style>
+          <a:lnRef idx="1">
+            <a:schemeClr val="accent1"/>
+          </a:lnRef>
+          <a:fillRef idx="0">
+            <a:schemeClr val="accent1"/>
+          </a:fillRef>
+          <a:effectRef idx="0">
+            <a:schemeClr val="accent1"/>
+          </a:effectRef>
+          <a:fontRef idx="minor">
+            <a:schemeClr val="tx1"/>
+          </a:fontRef>
+        </p:style>
+      </p:cxnSp>
+      <p:cxnSp>
+        <p:nvCxnSpPr>
+          <p:cNvPr id="27" name="直線接點 26"/>
+          <p:cNvCxnSpPr/>
+          <p:nvPr/>
+        </p:nvCxnSpPr>
+        <p:spPr>
+          <a:xfrm>
+            <a:off x="10581146" y="1914707"/>
+            <a:ext cx="0" cy="751147"/>
+          </a:xfrm>
+          <a:prstGeom prst="line">
+            <a:avLst/>
+          </a:prstGeom>
+          <a:ln w="25400">
+            <a:solidFill>
+              <a:schemeClr val="bg1"/>
+            </a:solidFill>
+          </a:ln>
+        </p:spPr>
+        <p:style>
+          <a:lnRef idx="1">
+            <a:schemeClr val="accent1"/>
+          </a:lnRef>
+          <a:fillRef idx="0">
+            <a:schemeClr val="accent1"/>
+          </a:fillRef>
+          <a:effectRef idx="0">
+            <a:schemeClr val="accent1"/>
+          </a:effectRef>
+          <a:fontRef idx="minor">
+            <a:schemeClr val="tx1"/>
+          </a:fontRef>
+        </p:style>
+      </p:cxnSp>
+      <p:cxnSp>
+        <p:nvCxnSpPr>
+          <p:cNvPr id="56" name="直線接點 55"/>
+          <p:cNvCxnSpPr/>
+          <p:nvPr/>
+        </p:nvCxnSpPr>
+        <p:spPr>
+          <a:xfrm flipH="1" flipV="1">
+            <a:off x="3064299" y="4396708"/>
+            <a:ext cx="452866" cy="339496"/>
+          </a:xfrm>
+          <a:prstGeom prst="line">
+            <a:avLst/>
+          </a:prstGeom>
+          <a:ln w="50800">
+            <a:solidFill>
+              <a:srgbClr val="CC66FF"/>
+            </a:solidFill>
+          </a:ln>
+        </p:spPr>
+        <p:style>
+          <a:lnRef idx="1">
+            <a:schemeClr val="accent1"/>
+          </a:lnRef>
+          <a:fillRef idx="0">
+            <a:schemeClr val="accent1"/>
+          </a:fillRef>
+          <a:effectRef idx="0">
+            <a:schemeClr val="accent1"/>
+          </a:effectRef>
+          <a:fontRef idx="minor">
+            <a:schemeClr val="tx1"/>
+          </a:fontRef>
+        </p:style>
+      </p:cxnSp>
+      <p:cxnSp>
+        <p:nvCxnSpPr>
+          <p:cNvPr id="57" name="直線接點 56"/>
+          <p:cNvCxnSpPr/>
+          <p:nvPr/>
+        </p:nvCxnSpPr>
+        <p:spPr>
+          <a:xfrm flipH="1" flipV="1">
+            <a:off x="3064299" y="4556374"/>
+            <a:ext cx="452866" cy="339495"/>
+          </a:xfrm>
+          <a:prstGeom prst="line">
+            <a:avLst/>
+          </a:prstGeom>
+          <a:ln w="50800">
+            <a:solidFill>
+              <a:srgbClr val="CC66FF"/>
+            </a:solidFill>
+          </a:ln>
+        </p:spPr>
+        <p:style>
+          <a:lnRef idx="1">
+            <a:schemeClr val="accent1"/>
+          </a:lnRef>
+          <a:fillRef idx="0">
+            <a:schemeClr val="accent1"/>
+          </a:fillRef>
+          <a:effectRef idx="0">
+            <a:schemeClr val="accent1"/>
+          </a:effectRef>
+          <a:fontRef idx="minor">
+            <a:schemeClr val="tx1"/>
+          </a:fontRef>
+        </p:style>
+      </p:cxnSp>
+      <p:cxnSp>
+        <p:nvCxnSpPr>
+          <p:cNvPr id="58" name="直線接點 57"/>
+          <p:cNvCxnSpPr/>
+          <p:nvPr/>
+        </p:nvCxnSpPr>
+        <p:spPr>
+          <a:xfrm flipH="1" flipV="1">
+            <a:off x="3064298" y="4736204"/>
+            <a:ext cx="425970" cy="319331"/>
+          </a:xfrm>
+          <a:prstGeom prst="line">
+            <a:avLst/>
+          </a:prstGeom>
+          <a:ln w="50800">
+            <a:solidFill>
+              <a:srgbClr val="CC66FF"/>
+            </a:solidFill>
+          </a:ln>
+        </p:spPr>
+        <p:style>
+          <a:lnRef idx="1">
+            <a:schemeClr val="accent1"/>
+          </a:lnRef>
+          <a:fillRef idx="0">
+            <a:schemeClr val="accent1"/>
+          </a:fillRef>
+          <a:effectRef idx="0">
+            <a:schemeClr val="accent1"/>
+          </a:effectRef>
+          <a:fontRef idx="minor">
+            <a:schemeClr val="tx1"/>
+          </a:fontRef>
+        </p:style>
+      </p:cxnSp>
+      <p:cxnSp>
+        <p:nvCxnSpPr>
+          <p:cNvPr id="59" name="直線接點 58"/>
+          <p:cNvCxnSpPr/>
+          <p:nvPr/>
+        </p:nvCxnSpPr>
+        <p:spPr>
+          <a:xfrm flipH="1" flipV="1">
+            <a:off x="3064301" y="4888607"/>
+            <a:ext cx="304647" cy="228379"/>
+          </a:xfrm>
+          <a:prstGeom prst="line">
+            <a:avLst/>
+          </a:prstGeom>
+          <a:ln w="50800">
+            <a:solidFill>
+              <a:srgbClr val="CC66FF"/>
+            </a:solidFill>
+          </a:ln>
+        </p:spPr>
+        <p:style>
+          <a:lnRef idx="1">
+            <a:schemeClr val="accent1"/>
+          </a:lnRef>
+          <a:fillRef idx="0">
+            <a:schemeClr val="accent1"/>
+          </a:fillRef>
+          <a:effectRef idx="0">
+            <a:schemeClr val="accent1"/>
+          </a:effectRef>
+          <a:fontRef idx="minor">
+            <a:schemeClr val="tx1"/>
+          </a:fontRef>
+        </p:style>
+      </p:cxnSp>
+      <p:cxnSp>
+        <p:nvCxnSpPr>
+          <p:cNvPr id="60" name="直線接點 59"/>
+          <p:cNvCxnSpPr/>
+          <p:nvPr/>
+        </p:nvCxnSpPr>
+        <p:spPr>
+          <a:xfrm flipH="1" flipV="1">
+            <a:off x="3248596" y="4371573"/>
+            <a:ext cx="268570" cy="201333"/>
+          </a:xfrm>
+          <a:prstGeom prst="line">
+            <a:avLst/>
+          </a:prstGeom>
+          <a:ln w="50800">
+            <a:solidFill>
+              <a:srgbClr val="CC66FF"/>
+            </a:solidFill>
+          </a:ln>
+        </p:spPr>
+        <p:style>
+          <a:lnRef idx="1">
+            <a:schemeClr val="accent1"/>
+          </a:lnRef>
+          <a:fillRef idx="0">
+            <a:schemeClr val="accent1"/>
+          </a:fillRef>
+          <a:effectRef idx="0">
+            <a:schemeClr val="accent1"/>
+          </a:effectRef>
+          <a:fontRef idx="minor">
+            <a:schemeClr val="tx1"/>
+          </a:fontRef>
+        </p:style>
+      </p:cxnSp>
+      <p:cxnSp>
+        <p:nvCxnSpPr>
+          <p:cNvPr id="61" name="直線接點 60"/>
+          <p:cNvCxnSpPr/>
+          <p:nvPr/>
+        </p:nvCxnSpPr>
+        <p:spPr>
+          <a:xfrm>
+            <a:off x="3064299" y="4371573"/>
+            <a:ext cx="0" cy="745413"/>
+          </a:xfrm>
+          <a:prstGeom prst="line">
+            <a:avLst/>
+          </a:prstGeom>
+          <a:ln w="25400">
+            <a:solidFill>
+              <a:schemeClr val="bg1"/>
+            </a:solidFill>
+          </a:ln>
+        </p:spPr>
+        <p:style>
+          <a:lnRef idx="1">
+            <a:schemeClr val="accent1"/>
+          </a:lnRef>
+          <a:fillRef idx="0">
+            <a:schemeClr val="accent1"/>
+          </a:fillRef>
+          <a:effectRef idx="0">
+            <a:schemeClr val="accent1"/>
+          </a:effectRef>
+          <a:fontRef idx="minor">
+            <a:schemeClr val="tx1"/>
+          </a:fontRef>
+        </p:style>
+      </p:cxnSp>
+      <p:sp>
+        <p:nvSpPr>
+          <p:cNvPr id="79" name="圓角矩形 78"/>
+          <p:cNvSpPr/>
+          <p:nvPr/>
+        </p:nvSpPr>
+        <p:spPr>
+          <a:xfrm>
+            <a:off x="1265141" y="2551684"/>
+            <a:ext cx="2101635" cy="745413"/>
+          </a:xfrm>
+          <a:prstGeom prst="roundRect">
+            <a:avLst/>
+          </a:prstGeom>
+          <a:solidFill>
+            <a:schemeClr val="accent2">
+              <a:alpha val="0"/>
+            </a:schemeClr>
+          </a:solidFill>
+          <a:ln w="50800">
+            <a:solidFill>
+              <a:schemeClr val="accent2"/>
+            </a:solidFill>
+          </a:ln>
+        </p:spPr>
+        <p:style>
+          <a:lnRef idx="2">
+            <a:schemeClr val="accent1">
+              <a:shade val="50000"/>
+            </a:schemeClr>
+          </a:lnRef>
+          <a:fillRef idx="1">
+            <a:schemeClr val="accent1"/>
+          </a:fillRef>
+          <a:effectRef idx="0">
+            <a:schemeClr val="accent1"/>
+          </a:effectRef>
+          <a:fontRef idx="minor">
+            <a:schemeClr val="lt1"/>
+          </a:fontRef>
+        </p:style>
+        <p:txBody>
+          <a:bodyPr rtlCol="0" anchor="ctr"/>
+          <a:lstStyle/>
+          <a:p>
+            <a:pPr algn="ctr"/>
+            <a:r>
+              <a:rPr lang="en-US" altLang="zh-TW" sz="3200" dirty="0" smtClean="0">
+                <a:latin typeface="Source Code Pro" panose="020B0509030403020204" pitchFamily="49" charset="0"/>
+              </a:rPr>
+              <a:t>Target</a:t>
+            </a:r>
+            <a:endParaRPr lang="zh-TW" altLang="en-US" sz="3200" dirty="0">
+              <a:latin typeface="Source Code Pro" panose="020B0509030403020204" pitchFamily="49" charset="0"/>
+            </a:endParaRPr>
+          </a:p>
+        </p:txBody>
+      </p:sp>
+      <p:sp>
+        <p:nvSpPr>
+          <p:cNvPr id="17" name="圓角矩形 16"/>
+          <p:cNvSpPr/>
+          <p:nvPr/>
+        </p:nvSpPr>
+        <p:spPr>
+          <a:xfrm>
+            <a:off x="8932378" y="1914707"/>
+            <a:ext cx="2101634" cy="741879"/>
+          </a:xfrm>
+          <a:prstGeom prst="roundRect">
+            <a:avLst/>
+          </a:prstGeom>
+          <a:solidFill>
+            <a:schemeClr val="accent2">
+              <a:lumMod val="60000"/>
+              <a:lumOff val="40000"/>
+              <a:alpha val="0"/>
+            </a:schemeClr>
+          </a:solidFill>
+          <a:ln w="50800">
+            <a:solidFill>
+              <a:srgbClr val="CC66FF"/>
+            </a:solidFill>
+          </a:ln>
+        </p:spPr>
+        <p:style>
+          <a:lnRef idx="2">
+            <a:schemeClr val="accent1">
+              <a:shade val="50000"/>
+            </a:schemeClr>
+          </a:lnRef>
+          <a:fillRef idx="1">
+            <a:schemeClr val="accent1"/>
+          </a:fillRef>
+          <a:effectRef idx="0">
+            <a:schemeClr val="accent1"/>
+          </a:effectRef>
+          <a:fontRef idx="minor">
+            <a:schemeClr val="lt1"/>
+          </a:fontRef>
+        </p:style>
+        <p:txBody>
+          <a:bodyPr rtlCol="0" anchor="ctr"/>
+          <a:lstStyle/>
+          <a:p>
+            <a:r>
+              <a:rPr lang="en-US" altLang="zh-TW" sz="3200" dirty="0" smtClean="0">
+                <a:latin typeface="Source Code Pro" panose="020B0509030403020204" pitchFamily="49" charset="0"/>
+              </a:rPr>
+              <a:t>Output</a:t>
+            </a:r>
+            <a:endParaRPr lang="zh-TW" altLang="en-US" sz="3200" dirty="0">
+              <a:latin typeface="Source Code Pro" panose="020B0509030403020204" pitchFamily="49" charset="0"/>
+            </a:endParaRPr>
+          </a:p>
+        </p:txBody>
+      </p:sp>
+      <p:cxnSp>
+        <p:nvCxnSpPr>
+          <p:cNvPr id="97" name="直線單箭頭接點 96"/>
+          <p:cNvCxnSpPr>
+            <a:stCxn id="77" idx="0"/>
+            <a:endCxn id="79" idx="2"/>
+          </p:cNvCxnSpPr>
+          <p:nvPr/>
+        </p:nvCxnSpPr>
+        <p:spPr>
+          <a:xfrm flipV="1">
+            <a:off x="2302848" y="3297097"/>
+            <a:ext cx="13111" cy="1074476"/>
+          </a:xfrm>
+          <a:prstGeom prst="straightConnector1">
+            <a:avLst/>
+          </a:prstGeom>
+          <a:ln w="127000">
+            <a:solidFill>
+              <a:srgbClr val="FF0066"/>
+            </a:solidFill>
+            <a:tailEnd type="triangle"/>
+          </a:ln>
+        </p:spPr>
+        <p:style>
+          <a:lnRef idx="1">
+            <a:schemeClr val="accent1"/>
+          </a:lnRef>
+          <a:fillRef idx="0">
+            <a:schemeClr val="accent1"/>
+          </a:fillRef>
+          <a:effectRef idx="0">
+            <a:schemeClr val="accent1"/>
+          </a:effectRef>
+          <a:fontRef idx="minor">
+            <a:schemeClr val="tx1"/>
+          </a:fontRef>
+        </p:style>
+      </p:cxnSp>
+      <p:cxnSp>
+        <p:nvCxnSpPr>
+          <p:cNvPr id="48" name="直線單箭頭接點 47"/>
+          <p:cNvCxnSpPr>
+            <a:endCxn id="77" idx="3"/>
+          </p:cNvCxnSpPr>
+          <p:nvPr/>
+        </p:nvCxnSpPr>
+        <p:spPr>
+          <a:xfrm rot="10800000" flipV="1">
+            <a:off x="3517168" y="2665854"/>
+            <a:ext cx="7325914" cy="2078426"/>
+          </a:xfrm>
+          <a:prstGeom prst="bentConnector3">
+            <a:avLst>
+              <a:gd name="adj1" fmla="val 73"/>
+            </a:avLst>
+          </a:prstGeom>
+          <a:ln w="127000" cap="rnd">
+            <a:solidFill>
+              <a:srgbClr val="FF0066"/>
+            </a:solidFill>
+            <a:round/>
+            <a:tailEnd type="triangle"/>
+          </a:ln>
+        </p:spPr>
+        <p:style>
+          <a:lnRef idx="1">
+            <a:schemeClr val="accent1"/>
+          </a:lnRef>
+          <a:fillRef idx="0">
+            <a:schemeClr val="accent1"/>
+          </a:fillRef>
+          <a:effectRef idx="0">
+            <a:schemeClr val="accent1"/>
+          </a:effectRef>
+          <a:fontRef idx="minor">
+            <a:schemeClr val="tx1"/>
+          </a:fontRef>
+        </p:style>
+      </p:cxnSp>
+      <p:sp>
+        <p:nvSpPr>
+          <p:cNvPr id="77" name="圓角矩形 76"/>
+          <p:cNvSpPr/>
+          <p:nvPr/>
+        </p:nvSpPr>
+        <p:spPr>
+          <a:xfrm>
+            <a:off x="1088527" y="4371573"/>
+            <a:ext cx="2428641" cy="745413"/>
+          </a:xfrm>
+          <a:prstGeom prst="roundRect">
+            <a:avLst/>
+          </a:prstGeom>
+          <a:solidFill>
+            <a:schemeClr val="accent2">
+              <a:alpha val="0"/>
+            </a:schemeClr>
+          </a:solidFill>
+          <a:ln w="50800">
+            <a:solidFill>
+              <a:schemeClr val="accent2"/>
+            </a:solidFill>
+          </a:ln>
+        </p:spPr>
+        <p:style>
+          <a:lnRef idx="2">
+            <a:schemeClr val="accent1">
+              <a:shade val="50000"/>
+            </a:schemeClr>
+          </a:lnRef>
+          <a:fillRef idx="1">
+            <a:schemeClr val="accent1"/>
+          </a:fillRef>
+          <a:effectRef idx="0">
+            <a:schemeClr val="accent1"/>
+          </a:effectRef>
+          <a:fontRef idx="minor">
+            <a:schemeClr val="lt1"/>
+          </a:fontRef>
+        </p:style>
+        <p:txBody>
+          <a:bodyPr rtlCol="0" anchor="ctr"/>
+          <a:lstStyle/>
+          <a:p>
+            <a:r>
+              <a:rPr lang="en-US" altLang="zh-TW" sz="3200" dirty="0" smtClean="0">
+                <a:latin typeface="Source Code Pro" panose="020B0509030403020204" pitchFamily="49" charset="0"/>
+              </a:rPr>
+              <a:t>Target’</a:t>
+            </a:r>
+            <a:endParaRPr lang="zh-TW" altLang="en-US" sz="3200" dirty="0">
+              <a:latin typeface="Source Code Pro" panose="020B0509030403020204" pitchFamily="49" charset="0"/>
+            </a:endParaRPr>
+          </a:p>
+        </p:txBody>
+      </p:sp>
+      <p:sp>
+        <p:nvSpPr>
+          <p:cNvPr id="12" name="圓角矩形 11"/>
+          <p:cNvSpPr/>
+          <p:nvPr/>
+        </p:nvSpPr>
+        <p:spPr>
+          <a:xfrm>
+            <a:off x="756418" y="1148501"/>
+            <a:ext cx="2637255" cy="745413"/>
+          </a:xfrm>
+          <a:prstGeom prst="roundRect">
+            <a:avLst/>
+          </a:prstGeom>
+          <a:solidFill>
+            <a:schemeClr val="accent6">
+              <a:alpha val="0"/>
+            </a:schemeClr>
+          </a:solidFill>
+          <a:ln w="50800">
+            <a:solidFill>
+              <a:schemeClr val="accent6"/>
+            </a:solidFill>
+          </a:ln>
+        </p:spPr>
+        <p:style>
+          <a:lnRef idx="2">
+            <a:schemeClr val="accent1">
+              <a:shade val="50000"/>
+            </a:schemeClr>
+          </a:lnRef>
+          <a:fillRef idx="1">
+            <a:schemeClr val="accent1"/>
+          </a:fillRef>
+          <a:effectRef idx="0">
+            <a:schemeClr val="accent1"/>
+          </a:effectRef>
+          <a:fontRef idx="minor">
+            <a:schemeClr val="lt1"/>
+          </a:fontRef>
+        </p:style>
+        <p:txBody>
+          <a:bodyPr rtlCol="0" anchor="ctr"/>
+          <a:lstStyle/>
+          <a:p>
+            <a:pPr algn="ctr"/>
+            <a:r>
+              <a:rPr lang="en-US" altLang="zh-TW" sz="3200" dirty="0" smtClean="0">
+                <a:latin typeface="Source Code Pro" panose="020B0509030403020204" pitchFamily="49" charset="0"/>
+              </a:rPr>
+              <a:t>Input</a:t>
+            </a:r>
+            <a:endParaRPr lang="zh-TW" altLang="en-US" sz="3200" dirty="0">
+              <a:latin typeface="Source Code Pro" panose="020B0509030403020204" pitchFamily="49" charset="0"/>
+            </a:endParaRPr>
+          </a:p>
+        </p:txBody>
+      </p:sp>
+    </p:spTree>
+    <p:extLst>
+      <p:ext uri="{BB962C8B-B14F-4D97-AF65-F5344CB8AC3E}">
+        <p14:creationId xmlns:p14="http://schemas.microsoft.com/office/powerpoint/2010/main" val="943639378"/>
+      </p:ext>
+    </p:extLst>
+  </p:cSld>
+  <p:clrMapOvr>
+    <a:masterClrMapping/>
+  </p:clrMapOvr>
+</p:sld>
+</file>
+
+<file path=ppt/slides/slide8.xml><?xml version="1.0" encoding="utf-8"?>
+<p:sld xmlns:a="http://schemas.openxmlformats.org/drawingml/2006/main" xmlns:r="http://schemas.openxmlformats.org/officeDocument/2006/relationships" xmlns:p="http://schemas.openxmlformats.org/presentationml/2006/main">
+  <p:cSld>
+    <p:bg>
+      <p:bgPr>
+        <a:solidFill>
+          <a:srgbClr val="191919"/>
+        </a:solidFill>
+        <a:effectLst/>
+      </p:bgPr>
+    </p:bg>
+    <p:spTree>
+      <p:nvGrpSpPr>
+        <p:cNvPr id="1" name=""/>
+        <p:cNvGrpSpPr/>
+        <p:nvPr/>
+      </p:nvGrpSpPr>
+      <p:grpSpPr>
+        <a:xfrm>
+          <a:off x="0" y="0"/>
+          <a:ext cx="0" cy="0"/>
+          <a:chOff x="0" y="0"/>
+          <a:chExt cx="0" cy="0"/>
+        </a:xfrm>
+      </p:grpSpPr>
+      <p:sp>
+        <p:nvSpPr>
+          <p:cNvPr id="4" name="圓角矩形 3"/>
+          <p:cNvSpPr/>
+          <p:nvPr/>
+        </p:nvSpPr>
+        <p:spPr>
+          <a:xfrm>
             <a:off x="1636515" y="941832"/>
             <a:ext cx="8959174" cy="4727448"/>
           </a:xfrm>
@@ -11516,7 +12681,7 @@
 </p:sld>
 </file>
 
-<file path=ppt/slides/slide8.xml><?xml version="1.0" encoding="utf-8"?>
+<file path=ppt/slides/slide9.xml><?xml version="1.0" encoding="utf-8"?>
 <p:sld xmlns:a="http://schemas.openxmlformats.org/drawingml/2006/main" xmlns:r="http://schemas.openxmlformats.org/officeDocument/2006/relationships" xmlns:p="http://schemas.openxmlformats.org/presentationml/2006/main">
   <p:cSld>
     <p:bg>

--- a/Attention-is-all-you-need/image.pptx
+++ b/Attention-is-all-you-need/image.pptx
@@ -251,7 +251,7 @@
           <a:p>
             <a:fld id="{5C943AA4-F205-4A15-B641-BE44906CC2CE}" type="datetimeFigureOut">
               <a:rPr lang="zh-TW" altLang="en-US" smtClean="0"/>
-              <a:t>2020/6/3</a:t>
+              <a:t>2020/6/4</a:t>
             </a:fld>
             <a:endParaRPr lang="zh-TW" altLang="en-US"/>
           </a:p>
@@ -421,7 +421,7 @@
           <a:p>
             <a:fld id="{5C943AA4-F205-4A15-B641-BE44906CC2CE}" type="datetimeFigureOut">
               <a:rPr lang="zh-TW" altLang="en-US" smtClean="0"/>
-              <a:t>2020/6/3</a:t>
+              <a:t>2020/6/4</a:t>
             </a:fld>
             <a:endParaRPr lang="zh-TW" altLang="en-US"/>
           </a:p>
@@ -601,7 +601,7 @@
           <a:p>
             <a:fld id="{5C943AA4-F205-4A15-B641-BE44906CC2CE}" type="datetimeFigureOut">
               <a:rPr lang="zh-TW" altLang="en-US" smtClean="0"/>
-              <a:t>2020/6/3</a:t>
+              <a:t>2020/6/4</a:t>
             </a:fld>
             <a:endParaRPr lang="zh-TW" altLang="en-US"/>
           </a:p>
@@ -771,7 +771,7 @@
           <a:p>
             <a:fld id="{5C943AA4-F205-4A15-B641-BE44906CC2CE}" type="datetimeFigureOut">
               <a:rPr lang="zh-TW" altLang="en-US" smtClean="0"/>
-              <a:t>2020/6/3</a:t>
+              <a:t>2020/6/4</a:t>
             </a:fld>
             <a:endParaRPr lang="zh-TW" altLang="en-US"/>
           </a:p>
@@ -1017,7 +1017,7 @@
           <a:p>
             <a:fld id="{5C943AA4-F205-4A15-B641-BE44906CC2CE}" type="datetimeFigureOut">
               <a:rPr lang="zh-TW" altLang="en-US" smtClean="0"/>
-              <a:t>2020/6/3</a:t>
+              <a:t>2020/6/4</a:t>
             </a:fld>
             <a:endParaRPr lang="zh-TW" altLang="en-US"/>
           </a:p>
@@ -1249,7 +1249,7 @@
           <a:p>
             <a:fld id="{5C943AA4-F205-4A15-B641-BE44906CC2CE}" type="datetimeFigureOut">
               <a:rPr lang="zh-TW" altLang="en-US" smtClean="0"/>
-              <a:t>2020/6/3</a:t>
+              <a:t>2020/6/4</a:t>
             </a:fld>
             <a:endParaRPr lang="zh-TW" altLang="en-US"/>
           </a:p>
@@ -1616,7 +1616,7 @@
           <a:p>
             <a:fld id="{5C943AA4-F205-4A15-B641-BE44906CC2CE}" type="datetimeFigureOut">
               <a:rPr lang="zh-TW" altLang="en-US" smtClean="0"/>
-              <a:t>2020/6/3</a:t>
+              <a:t>2020/6/4</a:t>
             </a:fld>
             <a:endParaRPr lang="zh-TW" altLang="en-US"/>
           </a:p>
@@ -1734,7 +1734,7 @@
           <a:p>
             <a:fld id="{5C943AA4-F205-4A15-B641-BE44906CC2CE}" type="datetimeFigureOut">
               <a:rPr lang="zh-TW" altLang="en-US" smtClean="0"/>
-              <a:t>2020/6/3</a:t>
+              <a:t>2020/6/4</a:t>
             </a:fld>
             <a:endParaRPr lang="zh-TW" altLang="en-US"/>
           </a:p>
@@ -1829,7 +1829,7 @@
           <a:p>
             <a:fld id="{5C943AA4-F205-4A15-B641-BE44906CC2CE}" type="datetimeFigureOut">
               <a:rPr lang="zh-TW" altLang="en-US" smtClean="0"/>
-              <a:t>2020/6/3</a:t>
+              <a:t>2020/6/4</a:t>
             </a:fld>
             <a:endParaRPr lang="zh-TW" altLang="en-US"/>
           </a:p>
@@ -2106,7 +2106,7 @@
           <a:p>
             <a:fld id="{5C943AA4-F205-4A15-B641-BE44906CC2CE}" type="datetimeFigureOut">
               <a:rPr lang="zh-TW" altLang="en-US" smtClean="0"/>
-              <a:t>2020/6/3</a:t>
+              <a:t>2020/6/4</a:t>
             </a:fld>
             <a:endParaRPr lang="zh-TW" altLang="en-US"/>
           </a:p>
@@ -2359,7 +2359,7 @@
           <a:p>
             <a:fld id="{5C943AA4-F205-4A15-B641-BE44906CC2CE}" type="datetimeFigureOut">
               <a:rPr lang="zh-TW" altLang="en-US" smtClean="0"/>
-              <a:t>2020/6/3</a:t>
+              <a:t>2020/6/4</a:t>
             </a:fld>
             <a:endParaRPr lang="zh-TW" altLang="en-US"/>
           </a:p>
@@ -2572,7 +2572,7 @@
           <a:p>
             <a:fld id="{5C943AA4-F205-4A15-B641-BE44906CC2CE}" type="datetimeFigureOut">
               <a:rPr lang="zh-TW" altLang="en-US" smtClean="0"/>
-              <a:t>2020/6/3</a:t>
+              <a:t>2020/6/4</a:t>
             </a:fld>
             <a:endParaRPr lang="zh-TW" altLang="en-US"/>
           </a:p>
@@ -10043,7 +10043,7 @@
         <p:spPr>
           <a:xfrm>
             <a:off x="7751560" y="3200047"/>
-            <a:ext cx="1228161" cy="0"/>
+            <a:ext cx="1182441" cy="30159"/>
           </a:xfrm>
           <a:prstGeom prst="straightConnector1">
             <a:avLst/>
@@ -10078,8 +10078,8 @@
         </p:nvSpPr>
         <p:spPr>
           <a:xfrm>
-            <a:off x="8979721" y="2860552"/>
-            <a:ext cx="1975774" cy="678990"/>
+            <a:off x="8934001" y="2860552"/>
+            <a:ext cx="1975774" cy="739308"/>
           </a:xfrm>
           <a:prstGeom prst="roundRect">
             <a:avLst/>
@@ -10286,7 +10286,7 @@
         </p:nvSpPr>
         <p:spPr>
           <a:xfrm>
-            <a:off x="10260550" y="2458674"/>
+            <a:off x="10214830" y="2458674"/>
             <a:ext cx="694945" cy="791546"/>
           </a:xfrm>
           <a:prstGeom prst="arc">
@@ -10329,7 +10329,7 @@
         </p:nvSpPr>
         <p:spPr>
           <a:xfrm flipH="1">
-            <a:off x="8979720" y="2464779"/>
+            <a:off x="8934000" y="2464779"/>
             <a:ext cx="694946" cy="791546"/>
           </a:xfrm>
           <a:prstGeom prst="arc">
@@ -10372,7 +10372,7 @@
         </p:nvSpPr>
         <p:spPr>
           <a:xfrm>
-            <a:off x="9226740" y="2033284"/>
+            <a:off x="9181020" y="2033284"/>
             <a:ext cx="1481736" cy="804646"/>
           </a:xfrm>
           <a:prstGeom prst="roundRect">
@@ -10591,6 +10591,13 @@
   <p:clrMapOvr>
     <a:masterClrMapping/>
   </p:clrMapOvr>
+  <p:timing>
+    <p:tnLst>
+      <p:par>
+        <p:cTn id="1" dur="indefinite" restart="never" nodeType="tmRoot"/>
+      </p:par>
+    </p:tnLst>
+  </p:timing>
 </p:sld>
 </file>
 
@@ -11766,6 +11773,215 @@
           </a:p>
         </p:txBody>
       </p:sp>
+      <p:sp>
+        <p:nvSpPr>
+          <p:cNvPr id="31" name="弧形 30"/>
+          <p:cNvSpPr/>
+          <p:nvPr/>
+        </p:nvSpPr>
+        <p:spPr>
+          <a:xfrm rot="10800000">
+            <a:off x="1088527" y="4736204"/>
+            <a:ext cx="694945" cy="791546"/>
+          </a:xfrm>
+          <a:prstGeom prst="arc">
+            <a:avLst/>
+          </a:prstGeom>
+          <a:ln w="38100">
+            <a:solidFill>
+              <a:schemeClr val="bg1"/>
+            </a:solidFill>
+          </a:ln>
+        </p:spPr>
+        <p:style>
+          <a:lnRef idx="1">
+            <a:schemeClr val="accent1"/>
+          </a:lnRef>
+          <a:fillRef idx="0">
+            <a:schemeClr val="accent1"/>
+          </a:fillRef>
+          <a:effectRef idx="0">
+            <a:schemeClr val="accent1"/>
+          </a:effectRef>
+          <a:fontRef idx="minor">
+            <a:schemeClr val="tx1"/>
+          </a:fontRef>
+        </p:style>
+        <p:txBody>
+          <a:bodyPr rtlCol="0" anchor="ctr"/>
+          <a:lstStyle/>
+          <a:p>
+            <a:pPr algn="ctr"/>
+            <a:endParaRPr lang="zh-TW" altLang="en-US"/>
+          </a:p>
+        </p:txBody>
+      </p:sp>
+      <p:sp>
+        <p:nvSpPr>
+          <p:cNvPr id="33" name="弧形 32"/>
+          <p:cNvSpPr/>
+          <p:nvPr/>
+        </p:nvSpPr>
+        <p:spPr>
+          <a:xfrm rot="10800000" flipH="1">
+            <a:off x="2822221" y="4736204"/>
+            <a:ext cx="694946" cy="791546"/>
+          </a:xfrm>
+          <a:prstGeom prst="arc">
+            <a:avLst/>
+          </a:prstGeom>
+          <a:ln w="38100">
+            <a:solidFill>
+              <a:schemeClr val="bg1"/>
+            </a:solidFill>
+          </a:ln>
+        </p:spPr>
+        <p:style>
+          <a:lnRef idx="1">
+            <a:schemeClr val="accent1"/>
+          </a:lnRef>
+          <a:fillRef idx="0">
+            <a:schemeClr val="accent1"/>
+          </a:fillRef>
+          <a:effectRef idx="0">
+            <a:schemeClr val="accent1"/>
+          </a:effectRef>
+          <a:fontRef idx="minor">
+            <a:schemeClr val="tx1"/>
+          </a:fontRef>
+        </p:style>
+        <p:txBody>
+          <a:bodyPr rtlCol="0" anchor="ctr"/>
+          <a:lstStyle/>
+          <a:p>
+            <a:pPr algn="ctr"/>
+            <a:endParaRPr lang="zh-TW" altLang="en-US"/>
+          </a:p>
+        </p:txBody>
+      </p:sp>
+      <p:sp>
+        <p:nvSpPr>
+          <p:cNvPr id="34" name="圓角矩形 33"/>
+          <p:cNvSpPr/>
+          <p:nvPr/>
+        </p:nvSpPr>
+        <p:spPr>
+          <a:xfrm>
+            <a:off x="1267667" y="5131977"/>
+            <a:ext cx="1481736" cy="804646"/>
+          </a:xfrm>
+          <a:prstGeom prst="roundRect">
+            <a:avLst/>
+          </a:prstGeom>
+          <a:solidFill>
+            <a:schemeClr val="accent1">
+              <a:alpha val="0"/>
+            </a:schemeClr>
+          </a:solidFill>
+          <a:ln>
+            <a:solidFill>
+              <a:schemeClr val="accent1">
+                <a:shade val="50000"/>
+                <a:alpha val="0"/>
+              </a:schemeClr>
+            </a:solidFill>
+          </a:ln>
+        </p:spPr>
+        <p:style>
+          <a:lnRef idx="2">
+            <a:schemeClr val="accent1">
+              <a:shade val="50000"/>
+            </a:schemeClr>
+          </a:lnRef>
+          <a:fillRef idx="1">
+            <a:schemeClr val="accent1"/>
+          </a:fillRef>
+          <a:effectRef idx="0">
+            <a:schemeClr val="accent1"/>
+          </a:effectRef>
+          <a:fontRef idx="minor">
+            <a:schemeClr val="lt1"/>
+          </a:fontRef>
+        </p:style>
+        <p:txBody>
+          <a:bodyPr rtlCol="0" anchor="ctr"/>
+          <a:lstStyle/>
+          <a:p>
+            <a:pPr algn="ctr"/>
+            <a:r>
+              <a:rPr lang="en-US" altLang="zh-TW" sz="2400" dirty="0" smtClean="0">
+                <a:latin typeface="SauceCodePro Nerd Font" panose="020B0509030403020204" pitchFamily="49" charset="0"/>
+                <a:ea typeface="SauceCodePro Nerd Font" panose="020B0509030403020204" pitchFamily="49" charset="0"/>
+              </a:rPr>
+              <a:t>Target length</a:t>
+            </a:r>
+            <a:endParaRPr lang="zh-TW" altLang="en-US" sz="2400" dirty="0">
+              <a:latin typeface="SauceCodePro Nerd Font" panose="020B0509030403020204" pitchFamily="49" charset="0"/>
+            </a:endParaRPr>
+          </a:p>
+        </p:txBody>
+      </p:sp>
+      <p:sp>
+        <p:nvSpPr>
+          <p:cNvPr id="38" name="圓角矩形 37"/>
+          <p:cNvSpPr/>
+          <p:nvPr/>
+        </p:nvSpPr>
+        <p:spPr>
+          <a:xfrm>
+            <a:off x="2482221" y="5125427"/>
+            <a:ext cx="784810" cy="804646"/>
+          </a:xfrm>
+          <a:prstGeom prst="roundRect">
+            <a:avLst/>
+          </a:prstGeom>
+          <a:solidFill>
+            <a:schemeClr val="accent1">
+              <a:alpha val="0"/>
+            </a:schemeClr>
+          </a:solidFill>
+          <a:ln>
+            <a:solidFill>
+              <a:schemeClr val="accent1">
+                <a:shade val="50000"/>
+                <a:alpha val="0"/>
+              </a:schemeClr>
+            </a:solidFill>
+          </a:ln>
+        </p:spPr>
+        <p:style>
+          <a:lnRef idx="2">
+            <a:schemeClr val="accent1">
+              <a:shade val="50000"/>
+            </a:schemeClr>
+          </a:lnRef>
+          <a:fillRef idx="1">
+            <a:schemeClr val="accent1"/>
+          </a:fillRef>
+          <a:effectRef idx="0">
+            <a:schemeClr val="accent1"/>
+          </a:effectRef>
+          <a:fontRef idx="minor">
+            <a:schemeClr val="lt1"/>
+          </a:fontRef>
+        </p:style>
+        <p:txBody>
+          <a:bodyPr rtlCol="0" anchor="ctr"/>
+          <a:lstStyle/>
+          <a:p>
+            <a:pPr algn="ctr"/>
+            <a:r>
+              <a:rPr lang="en-US" altLang="zh-TW" sz="3200" dirty="0" smtClean="0">
+                <a:latin typeface="SauceCodePro Nerd Font" panose="020B0509030403020204" pitchFamily="49" charset="0"/>
+              </a:rPr>
+              <a:t>+1</a:t>
+            </a:r>
+            <a:endParaRPr lang="zh-TW" altLang="en-US" sz="3200" dirty="0">
+              <a:latin typeface="SauceCodePro Nerd Font" panose="020B0509030403020204" pitchFamily="49" charset="0"/>
+            </a:endParaRPr>
+          </a:p>
+        </p:txBody>
+      </p:sp>
     </p:spTree>
     <p:extLst>
       <p:ext uri="{BB962C8B-B14F-4D97-AF65-F5344CB8AC3E}">
@@ -11776,6 +11992,13 @@
   <p:clrMapOvr>
     <a:masterClrMapping/>
   </p:clrMapOvr>
+  <p:timing>
+    <p:tnLst>
+      <p:par>
+        <p:cTn id="1" dur="indefinite" restart="never" nodeType="tmRoot"/>
+      </p:par>
+    </p:tnLst>
+  </p:timing>
 </p:sld>
 </file>
 

--- a/Attention-is-all-you-need/image.pptx
+++ b/Attention-is-all-you-need/image.pptx
@@ -4362,39 +4362,6 @@
           </a:p>
         </p:txBody>
       </p:sp>
-      <p:pic>
-        <p:nvPicPr>
-          <p:cNvPr id="2" name="音訊 1">
-            <a:hlinkClick r:id="" action="ppaction://media"/>
-          </p:cNvPr>
-          <p:cNvPicPr>
-            <a:picLocks noChangeAspect="1"/>
-          </p:cNvPicPr>
-          <p:nvPr>
-            <a:audioFile r:link="rId2"/>
-            <p:extLst>
-              <p:ext uri="{DAA4B4D4-6D71-4841-9C94-3DE7FCFB9230}">
-                <p14:media xmlns:p14="http://schemas.microsoft.com/office/powerpoint/2010/main" r:embed="rId1"/>
-              </p:ext>
-            </p:extLst>
-          </p:nvPr>
-        </p:nvPicPr>
-        <p:blipFill>
-          <a:blip r:embed="rId4"/>
-          <a:stretch>
-            <a:fillRect/>
-          </a:stretch>
-        </p:blipFill>
-        <p:spPr>
-          <a:xfrm>
-            <a:off x="11488738" y="6154738"/>
-            <a:ext cx="487362" cy="487362"/>
-          </a:xfrm>
-          <a:prstGeom prst="rect">
-            <a:avLst/>
-          </a:prstGeom>
-        </p:spPr>
-      </p:pic>
     </p:spTree>
     <p:extLst>
       <p:ext uri="{BB962C8B-B14F-4D97-AF65-F5344CB8AC3E}">
@@ -4405,98 +4372,18 @@
   <p:clrMapOvr>
     <a:masterClrMapping/>
   </p:clrMapOvr>
-  <mc:AlternateContent xmlns:mc="http://schemas.openxmlformats.org/markup-compatibility/2006">
-    <mc:Choice xmlns:p14="http://schemas.microsoft.com/office/powerpoint/2010/main" Requires="p14">
+  <mc:AlternateContent xmlns:mc="http://schemas.openxmlformats.org/markup-compatibility/2006" xmlns:p14="http://schemas.microsoft.com/office/powerpoint/2010/main">
+    <mc:Choice Requires="p14">
       <p:transition spd="slow" p14:dur="2000" advTm="3661"/>
     </mc:Choice>
-    <mc:Fallback>
+    <mc:Fallback xmlns="">
       <p:transition spd="slow" advTm="3661"/>
     </mc:Fallback>
   </mc:AlternateContent>
   <p:timing>
     <p:tnLst>
       <p:par>
-        <p:cTn id="1" dur="indefinite" restart="never" nodeType="tmRoot">
-          <p:childTnLst>
-            <p:seq concurrent="1" nextAc="seek">
-              <p:cTn id="2" dur="indefinite" nodeType="mainSeq">
-                <p:childTnLst>
-                  <p:par>
-                    <p:cTn id="3" fill="hold">
-                      <p:stCondLst>
-                        <p:cond delay="indefinite"/>
-                        <p:cond evt="onBegin" delay="0">
-                          <p:tn val="2"/>
-                        </p:cond>
-                      </p:stCondLst>
-                      <p:childTnLst>
-                        <p:par>
-                          <p:cTn id="4" fill="hold">
-                            <p:stCondLst>
-                              <p:cond delay="0"/>
-                            </p:stCondLst>
-                            <p:childTnLst>
-                              <p:par>
-                                <p:cTn id="5" presetID="1" presetClass="mediacall" presetSubtype="0" fill="hold" nodeType="afterEffect">
-                                  <p:stCondLst>
-                                    <p:cond delay="0"/>
-                                  </p:stCondLst>
-                                  <p:childTnLst>
-                                    <p:cmd type="call" cmd="playFrom(0.0)">
-                                      <p:cBhvr>
-                                        <p:cTn id="6" dur="1" fill="hold"/>
-                                        <p:tgtEl>
-                                          <p:spTgt spid="2"/>
-                                        </p:tgtEl>
-                                      </p:cBhvr>
-                                    </p:cmd>
-                                  </p:childTnLst>
-                                </p:cTn>
-                              </p:par>
-                            </p:childTnLst>
-                          </p:cTn>
-                        </p:par>
-                      </p:childTnLst>
-                    </p:cTn>
-                  </p:par>
-                </p:childTnLst>
-              </p:cTn>
-              <p:prevCondLst>
-                <p:cond evt="onPrev" delay="0">
-                  <p:tgtEl>
-                    <p:sldTgt/>
-                  </p:tgtEl>
-                </p:cond>
-              </p:prevCondLst>
-              <p:nextCondLst>
-                <p:cond evt="onNext" delay="0">
-                  <p:tgtEl>
-                    <p:sldTgt/>
-                  </p:tgtEl>
-                </p:cond>
-              </p:nextCondLst>
-            </p:seq>
-            <p:audio isNarration="1">
-              <p:cMediaNode vol="80000" showWhenStopped="0">
-                <p:cTn id="7" fill="hold" display="0">
-                  <p:stCondLst>
-                    <p:cond delay="indefinite"/>
-                  </p:stCondLst>
-                  <p:endCondLst>
-                    <p:cond evt="onStopAudio" delay="0">
-                      <p:tgtEl>
-                        <p:sldTgt/>
-                      </p:tgtEl>
-                    </p:cond>
-                  </p:endCondLst>
-                </p:cTn>
-                <p:tgtEl>
-                  <p:spTgt spid="2"/>
-                </p:tgtEl>
-              </p:cMediaNode>
-            </p:audio>
-          </p:childTnLst>
-        </p:cTn>
+        <p:cTn id="1" dur="indefinite" restart="never" nodeType="tmRoot"/>
       </p:par>
     </p:tnLst>
   </p:timing>
@@ -4536,7 +4423,7 @@
         </p:nvSpPr>
         <p:spPr>
           <a:xfrm>
-            <a:off x="2823258" y="2153124"/>
+            <a:off x="4895250" y="2201762"/>
             <a:ext cx="1967326" cy="714947"/>
           </a:xfrm>
           <a:prstGeom prst="roundRect">
@@ -4586,8 +4473,8 @@
           </a:p>
         </p:txBody>
       </p:sp>
-      <mc:AlternateContent xmlns:mc="http://schemas.openxmlformats.org/markup-compatibility/2006" xmlns:a14="http://schemas.microsoft.com/office/drawing/2010/main">
-        <mc:Choice Requires="a14">
+      <mc:AlternateContent xmlns:mc="http://schemas.openxmlformats.org/markup-compatibility/2006">
+        <mc:Choice xmlns:a14="http://schemas.microsoft.com/office/drawing/2010/main" Requires="a14">
           <p:sp>
             <p:nvSpPr>
               <p:cNvPr id="9" name="圓角矩形 8"/>
@@ -4596,8 +4483,8 @@
             </p:nvSpPr>
             <p:spPr>
               <a:xfrm>
-                <a:off x="605657" y="2132911"/>
-                <a:ext cx="1514615" cy="720000"/>
+                <a:off x="732495" y="2183218"/>
+                <a:ext cx="3174949" cy="1458544"/>
               </a:xfrm>
               <a:prstGeom prst="roundRect">
                 <a:avLst/>
@@ -4665,6 +4552,40 @@
                         </m:r>
                       </m:sub>
                     </m:sSub>
+                    <m:r>
+                      <a:rPr lang="en-US" altLang="zh-TW" sz="3200" i="1">
+                        <a:latin typeface="Cambria Math" panose="02040503050406030204" pitchFamily="18" charset="0"/>
+                      </a:rPr>
+                      <m:t>=</m:t>
+                    </m:r>
+                    <m:sSub>
+                      <m:sSubPr>
+                        <m:ctrlPr>
+                          <a:rPr lang="en-US" altLang="zh-TW" sz="3200" i="1">
+                            <a:latin typeface="Cambria Math" panose="02040503050406030204" pitchFamily="18" charset="0"/>
+                          </a:rPr>
+                        </m:ctrlPr>
+                      </m:sSubPr>
+                      <m:e>
+                        <m:r>
+                          <m:rPr>
+                            <m:sty m:val="p"/>
+                          </m:rPr>
+                          <a:rPr lang="en-US" altLang="zh-TW" sz="3200" i="1" smtClean="0">
+                            <a:latin typeface="Cambria Math" panose="02040503050406030204" pitchFamily="18" charset="0"/>
+                          </a:rPr>
+                          <m:t>K</m:t>
+                        </m:r>
+                      </m:e>
+                      <m:sub>
+                        <m:r>
+                          <a:rPr lang="en-US" altLang="zh-TW" sz="3200" i="1">
+                            <a:latin typeface="Cambria Math" panose="02040503050406030204" pitchFamily="18" charset="0"/>
+                          </a:rPr>
+                          <m:t>𝑖𝑛𝑝𝑢𝑡</m:t>
+                        </m:r>
+                      </m:sub>
+                    </m:sSub>
                   </m:oMath>
                 </a14:m>
                 <a:endParaRPr lang="en-US" altLang="zh-TW" sz="3200" dirty="0" smtClean="0">
@@ -4674,7 +4595,7 @@
             </p:txBody>
           </p:sp>
         </mc:Choice>
-        <mc:Fallback xmlns="">
+        <mc:Fallback>
           <p:sp>
             <p:nvSpPr>
               <p:cNvPr id="9" name="圓角矩形 8"/>
@@ -4685,8 +4606,8 @@
             </p:nvSpPr>
             <p:spPr>
               <a:xfrm>
-                <a:off x="605657" y="2132911"/>
-                <a:ext cx="1514615" cy="720000"/>
+                <a:off x="732495" y="2183218"/>
+                <a:ext cx="3174949" cy="1458544"/>
               </a:xfrm>
               <a:prstGeom prst="roundRect">
                 <a:avLst/>
@@ -4728,14 +4649,14 @@
           <p:nvPr/>
         </p:nvCxnSpPr>
         <p:spPr>
-          <a:xfrm>
-            <a:off x="2120272" y="2492911"/>
-            <a:ext cx="702986" cy="17687"/>
+          <a:xfrm flipV="1">
+            <a:off x="3907444" y="2559236"/>
+            <a:ext cx="987806" cy="353254"/>
           </a:xfrm>
           <a:prstGeom prst="straightConnector1">
             <a:avLst/>
           </a:prstGeom>
-          <a:ln w="127000">
+          <a:ln w="63500">
             <a:solidFill>
               <a:srgbClr val="FF0066"/>
             </a:solidFill>
@@ -4768,7 +4689,7 @@
         </p:nvCxnSpPr>
         <p:spPr>
           <a:xfrm>
-            <a:off x="4790584" y="2510598"/>
+            <a:off x="6862576" y="2559236"/>
             <a:ext cx="702986" cy="2526"/>
           </a:xfrm>
           <a:prstGeom prst="straightConnector1">
@@ -4804,7 +4725,7 @@
         </p:nvSpPr>
         <p:spPr>
           <a:xfrm>
-            <a:off x="2823258" y="2878177"/>
+            <a:off x="4895250" y="2926815"/>
             <a:ext cx="1967326" cy="720000"/>
           </a:xfrm>
           <a:prstGeom prst="roundRect">
@@ -4854,156 +4775,24 @@
           </a:p>
         </p:txBody>
       </p:sp>
-      <mc:AlternateContent xmlns:mc="http://schemas.openxmlformats.org/markup-compatibility/2006" xmlns:a14="http://schemas.microsoft.com/office/drawing/2010/main">
-        <mc:Choice Requires="a14">
-          <p:sp>
-            <p:nvSpPr>
-              <p:cNvPr id="63" name="圓角矩形 62"/>
-              <p:cNvSpPr/>
-              <p:nvPr/>
-            </p:nvSpPr>
-            <p:spPr>
-              <a:xfrm>
-                <a:off x="605657" y="2871455"/>
-                <a:ext cx="1514615" cy="720000"/>
-              </a:xfrm>
-              <a:prstGeom prst="roundRect">
-                <a:avLst/>
-              </a:prstGeom>
-              <a:solidFill>
-                <a:schemeClr val="bg1">
-                  <a:alpha val="0"/>
-                </a:schemeClr>
-              </a:solidFill>
-              <a:ln w="50800">
-                <a:solidFill>
-                  <a:schemeClr val="bg1"/>
-                </a:solidFill>
-              </a:ln>
-            </p:spPr>
-            <p:style>
-              <a:lnRef idx="2">
-                <a:schemeClr val="accent1">
-                  <a:shade val="50000"/>
-                </a:schemeClr>
-              </a:lnRef>
-              <a:fillRef idx="1">
-                <a:schemeClr val="accent1"/>
-              </a:fillRef>
-              <a:effectRef idx="0">
-                <a:schemeClr val="accent1"/>
-              </a:effectRef>
-              <a:fontRef idx="minor">
-                <a:schemeClr val="lt1"/>
-              </a:fontRef>
-            </p:style>
-            <p:txBody>
-              <a:bodyPr rtlCol="0" anchor="ctr"/>
-              <a:lstStyle/>
-              <a:p>
-                <a:pPr algn="ctr"/>
-                <a:r>
-                  <a:rPr lang="en-US" altLang="zh-TW" sz="3200" dirty="0" smtClean="0"/>
-                  <a:t> </a:t>
-                </a:r>
-                <a14:m>
-                  <m:oMath xmlns:m="http://schemas.openxmlformats.org/officeDocument/2006/math">
-                    <m:sSub>
-                      <m:sSubPr>
-                        <m:ctrlPr>
-                          <a:rPr lang="en-US" altLang="zh-TW" sz="3200" i="1" smtClean="0">
-                            <a:latin typeface="Cambria Math" panose="02040503050406030204" pitchFamily="18" charset="0"/>
-                          </a:rPr>
-                        </m:ctrlPr>
-                      </m:sSubPr>
-                      <m:e>
-                        <m:r>
-                          <a:rPr lang="en-US" altLang="zh-TW" sz="3200" b="0" i="1" smtClean="0">
-                            <a:latin typeface="Cambria Math" panose="02040503050406030204" pitchFamily="18" charset="0"/>
-                          </a:rPr>
-                          <m:t>𝐾</m:t>
-                        </m:r>
-                      </m:e>
-                      <m:sub>
-                        <m:r>
-                          <a:rPr lang="en-US" altLang="zh-TW" sz="3200" b="0" i="1" smtClean="0">
-                            <a:latin typeface="Cambria Math" panose="02040503050406030204" pitchFamily="18" charset="0"/>
-                          </a:rPr>
-                          <m:t>𝑖𝑛𝑝𝑢𝑡</m:t>
-                        </m:r>
-                      </m:sub>
-                    </m:sSub>
-                  </m:oMath>
-                </a14:m>
-                <a:endParaRPr lang="en-US" altLang="zh-TW" sz="3200" dirty="0" smtClean="0">
-                  <a:latin typeface="Source Code Pro" panose="020B0509030403020204" pitchFamily="49" charset="0"/>
-                </a:endParaRPr>
-              </a:p>
-            </p:txBody>
-          </p:sp>
-        </mc:Choice>
-        <mc:Fallback xmlns="">
-          <p:sp>
-            <p:nvSpPr>
-              <p:cNvPr id="63" name="圓角矩形 62"/>
-              <p:cNvSpPr>
-                <a:spLocks noRot="1" noChangeAspect="1" noMove="1" noResize="1" noEditPoints="1" noAdjustHandles="1" noChangeArrowheads="1" noChangeShapeType="1" noTextEdit="1"/>
-              </p:cNvSpPr>
-              <p:nvPr/>
-            </p:nvSpPr>
-            <p:spPr>
-              <a:xfrm>
-                <a:off x="605657" y="2871455"/>
-                <a:ext cx="1514615" cy="720000"/>
-              </a:xfrm>
-              <a:prstGeom prst="roundRect">
-                <a:avLst/>
-              </a:prstGeom>
-              <a:blipFill rotWithShape="0">
-                <a:blip r:embed="rId3"/>
-                <a:stretch>
-                  <a:fillRect/>
-                </a:stretch>
-              </a:blipFill>
-              <a:ln w="50800">
-                <a:solidFill>
-                  <a:schemeClr val="bg1"/>
-                </a:solidFill>
-              </a:ln>
-            </p:spPr>
-            <p:txBody>
-              <a:bodyPr/>
-              <a:lstStyle/>
-              <a:p>
-                <a:r>
-                  <a:rPr lang="zh-TW" altLang="en-US">
-                    <a:noFill/>
-                  </a:rPr>
-                  <a:t> </a:t>
-                </a:r>
-              </a:p>
-            </p:txBody>
-          </p:sp>
-        </mc:Fallback>
-      </mc:AlternateContent>
       <p:cxnSp>
         <p:nvCxnSpPr>
           <p:cNvPr id="64" name="直線單箭頭接點 63"/>
           <p:cNvCxnSpPr>
-            <a:stCxn id="63" idx="3"/>
+            <a:stCxn id="9" idx="3"/>
             <a:endCxn id="62" idx="1"/>
           </p:cNvCxnSpPr>
           <p:nvPr/>
         </p:nvCxnSpPr>
         <p:spPr>
           <a:xfrm>
-            <a:off x="2120272" y="3231455"/>
-            <a:ext cx="702986" cy="6722"/>
+            <a:off x="3907444" y="2912490"/>
+            <a:ext cx="987806" cy="374325"/>
           </a:xfrm>
           <a:prstGeom prst="straightConnector1">
             <a:avLst/>
           </a:prstGeom>
-          <a:ln w="127000">
+          <a:ln w="63500">
             <a:solidFill>
               <a:srgbClr val="FF0066"/>
             </a:solidFill>
@@ -5036,7 +4825,7 @@
         </p:nvCxnSpPr>
         <p:spPr>
           <a:xfrm flipV="1">
-            <a:off x="4790584" y="3233124"/>
+            <a:off x="6862576" y="3281762"/>
             <a:ext cx="702986" cy="5053"/>
           </a:xfrm>
           <a:prstGeom prst="straightConnector1">
@@ -5072,7 +4861,7 @@
         </p:nvSpPr>
         <p:spPr>
           <a:xfrm>
-            <a:off x="2831544" y="3608284"/>
+            <a:off x="4903536" y="3656922"/>
             <a:ext cx="1967326" cy="709893"/>
           </a:xfrm>
           <a:prstGeom prst="roundRect">
@@ -5122,8 +4911,8 @@
           </a:p>
         </p:txBody>
       </p:sp>
-      <mc:AlternateContent xmlns:mc="http://schemas.openxmlformats.org/markup-compatibility/2006" xmlns:a14="http://schemas.microsoft.com/office/drawing/2010/main">
-        <mc:Choice Requires="a14">
+      <mc:AlternateContent xmlns:mc="http://schemas.openxmlformats.org/markup-compatibility/2006">
+        <mc:Choice xmlns:a14="http://schemas.microsoft.com/office/drawing/2010/main" Requires="a14">
           <p:sp>
             <p:nvSpPr>
               <p:cNvPr id="68" name="圓角矩形 67"/>
@@ -5132,8 +4921,8 @@
             </p:nvSpPr>
             <p:spPr>
               <a:xfrm>
-                <a:off x="613943" y="3591455"/>
-                <a:ext cx="1514615" cy="720000"/>
+                <a:off x="740781" y="3641762"/>
+                <a:ext cx="3174949" cy="720000"/>
               </a:xfrm>
               <a:prstGeom prst="roundRect">
                 <a:avLst/>
@@ -5210,7 +4999,7 @@
             </p:txBody>
           </p:sp>
         </mc:Choice>
-        <mc:Fallback xmlns="">
+        <mc:Fallback>
           <p:sp>
             <p:nvSpPr>
               <p:cNvPr id="68" name="圓角矩形 67"/>
@@ -5221,14 +5010,14 @@
             </p:nvSpPr>
             <p:spPr>
               <a:xfrm>
-                <a:off x="613943" y="3591455"/>
-                <a:ext cx="1514615" cy="720000"/>
+                <a:off x="740781" y="3641762"/>
+                <a:ext cx="3174949" cy="720000"/>
               </a:xfrm>
               <a:prstGeom prst="roundRect">
                 <a:avLst/>
               </a:prstGeom>
               <a:blipFill rotWithShape="0">
-                <a:blip r:embed="rId4"/>
+                <a:blip r:embed="rId3"/>
                 <a:stretch>
                   <a:fillRect/>
                 </a:stretch>
@@ -5265,8 +5054,8 @@
         </p:nvCxnSpPr>
         <p:spPr>
           <a:xfrm>
-            <a:off x="2128558" y="3951455"/>
-            <a:ext cx="702986" cy="11776"/>
+            <a:off x="3915730" y="4001762"/>
+            <a:ext cx="987806" cy="10107"/>
           </a:xfrm>
           <a:prstGeom prst="straightConnector1">
             <a:avLst/>
@@ -5304,7 +5093,7 @@
         </p:nvCxnSpPr>
         <p:spPr>
           <a:xfrm flipV="1">
-            <a:off x="4798870" y="3953124"/>
+            <a:off x="6870862" y="4001762"/>
             <a:ext cx="694700" cy="10107"/>
           </a:xfrm>
           <a:prstGeom prst="straightConnector1">
@@ -5340,14 +5129,16 @@
         </p:nvSpPr>
         <p:spPr>
           <a:xfrm>
-            <a:off x="5905228" y="1682026"/>
+            <a:off x="7977220" y="1730664"/>
             <a:ext cx="3207403" cy="2998805"/>
           </a:xfrm>
           <a:prstGeom prst="roundRect">
             <a:avLst/>
           </a:prstGeom>
           <a:solidFill>
-            <a:srgbClr val="191919"/>
+            <a:srgbClr val="191919">
+              <a:alpha val="0"/>
+            </a:srgbClr>
           </a:solidFill>
           <a:ln w="50800">
             <a:solidFill>
@@ -5410,14 +5201,14 @@
         </p:nvSpPr>
         <p:spPr>
           <a:xfrm>
-            <a:off x="5493570" y="2153124"/>
+            <a:off x="7565562" y="2201762"/>
             <a:ext cx="720000" cy="720000"/>
           </a:xfrm>
           <a:prstGeom prst="roundRect">
             <a:avLst/>
           </a:prstGeom>
           <a:solidFill>
-            <a:srgbClr val="191919"/>
+            <a:schemeClr val="accent6"/>
           </a:solidFill>
           <a:ln w="50800">
             <a:solidFill>
@@ -5466,14 +5257,14 @@
         </p:nvSpPr>
         <p:spPr>
           <a:xfrm>
-            <a:off x="5493570" y="2873124"/>
+            <a:off x="7565562" y="2921762"/>
             <a:ext cx="720000" cy="720000"/>
           </a:xfrm>
           <a:prstGeom prst="roundRect">
             <a:avLst/>
           </a:prstGeom>
           <a:solidFill>
-            <a:srgbClr val="191919"/>
+            <a:schemeClr val="accent6"/>
           </a:solidFill>
           <a:ln w="50800">
             <a:solidFill>
@@ -5519,14 +5310,14 @@
         </p:nvSpPr>
         <p:spPr>
           <a:xfrm>
-            <a:off x="5493570" y="3593124"/>
+            <a:off x="7565562" y="3641762"/>
             <a:ext cx="720000" cy="720000"/>
           </a:xfrm>
           <a:prstGeom prst="roundRect">
             <a:avLst/>
           </a:prstGeom>
           <a:solidFill>
-            <a:srgbClr val="191919"/>
+            <a:srgbClr val="7030A0"/>
           </a:solidFill>
           <a:ln w="50800">
             <a:solidFill>
@@ -5612,8 +5403,8 @@
           <a:chExt cx="0" cy="0"/>
         </a:xfrm>
       </p:grpSpPr>
-      <mc:AlternateContent xmlns:mc="http://schemas.openxmlformats.org/markup-compatibility/2006" xmlns:a14="http://schemas.microsoft.com/office/drawing/2010/main">
-        <mc:Choice Requires="a14">
+      <mc:AlternateContent xmlns:mc="http://schemas.openxmlformats.org/markup-compatibility/2006">
+        <mc:Choice xmlns:a14="http://schemas.microsoft.com/office/drawing/2010/main" Requires="a14">
           <p:sp>
             <p:nvSpPr>
               <p:cNvPr id="33" name="圓角矩形 32"/>
@@ -5622,7 +5413,7 @@
             </p:nvSpPr>
             <p:spPr>
               <a:xfrm>
-                <a:off x="2496370" y="3160584"/>
+                <a:off x="2501911" y="3159330"/>
                 <a:ext cx="940191" cy="720000"/>
               </a:xfrm>
               <a:prstGeom prst="roundRect">
@@ -5686,7 +5477,7 @@
             </p:txBody>
           </p:sp>
         </mc:Choice>
-        <mc:Fallback xmlns="">
+        <mc:Fallback>
           <p:sp>
             <p:nvSpPr>
               <p:cNvPr id="33" name="圓角矩形 32"/>
@@ -5697,7 +5488,7 @@
             </p:nvSpPr>
             <p:spPr>
               <a:xfrm>
-                <a:off x="2496370" y="3160584"/>
+                <a:off x="2501911" y="3159330"/>
                 <a:ext cx="940191" cy="720000"/>
               </a:xfrm>
               <a:prstGeom prst="roundRect">
@@ -5732,8 +5523,8 @@
           </p:sp>
         </mc:Fallback>
       </mc:AlternateContent>
-      <mc:AlternateContent xmlns:mc="http://schemas.openxmlformats.org/markup-compatibility/2006" xmlns:a14="http://schemas.microsoft.com/office/drawing/2010/main">
-        <mc:Choice Requires="a14">
+      <mc:AlternateContent xmlns:mc="http://schemas.openxmlformats.org/markup-compatibility/2006">
+        <mc:Choice xmlns:a14="http://schemas.microsoft.com/office/drawing/2010/main" Requires="a14">
           <p:sp>
             <p:nvSpPr>
               <p:cNvPr id="72" name="圓角矩形 71"/>
@@ -5742,7 +5533,7 @@
             </p:nvSpPr>
             <p:spPr>
               <a:xfrm>
-                <a:off x="7000142" y="3040317"/>
+                <a:off x="7016464" y="3288835"/>
                 <a:ext cx="940191" cy="720000"/>
               </a:xfrm>
               <a:prstGeom prst="roundRect">
@@ -5806,7 +5597,7 @@
             </p:txBody>
           </p:sp>
         </mc:Choice>
-        <mc:Fallback xmlns="">
+        <mc:Fallback>
           <p:sp>
             <p:nvSpPr>
               <p:cNvPr id="72" name="圓角矩形 71"/>
@@ -5817,7 +5608,7 @@
             </p:nvSpPr>
             <p:spPr>
               <a:xfrm>
-                <a:off x="7000142" y="3040317"/>
+                <a:off x="7016464" y="3288835"/>
                 <a:ext cx="940191" cy="720000"/>
               </a:xfrm>
               <a:prstGeom prst="roundRect">
@@ -9119,9 +8910,6 @@
               </a:rPr>
               <a:t>QK</a:t>
             </a:r>
-            <a:endParaRPr lang="en-US" altLang="zh-TW" sz="4800" dirty="0" smtClean="0">
-              <a:latin typeface="Source Code Pro" panose="020B0509030403020204" pitchFamily="49" charset="0"/>
-            </a:endParaRPr>
           </a:p>
         </p:txBody>
       </p:sp>
@@ -9170,8 +8958,8 @@
           <a:chExt cx="0" cy="0"/>
         </a:xfrm>
       </p:grpSpPr>
-      <mc:AlternateContent xmlns:mc="http://schemas.openxmlformats.org/markup-compatibility/2006">
-        <mc:Choice xmlns:a14="http://schemas.microsoft.com/office/drawing/2010/main" Requires="a14">
+      <mc:AlternateContent xmlns:mc="http://schemas.openxmlformats.org/markup-compatibility/2006" xmlns:a14="http://schemas.microsoft.com/office/drawing/2010/main">
+        <mc:Choice Requires="a14">
           <p:sp>
             <p:nvSpPr>
               <p:cNvPr id="43" name="圓角矩形 42"/>
@@ -9243,7 +9031,7 @@
             </p:txBody>
           </p:sp>
         </mc:Choice>
-        <mc:Fallback>
+        <mc:Fallback xmlns="">
           <p:sp>
             <p:nvSpPr>
               <p:cNvPr id="43" name="圓角矩形 42"/>
@@ -9289,8 +9077,8 @@
           </p:sp>
         </mc:Fallback>
       </mc:AlternateContent>
-      <mc:AlternateContent xmlns:mc="http://schemas.openxmlformats.org/markup-compatibility/2006">
-        <mc:Choice xmlns:a14="http://schemas.microsoft.com/office/drawing/2010/main" Requires="a14">
+      <mc:AlternateContent xmlns:mc="http://schemas.openxmlformats.org/markup-compatibility/2006" xmlns:a14="http://schemas.microsoft.com/office/drawing/2010/main">
+        <mc:Choice Requires="a14">
           <p:sp>
             <p:nvSpPr>
               <p:cNvPr id="44" name="圓角矩形 43"/>
@@ -9428,7 +9216,7 @@
             </p:txBody>
           </p:sp>
         </mc:Choice>
-        <mc:Fallback>
+        <mc:Fallback xmlns="">
           <p:sp>
             <p:nvSpPr>
               <p:cNvPr id="44" name="圓角矩形 43"/>
@@ -13542,8 +13330,8 @@
           </p:sp>
         </p:grpSp>
       </p:grpSp>
-      <mc:AlternateContent xmlns:mc="http://schemas.openxmlformats.org/markup-compatibility/2006">
-        <mc:Choice xmlns:a14="http://schemas.microsoft.com/office/drawing/2010/main" Requires="a14">
+      <mc:AlternateContent xmlns:mc="http://schemas.openxmlformats.org/markup-compatibility/2006" xmlns:a14="http://schemas.microsoft.com/office/drawing/2010/main">
+        <mc:Choice Requires="a14">
           <p:sp>
             <p:nvSpPr>
               <p:cNvPr id="135" name="圓角矩形 134"/>
@@ -13614,7 +13402,7 @@
             </p:txBody>
           </p:sp>
         </mc:Choice>
-        <mc:Fallback>
+        <mc:Fallback xmlns="">
           <p:sp>
             <p:nvSpPr>
               <p:cNvPr id="135" name="圓角矩形 134"/>
@@ -13660,8 +13448,8 @@
           </p:sp>
         </mc:Fallback>
       </mc:AlternateContent>
-      <mc:AlternateContent xmlns:mc="http://schemas.openxmlformats.org/markup-compatibility/2006">
-        <mc:Choice xmlns:a14="http://schemas.microsoft.com/office/drawing/2010/main" Requires="a14">
+      <mc:AlternateContent xmlns:mc="http://schemas.openxmlformats.org/markup-compatibility/2006" xmlns:a14="http://schemas.microsoft.com/office/drawing/2010/main">
+        <mc:Choice Requires="a14">
           <p:sp>
             <p:nvSpPr>
               <p:cNvPr id="136" name="圓角矩形 135"/>
@@ -13732,7 +13520,7 @@
             </p:txBody>
           </p:sp>
         </mc:Choice>
-        <mc:Fallback>
+        <mc:Fallback xmlns="">
           <p:sp>
             <p:nvSpPr>
               <p:cNvPr id="136" name="圓角矩形 135"/>
@@ -13778,8 +13566,8 @@
           </p:sp>
         </mc:Fallback>
       </mc:AlternateContent>
-      <mc:AlternateContent xmlns:mc="http://schemas.openxmlformats.org/markup-compatibility/2006">
-        <mc:Choice xmlns:a14="http://schemas.microsoft.com/office/drawing/2010/main" Requires="a14">
+      <mc:AlternateContent xmlns:mc="http://schemas.openxmlformats.org/markup-compatibility/2006" xmlns:a14="http://schemas.microsoft.com/office/drawing/2010/main">
+        <mc:Choice Requires="a14">
           <p:sp>
             <p:nvSpPr>
               <p:cNvPr id="137" name="圓角矩形 136"/>
@@ -13850,7 +13638,7 @@
             </p:txBody>
           </p:sp>
         </mc:Choice>
-        <mc:Fallback>
+        <mc:Fallback xmlns="">
           <p:sp>
             <p:nvSpPr>
               <p:cNvPr id="137" name="圓角矩形 136"/>
@@ -13955,9 +13743,6 @@
               </a:rPr>
               <a:t>Weight</a:t>
             </a:r>
-            <a:endParaRPr lang="en-US" altLang="zh-TW" sz="3200" dirty="0" smtClean="0">
-              <a:latin typeface="Source Code Pro" panose="020B0509030403020204" pitchFamily="49" charset="0"/>
-            </a:endParaRPr>
           </a:p>
         </p:txBody>
       </p:sp>
@@ -14014,7 +13799,7 @@
         </p:nvGrpSpPr>
         <p:grpSpPr>
           <a:xfrm>
-            <a:off x="625760" y="1506723"/>
+            <a:off x="206055" y="1506723"/>
             <a:ext cx="3427372" cy="3426804"/>
             <a:chOff x="7359221" y="1625917"/>
             <a:chExt cx="3427372" cy="3426804"/>
@@ -17246,7 +17031,7 @@
         </p:nvSpPr>
         <p:spPr>
           <a:xfrm>
-            <a:off x="5685858" y="701457"/>
+            <a:off x="5544426" y="701457"/>
             <a:ext cx="1634565" cy="720000"/>
           </a:xfrm>
           <a:prstGeom prst="roundRect">
@@ -17293,12 +17078,6 @@
               </a:rPr>
               <a:t>-1e30</a:t>
             </a:r>
-            <a:endParaRPr lang="en-US" altLang="zh-TW" sz="3200" dirty="0" smtClean="0">
-              <a:ln w="19050">
-                <a:noFill/>
-              </a:ln>
-              <a:latin typeface="Source Code Pro" panose="020B0509030403020204" pitchFamily="49" charset="0"/>
-            </a:endParaRPr>
           </a:p>
         </p:txBody>
       </p:sp>
@@ -17313,7 +17092,7 @@
         </p:nvCxnSpPr>
         <p:spPr>
           <a:xfrm rot="10800000" flipV="1">
-            <a:off x="5653736" y="1061456"/>
+            <a:off x="5512304" y="1061456"/>
             <a:ext cx="32122" cy="1297381"/>
           </a:xfrm>
           <a:prstGeom prst="bentConnector3">
@@ -17352,7 +17131,7 @@
         </p:nvGrpSpPr>
         <p:grpSpPr>
           <a:xfrm>
-            <a:off x="4492138" y="1494508"/>
+            <a:off x="4350706" y="1494508"/>
             <a:ext cx="3440474" cy="3426804"/>
             <a:chOff x="7330556" y="1857078"/>
             <a:chExt cx="3440474" cy="3426804"/>
@@ -19012,7 +18791,7 @@
         </p:nvSpPr>
         <p:spPr>
           <a:xfrm>
-            <a:off x="5168819" y="5134911"/>
+            <a:off x="5027387" y="5134911"/>
             <a:ext cx="2668641" cy="720000"/>
           </a:xfrm>
           <a:prstGeom prst="roundRect">
@@ -19054,9 +18833,6 @@
               </a:rPr>
               <a:t>Masking</a:t>
             </a:r>
-            <a:endParaRPr lang="en-US" altLang="zh-TW" sz="3200" dirty="0" smtClean="0">
-              <a:latin typeface="Source Code Pro" panose="020B0509030403020204" pitchFamily="49" charset="0"/>
-            </a:endParaRPr>
           </a:p>
         </p:txBody>
       </p:sp>
@@ -19068,7 +18844,7 @@
         </p:nvSpPr>
         <p:spPr>
           <a:xfrm>
-            <a:off x="2007124" y="5165129"/>
+            <a:off x="1587419" y="5165129"/>
             <a:ext cx="1228305" cy="720000"/>
           </a:xfrm>
           <a:prstGeom prst="roundRect">
@@ -19110,9 +18886,6 @@
               </a:rPr>
               <a:t>QK</a:t>
             </a:r>
-            <a:endParaRPr lang="en-US" altLang="zh-TW" sz="4800" dirty="0" smtClean="0">
-              <a:latin typeface="Source Code Pro" panose="020B0509030403020204" pitchFamily="49" charset="0"/>
-            </a:endParaRPr>
           </a:p>
         </p:txBody>
       </p:sp>
@@ -19180,9 +18953,6 @@
                 </a:rPr>
                 <a:t>QK</a:t>
               </a:r>
-              <a:endParaRPr lang="en-US" altLang="zh-TW" sz="4800" dirty="0" smtClean="0">
-                <a:latin typeface="Source Code Pro" panose="020B0509030403020204" pitchFamily="49" charset="0"/>
-              </a:endParaRPr>
             </a:p>
           </p:txBody>
         </p:sp>
@@ -19236,13 +19006,250 @@
                 </a:rPr>
                 <a:t>Masking</a:t>
               </a:r>
-              <a:endParaRPr lang="en-US" altLang="zh-TW" sz="2800" dirty="0" smtClean="0">
-                <a:latin typeface="Source Code Pro" panose="020B0509030403020204" pitchFamily="49" charset="0"/>
-              </a:endParaRPr>
             </a:p>
           </p:txBody>
         </p:sp>
       </p:grpSp>
+      <mc:AlternateContent xmlns:mc="http://schemas.openxmlformats.org/markup-compatibility/2006">
+        <mc:Choice xmlns:a14="http://schemas.microsoft.com/office/drawing/2010/main" Requires="a14">
+          <p:sp>
+            <p:nvSpPr>
+              <p:cNvPr id="127" name="圓角矩形 126"/>
+              <p:cNvSpPr/>
+              <p:nvPr/>
+            </p:nvSpPr>
+            <p:spPr>
+              <a:xfrm>
+                <a:off x="3576276" y="3081154"/>
+                <a:ext cx="940191" cy="720000"/>
+              </a:xfrm>
+              <a:prstGeom prst="roundRect">
+                <a:avLst/>
+              </a:prstGeom>
+              <a:solidFill>
+                <a:schemeClr val="bg1">
+                  <a:alpha val="0"/>
+                </a:schemeClr>
+              </a:solidFill>
+              <a:ln w="50800">
+                <a:solidFill>
+                  <a:schemeClr val="bg1">
+                    <a:alpha val="0"/>
+                  </a:schemeClr>
+                </a:solidFill>
+              </a:ln>
+            </p:spPr>
+            <p:style>
+              <a:lnRef idx="2">
+                <a:schemeClr val="accent1">
+                  <a:shade val="50000"/>
+                </a:schemeClr>
+              </a:lnRef>
+              <a:fillRef idx="1">
+                <a:schemeClr val="accent1"/>
+              </a:fillRef>
+              <a:effectRef idx="0">
+                <a:schemeClr val="accent1"/>
+              </a:effectRef>
+              <a:fontRef idx="minor">
+                <a:schemeClr val="lt1"/>
+              </a:fontRef>
+            </p:style>
+            <p:txBody>
+              <a:bodyPr rtlCol="0" anchor="ctr"/>
+              <a:lstStyle/>
+              <a:p>
+                <a:pPr algn="ctr"/>
+                <a:r>
+                  <a:rPr lang="zh-TW" altLang="en-US" sz="4800" dirty="0" smtClean="0">
+                    <a:ea typeface="Cambria Math" panose="02040503050406030204" pitchFamily="18" charset="0"/>
+                  </a:rPr>
+                  <a:t> </a:t>
+                </a:r>
+                <a14:m>
+                  <m:oMath xmlns:m="http://schemas.openxmlformats.org/officeDocument/2006/math">
+                    <m:r>
+                      <a:rPr lang="en-US" altLang="zh-TW" sz="4800" b="0" i="1" smtClean="0">
+                        <a:latin typeface="Cambria Math" panose="02040503050406030204" pitchFamily="18" charset="0"/>
+                        <a:ea typeface="Cambria Math" panose="02040503050406030204" pitchFamily="18" charset="0"/>
+                      </a:rPr>
+                      <m:t>+</m:t>
+                    </m:r>
+                  </m:oMath>
+                </a14:m>
+                <a:endParaRPr lang="en-US" altLang="zh-TW" sz="4800" b="0" dirty="0" smtClean="0">
+                  <a:ea typeface="Cambria Math" panose="02040503050406030204" pitchFamily="18" charset="0"/>
+                </a:endParaRPr>
+              </a:p>
+            </p:txBody>
+          </p:sp>
+        </mc:Choice>
+        <mc:Fallback>
+          <p:sp>
+            <p:nvSpPr>
+              <p:cNvPr id="127" name="圓角矩形 126"/>
+              <p:cNvSpPr>
+                <a:spLocks noRot="1" noChangeAspect="1" noMove="1" noResize="1" noEditPoints="1" noAdjustHandles="1" noChangeArrowheads="1" noChangeShapeType="1" noTextEdit="1"/>
+              </p:cNvSpPr>
+              <p:nvPr/>
+            </p:nvSpPr>
+            <p:spPr>
+              <a:xfrm>
+                <a:off x="3576276" y="3081154"/>
+                <a:ext cx="940191" cy="720000"/>
+              </a:xfrm>
+              <a:prstGeom prst="roundRect">
+                <a:avLst/>
+              </a:prstGeom>
+              <a:blipFill rotWithShape="0">
+                <a:blip r:embed="rId2"/>
+                <a:stretch>
+                  <a:fillRect/>
+                </a:stretch>
+              </a:blipFill>
+              <a:ln w="50800">
+                <a:solidFill>
+                  <a:schemeClr val="bg1">
+                    <a:alpha val="0"/>
+                  </a:schemeClr>
+                </a:solidFill>
+              </a:ln>
+            </p:spPr>
+            <p:txBody>
+              <a:bodyPr/>
+              <a:lstStyle/>
+              <a:p>
+                <a:r>
+                  <a:rPr lang="zh-TW" altLang="en-US">
+                    <a:noFill/>
+                  </a:rPr>
+                  <a:t> </a:t>
+                </a:r>
+              </a:p>
+            </p:txBody>
+          </p:sp>
+        </mc:Fallback>
+      </mc:AlternateContent>
+      <mc:AlternateContent xmlns:mc="http://schemas.openxmlformats.org/markup-compatibility/2006">
+        <mc:Choice xmlns:a14="http://schemas.microsoft.com/office/drawing/2010/main" Requires="a14">
+          <p:sp>
+            <p:nvSpPr>
+              <p:cNvPr id="130" name="圓角矩形 129"/>
+              <p:cNvSpPr/>
+              <p:nvPr/>
+            </p:nvSpPr>
+            <p:spPr>
+              <a:xfrm>
+                <a:off x="7714911" y="3131211"/>
+                <a:ext cx="940191" cy="720000"/>
+              </a:xfrm>
+              <a:prstGeom prst="roundRect">
+                <a:avLst/>
+              </a:prstGeom>
+              <a:solidFill>
+                <a:schemeClr val="bg1">
+                  <a:alpha val="0"/>
+                </a:schemeClr>
+              </a:solidFill>
+              <a:ln w="50800">
+                <a:solidFill>
+                  <a:schemeClr val="bg1">
+                    <a:alpha val="0"/>
+                  </a:schemeClr>
+                </a:solidFill>
+              </a:ln>
+            </p:spPr>
+            <p:style>
+              <a:lnRef idx="2">
+                <a:schemeClr val="accent1">
+                  <a:shade val="50000"/>
+                </a:schemeClr>
+              </a:lnRef>
+              <a:fillRef idx="1">
+                <a:schemeClr val="accent1"/>
+              </a:fillRef>
+              <a:effectRef idx="0">
+                <a:schemeClr val="accent1"/>
+              </a:effectRef>
+              <a:fontRef idx="minor">
+                <a:schemeClr val="lt1"/>
+              </a:fontRef>
+            </p:style>
+            <p:txBody>
+              <a:bodyPr rtlCol="0" anchor="ctr"/>
+              <a:lstStyle/>
+              <a:p>
+                <a:pPr algn="ctr"/>
+                <a:r>
+                  <a:rPr lang="zh-TW" altLang="en-US" sz="4800" dirty="0" smtClean="0">
+                    <a:ea typeface="Cambria Math" panose="02040503050406030204" pitchFamily="18" charset="0"/>
+                  </a:rPr>
+                  <a:t> </a:t>
+                </a:r>
+                <a14:m>
+                  <m:oMath xmlns:m="http://schemas.openxmlformats.org/officeDocument/2006/math">
+                    <m:r>
+                      <a:rPr lang="en-US" altLang="zh-TW" sz="4800" i="1" dirty="0">
+                        <a:latin typeface="Cambria Math" panose="02040503050406030204" pitchFamily="18" charset="0"/>
+                        <a:ea typeface="Cambria Math" panose="02040503050406030204" pitchFamily="18" charset="0"/>
+                      </a:rPr>
+                      <m:t>=</m:t>
+                    </m:r>
+                  </m:oMath>
+                </a14:m>
+                <a:endParaRPr lang="en-US" altLang="zh-TW" sz="4800" dirty="0" smtClean="0">
+                  <a:latin typeface="Source Code Pro" panose="020B0509030403020204" pitchFamily="49" charset="0"/>
+                </a:endParaRPr>
+              </a:p>
+            </p:txBody>
+          </p:sp>
+        </mc:Choice>
+        <mc:Fallback>
+          <p:sp>
+            <p:nvSpPr>
+              <p:cNvPr id="130" name="圓角矩形 129"/>
+              <p:cNvSpPr>
+                <a:spLocks noRot="1" noChangeAspect="1" noMove="1" noResize="1" noEditPoints="1" noAdjustHandles="1" noChangeArrowheads="1" noChangeShapeType="1" noTextEdit="1"/>
+              </p:cNvSpPr>
+              <p:nvPr/>
+            </p:nvSpPr>
+            <p:spPr>
+              <a:xfrm>
+                <a:off x="7714911" y="3131211"/>
+                <a:ext cx="940191" cy="720000"/>
+              </a:xfrm>
+              <a:prstGeom prst="roundRect">
+                <a:avLst/>
+              </a:prstGeom>
+              <a:blipFill rotWithShape="0">
+                <a:blip r:embed="rId3"/>
+                <a:stretch>
+                  <a:fillRect/>
+                </a:stretch>
+              </a:blipFill>
+              <a:ln w="50800">
+                <a:solidFill>
+                  <a:schemeClr val="bg1">
+                    <a:alpha val="0"/>
+                  </a:schemeClr>
+                </a:solidFill>
+              </a:ln>
+            </p:spPr>
+            <p:txBody>
+              <a:bodyPr/>
+              <a:lstStyle/>
+              <a:p>
+                <a:r>
+                  <a:rPr lang="zh-TW" altLang="en-US">
+                    <a:noFill/>
+                  </a:rPr>
+                  <a:t> </a:t>
+                </a:r>
+              </a:p>
+            </p:txBody>
+          </p:sp>
+        </mc:Fallback>
+      </mc:AlternateContent>
     </p:spTree>
     <p:extLst>
       <p:ext uri="{BB962C8B-B14F-4D97-AF65-F5344CB8AC3E}">
@@ -19253,11 +19260,11 @@
   <p:clrMapOvr>
     <a:masterClrMapping/>
   </p:clrMapOvr>
-  <mc:AlternateContent xmlns:mc="http://schemas.openxmlformats.org/markup-compatibility/2006">
-    <mc:Choice xmlns:p14="http://schemas.microsoft.com/office/powerpoint/2010/main" Requires="p14">
+  <mc:AlternateContent xmlns:mc="http://schemas.openxmlformats.org/markup-compatibility/2006" xmlns:p14="http://schemas.microsoft.com/office/powerpoint/2010/main">
+    <mc:Choice Requires="p14">
       <p:transition spd="slow" p14:dur="2000" advTm="1390"/>
     </mc:Choice>
-    <mc:Fallback>
+    <mc:Fallback xmlns="">
       <p:transition spd="slow" advTm="1390"/>
     </mc:Fallback>
   </mc:AlternateContent>
@@ -19296,8 +19303,8 @@
           <a:chExt cx="0" cy="0"/>
         </a:xfrm>
       </p:grpSpPr>
-      <mc:AlternateContent xmlns:mc="http://schemas.openxmlformats.org/markup-compatibility/2006" xmlns:a14="http://schemas.microsoft.com/office/drawing/2010/main">
-        <mc:Choice Requires="a14">
+      <mc:AlternateContent xmlns:mc="http://schemas.openxmlformats.org/markup-compatibility/2006">
+        <mc:Choice xmlns:a14="http://schemas.microsoft.com/office/drawing/2010/main" Requires="a14">
           <p:sp>
             <p:nvSpPr>
               <p:cNvPr id="93" name="圓角矩形 92"/>
@@ -19306,7 +19313,7 @@
             </p:nvSpPr>
             <p:spPr>
               <a:xfrm>
-                <a:off x="4010583" y="3245939"/>
+                <a:off x="3930995" y="3519949"/>
                 <a:ext cx="940191" cy="720000"/>
               </a:xfrm>
               <a:prstGeom prst="roundRect">
@@ -19370,7 +19377,7 @@
             </p:txBody>
           </p:sp>
         </mc:Choice>
-        <mc:Fallback xmlns="">
+        <mc:Fallback>
           <p:sp>
             <p:nvSpPr>
               <p:cNvPr id="93" name="圓角矩形 92"/>
@@ -19381,7 +19388,7 @@
             </p:nvSpPr>
             <p:spPr>
               <a:xfrm>
-                <a:off x="4010583" y="3245939"/>
+                <a:off x="3930995" y="3519949"/>
                 <a:ext cx="940191" cy="720000"/>
               </a:xfrm>
               <a:prstGeom prst="roundRect">
@@ -19416,8 +19423,8 @@
           </p:sp>
         </mc:Fallback>
       </mc:AlternateContent>
-      <mc:AlternateContent xmlns:mc="http://schemas.openxmlformats.org/markup-compatibility/2006" xmlns:a14="http://schemas.microsoft.com/office/drawing/2010/main">
-        <mc:Choice Requires="a14">
+      <mc:AlternateContent xmlns:mc="http://schemas.openxmlformats.org/markup-compatibility/2006">
+        <mc:Choice xmlns:a14="http://schemas.microsoft.com/office/drawing/2010/main" Requires="a14">
           <p:sp>
             <p:nvSpPr>
               <p:cNvPr id="94" name="圓角矩形 93"/>
@@ -19426,7 +19433,7 @@
             </p:nvSpPr>
             <p:spPr>
               <a:xfrm>
-                <a:off x="7191007" y="3385457"/>
+                <a:off x="7277629" y="3583268"/>
                 <a:ext cx="940191" cy="720000"/>
               </a:xfrm>
               <a:prstGeom prst="roundRect">
@@ -19490,7 +19497,7 @@
             </p:txBody>
           </p:sp>
         </mc:Choice>
-        <mc:Fallback xmlns="">
+        <mc:Fallback>
           <p:sp>
             <p:nvSpPr>
               <p:cNvPr id="94" name="圓角矩形 93"/>
@@ -19501,7 +19508,7 @@
             </p:nvSpPr>
             <p:spPr>
               <a:xfrm>
-                <a:off x="7191007" y="3385457"/>
+                <a:off x="7277629" y="3583268"/>
                 <a:ext cx="940191" cy="720000"/>
               </a:xfrm>
               <a:prstGeom prst="roundRect">
@@ -21136,9 +21143,6 @@
               </a:rPr>
               <a:t>Weight</a:t>
             </a:r>
-            <a:endParaRPr lang="en-US" altLang="zh-TW" sz="3200" dirty="0" smtClean="0">
-              <a:latin typeface="Source Code Pro" panose="020B0509030403020204" pitchFamily="49" charset="0"/>
-            </a:endParaRPr>
           </a:p>
         </p:txBody>
       </p:sp>
@@ -23073,11 +23077,11 @@
   <p:clrMapOvr>
     <a:masterClrMapping/>
   </p:clrMapOvr>
-  <mc:AlternateContent xmlns:mc="http://schemas.openxmlformats.org/markup-compatibility/2006">
-    <mc:Choice xmlns:p14="http://schemas.microsoft.com/office/powerpoint/2010/main" Requires="p14">
+  <mc:AlternateContent xmlns:mc="http://schemas.openxmlformats.org/markup-compatibility/2006" xmlns:p14="http://schemas.microsoft.com/office/powerpoint/2010/main">
+    <mc:Choice Requires="p14">
       <p:transition spd="slow" p14:dur="2000" advTm="1050"/>
     </mc:Choice>
-    <mc:Fallback>
+    <mc:Fallback xmlns="">
       <p:transition spd="slow" advTm="1050"/>
     </mc:Fallback>
   </mc:AlternateContent>
@@ -23685,8 +23689,8 @@
               </a:p>
             </p:txBody>
           </p:sp>
-          <mc:AlternateContent xmlns:mc="http://schemas.openxmlformats.org/markup-compatibility/2006">
-            <mc:Choice xmlns:a14="http://schemas.microsoft.com/office/drawing/2010/main" Requires="a14">
+          <mc:AlternateContent xmlns:mc="http://schemas.openxmlformats.org/markup-compatibility/2006" xmlns:a14="http://schemas.microsoft.com/office/drawing/2010/main">
+            <mc:Choice Requires="a14">
               <p:sp>
                 <p:nvSpPr>
                   <p:cNvPr id="27" name="圓角矩形 26"/>
@@ -23741,14 +23745,7 @@
                         <a:latin typeface="SauceCodePro Nerd Font" panose="020B0509030403020204" pitchFamily="49" charset="0"/>
                         <a:ea typeface="SauceCodePro Nerd Font" panose="020B0509030403020204" pitchFamily="49" charset="0"/>
                       </a:rPr>
-                      <a:t>V </a:t>
-                    </a:r>
-                    <a:r>
-                      <a:rPr lang="en-US" altLang="zh-TW" sz="2400" dirty="0" smtClean="0">
-                        <a:latin typeface="SauceCodePro Nerd Font" panose="020B0509030403020204" pitchFamily="49" charset="0"/>
-                        <a:ea typeface="SauceCodePro Nerd Font" panose="020B0509030403020204" pitchFamily="49" charset="0"/>
-                      </a:rPr>
-                      <a:t>depth</a:t>
+                      <a:t>V depth</a:t>
                     </a:r>
                     <a:r>
                       <a:rPr lang="zh-TW" altLang="en-US" sz="2400" dirty="0" smtClean="0">
@@ -23789,7 +23786,7 @@
                 </p:txBody>
               </p:sp>
             </mc:Choice>
-            <mc:Fallback>
+            <mc:Fallback xmlns="">
               <p:sp>
                 <p:nvSpPr>
                   <p:cNvPr id="27" name="圓角矩形 26"/>
@@ -25083,9 +25080,6 @@
               </a:rPr>
               <a:t>Multi-Head Attention Output</a:t>
             </a:r>
-            <a:endParaRPr lang="en-US" altLang="zh-TW" sz="3200" dirty="0" smtClean="0">
-              <a:latin typeface="Source Code Pro" panose="020B0509030403020204" pitchFamily="49" charset="0"/>
-            </a:endParaRPr>
           </a:p>
         </p:txBody>
       </p:sp>
@@ -25138,11 +25132,11 @@
   <p:clrMapOvr>
     <a:masterClrMapping/>
   </p:clrMapOvr>
-  <mc:AlternateContent xmlns:mc="http://schemas.openxmlformats.org/markup-compatibility/2006">
-    <mc:Choice xmlns:p14="http://schemas.microsoft.com/office/powerpoint/2010/main" Requires="p14">
+  <mc:AlternateContent xmlns:mc="http://schemas.openxmlformats.org/markup-compatibility/2006" xmlns:p14="http://schemas.microsoft.com/office/powerpoint/2010/main">
+    <mc:Choice Requires="p14">
       <p:transition spd="slow" p14:dur="2000" advTm="543"/>
     </mc:Choice>
-    <mc:Fallback>
+    <mc:Fallback xmlns="">
       <p:transition spd="slow" advTm="543"/>
     </mc:Fallback>
   </mc:AlternateContent>

--- a/Attention-is-all-you-need/image.pptx
+++ b/Attention-is-all-you-need/image.pptx
@@ -21,6 +21,7 @@
     <p:sldId id="268" r:id="rId15"/>
     <p:sldId id="271" r:id="rId16"/>
     <p:sldId id="266" r:id="rId17"/>
+    <p:sldId id="272" r:id="rId18"/>
   </p:sldIdLst>
   <p:sldSz cx="12192000" cy="6858000"/>
   <p:notesSz cx="6858000" cy="9144000"/>
@@ -4473,8 +4474,8 @@
           </a:p>
         </p:txBody>
       </p:sp>
-      <mc:AlternateContent xmlns:mc="http://schemas.openxmlformats.org/markup-compatibility/2006">
-        <mc:Choice xmlns:a14="http://schemas.microsoft.com/office/drawing/2010/main" Requires="a14">
+      <mc:AlternateContent xmlns:mc="http://schemas.openxmlformats.org/markup-compatibility/2006" xmlns:a14="http://schemas.microsoft.com/office/drawing/2010/main">
+        <mc:Choice Requires="a14">
           <p:sp>
             <p:nvSpPr>
               <p:cNvPr id="9" name="圓角矩形 8"/>
@@ -4595,7 +4596,7 @@
             </p:txBody>
           </p:sp>
         </mc:Choice>
-        <mc:Fallback>
+        <mc:Fallback xmlns="">
           <p:sp>
             <p:nvSpPr>
               <p:cNvPr id="9" name="圓角矩形 8"/>
@@ -4911,8 +4912,8 @@
           </a:p>
         </p:txBody>
       </p:sp>
-      <mc:AlternateContent xmlns:mc="http://schemas.openxmlformats.org/markup-compatibility/2006">
-        <mc:Choice xmlns:a14="http://schemas.microsoft.com/office/drawing/2010/main" Requires="a14">
+      <mc:AlternateContent xmlns:mc="http://schemas.openxmlformats.org/markup-compatibility/2006" xmlns:a14="http://schemas.microsoft.com/office/drawing/2010/main">
+        <mc:Choice Requires="a14">
           <p:sp>
             <p:nvSpPr>
               <p:cNvPr id="68" name="圓角矩形 67"/>
@@ -4999,7 +5000,7 @@
             </p:txBody>
           </p:sp>
         </mc:Choice>
-        <mc:Fallback>
+        <mc:Fallback xmlns="">
           <p:sp>
             <p:nvSpPr>
               <p:cNvPr id="68" name="圓角矩形 67"/>
@@ -5403,8 +5404,8 @@
           <a:chExt cx="0" cy="0"/>
         </a:xfrm>
       </p:grpSpPr>
-      <mc:AlternateContent xmlns:mc="http://schemas.openxmlformats.org/markup-compatibility/2006">
-        <mc:Choice xmlns:a14="http://schemas.microsoft.com/office/drawing/2010/main" Requires="a14">
+      <mc:AlternateContent xmlns:mc="http://schemas.openxmlformats.org/markup-compatibility/2006" xmlns:a14="http://schemas.microsoft.com/office/drawing/2010/main">
+        <mc:Choice Requires="a14">
           <p:sp>
             <p:nvSpPr>
               <p:cNvPr id="33" name="圓角矩形 32"/>
@@ -5477,7 +5478,7 @@
             </p:txBody>
           </p:sp>
         </mc:Choice>
-        <mc:Fallback>
+        <mc:Fallback xmlns="">
           <p:sp>
             <p:nvSpPr>
               <p:cNvPr id="33" name="圓角矩形 32"/>
@@ -5523,8 +5524,8 @@
           </p:sp>
         </mc:Fallback>
       </mc:AlternateContent>
-      <mc:AlternateContent xmlns:mc="http://schemas.openxmlformats.org/markup-compatibility/2006">
-        <mc:Choice xmlns:a14="http://schemas.microsoft.com/office/drawing/2010/main" Requires="a14">
+      <mc:AlternateContent xmlns:mc="http://schemas.openxmlformats.org/markup-compatibility/2006" xmlns:a14="http://schemas.microsoft.com/office/drawing/2010/main">
+        <mc:Choice Requires="a14">
           <p:sp>
             <p:nvSpPr>
               <p:cNvPr id="72" name="圓角矩形 71"/>
@@ -5597,7 +5598,7 @@
             </p:txBody>
           </p:sp>
         </mc:Choice>
-        <mc:Fallback>
+        <mc:Fallback xmlns="">
           <p:sp>
             <p:nvSpPr>
               <p:cNvPr id="72" name="圓角矩形 71"/>
@@ -9087,7 +9088,7 @@
             </p:nvSpPr>
             <p:spPr>
               <a:xfrm>
-                <a:off x="3025005" y="4260558"/>
+                <a:off x="3059895" y="4260558"/>
                 <a:ext cx="4319121" cy="720000"/>
               </a:xfrm>
               <a:prstGeom prst="roundRect">
@@ -9190,13 +9191,6 @@
                           </m:e>
                         </m:rad>
                         <m:r>
-                          <a:rPr lang="en-US" altLang="zh-TW" sz="4800" i="1">
-                            <a:latin typeface="Cambria Math" panose="02040503050406030204" pitchFamily="18" charset="0"/>
-                            <a:ea typeface="Cambria Math" panose="02040503050406030204" pitchFamily="18" charset="0"/>
-                          </a:rPr>
-                          <m:t>)</m:t>
-                        </m:r>
-                        <m:r>
                           <m:rPr>
                             <m:nor/>
                           </m:rPr>
@@ -9227,7 +9221,7 @@
             </p:nvSpPr>
             <p:spPr>
               <a:xfrm>
-                <a:off x="3025005" y="4260558"/>
+                <a:off x="3059895" y="4260558"/>
                 <a:ext cx="4319121" cy="720000"/>
               </a:xfrm>
               <a:prstGeom prst="roundRect">
@@ -9271,9 +9265,9 @@
         <p:grpSpPr>
           <a:xfrm>
             <a:off x="2971932" y="1251323"/>
-            <a:ext cx="3987913" cy="3426804"/>
+            <a:ext cx="3987895" cy="3426804"/>
             <a:chOff x="144097" y="779552"/>
-            <a:chExt cx="3987913" cy="3426804"/>
+            <a:chExt cx="3987895" cy="3426804"/>
           </a:xfrm>
         </p:grpSpPr>
         <p:grpSp>
@@ -11208,7 +11202,7 @@
           </p:nvSpPr>
           <p:spPr>
             <a:xfrm>
-              <a:off x="733170" y="1924865"/>
+              <a:off x="724032" y="1931915"/>
               <a:ext cx="3398840" cy="571364"/>
             </a:xfrm>
             <a:prstGeom prst="roundRect">
@@ -11260,7 +11254,7 @@
           </p:nvSpPr>
           <p:spPr>
             <a:xfrm>
-              <a:off x="725895" y="2486217"/>
+              <a:off x="725895" y="2501551"/>
               <a:ext cx="3398840" cy="571364"/>
             </a:xfrm>
             <a:prstGeom prst="roundRect">
@@ -11312,7 +11306,7 @@
           </p:nvSpPr>
           <p:spPr>
             <a:xfrm>
-              <a:off x="720932" y="3067765"/>
+              <a:off x="724361" y="3067765"/>
               <a:ext cx="3398840" cy="571364"/>
             </a:xfrm>
             <a:prstGeom prst="roundRect">
@@ -19010,8 +19004,8 @@
           </p:txBody>
         </p:sp>
       </p:grpSp>
-      <mc:AlternateContent xmlns:mc="http://schemas.openxmlformats.org/markup-compatibility/2006">
-        <mc:Choice xmlns:a14="http://schemas.microsoft.com/office/drawing/2010/main" Requires="a14">
+      <mc:AlternateContent xmlns:mc="http://schemas.openxmlformats.org/markup-compatibility/2006" xmlns:a14="http://schemas.microsoft.com/office/drawing/2010/main">
+        <mc:Choice Requires="a14">
           <p:sp>
             <p:nvSpPr>
               <p:cNvPr id="127" name="圓角矩形 126"/>
@@ -19084,7 +19078,7 @@
             </p:txBody>
           </p:sp>
         </mc:Choice>
-        <mc:Fallback>
+        <mc:Fallback xmlns="">
           <p:sp>
             <p:nvSpPr>
               <p:cNvPr id="127" name="圓角矩形 126"/>
@@ -19130,8 +19124,8 @@
           </p:sp>
         </mc:Fallback>
       </mc:AlternateContent>
-      <mc:AlternateContent xmlns:mc="http://schemas.openxmlformats.org/markup-compatibility/2006">
-        <mc:Choice xmlns:a14="http://schemas.microsoft.com/office/drawing/2010/main" Requires="a14">
+      <mc:AlternateContent xmlns:mc="http://schemas.openxmlformats.org/markup-compatibility/2006" xmlns:a14="http://schemas.microsoft.com/office/drawing/2010/main">
+        <mc:Choice Requires="a14">
           <p:sp>
             <p:nvSpPr>
               <p:cNvPr id="130" name="圓角矩形 129"/>
@@ -19204,7 +19198,7 @@
             </p:txBody>
           </p:sp>
         </mc:Choice>
-        <mc:Fallback>
+        <mc:Fallback xmlns="">
           <p:sp>
             <p:nvSpPr>
               <p:cNvPr id="130" name="圓角矩形 129"/>
@@ -19303,8 +19297,8 @@
           <a:chExt cx="0" cy="0"/>
         </a:xfrm>
       </p:grpSpPr>
-      <mc:AlternateContent xmlns:mc="http://schemas.openxmlformats.org/markup-compatibility/2006">
-        <mc:Choice xmlns:a14="http://schemas.microsoft.com/office/drawing/2010/main" Requires="a14">
+      <mc:AlternateContent xmlns:mc="http://schemas.openxmlformats.org/markup-compatibility/2006" xmlns:a14="http://schemas.microsoft.com/office/drawing/2010/main">
+        <mc:Choice Requires="a14">
           <p:sp>
             <p:nvSpPr>
               <p:cNvPr id="93" name="圓角矩形 92"/>
@@ -19377,7 +19371,7 @@
             </p:txBody>
           </p:sp>
         </mc:Choice>
-        <mc:Fallback>
+        <mc:Fallback xmlns="">
           <p:sp>
             <p:nvSpPr>
               <p:cNvPr id="93" name="圓角矩形 92"/>
@@ -19423,8 +19417,8 @@
           </p:sp>
         </mc:Fallback>
       </mc:AlternateContent>
-      <mc:AlternateContent xmlns:mc="http://schemas.openxmlformats.org/markup-compatibility/2006">
-        <mc:Choice xmlns:a14="http://schemas.microsoft.com/office/drawing/2010/main" Requires="a14">
+      <mc:AlternateContent xmlns:mc="http://schemas.openxmlformats.org/markup-compatibility/2006" xmlns:a14="http://schemas.microsoft.com/office/drawing/2010/main">
+        <mc:Choice Requires="a14">
           <p:sp>
             <p:nvSpPr>
               <p:cNvPr id="94" name="圓角矩形 93"/>
@@ -19497,7 +19491,7 @@
             </p:txBody>
           </p:sp>
         </mc:Choice>
-        <mc:Fallback>
+        <mc:Fallback xmlns="">
           <p:sp>
             <p:nvSpPr>
               <p:cNvPr id="94" name="圓角矩形 93"/>
@@ -26908,6 +26902,44 @@
 </p:sld>
 </file>
 
+<file path=ppt/slides/slide17.xml><?xml version="1.0" encoding="utf-8"?>
+<p:sld xmlns:a="http://schemas.openxmlformats.org/drawingml/2006/main" xmlns:r="http://schemas.openxmlformats.org/officeDocument/2006/relationships" xmlns:p="http://schemas.openxmlformats.org/presentationml/2006/main">
+  <p:cSld>
+    <p:bg>
+      <p:bgPr>
+        <a:solidFill>
+          <a:srgbClr val="191919"/>
+        </a:solidFill>
+        <a:effectLst/>
+      </p:bgPr>
+    </p:bg>
+    <p:spTree>
+      <p:nvGrpSpPr>
+        <p:cNvPr id="1" name=""/>
+        <p:cNvGrpSpPr/>
+        <p:nvPr/>
+      </p:nvGrpSpPr>
+      <p:grpSpPr>
+        <a:xfrm>
+          <a:off x="0" y="0"/>
+          <a:ext cx="0" cy="0"/>
+          <a:chOff x="0" y="0"/>
+          <a:chExt cx="0" cy="0"/>
+        </a:xfrm>
+      </p:grpSpPr>
+    </p:spTree>
+    <p:extLst>
+      <p:ext uri="{BB962C8B-B14F-4D97-AF65-F5344CB8AC3E}">
+        <p14:creationId xmlns:p14="http://schemas.microsoft.com/office/powerpoint/2010/main" val="2264305944"/>
+      </p:ext>
+    </p:extLst>
+  </p:cSld>
+  <p:clrMapOvr>
+    <a:masterClrMapping/>
+  </p:clrMapOvr>
+</p:sld>
+</file>
+
 <file path=ppt/slides/slide2.xml><?xml version="1.0" encoding="utf-8"?>
 <p:sld xmlns:a="http://schemas.openxmlformats.org/drawingml/2006/main" xmlns:r="http://schemas.openxmlformats.org/officeDocument/2006/relationships" xmlns:p="http://schemas.openxmlformats.org/presentationml/2006/main">
   <p:cSld>

--- a/Attention-is-all-you-need/image.pptx
+++ b/Attention-is-all-you-need/image.pptx
@@ -259,7 +259,7 @@
           <a:p>
             <a:fld id="{5C943AA4-F205-4A15-B641-BE44906CC2CE}" type="datetimeFigureOut">
               <a:rPr lang="zh-TW" altLang="en-US" smtClean="0"/>
-              <a:t>2020/6/5</a:t>
+              <a:t>2020/6/6</a:t>
             </a:fld>
             <a:endParaRPr lang="zh-TW" altLang="en-US"/>
           </a:p>
@@ -429,7 +429,7 @@
           <a:p>
             <a:fld id="{5C943AA4-F205-4A15-B641-BE44906CC2CE}" type="datetimeFigureOut">
               <a:rPr lang="zh-TW" altLang="en-US" smtClean="0"/>
-              <a:t>2020/6/5</a:t>
+              <a:t>2020/6/6</a:t>
             </a:fld>
             <a:endParaRPr lang="zh-TW" altLang="en-US"/>
           </a:p>
@@ -609,7 +609,7 @@
           <a:p>
             <a:fld id="{5C943AA4-F205-4A15-B641-BE44906CC2CE}" type="datetimeFigureOut">
               <a:rPr lang="zh-TW" altLang="en-US" smtClean="0"/>
-              <a:t>2020/6/5</a:t>
+              <a:t>2020/6/6</a:t>
             </a:fld>
             <a:endParaRPr lang="zh-TW" altLang="en-US"/>
           </a:p>
@@ -779,7 +779,7 @@
           <a:p>
             <a:fld id="{5C943AA4-F205-4A15-B641-BE44906CC2CE}" type="datetimeFigureOut">
               <a:rPr lang="zh-TW" altLang="en-US" smtClean="0"/>
-              <a:t>2020/6/5</a:t>
+              <a:t>2020/6/6</a:t>
             </a:fld>
             <a:endParaRPr lang="zh-TW" altLang="en-US"/>
           </a:p>
@@ -1025,7 +1025,7 @@
           <a:p>
             <a:fld id="{5C943AA4-F205-4A15-B641-BE44906CC2CE}" type="datetimeFigureOut">
               <a:rPr lang="zh-TW" altLang="en-US" smtClean="0"/>
-              <a:t>2020/6/5</a:t>
+              <a:t>2020/6/6</a:t>
             </a:fld>
             <a:endParaRPr lang="zh-TW" altLang="en-US"/>
           </a:p>
@@ -1257,7 +1257,7 @@
           <a:p>
             <a:fld id="{5C943AA4-F205-4A15-B641-BE44906CC2CE}" type="datetimeFigureOut">
               <a:rPr lang="zh-TW" altLang="en-US" smtClean="0"/>
-              <a:t>2020/6/5</a:t>
+              <a:t>2020/6/6</a:t>
             </a:fld>
             <a:endParaRPr lang="zh-TW" altLang="en-US"/>
           </a:p>
@@ -1624,7 +1624,7 @@
           <a:p>
             <a:fld id="{5C943AA4-F205-4A15-B641-BE44906CC2CE}" type="datetimeFigureOut">
               <a:rPr lang="zh-TW" altLang="en-US" smtClean="0"/>
-              <a:t>2020/6/5</a:t>
+              <a:t>2020/6/6</a:t>
             </a:fld>
             <a:endParaRPr lang="zh-TW" altLang="en-US"/>
           </a:p>
@@ -1742,7 +1742,7 @@
           <a:p>
             <a:fld id="{5C943AA4-F205-4A15-B641-BE44906CC2CE}" type="datetimeFigureOut">
               <a:rPr lang="zh-TW" altLang="en-US" smtClean="0"/>
-              <a:t>2020/6/5</a:t>
+              <a:t>2020/6/6</a:t>
             </a:fld>
             <a:endParaRPr lang="zh-TW" altLang="en-US"/>
           </a:p>
@@ -1837,7 +1837,7 @@
           <a:p>
             <a:fld id="{5C943AA4-F205-4A15-B641-BE44906CC2CE}" type="datetimeFigureOut">
               <a:rPr lang="zh-TW" altLang="en-US" smtClean="0"/>
-              <a:t>2020/6/5</a:t>
+              <a:t>2020/6/6</a:t>
             </a:fld>
             <a:endParaRPr lang="zh-TW" altLang="en-US"/>
           </a:p>
@@ -2114,7 +2114,7 @@
           <a:p>
             <a:fld id="{5C943AA4-F205-4A15-B641-BE44906CC2CE}" type="datetimeFigureOut">
               <a:rPr lang="zh-TW" altLang="en-US" smtClean="0"/>
-              <a:t>2020/6/5</a:t>
+              <a:t>2020/6/6</a:t>
             </a:fld>
             <a:endParaRPr lang="zh-TW" altLang="en-US"/>
           </a:p>
@@ -2367,7 +2367,7 @@
           <a:p>
             <a:fld id="{5C943AA4-F205-4A15-B641-BE44906CC2CE}" type="datetimeFigureOut">
               <a:rPr lang="zh-TW" altLang="en-US" smtClean="0"/>
-              <a:t>2020/6/5</a:t>
+              <a:t>2020/6/6</a:t>
             </a:fld>
             <a:endParaRPr lang="zh-TW" altLang="en-US"/>
           </a:p>
@@ -2580,7 +2580,7 @@
           <a:p>
             <a:fld id="{5C943AA4-F205-4A15-B641-BE44906CC2CE}" type="datetimeFigureOut">
               <a:rPr lang="zh-TW" altLang="en-US" smtClean="0"/>
-              <a:t>2020/6/5</a:t>
+              <a:t>2020/6/6</a:t>
             </a:fld>
             <a:endParaRPr lang="zh-TW" altLang="en-US"/>
           </a:p>
@@ -8959,8 +8959,8 @@
           <a:chExt cx="0" cy="0"/>
         </a:xfrm>
       </p:grpSpPr>
-      <mc:AlternateContent xmlns:mc="http://schemas.openxmlformats.org/markup-compatibility/2006" xmlns:a14="http://schemas.microsoft.com/office/drawing/2010/main">
-        <mc:Choice Requires="a14">
+      <mc:AlternateContent xmlns:mc="http://schemas.openxmlformats.org/markup-compatibility/2006">
+        <mc:Choice xmlns:a14="http://schemas.microsoft.com/office/drawing/2010/main" Requires="a14">
           <p:sp>
             <p:nvSpPr>
               <p:cNvPr id="43" name="圓角矩形 42"/>
@@ -8969,7 +8969,7 @@
             </p:nvSpPr>
             <p:spPr>
               <a:xfrm>
-                <a:off x="89146" y="3447189"/>
+                <a:off x="89146" y="4251764"/>
                 <a:ext cx="3084455" cy="720000"/>
               </a:xfrm>
               <a:prstGeom prst="roundRect">
@@ -9032,7 +9032,7 @@
             </p:txBody>
           </p:sp>
         </mc:Choice>
-        <mc:Fallback xmlns="">
+        <mc:Fallback>
           <p:sp>
             <p:nvSpPr>
               <p:cNvPr id="43" name="圓角矩形 42"/>
@@ -9043,7 +9043,7 @@
             </p:nvSpPr>
             <p:spPr>
               <a:xfrm>
-                <a:off x="89146" y="3447189"/>
+                <a:off x="89146" y="4251764"/>
                 <a:ext cx="3084455" cy="720000"/>
               </a:xfrm>
               <a:prstGeom prst="roundRect">
@@ -13324,8 +13324,8 @@
           </p:sp>
         </p:grpSp>
       </p:grpSp>
-      <mc:AlternateContent xmlns:mc="http://schemas.openxmlformats.org/markup-compatibility/2006" xmlns:a14="http://schemas.microsoft.com/office/drawing/2010/main">
-        <mc:Choice Requires="a14">
+      <mc:AlternateContent xmlns:mc="http://schemas.openxmlformats.org/markup-compatibility/2006">
+        <mc:Choice xmlns:a14="http://schemas.microsoft.com/office/drawing/2010/main" Requires="a14">
           <p:sp>
             <p:nvSpPr>
               <p:cNvPr id="135" name="圓角矩形 134"/>
@@ -13334,7 +13334,7 @@
             </p:nvSpPr>
             <p:spPr>
               <a:xfrm>
-                <a:off x="7658465" y="3455203"/>
+                <a:off x="7603808" y="3662448"/>
                 <a:ext cx="677986" cy="720000"/>
               </a:xfrm>
               <a:prstGeom prst="roundRect">
@@ -13396,7 +13396,7 @@
             </p:txBody>
           </p:sp>
         </mc:Choice>
-        <mc:Fallback xmlns="">
+        <mc:Fallback>
           <p:sp>
             <p:nvSpPr>
               <p:cNvPr id="135" name="圓角矩形 134"/>
@@ -13407,7 +13407,7 @@
             </p:nvSpPr>
             <p:spPr>
               <a:xfrm>
-                <a:off x="7658465" y="3455203"/>
+                <a:off x="7603808" y="3662448"/>
                 <a:ext cx="677986" cy="720000"/>
               </a:xfrm>
               <a:prstGeom prst="roundRect">
@@ -13442,8 +13442,8 @@
           </p:sp>
         </mc:Fallback>
       </mc:AlternateContent>
-      <mc:AlternateContent xmlns:mc="http://schemas.openxmlformats.org/markup-compatibility/2006" xmlns:a14="http://schemas.microsoft.com/office/drawing/2010/main">
-        <mc:Choice Requires="a14">
+      <mc:AlternateContent xmlns:mc="http://schemas.openxmlformats.org/markup-compatibility/2006">
+        <mc:Choice xmlns:a14="http://schemas.microsoft.com/office/drawing/2010/main" Requires="a14">
           <p:sp>
             <p:nvSpPr>
               <p:cNvPr id="136" name="圓角矩形 135"/>
@@ -13452,7 +13452,7 @@
             </p:nvSpPr>
             <p:spPr>
               <a:xfrm>
-                <a:off x="7432923" y="3277744"/>
+                <a:off x="7432923" y="4082319"/>
                 <a:ext cx="336681" cy="969342"/>
               </a:xfrm>
               <a:prstGeom prst="roundRect">
@@ -13514,7 +13514,7 @@
             </p:txBody>
           </p:sp>
         </mc:Choice>
-        <mc:Fallback xmlns="">
+        <mc:Fallback>
           <p:sp>
             <p:nvSpPr>
               <p:cNvPr id="136" name="圓角矩形 135"/>
@@ -13525,7 +13525,7 @@
             </p:nvSpPr>
             <p:spPr>
               <a:xfrm>
-                <a:off x="7432923" y="3277744"/>
+                <a:off x="7432923" y="4082319"/>
                 <a:ext cx="336681" cy="969342"/>
               </a:xfrm>
               <a:prstGeom prst="roundRect">
@@ -13560,8 +13560,8 @@
           </p:sp>
         </mc:Fallback>
       </mc:AlternateContent>
-      <mc:AlternateContent xmlns:mc="http://schemas.openxmlformats.org/markup-compatibility/2006" xmlns:a14="http://schemas.microsoft.com/office/drawing/2010/main">
-        <mc:Choice Requires="a14">
+      <mc:AlternateContent xmlns:mc="http://schemas.openxmlformats.org/markup-compatibility/2006">
+        <mc:Choice xmlns:a14="http://schemas.microsoft.com/office/drawing/2010/main" Requires="a14">
           <p:sp>
             <p:nvSpPr>
               <p:cNvPr id="137" name="圓角矩形 136"/>
@@ -13570,7 +13570,7 @@
             </p:nvSpPr>
             <p:spPr>
               <a:xfrm>
-                <a:off x="2589947" y="3288024"/>
+                <a:off x="2589947" y="4092599"/>
                 <a:ext cx="997416" cy="969342"/>
               </a:xfrm>
               <a:prstGeom prst="roundRect">
@@ -13632,7 +13632,7 @@
             </p:txBody>
           </p:sp>
         </mc:Choice>
-        <mc:Fallback xmlns="">
+        <mc:Fallback>
           <p:sp>
             <p:nvSpPr>
               <p:cNvPr id="137" name="圓角矩形 136"/>
@@ -13643,7 +13643,7 @@
             </p:nvSpPr>
             <p:spPr>
               <a:xfrm>
-                <a:off x="2589947" y="3288024"/>
+                <a:off x="2589947" y="4092599"/>
                 <a:ext cx="997416" cy="969342"/>
               </a:xfrm>
               <a:prstGeom prst="roundRect">

--- a/Attention-is-all-you-need/image.pptx
+++ b/Attention-is-all-you-need/image.pptx
@@ -3330,19 +3330,7 @@
               <a:rPr lang="en-US" altLang="zh-TW" sz="2400" dirty="0">
                 <a:latin typeface="SauceCodePro Nerd Font" panose="020B0509030403020204" pitchFamily="49" charset="0"/>
               </a:rPr>
-              <a:t>==12 </a:t>
-            </a:r>
-            <a:r>
-              <a:rPr lang="en-US" altLang="zh-TW" sz="2400" dirty="0">
-                <a:latin typeface="SauceCodePro Nerd Font" panose="020B0509030403020204" pitchFamily="49" charset="0"/>
-              </a:rPr>
-              <a:t>else </a:t>
-            </a:r>
-            <a:r>
-              <a:rPr lang="en-US" altLang="zh-TW" sz="2400" dirty="0">
-                <a:latin typeface="SauceCodePro Nerd Font" panose="020B0509030403020204" pitchFamily="49" charset="0"/>
-              </a:rPr>
-              <a:t>0</a:t>
+              <a:t>==12 else 0</a:t>
             </a:r>
             <a:endParaRPr lang="zh-TW" altLang="en-US" sz="2400" dirty="0">
               <a:latin typeface="SauceCodePro Nerd Font" panose="020B0509030403020204" pitchFamily="49" charset="0"/>
@@ -8654,7 +8642,7 @@
                 <a:lumOff val="40000"/>
               </a:schemeClr>
             </a:solidFill>
-            <a:prstDash val="sysDash"/>
+            <a:prstDash val="solid"/>
           </a:ln>
         </p:spPr>
         <p:style>
@@ -8679,10 +8667,10 @@
           <a:p>
             <a:pPr algn="ctr"/>
             <a:r>
-              <a:rPr lang="en-US" altLang="zh-TW" sz="3200" dirty="0">
+              <a:rPr lang="en-US" altLang="zh-TW" sz="3200" dirty="0" smtClean="0">
                 <a:latin typeface="Source Code Pro" panose="020B0509030403020204" pitchFamily="49" charset="0"/>
               </a:rPr>
-              <a:t>Input</a:t>
+              <a:t>In</a:t>
             </a:r>
             <a:endParaRPr lang="zh-TW" altLang="en-US" sz="3200" dirty="0">
               <a:latin typeface="Source Code Pro" panose="020B0509030403020204" pitchFamily="49" charset="0"/>
@@ -8709,7 +8697,7 @@
             <a:solidFill>
               <a:srgbClr val="CC66FF"/>
             </a:solidFill>
-            <a:prstDash val="sysDash"/>
+            <a:prstDash val="solid"/>
           </a:ln>
         </p:spPr>
         <p:style>
@@ -8734,10 +8722,10 @@
           <a:p>
             <a:pPr algn="ctr"/>
             <a:r>
-              <a:rPr lang="en-US" altLang="zh-TW" sz="3200" dirty="0">
+              <a:rPr lang="en-US" altLang="zh-TW" sz="3200" dirty="0" smtClean="0">
                 <a:latin typeface="Source Code Pro" panose="020B0509030403020204" pitchFamily="49" charset="0"/>
               </a:rPr>
-              <a:t>Output</a:t>
+              <a:t>Out</a:t>
             </a:r>
             <a:endParaRPr lang="zh-TW" altLang="en-US" sz="3200" dirty="0">
               <a:latin typeface="Source Code Pro" panose="020B0509030403020204" pitchFamily="49" charset="0"/>
@@ -8805,9 +8793,9 @@
           <a:noFill/>
           <a:ln w="50800" cmpd="sng">
             <a:solidFill>
-              <a:srgbClr val="00B0F0"/>
+              <a:srgbClr val="7582E1"/>
             </a:solidFill>
-            <a:prstDash val="sysDash"/>
+            <a:prstDash val="solid"/>
           </a:ln>
         </p:spPr>
         <p:style>
@@ -8874,7 +8862,7 @@
             <a:solidFill>
               <a:srgbClr val="00B0F0"/>
             </a:solidFill>
-            <a:prstDash val="sysDash"/>
+            <a:prstDash val="solid"/>
           </a:ln>
         </p:spPr>
         <p:style>
@@ -8969,9 +8957,9 @@
           <a:noFill/>
           <a:ln w="50800" cmpd="sng">
             <a:solidFill>
-              <a:srgbClr val="00B0F0"/>
+              <a:srgbClr val="EE4C12"/>
             </a:solidFill>
-            <a:prstDash val="sysDash"/>
+            <a:prstDash val="solid"/>
           </a:ln>
         </p:spPr>
         <p:style>
@@ -9024,9 +9012,9 @@
           <a:noFill/>
           <a:ln w="50800" cmpd="sng">
             <a:solidFill>
-              <a:srgbClr val="00B0F0"/>
+              <a:schemeClr val="accent4"/>
             </a:solidFill>
-            <a:prstDash val="sysDash"/>
+            <a:prstDash val="solid"/>
           </a:ln>
         </p:spPr>
         <p:style>
@@ -9121,9 +9109,9 @@
           <a:noFill/>
           <a:ln w="50800" cmpd="sng">
             <a:solidFill>
-              <a:srgbClr val="00B0F0"/>
+              <a:srgbClr val="EE4C12"/>
             </a:solidFill>
-            <a:prstDash val="sysDash"/>
+            <a:prstDash val="solid"/>
           </a:ln>
         </p:spPr>
         <p:style>
@@ -9176,9 +9164,9 @@
           <a:noFill/>
           <a:ln w="50800" cmpd="sng">
             <a:solidFill>
-              <a:srgbClr val="00B0F0"/>
+              <a:schemeClr val="accent4"/>
             </a:solidFill>
-            <a:prstDash val="sysDash"/>
+            <a:prstDash val="solid"/>
           </a:ln>
         </p:spPr>
         <p:style>
@@ -9438,7 +9426,10 @@
           </a:prstGeom>
           <a:ln w="127000">
             <a:solidFill>
-              <a:srgbClr val="FF0066"/>
+              <a:schemeClr val="accent6">
+                <a:lumMod val="60000"/>
+                <a:lumOff val="40000"/>
+              </a:schemeClr>
             </a:solidFill>
             <a:round/>
             <a:tailEnd type="triangle"/>
@@ -9501,7 +9492,7 @@
           </a:fontRef>
         </p:style>
       </p:cxnSp>
-      <p:sp>
+      <p:sp useBgFill="1">
         <p:nvSpPr>
           <p:cNvPr id="274" name="圓角矩形 273"/>
           <p:cNvSpPr/>
@@ -9515,14 +9506,11 @@
           <a:prstGeom prst="roundRect">
             <a:avLst/>
           </a:prstGeom>
-          <a:solidFill>
-            <a:srgbClr val="191919"/>
-          </a:solidFill>
           <a:ln w="50800" cmpd="sng">
             <a:solidFill>
-              <a:srgbClr val="00B0F0"/>
+              <a:srgbClr val="7582E1"/>
             </a:solidFill>
-            <a:prstDash val="sysDash"/>
+            <a:prstDash val="solid"/>
           </a:ln>
         </p:spPr>
         <p:style>
@@ -9548,17 +9536,23 @@
             <a:pPr algn="ctr"/>
             <a:r>
               <a:rPr lang="en-US" altLang="zh-TW" sz="4800" dirty="0">
+                <a:solidFill>
+                  <a:srgbClr val="FF0066"/>
+                </a:solidFill>
                 <a:latin typeface="Source Code Pro" panose="020B0509030403020204" pitchFamily="49" charset="0"/>
               </a:rPr>
               <a:t>Q</a:t>
             </a:r>
             <a:endParaRPr lang="zh-TW" altLang="en-US" sz="4800" dirty="0">
+              <a:solidFill>
+                <a:srgbClr val="FF0066"/>
+              </a:solidFill>
               <a:latin typeface="Source Code Pro" panose="020B0509030403020204" pitchFamily="49" charset="0"/>
             </a:endParaRPr>
           </a:p>
         </p:txBody>
       </p:sp>
-      <p:sp>
+      <p:sp useBgFill="1">
         <p:nvSpPr>
           <p:cNvPr id="275" name="圓角矩形 274"/>
           <p:cNvSpPr/>
@@ -9572,14 +9566,11 @@
           <a:prstGeom prst="roundRect">
             <a:avLst/>
           </a:prstGeom>
-          <a:solidFill>
-            <a:srgbClr val="191919"/>
-          </a:solidFill>
           <a:ln w="50800" cmpd="sng">
             <a:solidFill>
-              <a:srgbClr val="00B0F0"/>
+              <a:srgbClr val="7582E1"/>
             </a:solidFill>
-            <a:prstDash val="sysDash"/>
+            <a:prstDash val="solid"/>
           </a:ln>
         </p:spPr>
         <p:style>
@@ -9605,11 +9596,17 @@
             <a:pPr algn="ctr"/>
             <a:r>
               <a:rPr lang="en-US" altLang="zh-TW" sz="4800" dirty="0">
+                <a:solidFill>
+                  <a:srgbClr val="FF0066"/>
+                </a:solidFill>
                 <a:latin typeface="Source Code Pro" panose="020B0509030403020204" pitchFamily="49" charset="0"/>
               </a:rPr>
               <a:t>K</a:t>
             </a:r>
             <a:endParaRPr lang="zh-TW" altLang="en-US" sz="4800" dirty="0">
+              <a:solidFill>
+                <a:srgbClr val="FF0066"/>
+              </a:solidFill>
               <a:latin typeface="Source Code Pro" panose="020B0509030403020204" pitchFamily="49" charset="0"/>
             </a:endParaRPr>
           </a:p>
@@ -9634,9 +9631,9 @@
           </a:solidFill>
           <a:ln w="50800" cmpd="sng">
             <a:solidFill>
-              <a:srgbClr val="00B0F0"/>
+              <a:srgbClr val="7582E1"/>
             </a:solidFill>
-            <a:prstDash val="sysDash"/>
+            <a:prstDash val="solid"/>
           </a:ln>
         </p:spPr>
         <p:style>
@@ -9662,11 +9659,17 @@
             <a:pPr algn="ctr"/>
             <a:r>
               <a:rPr lang="en-US" altLang="zh-TW" sz="4800" dirty="0" smtClean="0">
+                <a:solidFill>
+                  <a:srgbClr val="FF0066"/>
+                </a:solidFill>
                 <a:latin typeface="Source Code Pro" panose="020B0509030403020204" pitchFamily="49" charset="0"/>
               </a:rPr>
               <a:t>V</a:t>
             </a:r>
             <a:endParaRPr lang="zh-TW" altLang="en-US" sz="4800" dirty="0">
+              <a:solidFill>
+                <a:srgbClr val="FF0066"/>
+              </a:solidFill>
               <a:latin typeface="Source Code Pro" panose="020B0509030403020204" pitchFamily="49" charset="0"/>
             </a:endParaRPr>
           </a:p>
@@ -10790,7 +10793,7 @@
         </p:nvSpPr>
         <p:spPr>
           <a:xfrm>
-            <a:off x="5232012" y="2326294"/>
+            <a:off x="5428748" y="2067356"/>
             <a:ext cx="2036203" cy="685977"/>
           </a:xfrm>
           <a:prstGeom prst="roundRect">
@@ -10804,7 +10807,7 @@
                 <a:lumOff val="40000"/>
               </a:schemeClr>
             </a:solidFill>
-            <a:prstDash val="sysDash"/>
+            <a:prstDash val="solid"/>
           </a:ln>
         </p:spPr>
         <p:style>
@@ -10829,10 +10832,10 @@
           <a:p>
             <a:pPr algn="ctr"/>
             <a:r>
-              <a:rPr lang="en-US" altLang="zh-TW" sz="3200" dirty="0">
+              <a:rPr lang="en-US" altLang="zh-TW" sz="3200" dirty="0" smtClean="0">
                 <a:latin typeface="Source Code Pro" panose="020B0509030403020204" pitchFamily="49" charset="0"/>
               </a:rPr>
-              <a:t>Input</a:t>
+              <a:t>In</a:t>
             </a:r>
             <a:endParaRPr lang="zh-TW" altLang="en-US" sz="3200" dirty="0">
               <a:latin typeface="Source Code Pro" panose="020B0509030403020204" pitchFamily="49" charset="0"/>
@@ -10848,7 +10851,7 @@
         </p:nvSpPr>
         <p:spPr>
           <a:xfrm>
-            <a:off x="8043564" y="2326294"/>
+            <a:off x="8971054" y="2067356"/>
             <a:ext cx="2036203" cy="678990"/>
           </a:xfrm>
           <a:prstGeom prst="roundRect">
@@ -10859,7 +10862,7 @@
             <a:solidFill>
               <a:srgbClr val="CC66FF"/>
             </a:solidFill>
-            <a:prstDash val="sysDash"/>
+            <a:prstDash val="solid"/>
           </a:ln>
         </p:spPr>
         <p:style>
@@ -10884,10 +10887,10 @@
           <a:p>
             <a:pPr algn="ctr"/>
             <a:r>
-              <a:rPr lang="en-US" altLang="zh-TW" sz="3200" dirty="0">
+              <a:rPr lang="en-US" altLang="zh-TW" sz="3200" dirty="0" smtClean="0">
                 <a:latin typeface="Source Code Pro" panose="020B0509030403020204" pitchFamily="49" charset="0"/>
               </a:rPr>
-              <a:t>Output</a:t>
+              <a:t>Out</a:t>
             </a:r>
             <a:endParaRPr lang="zh-TW" altLang="en-US" sz="3200" dirty="0">
               <a:latin typeface="Source Code Pro" panose="020B0509030403020204" pitchFamily="49" charset="0"/>
@@ -10905,9 +10908,9 @@
           <p:nvPr/>
         </p:nvCxnSpPr>
         <p:spPr>
-          <a:xfrm flipH="1">
-            <a:off x="6237301" y="3012271"/>
-            <a:ext cx="12813" cy="3826041"/>
+          <a:xfrm>
+            <a:off x="6446850" y="2753333"/>
+            <a:ext cx="1" cy="4090446"/>
           </a:xfrm>
           <a:prstGeom prst="straightConnector1">
             <a:avLst/>
@@ -10946,7 +10949,7 @@
         </p:nvSpPr>
         <p:spPr>
           <a:xfrm>
-            <a:off x="2424498" y="4419600"/>
+            <a:off x="2634048" y="4425067"/>
             <a:ext cx="3067390" cy="2396490"/>
           </a:xfrm>
           <a:prstGeom prst="roundRect">
@@ -10955,9 +10958,9 @@
           <a:noFill/>
           <a:ln w="50800" cmpd="sng">
             <a:solidFill>
-              <a:srgbClr val="00B0F0"/>
+              <a:srgbClr val="7582E1"/>
             </a:solidFill>
-            <a:prstDash val="sysDash"/>
+            <a:prstDash val="solid"/>
           </a:ln>
         </p:spPr>
         <p:style>
@@ -11019,7 +11022,7 @@
         </p:nvSpPr>
         <p:spPr>
           <a:xfrm>
-            <a:off x="12915757" y="4865030"/>
+            <a:off x="10680734" y="5808345"/>
             <a:ext cx="2650665" cy="1047164"/>
           </a:xfrm>
           <a:prstGeom prst="roundRect">
@@ -11030,7 +11033,7 @@
             <a:solidFill>
               <a:srgbClr val="00B0F0"/>
             </a:solidFill>
-            <a:prstDash val="sysDash"/>
+            <a:prstDash val="solid"/>
           </a:ln>
         </p:spPr>
         <p:style>
@@ -11077,8 +11080,8 @@
         </p:nvCxnSpPr>
         <p:spPr>
           <a:xfrm rot="5400000">
-            <a:off x="4569898" y="2400567"/>
-            <a:ext cx="1068513" cy="2291921"/>
+            <a:off x="4640838" y="2280239"/>
+            <a:ext cx="1332918" cy="2279107"/>
           </a:xfrm>
           <a:prstGeom prst="bentConnector3">
             <a:avLst>
@@ -11116,7 +11119,7 @@
         </p:nvSpPr>
         <p:spPr>
           <a:xfrm>
-            <a:off x="5864594" y="6838312"/>
+            <a:off x="6074144" y="6843779"/>
             <a:ext cx="745413" cy="745413"/>
           </a:xfrm>
           <a:prstGeom prst="roundRect">
@@ -11125,9 +11128,9 @@
           <a:noFill/>
           <a:ln w="50800" cmpd="sng">
             <a:solidFill>
-              <a:srgbClr val="00B0F0"/>
+              <a:srgbClr val="EE4C12"/>
             </a:solidFill>
-            <a:prstDash val="sysDash"/>
+            <a:prstDash val="solid"/>
           </a:ln>
         </p:spPr>
         <p:style>
@@ -11171,7 +11174,7 @@
         </p:nvSpPr>
         <p:spPr>
           <a:xfrm>
-            <a:off x="4911968" y="8400752"/>
+            <a:off x="5121518" y="8152641"/>
             <a:ext cx="2650665" cy="1047164"/>
           </a:xfrm>
           <a:prstGeom prst="roundRect">
@@ -11180,9 +11183,9 @@
           <a:noFill/>
           <a:ln w="50800" cmpd="sng">
             <a:solidFill>
-              <a:srgbClr val="00B0F0"/>
+              <a:schemeClr val="accent4"/>
             </a:solidFill>
-            <a:prstDash val="sysDash"/>
+            <a:prstDash val="solid"/>
           </a:ln>
         </p:spPr>
         <p:style>
@@ -11229,8 +11232,8 @@
         </p:nvCxnSpPr>
         <p:spPr>
           <a:xfrm>
-            <a:off x="6237301" y="7583725"/>
-            <a:ext cx="0" cy="817027"/>
+            <a:off x="6446851" y="7589192"/>
+            <a:ext cx="0" cy="563449"/>
           </a:xfrm>
           <a:prstGeom prst="straightConnector1">
             <a:avLst/>
@@ -11268,7 +11271,7 @@
         </p:nvSpPr>
         <p:spPr>
           <a:xfrm>
-            <a:off x="8688961" y="5174738"/>
+            <a:off x="9616455" y="9397670"/>
             <a:ext cx="745413" cy="745413"/>
           </a:xfrm>
           <a:prstGeom prst="roundRect">
@@ -11277,9 +11280,9 @@
           <a:noFill/>
           <a:ln w="50800" cmpd="sng">
             <a:solidFill>
-              <a:srgbClr val="00B0F0"/>
+              <a:srgbClr val="EE4C12"/>
             </a:solidFill>
-            <a:prstDash val="sysDash"/>
+            <a:prstDash val="solid"/>
           </a:ln>
         </p:spPr>
         <p:style>
@@ -11323,7 +11326,7 @@
         </p:nvSpPr>
         <p:spPr>
           <a:xfrm>
-            <a:off x="7655577" y="3566429"/>
+            <a:off x="8583071" y="7789361"/>
             <a:ext cx="2812175" cy="1047164"/>
           </a:xfrm>
           <a:prstGeom prst="roundRect">
@@ -11332,9 +11335,9 @@
           <a:noFill/>
           <a:ln w="50800" cmpd="sng">
             <a:solidFill>
-              <a:srgbClr val="00B0F0"/>
+              <a:schemeClr val="accent4"/>
             </a:solidFill>
-            <a:prstDash val="sysDash"/>
+            <a:prstDash val="solid"/>
           </a:ln>
         </p:spPr>
         <p:style>
@@ -11381,7 +11384,7 @@
         </p:nvCxnSpPr>
         <p:spPr>
           <a:xfrm flipH="1" flipV="1">
-            <a:off x="9061665" y="4613593"/>
+            <a:off x="9989159" y="8836525"/>
             <a:ext cx="3" cy="561145"/>
           </a:xfrm>
           <a:prstGeom prst="straightConnector1">
@@ -11416,15 +11419,15 @@
         <p:nvCxnSpPr>
           <p:cNvPr id="56" name="直線單箭頭接點 55"/>
           <p:cNvCxnSpPr>
-            <a:stCxn id="43" idx="3"/>
-            <a:endCxn id="52" idx="2"/>
+            <a:stCxn id="43" idx="2"/>
+            <a:endCxn id="52" idx="1"/>
           </p:cNvCxnSpPr>
           <p:nvPr/>
         </p:nvCxnSpPr>
         <p:spPr>
-          <a:xfrm flipV="1">
-            <a:off x="7562633" y="5920151"/>
-            <a:ext cx="1499035" cy="3004183"/>
+          <a:xfrm rot="16200000" flipH="1">
+            <a:off x="7746367" y="7900289"/>
+            <a:ext cx="570572" cy="3169604"/>
           </a:xfrm>
           <a:prstGeom prst="bentConnector2">
             <a:avLst/>
@@ -11459,18 +11462,20 @@
         <p:nvCxnSpPr>
           <p:cNvPr id="58" name="直線單箭頭接點 54"/>
           <p:cNvCxnSpPr>
-            <a:stCxn id="33" idx="0"/>
+            <a:stCxn id="33" idx="3"/>
             <a:endCxn id="52" idx="3"/>
           </p:cNvCxnSpPr>
           <p:nvPr/>
         </p:nvCxnSpPr>
         <p:spPr>
-          <a:xfrm rot="16200000" flipV="1">
-            <a:off x="8999185" y="5982635"/>
-            <a:ext cx="3003095" cy="2132715"/>
-          </a:xfrm>
-          <a:prstGeom prst="bentConnector2">
-            <a:avLst/>
+          <a:xfrm flipH="1" flipV="1">
+            <a:off x="10361868" y="9770377"/>
+            <a:ext cx="318866" cy="1789918"/>
+          </a:xfrm>
+          <a:prstGeom prst="bentConnector3">
+            <a:avLst>
+              <a:gd name="adj1" fmla="val -181986"/>
+            </a:avLst>
           </a:prstGeom>
           <a:ln w="127000">
             <a:solidFill>
@@ -11499,17 +11504,17 @@
         <p:nvCxnSpPr>
           <p:cNvPr id="61" name="直線單箭頭接點 24"/>
           <p:cNvCxnSpPr>
-            <a:stCxn id="43" idx="3"/>
+            <a:stCxn id="43" idx="2"/>
             <a:endCxn id="34" idx="1"/>
           </p:cNvCxnSpPr>
           <p:nvPr/>
         </p:nvCxnSpPr>
         <p:spPr>
-          <a:xfrm flipV="1">
-            <a:off x="7562633" y="8923247"/>
-            <a:ext cx="1988441" cy="1087"/>
-          </a:xfrm>
-          <a:prstGeom prst="straightConnector1">
+          <a:xfrm rot="16200000" flipH="1">
+            <a:off x="5962008" y="9684647"/>
+            <a:ext cx="1615078" cy="645393"/>
+          </a:xfrm>
+          <a:prstGeom prst="bentConnector2">
             <a:avLst/>
           </a:prstGeom>
           <a:ln w="127000">
@@ -11546,50 +11551,10 @@
         </p:nvCxnSpPr>
         <p:spPr>
           <a:xfrm rot="16200000" flipH="1">
-            <a:off x="4713929" y="6060353"/>
+            <a:off x="4923479" y="6065820"/>
             <a:ext cx="394929" cy="1906401"/>
           </a:xfrm>
           <a:prstGeom prst="bentConnector2">
-            <a:avLst/>
-          </a:prstGeom>
-          <a:ln w="127000">
-            <a:solidFill>
-              <a:srgbClr val="FF0066"/>
-            </a:solidFill>
-            <a:round/>
-            <a:tailEnd type="triangle"/>
-          </a:ln>
-        </p:spPr>
-        <p:style>
-          <a:lnRef idx="1">
-            <a:schemeClr val="accent1"/>
-          </a:lnRef>
-          <a:fillRef idx="0">
-            <a:schemeClr val="accent1"/>
-          </a:fillRef>
-          <a:effectRef idx="0">
-            <a:schemeClr val="accent1"/>
-          </a:effectRef>
-          <a:fontRef idx="minor">
-            <a:schemeClr val="tx1"/>
-          </a:fontRef>
-        </p:style>
-      </p:cxnSp>
-      <p:cxnSp>
-        <p:nvCxnSpPr>
-          <p:cNvPr id="172" name="直線單箭頭接點 24"/>
-          <p:cNvCxnSpPr>
-            <a:stCxn id="53" idx="0"/>
-            <a:endCxn id="19" idx="2"/>
-          </p:cNvCxnSpPr>
-          <p:nvPr/>
-        </p:nvCxnSpPr>
-        <p:spPr>
-          <a:xfrm flipV="1">
-            <a:off x="9061665" y="3005284"/>
-            <a:ext cx="1" cy="561145"/>
-          </a:xfrm>
-          <a:prstGeom prst="straightConnector1">
             <a:avLst/>
           </a:prstGeom>
           <a:ln w="127000">
@@ -11626,8 +11591,8 @@
         </p:nvCxnSpPr>
         <p:spPr>
           <a:xfrm rot="5400000">
-            <a:off x="3989031" y="1819702"/>
-            <a:ext cx="1068514" cy="3453653"/>
+            <a:off x="4059972" y="1699373"/>
+            <a:ext cx="1332919" cy="3440839"/>
           </a:xfrm>
           <a:prstGeom prst="bentConnector3">
             <a:avLst>
@@ -11657,7 +11622,7 @@
           </a:fontRef>
         </p:style>
       </p:cxnSp>
-      <p:sp>
+      <p:sp useBgFill="1">
         <p:nvSpPr>
           <p:cNvPr id="274" name="圓角矩形 273"/>
           <p:cNvSpPr/>
@@ -11665,20 +11630,17 @@
         </p:nvSpPr>
         <p:spPr>
           <a:xfrm>
-            <a:off x="4746475" y="4087355"/>
+            <a:off x="4956025" y="4092822"/>
             <a:ext cx="745413" cy="745413"/>
           </a:xfrm>
           <a:prstGeom prst="roundRect">
             <a:avLst/>
           </a:prstGeom>
-          <a:solidFill>
-            <a:srgbClr val="191919"/>
-          </a:solidFill>
           <a:ln w="50800" cmpd="sng">
             <a:solidFill>
-              <a:srgbClr val="00B0F0"/>
+              <a:srgbClr val="7582E1"/>
             </a:solidFill>
-            <a:prstDash val="sysDash"/>
+            <a:prstDash val="solid"/>
           </a:ln>
         </p:spPr>
         <p:style>
@@ -11704,17 +11666,23 @@
             <a:pPr algn="ctr"/>
             <a:r>
               <a:rPr lang="en-US" altLang="zh-TW" sz="4800" dirty="0">
+                <a:solidFill>
+                  <a:srgbClr val="FF0066"/>
+                </a:solidFill>
                 <a:latin typeface="Source Code Pro" panose="020B0509030403020204" pitchFamily="49" charset="0"/>
               </a:rPr>
               <a:t>Q</a:t>
             </a:r>
             <a:endParaRPr lang="zh-TW" altLang="en-US" sz="4800" dirty="0">
+              <a:solidFill>
+                <a:srgbClr val="FF0066"/>
+              </a:solidFill>
               <a:latin typeface="Source Code Pro" panose="020B0509030403020204" pitchFamily="49" charset="0"/>
             </a:endParaRPr>
           </a:p>
         </p:txBody>
       </p:sp>
-      <p:sp>
+      <p:sp useBgFill="1">
         <p:nvSpPr>
           <p:cNvPr id="275" name="圓角矩形 274"/>
           <p:cNvSpPr/>
@@ -11722,20 +11690,17 @@
         </p:nvSpPr>
         <p:spPr>
           <a:xfrm>
-            <a:off x="3585486" y="4080784"/>
+            <a:off x="3795036" y="4086251"/>
             <a:ext cx="745413" cy="745413"/>
           </a:xfrm>
           <a:prstGeom prst="roundRect">
             <a:avLst/>
           </a:prstGeom>
-          <a:solidFill>
-            <a:srgbClr val="191919"/>
-          </a:solidFill>
           <a:ln w="50800" cmpd="sng">
             <a:solidFill>
-              <a:srgbClr val="00B0F0"/>
+              <a:srgbClr val="7582E1"/>
             </a:solidFill>
-            <a:prstDash val="sysDash"/>
+            <a:prstDash val="solid"/>
           </a:ln>
         </p:spPr>
         <p:style>
@@ -11761,17 +11726,23 @@
             <a:pPr algn="ctr"/>
             <a:r>
               <a:rPr lang="en-US" altLang="zh-TW" sz="4800" dirty="0">
+                <a:solidFill>
+                  <a:srgbClr val="FF0066"/>
+                </a:solidFill>
                 <a:latin typeface="Source Code Pro" panose="020B0509030403020204" pitchFamily="49" charset="0"/>
               </a:rPr>
               <a:t>K</a:t>
             </a:r>
             <a:endParaRPr lang="zh-TW" altLang="en-US" sz="4800" dirty="0">
+              <a:solidFill>
+                <a:srgbClr val="FF0066"/>
+              </a:solidFill>
               <a:latin typeface="Source Code Pro" panose="020B0509030403020204" pitchFamily="49" charset="0"/>
             </a:endParaRPr>
           </a:p>
         </p:txBody>
       </p:sp>
-      <p:sp>
+      <p:sp useBgFill="1">
         <p:nvSpPr>
           <p:cNvPr id="276" name="圓角矩形 275"/>
           <p:cNvSpPr/>
@@ -11779,20 +11750,17 @@
         </p:nvSpPr>
         <p:spPr>
           <a:xfrm>
-            <a:off x="2423754" y="4080785"/>
+            <a:off x="2633304" y="4086252"/>
             <a:ext cx="745413" cy="745413"/>
           </a:xfrm>
           <a:prstGeom prst="roundRect">
             <a:avLst/>
           </a:prstGeom>
-          <a:solidFill>
-            <a:srgbClr val="191919"/>
-          </a:solidFill>
           <a:ln w="50800" cmpd="sng">
             <a:solidFill>
-              <a:srgbClr val="00B0F0"/>
+              <a:srgbClr val="7582E1"/>
             </a:solidFill>
-            <a:prstDash val="sysDash"/>
+            <a:prstDash val="solid"/>
           </a:ln>
         </p:spPr>
         <p:style>
@@ -11818,11 +11786,17 @@
             <a:pPr algn="ctr"/>
             <a:r>
               <a:rPr lang="en-US" altLang="zh-TW" sz="4800" dirty="0" smtClean="0">
+                <a:solidFill>
+                  <a:srgbClr val="FF0066"/>
+                </a:solidFill>
                 <a:latin typeface="Source Code Pro" panose="020B0509030403020204" pitchFamily="49" charset="0"/>
               </a:rPr>
               <a:t>V</a:t>
             </a:r>
             <a:endParaRPr lang="zh-TW" altLang="en-US" sz="4800" dirty="0">
+              <a:solidFill>
+                <a:srgbClr val="FF0066"/>
+              </a:solidFill>
               <a:latin typeface="Source Code Pro" panose="020B0509030403020204" pitchFamily="49" charset="0"/>
             </a:endParaRPr>
           </a:p>
@@ -11839,8 +11813,8 @@
         </p:nvCxnSpPr>
         <p:spPr>
           <a:xfrm rot="5400000">
-            <a:off x="5147106" y="2984347"/>
-            <a:ext cx="1075084" cy="1130932"/>
+            <a:off x="5218047" y="2864018"/>
+            <a:ext cx="1339489" cy="1118118"/>
           </a:xfrm>
           <a:prstGeom prst="bentConnector3">
             <a:avLst>
@@ -11878,7 +11852,7 @@
         </p:nvSpPr>
         <p:spPr>
           <a:xfrm>
-            <a:off x="9959197" y="8550540"/>
+            <a:off x="7464951" y="10442176"/>
             <a:ext cx="3215783" cy="2236238"/>
           </a:xfrm>
           <a:prstGeom prst="roundRect">
@@ -11887,9 +11861,9 @@
           <a:noFill/>
           <a:ln w="50800" cmpd="sng">
             <a:solidFill>
-              <a:srgbClr val="00B0F0"/>
+              <a:srgbClr val="7582E1"/>
             </a:solidFill>
-            <a:prstDash val="sysDash"/>
+            <a:prstDash val="solid"/>
           </a:ln>
         </p:spPr>
         <p:style>
@@ -11931,7 +11905,7 @@
           </a:p>
         </p:txBody>
       </p:sp>
-      <p:sp>
+      <p:sp useBgFill="1">
         <p:nvSpPr>
           <p:cNvPr id="34" name="圓角矩形 33"/>
           <p:cNvSpPr/>
@@ -11939,20 +11913,198 @@
         </p:nvSpPr>
         <p:spPr>
           <a:xfrm>
-            <a:off x="9551074" y="8550540"/>
+            <a:off x="7092244" y="10442176"/>
             <a:ext cx="745413" cy="745413"/>
           </a:xfrm>
           <a:prstGeom prst="roundRect">
             <a:avLst/>
           </a:prstGeom>
-          <a:solidFill>
-            <a:srgbClr val="191919"/>
-          </a:solidFill>
           <a:ln w="50800" cmpd="sng">
             <a:solidFill>
-              <a:srgbClr val="00B0F0"/>
+              <a:srgbClr val="7582E1"/>
             </a:solidFill>
-            <a:prstDash val="sysDash"/>
+            <a:prstDash val="solid"/>
+          </a:ln>
+        </p:spPr>
+        <p:style>
+          <a:lnRef idx="2">
+            <a:schemeClr val="accent1">
+              <a:shade val="50000"/>
+            </a:schemeClr>
+          </a:lnRef>
+          <a:fillRef idx="1">
+            <a:schemeClr val="accent1"/>
+          </a:fillRef>
+          <a:effectRef idx="0">
+            <a:schemeClr val="accent1"/>
+          </a:effectRef>
+          <a:fontRef idx="minor">
+            <a:schemeClr val="lt1"/>
+          </a:fontRef>
+        </p:style>
+        <p:txBody>
+          <a:bodyPr rtlCol="0" anchor="ctr"/>
+          <a:lstStyle/>
+          <a:p>
+            <a:pPr algn="ctr"/>
+            <a:r>
+              <a:rPr lang="en-US" altLang="zh-TW" sz="4800" dirty="0">
+                <a:solidFill>
+                  <a:srgbClr val="FF0066"/>
+                </a:solidFill>
+                <a:latin typeface="Source Code Pro" panose="020B0509030403020204" pitchFamily="49" charset="0"/>
+              </a:rPr>
+              <a:t>Q</a:t>
+            </a:r>
+            <a:endParaRPr lang="zh-TW" altLang="en-US" sz="4800" dirty="0">
+              <a:solidFill>
+                <a:srgbClr val="FF0066"/>
+              </a:solidFill>
+              <a:latin typeface="Source Code Pro" panose="020B0509030403020204" pitchFamily="49" charset="0"/>
+            </a:endParaRPr>
+          </a:p>
+        </p:txBody>
+      </p:sp>
+      <p:sp useBgFill="1">
+        <p:nvSpPr>
+          <p:cNvPr id="35" name="圓角矩形 34"/>
+          <p:cNvSpPr/>
+          <p:nvPr/>
+        </p:nvSpPr>
+        <p:spPr>
+          <a:xfrm>
+            <a:off x="7092244" y="11188787"/>
+            <a:ext cx="745413" cy="745413"/>
+          </a:xfrm>
+          <a:prstGeom prst="roundRect">
+            <a:avLst/>
+          </a:prstGeom>
+          <a:ln w="50800" cmpd="sng">
+            <a:solidFill>
+              <a:srgbClr val="7582E1"/>
+            </a:solidFill>
+            <a:prstDash val="solid"/>
+          </a:ln>
+        </p:spPr>
+        <p:style>
+          <a:lnRef idx="2">
+            <a:schemeClr val="accent1">
+              <a:shade val="50000"/>
+            </a:schemeClr>
+          </a:lnRef>
+          <a:fillRef idx="1">
+            <a:schemeClr val="accent1"/>
+          </a:fillRef>
+          <a:effectRef idx="0">
+            <a:schemeClr val="accent1"/>
+          </a:effectRef>
+          <a:fontRef idx="minor">
+            <a:schemeClr val="lt1"/>
+          </a:fontRef>
+        </p:style>
+        <p:txBody>
+          <a:bodyPr rtlCol="0" anchor="ctr"/>
+          <a:lstStyle/>
+          <a:p>
+            <a:pPr algn="ctr"/>
+            <a:r>
+              <a:rPr lang="en-US" altLang="zh-TW" sz="4800" dirty="0">
+                <a:solidFill>
+                  <a:schemeClr val="accent2"/>
+                </a:solidFill>
+                <a:latin typeface="Source Code Pro" panose="020B0509030403020204" pitchFamily="49" charset="0"/>
+              </a:rPr>
+              <a:t>K</a:t>
+            </a:r>
+            <a:endParaRPr lang="zh-TW" altLang="en-US" sz="4800" dirty="0">
+              <a:solidFill>
+                <a:schemeClr val="accent2"/>
+              </a:solidFill>
+              <a:latin typeface="Source Code Pro" panose="020B0509030403020204" pitchFamily="49" charset="0"/>
+            </a:endParaRPr>
+          </a:p>
+        </p:txBody>
+      </p:sp>
+      <p:sp useBgFill="1">
+        <p:nvSpPr>
+          <p:cNvPr id="36" name="圓角矩形 35"/>
+          <p:cNvSpPr/>
+          <p:nvPr/>
+        </p:nvSpPr>
+        <p:spPr>
+          <a:xfrm>
+            <a:off x="7092243" y="11933601"/>
+            <a:ext cx="745413" cy="745413"/>
+          </a:xfrm>
+          <a:prstGeom prst="roundRect">
+            <a:avLst/>
+          </a:prstGeom>
+          <a:ln w="50800" cmpd="sng">
+            <a:solidFill>
+              <a:srgbClr val="7582E1"/>
+            </a:solidFill>
+            <a:prstDash val="solid"/>
+          </a:ln>
+        </p:spPr>
+        <p:style>
+          <a:lnRef idx="2">
+            <a:schemeClr val="accent1">
+              <a:shade val="50000"/>
+            </a:schemeClr>
+          </a:lnRef>
+          <a:fillRef idx="1">
+            <a:schemeClr val="accent1"/>
+          </a:fillRef>
+          <a:effectRef idx="0">
+            <a:schemeClr val="accent1"/>
+          </a:effectRef>
+          <a:fontRef idx="minor">
+            <a:schemeClr val="lt1"/>
+          </a:fontRef>
+        </p:style>
+        <p:txBody>
+          <a:bodyPr rtlCol="0" anchor="ctr"/>
+          <a:lstStyle/>
+          <a:p>
+            <a:pPr algn="ctr"/>
+            <a:r>
+              <a:rPr lang="en-US" altLang="zh-TW" sz="4800" dirty="0" smtClean="0">
+                <a:solidFill>
+                  <a:schemeClr val="accent2"/>
+                </a:solidFill>
+                <a:latin typeface="Source Code Pro" panose="020B0509030403020204" pitchFamily="49" charset="0"/>
+              </a:rPr>
+              <a:t>V</a:t>
+            </a:r>
+            <a:endParaRPr lang="zh-TW" altLang="en-US" sz="4800" dirty="0">
+              <a:solidFill>
+                <a:schemeClr val="accent2"/>
+              </a:solidFill>
+              <a:latin typeface="Source Code Pro" panose="020B0509030403020204" pitchFamily="49" charset="0"/>
+            </a:endParaRPr>
+          </a:p>
+        </p:txBody>
+      </p:sp>
+      <p:sp>
+        <p:nvSpPr>
+          <p:cNvPr id="38" name="圓角矩形 37"/>
+          <p:cNvSpPr/>
+          <p:nvPr/>
+        </p:nvSpPr>
+        <p:spPr>
+          <a:xfrm>
+            <a:off x="9616455" y="5042868"/>
+            <a:ext cx="745413" cy="745413"/>
+          </a:xfrm>
+          <a:prstGeom prst="roundRect">
+            <a:avLst/>
+          </a:prstGeom>
+          <a:noFill/>
+          <a:ln w="50800" cmpd="sng">
+            <a:solidFill>
+              <a:srgbClr val="EE4C12"/>
+            </a:solidFill>
+            <a:prstDash val="solid"/>
           </a:ln>
         </p:spPr>
         <p:style>
@@ -11980,7 +12132,7 @@
               <a:rPr lang="en-US" altLang="zh-TW" sz="4800" dirty="0">
                 <a:latin typeface="Source Code Pro" panose="020B0509030403020204" pitchFamily="49" charset="0"/>
               </a:rPr>
-              <a:t>Q</a:t>
+              <a:t>+</a:t>
             </a:r>
             <a:endParaRPr lang="zh-TW" altLang="en-US" sz="4800" dirty="0">
               <a:latin typeface="Source Code Pro" panose="020B0509030403020204" pitchFamily="49" charset="0"/>
@@ -11990,26 +12142,24 @@
       </p:sp>
       <p:sp>
         <p:nvSpPr>
-          <p:cNvPr id="35" name="圓角矩形 34"/>
+          <p:cNvPr id="39" name="圓角矩形 38"/>
           <p:cNvSpPr/>
           <p:nvPr/>
         </p:nvSpPr>
         <p:spPr>
           <a:xfrm>
-            <a:off x="9551695" y="9295953"/>
-            <a:ext cx="745413" cy="745413"/>
+            <a:off x="8583069" y="3377903"/>
+            <a:ext cx="2812175" cy="1047164"/>
           </a:xfrm>
           <a:prstGeom prst="roundRect">
             <a:avLst/>
           </a:prstGeom>
-          <a:solidFill>
-            <a:srgbClr val="191919"/>
-          </a:solidFill>
+          <a:noFill/>
           <a:ln w="50800" cmpd="sng">
             <a:solidFill>
-              <a:srgbClr val="00B0F0"/>
+              <a:schemeClr val="accent4"/>
             </a:solidFill>
-            <a:prstDash val="sysDash"/>
+            <a:prstDash val="solid"/>
           </a:ln>
         </p:spPr>
         <p:style>
@@ -12034,39 +12184,245 @@
           <a:p>
             <a:pPr algn="ctr"/>
             <a:r>
-              <a:rPr lang="en-US" altLang="zh-TW" sz="4800" dirty="0">
+              <a:rPr lang="en-US" altLang="zh-TW" sz="3200" dirty="0" err="1" smtClean="0">
                 <a:latin typeface="Source Code Pro" panose="020B0509030403020204" pitchFamily="49" charset="0"/>
               </a:rPr>
-              <a:t>K</a:t>
+              <a:t>LayerNorm</a:t>
             </a:r>
-            <a:endParaRPr lang="zh-TW" altLang="en-US" sz="4800" dirty="0">
+            <a:endParaRPr lang="zh-TW" altLang="en-US" sz="3200" dirty="0">
               <a:latin typeface="Source Code Pro" panose="020B0509030403020204" pitchFamily="49" charset="0"/>
             </a:endParaRPr>
           </a:p>
         </p:txBody>
       </p:sp>
+      <p:cxnSp>
+        <p:nvCxnSpPr>
+          <p:cNvPr id="40" name="直線單箭頭接點 39"/>
+          <p:cNvCxnSpPr>
+            <a:stCxn id="53" idx="0"/>
+            <a:endCxn id="38" idx="2"/>
+          </p:cNvCxnSpPr>
+          <p:nvPr/>
+        </p:nvCxnSpPr>
+        <p:spPr>
+          <a:xfrm flipV="1">
+            <a:off x="9989159" y="5788281"/>
+            <a:ext cx="3" cy="2001080"/>
+          </a:xfrm>
+          <a:prstGeom prst="straightConnector1">
+            <a:avLst/>
+          </a:prstGeom>
+          <a:ln w="127000">
+            <a:solidFill>
+              <a:schemeClr val="accent6">
+                <a:lumMod val="60000"/>
+                <a:lumOff val="40000"/>
+              </a:schemeClr>
+            </a:solidFill>
+            <a:tailEnd type="triangle"/>
+          </a:ln>
+        </p:spPr>
+        <p:style>
+          <a:lnRef idx="1">
+            <a:schemeClr val="accent1"/>
+          </a:lnRef>
+          <a:fillRef idx="0">
+            <a:schemeClr val="accent1"/>
+          </a:fillRef>
+          <a:effectRef idx="0">
+            <a:schemeClr val="accent1"/>
+          </a:effectRef>
+          <a:fontRef idx="minor">
+            <a:schemeClr val="tx1"/>
+          </a:fontRef>
+        </p:style>
+      </p:cxnSp>
+      <p:cxnSp>
+        <p:nvCxnSpPr>
+          <p:cNvPr id="42" name="直線單箭頭接點 24"/>
+          <p:cNvCxnSpPr>
+            <a:stCxn id="23" idx="0"/>
+            <a:endCxn id="38" idx="3"/>
+          </p:cNvCxnSpPr>
+          <p:nvPr/>
+        </p:nvCxnSpPr>
+        <p:spPr>
+          <a:xfrm rot="16200000" flipV="1">
+            <a:off x="10987583" y="4789860"/>
+            <a:ext cx="392770" cy="1644199"/>
+          </a:xfrm>
+          <a:prstGeom prst="bentConnector2">
+            <a:avLst/>
+          </a:prstGeom>
+          <a:ln w="127000">
+            <a:solidFill>
+              <a:srgbClr val="FF0066"/>
+            </a:solidFill>
+            <a:round/>
+            <a:tailEnd type="triangle"/>
+          </a:ln>
+        </p:spPr>
+        <p:style>
+          <a:lnRef idx="1">
+            <a:schemeClr val="accent1"/>
+          </a:lnRef>
+          <a:fillRef idx="0">
+            <a:schemeClr val="accent1"/>
+          </a:fillRef>
+          <a:effectRef idx="0">
+            <a:schemeClr val="accent1"/>
+          </a:effectRef>
+          <a:fontRef idx="minor">
+            <a:schemeClr val="tx1"/>
+          </a:fontRef>
+        </p:style>
+      </p:cxnSp>
+      <p:cxnSp>
+        <p:nvCxnSpPr>
+          <p:cNvPr id="45" name="直線單箭頭接點 44"/>
+          <p:cNvCxnSpPr>
+            <a:stCxn id="38" idx="0"/>
+            <a:endCxn id="39" idx="2"/>
+          </p:cNvCxnSpPr>
+          <p:nvPr/>
+        </p:nvCxnSpPr>
+        <p:spPr>
+          <a:xfrm flipH="1" flipV="1">
+            <a:off x="9989157" y="4425067"/>
+            <a:ext cx="5" cy="617801"/>
+          </a:xfrm>
+          <a:prstGeom prst="straightConnector1">
+            <a:avLst/>
+          </a:prstGeom>
+          <a:ln w="127000">
+            <a:solidFill>
+              <a:schemeClr val="accent6">
+                <a:lumMod val="60000"/>
+                <a:lumOff val="40000"/>
+              </a:schemeClr>
+            </a:solidFill>
+            <a:tailEnd type="triangle"/>
+          </a:ln>
+        </p:spPr>
+        <p:style>
+          <a:lnRef idx="1">
+            <a:schemeClr val="accent1"/>
+          </a:lnRef>
+          <a:fillRef idx="0">
+            <a:schemeClr val="accent1"/>
+          </a:fillRef>
+          <a:effectRef idx="0">
+            <a:schemeClr val="accent1"/>
+          </a:effectRef>
+          <a:fontRef idx="minor">
+            <a:schemeClr val="tx1"/>
+          </a:fontRef>
+        </p:style>
+      </p:cxnSp>
+      <p:cxnSp>
+        <p:nvCxnSpPr>
+          <p:cNvPr id="50" name="直線單箭頭接點 49"/>
+          <p:cNvCxnSpPr>
+            <a:stCxn id="39" idx="0"/>
+            <a:endCxn id="19" idx="2"/>
+          </p:cNvCxnSpPr>
+          <p:nvPr/>
+        </p:nvCxnSpPr>
+        <p:spPr>
+          <a:xfrm flipH="1" flipV="1">
+            <a:off x="9989156" y="2746346"/>
+            <a:ext cx="1" cy="631557"/>
+          </a:xfrm>
+          <a:prstGeom prst="straightConnector1">
+            <a:avLst/>
+          </a:prstGeom>
+          <a:ln w="127000">
+            <a:solidFill>
+              <a:schemeClr val="accent6">
+                <a:lumMod val="60000"/>
+                <a:lumOff val="40000"/>
+              </a:schemeClr>
+            </a:solidFill>
+            <a:tailEnd type="triangle"/>
+          </a:ln>
+        </p:spPr>
+        <p:style>
+          <a:lnRef idx="1">
+            <a:schemeClr val="accent1"/>
+          </a:lnRef>
+          <a:fillRef idx="0">
+            <a:schemeClr val="accent1"/>
+          </a:fillRef>
+          <a:effectRef idx="0">
+            <a:schemeClr val="accent1"/>
+          </a:effectRef>
+          <a:fontRef idx="minor">
+            <a:schemeClr val="tx1"/>
+          </a:fontRef>
+        </p:style>
+      </p:cxnSp>
+      <p:cxnSp>
+        <p:nvCxnSpPr>
+          <p:cNvPr id="172" name="直線單箭頭接點 24"/>
+          <p:cNvCxnSpPr>
+            <a:stCxn id="53" idx="0"/>
+            <a:endCxn id="23" idx="2"/>
+          </p:cNvCxnSpPr>
+          <p:nvPr/>
+        </p:nvCxnSpPr>
+        <p:spPr>
+          <a:xfrm rot="5400000" flipH="1" flipV="1">
+            <a:off x="10530687" y="6313981"/>
+            <a:ext cx="933852" cy="2016908"/>
+          </a:xfrm>
+          <a:prstGeom prst="bentConnector3">
+            <a:avLst>
+              <a:gd name="adj1" fmla="val 45104"/>
+            </a:avLst>
+          </a:prstGeom>
+          <a:ln w="127000">
+            <a:solidFill>
+              <a:srgbClr val="FF0066"/>
+            </a:solidFill>
+            <a:round/>
+            <a:tailEnd type="triangle"/>
+          </a:ln>
+        </p:spPr>
+        <p:style>
+          <a:lnRef idx="1">
+            <a:schemeClr val="accent1"/>
+          </a:lnRef>
+          <a:fillRef idx="0">
+            <a:schemeClr val="accent1"/>
+          </a:fillRef>
+          <a:effectRef idx="0">
+            <a:schemeClr val="accent1"/>
+          </a:effectRef>
+          <a:fontRef idx="minor">
+            <a:schemeClr val="tx1"/>
+          </a:fontRef>
+        </p:style>
+      </p:cxnSp>
       <p:sp>
         <p:nvSpPr>
-          <p:cNvPr id="36" name="圓角矩形 35"/>
+          <p:cNvPr id="118" name="圓角矩形 117"/>
           <p:cNvSpPr/>
           <p:nvPr/>
         </p:nvSpPr>
         <p:spPr>
           <a:xfrm>
-            <a:off x="9551075" y="10041366"/>
-            <a:ext cx="745413" cy="745413"/>
+            <a:off x="3629818" y="11200203"/>
+            <a:ext cx="2036203" cy="1415590"/>
           </a:xfrm>
           <a:prstGeom prst="roundRect">
             <a:avLst/>
           </a:prstGeom>
-          <a:solidFill>
-            <a:srgbClr val="191919"/>
-          </a:solidFill>
-          <a:ln w="50800" cmpd="sng">
+          <a:noFill/>
+          <a:ln w="50800">
             <a:solidFill>
-              <a:srgbClr val="00B0F0"/>
+              <a:schemeClr val="accent2"/>
             </a:solidFill>
-            <a:prstDash val="sysDash"/>
+            <a:prstDash val="solid"/>
           </a:ln>
         </p:spPr>
         <p:style>
@@ -12091,17 +12447,101 @@
           <a:p>
             <a:pPr algn="ctr"/>
             <a:r>
-              <a:rPr lang="en-US" altLang="zh-TW" sz="4800" dirty="0" smtClean="0">
+              <a:rPr lang="en-US" altLang="zh-TW" sz="3200" dirty="0" smtClean="0">
                 <a:latin typeface="Source Code Pro" panose="020B0509030403020204" pitchFamily="49" charset="0"/>
               </a:rPr>
-              <a:t>V</a:t>
+              <a:t>Encoder</a:t>
             </a:r>
-            <a:endParaRPr lang="zh-TW" altLang="en-US" sz="4800" dirty="0">
+            <a:endParaRPr lang="zh-TW" altLang="en-US" sz="3200" dirty="0">
               <a:latin typeface="Source Code Pro" panose="020B0509030403020204" pitchFamily="49" charset="0"/>
             </a:endParaRPr>
           </a:p>
         </p:txBody>
       </p:sp>
+      <p:cxnSp>
+        <p:nvCxnSpPr>
+          <p:cNvPr id="119" name="直線單箭頭接點 24"/>
+          <p:cNvCxnSpPr>
+            <a:stCxn id="118" idx="3"/>
+            <a:endCxn id="35" idx="1"/>
+          </p:cNvCxnSpPr>
+          <p:nvPr/>
+        </p:nvCxnSpPr>
+        <p:spPr>
+          <a:xfrm flipV="1">
+            <a:off x="5666021" y="11561494"/>
+            <a:ext cx="1426223" cy="346504"/>
+          </a:xfrm>
+          <a:prstGeom prst="bentConnector3">
+            <a:avLst>
+              <a:gd name="adj1" fmla="val 50000"/>
+            </a:avLst>
+          </a:prstGeom>
+          <a:ln w="127000">
+            <a:solidFill>
+              <a:schemeClr val="accent2"/>
+            </a:solidFill>
+            <a:round/>
+            <a:tailEnd type="triangle"/>
+          </a:ln>
+        </p:spPr>
+        <p:style>
+          <a:lnRef idx="1">
+            <a:schemeClr val="accent1"/>
+          </a:lnRef>
+          <a:fillRef idx="0">
+            <a:schemeClr val="accent1"/>
+          </a:fillRef>
+          <a:effectRef idx="0">
+            <a:schemeClr val="accent1"/>
+          </a:effectRef>
+          <a:fontRef idx="minor">
+            <a:schemeClr val="tx1"/>
+          </a:fontRef>
+        </p:style>
+      </p:cxnSp>
+      <p:cxnSp>
+        <p:nvCxnSpPr>
+          <p:cNvPr id="122" name="直線單箭頭接點 24"/>
+          <p:cNvCxnSpPr>
+            <a:stCxn id="118" idx="3"/>
+            <a:endCxn id="36" idx="1"/>
+          </p:cNvCxnSpPr>
+          <p:nvPr/>
+        </p:nvCxnSpPr>
+        <p:spPr>
+          <a:xfrm>
+            <a:off x="5666021" y="11907998"/>
+            <a:ext cx="1426222" cy="398310"/>
+          </a:xfrm>
+          <a:prstGeom prst="bentConnector3">
+            <a:avLst>
+              <a:gd name="adj1" fmla="val 50000"/>
+            </a:avLst>
+          </a:prstGeom>
+          <a:ln w="127000">
+            <a:solidFill>
+              <a:schemeClr val="accent2"/>
+            </a:solidFill>
+            <a:round/>
+            <a:tailEnd type="triangle"/>
+          </a:ln>
+        </p:spPr>
+        <p:style>
+          <a:lnRef idx="1">
+            <a:schemeClr val="accent1"/>
+          </a:lnRef>
+          <a:fillRef idx="0">
+            <a:schemeClr val="accent1"/>
+          </a:fillRef>
+          <a:effectRef idx="0">
+            <a:schemeClr val="accent1"/>
+          </a:effectRef>
+          <a:fontRef idx="minor">
+            <a:schemeClr val="tx1"/>
+          </a:fontRef>
+        </p:style>
+      </p:cxnSp>
     </p:spTree>
     <p:extLst>
       <p:ext uri="{BB962C8B-B14F-4D97-AF65-F5344CB8AC3E}">
@@ -13926,21 +14366,12 @@
               <a:rPr lang="en-US" altLang="zh-TW" sz="3200" dirty="0"/>
               <a:t>Scaled </a:t>
             </a:r>
-            <a:endParaRPr lang="en-US" altLang="zh-TW" sz="3200" dirty="0"/>
           </a:p>
           <a:p>
             <a:pPr lvl="1"/>
             <a:r>
               <a:rPr lang="en-US" altLang="zh-TW" sz="3200" dirty="0"/>
-              <a:t>Dot-Product </a:t>
-            </a:r>
-            <a:r>
-              <a:rPr lang="en-US" altLang="zh-TW" sz="3200" dirty="0"/>
-              <a:t>A</a:t>
-            </a:r>
-            <a:r>
-              <a:rPr lang="en-US" altLang="zh-TW" sz="3200" dirty="0"/>
-              <a:t>ttention</a:t>
+              <a:t>Dot-Product Attention</a:t>
             </a:r>
             <a:endParaRPr lang="zh-TW" altLang="en-US" sz="3200" dirty="0">
               <a:latin typeface="Source Code Pro" panose="020B0509030403020204" pitchFamily="49" charset="0"/>
@@ -13998,9 +14429,6 @@
               </a:rPr>
               <a:t>V</a:t>
             </a:r>
-            <a:endParaRPr lang="en-US" altLang="zh-TW" sz="3200" dirty="0">
-              <a:latin typeface="Source Code Pro" panose="020B0509030403020204" pitchFamily="49" charset="0"/>
-            </a:endParaRPr>
           </a:p>
         </p:txBody>
       </p:sp>
@@ -14107,9 +14535,6 @@
               </a:rPr>
               <a:t>Q</a:t>
             </a:r>
-            <a:endParaRPr lang="en-US" altLang="zh-TW" sz="3200" dirty="0">
-              <a:latin typeface="Source Code Pro" panose="020B0509030403020204" pitchFamily="49" charset="0"/>
-            </a:endParaRPr>
           </a:p>
         </p:txBody>
       </p:sp>
@@ -14623,14 +15048,7 @@
                 <a:latin typeface="SauceCodePro Nerd Font" panose="020B0509030403020204" pitchFamily="49" charset="0"/>
                 <a:ea typeface="SauceCodePro Nerd Font" panose="020B0509030403020204" pitchFamily="49" charset="0"/>
               </a:rPr>
-              <a:t>s</a:t>
-            </a:r>
-            <a:r>
-              <a:rPr lang="en-US" altLang="zh-TW" sz="2400" dirty="0">
-                <a:latin typeface="SauceCodePro Nerd Font" panose="020B0509030403020204" pitchFamily="49" charset="0"/>
-                <a:ea typeface="SauceCodePro Nerd Font" panose="020B0509030403020204" pitchFamily="49" charset="0"/>
-              </a:rPr>
-              <a:t>ize</a:t>
+              <a:t>size</a:t>
             </a:r>
             <a:endParaRPr lang="zh-TW" altLang="en-US" sz="2400" dirty="0">
               <a:latin typeface="SauceCodePro Nerd Font" panose="020B0509030403020204" pitchFamily="49" charset="0"/>
@@ -14776,14 +15194,7 @@
                 <a:latin typeface="SauceCodePro Nerd Font" panose="020B0509030403020204" pitchFamily="49" charset="0"/>
                 <a:ea typeface="SauceCodePro Nerd Font" panose="020B0509030403020204" pitchFamily="49" charset="0"/>
               </a:rPr>
-              <a:t>Symbol </a:t>
-            </a:r>
-            <a:r>
-              <a:rPr lang="en-US" altLang="zh-TW" sz="2400" dirty="0">
-                <a:latin typeface="SauceCodePro Nerd Font" panose="020B0509030403020204" pitchFamily="49" charset="0"/>
-                <a:ea typeface="SauceCodePro Nerd Font" panose="020B0509030403020204" pitchFamily="49" charset="0"/>
-              </a:rPr>
-              <a:t>id</a:t>
+              <a:t>Symbol id</a:t>
             </a:r>
             <a:r>
               <a:rPr lang="zh-TW" altLang="en-US" sz="2400" dirty="0">
@@ -14856,14 +15267,7 @@
                 <a:latin typeface="SauceCodePro Nerd Font" panose="020B0509030403020204" pitchFamily="49" charset="0"/>
                 <a:ea typeface="SauceCodePro Nerd Font" panose="020B0509030403020204" pitchFamily="49" charset="0"/>
               </a:rPr>
-              <a:t>Symbol </a:t>
-            </a:r>
-            <a:r>
-              <a:rPr lang="en-US" altLang="zh-TW" sz="2400" dirty="0">
-                <a:latin typeface="SauceCodePro Nerd Font" panose="020B0509030403020204" pitchFamily="49" charset="0"/>
-                <a:ea typeface="SauceCodePro Nerd Font" panose="020B0509030403020204" pitchFamily="49" charset="0"/>
-              </a:rPr>
-              <a:t>id</a:t>
+              <a:t>Symbol id</a:t>
             </a:r>
             <a:r>
               <a:rPr lang="zh-TW" altLang="en-US" sz="2400" dirty="0">
@@ -14936,14 +15340,7 @@
                 <a:latin typeface="SauceCodePro Nerd Font" panose="020B0509030403020204" pitchFamily="49" charset="0"/>
                 <a:ea typeface="SauceCodePro Nerd Font" panose="020B0509030403020204" pitchFamily="49" charset="0"/>
               </a:rPr>
-              <a:t>Symbol </a:t>
-            </a:r>
-            <a:r>
-              <a:rPr lang="en-US" altLang="zh-TW" sz="2400" dirty="0">
-                <a:latin typeface="SauceCodePro Nerd Font" panose="020B0509030403020204" pitchFamily="49" charset="0"/>
-                <a:ea typeface="SauceCodePro Nerd Font" panose="020B0509030403020204" pitchFamily="49" charset="0"/>
-              </a:rPr>
-              <a:t>id</a:t>
+              <a:t>Symbol id</a:t>
             </a:r>
             <a:r>
               <a:rPr lang="zh-TW" altLang="en-US" sz="2400" dirty="0">
@@ -15474,13 +15871,7 @@
                 <a:rPr lang="en-US" altLang="zh-TW" sz="2400" dirty="0">
                   <a:latin typeface="SauceCodePro Nerd Font" panose="020B0509030403020204" pitchFamily="49" charset="0"/>
                 </a:rPr>
-                <a:t>Symbol </a:t>
-              </a:r>
-              <a:r>
-                <a:rPr lang="en-US" altLang="zh-TW" sz="2400" dirty="0">
-                  <a:latin typeface="SauceCodePro Nerd Font" panose="020B0509030403020204" pitchFamily="49" charset="0"/>
-                </a:rPr>
-                <a:t>length</a:t>
+                <a:t>Symbol length</a:t>
               </a:r>
               <a:endParaRPr lang="zh-TW" altLang="en-US" sz="2400" dirty="0">
                 <a:latin typeface="SauceCodePro Nerd Font" panose="020B0509030403020204" pitchFamily="49" charset="0"/>
@@ -17535,13 +17926,7 @@
                 <a:rPr lang="en-US" altLang="zh-TW" sz="2400" dirty="0">
                   <a:latin typeface="SauceCodePro Nerd Font" panose="020B0509030403020204" pitchFamily="49" charset="0"/>
                 </a:rPr>
-                <a:t>Q </a:t>
-              </a:r>
-              <a:r>
-                <a:rPr lang="en-US" altLang="zh-TW" sz="2400" dirty="0">
-                  <a:latin typeface="SauceCodePro Nerd Font" panose="020B0509030403020204" pitchFamily="49" charset="0"/>
-                </a:rPr>
-                <a:t>length</a:t>
+                <a:t>Q length</a:t>
               </a:r>
               <a:endParaRPr lang="zh-TW" altLang="en-US" sz="2400" dirty="0">
                 <a:latin typeface="SauceCodePro Nerd Font" panose="020B0509030403020204" pitchFamily="49" charset="0"/>
@@ -17689,19 +18074,7 @@
               <a:rPr lang="en-US" altLang="zh-TW" sz="2400" dirty="0">
                 <a:latin typeface="SauceCodePro Nerd Font" panose="020B0509030403020204" pitchFamily="49" charset="0"/>
               </a:rPr>
-              <a:t>K</a:t>
-            </a:r>
-            <a:r>
-              <a:rPr lang="en-US" altLang="zh-TW" sz="2400" dirty="0">
-                <a:latin typeface="SauceCodePro Nerd Font" panose="020B0509030403020204" pitchFamily="49" charset="0"/>
-              </a:rPr>
-              <a:t> </a:t>
-            </a:r>
-            <a:r>
-              <a:rPr lang="en-US" altLang="zh-TW" sz="2400" dirty="0">
-                <a:latin typeface="SauceCodePro Nerd Font" panose="020B0509030403020204" pitchFamily="49" charset="0"/>
-              </a:rPr>
-              <a:t>length</a:t>
+              <a:t>K length</a:t>
             </a:r>
             <a:endParaRPr lang="zh-TW" altLang="en-US" sz="2400" dirty="0">
               <a:latin typeface="SauceCodePro Nerd Font" panose="020B0509030403020204" pitchFamily="49" charset="0"/>
@@ -19406,19 +19779,7 @@
                   <a:rPr lang="en-US" altLang="zh-TW" sz="2400" dirty="0">
                     <a:latin typeface="SauceCodePro Nerd Font" panose="020B0509030403020204" pitchFamily="49" charset="0"/>
                   </a:rPr>
-                  <a:t>K</a:t>
-                </a:r>
-                <a:r>
-                  <a:rPr lang="en-US" altLang="zh-TW" sz="2400" dirty="0">
-                    <a:latin typeface="SauceCodePro Nerd Font" panose="020B0509030403020204" pitchFamily="49" charset="0"/>
-                  </a:rPr>
-                  <a:t> </a:t>
-                </a:r>
-                <a:r>
-                  <a:rPr lang="en-US" altLang="zh-TW" sz="2400" dirty="0">
-                    <a:latin typeface="SauceCodePro Nerd Font" panose="020B0509030403020204" pitchFamily="49" charset="0"/>
-                  </a:rPr>
-                  <a:t>length</a:t>
+                  <a:t>K length</a:t>
                 </a:r>
                 <a:endParaRPr lang="zh-TW" altLang="en-US" sz="2400" dirty="0">
                   <a:latin typeface="SauceCodePro Nerd Font" panose="020B0509030403020204" pitchFamily="49" charset="0"/>
@@ -19580,13 +19941,7 @@
                   <a:rPr lang="en-US" altLang="zh-TW" sz="2400" dirty="0">
                     <a:latin typeface="SauceCodePro Nerd Font" panose="020B0509030403020204" pitchFamily="49" charset="0"/>
                   </a:rPr>
-                  <a:t>Q </a:t>
-                </a:r>
-                <a:r>
-                  <a:rPr lang="en-US" altLang="zh-TW" sz="2400" dirty="0">
-                    <a:latin typeface="SauceCodePro Nerd Font" panose="020B0509030403020204" pitchFamily="49" charset="0"/>
-                  </a:rPr>
-                  <a:t>length</a:t>
+                  <a:t>Q length</a:t>
                 </a:r>
                 <a:endParaRPr lang="zh-TW" altLang="en-US" sz="2400" dirty="0">
                   <a:latin typeface="SauceCodePro Nerd Font" panose="020B0509030403020204" pitchFamily="49" charset="0"/>
@@ -19732,9 +20087,6 @@
               </a:rPr>
               <a:t>Q</a:t>
             </a:r>
-            <a:endParaRPr lang="en-US" altLang="zh-TW" sz="4800" dirty="0">
-              <a:latin typeface="Source Code Pro" panose="020B0509030403020204" pitchFamily="49" charset="0"/>
-            </a:endParaRPr>
           </a:p>
         </p:txBody>
       </p:sp>
@@ -19788,9 +20140,6 @@
               </a:rPr>
               <a:t>K</a:t>
             </a:r>
-            <a:endParaRPr lang="en-US" altLang="zh-TW" sz="4800" dirty="0">
-              <a:latin typeface="Source Code Pro" panose="020B0509030403020204" pitchFamily="49" charset="0"/>
-            </a:endParaRPr>
           </a:p>
         </p:txBody>
       </p:sp>
@@ -21799,19 +22148,7 @@
                     <a:rPr lang="en-US" altLang="zh-TW" sz="2400" dirty="0">
                       <a:latin typeface="SauceCodePro Nerd Font" panose="020B0509030403020204" pitchFamily="49" charset="0"/>
                     </a:rPr>
-                    <a:t>K</a:t>
-                  </a:r>
-                  <a:r>
-                    <a:rPr lang="en-US" altLang="zh-TW" sz="2400" dirty="0">
-                      <a:latin typeface="SauceCodePro Nerd Font" panose="020B0509030403020204" pitchFamily="49" charset="0"/>
-                    </a:rPr>
-                    <a:t> </a:t>
-                  </a:r>
-                  <a:r>
-                    <a:rPr lang="en-US" altLang="zh-TW" sz="2400" dirty="0">
-                      <a:latin typeface="SauceCodePro Nerd Font" panose="020B0509030403020204" pitchFamily="49" charset="0"/>
-                    </a:rPr>
-                    <a:t>length</a:t>
+                    <a:t>K length</a:t>
                   </a:r>
                   <a:endParaRPr lang="zh-TW" altLang="en-US" sz="2400" dirty="0">
                     <a:latin typeface="SauceCodePro Nerd Font" panose="020B0509030403020204" pitchFamily="49" charset="0"/>
@@ -21973,13 +22310,7 @@
                     <a:rPr lang="en-US" altLang="zh-TW" sz="2400" dirty="0">
                       <a:latin typeface="SauceCodePro Nerd Font" panose="020B0509030403020204" pitchFamily="49" charset="0"/>
                     </a:rPr>
-                    <a:t>Q </a:t>
-                  </a:r>
-                  <a:r>
-                    <a:rPr lang="en-US" altLang="zh-TW" sz="2400" dirty="0">
-                      <a:latin typeface="SauceCodePro Nerd Font" panose="020B0509030403020204" pitchFamily="49" charset="0"/>
-                    </a:rPr>
-                    <a:t>length</a:t>
+                    <a:t>Q length</a:t>
                   </a:r>
                   <a:endParaRPr lang="zh-TW" altLang="en-US" sz="2400" dirty="0">
                     <a:latin typeface="SauceCodePro Nerd Font" panose="020B0509030403020204" pitchFamily="49" charset="0"/>
@@ -23981,19 +24312,7 @@
                   <a:rPr lang="en-US" altLang="zh-TW" sz="2400" dirty="0">
                     <a:latin typeface="SauceCodePro Nerd Font" panose="020B0509030403020204" pitchFamily="49" charset="0"/>
                   </a:rPr>
-                  <a:t>K</a:t>
-                </a:r>
-                <a:r>
-                  <a:rPr lang="en-US" altLang="zh-TW" sz="2400" dirty="0">
-                    <a:latin typeface="SauceCodePro Nerd Font" panose="020B0509030403020204" pitchFamily="49" charset="0"/>
-                  </a:rPr>
-                  <a:t> </a:t>
-                </a:r>
-                <a:r>
-                  <a:rPr lang="en-US" altLang="zh-TW" sz="2400" dirty="0">
-                    <a:latin typeface="SauceCodePro Nerd Font" panose="020B0509030403020204" pitchFamily="49" charset="0"/>
-                  </a:rPr>
-                  <a:t>length</a:t>
+                  <a:t>K length</a:t>
                 </a:r>
                 <a:endParaRPr lang="zh-TW" altLang="en-US" sz="2400" dirty="0">
                   <a:latin typeface="SauceCodePro Nerd Font" panose="020B0509030403020204" pitchFamily="49" charset="0"/>
@@ -24155,13 +24474,7 @@
                   <a:rPr lang="en-US" altLang="zh-TW" sz="2400" dirty="0">
                     <a:latin typeface="SauceCodePro Nerd Font" panose="020B0509030403020204" pitchFamily="49" charset="0"/>
                   </a:rPr>
-                  <a:t>Q </a:t>
-                </a:r>
-                <a:r>
-                  <a:rPr lang="en-US" altLang="zh-TW" sz="2400" dirty="0">
-                    <a:latin typeface="SauceCodePro Nerd Font" panose="020B0509030403020204" pitchFamily="49" charset="0"/>
-                  </a:rPr>
-                  <a:t>length</a:t>
+                  <a:t>Q length</a:t>
                 </a:r>
                 <a:endParaRPr lang="zh-TW" altLang="en-US" sz="2400" dirty="0">
                   <a:latin typeface="SauceCodePro Nerd Font" panose="020B0509030403020204" pitchFamily="49" charset="0"/>
@@ -26064,13 +26377,7 @@
                   <a:rPr lang="en-US" altLang="zh-TW" sz="2400" dirty="0">
                     <a:latin typeface="SauceCodePro Nerd Font" panose="020B0509030403020204" pitchFamily="49" charset="0"/>
                   </a:rPr>
-                  <a:t>Q </a:t>
-                </a:r>
-                <a:r>
-                  <a:rPr lang="en-US" altLang="zh-TW" sz="2400" dirty="0">
-                    <a:latin typeface="SauceCodePro Nerd Font" panose="020B0509030403020204" pitchFamily="49" charset="0"/>
-                  </a:rPr>
-                  <a:t>length</a:t>
+                  <a:t>Q length</a:t>
                 </a:r>
                 <a:endParaRPr lang="zh-TW" altLang="en-US" sz="2400" dirty="0">
                   <a:latin typeface="SauceCodePro Nerd Font" panose="020B0509030403020204" pitchFamily="49" charset="0"/>
@@ -26232,13 +26539,7 @@
                   <a:rPr lang="en-US" altLang="zh-TW" sz="2400" dirty="0">
                     <a:latin typeface="SauceCodePro Nerd Font" panose="020B0509030403020204" pitchFamily="49" charset="0"/>
                   </a:rPr>
-                  <a:t>Q </a:t>
-                </a:r>
-                <a:r>
-                  <a:rPr lang="en-US" altLang="zh-TW" sz="2400" dirty="0">
-                    <a:latin typeface="SauceCodePro Nerd Font" panose="020B0509030403020204" pitchFamily="49" charset="0"/>
-                  </a:rPr>
-                  <a:t>length</a:t>
+                  <a:t>Q length</a:t>
                 </a:r>
                 <a:endParaRPr lang="zh-TW" altLang="en-US" sz="2400" dirty="0">
                   <a:latin typeface="SauceCodePro Nerd Font" panose="020B0509030403020204" pitchFamily="49" charset="0"/>
@@ -27680,13 +27981,7 @@
                   <a:rPr lang="en-US" altLang="zh-TW" sz="2400" dirty="0">
                     <a:latin typeface="SauceCodePro Nerd Font" panose="020B0509030403020204" pitchFamily="49" charset="0"/>
                   </a:rPr>
-                  <a:t>Q </a:t>
-                </a:r>
-                <a:r>
-                  <a:rPr lang="en-US" altLang="zh-TW" sz="2400" dirty="0">
-                    <a:latin typeface="SauceCodePro Nerd Font" panose="020B0509030403020204" pitchFamily="49" charset="0"/>
-                  </a:rPr>
-                  <a:t>length</a:t>
+                  <a:t>Q length</a:t>
                 </a:r>
                 <a:endParaRPr lang="zh-TW" altLang="en-US" sz="2400" dirty="0">
                   <a:latin typeface="SauceCodePro Nerd Font" panose="020B0509030403020204" pitchFamily="49" charset="0"/>
@@ -27848,13 +28143,7 @@
                   <a:rPr lang="en-US" altLang="zh-TW" sz="2400" dirty="0">
                     <a:latin typeface="SauceCodePro Nerd Font" panose="020B0509030403020204" pitchFamily="49" charset="0"/>
                   </a:rPr>
-                  <a:t>Q </a:t>
-                </a:r>
-                <a:r>
-                  <a:rPr lang="en-US" altLang="zh-TW" sz="2400" dirty="0">
-                    <a:latin typeface="SauceCodePro Nerd Font" panose="020B0509030403020204" pitchFamily="49" charset="0"/>
-                  </a:rPr>
-                  <a:t>length</a:t>
+                  <a:t>Q length</a:t>
                 </a:r>
                 <a:endParaRPr lang="zh-TW" altLang="en-US" sz="2400" dirty="0">
                   <a:latin typeface="SauceCodePro Nerd Font" panose="020B0509030403020204" pitchFamily="49" charset="0"/>
@@ -29440,13 +29729,7 @@
                   <a:rPr lang="en-US" altLang="zh-TW" sz="2400" dirty="0">
                     <a:latin typeface="SauceCodePro Nerd Font" panose="020B0509030403020204" pitchFamily="49" charset="0"/>
                   </a:rPr>
-                  <a:t>Q </a:t>
-                </a:r>
-                <a:r>
-                  <a:rPr lang="en-US" altLang="zh-TW" sz="2400" dirty="0">
-                    <a:latin typeface="SauceCodePro Nerd Font" panose="020B0509030403020204" pitchFamily="49" charset="0"/>
-                  </a:rPr>
-                  <a:t>length</a:t>
+                  <a:t>Q length</a:t>
                 </a:r>
                 <a:endParaRPr lang="zh-TW" altLang="en-US" sz="2400" dirty="0">
                   <a:latin typeface="SauceCodePro Nerd Font" panose="020B0509030403020204" pitchFamily="49" charset="0"/>
@@ -29608,13 +29891,7 @@
                   <a:rPr lang="en-US" altLang="zh-TW" sz="2400" dirty="0">
                     <a:latin typeface="SauceCodePro Nerd Font" panose="020B0509030403020204" pitchFamily="49" charset="0"/>
                   </a:rPr>
-                  <a:t>Q </a:t>
-                </a:r>
-                <a:r>
-                  <a:rPr lang="en-US" altLang="zh-TW" sz="2400" dirty="0">
-                    <a:latin typeface="SauceCodePro Nerd Font" panose="020B0509030403020204" pitchFamily="49" charset="0"/>
-                  </a:rPr>
-                  <a:t>length</a:t>
+                  <a:t>Q length</a:t>
                 </a:r>
                 <a:endParaRPr lang="zh-TW" altLang="en-US" sz="2400" dirty="0">
                   <a:latin typeface="SauceCodePro Nerd Font" panose="020B0509030403020204" pitchFamily="49" charset="0"/>
@@ -31029,19 +31306,7 @@
                   <a:rPr lang="en-US" altLang="zh-TW" sz="2400" dirty="0">
                     <a:latin typeface="SauceCodePro Nerd Font" panose="020B0509030403020204" pitchFamily="49" charset="0"/>
                   </a:rPr>
-                  <a:t>K</a:t>
-                </a:r>
-                <a:r>
-                  <a:rPr lang="en-US" altLang="zh-TW" sz="2400" dirty="0">
-                    <a:latin typeface="SauceCodePro Nerd Font" panose="020B0509030403020204" pitchFamily="49" charset="0"/>
-                  </a:rPr>
-                  <a:t> </a:t>
-                </a:r>
-                <a:r>
-                  <a:rPr lang="en-US" altLang="zh-TW" sz="2400" dirty="0">
-                    <a:latin typeface="SauceCodePro Nerd Font" panose="020B0509030403020204" pitchFamily="49" charset="0"/>
-                  </a:rPr>
-                  <a:t>length</a:t>
+                  <a:t>K length</a:t>
                 </a:r>
                 <a:endParaRPr lang="zh-TW" altLang="en-US" sz="2400" dirty="0">
                   <a:latin typeface="SauceCodePro Nerd Font" panose="020B0509030403020204" pitchFamily="49" charset="0"/>
@@ -31631,13 +31896,7 @@
                   <a:rPr lang="en-US" altLang="zh-TW" sz="2400" dirty="0">
                     <a:latin typeface="SauceCodePro Nerd Font" panose="020B0509030403020204" pitchFamily="49" charset="0"/>
                   </a:rPr>
-                  <a:t>Q </a:t>
-                </a:r>
-                <a:r>
-                  <a:rPr lang="en-US" altLang="zh-TW" sz="2400" dirty="0">
-                    <a:latin typeface="SauceCodePro Nerd Font" panose="020B0509030403020204" pitchFamily="49" charset="0"/>
-                  </a:rPr>
-                  <a:t>length</a:t>
+                  <a:t>Q length</a:t>
                 </a:r>
                 <a:endParaRPr lang="zh-TW" altLang="en-US" sz="2400" dirty="0">
                   <a:latin typeface="SauceCodePro Nerd Font" panose="020B0509030403020204" pitchFamily="49" charset="0"/>
@@ -32005,9 +32264,6 @@
               </a:rPr>
               <a:t>V</a:t>
             </a:r>
-            <a:endParaRPr lang="en-US" altLang="zh-TW" sz="4800" dirty="0">
-              <a:latin typeface="Source Code Pro" panose="020B0509030403020204" pitchFamily="49" charset="0"/>
-            </a:endParaRPr>
           </a:p>
         </p:txBody>
       </p:sp>
@@ -33718,19 +33974,7 @@
                   <a:rPr lang="en-US" altLang="zh-TW" sz="2400" dirty="0">
                     <a:latin typeface="SauceCodePro Nerd Font" panose="020B0509030403020204" pitchFamily="49" charset="0"/>
                   </a:rPr>
-                  <a:t>K</a:t>
-                </a:r>
-                <a:r>
-                  <a:rPr lang="en-US" altLang="zh-TW" sz="2400" dirty="0">
-                    <a:latin typeface="SauceCodePro Nerd Font" panose="020B0509030403020204" pitchFamily="49" charset="0"/>
-                  </a:rPr>
-                  <a:t> </a:t>
-                </a:r>
-                <a:r>
-                  <a:rPr lang="en-US" altLang="zh-TW" sz="2400" dirty="0">
-                    <a:latin typeface="SauceCodePro Nerd Font" panose="020B0509030403020204" pitchFamily="49" charset="0"/>
-                  </a:rPr>
-                  <a:t>length</a:t>
+                  <a:t>K length</a:t>
                 </a:r>
                 <a:endParaRPr lang="zh-TW" altLang="en-US" sz="2400" dirty="0">
                   <a:latin typeface="SauceCodePro Nerd Font" panose="020B0509030403020204" pitchFamily="49" charset="0"/>
@@ -33892,13 +34136,7 @@
                   <a:rPr lang="en-US" altLang="zh-TW" sz="2400" dirty="0">
                     <a:latin typeface="SauceCodePro Nerd Font" panose="020B0509030403020204" pitchFamily="49" charset="0"/>
                   </a:rPr>
-                  <a:t>Q </a:t>
-                </a:r>
-                <a:r>
-                  <a:rPr lang="en-US" altLang="zh-TW" sz="2400" dirty="0">
-                    <a:latin typeface="SauceCodePro Nerd Font" panose="020B0509030403020204" pitchFamily="49" charset="0"/>
-                  </a:rPr>
-                  <a:t>length</a:t>
+                  <a:t>Q length</a:t>
                 </a:r>
                 <a:endParaRPr lang="zh-TW" altLang="en-US" sz="2400" dirty="0">
                   <a:latin typeface="SauceCodePro Nerd Font" panose="020B0509030403020204" pitchFamily="49" charset="0"/>
@@ -34450,13 +34688,7 @@
                     <a:rPr lang="en-US" altLang="zh-TW" sz="2400" dirty="0">
                       <a:latin typeface="SauceCodePro Nerd Font" panose="020B0509030403020204" pitchFamily="49" charset="0"/>
                     </a:rPr>
-                    <a:t>Q </a:t>
-                  </a:r>
-                  <a:r>
-                    <a:rPr lang="en-US" altLang="zh-TW" sz="2400" dirty="0">
-                      <a:latin typeface="SauceCodePro Nerd Font" panose="020B0509030403020204" pitchFamily="49" charset="0"/>
-                    </a:rPr>
-                    <a:t>length</a:t>
+                    <a:t>Q length</a:t>
                   </a:r>
                   <a:endParaRPr lang="zh-TW" altLang="en-US" sz="2400" dirty="0">
                     <a:latin typeface="SauceCodePro Nerd Font" panose="020B0509030403020204" pitchFamily="49" charset="0"/>
@@ -35760,13 +35992,7 @@
               <a:rPr lang="en-US" altLang="zh-TW" sz="2400" dirty="0">
                 <a:latin typeface="SauceCodePro Nerd Font" panose="020B0509030403020204" pitchFamily="49" charset="0"/>
               </a:rPr>
-              <a:t>Q </a:t>
-            </a:r>
-            <a:r>
-              <a:rPr lang="en-US" altLang="zh-TW" sz="2400" dirty="0">
-                <a:latin typeface="SauceCodePro Nerd Font" panose="020B0509030403020204" pitchFamily="49" charset="0"/>
-              </a:rPr>
-              <a:t>length</a:t>
+              <a:t>Q length</a:t>
             </a:r>
             <a:endParaRPr lang="zh-TW" altLang="en-US" sz="2400" dirty="0">
               <a:latin typeface="SauceCodePro Nerd Font" panose="020B0509030403020204" pitchFamily="49" charset="0"/>
@@ -36322,9 +36548,6 @@
               </a:rPr>
               <a:t>V</a:t>
             </a:r>
-            <a:endParaRPr lang="en-US" altLang="zh-TW" sz="3200" dirty="0">
-              <a:latin typeface="Source Code Pro" panose="020B0509030403020204" pitchFamily="49" charset="0"/>
-            </a:endParaRPr>
           </a:p>
         </p:txBody>
       </p:sp>
@@ -36380,9 +36603,6 @@
               </a:rPr>
               <a:t>K</a:t>
             </a:r>
-            <a:endParaRPr lang="en-US" altLang="zh-TW" sz="3200" dirty="0">
-              <a:latin typeface="Source Code Pro" panose="020B0509030403020204" pitchFamily="49" charset="0"/>
-            </a:endParaRPr>
           </a:p>
         </p:txBody>
       </p:sp>
@@ -36604,19 +36824,7 @@
             <a:pPr algn="ctr"/>
             <a:r>
               <a:rPr lang="en-US" altLang="zh-TW" sz="3200" dirty="0"/>
-              <a:t>Scaled </a:t>
-            </a:r>
-            <a:r>
-              <a:rPr lang="en-US" altLang="zh-TW" sz="3200" dirty="0"/>
-              <a:t>Dot-Product </a:t>
-            </a:r>
-            <a:r>
-              <a:rPr lang="en-US" altLang="zh-TW" sz="3200" dirty="0"/>
-              <a:t>A</a:t>
-            </a:r>
-            <a:r>
-              <a:rPr lang="en-US" altLang="zh-TW" sz="3200" dirty="0"/>
-              <a:t>ttention</a:t>
+              <a:t>Scaled Dot-Product Attention</a:t>
             </a:r>
             <a:endParaRPr lang="zh-TW" altLang="en-US" sz="3200" dirty="0">
               <a:latin typeface="Source Code Pro" panose="020B0509030403020204" pitchFamily="49" charset="0"/>
@@ -36961,19 +37169,7 @@
             <a:pPr algn="ctr"/>
             <a:r>
               <a:rPr lang="en-US" altLang="zh-TW" sz="3200" dirty="0"/>
-              <a:t>Scaled </a:t>
-            </a:r>
-            <a:r>
-              <a:rPr lang="en-US" altLang="zh-TW" sz="3200" dirty="0"/>
-              <a:t>Dot-Product </a:t>
-            </a:r>
-            <a:r>
-              <a:rPr lang="en-US" altLang="zh-TW" sz="3200" dirty="0"/>
-              <a:t>A</a:t>
-            </a:r>
-            <a:r>
-              <a:rPr lang="en-US" altLang="zh-TW" sz="3200" dirty="0"/>
-              <a:t>ttention</a:t>
+              <a:t>Scaled Dot-Product Attention</a:t>
             </a:r>
             <a:endParaRPr lang="zh-TW" altLang="en-US" sz="3200" dirty="0">
               <a:latin typeface="Source Code Pro" panose="020B0509030403020204" pitchFamily="49" charset="0"/>
@@ -37435,19 +37631,7 @@
             <a:pPr algn="ctr"/>
             <a:r>
               <a:rPr lang="en-US" altLang="zh-TW" sz="3200" dirty="0"/>
-              <a:t>Scaled </a:t>
-            </a:r>
-            <a:r>
-              <a:rPr lang="en-US" altLang="zh-TW" sz="3200" dirty="0"/>
-              <a:t>Dot-Product </a:t>
-            </a:r>
-            <a:r>
-              <a:rPr lang="en-US" altLang="zh-TW" sz="3200" dirty="0"/>
-              <a:t>A</a:t>
-            </a:r>
-            <a:r>
-              <a:rPr lang="en-US" altLang="zh-TW" sz="3200" dirty="0"/>
-              <a:t>ttention</a:t>
+              <a:t>Scaled Dot-Product Attention</a:t>
             </a:r>
             <a:endParaRPr lang="zh-TW" altLang="en-US" sz="3200" dirty="0">
               <a:latin typeface="Source Code Pro" panose="020B0509030403020204" pitchFamily="49" charset="0"/>
@@ -38325,14 +38509,7 @@
                 <a:latin typeface="SauceCodePro Nerd Font" panose="020B0509030403020204" pitchFamily="49" charset="0"/>
                 <a:ea typeface="SauceCodePro Nerd Font" panose="020B0509030403020204" pitchFamily="49" charset="0"/>
               </a:rPr>
-              <a:t>s</a:t>
-            </a:r>
-            <a:r>
-              <a:rPr lang="en-US" altLang="zh-TW" sz="2400" dirty="0">
-                <a:latin typeface="SauceCodePro Nerd Font" panose="020B0509030403020204" pitchFamily="49" charset="0"/>
-                <a:ea typeface="SauceCodePro Nerd Font" panose="020B0509030403020204" pitchFamily="49" charset="0"/>
-              </a:rPr>
-              <a:t>ize</a:t>
+              <a:t>size</a:t>
             </a:r>
             <a:endParaRPr lang="zh-TW" altLang="en-US" sz="2400" dirty="0">
               <a:latin typeface="SauceCodePro Nerd Font" panose="020B0509030403020204" pitchFamily="49" charset="0"/>

--- a/Attention-is-all-you-need/image.pptx
+++ b/Attention-is-all-you-need/image.pptx
@@ -17,10 +17,10 @@
     <p:sldId id="281" r:id="rId11"/>
     <p:sldId id="272" r:id="rId12"/>
     <p:sldId id="282" r:id="rId13"/>
-    <p:sldId id="279" r:id="rId14"/>
-    <p:sldId id="283" r:id="rId15"/>
+    <p:sldId id="289" r:id="rId14"/>
+    <p:sldId id="291" r:id="rId15"/>
     <p:sldId id="286" r:id="rId16"/>
-    <p:sldId id="284" r:id="rId17"/>
+    <p:sldId id="292" r:id="rId17"/>
     <p:sldId id="288" r:id="rId18"/>
     <p:sldId id="285" r:id="rId19"/>
     <p:sldId id="265" r:id="rId20"/>
@@ -6841,7 +6841,7 @@
         </p:nvSpPr>
         <p:spPr>
           <a:xfrm>
-            <a:off x="7429652" y="7331431"/>
+            <a:off x="7429652" y="7179028"/>
             <a:ext cx="3420892" cy="1115436"/>
           </a:xfrm>
           <a:prstGeom prst="roundRect">
@@ -6898,8 +6898,8 @@
         </p:nvCxnSpPr>
         <p:spPr>
           <a:xfrm flipV="1">
-            <a:off x="9140098" y="8446870"/>
-            <a:ext cx="0" cy="363167"/>
+            <a:off x="9140098" y="8294464"/>
+            <a:ext cx="0" cy="515570"/>
           </a:xfrm>
           <a:prstGeom prst="straightConnector1">
             <a:avLst/>
@@ -6938,7 +6938,7 @@
         <p:spPr>
           <a:xfrm flipV="1">
             <a:off x="9140098" y="6144655"/>
-            <a:ext cx="0" cy="1186776"/>
+            <a:ext cx="0" cy="1034373"/>
           </a:xfrm>
           <a:prstGeom prst="straightConnector1">
             <a:avLst/>
@@ -7080,7 +7080,7 @@
         </p:nvSpPr>
         <p:spPr>
           <a:xfrm>
-            <a:off x="13361902" y="7331431"/>
+            <a:off x="13361902" y="7179028"/>
             <a:ext cx="3420892" cy="1115436"/>
           </a:xfrm>
           <a:prstGeom prst="roundRect">
@@ -7191,8 +7191,8 @@
         </p:nvCxnSpPr>
         <p:spPr>
           <a:xfrm flipV="1">
-            <a:off x="15072348" y="8446870"/>
-            <a:ext cx="0" cy="363167"/>
+            <a:off x="15072348" y="8294464"/>
+            <a:ext cx="0" cy="515570"/>
           </a:xfrm>
           <a:prstGeom prst="straightConnector1">
             <a:avLst/>
@@ -7230,8 +7230,8 @@
         </p:nvCxnSpPr>
         <p:spPr>
           <a:xfrm flipV="1">
-            <a:off x="15072348" y="6144655"/>
-            <a:ext cx="0" cy="1186776"/>
+            <a:off x="15072348" y="6144656"/>
+            <a:ext cx="0" cy="1034372"/>
           </a:xfrm>
           <a:prstGeom prst="straightConnector1">
             <a:avLst/>
@@ -7313,12 +7313,12 @@
         </p:nvCxnSpPr>
         <p:spPr>
           <a:xfrm rot="16200000" flipH="1">
-            <a:off x="9821035" y="4348282"/>
-            <a:ext cx="2859930" cy="4221804"/>
+            <a:off x="9897236" y="4272080"/>
+            <a:ext cx="2707527" cy="4221804"/>
           </a:xfrm>
           <a:prstGeom prst="bentConnector4">
             <a:avLst>
-              <a:gd name="adj1" fmla="val -25695"/>
+              <a:gd name="adj1" fmla="val -27581"/>
               <a:gd name="adj2" fmla="val 70257"/>
             </a:avLst>
           </a:prstGeom>
@@ -7483,13 +7483,15 @@
       <p:cxnSp>
         <p:nvCxnSpPr>
           <p:cNvPr id="48" name="直線單箭頭接點 47"/>
-          <p:cNvCxnSpPr/>
+          <p:cNvCxnSpPr>
+            <a:endCxn id="5" idx="2"/>
+          </p:cNvCxnSpPr>
           <p:nvPr/>
         </p:nvCxnSpPr>
         <p:spPr>
           <a:xfrm flipV="1">
-            <a:off x="9121833" y="9925473"/>
-            <a:ext cx="18267" cy="703637"/>
+            <a:off x="9121833" y="9925470"/>
+            <a:ext cx="18265" cy="703641"/>
           </a:xfrm>
           <a:prstGeom prst="straightConnector1">
             <a:avLst/>
@@ -7519,13 +7521,15 @@
       <p:cxnSp>
         <p:nvCxnSpPr>
           <p:cNvPr id="26" name="直線單箭頭接點 25"/>
-          <p:cNvCxnSpPr/>
+          <p:cNvCxnSpPr>
+            <a:endCxn id="20" idx="2"/>
+          </p:cNvCxnSpPr>
           <p:nvPr/>
         </p:nvCxnSpPr>
         <p:spPr>
-          <a:xfrm flipV="1">
-            <a:off x="15072351" y="9925472"/>
-            <a:ext cx="18267" cy="703637"/>
+          <a:xfrm flipH="1" flipV="1">
+            <a:off x="15072348" y="9925470"/>
+            <a:ext cx="3" cy="703640"/>
           </a:xfrm>
           <a:prstGeom prst="straightConnector1">
             <a:avLst/>
@@ -7555,7 +7559,7 @@
     </p:spTree>
     <p:extLst>
       <p:ext uri="{BB962C8B-B14F-4D97-AF65-F5344CB8AC3E}">
-        <p14:creationId xmlns:p14="http://schemas.microsoft.com/office/powerpoint/2010/main" val="3725131287"/>
+        <p14:creationId xmlns:p14="http://schemas.microsoft.com/office/powerpoint/2010/main" val="3063676892"/>
       </p:ext>
     </p:extLst>
   </p:cSld>
@@ -7605,25 +7609,21 @@
         </p:nvSpPr>
         <p:spPr>
           <a:xfrm>
-            <a:off x="6732189" y="2823651"/>
-            <a:ext cx="10085315" cy="6119024"/>
+            <a:off x="7009742" y="4773055"/>
+            <a:ext cx="4221804" cy="5340485"/>
           </a:xfrm>
           <a:prstGeom prst="roundRect">
             <a:avLst/>
           </a:prstGeom>
           <a:solidFill>
-            <a:schemeClr val="accent1">
+            <a:srgbClr val="92D050">
               <a:alpha val="0"/>
-            </a:schemeClr>
+            </a:srgbClr>
           </a:solidFill>
           <a:ln w="50800">
             <a:solidFill>
-              <a:schemeClr val="accent5">
-                <a:lumMod val="60000"/>
-                <a:lumOff val="40000"/>
-              </a:schemeClr>
+              <a:srgbClr val="92D050"/>
             </a:solidFill>
-            <a:prstDash val="sysDash"/>
           </a:ln>
         </p:spPr>
         <p:style>
@@ -7647,7 +7647,9 @@
           <a:lstStyle/>
           <a:p>
             <a:pPr algn="ctr"/>
-            <a:endParaRPr lang="zh-TW" altLang="en-US"/>
+            <a:endParaRPr lang="zh-TW" altLang="en-US" sz="4000" dirty="0">
+              <a:latin typeface="Source Code Pro" panose="020B0509030403020204" pitchFamily="49" charset="0"/>
+            </a:endParaRPr>
           </a:p>
         </p:txBody>
       </p:sp>
@@ -7659,22 +7661,17 @@
         </p:nvSpPr>
         <p:spPr>
           <a:xfrm>
-            <a:off x="7047562" y="4643583"/>
-            <a:ext cx="4058702" cy="1277226"/>
+            <a:off x="7429652" y="8810034"/>
+            <a:ext cx="3420892" cy="1115436"/>
           </a:xfrm>
           <a:prstGeom prst="roundRect">
             <a:avLst/>
           </a:prstGeom>
           <a:solidFill>
-            <a:srgbClr val="92D050">
-              <a:alpha val="0"/>
-            </a:srgbClr>
+            <a:srgbClr val="92D050"/>
           </a:solidFill>
-          <a:ln w="127000" cmpd="dbl">
-            <a:solidFill>
-              <a:srgbClr val="92D050"/>
-            </a:solidFill>
-            <a:prstDash val="solid"/>
+          <a:ln w="50800">
+            <a:noFill/>
           </a:ln>
         </p:spPr>
         <p:style>
@@ -7702,7 +7699,7 @@
               <a:rPr lang="en-US" altLang="zh-TW" sz="4000" dirty="0">
                 <a:latin typeface="Source Code Pro" panose="020B0509030403020204" pitchFamily="49" charset="0"/>
               </a:rPr>
-              <a:t>Encoders</a:t>
+              <a:t>Encoder</a:t>
             </a:r>
             <a:endParaRPr lang="zh-TW" altLang="en-US" sz="4000" dirty="0">
               <a:latin typeface="Source Code Pro" panose="020B0509030403020204" pitchFamily="49" charset="0"/>
@@ -7718,18 +7715,17 @@
         </p:nvSpPr>
         <p:spPr>
           <a:xfrm>
-            <a:off x="12371964" y="4643582"/>
-            <a:ext cx="4058702" cy="1277227"/>
+            <a:off x="7429652" y="7179028"/>
+            <a:ext cx="3420892" cy="1115436"/>
           </a:xfrm>
           <a:prstGeom prst="roundRect">
             <a:avLst/>
           </a:prstGeom>
-          <a:noFill/>
-          <a:ln w="50800" cmpd="sng">
-            <a:solidFill>
-              <a:schemeClr val="accent2"/>
-            </a:solidFill>
-            <a:prstDash val="sysDash"/>
+          <a:solidFill>
+            <a:srgbClr val="92D050"/>
+          </a:solidFill>
+          <a:ln w="50800">
+            <a:noFill/>
           </a:ln>
         </p:spPr>
         <p:style>
@@ -7757,9 +7753,11 @@
               <a:rPr lang="en-US" altLang="zh-TW" sz="4000" dirty="0">
                 <a:latin typeface="Source Code Pro" panose="020B0509030403020204" pitchFamily="49" charset="0"/>
               </a:rPr>
-              <a:t>Decoders</a:t>
+              <a:t>Encoder</a:t>
             </a:r>
-            <a:endParaRPr lang="zh-TW" altLang="en-US" sz="4000" dirty="0"/>
+            <a:endParaRPr lang="zh-TW" altLang="en-US" sz="4000" dirty="0">
+              <a:latin typeface="Source Code Pro" panose="020B0509030403020204" pitchFamily="49" charset="0"/>
+            </a:endParaRPr>
           </a:p>
         </p:txBody>
       </p:sp>
@@ -7767,20 +7765,20 @@
         <p:nvCxnSpPr>
           <p:cNvPr id="8" name="直線單箭頭接點 7"/>
           <p:cNvCxnSpPr>
-            <a:stCxn id="5" idx="3"/>
-            <a:endCxn id="6" idx="1"/>
+            <a:stCxn id="5" idx="0"/>
+            <a:endCxn id="6" idx="2"/>
           </p:cNvCxnSpPr>
           <p:nvPr/>
         </p:nvCxnSpPr>
         <p:spPr>
-          <a:xfrm>
-            <a:off x="11106264" y="5282196"/>
-            <a:ext cx="1265700" cy="0"/>
+          <a:xfrm flipV="1">
+            <a:off x="9140098" y="8294464"/>
+            <a:ext cx="0" cy="515570"/>
           </a:xfrm>
           <a:prstGeom prst="straightConnector1">
             <a:avLst/>
           </a:prstGeom>
-          <a:ln w="254000">
+          <a:ln w="127000">
             <a:solidFill>
               <a:srgbClr val="FF0066"/>
             </a:solidFill>
@@ -7804,25 +7802,26 @@
       </p:cxnSp>
       <p:cxnSp>
         <p:nvCxnSpPr>
-          <p:cNvPr id="13" name="直線單箭頭接點 12"/>
+          <p:cNvPr id="15" name="直線單箭頭接點 14"/>
           <p:cNvCxnSpPr>
-            <a:stCxn id="15" idx="0"/>
-            <a:endCxn id="34" idx="2"/>
+            <a:stCxn id="6" idx="0"/>
+            <a:endCxn id="7" idx="2"/>
           </p:cNvCxnSpPr>
           <p:nvPr/>
         </p:nvCxnSpPr>
         <p:spPr>
           <a:xfrm flipV="1">
-            <a:off x="9076911" y="8629501"/>
-            <a:ext cx="1" cy="563397"/>
+            <a:off x="9140098" y="6144655"/>
+            <a:ext cx="0" cy="1034373"/>
           </a:xfrm>
           <a:prstGeom prst="straightConnector1">
             <a:avLst/>
           </a:prstGeom>
-          <a:ln w="63500">
+          <a:ln w="127000">
             <a:solidFill>
               <a:srgbClr val="FF0066"/>
             </a:solidFill>
+            <a:prstDash val="sysDot"/>
             <a:tailEnd type="triangle"/>
           </a:ln>
         </p:spPr>
@@ -7843,14 +7842,66 @@
       </p:cxnSp>
       <p:sp>
         <p:nvSpPr>
-          <p:cNvPr id="15" name="圓角矩形 14"/>
+          <p:cNvPr id="19" name="圓角矩形 18"/>
           <p:cNvSpPr/>
           <p:nvPr/>
         </p:nvSpPr>
         <p:spPr>
           <a:xfrm>
-            <a:off x="7702068" y="9192898"/>
-            <a:ext cx="2749685" cy="745413"/>
+            <a:off x="12941992" y="4773057"/>
+            <a:ext cx="4221804" cy="5340485"/>
+          </a:xfrm>
+          <a:prstGeom prst="roundRect">
+            <a:avLst/>
+          </a:prstGeom>
+          <a:solidFill>
+            <a:schemeClr val="accent2">
+              <a:alpha val="0"/>
+            </a:schemeClr>
+          </a:solidFill>
+          <a:ln w="50800">
+            <a:solidFill>
+              <a:schemeClr val="accent2"/>
+            </a:solidFill>
+          </a:ln>
+        </p:spPr>
+        <p:style>
+          <a:lnRef idx="2">
+            <a:schemeClr val="accent1">
+              <a:shade val="50000"/>
+            </a:schemeClr>
+          </a:lnRef>
+          <a:fillRef idx="1">
+            <a:schemeClr val="accent1"/>
+          </a:fillRef>
+          <a:effectRef idx="0">
+            <a:schemeClr val="accent1"/>
+          </a:effectRef>
+          <a:fontRef idx="minor">
+            <a:schemeClr val="lt1"/>
+          </a:fontRef>
+        </p:style>
+        <p:txBody>
+          <a:bodyPr rtlCol="0" anchor="ctr"/>
+          <a:lstStyle/>
+          <a:p>
+            <a:pPr algn="ctr"/>
+            <a:endParaRPr lang="zh-TW" altLang="en-US" sz="4000" dirty="0">
+              <a:latin typeface="Source Code Pro" panose="020B0509030403020204" pitchFamily="49" charset="0"/>
+            </a:endParaRPr>
+          </a:p>
+        </p:txBody>
+      </p:sp>
+      <p:sp>
+        <p:nvSpPr>
+          <p:cNvPr id="20" name="圓角矩形 19"/>
+          <p:cNvSpPr/>
+          <p:nvPr/>
+        </p:nvSpPr>
+        <p:spPr>
+          <a:xfrm>
+            <a:off x="13361902" y="8810034"/>
+            <a:ext cx="3420892" cy="1115436"/>
           </a:xfrm>
           <a:prstGeom prst="roundRect">
             <a:avLst/>
@@ -7858,12 +7909,8 @@
           <a:noFill/>
           <a:ln w="50800">
             <a:solidFill>
-              <a:schemeClr val="accent6">
-                <a:lumMod val="60000"/>
-                <a:lumOff val="40000"/>
-              </a:schemeClr>
+              <a:schemeClr val="accent2"/>
             </a:solidFill>
-            <a:prstDash val="sysDash"/>
           </a:ln>
         </p:spPr>
         <p:style>
@@ -7888,66 +7935,27 @@
           <a:p>
             <a:pPr algn="ctr"/>
             <a:r>
-              <a:rPr lang="en-US" altLang="zh-TW" sz="3200" dirty="0">
+              <a:rPr lang="en-US" altLang="zh-TW" sz="4000" dirty="0">
                 <a:latin typeface="Source Code Pro" panose="020B0509030403020204" pitchFamily="49" charset="0"/>
               </a:rPr>
-              <a:t>Input</a:t>
+              <a:t>Decoder</a:t>
             </a:r>
-            <a:endParaRPr lang="zh-TW" altLang="en-US" sz="3200" dirty="0">
+            <a:endParaRPr lang="zh-TW" altLang="en-US" sz="4000" dirty="0">
               <a:latin typeface="Source Code Pro" panose="020B0509030403020204" pitchFamily="49" charset="0"/>
             </a:endParaRPr>
           </a:p>
         </p:txBody>
       </p:sp>
-      <p:cxnSp>
-        <p:nvCxnSpPr>
-          <p:cNvPr id="18" name="直線單箭頭接點 17"/>
-          <p:cNvCxnSpPr>
-            <a:stCxn id="6" idx="0"/>
-            <a:endCxn id="22" idx="2"/>
-          </p:cNvCxnSpPr>
-          <p:nvPr/>
-        </p:nvCxnSpPr>
-        <p:spPr>
-          <a:xfrm flipH="1" flipV="1">
-            <a:off x="14401313" y="4127933"/>
-            <a:ext cx="2" cy="515649"/>
-          </a:xfrm>
-          <a:prstGeom prst="straightConnector1">
-            <a:avLst/>
-          </a:prstGeom>
-          <a:ln w="63500">
-            <a:solidFill>
-              <a:srgbClr val="FF0066"/>
-            </a:solidFill>
-            <a:tailEnd type="triangle"/>
-          </a:ln>
-        </p:spPr>
-        <p:style>
-          <a:lnRef idx="1">
-            <a:schemeClr val="accent1"/>
-          </a:lnRef>
-          <a:fillRef idx="0">
-            <a:schemeClr val="accent1"/>
-          </a:fillRef>
-          <a:effectRef idx="0">
-            <a:schemeClr val="accent1"/>
-          </a:effectRef>
-          <a:fontRef idx="minor">
-            <a:schemeClr val="tx1"/>
-          </a:fontRef>
-        </p:style>
-      </p:cxnSp>
       <p:sp>
         <p:nvSpPr>
-          <p:cNvPr id="19" name="圓角矩形 18"/>
+          <p:cNvPr id="21" name="圓角矩形 20"/>
           <p:cNvSpPr/>
           <p:nvPr/>
         </p:nvSpPr>
         <p:spPr>
           <a:xfrm>
-            <a:off x="13026471" y="1738743"/>
-            <a:ext cx="2749685" cy="678990"/>
+            <a:off x="13361902" y="7179028"/>
+            <a:ext cx="3420892" cy="1115436"/>
           </a:xfrm>
           <a:prstGeom prst="roundRect">
             <a:avLst/>
@@ -7955,9 +7963,8 @@
           <a:noFill/>
           <a:ln w="50800">
             <a:solidFill>
-              <a:srgbClr val="CC66FF"/>
+              <a:schemeClr val="accent2"/>
             </a:solidFill>
-            <a:prstDash val="sysDash"/>
           </a:ln>
         </p:spPr>
         <p:style>
@@ -7982,12 +7989,12 @@
           <a:p>
             <a:pPr algn="ctr"/>
             <a:r>
-              <a:rPr lang="en-US" altLang="zh-TW" sz="3200" dirty="0">
+              <a:rPr lang="en-US" altLang="zh-TW" sz="4000" dirty="0">
                 <a:latin typeface="Source Code Pro" panose="020B0509030403020204" pitchFamily="49" charset="0"/>
               </a:rPr>
-              <a:t>Output</a:t>
+              <a:t>Decoder</a:t>
             </a:r>
-            <a:endParaRPr lang="zh-TW" altLang="en-US" sz="3200" dirty="0">
+            <a:endParaRPr lang="zh-TW" altLang="en-US" sz="4000" dirty="0">
               <a:latin typeface="Source Code Pro" panose="020B0509030403020204" pitchFamily="49" charset="0"/>
             </a:endParaRPr>
           </a:p>
@@ -7995,24 +8002,23 @@
       </p:sp>
       <p:sp>
         <p:nvSpPr>
-          <p:cNvPr id="34" name="圓角矩形 33"/>
+          <p:cNvPr id="22" name="圓角矩形 21"/>
           <p:cNvSpPr/>
           <p:nvPr/>
         </p:nvSpPr>
         <p:spPr>
           <a:xfrm>
-            <a:off x="7444350" y="7999271"/>
-            <a:ext cx="3265123" cy="630230"/>
+            <a:off x="13361902" y="5029220"/>
+            <a:ext cx="3420892" cy="1115436"/>
           </a:xfrm>
           <a:prstGeom prst="roundRect">
             <a:avLst/>
           </a:prstGeom>
           <a:noFill/>
-          <a:ln w="50800" cmpd="sng">
+          <a:ln w="50800">
             <a:solidFill>
-              <a:srgbClr val="FF9999"/>
+              <a:schemeClr val="accent2"/>
             </a:solidFill>
-            <a:prstDash val="sysDash"/>
           </a:ln>
         </p:spPr>
         <p:style>
@@ -8037,37 +8043,201 @@
           <a:p>
             <a:pPr algn="ctr"/>
             <a:r>
-              <a:rPr lang="en-US" altLang="zh-TW" sz="3200" dirty="0">
+              <a:rPr lang="en-US" altLang="zh-TW" sz="4000" dirty="0">
                 <a:latin typeface="Source Code Pro" panose="020B0509030403020204" pitchFamily="49" charset="0"/>
               </a:rPr>
-              <a:t>Embedding</a:t>
+              <a:t>Decoder</a:t>
             </a:r>
-            <a:endParaRPr lang="zh-TW" altLang="en-US" sz="3200" dirty="0">
+            <a:endParaRPr lang="zh-TW" altLang="en-US" sz="4000" dirty="0">
               <a:latin typeface="Source Code Pro" panose="020B0509030403020204" pitchFamily="49" charset="0"/>
             </a:endParaRPr>
           </a:p>
         </p:txBody>
       </p:sp>
+      <p:cxnSp>
+        <p:nvCxnSpPr>
+          <p:cNvPr id="23" name="直線單箭頭接點 22"/>
+          <p:cNvCxnSpPr>
+            <a:stCxn id="20" idx="0"/>
+            <a:endCxn id="21" idx="2"/>
+          </p:cNvCxnSpPr>
+          <p:nvPr/>
+        </p:nvCxnSpPr>
+        <p:spPr>
+          <a:xfrm flipV="1">
+            <a:off x="15072348" y="8294464"/>
+            <a:ext cx="0" cy="515570"/>
+          </a:xfrm>
+          <a:prstGeom prst="straightConnector1">
+            <a:avLst/>
+          </a:prstGeom>
+          <a:ln w="76200">
+            <a:solidFill>
+              <a:srgbClr val="FF0066"/>
+            </a:solidFill>
+            <a:tailEnd type="triangle"/>
+          </a:ln>
+        </p:spPr>
+        <p:style>
+          <a:lnRef idx="1">
+            <a:schemeClr val="accent1"/>
+          </a:lnRef>
+          <a:fillRef idx="0">
+            <a:schemeClr val="accent1"/>
+          </a:fillRef>
+          <a:effectRef idx="0">
+            <a:schemeClr val="accent1"/>
+          </a:effectRef>
+          <a:fontRef idx="minor">
+            <a:schemeClr val="tx1"/>
+          </a:fontRef>
+        </p:style>
+      </p:cxnSp>
+      <p:cxnSp>
+        <p:nvCxnSpPr>
+          <p:cNvPr id="24" name="直線單箭頭接點 23"/>
+          <p:cNvCxnSpPr>
+            <a:stCxn id="21" idx="0"/>
+            <a:endCxn id="22" idx="2"/>
+          </p:cNvCxnSpPr>
+          <p:nvPr/>
+        </p:nvCxnSpPr>
+        <p:spPr>
+          <a:xfrm flipV="1">
+            <a:off x="15072348" y="6144656"/>
+            <a:ext cx="0" cy="1034372"/>
+          </a:xfrm>
+          <a:prstGeom prst="straightConnector1">
+            <a:avLst/>
+          </a:prstGeom>
+          <a:ln w="76200">
+            <a:solidFill>
+              <a:srgbClr val="FF0066"/>
+            </a:solidFill>
+            <a:prstDash val="sysDot"/>
+            <a:tailEnd type="triangle"/>
+          </a:ln>
+        </p:spPr>
+        <p:style>
+          <a:lnRef idx="1">
+            <a:schemeClr val="accent1"/>
+          </a:lnRef>
+          <a:fillRef idx="0">
+            <a:schemeClr val="accent1"/>
+          </a:fillRef>
+          <a:effectRef idx="0">
+            <a:schemeClr val="accent1"/>
+          </a:effectRef>
+          <a:fontRef idx="minor">
+            <a:schemeClr val="tx1"/>
+          </a:fontRef>
+        </p:style>
+      </p:cxnSp>
+      <p:cxnSp>
+        <p:nvCxnSpPr>
+          <p:cNvPr id="25" name="直線單箭頭接點 24"/>
+          <p:cNvCxnSpPr>
+            <a:stCxn id="7" idx="0"/>
+            <a:endCxn id="20" idx="1"/>
+          </p:cNvCxnSpPr>
+          <p:nvPr/>
+        </p:nvCxnSpPr>
+        <p:spPr>
+          <a:xfrm rot="16200000" flipH="1">
+            <a:off x="9081736" y="5087583"/>
+            <a:ext cx="4338533" cy="4221804"/>
+          </a:xfrm>
+          <a:prstGeom prst="bentConnector4">
+            <a:avLst>
+              <a:gd name="adj1" fmla="val -16918"/>
+              <a:gd name="adj2" fmla="val 70257"/>
+            </a:avLst>
+          </a:prstGeom>
+          <a:ln w="127000" cap="rnd">
+            <a:solidFill>
+              <a:srgbClr val="FF0066"/>
+            </a:solidFill>
+            <a:round/>
+            <a:tailEnd type="triangle"/>
+          </a:ln>
+        </p:spPr>
+        <p:style>
+          <a:lnRef idx="1">
+            <a:schemeClr val="accent1"/>
+          </a:lnRef>
+          <a:fillRef idx="0">
+            <a:schemeClr val="accent1"/>
+          </a:fillRef>
+          <a:effectRef idx="0">
+            <a:schemeClr val="accent1"/>
+          </a:effectRef>
+          <a:fontRef idx="minor">
+            <a:schemeClr val="tx1"/>
+          </a:fontRef>
+        </p:style>
+      </p:cxnSp>
+      <p:cxnSp>
+        <p:nvCxnSpPr>
+          <p:cNvPr id="29" name="直線單箭頭接點 28"/>
+          <p:cNvCxnSpPr>
+            <a:stCxn id="7" idx="0"/>
+            <a:endCxn id="21" idx="1"/>
+          </p:cNvCxnSpPr>
+          <p:nvPr/>
+        </p:nvCxnSpPr>
+        <p:spPr>
+          <a:xfrm rot="16200000" flipH="1">
+            <a:off x="9897236" y="4272080"/>
+            <a:ext cx="2707527" cy="4221804"/>
+          </a:xfrm>
+          <a:prstGeom prst="bentConnector4">
+            <a:avLst>
+              <a:gd name="adj1" fmla="val -27581"/>
+              <a:gd name="adj2" fmla="val 70257"/>
+            </a:avLst>
+          </a:prstGeom>
+          <a:ln w="127000">
+            <a:solidFill>
+              <a:srgbClr val="FF0066"/>
+            </a:solidFill>
+            <a:round/>
+            <a:tailEnd type="triangle"/>
+          </a:ln>
+        </p:spPr>
+        <p:style>
+          <a:lnRef idx="1">
+            <a:schemeClr val="accent1"/>
+          </a:lnRef>
+          <a:fillRef idx="0">
+            <a:schemeClr val="accent1"/>
+          </a:fillRef>
+          <a:effectRef idx="0">
+            <a:schemeClr val="accent1"/>
+          </a:effectRef>
+          <a:fontRef idx="minor">
+            <a:schemeClr val="tx1"/>
+          </a:fontRef>
+        </p:style>
+      </p:cxnSp>
       <p:sp>
         <p:nvSpPr>
-          <p:cNvPr id="37" name="圓角矩形 36"/>
+          <p:cNvPr id="7" name="圓角矩形 6"/>
           <p:cNvSpPr/>
           <p:nvPr/>
         </p:nvSpPr>
         <p:spPr>
           <a:xfrm>
-            <a:off x="7444351" y="6436458"/>
-            <a:ext cx="3265123" cy="1047164"/>
+            <a:off x="7429652" y="5029219"/>
+            <a:ext cx="3420892" cy="1115436"/>
           </a:xfrm>
           <a:prstGeom prst="roundRect">
             <a:avLst/>
           </a:prstGeom>
-          <a:noFill/>
-          <a:ln w="50800" cmpd="sng">
-            <a:solidFill>
-              <a:srgbClr val="00B0F0"/>
-            </a:solidFill>
-            <a:prstDash val="sysDash"/>
+          <a:solidFill>
+            <a:srgbClr val="92D050"/>
+          </a:solidFill>
+          <a:ln w="50800">
+            <a:noFill/>
           </a:ln>
         </p:spPr>
         <p:style>
@@ -8092,12 +8262,12 @@
           <a:p>
             <a:pPr algn="ctr"/>
             <a:r>
-              <a:rPr lang="en-US" altLang="zh-TW" sz="3200" dirty="0">
+              <a:rPr lang="en-US" altLang="zh-TW" sz="4000" dirty="0">
                 <a:latin typeface="Source Code Pro" panose="020B0509030403020204" pitchFamily="49" charset="0"/>
               </a:rPr>
-              <a:t>Positional Encoding</a:t>
+              <a:t>Encoder</a:t>
             </a:r>
-            <a:endParaRPr lang="zh-TW" altLang="en-US" sz="3200" dirty="0">
+            <a:endParaRPr lang="zh-TW" altLang="en-US" sz="4000" dirty="0">
               <a:latin typeface="Source Code Pro" panose="020B0509030403020204" pitchFamily="49" charset="0"/>
             </a:endParaRPr>
           </a:p>
@@ -8105,25 +8275,29 @@
       </p:sp>
       <p:cxnSp>
         <p:nvCxnSpPr>
-          <p:cNvPr id="47" name="直線單箭頭接點 46"/>
+          <p:cNvPr id="32" name="直線單箭頭接點 31"/>
           <p:cNvCxnSpPr>
-            <a:stCxn id="34" idx="0"/>
-            <a:endCxn id="37" idx="2"/>
+            <a:stCxn id="7" idx="0"/>
+            <a:endCxn id="22" idx="1"/>
           </p:cNvCxnSpPr>
           <p:nvPr/>
         </p:nvCxnSpPr>
         <p:spPr>
-          <a:xfrm flipV="1">
-            <a:off x="9076912" y="7483622"/>
-            <a:ext cx="1" cy="515649"/>
-          </a:xfrm>
-          <a:prstGeom prst="straightConnector1">
-            <a:avLst/>
+          <a:xfrm rot="16200000" flipH="1">
+            <a:off x="10972141" y="3197176"/>
+            <a:ext cx="557718" cy="4221804"/>
+          </a:xfrm>
+          <a:prstGeom prst="bentConnector4">
+            <a:avLst>
+              <a:gd name="adj1" fmla="val -132519"/>
+              <a:gd name="adj2" fmla="val 70257"/>
+            </a:avLst>
           </a:prstGeom>
-          <a:ln w="63500">
+          <a:ln w="127000">
             <a:solidFill>
               <a:srgbClr val="FF0066"/>
             </a:solidFill>
+            <a:round/>
             <a:tailEnd type="triangle"/>
           </a:ln>
         </p:spPr>
@@ -8144,17 +8318,52 @@
       </p:cxnSp>
       <p:cxnSp>
         <p:nvCxnSpPr>
-          <p:cNvPr id="55" name="直線單箭頭接點 54"/>
+          <p:cNvPr id="45" name="直線單箭頭接點 44"/>
           <p:cNvCxnSpPr>
-            <a:stCxn id="37" idx="0"/>
-            <a:endCxn id="5" idx="2"/>
+            <a:stCxn id="22" idx="0"/>
           </p:cNvCxnSpPr>
           <p:nvPr/>
         </p:nvCxnSpPr>
         <p:spPr>
           <a:xfrm flipV="1">
-            <a:off x="9076913" y="5920809"/>
-            <a:ext cx="0" cy="515649"/>
+            <a:off x="15072348" y="4248629"/>
+            <a:ext cx="0" cy="780593"/>
+          </a:xfrm>
+          <a:prstGeom prst="straightConnector1">
+            <a:avLst/>
+          </a:prstGeom>
+          <a:ln w="76200">
+            <a:solidFill>
+              <a:srgbClr val="FF0066"/>
+            </a:solidFill>
+            <a:tailEnd type="triangle"/>
+          </a:ln>
+        </p:spPr>
+        <p:style>
+          <a:lnRef idx="1">
+            <a:schemeClr val="accent1"/>
+          </a:lnRef>
+          <a:fillRef idx="0">
+            <a:schemeClr val="accent1"/>
+          </a:fillRef>
+          <a:effectRef idx="0">
+            <a:schemeClr val="accent1"/>
+          </a:effectRef>
+          <a:fontRef idx="minor">
+            <a:schemeClr val="tx1"/>
+          </a:fontRef>
+        </p:style>
+      </p:cxnSp>
+      <p:cxnSp>
+        <p:nvCxnSpPr>
+          <p:cNvPr id="48" name="直線單箭頭接點 47"/>
+          <p:cNvCxnSpPr/>
+          <p:nvPr/>
+        </p:nvCxnSpPr>
+        <p:spPr>
+          <a:xfrm flipV="1">
+            <a:off x="9121833" y="9925473"/>
+            <a:ext cx="18267" cy="703637"/>
           </a:xfrm>
           <a:prstGeom prst="straightConnector1">
             <a:avLst/>
@@ -8183,377 +8392,21 @@
       </p:cxnSp>
       <p:cxnSp>
         <p:nvCxnSpPr>
-          <p:cNvPr id="68" name="直線單箭頭接點 67"/>
+          <p:cNvPr id="26" name="直線單箭頭接點 25"/>
           <p:cNvCxnSpPr>
-            <a:stCxn id="69" idx="0"/>
-            <a:endCxn id="70" idx="2"/>
+            <a:endCxn id="20" idx="2"/>
           </p:cNvCxnSpPr>
           <p:nvPr/>
         </p:nvCxnSpPr>
         <p:spPr>
-          <a:xfrm flipV="1">
-            <a:off x="14401314" y="8629501"/>
-            <a:ext cx="1" cy="563397"/>
+          <a:xfrm flipH="1" flipV="1">
+            <a:off x="15072348" y="9925470"/>
+            <a:ext cx="3" cy="703640"/>
           </a:xfrm>
           <a:prstGeom prst="straightConnector1">
             <a:avLst/>
           </a:prstGeom>
-          <a:ln w="63500">
-            <a:solidFill>
-              <a:srgbClr val="FF0066"/>
-            </a:solidFill>
-            <a:tailEnd type="triangle"/>
-          </a:ln>
-        </p:spPr>
-        <p:style>
-          <a:lnRef idx="1">
-            <a:schemeClr val="accent1"/>
-          </a:lnRef>
-          <a:fillRef idx="0">
-            <a:schemeClr val="accent1"/>
-          </a:fillRef>
-          <a:effectRef idx="0">
-            <a:schemeClr val="accent1"/>
-          </a:effectRef>
-          <a:fontRef idx="minor">
-            <a:schemeClr val="tx1"/>
-          </a:fontRef>
-        </p:style>
-      </p:cxnSp>
-      <p:sp>
-        <p:nvSpPr>
-          <p:cNvPr id="69" name="圓角矩形 68"/>
-          <p:cNvSpPr/>
-          <p:nvPr/>
-        </p:nvSpPr>
-        <p:spPr>
-          <a:xfrm>
-            <a:off x="13026471" y="9192898"/>
-            <a:ext cx="2749685" cy="745413"/>
-          </a:xfrm>
-          <a:prstGeom prst="roundRect">
-            <a:avLst/>
-          </a:prstGeom>
-          <a:noFill/>
-          <a:ln w="50800">
-            <a:solidFill>
-              <a:schemeClr val="accent2">
-                <a:lumMod val="60000"/>
-                <a:lumOff val="40000"/>
-              </a:schemeClr>
-            </a:solidFill>
-            <a:prstDash val="sysDash"/>
-          </a:ln>
-        </p:spPr>
-        <p:style>
-          <a:lnRef idx="2">
-            <a:schemeClr val="accent1">
-              <a:shade val="50000"/>
-            </a:schemeClr>
-          </a:lnRef>
-          <a:fillRef idx="1">
-            <a:schemeClr val="accent1"/>
-          </a:fillRef>
-          <a:effectRef idx="0">
-            <a:schemeClr val="accent1"/>
-          </a:effectRef>
-          <a:fontRef idx="minor">
-            <a:schemeClr val="lt1"/>
-          </a:fontRef>
-        </p:style>
-        <p:txBody>
-          <a:bodyPr rtlCol="0" anchor="ctr"/>
-          <a:lstStyle/>
-          <a:p>
-            <a:pPr algn="ctr"/>
-            <a:r>
-              <a:rPr lang="en-US" altLang="zh-TW" sz="3200" dirty="0">
-                <a:latin typeface="Source Code Pro" panose="020B0509030403020204" pitchFamily="49" charset="0"/>
-              </a:rPr>
-              <a:t>Target</a:t>
-            </a:r>
-            <a:endParaRPr lang="zh-TW" altLang="en-US" sz="3200" dirty="0">
-              <a:latin typeface="Source Code Pro" panose="020B0509030403020204" pitchFamily="49" charset="0"/>
-            </a:endParaRPr>
-          </a:p>
-        </p:txBody>
-      </p:sp>
-      <p:sp>
-        <p:nvSpPr>
-          <p:cNvPr id="70" name="圓角矩形 69"/>
-          <p:cNvSpPr/>
-          <p:nvPr/>
-        </p:nvSpPr>
-        <p:spPr>
-          <a:xfrm>
-            <a:off x="12768753" y="7999271"/>
-            <a:ext cx="3265123" cy="630230"/>
-          </a:xfrm>
-          <a:prstGeom prst="roundRect">
-            <a:avLst/>
-          </a:prstGeom>
-          <a:noFill/>
-          <a:ln w="50800" cmpd="sng">
-            <a:solidFill>
-              <a:srgbClr val="FF9999"/>
-            </a:solidFill>
-            <a:prstDash val="sysDash"/>
-          </a:ln>
-        </p:spPr>
-        <p:style>
-          <a:lnRef idx="2">
-            <a:schemeClr val="accent1">
-              <a:shade val="50000"/>
-            </a:schemeClr>
-          </a:lnRef>
-          <a:fillRef idx="1">
-            <a:schemeClr val="accent1"/>
-          </a:fillRef>
-          <a:effectRef idx="0">
-            <a:schemeClr val="accent1"/>
-          </a:effectRef>
-          <a:fontRef idx="minor">
-            <a:schemeClr val="lt1"/>
-          </a:fontRef>
-        </p:style>
-        <p:txBody>
-          <a:bodyPr rtlCol="0" anchor="ctr"/>
-          <a:lstStyle/>
-          <a:p>
-            <a:pPr algn="ctr"/>
-            <a:r>
-              <a:rPr lang="en-US" altLang="zh-TW" sz="3200" dirty="0">
-                <a:latin typeface="Source Code Pro" panose="020B0509030403020204" pitchFamily="49" charset="0"/>
-              </a:rPr>
-              <a:t>Embedding</a:t>
-            </a:r>
-            <a:endParaRPr lang="zh-TW" altLang="en-US" sz="3200" dirty="0">
-              <a:latin typeface="Source Code Pro" panose="020B0509030403020204" pitchFamily="49" charset="0"/>
-            </a:endParaRPr>
-          </a:p>
-        </p:txBody>
-      </p:sp>
-      <p:sp>
-        <p:nvSpPr>
-          <p:cNvPr id="71" name="圓角矩形 70"/>
-          <p:cNvSpPr/>
-          <p:nvPr/>
-        </p:nvSpPr>
-        <p:spPr>
-          <a:xfrm>
-            <a:off x="12768753" y="6436458"/>
-            <a:ext cx="3265123" cy="1047164"/>
-          </a:xfrm>
-          <a:prstGeom prst="roundRect">
-            <a:avLst/>
-          </a:prstGeom>
-          <a:noFill/>
-          <a:ln w="50800" cmpd="sng">
-            <a:solidFill>
-              <a:srgbClr val="00B0F0"/>
-            </a:solidFill>
-            <a:prstDash val="sysDash"/>
-          </a:ln>
-        </p:spPr>
-        <p:style>
-          <a:lnRef idx="2">
-            <a:schemeClr val="accent1">
-              <a:shade val="50000"/>
-            </a:schemeClr>
-          </a:lnRef>
-          <a:fillRef idx="1">
-            <a:schemeClr val="accent1"/>
-          </a:fillRef>
-          <a:effectRef idx="0">
-            <a:schemeClr val="accent1"/>
-          </a:effectRef>
-          <a:fontRef idx="minor">
-            <a:schemeClr val="lt1"/>
-          </a:fontRef>
-        </p:style>
-        <p:txBody>
-          <a:bodyPr rtlCol="0" anchor="ctr"/>
-          <a:lstStyle/>
-          <a:p>
-            <a:pPr algn="ctr"/>
-            <a:r>
-              <a:rPr lang="en-US" altLang="zh-TW" sz="3200" dirty="0">
-                <a:latin typeface="Source Code Pro" panose="020B0509030403020204" pitchFamily="49" charset="0"/>
-              </a:rPr>
-              <a:t>Positional Encoding</a:t>
-            </a:r>
-            <a:endParaRPr lang="zh-TW" altLang="en-US" sz="3200" dirty="0">
-              <a:latin typeface="Source Code Pro" panose="020B0509030403020204" pitchFamily="49" charset="0"/>
-            </a:endParaRPr>
-          </a:p>
-        </p:txBody>
-      </p:sp>
-      <p:cxnSp>
-        <p:nvCxnSpPr>
-          <p:cNvPr id="72" name="直線單箭頭接點 71"/>
-          <p:cNvCxnSpPr>
-            <a:stCxn id="71" idx="0"/>
-            <a:endCxn id="6" idx="2"/>
-          </p:cNvCxnSpPr>
-          <p:nvPr/>
-        </p:nvCxnSpPr>
-        <p:spPr>
-          <a:xfrm flipV="1">
-            <a:off x="14401315" y="5920809"/>
-            <a:ext cx="0" cy="515649"/>
-          </a:xfrm>
-          <a:prstGeom prst="straightConnector1">
-            <a:avLst/>
-          </a:prstGeom>
-          <a:ln w="63500">
-            <a:solidFill>
-              <a:srgbClr val="FF0066"/>
-            </a:solidFill>
-            <a:tailEnd type="triangle"/>
-          </a:ln>
-        </p:spPr>
-        <p:style>
-          <a:lnRef idx="1">
-            <a:schemeClr val="accent1"/>
-          </a:lnRef>
-          <a:fillRef idx="0">
-            <a:schemeClr val="accent1"/>
-          </a:fillRef>
-          <a:effectRef idx="0">
-            <a:schemeClr val="accent1"/>
-          </a:effectRef>
-          <a:fontRef idx="minor">
-            <a:schemeClr val="tx1"/>
-          </a:fontRef>
-        </p:style>
-      </p:cxnSp>
-      <p:cxnSp>
-        <p:nvCxnSpPr>
-          <p:cNvPr id="74" name="直線單箭頭接點 73"/>
-          <p:cNvCxnSpPr>
-            <a:stCxn id="70" idx="0"/>
-            <a:endCxn id="71" idx="2"/>
-          </p:cNvCxnSpPr>
-          <p:nvPr/>
-        </p:nvCxnSpPr>
-        <p:spPr>
-          <a:xfrm flipV="1">
-            <a:off x="14401315" y="7483622"/>
-            <a:ext cx="0" cy="515649"/>
-          </a:xfrm>
-          <a:prstGeom prst="straightConnector1">
-            <a:avLst/>
-          </a:prstGeom>
-          <a:ln w="63500">
-            <a:solidFill>
-              <a:srgbClr val="FF0066"/>
-            </a:solidFill>
-            <a:tailEnd type="triangle"/>
-          </a:ln>
-        </p:spPr>
-        <p:style>
-          <a:lnRef idx="1">
-            <a:schemeClr val="accent1"/>
-          </a:lnRef>
-          <a:fillRef idx="0">
-            <a:schemeClr val="accent1"/>
-          </a:fillRef>
-          <a:effectRef idx="0">
-            <a:schemeClr val="accent1"/>
-          </a:effectRef>
-          <a:fontRef idx="minor">
-            <a:schemeClr val="tx1"/>
-          </a:fontRef>
-        </p:style>
-      </p:cxnSp>
-      <p:sp>
-        <p:nvSpPr>
-          <p:cNvPr id="22" name="圓角矩形 21"/>
-          <p:cNvSpPr/>
-          <p:nvPr/>
-        </p:nvSpPr>
-        <p:spPr>
-          <a:xfrm>
-            <a:off x="12768751" y="3100804"/>
-            <a:ext cx="3265123" cy="1027129"/>
-          </a:xfrm>
-          <a:prstGeom prst="roundRect">
-            <a:avLst/>
-          </a:prstGeom>
-          <a:noFill/>
-          <a:ln w="50800">
-            <a:solidFill>
-              <a:schemeClr val="bg1"/>
-            </a:solidFill>
-            <a:prstDash val="sysDash"/>
-          </a:ln>
-        </p:spPr>
-        <p:style>
-          <a:lnRef idx="2">
-            <a:schemeClr val="accent1">
-              <a:shade val="50000"/>
-            </a:schemeClr>
-          </a:lnRef>
-          <a:fillRef idx="1">
-            <a:schemeClr val="accent1"/>
-          </a:fillRef>
-          <a:effectRef idx="0">
-            <a:schemeClr val="accent1"/>
-          </a:effectRef>
-          <a:fontRef idx="minor">
-            <a:schemeClr val="lt1"/>
-          </a:fontRef>
-        </p:style>
-        <p:txBody>
-          <a:bodyPr rtlCol="0" anchor="ctr"/>
-          <a:lstStyle/>
-          <a:p>
-            <a:pPr algn="ctr"/>
-            <a:r>
-              <a:rPr lang="en-US" altLang="zh-TW" sz="3200" dirty="0" smtClean="0">
-                <a:latin typeface="Source Code Pro" panose="020B0509030403020204" pitchFamily="49" charset="0"/>
-              </a:rPr>
-              <a:t>Linear </a:t>
-            </a:r>
-          </a:p>
-          <a:p>
-            <a:pPr algn="ctr"/>
-            <a:r>
-              <a:rPr lang="en-US" altLang="zh-TW" sz="3200" dirty="0" smtClean="0">
-                <a:latin typeface="Source Code Pro" panose="020B0509030403020204" pitchFamily="49" charset="0"/>
-              </a:rPr>
-              <a:t>&amp; </a:t>
-            </a:r>
-            <a:r>
-              <a:rPr lang="en-US" altLang="zh-TW" sz="3200" dirty="0" err="1" smtClean="0">
-                <a:latin typeface="Source Code Pro" panose="020B0509030403020204" pitchFamily="49" charset="0"/>
-              </a:rPr>
-              <a:t>Sotfmax</a:t>
-            </a:r>
-            <a:endParaRPr lang="zh-TW" altLang="en-US" sz="3200" dirty="0">
-              <a:latin typeface="Source Code Pro" panose="020B0509030403020204" pitchFamily="49" charset="0"/>
-            </a:endParaRPr>
-          </a:p>
-        </p:txBody>
-      </p:sp>
-      <p:cxnSp>
-        <p:nvCxnSpPr>
-          <p:cNvPr id="28" name="直線單箭頭接點 27"/>
-          <p:cNvCxnSpPr>
-            <a:stCxn id="22" idx="0"/>
-            <a:endCxn id="19" idx="2"/>
-          </p:cNvCxnSpPr>
-          <p:nvPr/>
-        </p:nvCxnSpPr>
-        <p:spPr>
-          <a:xfrm flipV="1">
-            <a:off x="14401313" y="2417733"/>
-            <a:ext cx="1" cy="683071"/>
-          </a:xfrm>
-          <a:prstGeom prst="straightConnector1">
-            <a:avLst/>
-          </a:prstGeom>
-          <a:ln w="63500">
+          <a:ln w="76200">
             <a:solidFill>
               <a:srgbClr val="FF0066"/>
             </a:solidFill>
@@ -8578,7 +8431,7 @@
     </p:spTree>
     <p:extLst>
       <p:ext uri="{BB962C8B-B14F-4D97-AF65-F5344CB8AC3E}">
-        <p14:creationId xmlns:p14="http://schemas.microsoft.com/office/powerpoint/2010/main" val="2277965511"/>
+        <p14:creationId xmlns:p14="http://schemas.microsoft.com/office/powerpoint/2010/main" val="455954912"/>
       </p:ext>
     </p:extLst>
   </p:cSld>
@@ -8637,10 +8490,7 @@
           <a:noFill/>
           <a:ln w="50800">
             <a:solidFill>
-              <a:schemeClr val="accent6">
-                <a:lumMod val="60000"/>
-                <a:lumOff val="40000"/>
-              </a:schemeClr>
+              <a:srgbClr val="92D050"/>
             </a:solidFill>
             <a:prstDash val="solid"/>
           </a:ln>
@@ -8752,10 +8602,7 @@
           </a:prstGeom>
           <a:ln w="127000">
             <a:solidFill>
-              <a:schemeClr val="accent6">
-                <a:lumMod val="60000"/>
-                <a:lumOff val="40000"/>
-              </a:schemeClr>
+              <a:srgbClr val="FF0066"/>
             </a:solidFill>
             <a:round/>
             <a:tailEnd type="triangle"/>
@@ -8919,7 +8766,7 @@
           </a:prstGeom>
           <a:ln w="127000">
             <a:solidFill>
-              <a:srgbClr val="FF0066"/>
+              <a:srgbClr val="92D050"/>
             </a:solidFill>
             <a:round/>
             <a:tailEnd type="triangle"/>
@@ -9069,10 +8916,7 @@
           </a:prstGeom>
           <a:ln w="127000">
             <a:solidFill>
-              <a:schemeClr val="accent6">
-                <a:lumMod val="60000"/>
-                <a:lumOff val="40000"/>
-              </a:schemeClr>
+              <a:srgbClr val="FF0066"/>
             </a:solidFill>
             <a:tailEnd type="triangle"/>
           </a:ln>
@@ -9221,10 +9065,7 @@
           </a:prstGeom>
           <a:ln w="127000">
             <a:solidFill>
-              <a:schemeClr val="accent6">
-                <a:lumMod val="60000"/>
-                <a:lumOff val="40000"/>
-              </a:schemeClr>
+              <a:srgbClr val="FF0066"/>
             </a:solidFill>
             <a:tailEnd type="triangle"/>
           </a:ln>
@@ -9263,10 +9104,7 @@
           </a:prstGeom>
           <a:ln w="127000">
             <a:solidFill>
-              <a:schemeClr val="accent6">
-                <a:lumMod val="60000"/>
-                <a:lumOff val="40000"/>
-              </a:schemeClr>
+              <a:srgbClr val="FF0066"/>
             </a:solidFill>
             <a:round/>
             <a:tailEnd type="triangle"/>
@@ -9306,7 +9144,7 @@
           </a:prstGeom>
           <a:ln w="127000">
             <a:solidFill>
-              <a:srgbClr val="FF0066"/>
+              <a:srgbClr val="92D050"/>
             </a:solidFill>
             <a:round/>
             <a:tailEnd type="triangle"/>
@@ -9346,7 +9184,7 @@
           </a:prstGeom>
           <a:ln w="127000">
             <a:solidFill>
-              <a:srgbClr val="FF0066"/>
+              <a:srgbClr val="92D050"/>
             </a:solidFill>
             <a:round/>
             <a:tailEnd type="triangle"/>
@@ -9386,7 +9224,7 @@
           </a:prstGeom>
           <a:ln w="127000">
             <a:solidFill>
-              <a:srgbClr val="FF0066"/>
+              <a:srgbClr val="92D050"/>
             </a:solidFill>
             <a:round/>
             <a:tailEnd type="triangle"/>
@@ -9426,10 +9264,7 @@
           </a:prstGeom>
           <a:ln w="127000">
             <a:solidFill>
-              <a:schemeClr val="accent6">
-                <a:lumMod val="60000"/>
-                <a:lumOff val="40000"/>
-              </a:schemeClr>
+              <a:srgbClr val="FF0066"/>
             </a:solidFill>
             <a:round/>
             <a:tailEnd type="triangle"/>
@@ -9471,7 +9306,7 @@
           </a:prstGeom>
           <a:ln w="127000">
             <a:solidFill>
-              <a:srgbClr val="FF0066"/>
+              <a:srgbClr val="92D050"/>
             </a:solidFill>
             <a:round/>
             <a:tailEnd type="triangle"/>
@@ -9537,7 +9372,7 @@
             <a:r>
               <a:rPr lang="en-US" altLang="zh-TW" sz="4800" dirty="0">
                 <a:solidFill>
-                  <a:srgbClr val="FF0066"/>
+                  <a:srgbClr val="92D050"/>
                 </a:solidFill>
                 <a:latin typeface="Source Code Pro" panose="020B0509030403020204" pitchFamily="49" charset="0"/>
               </a:rPr>
@@ -9545,7 +9380,7 @@
             </a:r>
             <a:endParaRPr lang="zh-TW" altLang="en-US" sz="4800" dirty="0">
               <a:solidFill>
-                <a:srgbClr val="FF0066"/>
+                <a:srgbClr val="92D050"/>
               </a:solidFill>
               <a:latin typeface="Source Code Pro" panose="020B0509030403020204" pitchFamily="49" charset="0"/>
             </a:endParaRPr>
@@ -9597,7 +9432,7 @@
             <a:r>
               <a:rPr lang="en-US" altLang="zh-TW" sz="4800" dirty="0">
                 <a:solidFill>
-                  <a:srgbClr val="FF0066"/>
+                  <a:srgbClr val="92D050"/>
                 </a:solidFill>
                 <a:latin typeface="Source Code Pro" panose="020B0509030403020204" pitchFamily="49" charset="0"/>
               </a:rPr>
@@ -9605,7 +9440,7 @@
             </a:r>
             <a:endParaRPr lang="zh-TW" altLang="en-US" sz="4800" dirty="0">
               <a:solidFill>
-                <a:srgbClr val="FF0066"/>
+                <a:srgbClr val="92D050"/>
               </a:solidFill>
               <a:latin typeface="Source Code Pro" panose="020B0509030403020204" pitchFamily="49" charset="0"/>
             </a:endParaRPr>
@@ -9660,7 +9495,7 @@
             <a:r>
               <a:rPr lang="en-US" altLang="zh-TW" sz="4800" dirty="0" smtClean="0">
                 <a:solidFill>
-                  <a:srgbClr val="FF0066"/>
+                  <a:srgbClr val="92D050"/>
                 </a:solidFill>
                 <a:latin typeface="Source Code Pro" panose="020B0509030403020204" pitchFamily="49" charset="0"/>
               </a:rPr>
@@ -9668,7 +9503,7 @@
             </a:r>
             <a:endParaRPr lang="zh-TW" altLang="en-US" sz="4800" dirty="0">
               <a:solidFill>
-                <a:srgbClr val="FF0066"/>
+                <a:srgbClr val="92D050"/>
               </a:solidFill>
               <a:latin typeface="Source Code Pro" panose="020B0509030403020204" pitchFamily="49" charset="0"/>
             </a:endParaRPr>
@@ -9696,7 +9531,7 @@
           </a:prstGeom>
           <a:ln w="127000">
             <a:solidFill>
-              <a:srgbClr val="FF0066"/>
+              <a:srgbClr val="92D050"/>
             </a:solidFill>
             <a:round/>
             <a:tailEnd type="triangle"/>
@@ -9770,25 +9605,21 @@
         </p:nvSpPr>
         <p:spPr>
           <a:xfrm>
-            <a:off x="6701709" y="4652451"/>
-            <a:ext cx="10085315" cy="6119024"/>
+            <a:off x="7009742" y="4773055"/>
+            <a:ext cx="4221804" cy="5340485"/>
           </a:xfrm>
           <a:prstGeom prst="roundRect">
             <a:avLst/>
           </a:prstGeom>
           <a:solidFill>
-            <a:schemeClr val="accent1">
+            <a:srgbClr val="92D050">
               <a:alpha val="0"/>
-            </a:schemeClr>
+            </a:srgbClr>
           </a:solidFill>
           <a:ln w="50800">
             <a:solidFill>
-              <a:schemeClr val="accent5">
-                <a:lumMod val="60000"/>
-                <a:lumOff val="40000"/>
-              </a:schemeClr>
+              <a:srgbClr val="92D050"/>
             </a:solidFill>
-            <a:prstDash val="sysDash"/>
           </a:ln>
         </p:spPr>
         <p:style>
@@ -9812,7 +9643,9 @@
           <a:lstStyle/>
           <a:p>
             <a:pPr algn="ctr"/>
-            <a:endParaRPr lang="zh-TW" altLang="en-US"/>
+            <a:endParaRPr lang="zh-TW" altLang="en-US" sz="4000" dirty="0">
+              <a:latin typeface="Source Code Pro" panose="020B0509030403020204" pitchFamily="49" charset="0"/>
+            </a:endParaRPr>
           </a:p>
         </p:txBody>
       </p:sp>
@@ -9824,22 +9657,17 @@
         </p:nvSpPr>
         <p:spPr>
           <a:xfrm>
-            <a:off x="7017082" y="6472383"/>
-            <a:ext cx="4058702" cy="1277226"/>
+            <a:off x="7429652" y="8810034"/>
+            <a:ext cx="3420892" cy="1115436"/>
           </a:xfrm>
           <a:prstGeom prst="roundRect">
             <a:avLst/>
           </a:prstGeom>
-          <a:solidFill>
-            <a:srgbClr val="92D050">
-              <a:alpha val="0"/>
-            </a:srgbClr>
-          </a:solidFill>
-          <a:ln w="50800" cmpd="sng">
+          <a:noFill/>
+          <a:ln w="50800">
             <a:solidFill>
               <a:srgbClr val="92D050"/>
             </a:solidFill>
-            <a:prstDash val="sysDash"/>
           </a:ln>
         </p:spPr>
         <p:style>
@@ -9867,7 +9695,7 @@
               <a:rPr lang="en-US" altLang="zh-TW" sz="4000" dirty="0">
                 <a:latin typeface="Source Code Pro" panose="020B0509030403020204" pitchFamily="49" charset="0"/>
               </a:rPr>
-              <a:t>Encoders</a:t>
+              <a:t>Encoder</a:t>
             </a:r>
             <a:endParaRPr lang="zh-TW" altLang="en-US" sz="4000" dirty="0">
               <a:latin typeface="Source Code Pro" panose="020B0509030403020204" pitchFamily="49" charset="0"/>
@@ -9883,18 +9711,17 @@
         </p:nvSpPr>
         <p:spPr>
           <a:xfrm>
-            <a:off x="12341484" y="6472382"/>
-            <a:ext cx="4058702" cy="1277227"/>
+            <a:off x="7429652" y="7179028"/>
+            <a:ext cx="3420892" cy="1115436"/>
           </a:xfrm>
           <a:prstGeom prst="roundRect">
             <a:avLst/>
           </a:prstGeom>
           <a:noFill/>
-          <a:ln w="127000" cmpd="dbl">
+          <a:ln w="50800">
             <a:solidFill>
-              <a:schemeClr val="accent2"/>
+              <a:srgbClr val="92D050"/>
             </a:solidFill>
-            <a:prstDash val="solid"/>
           </a:ln>
         </p:spPr>
         <p:style>
@@ -9922,9 +9749,11 @@
               <a:rPr lang="en-US" altLang="zh-TW" sz="4000" dirty="0">
                 <a:latin typeface="Source Code Pro" panose="020B0509030403020204" pitchFamily="49" charset="0"/>
               </a:rPr>
-              <a:t>Decoders</a:t>
+              <a:t>Encoder</a:t>
             </a:r>
-            <a:endParaRPr lang="zh-TW" altLang="en-US" sz="4000" dirty="0"/>
+            <a:endParaRPr lang="zh-TW" altLang="en-US" sz="4000" dirty="0">
+              <a:latin typeface="Source Code Pro" panose="020B0509030403020204" pitchFamily="49" charset="0"/>
+            </a:endParaRPr>
           </a:p>
         </p:txBody>
       </p:sp>
@@ -9932,20 +9761,20 @@
         <p:nvCxnSpPr>
           <p:cNvPr id="8" name="直線單箭頭接點 7"/>
           <p:cNvCxnSpPr>
-            <a:stCxn id="5" idx="3"/>
-            <a:endCxn id="6" idx="1"/>
+            <a:stCxn id="5" idx="0"/>
+            <a:endCxn id="6" idx="2"/>
           </p:cNvCxnSpPr>
           <p:nvPr/>
         </p:nvCxnSpPr>
         <p:spPr>
-          <a:xfrm>
-            <a:off x="11075784" y="7110996"/>
-            <a:ext cx="1265700" cy="0"/>
+          <a:xfrm flipV="1">
+            <a:off x="9140098" y="8294464"/>
+            <a:ext cx="0" cy="515570"/>
           </a:xfrm>
           <a:prstGeom prst="straightConnector1">
             <a:avLst/>
           </a:prstGeom>
-          <a:ln w="254000">
+          <a:ln w="76200">
             <a:solidFill>
               <a:srgbClr val="FF0066"/>
             </a:solidFill>
@@ -9969,25 +9798,26 @@
       </p:cxnSp>
       <p:cxnSp>
         <p:nvCxnSpPr>
-          <p:cNvPr id="13" name="直線單箭頭接點 12"/>
+          <p:cNvPr id="15" name="直線單箭頭接點 14"/>
           <p:cNvCxnSpPr>
-            <a:stCxn id="15" idx="0"/>
-            <a:endCxn id="34" idx="2"/>
+            <a:stCxn id="6" idx="0"/>
+            <a:endCxn id="7" idx="2"/>
           </p:cNvCxnSpPr>
           <p:nvPr/>
         </p:nvCxnSpPr>
         <p:spPr>
           <a:xfrm flipV="1">
-            <a:off x="9046431" y="10458301"/>
-            <a:ext cx="1" cy="563397"/>
+            <a:off x="9140098" y="6144655"/>
+            <a:ext cx="0" cy="1034373"/>
           </a:xfrm>
           <a:prstGeom prst="straightConnector1">
             <a:avLst/>
           </a:prstGeom>
-          <a:ln w="63500">
+          <a:ln w="76200">
             <a:solidFill>
               <a:srgbClr val="FF0066"/>
             </a:solidFill>
+            <a:prstDash val="sysDot"/>
             <a:tailEnd type="triangle"/>
           </a:ln>
         </p:spPr>
@@ -10008,27 +9838,75 @@
       </p:cxnSp>
       <p:sp>
         <p:nvSpPr>
-          <p:cNvPr id="15" name="圓角矩形 14"/>
+          <p:cNvPr id="19" name="圓角矩形 18"/>
           <p:cNvSpPr/>
           <p:nvPr/>
         </p:nvSpPr>
         <p:spPr>
           <a:xfrm>
-            <a:off x="7671588" y="11021698"/>
-            <a:ext cx="2749685" cy="745413"/>
+            <a:off x="12941992" y="4773057"/>
+            <a:ext cx="4221804" cy="5340485"/>
           </a:xfrm>
           <a:prstGeom prst="roundRect">
             <a:avLst/>
           </a:prstGeom>
-          <a:noFill/>
+          <a:solidFill>
+            <a:schemeClr val="accent2">
+              <a:alpha val="0"/>
+            </a:schemeClr>
+          </a:solidFill>
           <a:ln w="50800">
             <a:solidFill>
-              <a:schemeClr val="accent6">
-                <a:lumMod val="60000"/>
-                <a:lumOff val="40000"/>
-              </a:schemeClr>
+              <a:schemeClr val="accent2"/>
             </a:solidFill>
-            <a:prstDash val="sysDash"/>
+          </a:ln>
+        </p:spPr>
+        <p:style>
+          <a:lnRef idx="2">
+            <a:schemeClr val="accent1">
+              <a:shade val="50000"/>
+            </a:schemeClr>
+          </a:lnRef>
+          <a:fillRef idx="1">
+            <a:schemeClr val="accent1"/>
+          </a:fillRef>
+          <a:effectRef idx="0">
+            <a:schemeClr val="accent1"/>
+          </a:effectRef>
+          <a:fontRef idx="minor">
+            <a:schemeClr val="lt1"/>
+          </a:fontRef>
+        </p:style>
+        <p:txBody>
+          <a:bodyPr rtlCol="0" anchor="ctr"/>
+          <a:lstStyle/>
+          <a:p>
+            <a:pPr algn="ctr"/>
+            <a:endParaRPr lang="zh-TW" altLang="en-US" sz="4000" dirty="0">
+              <a:latin typeface="Source Code Pro" panose="020B0509030403020204" pitchFamily="49" charset="0"/>
+            </a:endParaRPr>
+          </a:p>
+        </p:txBody>
+      </p:sp>
+      <p:sp>
+        <p:nvSpPr>
+          <p:cNvPr id="20" name="圓角矩形 19"/>
+          <p:cNvSpPr/>
+          <p:nvPr/>
+        </p:nvSpPr>
+        <p:spPr>
+          <a:xfrm>
+            <a:off x="13361902" y="8810034"/>
+            <a:ext cx="3420892" cy="1115436"/>
+          </a:xfrm>
+          <a:prstGeom prst="roundRect">
+            <a:avLst/>
+          </a:prstGeom>
+          <a:solidFill>
+            <a:schemeClr val="accent2"/>
+          </a:solidFill>
+          <a:ln w="50800">
+            <a:noFill/>
           </a:ln>
         </p:spPr>
         <p:style>
@@ -10053,76 +9931,36 @@
           <a:p>
             <a:pPr algn="ctr"/>
             <a:r>
-              <a:rPr lang="en-US" altLang="zh-TW" sz="3200" dirty="0">
+              <a:rPr lang="en-US" altLang="zh-TW" sz="4000" dirty="0">
                 <a:latin typeface="Source Code Pro" panose="020B0509030403020204" pitchFamily="49" charset="0"/>
               </a:rPr>
-              <a:t>Input</a:t>
+              <a:t>Decoder</a:t>
             </a:r>
-            <a:endParaRPr lang="zh-TW" altLang="en-US" sz="3200" dirty="0">
+            <a:endParaRPr lang="zh-TW" altLang="en-US" sz="4000" dirty="0">
               <a:latin typeface="Source Code Pro" panose="020B0509030403020204" pitchFamily="49" charset="0"/>
             </a:endParaRPr>
           </a:p>
         </p:txBody>
       </p:sp>
-      <p:cxnSp>
-        <p:nvCxnSpPr>
-          <p:cNvPr id="18" name="直線單箭頭接點 17"/>
-          <p:cNvCxnSpPr>
-            <a:stCxn id="6" idx="0"/>
-            <a:endCxn id="22" idx="2"/>
-          </p:cNvCxnSpPr>
-          <p:nvPr/>
-        </p:nvCxnSpPr>
-        <p:spPr>
-          <a:xfrm flipH="1" flipV="1">
-            <a:off x="14370833" y="5956733"/>
-            <a:ext cx="2" cy="515649"/>
-          </a:xfrm>
-          <a:prstGeom prst="straightConnector1">
-            <a:avLst/>
-          </a:prstGeom>
-          <a:ln w="127000">
-            <a:solidFill>
-              <a:srgbClr val="FF0066"/>
-            </a:solidFill>
-            <a:tailEnd type="triangle"/>
-          </a:ln>
-        </p:spPr>
-        <p:style>
-          <a:lnRef idx="1">
-            <a:schemeClr val="accent1"/>
-          </a:lnRef>
-          <a:fillRef idx="0">
-            <a:schemeClr val="accent1"/>
-          </a:fillRef>
-          <a:effectRef idx="0">
-            <a:schemeClr val="accent1"/>
-          </a:effectRef>
-          <a:fontRef idx="minor">
-            <a:schemeClr val="tx1"/>
-          </a:fontRef>
-        </p:style>
-      </p:cxnSp>
       <p:sp>
         <p:nvSpPr>
-          <p:cNvPr id="19" name="圓角矩形 18"/>
+          <p:cNvPr id="21" name="圓角矩形 20"/>
           <p:cNvSpPr/>
           <p:nvPr/>
         </p:nvSpPr>
         <p:spPr>
           <a:xfrm>
-            <a:off x="12995991" y="3567543"/>
-            <a:ext cx="2749685" cy="678990"/>
+            <a:off x="13361902" y="7179028"/>
+            <a:ext cx="3420892" cy="1115436"/>
           </a:xfrm>
           <a:prstGeom prst="roundRect">
             <a:avLst/>
           </a:prstGeom>
-          <a:noFill/>
+          <a:solidFill>
+            <a:schemeClr val="accent2"/>
+          </a:solidFill>
           <a:ln w="50800">
-            <a:solidFill>
-              <a:srgbClr val="CC66FF"/>
-            </a:solidFill>
-            <a:prstDash val="sysDash"/>
+            <a:noFill/>
           </a:ln>
         </p:spPr>
         <p:style>
@@ -10147,12 +9985,12 @@
           <a:p>
             <a:pPr algn="ctr"/>
             <a:r>
-              <a:rPr lang="en-US" altLang="zh-TW" sz="3200" dirty="0">
+              <a:rPr lang="en-US" altLang="zh-TW" sz="4000" dirty="0">
                 <a:latin typeface="Source Code Pro" panose="020B0509030403020204" pitchFamily="49" charset="0"/>
               </a:rPr>
-              <a:t>Output</a:t>
+              <a:t>Decoder</a:t>
             </a:r>
-            <a:endParaRPr lang="zh-TW" altLang="en-US" sz="3200" dirty="0">
+            <a:endParaRPr lang="zh-TW" altLang="en-US" sz="4000" dirty="0">
               <a:latin typeface="Source Code Pro" panose="020B0509030403020204" pitchFamily="49" charset="0"/>
             </a:endParaRPr>
           </a:p>
@@ -10160,24 +9998,23 @@
       </p:sp>
       <p:sp>
         <p:nvSpPr>
-          <p:cNvPr id="34" name="圓角矩形 33"/>
+          <p:cNvPr id="22" name="圓角矩形 21"/>
           <p:cNvSpPr/>
           <p:nvPr/>
         </p:nvSpPr>
         <p:spPr>
           <a:xfrm>
-            <a:off x="7413870" y="9828071"/>
-            <a:ext cx="3265123" cy="630230"/>
+            <a:off x="13361902" y="5029220"/>
+            <a:ext cx="3420892" cy="1115436"/>
           </a:xfrm>
           <a:prstGeom prst="roundRect">
             <a:avLst/>
           </a:prstGeom>
-          <a:noFill/>
-          <a:ln w="50800" cmpd="sng">
-            <a:solidFill>
-              <a:srgbClr val="FF9999"/>
-            </a:solidFill>
-            <a:prstDash val="sysDash"/>
+          <a:solidFill>
+            <a:schemeClr val="accent2"/>
+          </a:solidFill>
+          <a:ln w="50800">
+            <a:noFill/>
           </a:ln>
         </p:spPr>
         <p:style>
@@ -10202,37 +10039,201 @@
           <a:p>
             <a:pPr algn="ctr"/>
             <a:r>
-              <a:rPr lang="en-US" altLang="zh-TW" sz="3200" dirty="0">
+              <a:rPr lang="en-US" altLang="zh-TW" sz="4000" dirty="0">
                 <a:latin typeface="Source Code Pro" panose="020B0509030403020204" pitchFamily="49" charset="0"/>
               </a:rPr>
-              <a:t>Embedding</a:t>
+              <a:t>Decoder</a:t>
             </a:r>
-            <a:endParaRPr lang="zh-TW" altLang="en-US" sz="3200" dirty="0">
+            <a:endParaRPr lang="zh-TW" altLang="en-US" sz="4000" dirty="0">
               <a:latin typeface="Source Code Pro" panose="020B0509030403020204" pitchFamily="49" charset="0"/>
             </a:endParaRPr>
           </a:p>
         </p:txBody>
       </p:sp>
+      <p:cxnSp>
+        <p:nvCxnSpPr>
+          <p:cNvPr id="23" name="直線單箭頭接點 22"/>
+          <p:cNvCxnSpPr>
+            <a:stCxn id="20" idx="0"/>
+            <a:endCxn id="21" idx="2"/>
+          </p:cNvCxnSpPr>
+          <p:nvPr/>
+        </p:nvCxnSpPr>
+        <p:spPr>
+          <a:xfrm flipV="1">
+            <a:off x="15072348" y="8294464"/>
+            <a:ext cx="0" cy="515570"/>
+          </a:xfrm>
+          <a:prstGeom prst="straightConnector1">
+            <a:avLst/>
+          </a:prstGeom>
+          <a:ln w="127000">
+            <a:solidFill>
+              <a:srgbClr val="FF0066"/>
+            </a:solidFill>
+            <a:tailEnd type="triangle"/>
+          </a:ln>
+        </p:spPr>
+        <p:style>
+          <a:lnRef idx="1">
+            <a:schemeClr val="accent1"/>
+          </a:lnRef>
+          <a:fillRef idx="0">
+            <a:schemeClr val="accent1"/>
+          </a:fillRef>
+          <a:effectRef idx="0">
+            <a:schemeClr val="accent1"/>
+          </a:effectRef>
+          <a:fontRef idx="minor">
+            <a:schemeClr val="tx1"/>
+          </a:fontRef>
+        </p:style>
+      </p:cxnSp>
+      <p:cxnSp>
+        <p:nvCxnSpPr>
+          <p:cNvPr id="24" name="直線單箭頭接點 23"/>
+          <p:cNvCxnSpPr>
+            <a:stCxn id="21" idx="0"/>
+            <a:endCxn id="22" idx="2"/>
+          </p:cNvCxnSpPr>
+          <p:nvPr/>
+        </p:nvCxnSpPr>
+        <p:spPr>
+          <a:xfrm flipV="1">
+            <a:off x="15072348" y="6144656"/>
+            <a:ext cx="0" cy="1034372"/>
+          </a:xfrm>
+          <a:prstGeom prst="straightConnector1">
+            <a:avLst/>
+          </a:prstGeom>
+          <a:ln w="127000">
+            <a:solidFill>
+              <a:srgbClr val="FF0066"/>
+            </a:solidFill>
+            <a:prstDash val="sysDot"/>
+            <a:tailEnd type="triangle"/>
+          </a:ln>
+        </p:spPr>
+        <p:style>
+          <a:lnRef idx="1">
+            <a:schemeClr val="accent1"/>
+          </a:lnRef>
+          <a:fillRef idx="0">
+            <a:schemeClr val="accent1"/>
+          </a:fillRef>
+          <a:effectRef idx="0">
+            <a:schemeClr val="accent1"/>
+          </a:effectRef>
+          <a:fontRef idx="minor">
+            <a:schemeClr val="tx1"/>
+          </a:fontRef>
+        </p:style>
+      </p:cxnSp>
+      <p:cxnSp>
+        <p:nvCxnSpPr>
+          <p:cNvPr id="25" name="直線單箭頭接點 24"/>
+          <p:cNvCxnSpPr>
+            <a:stCxn id="7" idx="0"/>
+            <a:endCxn id="20" idx="1"/>
+          </p:cNvCxnSpPr>
+          <p:nvPr/>
+        </p:nvCxnSpPr>
+        <p:spPr>
+          <a:xfrm rot="16200000" flipH="1">
+            <a:off x="9081736" y="5087583"/>
+            <a:ext cx="4338533" cy="4221804"/>
+          </a:xfrm>
+          <a:prstGeom prst="bentConnector4">
+            <a:avLst>
+              <a:gd name="adj1" fmla="val -16918"/>
+              <a:gd name="adj2" fmla="val 70257"/>
+            </a:avLst>
+          </a:prstGeom>
+          <a:ln w="127000" cap="rnd">
+            <a:solidFill>
+              <a:srgbClr val="FF0066"/>
+            </a:solidFill>
+            <a:round/>
+            <a:tailEnd type="triangle"/>
+          </a:ln>
+        </p:spPr>
+        <p:style>
+          <a:lnRef idx="1">
+            <a:schemeClr val="accent1"/>
+          </a:lnRef>
+          <a:fillRef idx="0">
+            <a:schemeClr val="accent1"/>
+          </a:fillRef>
+          <a:effectRef idx="0">
+            <a:schemeClr val="accent1"/>
+          </a:effectRef>
+          <a:fontRef idx="minor">
+            <a:schemeClr val="tx1"/>
+          </a:fontRef>
+        </p:style>
+      </p:cxnSp>
+      <p:cxnSp>
+        <p:nvCxnSpPr>
+          <p:cNvPr id="29" name="直線單箭頭接點 28"/>
+          <p:cNvCxnSpPr>
+            <a:stCxn id="7" idx="0"/>
+            <a:endCxn id="21" idx="1"/>
+          </p:cNvCxnSpPr>
+          <p:nvPr/>
+        </p:nvCxnSpPr>
+        <p:spPr>
+          <a:xfrm rot="16200000" flipH="1">
+            <a:off x="9897236" y="4272080"/>
+            <a:ext cx="2707527" cy="4221804"/>
+          </a:xfrm>
+          <a:prstGeom prst="bentConnector4">
+            <a:avLst>
+              <a:gd name="adj1" fmla="val -27581"/>
+              <a:gd name="adj2" fmla="val 70257"/>
+            </a:avLst>
+          </a:prstGeom>
+          <a:ln w="127000">
+            <a:solidFill>
+              <a:srgbClr val="FF0066"/>
+            </a:solidFill>
+            <a:round/>
+            <a:tailEnd type="triangle"/>
+          </a:ln>
+        </p:spPr>
+        <p:style>
+          <a:lnRef idx="1">
+            <a:schemeClr val="accent1"/>
+          </a:lnRef>
+          <a:fillRef idx="0">
+            <a:schemeClr val="accent1"/>
+          </a:fillRef>
+          <a:effectRef idx="0">
+            <a:schemeClr val="accent1"/>
+          </a:effectRef>
+          <a:fontRef idx="minor">
+            <a:schemeClr val="tx1"/>
+          </a:fontRef>
+        </p:style>
+      </p:cxnSp>
       <p:sp>
         <p:nvSpPr>
-          <p:cNvPr id="37" name="圓角矩形 36"/>
+          <p:cNvPr id="7" name="圓角矩形 6"/>
           <p:cNvSpPr/>
           <p:nvPr/>
         </p:nvSpPr>
         <p:spPr>
           <a:xfrm>
-            <a:off x="7413871" y="8265258"/>
-            <a:ext cx="3265123" cy="1047164"/>
+            <a:off x="7429652" y="5029219"/>
+            <a:ext cx="3420892" cy="1115436"/>
           </a:xfrm>
           <a:prstGeom prst="roundRect">
             <a:avLst/>
           </a:prstGeom>
           <a:noFill/>
-          <a:ln w="50800" cmpd="sng">
+          <a:ln w="50800">
             <a:solidFill>
-              <a:srgbClr val="00B0F0"/>
+              <a:srgbClr val="92D050"/>
             </a:solidFill>
-            <a:prstDash val="sysDash"/>
           </a:ln>
         </p:spPr>
         <p:style>
@@ -10257,12 +10258,12 @@
           <a:p>
             <a:pPr algn="ctr"/>
             <a:r>
-              <a:rPr lang="en-US" altLang="zh-TW" sz="3200" dirty="0">
+              <a:rPr lang="en-US" altLang="zh-TW" sz="4000" dirty="0">
                 <a:latin typeface="Source Code Pro" panose="020B0509030403020204" pitchFamily="49" charset="0"/>
               </a:rPr>
-              <a:t>Positional Encoding</a:t>
+              <a:t>Encoder</a:t>
             </a:r>
-            <a:endParaRPr lang="zh-TW" altLang="en-US" sz="3200" dirty="0">
+            <a:endParaRPr lang="zh-TW" altLang="en-US" sz="4000" dirty="0">
               <a:latin typeface="Source Code Pro" panose="020B0509030403020204" pitchFamily="49" charset="0"/>
             </a:endParaRPr>
           </a:p>
@@ -10270,25 +10271,29 @@
       </p:sp>
       <p:cxnSp>
         <p:nvCxnSpPr>
-          <p:cNvPr id="47" name="直線單箭頭接點 46"/>
+          <p:cNvPr id="32" name="直線單箭頭接點 31"/>
           <p:cNvCxnSpPr>
-            <a:stCxn id="34" idx="0"/>
-            <a:endCxn id="37" idx="2"/>
+            <a:stCxn id="7" idx="0"/>
+            <a:endCxn id="22" idx="1"/>
           </p:cNvCxnSpPr>
           <p:nvPr/>
         </p:nvCxnSpPr>
         <p:spPr>
-          <a:xfrm flipV="1">
-            <a:off x="9046432" y="9312422"/>
-            <a:ext cx="1" cy="515649"/>
-          </a:xfrm>
-          <a:prstGeom prst="straightConnector1">
-            <a:avLst/>
+          <a:xfrm rot="16200000" flipH="1">
+            <a:off x="10972141" y="3197176"/>
+            <a:ext cx="557718" cy="4221804"/>
+          </a:xfrm>
+          <a:prstGeom prst="bentConnector4">
+            <a:avLst>
+              <a:gd name="adj1" fmla="val -132519"/>
+              <a:gd name="adj2" fmla="val 70257"/>
+            </a:avLst>
           </a:prstGeom>
-          <a:ln w="63500">
+          <a:ln w="127000">
             <a:solidFill>
               <a:srgbClr val="FF0066"/>
             </a:solidFill>
+            <a:round/>
             <a:tailEnd type="triangle"/>
           </a:ln>
         </p:spPr>
@@ -10309,263 +10314,16 @@
       </p:cxnSp>
       <p:cxnSp>
         <p:nvCxnSpPr>
-          <p:cNvPr id="55" name="直線單箭頭接點 54"/>
+          <p:cNvPr id="45" name="直線單箭頭接點 44"/>
           <p:cNvCxnSpPr>
-            <a:stCxn id="37" idx="0"/>
-            <a:endCxn id="5" idx="2"/>
+            <a:stCxn id="22" idx="0"/>
           </p:cNvCxnSpPr>
           <p:nvPr/>
         </p:nvCxnSpPr>
         <p:spPr>
           <a:xfrm flipV="1">
-            <a:off x="9046433" y="7749609"/>
-            <a:ext cx="0" cy="515649"/>
-          </a:xfrm>
-          <a:prstGeom prst="straightConnector1">
-            <a:avLst/>
-          </a:prstGeom>
-          <a:ln w="63500">
-            <a:solidFill>
-              <a:srgbClr val="FF0066"/>
-            </a:solidFill>
-            <a:tailEnd type="triangle"/>
-          </a:ln>
-        </p:spPr>
-        <p:style>
-          <a:lnRef idx="1">
-            <a:schemeClr val="accent1"/>
-          </a:lnRef>
-          <a:fillRef idx="0">
-            <a:schemeClr val="accent1"/>
-          </a:fillRef>
-          <a:effectRef idx="0">
-            <a:schemeClr val="accent1"/>
-          </a:effectRef>
-          <a:fontRef idx="minor">
-            <a:schemeClr val="tx1"/>
-          </a:fontRef>
-        </p:style>
-      </p:cxnSp>
-      <p:cxnSp>
-        <p:nvCxnSpPr>
-          <p:cNvPr id="68" name="直線單箭頭接點 67"/>
-          <p:cNvCxnSpPr>
-            <a:stCxn id="69" idx="0"/>
-            <a:endCxn id="70" idx="2"/>
-          </p:cNvCxnSpPr>
-          <p:nvPr/>
-        </p:nvCxnSpPr>
-        <p:spPr>
-          <a:xfrm flipV="1">
-            <a:off x="14370834" y="10458301"/>
-            <a:ext cx="1" cy="563397"/>
-          </a:xfrm>
-          <a:prstGeom prst="straightConnector1">
-            <a:avLst/>
-          </a:prstGeom>
-          <a:ln w="63500">
-            <a:solidFill>
-              <a:srgbClr val="FF0066"/>
-            </a:solidFill>
-            <a:tailEnd type="triangle"/>
-          </a:ln>
-        </p:spPr>
-        <p:style>
-          <a:lnRef idx="1">
-            <a:schemeClr val="accent1"/>
-          </a:lnRef>
-          <a:fillRef idx="0">
-            <a:schemeClr val="accent1"/>
-          </a:fillRef>
-          <a:effectRef idx="0">
-            <a:schemeClr val="accent1"/>
-          </a:effectRef>
-          <a:fontRef idx="minor">
-            <a:schemeClr val="tx1"/>
-          </a:fontRef>
-        </p:style>
-      </p:cxnSp>
-      <p:sp>
-        <p:nvSpPr>
-          <p:cNvPr id="69" name="圓角矩形 68"/>
-          <p:cNvSpPr/>
-          <p:nvPr/>
-        </p:nvSpPr>
-        <p:spPr>
-          <a:xfrm>
-            <a:off x="12995991" y="11021698"/>
-            <a:ext cx="2749685" cy="745413"/>
-          </a:xfrm>
-          <a:prstGeom prst="roundRect">
-            <a:avLst/>
-          </a:prstGeom>
-          <a:noFill/>
-          <a:ln w="50800">
-            <a:solidFill>
-              <a:schemeClr val="accent2">
-                <a:lumMod val="60000"/>
-                <a:lumOff val="40000"/>
-              </a:schemeClr>
-            </a:solidFill>
-            <a:prstDash val="sysDash"/>
-          </a:ln>
-        </p:spPr>
-        <p:style>
-          <a:lnRef idx="2">
-            <a:schemeClr val="accent1">
-              <a:shade val="50000"/>
-            </a:schemeClr>
-          </a:lnRef>
-          <a:fillRef idx="1">
-            <a:schemeClr val="accent1"/>
-          </a:fillRef>
-          <a:effectRef idx="0">
-            <a:schemeClr val="accent1"/>
-          </a:effectRef>
-          <a:fontRef idx="minor">
-            <a:schemeClr val="lt1"/>
-          </a:fontRef>
-        </p:style>
-        <p:txBody>
-          <a:bodyPr rtlCol="0" anchor="ctr"/>
-          <a:lstStyle/>
-          <a:p>
-            <a:pPr algn="ctr"/>
-            <a:r>
-              <a:rPr lang="en-US" altLang="zh-TW" sz="3200" dirty="0">
-                <a:latin typeface="Source Code Pro" panose="020B0509030403020204" pitchFamily="49" charset="0"/>
-              </a:rPr>
-              <a:t>Target</a:t>
-            </a:r>
-            <a:endParaRPr lang="zh-TW" altLang="en-US" sz="3200" dirty="0">
-              <a:latin typeface="Source Code Pro" panose="020B0509030403020204" pitchFamily="49" charset="0"/>
-            </a:endParaRPr>
-          </a:p>
-        </p:txBody>
-      </p:sp>
-      <p:sp>
-        <p:nvSpPr>
-          <p:cNvPr id="70" name="圓角矩形 69"/>
-          <p:cNvSpPr/>
-          <p:nvPr/>
-        </p:nvSpPr>
-        <p:spPr>
-          <a:xfrm>
-            <a:off x="12738273" y="9828071"/>
-            <a:ext cx="3265123" cy="630230"/>
-          </a:xfrm>
-          <a:prstGeom prst="roundRect">
-            <a:avLst/>
-          </a:prstGeom>
-          <a:noFill/>
-          <a:ln w="50800" cmpd="sng">
-            <a:solidFill>
-              <a:srgbClr val="FF9999"/>
-            </a:solidFill>
-            <a:prstDash val="sysDash"/>
-          </a:ln>
-        </p:spPr>
-        <p:style>
-          <a:lnRef idx="2">
-            <a:schemeClr val="accent1">
-              <a:shade val="50000"/>
-            </a:schemeClr>
-          </a:lnRef>
-          <a:fillRef idx="1">
-            <a:schemeClr val="accent1"/>
-          </a:fillRef>
-          <a:effectRef idx="0">
-            <a:schemeClr val="accent1"/>
-          </a:effectRef>
-          <a:fontRef idx="minor">
-            <a:schemeClr val="lt1"/>
-          </a:fontRef>
-        </p:style>
-        <p:txBody>
-          <a:bodyPr rtlCol="0" anchor="ctr"/>
-          <a:lstStyle/>
-          <a:p>
-            <a:pPr algn="ctr"/>
-            <a:r>
-              <a:rPr lang="en-US" altLang="zh-TW" sz="3200" dirty="0">
-                <a:latin typeface="Source Code Pro" panose="020B0509030403020204" pitchFamily="49" charset="0"/>
-              </a:rPr>
-              <a:t>Embedding</a:t>
-            </a:r>
-            <a:endParaRPr lang="zh-TW" altLang="en-US" sz="3200" dirty="0">
-              <a:latin typeface="Source Code Pro" panose="020B0509030403020204" pitchFamily="49" charset="0"/>
-            </a:endParaRPr>
-          </a:p>
-        </p:txBody>
-      </p:sp>
-      <p:sp>
-        <p:nvSpPr>
-          <p:cNvPr id="71" name="圓角矩形 70"/>
-          <p:cNvSpPr/>
-          <p:nvPr/>
-        </p:nvSpPr>
-        <p:spPr>
-          <a:xfrm>
-            <a:off x="12738273" y="8265258"/>
-            <a:ext cx="3265123" cy="1047164"/>
-          </a:xfrm>
-          <a:prstGeom prst="roundRect">
-            <a:avLst/>
-          </a:prstGeom>
-          <a:noFill/>
-          <a:ln w="50800" cmpd="sng">
-            <a:solidFill>
-              <a:srgbClr val="00B0F0"/>
-            </a:solidFill>
-            <a:prstDash val="sysDash"/>
-          </a:ln>
-        </p:spPr>
-        <p:style>
-          <a:lnRef idx="2">
-            <a:schemeClr val="accent1">
-              <a:shade val="50000"/>
-            </a:schemeClr>
-          </a:lnRef>
-          <a:fillRef idx="1">
-            <a:schemeClr val="accent1"/>
-          </a:fillRef>
-          <a:effectRef idx="0">
-            <a:schemeClr val="accent1"/>
-          </a:effectRef>
-          <a:fontRef idx="minor">
-            <a:schemeClr val="lt1"/>
-          </a:fontRef>
-        </p:style>
-        <p:txBody>
-          <a:bodyPr rtlCol="0" anchor="ctr"/>
-          <a:lstStyle/>
-          <a:p>
-            <a:pPr algn="ctr"/>
-            <a:r>
-              <a:rPr lang="en-US" altLang="zh-TW" sz="3200" dirty="0">
-                <a:latin typeface="Source Code Pro" panose="020B0509030403020204" pitchFamily="49" charset="0"/>
-              </a:rPr>
-              <a:t>Positional Encoding</a:t>
-            </a:r>
-            <a:endParaRPr lang="zh-TW" altLang="en-US" sz="3200" dirty="0">
-              <a:latin typeface="Source Code Pro" panose="020B0509030403020204" pitchFamily="49" charset="0"/>
-            </a:endParaRPr>
-          </a:p>
-        </p:txBody>
-      </p:sp>
-      <p:cxnSp>
-        <p:nvCxnSpPr>
-          <p:cNvPr id="72" name="直線單箭頭接點 71"/>
-          <p:cNvCxnSpPr>
-            <a:stCxn id="71" idx="0"/>
-            <a:endCxn id="6" idx="2"/>
-          </p:cNvCxnSpPr>
-          <p:nvPr/>
-        </p:nvCxnSpPr>
-        <p:spPr>
-          <a:xfrm flipV="1">
-            <a:off x="14370835" y="7749609"/>
-            <a:ext cx="0" cy="515649"/>
+            <a:off x="15072348" y="4248629"/>
+            <a:ext cx="0" cy="780593"/>
           </a:xfrm>
           <a:prstGeom prst="straightConnector1">
             <a:avLst/>
@@ -10594,22 +10352,21 @@
       </p:cxnSp>
       <p:cxnSp>
         <p:nvCxnSpPr>
-          <p:cNvPr id="74" name="直線單箭頭接點 73"/>
+          <p:cNvPr id="48" name="直線單箭頭接點 47"/>
           <p:cNvCxnSpPr>
-            <a:stCxn id="70" idx="0"/>
-            <a:endCxn id="71" idx="2"/>
+            <a:endCxn id="5" idx="2"/>
           </p:cNvCxnSpPr>
           <p:nvPr/>
         </p:nvCxnSpPr>
         <p:spPr>
           <a:xfrm flipV="1">
-            <a:off x="14370835" y="9312422"/>
-            <a:ext cx="0" cy="515649"/>
+            <a:off x="9121833" y="9925470"/>
+            <a:ext cx="18265" cy="703641"/>
           </a:xfrm>
           <a:prstGeom prst="straightConnector1">
             <a:avLst/>
           </a:prstGeom>
-          <a:ln w="63500">
+          <a:ln w="76200">
             <a:solidFill>
               <a:srgbClr val="FF0066"/>
             </a:solidFill>
@@ -10631,94 +10388,23 @@
           </a:fontRef>
         </p:style>
       </p:cxnSp>
-      <p:sp>
-        <p:nvSpPr>
-          <p:cNvPr id="22" name="圓角矩形 21"/>
-          <p:cNvSpPr/>
-          <p:nvPr/>
-        </p:nvSpPr>
-        <p:spPr>
-          <a:xfrm>
-            <a:off x="12738271" y="4929604"/>
-            <a:ext cx="3265123" cy="1027129"/>
-          </a:xfrm>
-          <a:prstGeom prst="roundRect">
-            <a:avLst/>
-          </a:prstGeom>
-          <a:noFill/>
-          <a:ln w="50800">
-            <a:solidFill>
-              <a:schemeClr val="bg1"/>
-            </a:solidFill>
-            <a:prstDash val="sysDash"/>
-          </a:ln>
-        </p:spPr>
-        <p:style>
-          <a:lnRef idx="2">
-            <a:schemeClr val="accent1">
-              <a:shade val="50000"/>
-            </a:schemeClr>
-          </a:lnRef>
-          <a:fillRef idx="1">
-            <a:schemeClr val="accent1"/>
-          </a:fillRef>
-          <a:effectRef idx="0">
-            <a:schemeClr val="accent1"/>
-          </a:effectRef>
-          <a:fontRef idx="minor">
-            <a:schemeClr val="lt1"/>
-          </a:fontRef>
-        </p:style>
-        <p:txBody>
-          <a:bodyPr rtlCol="0" anchor="ctr"/>
-          <a:lstStyle/>
-          <a:p>
-            <a:pPr algn="ctr"/>
-            <a:r>
-              <a:rPr lang="en-US" altLang="zh-TW" sz="3200" dirty="0" smtClean="0">
-                <a:latin typeface="Source Code Pro" panose="020B0509030403020204" pitchFamily="49" charset="0"/>
-              </a:rPr>
-              <a:t>Linear </a:t>
-            </a:r>
-          </a:p>
-          <a:p>
-            <a:pPr algn="ctr"/>
-            <a:r>
-              <a:rPr lang="en-US" altLang="zh-TW" sz="3200" dirty="0" smtClean="0">
-                <a:latin typeface="Source Code Pro" panose="020B0509030403020204" pitchFamily="49" charset="0"/>
-              </a:rPr>
-              <a:t>&amp; </a:t>
-            </a:r>
-            <a:r>
-              <a:rPr lang="en-US" altLang="zh-TW" sz="3200" dirty="0" err="1" smtClean="0">
-                <a:latin typeface="Source Code Pro" panose="020B0509030403020204" pitchFamily="49" charset="0"/>
-              </a:rPr>
-              <a:t>Sotfmax</a:t>
-            </a:r>
-            <a:endParaRPr lang="zh-TW" altLang="en-US" sz="3200" dirty="0">
-              <a:latin typeface="Source Code Pro" panose="020B0509030403020204" pitchFamily="49" charset="0"/>
-            </a:endParaRPr>
-          </a:p>
-        </p:txBody>
-      </p:sp>
       <p:cxnSp>
         <p:nvCxnSpPr>
-          <p:cNvPr id="28" name="直線單箭頭接點 27"/>
+          <p:cNvPr id="26" name="直線單箭頭接點 25"/>
           <p:cNvCxnSpPr>
-            <a:stCxn id="22" idx="0"/>
-            <a:endCxn id="19" idx="2"/>
+            <a:endCxn id="20" idx="2"/>
           </p:cNvCxnSpPr>
           <p:nvPr/>
         </p:nvCxnSpPr>
         <p:spPr>
-          <a:xfrm flipV="1">
-            <a:off x="14370833" y="4246533"/>
-            <a:ext cx="1" cy="683071"/>
+          <a:xfrm flipH="1" flipV="1">
+            <a:off x="15072348" y="9925470"/>
+            <a:ext cx="3" cy="703640"/>
           </a:xfrm>
           <a:prstGeom prst="straightConnector1">
             <a:avLst/>
           </a:prstGeom>
-          <a:ln w="63500">
+          <a:ln w="127000">
             <a:solidFill>
               <a:srgbClr val="FF0066"/>
             </a:solidFill>
@@ -10743,7 +10429,7 @@
     </p:spTree>
     <p:extLst>
       <p:ext uri="{BB962C8B-B14F-4D97-AF65-F5344CB8AC3E}">
-        <p14:creationId xmlns:p14="http://schemas.microsoft.com/office/powerpoint/2010/main" val="2578451436"/>
+        <p14:creationId xmlns:p14="http://schemas.microsoft.com/office/powerpoint/2010/main" val="3229414531"/>
       </p:ext>
     </p:extLst>
   </p:cSld>
@@ -10802,10 +10488,7 @@
           <a:noFill/>
           <a:ln w="50800">
             <a:solidFill>
-              <a:schemeClr val="accent6">
-                <a:lumMod val="60000"/>
-                <a:lumOff val="40000"/>
-              </a:schemeClr>
+              <a:schemeClr val="accent2"/>
             </a:solidFill>
             <a:prstDash val="solid"/>
           </a:ln>
@@ -10917,10 +10600,7 @@
           </a:prstGeom>
           <a:ln w="127000">
             <a:solidFill>
-              <a:schemeClr val="accent6">
-                <a:lumMod val="60000"/>
-                <a:lumOff val="40000"/>
-              </a:schemeClr>
+              <a:srgbClr val="FF0066"/>
             </a:solidFill>
             <a:round/>
             <a:tailEnd type="triangle"/>
@@ -11090,7 +10770,7 @@
           </a:prstGeom>
           <a:ln w="127000">
             <a:solidFill>
-              <a:srgbClr val="FF0066"/>
+              <a:schemeClr val="accent2"/>
             </a:solidFill>
             <a:round/>
             <a:tailEnd type="triangle"/>
@@ -11240,10 +10920,7 @@
           </a:prstGeom>
           <a:ln w="127000">
             <a:solidFill>
-              <a:schemeClr val="accent6">
-                <a:lumMod val="60000"/>
-                <a:lumOff val="40000"/>
-              </a:schemeClr>
+              <a:srgbClr val="FF0066"/>
             </a:solidFill>
             <a:tailEnd type="triangle"/>
           </a:ln>
@@ -11392,10 +11069,7 @@
           </a:prstGeom>
           <a:ln w="127000">
             <a:solidFill>
-              <a:schemeClr val="accent6">
-                <a:lumMod val="60000"/>
-                <a:lumOff val="40000"/>
-              </a:schemeClr>
+              <a:srgbClr val="FF0066"/>
             </a:solidFill>
             <a:tailEnd type="triangle"/>
           </a:ln>
@@ -11434,10 +11108,7 @@
           </a:prstGeom>
           <a:ln w="127000">
             <a:solidFill>
-              <a:schemeClr val="accent6">
-                <a:lumMod val="60000"/>
-                <a:lumOff val="40000"/>
-              </a:schemeClr>
+              <a:srgbClr val="FF0066"/>
             </a:solidFill>
             <a:round/>
             <a:tailEnd type="triangle"/>
@@ -11479,7 +11150,7 @@
           </a:prstGeom>
           <a:ln w="127000">
             <a:solidFill>
-              <a:srgbClr val="FF0066"/>
+              <a:schemeClr val="accent2"/>
             </a:solidFill>
             <a:round/>
             <a:tailEnd type="triangle"/>
@@ -11519,7 +11190,7 @@
           </a:prstGeom>
           <a:ln w="127000">
             <a:solidFill>
-              <a:srgbClr val="FF0066"/>
+              <a:schemeClr val="accent2"/>
             </a:solidFill>
             <a:round/>
             <a:tailEnd type="triangle"/>
@@ -11559,7 +11230,7 @@
           </a:prstGeom>
           <a:ln w="127000">
             <a:solidFill>
-              <a:srgbClr val="FF0066"/>
+              <a:schemeClr val="accent2"/>
             </a:solidFill>
             <a:round/>
             <a:tailEnd type="triangle"/>
@@ -11601,7 +11272,7 @@
           </a:prstGeom>
           <a:ln w="127000">
             <a:solidFill>
-              <a:srgbClr val="FF0066"/>
+              <a:schemeClr val="accent2"/>
             </a:solidFill>
             <a:round/>
             <a:tailEnd type="triangle"/>
@@ -11667,7 +11338,7 @@
             <a:r>
               <a:rPr lang="en-US" altLang="zh-TW" sz="4800" dirty="0">
                 <a:solidFill>
-                  <a:srgbClr val="FF0066"/>
+                  <a:srgbClr val="FFC000"/>
                 </a:solidFill>
                 <a:latin typeface="Source Code Pro" panose="020B0509030403020204" pitchFamily="49" charset="0"/>
               </a:rPr>
@@ -11675,7 +11346,7 @@
             </a:r>
             <a:endParaRPr lang="zh-TW" altLang="en-US" sz="4800" dirty="0">
               <a:solidFill>
-                <a:srgbClr val="FF0066"/>
+                <a:srgbClr val="FFC000"/>
               </a:solidFill>
               <a:latin typeface="Source Code Pro" panose="020B0509030403020204" pitchFamily="49" charset="0"/>
             </a:endParaRPr>
@@ -11727,7 +11398,7 @@
             <a:r>
               <a:rPr lang="en-US" altLang="zh-TW" sz="4800" dirty="0">
                 <a:solidFill>
-                  <a:srgbClr val="FF0066"/>
+                  <a:srgbClr val="FFC000"/>
                 </a:solidFill>
                 <a:latin typeface="Source Code Pro" panose="020B0509030403020204" pitchFamily="49" charset="0"/>
               </a:rPr>
@@ -11735,7 +11406,7 @@
             </a:r>
             <a:endParaRPr lang="zh-TW" altLang="en-US" sz="4800" dirty="0">
               <a:solidFill>
-                <a:srgbClr val="FF0066"/>
+                <a:srgbClr val="FFC000"/>
               </a:solidFill>
               <a:latin typeface="Source Code Pro" panose="020B0509030403020204" pitchFamily="49" charset="0"/>
             </a:endParaRPr>
@@ -11787,7 +11458,7 @@
             <a:r>
               <a:rPr lang="en-US" altLang="zh-TW" sz="4800" dirty="0" smtClean="0">
                 <a:solidFill>
-                  <a:srgbClr val="FF0066"/>
+                  <a:srgbClr val="FFC000"/>
                 </a:solidFill>
                 <a:latin typeface="Source Code Pro" panose="020B0509030403020204" pitchFamily="49" charset="0"/>
               </a:rPr>
@@ -11795,7 +11466,7 @@
             </a:r>
             <a:endParaRPr lang="zh-TW" altLang="en-US" sz="4800" dirty="0">
               <a:solidFill>
-                <a:srgbClr val="FF0066"/>
+                <a:srgbClr val="FFC000"/>
               </a:solidFill>
               <a:latin typeface="Source Code Pro" panose="020B0509030403020204" pitchFamily="49" charset="0"/>
             </a:endParaRPr>
@@ -11823,7 +11494,7 @@
           </a:prstGeom>
           <a:ln w="127000">
             <a:solidFill>
-              <a:srgbClr val="FF0066"/>
+              <a:schemeClr val="accent2"/>
             </a:solidFill>
             <a:round/>
             <a:tailEnd type="triangle"/>
@@ -11950,7 +11621,7 @@
             <a:r>
               <a:rPr lang="en-US" altLang="zh-TW" sz="4800" dirty="0">
                 <a:solidFill>
-                  <a:srgbClr val="FF0066"/>
+                  <a:srgbClr val="FFC000"/>
                 </a:solidFill>
                 <a:latin typeface="Source Code Pro" panose="020B0509030403020204" pitchFamily="49" charset="0"/>
               </a:rPr>
@@ -11958,7 +11629,7 @@
             </a:r>
             <a:endParaRPr lang="zh-TW" altLang="en-US" sz="4800" dirty="0">
               <a:solidFill>
-                <a:srgbClr val="FF0066"/>
+                <a:srgbClr val="FFC000"/>
               </a:solidFill>
               <a:latin typeface="Source Code Pro" panose="020B0509030403020204" pitchFamily="49" charset="0"/>
             </a:endParaRPr>
@@ -12010,7 +11681,7 @@
             <a:r>
               <a:rPr lang="en-US" altLang="zh-TW" sz="4800" dirty="0">
                 <a:solidFill>
-                  <a:schemeClr val="accent2"/>
+                  <a:srgbClr val="92D050"/>
                 </a:solidFill>
                 <a:latin typeface="Source Code Pro" panose="020B0509030403020204" pitchFamily="49" charset="0"/>
               </a:rPr>
@@ -12018,7 +11689,7 @@
             </a:r>
             <a:endParaRPr lang="zh-TW" altLang="en-US" sz="4800" dirty="0">
               <a:solidFill>
-                <a:schemeClr val="accent2"/>
+                <a:srgbClr val="92D050"/>
               </a:solidFill>
               <a:latin typeface="Source Code Pro" panose="020B0509030403020204" pitchFamily="49" charset="0"/>
             </a:endParaRPr>
@@ -12070,7 +11741,7 @@
             <a:r>
               <a:rPr lang="en-US" altLang="zh-TW" sz="4800" dirty="0" smtClean="0">
                 <a:solidFill>
-                  <a:schemeClr val="accent2"/>
+                  <a:srgbClr val="92D050"/>
                 </a:solidFill>
                 <a:latin typeface="Source Code Pro" panose="020B0509030403020204" pitchFamily="49" charset="0"/>
               </a:rPr>
@@ -12078,7 +11749,7 @@
             </a:r>
             <a:endParaRPr lang="zh-TW" altLang="en-US" sz="4800" dirty="0">
               <a:solidFill>
-                <a:schemeClr val="accent2"/>
+                <a:srgbClr val="92D050"/>
               </a:solidFill>
               <a:latin typeface="Source Code Pro" panose="020B0509030403020204" pitchFamily="49" charset="0"/>
             </a:endParaRPr>
@@ -12214,10 +11885,7 @@
           </a:prstGeom>
           <a:ln w="127000">
             <a:solidFill>
-              <a:schemeClr val="accent6">
-                <a:lumMod val="60000"/>
-                <a:lumOff val="40000"/>
-              </a:schemeClr>
+              <a:srgbClr val="FF0066"/>
             </a:solidFill>
             <a:tailEnd type="triangle"/>
           </a:ln>
@@ -12256,7 +11924,7 @@
           </a:prstGeom>
           <a:ln w="127000">
             <a:solidFill>
-              <a:srgbClr val="FF0066"/>
+              <a:schemeClr val="accent2"/>
             </a:solidFill>
             <a:round/>
             <a:tailEnd type="triangle"/>
@@ -12296,10 +11964,7 @@
           </a:prstGeom>
           <a:ln w="127000">
             <a:solidFill>
-              <a:schemeClr val="accent6">
-                <a:lumMod val="60000"/>
-                <a:lumOff val="40000"/>
-              </a:schemeClr>
+              <a:srgbClr val="FF0066"/>
             </a:solidFill>
             <a:tailEnd type="triangle"/>
           </a:ln>
@@ -12338,10 +12003,7 @@
           </a:prstGeom>
           <a:ln w="127000">
             <a:solidFill>
-              <a:schemeClr val="accent6">
-                <a:lumMod val="60000"/>
-                <a:lumOff val="40000"/>
-              </a:schemeClr>
+              <a:srgbClr val="FF0066"/>
             </a:solidFill>
             <a:tailEnd type="triangle"/>
           </a:ln>
@@ -12382,7 +12044,7 @@
           </a:prstGeom>
           <a:ln w="127000">
             <a:solidFill>
-              <a:srgbClr val="FF0066"/>
+              <a:schemeClr val="accent2"/>
             </a:solidFill>
             <a:round/>
             <a:tailEnd type="triangle"/>
@@ -12420,7 +12082,7 @@
           <a:noFill/>
           <a:ln w="50800">
             <a:solidFill>
-              <a:schemeClr val="accent2"/>
+              <a:srgbClr val="92D050"/>
             </a:solidFill>
             <a:prstDash val="solid"/>
           </a:ln>
@@ -12479,7 +12141,7 @@
           </a:prstGeom>
           <a:ln w="127000">
             <a:solidFill>
-              <a:schemeClr val="accent2"/>
+              <a:srgbClr val="92D050"/>
             </a:solidFill>
             <a:round/>
             <a:tailEnd type="triangle"/>
@@ -12521,7 +12183,7 @@
           </a:prstGeom>
           <a:ln w="127000">
             <a:solidFill>
-              <a:schemeClr val="accent2"/>
+              <a:srgbClr val="92D050"/>
             </a:solidFill>
             <a:round/>
             <a:tailEnd type="triangle"/>

--- a/Attention-is-all-you-need/image.pptx
+++ b/Attention-is-all-you-need/image.pptx
@@ -20,23 +20,24 @@
     <p:sldId id="289" r:id="rId14"/>
     <p:sldId id="291" r:id="rId15"/>
     <p:sldId id="286" r:id="rId16"/>
-    <p:sldId id="265" r:id="rId17"/>
-    <p:sldId id="273" r:id="rId18"/>
-    <p:sldId id="267" r:id="rId19"/>
-    <p:sldId id="269" r:id="rId20"/>
-    <p:sldId id="268" r:id="rId21"/>
-    <p:sldId id="271" r:id="rId22"/>
-    <p:sldId id="292" r:id="rId23"/>
-    <p:sldId id="288" r:id="rId24"/>
-    <p:sldId id="301" r:id="rId25"/>
-    <p:sldId id="296" r:id="rId26"/>
-    <p:sldId id="300" r:id="rId27"/>
-    <p:sldId id="302" r:id="rId28"/>
-    <p:sldId id="294" r:id="rId29"/>
-    <p:sldId id="303" r:id="rId30"/>
-    <p:sldId id="297" r:id="rId31"/>
-    <p:sldId id="298" r:id="rId32"/>
-    <p:sldId id="285" r:id="rId33"/>
+    <p:sldId id="304" r:id="rId17"/>
+    <p:sldId id="265" r:id="rId18"/>
+    <p:sldId id="273" r:id="rId19"/>
+    <p:sldId id="267" r:id="rId20"/>
+    <p:sldId id="269" r:id="rId21"/>
+    <p:sldId id="268" r:id="rId22"/>
+    <p:sldId id="271" r:id="rId23"/>
+    <p:sldId id="292" r:id="rId24"/>
+    <p:sldId id="288" r:id="rId25"/>
+    <p:sldId id="301" r:id="rId26"/>
+    <p:sldId id="296" r:id="rId27"/>
+    <p:sldId id="300" r:id="rId28"/>
+    <p:sldId id="302" r:id="rId29"/>
+    <p:sldId id="294" r:id="rId30"/>
+    <p:sldId id="303" r:id="rId31"/>
+    <p:sldId id="297" r:id="rId32"/>
+    <p:sldId id="298" r:id="rId33"/>
+    <p:sldId id="285" r:id="rId34"/>
   </p:sldIdLst>
   <p:sldSz cx="23760113" cy="14400213"/>
   <p:notesSz cx="6858000" cy="9144000"/>
@@ -9605,6 +9606,2447 @@
       </p:grpSpPr>
       <p:sp>
         <p:nvSpPr>
+          <p:cNvPr id="24" name="圓角矩形 23"/>
+          <p:cNvSpPr/>
+          <p:nvPr/>
+        </p:nvSpPr>
+        <p:spPr>
+          <a:xfrm>
+            <a:off x="7415245" y="6204365"/>
+            <a:ext cx="1967326" cy="714947"/>
+          </a:xfrm>
+          <a:prstGeom prst="roundRect">
+            <a:avLst/>
+          </a:prstGeom>
+          <a:solidFill>
+            <a:schemeClr val="bg1">
+              <a:alpha val="0"/>
+            </a:schemeClr>
+          </a:solidFill>
+          <a:ln w="50800">
+            <a:solidFill>
+              <a:schemeClr val="bg1"/>
+            </a:solidFill>
+          </a:ln>
+        </p:spPr>
+        <p:style>
+          <a:lnRef idx="2">
+            <a:schemeClr val="accent1">
+              <a:shade val="50000"/>
+            </a:schemeClr>
+          </a:lnRef>
+          <a:fillRef idx="1">
+            <a:schemeClr val="accent1"/>
+          </a:fillRef>
+          <a:effectRef idx="0">
+            <a:schemeClr val="accent1"/>
+          </a:effectRef>
+          <a:fontRef idx="minor">
+            <a:schemeClr val="lt1"/>
+          </a:fontRef>
+        </p:style>
+        <p:txBody>
+          <a:bodyPr rtlCol="0" anchor="ctr"/>
+          <a:lstStyle/>
+          <a:p>
+            <a:pPr algn="ctr"/>
+            <a:r>
+              <a:rPr lang="en-US" altLang="zh-TW" sz="3200" dirty="0">
+                <a:latin typeface="Source Code Pro" panose="020B0509030403020204" pitchFamily="49" charset="0"/>
+              </a:rPr>
+              <a:t>Linear</a:t>
+            </a:r>
+            <a:endParaRPr lang="zh-TW" altLang="en-US" sz="3200" dirty="0">
+              <a:latin typeface="Source Code Pro" panose="020B0509030403020204" pitchFamily="49" charset="0"/>
+            </a:endParaRPr>
+          </a:p>
+        </p:txBody>
+      </p:sp>
+      <p:cxnSp>
+        <p:nvCxnSpPr>
+          <p:cNvPr id="25" name="直線單箭頭接點 24"/>
+          <p:cNvCxnSpPr>
+            <a:stCxn id="40" idx="3"/>
+            <a:endCxn id="24" idx="1"/>
+          </p:cNvCxnSpPr>
+          <p:nvPr/>
+        </p:nvCxnSpPr>
+        <p:spPr>
+          <a:xfrm>
+            <a:off x="6480338" y="6495947"/>
+            <a:ext cx="934907" cy="65892"/>
+          </a:xfrm>
+          <a:prstGeom prst="straightConnector1">
+            <a:avLst/>
+          </a:prstGeom>
+          <a:ln w="101600">
+            <a:solidFill>
+              <a:schemeClr val="accent2">
+                <a:lumMod val="75000"/>
+              </a:schemeClr>
+            </a:solidFill>
+            <a:tailEnd type="triangle"/>
+          </a:ln>
+        </p:spPr>
+        <p:style>
+          <a:lnRef idx="1">
+            <a:schemeClr val="accent1"/>
+          </a:lnRef>
+          <a:fillRef idx="0">
+            <a:schemeClr val="accent1"/>
+          </a:fillRef>
+          <a:effectRef idx="0">
+            <a:schemeClr val="accent1"/>
+          </a:effectRef>
+          <a:fontRef idx="minor">
+            <a:schemeClr val="tx1"/>
+          </a:fontRef>
+        </p:style>
+      </p:cxnSp>
+      <p:cxnSp>
+        <p:nvCxnSpPr>
+          <p:cNvPr id="26" name="直線單箭頭接點 25"/>
+          <p:cNvCxnSpPr>
+            <a:stCxn id="24" idx="3"/>
+            <a:endCxn id="36" idx="1"/>
+          </p:cNvCxnSpPr>
+          <p:nvPr/>
+        </p:nvCxnSpPr>
+        <p:spPr>
+          <a:xfrm>
+            <a:off x="9382571" y="6561835"/>
+            <a:ext cx="702986" cy="2526"/>
+          </a:xfrm>
+          <a:prstGeom prst="straightConnector1">
+            <a:avLst/>
+          </a:prstGeom>
+          <a:ln w="101600">
+            <a:solidFill>
+              <a:schemeClr val="accent2">
+                <a:lumMod val="75000"/>
+              </a:schemeClr>
+            </a:solidFill>
+            <a:tailEnd type="triangle"/>
+          </a:ln>
+        </p:spPr>
+        <p:style>
+          <a:lnRef idx="1">
+            <a:schemeClr val="accent1"/>
+          </a:lnRef>
+          <a:fillRef idx="0">
+            <a:schemeClr val="accent1"/>
+          </a:fillRef>
+          <a:effectRef idx="0">
+            <a:schemeClr val="accent1"/>
+          </a:effectRef>
+          <a:fontRef idx="minor">
+            <a:schemeClr val="tx1"/>
+          </a:fontRef>
+        </p:style>
+      </p:cxnSp>
+      <p:sp>
+        <p:nvSpPr>
+          <p:cNvPr id="27" name="圓角矩形 26"/>
+          <p:cNvSpPr/>
+          <p:nvPr/>
+        </p:nvSpPr>
+        <p:spPr>
+          <a:xfrm>
+            <a:off x="7415245" y="6929414"/>
+            <a:ext cx="1967326" cy="720000"/>
+          </a:xfrm>
+          <a:prstGeom prst="roundRect">
+            <a:avLst/>
+          </a:prstGeom>
+          <a:solidFill>
+            <a:schemeClr val="bg1">
+              <a:alpha val="0"/>
+            </a:schemeClr>
+          </a:solidFill>
+          <a:ln w="50800">
+            <a:solidFill>
+              <a:schemeClr val="bg1"/>
+            </a:solidFill>
+          </a:ln>
+        </p:spPr>
+        <p:style>
+          <a:lnRef idx="2">
+            <a:schemeClr val="accent1">
+              <a:shade val="50000"/>
+            </a:schemeClr>
+          </a:lnRef>
+          <a:fillRef idx="1">
+            <a:schemeClr val="accent1"/>
+          </a:fillRef>
+          <a:effectRef idx="0">
+            <a:schemeClr val="accent1"/>
+          </a:effectRef>
+          <a:fontRef idx="minor">
+            <a:schemeClr val="lt1"/>
+          </a:fontRef>
+        </p:style>
+        <p:txBody>
+          <a:bodyPr rtlCol="0" anchor="ctr"/>
+          <a:lstStyle/>
+          <a:p>
+            <a:pPr algn="ctr"/>
+            <a:r>
+              <a:rPr lang="en-US" altLang="zh-TW" sz="3200" dirty="0">
+                <a:latin typeface="Source Code Pro" panose="020B0509030403020204" pitchFamily="49" charset="0"/>
+              </a:rPr>
+              <a:t>Linear</a:t>
+            </a:r>
+            <a:endParaRPr lang="zh-TW" altLang="en-US" sz="3200" dirty="0">
+              <a:latin typeface="Source Code Pro" panose="020B0509030403020204" pitchFamily="49" charset="0"/>
+            </a:endParaRPr>
+          </a:p>
+        </p:txBody>
+      </p:sp>
+      <p:cxnSp>
+        <p:nvCxnSpPr>
+          <p:cNvPr id="29" name="直線單箭頭接點 28"/>
+          <p:cNvCxnSpPr>
+            <a:stCxn id="93" idx="3"/>
+            <a:endCxn id="27" idx="1"/>
+          </p:cNvCxnSpPr>
+          <p:nvPr/>
+        </p:nvCxnSpPr>
+        <p:spPr>
+          <a:xfrm flipV="1">
+            <a:off x="6494413" y="7289414"/>
+            <a:ext cx="920832" cy="155515"/>
+          </a:xfrm>
+          <a:prstGeom prst="straightConnector1">
+            <a:avLst/>
+          </a:prstGeom>
+          <a:ln w="101600">
+            <a:solidFill>
+              <a:schemeClr val="accent2">
+                <a:lumMod val="75000"/>
+              </a:schemeClr>
+            </a:solidFill>
+            <a:tailEnd type="triangle"/>
+          </a:ln>
+        </p:spPr>
+        <p:style>
+          <a:lnRef idx="1">
+            <a:schemeClr val="accent1"/>
+          </a:lnRef>
+          <a:fillRef idx="0">
+            <a:schemeClr val="accent1"/>
+          </a:fillRef>
+          <a:effectRef idx="0">
+            <a:schemeClr val="accent1"/>
+          </a:effectRef>
+          <a:fontRef idx="minor">
+            <a:schemeClr val="tx1"/>
+          </a:fontRef>
+        </p:style>
+      </p:cxnSp>
+      <p:cxnSp>
+        <p:nvCxnSpPr>
+          <p:cNvPr id="30" name="直線單箭頭接點 29"/>
+          <p:cNvCxnSpPr>
+            <a:stCxn id="27" idx="3"/>
+            <a:endCxn id="38" idx="1"/>
+          </p:cNvCxnSpPr>
+          <p:nvPr/>
+        </p:nvCxnSpPr>
+        <p:spPr>
+          <a:xfrm flipV="1">
+            <a:off x="9382571" y="7284365"/>
+            <a:ext cx="702986" cy="5053"/>
+          </a:xfrm>
+          <a:prstGeom prst="straightConnector1">
+            <a:avLst/>
+          </a:prstGeom>
+          <a:ln w="101600">
+            <a:solidFill>
+              <a:schemeClr val="accent2">
+                <a:lumMod val="75000"/>
+              </a:schemeClr>
+            </a:solidFill>
+            <a:tailEnd type="triangle"/>
+          </a:ln>
+        </p:spPr>
+        <p:style>
+          <a:lnRef idx="1">
+            <a:schemeClr val="accent1"/>
+          </a:lnRef>
+          <a:fillRef idx="0">
+            <a:schemeClr val="accent1"/>
+          </a:fillRef>
+          <a:effectRef idx="0">
+            <a:schemeClr val="accent1"/>
+          </a:effectRef>
+          <a:fontRef idx="minor">
+            <a:schemeClr val="tx1"/>
+          </a:fontRef>
+        </p:style>
+      </p:cxnSp>
+      <p:sp>
+        <p:nvSpPr>
+          <p:cNvPr id="31" name="圓角矩形 30"/>
+          <p:cNvSpPr/>
+          <p:nvPr/>
+        </p:nvSpPr>
+        <p:spPr>
+          <a:xfrm>
+            <a:off x="7423531" y="7659524"/>
+            <a:ext cx="1967326" cy="709893"/>
+          </a:xfrm>
+          <a:prstGeom prst="roundRect">
+            <a:avLst/>
+          </a:prstGeom>
+          <a:solidFill>
+            <a:schemeClr val="bg1">
+              <a:alpha val="0"/>
+            </a:schemeClr>
+          </a:solidFill>
+          <a:ln w="50800">
+            <a:solidFill>
+              <a:schemeClr val="bg1"/>
+            </a:solidFill>
+          </a:ln>
+        </p:spPr>
+        <p:style>
+          <a:lnRef idx="2">
+            <a:schemeClr val="accent1">
+              <a:shade val="50000"/>
+            </a:schemeClr>
+          </a:lnRef>
+          <a:fillRef idx="1">
+            <a:schemeClr val="accent1"/>
+          </a:fillRef>
+          <a:effectRef idx="0">
+            <a:schemeClr val="accent1"/>
+          </a:effectRef>
+          <a:fontRef idx="minor">
+            <a:schemeClr val="lt1"/>
+          </a:fontRef>
+        </p:style>
+        <p:txBody>
+          <a:bodyPr rtlCol="0" anchor="ctr"/>
+          <a:lstStyle/>
+          <a:p>
+            <a:pPr algn="ctr"/>
+            <a:r>
+              <a:rPr lang="en-US" altLang="zh-TW" sz="3200" dirty="0">
+                <a:latin typeface="Source Code Pro" panose="020B0509030403020204" pitchFamily="49" charset="0"/>
+              </a:rPr>
+              <a:t>Linear</a:t>
+            </a:r>
+            <a:endParaRPr lang="zh-TW" altLang="en-US" sz="3200" dirty="0">
+              <a:latin typeface="Source Code Pro" panose="020B0509030403020204" pitchFamily="49" charset="0"/>
+            </a:endParaRPr>
+          </a:p>
+        </p:txBody>
+      </p:sp>
+      <p:cxnSp>
+        <p:nvCxnSpPr>
+          <p:cNvPr id="32" name="直線單箭頭接點 31"/>
+          <p:cNvCxnSpPr>
+            <a:stCxn id="94" idx="3"/>
+            <a:endCxn id="31" idx="1"/>
+          </p:cNvCxnSpPr>
+          <p:nvPr/>
+        </p:nvCxnSpPr>
+        <p:spPr>
+          <a:xfrm flipV="1">
+            <a:off x="6480338" y="8014471"/>
+            <a:ext cx="943193" cy="379440"/>
+          </a:xfrm>
+          <a:prstGeom prst="straightConnector1">
+            <a:avLst/>
+          </a:prstGeom>
+          <a:ln w="101600">
+            <a:solidFill>
+              <a:schemeClr val="accent2">
+                <a:lumMod val="75000"/>
+              </a:schemeClr>
+            </a:solidFill>
+            <a:tailEnd type="triangle"/>
+          </a:ln>
+        </p:spPr>
+        <p:style>
+          <a:lnRef idx="1">
+            <a:schemeClr val="accent1"/>
+          </a:lnRef>
+          <a:fillRef idx="0">
+            <a:schemeClr val="accent1"/>
+          </a:fillRef>
+          <a:effectRef idx="0">
+            <a:schemeClr val="accent1"/>
+          </a:effectRef>
+          <a:fontRef idx="minor">
+            <a:schemeClr val="tx1"/>
+          </a:fontRef>
+        </p:style>
+      </p:cxnSp>
+      <p:cxnSp>
+        <p:nvCxnSpPr>
+          <p:cNvPr id="33" name="直線單箭頭接點 32"/>
+          <p:cNvCxnSpPr>
+            <a:stCxn id="31" idx="3"/>
+            <a:endCxn id="39" idx="1"/>
+          </p:cNvCxnSpPr>
+          <p:nvPr/>
+        </p:nvCxnSpPr>
+        <p:spPr>
+          <a:xfrm flipV="1">
+            <a:off x="9390857" y="8004365"/>
+            <a:ext cx="694700" cy="10107"/>
+          </a:xfrm>
+          <a:prstGeom prst="straightConnector1">
+            <a:avLst/>
+          </a:prstGeom>
+          <a:ln w="101600">
+            <a:solidFill>
+              <a:schemeClr val="accent2">
+                <a:lumMod val="75000"/>
+              </a:schemeClr>
+            </a:solidFill>
+            <a:tailEnd type="triangle"/>
+          </a:ln>
+        </p:spPr>
+        <p:style>
+          <a:lnRef idx="1">
+            <a:schemeClr val="accent1"/>
+          </a:lnRef>
+          <a:fillRef idx="0">
+            <a:schemeClr val="accent1"/>
+          </a:fillRef>
+          <a:effectRef idx="0">
+            <a:schemeClr val="accent1"/>
+          </a:effectRef>
+          <a:fontRef idx="minor">
+            <a:schemeClr val="tx1"/>
+          </a:fontRef>
+        </p:style>
+      </p:cxnSp>
+      <p:sp useBgFill="1">
+        <p:nvSpPr>
+          <p:cNvPr id="35" name="圓角矩形 34"/>
+          <p:cNvSpPr/>
+          <p:nvPr/>
+        </p:nvSpPr>
+        <p:spPr>
+          <a:xfrm>
+            <a:off x="10497218" y="5733267"/>
+            <a:ext cx="3444681" cy="2998805"/>
+          </a:xfrm>
+          <a:prstGeom prst="roundRect">
+            <a:avLst/>
+          </a:prstGeom>
+          <a:ln w="50800">
+            <a:solidFill>
+              <a:schemeClr val="accent6"/>
+            </a:solidFill>
+          </a:ln>
+        </p:spPr>
+        <p:style>
+          <a:lnRef idx="2">
+            <a:schemeClr val="accent1">
+              <a:shade val="50000"/>
+            </a:schemeClr>
+          </a:lnRef>
+          <a:fillRef idx="1">
+            <a:schemeClr val="accent1"/>
+          </a:fillRef>
+          <a:effectRef idx="0">
+            <a:schemeClr val="accent1"/>
+          </a:effectRef>
+          <a:fontRef idx="minor">
+            <a:schemeClr val="lt1"/>
+          </a:fontRef>
+        </p:style>
+        <p:txBody>
+          <a:bodyPr rtlCol="0" anchor="ctr"/>
+          <a:lstStyle/>
+          <a:p>
+            <a:pPr lvl="1"/>
+            <a:r>
+              <a:rPr lang="en-US" altLang="zh-TW" sz="3200" dirty="0"/>
+              <a:t>Scaled </a:t>
+            </a:r>
+            <a:r>
+              <a:rPr lang="en-US" altLang="zh-TW" sz="3200" dirty="0" smtClean="0"/>
+              <a:t/>
+            </a:r>
+            <a:br>
+              <a:rPr lang="en-US" altLang="zh-TW" sz="3200" dirty="0" smtClean="0"/>
+            </a:br>
+            <a:r>
+              <a:rPr lang="en-US" altLang="zh-TW" sz="3200" dirty="0" smtClean="0"/>
+              <a:t>Dot-Product </a:t>
+            </a:r>
+            <a:r>
+              <a:rPr lang="en-US" altLang="zh-TW" sz="3200" dirty="0"/>
+              <a:t>Attention</a:t>
+            </a:r>
+            <a:endParaRPr lang="zh-TW" altLang="en-US" sz="3200" dirty="0">
+              <a:latin typeface="Source Code Pro" panose="020B0509030403020204" pitchFamily="49" charset="0"/>
+            </a:endParaRPr>
+          </a:p>
+        </p:txBody>
+      </p:sp>
+      <p:sp useBgFill="1">
+        <p:nvSpPr>
+          <p:cNvPr id="36" name="圓角矩形 35"/>
+          <p:cNvSpPr/>
+          <p:nvPr/>
+        </p:nvSpPr>
+        <p:spPr>
+          <a:xfrm>
+            <a:off x="10085557" y="6204361"/>
+            <a:ext cx="720000" cy="720000"/>
+          </a:xfrm>
+          <a:prstGeom prst="roundRect">
+            <a:avLst/>
+          </a:prstGeom>
+          <a:ln w="50800">
+            <a:solidFill>
+              <a:schemeClr val="bg1"/>
+            </a:solidFill>
+          </a:ln>
+        </p:spPr>
+        <p:style>
+          <a:lnRef idx="2">
+            <a:schemeClr val="accent1">
+              <a:shade val="50000"/>
+            </a:schemeClr>
+          </a:lnRef>
+          <a:fillRef idx="1">
+            <a:schemeClr val="accent1"/>
+          </a:fillRef>
+          <a:effectRef idx="0">
+            <a:schemeClr val="accent1"/>
+          </a:effectRef>
+          <a:fontRef idx="minor">
+            <a:schemeClr val="lt1"/>
+          </a:fontRef>
+        </p:style>
+        <p:txBody>
+          <a:bodyPr rtlCol="0" anchor="ctr"/>
+          <a:lstStyle/>
+          <a:p>
+            <a:pPr algn="ctr"/>
+            <a:r>
+              <a:rPr lang="en-US" altLang="zh-TW" sz="3200" dirty="0">
+                <a:latin typeface="Source Code Pro" panose="020B0509030403020204" pitchFamily="49" charset="0"/>
+              </a:rPr>
+              <a:t>V</a:t>
+            </a:r>
+          </a:p>
+        </p:txBody>
+      </p:sp>
+      <p:sp useBgFill="1">
+        <p:nvSpPr>
+          <p:cNvPr id="38" name="圓角矩形 37"/>
+          <p:cNvSpPr/>
+          <p:nvPr/>
+        </p:nvSpPr>
+        <p:spPr>
+          <a:xfrm>
+            <a:off x="10085557" y="6924361"/>
+            <a:ext cx="720000" cy="720000"/>
+          </a:xfrm>
+          <a:prstGeom prst="roundRect">
+            <a:avLst/>
+          </a:prstGeom>
+          <a:ln w="50800">
+            <a:solidFill>
+              <a:schemeClr val="bg1"/>
+            </a:solidFill>
+          </a:ln>
+        </p:spPr>
+        <p:style>
+          <a:lnRef idx="2">
+            <a:schemeClr val="accent1">
+              <a:shade val="50000"/>
+            </a:schemeClr>
+          </a:lnRef>
+          <a:fillRef idx="1">
+            <a:schemeClr val="accent1"/>
+          </a:fillRef>
+          <a:effectRef idx="0">
+            <a:schemeClr val="accent1"/>
+          </a:effectRef>
+          <a:fontRef idx="minor">
+            <a:schemeClr val="lt1"/>
+          </a:fontRef>
+        </p:style>
+        <p:txBody>
+          <a:bodyPr rtlCol="0" anchor="ctr"/>
+          <a:lstStyle/>
+          <a:p>
+            <a:pPr algn="ctr"/>
+            <a:r>
+              <a:rPr lang="en-US" altLang="zh-TW" sz="3200" dirty="0">
+                <a:latin typeface="Source Code Pro" panose="020B0509030403020204" pitchFamily="49" charset="0"/>
+              </a:rPr>
+              <a:t>K</a:t>
+            </a:r>
+          </a:p>
+        </p:txBody>
+      </p:sp>
+      <p:sp useBgFill="1">
+        <p:nvSpPr>
+          <p:cNvPr id="39" name="圓角矩形 38"/>
+          <p:cNvSpPr/>
+          <p:nvPr/>
+        </p:nvSpPr>
+        <p:spPr>
+          <a:xfrm>
+            <a:off x="10085557" y="7644361"/>
+            <a:ext cx="720000" cy="720000"/>
+          </a:xfrm>
+          <a:prstGeom prst="roundRect">
+            <a:avLst/>
+          </a:prstGeom>
+          <a:ln w="50800">
+            <a:solidFill>
+              <a:schemeClr val="bg1"/>
+            </a:solidFill>
+          </a:ln>
+        </p:spPr>
+        <p:style>
+          <a:lnRef idx="2">
+            <a:schemeClr val="accent1">
+              <a:shade val="50000"/>
+            </a:schemeClr>
+          </a:lnRef>
+          <a:fillRef idx="1">
+            <a:schemeClr val="accent1"/>
+          </a:fillRef>
+          <a:effectRef idx="0">
+            <a:schemeClr val="accent1"/>
+          </a:effectRef>
+          <a:fontRef idx="minor">
+            <a:schemeClr val="lt1"/>
+          </a:fontRef>
+        </p:style>
+        <p:txBody>
+          <a:bodyPr rtlCol="0" anchor="ctr"/>
+          <a:lstStyle/>
+          <a:p>
+            <a:pPr algn="ctr"/>
+            <a:r>
+              <a:rPr lang="en-US" altLang="zh-TW" sz="3200" dirty="0">
+                <a:latin typeface="Source Code Pro" panose="020B0509030403020204" pitchFamily="49" charset="0"/>
+              </a:rPr>
+              <a:t>Q</a:t>
+            </a:r>
+          </a:p>
+        </p:txBody>
+      </p:sp>
+      <p:sp>
+        <p:nvSpPr>
+          <p:cNvPr id="40" name="圓角矩形 39"/>
+          <p:cNvSpPr/>
+          <p:nvPr/>
+        </p:nvSpPr>
+        <p:spPr>
+          <a:xfrm>
+            <a:off x="5531356" y="6021456"/>
+            <a:ext cx="948982" cy="948982"/>
+          </a:xfrm>
+          <a:prstGeom prst="roundRect">
+            <a:avLst/>
+          </a:prstGeom>
+          <a:noFill/>
+          <a:ln w="50800">
+            <a:solidFill>
+              <a:srgbClr val="00B0F0"/>
+            </a:solidFill>
+          </a:ln>
+        </p:spPr>
+        <p:style>
+          <a:lnRef idx="2">
+            <a:schemeClr val="accent1">
+              <a:shade val="50000"/>
+            </a:schemeClr>
+          </a:lnRef>
+          <a:fillRef idx="1">
+            <a:schemeClr val="accent1"/>
+          </a:fillRef>
+          <a:effectRef idx="0">
+            <a:schemeClr val="accent1"/>
+          </a:effectRef>
+          <a:fontRef idx="minor">
+            <a:schemeClr val="lt1"/>
+          </a:fontRef>
+        </p:style>
+        <p:txBody>
+          <a:bodyPr rtlCol="0" anchor="ctr"/>
+          <a:lstStyle/>
+          <a:p>
+            <a:pPr algn="ctr"/>
+            <a:r>
+              <a:rPr lang="en-US" altLang="zh-TW" sz="3600" dirty="0" smtClean="0">
+                <a:latin typeface="Source Code Pro" panose="020B0509030403020204" pitchFamily="49" charset="0"/>
+              </a:rPr>
+              <a:t>V</a:t>
+            </a:r>
+            <a:r>
+              <a:rPr lang="en-US" altLang="zh-TW" sz="2400" dirty="0" smtClean="0">
+                <a:latin typeface="Source Code Pro" panose="020B0509030403020204" pitchFamily="49" charset="0"/>
+              </a:rPr>
+              <a:t>in</a:t>
+            </a:r>
+            <a:endParaRPr lang="en-US" altLang="zh-TW" sz="3200" dirty="0">
+              <a:latin typeface="Source Code Pro" panose="020B0509030403020204" pitchFamily="49" charset="0"/>
+            </a:endParaRPr>
+          </a:p>
+        </p:txBody>
+      </p:sp>
+      <p:sp useBgFill="1">
+        <p:nvSpPr>
+          <p:cNvPr id="41" name="圓角矩形 40"/>
+          <p:cNvSpPr/>
+          <p:nvPr/>
+        </p:nvSpPr>
+        <p:spPr>
+          <a:xfrm>
+            <a:off x="7560908" y="6394467"/>
+            <a:ext cx="1967326" cy="714947"/>
+          </a:xfrm>
+          <a:prstGeom prst="roundRect">
+            <a:avLst/>
+          </a:prstGeom>
+          <a:ln w="50800">
+            <a:solidFill>
+              <a:schemeClr val="bg1"/>
+            </a:solidFill>
+          </a:ln>
+        </p:spPr>
+        <p:style>
+          <a:lnRef idx="2">
+            <a:schemeClr val="accent1">
+              <a:shade val="50000"/>
+            </a:schemeClr>
+          </a:lnRef>
+          <a:fillRef idx="1">
+            <a:schemeClr val="accent1"/>
+          </a:fillRef>
+          <a:effectRef idx="0">
+            <a:schemeClr val="accent1"/>
+          </a:effectRef>
+          <a:fontRef idx="minor">
+            <a:schemeClr val="lt1"/>
+          </a:fontRef>
+        </p:style>
+        <p:txBody>
+          <a:bodyPr rtlCol="0" anchor="ctr"/>
+          <a:lstStyle/>
+          <a:p>
+            <a:pPr algn="ctr"/>
+            <a:r>
+              <a:rPr lang="en-US" altLang="zh-TW" sz="3200" dirty="0">
+                <a:latin typeface="Source Code Pro" panose="020B0509030403020204" pitchFamily="49" charset="0"/>
+              </a:rPr>
+              <a:t>Linear</a:t>
+            </a:r>
+            <a:endParaRPr lang="zh-TW" altLang="en-US" sz="3200" dirty="0">
+              <a:latin typeface="Source Code Pro" panose="020B0509030403020204" pitchFamily="49" charset="0"/>
+            </a:endParaRPr>
+          </a:p>
+        </p:txBody>
+      </p:sp>
+      <p:cxnSp>
+        <p:nvCxnSpPr>
+          <p:cNvPr id="42" name="直線單箭頭接點 41"/>
+          <p:cNvCxnSpPr>
+            <a:stCxn id="40" idx="3"/>
+            <a:endCxn id="41" idx="1"/>
+          </p:cNvCxnSpPr>
+          <p:nvPr/>
+        </p:nvCxnSpPr>
+        <p:spPr>
+          <a:xfrm>
+            <a:off x="6480338" y="6495947"/>
+            <a:ext cx="1080570" cy="255994"/>
+          </a:xfrm>
+          <a:prstGeom prst="straightConnector1">
+            <a:avLst/>
+          </a:prstGeom>
+          <a:ln w="101600">
+            <a:solidFill>
+              <a:schemeClr val="accent2"/>
+            </a:solidFill>
+            <a:tailEnd type="triangle"/>
+          </a:ln>
+        </p:spPr>
+        <p:style>
+          <a:lnRef idx="1">
+            <a:schemeClr val="accent1"/>
+          </a:lnRef>
+          <a:fillRef idx="0">
+            <a:schemeClr val="accent1"/>
+          </a:fillRef>
+          <a:effectRef idx="0">
+            <a:schemeClr val="accent1"/>
+          </a:effectRef>
+          <a:fontRef idx="minor">
+            <a:schemeClr val="tx1"/>
+          </a:fontRef>
+        </p:style>
+      </p:cxnSp>
+      <p:sp useBgFill="1">
+        <p:nvSpPr>
+          <p:cNvPr id="43" name="圓角矩形 42"/>
+          <p:cNvSpPr/>
+          <p:nvPr/>
+        </p:nvSpPr>
+        <p:spPr>
+          <a:xfrm>
+            <a:off x="7560908" y="7119516"/>
+            <a:ext cx="1967326" cy="720000"/>
+          </a:xfrm>
+          <a:prstGeom prst="roundRect">
+            <a:avLst/>
+          </a:prstGeom>
+          <a:ln w="50800">
+            <a:solidFill>
+              <a:schemeClr val="bg1"/>
+            </a:solidFill>
+          </a:ln>
+        </p:spPr>
+        <p:style>
+          <a:lnRef idx="2">
+            <a:schemeClr val="accent1">
+              <a:shade val="50000"/>
+            </a:schemeClr>
+          </a:lnRef>
+          <a:fillRef idx="1">
+            <a:schemeClr val="accent1"/>
+          </a:fillRef>
+          <a:effectRef idx="0">
+            <a:schemeClr val="accent1"/>
+          </a:effectRef>
+          <a:fontRef idx="minor">
+            <a:schemeClr val="lt1"/>
+          </a:fontRef>
+        </p:style>
+        <p:txBody>
+          <a:bodyPr rtlCol="0" anchor="ctr"/>
+          <a:lstStyle/>
+          <a:p>
+            <a:pPr algn="ctr"/>
+            <a:r>
+              <a:rPr lang="en-US" altLang="zh-TW" sz="3200" dirty="0">
+                <a:latin typeface="Source Code Pro" panose="020B0509030403020204" pitchFamily="49" charset="0"/>
+              </a:rPr>
+              <a:t>Linear</a:t>
+            </a:r>
+            <a:endParaRPr lang="zh-TW" altLang="en-US" sz="3200" dirty="0">
+              <a:latin typeface="Source Code Pro" panose="020B0509030403020204" pitchFamily="49" charset="0"/>
+            </a:endParaRPr>
+          </a:p>
+        </p:txBody>
+      </p:sp>
+      <p:cxnSp>
+        <p:nvCxnSpPr>
+          <p:cNvPr id="44" name="直線單箭頭接點 43"/>
+          <p:cNvCxnSpPr>
+            <a:stCxn id="93" idx="3"/>
+            <a:endCxn id="43" idx="1"/>
+          </p:cNvCxnSpPr>
+          <p:nvPr/>
+        </p:nvCxnSpPr>
+        <p:spPr>
+          <a:xfrm>
+            <a:off x="6494413" y="7444929"/>
+            <a:ext cx="1066495" cy="34587"/>
+          </a:xfrm>
+          <a:prstGeom prst="straightConnector1">
+            <a:avLst/>
+          </a:prstGeom>
+          <a:ln w="101600">
+            <a:solidFill>
+              <a:schemeClr val="accent2"/>
+            </a:solidFill>
+            <a:tailEnd type="triangle"/>
+          </a:ln>
+        </p:spPr>
+        <p:style>
+          <a:lnRef idx="1">
+            <a:schemeClr val="accent1"/>
+          </a:lnRef>
+          <a:fillRef idx="0">
+            <a:schemeClr val="accent1"/>
+          </a:fillRef>
+          <a:effectRef idx="0">
+            <a:schemeClr val="accent1"/>
+          </a:effectRef>
+          <a:fontRef idx="minor">
+            <a:schemeClr val="tx1"/>
+          </a:fontRef>
+        </p:style>
+      </p:cxnSp>
+      <p:sp useBgFill="1">
+        <p:nvSpPr>
+          <p:cNvPr id="45" name="圓角矩形 44"/>
+          <p:cNvSpPr/>
+          <p:nvPr/>
+        </p:nvSpPr>
+        <p:spPr>
+          <a:xfrm>
+            <a:off x="7569194" y="7849626"/>
+            <a:ext cx="1967326" cy="709893"/>
+          </a:xfrm>
+          <a:prstGeom prst="roundRect">
+            <a:avLst/>
+          </a:prstGeom>
+          <a:ln w="50800">
+            <a:solidFill>
+              <a:schemeClr val="bg1"/>
+            </a:solidFill>
+          </a:ln>
+        </p:spPr>
+        <p:style>
+          <a:lnRef idx="2">
+            <a:schemeClr val="accent1">
+              <a:shade val="50000"/>
+            </a:schemeClr>
+          </a:lnRef>
+          <a:fillRef idx="1">
+            <a:schemeClr val="accent1"/>
+          </a:fillRef>
+          <a:effectRef idx="0">
+            <a:schemeClr val="accent1"/>
+          </a:effectRef>
+          <a:fontRef idx="minor">
+            <a:schemeClr val="lt1"/>
+          </a:fontRef>
+        </p:style>
+        <p:txBody>
+          <a:bodyPr rtlCol="0" anchor="ctr"/>
+          <a:lstStyle/>
+          <a:p>
+            <a:pPr algn="ctr"/>
+            <a:r>
+              <a:rPr lang="en-US" altLang="zh-TW" sz="3200" dirty="0">
+                <a:latin typeface="Source Code Pro" panose="020B0509030403020204" pitchFamily="49" charset="0"/>
+              </a:rPr>
+              <a:t>Linear</a:t>
+            </a:r>
+            <a:endParaRPr lang="zh-TW" altLang="en-US" sz="3200" dirty="0">
+              <a:latin typeface="Source Code Pro" panose="020B0509030403020204" pitchFamily="49" charset="0"/>
+            </a:endParaRPr>
+          </a:p>
+        </p:txBody>
+      </p:sp>
+      <p:cxnSp>
+        <p:nvCxnSpPr>
+          <p:cNvPr id="46" name="直線單箭頭接點 45"/>
+          <p:cNvCxnSpPr>
+            <a:stCxn id="94" idx="3"/>
+            <a:endCxn id="45" idx="1"/>
+          </p:cNvCxnSpPr>
+          <p:nvPr/>
+        </p:nvCxnSpPr>
+        <p:spPr>
+          <a:xfrm flipV="1">
+            <a:off x="6480338" y="8204573"/>
+            <a:ext cx="1088856" cy="189338"/>
+          </a:xfrm>
+          <a:prstGeom prst="straightConnector1">
+            <a:avLst/>
+          </a:prstGeom>
+          <a:ln w="101600">
+            <a:solidFill>
+              <a:schemeClr val="accent2"/>
+            </a:solidFill>
+            <a:tailEnd type="triangle"/>
+          </a:ln>
+        </p:spPr>
+        <p:style>
+          <a:lnRef idx="1">
+            <a:schemeClr val="accent1"/>
+          </a:lnRef>
+          <a:fillRef idx="0">
+            <a:schemeClr val="accent1"/>
+          </a:fillRef>
+          <a:effectRef idx="0">
+            <a:schemeClr val="accent1"/>
+          </a:effectRef>
+          <a:fontRef idx="minor">
+            <a:schemeClr val="tx1"/>
+          </a:fontRef>
+        </p:style>
+      </p:cxnSp>
+      <p:cxnSp>
+        <p:nvCxnSpPr>
+          <p:cNvPr id="57" name="直線單箭頭接點 56"/>
+          <p:cNvCxnSpPr>
+            <a:stCxn id="40" idx="3"/>
+            <a:endCxn id="56" idx="1"/>
+          </p:cNvCxnSpPr>
+          <p:nvPr/>
+        </p:nvCxnSpPr>
+        <p:spPr>
+          <a:xfrm>
+            <a:off x="6480338" y="6495947"/>
+            <a:ext cx="1232970" cy="408394"/>
+          </a:xfrm>
+          <a:prstGeom prst="straightConnector1">
+            <a:avLst/>
+          </a:prstGeom>
+          <a:ln w="101600">
+            <a:solidFill>
+              <a:srgbClr val="FF0066"/>
+            </a:solidFill>
+            <a:tailEnd type="triangle"/>
+          </a:ln>
+        </p:spPr>
+        <p:style>
+          <a:lnRef idx="1">
+            <a:schemeClr val="accent1"/>
+          </a:lnRef>
+          <a:fillRef idx="0">
+            <a:schemeClr val="accent1"/>
+          </a:fillRef>
+          <a:effectRef idx="0">
+            <a:schemeClr val="accent1"/>
+          </a:effectRef>
+          <a:fontRef idx="minor">
+            <a:schemeClr val="tx1"/>
+          </a:fontRef>
+        </p:style>
+      </p:cxnSp>
+      <p:cxnSp>
+        <p:nvCxnSpPr>
+          <p:cNvPr id="59" name="直線單箭頭接點 58"/>
+          <p:cNvCxnSpPr>
+            <a:stCxn id="93" idx="3"/>
+            <a:endCxn id="58" idx="1"/>
+          </p:cNvCxnSpPr>
+          <p:nvPr/>
+        </p:nvCxnSpPr>
+        <p:spPr>
+          <a:xfrm>
+            <a:off x="6494413" y="7444929"/>
+            <a:ext cx="1218895" cy="186987"/>
+          </a:xfrm>
+          <a:prstGeom prst="straightConnector1">
+            <a:avLst/>
+          </a:prstGeom>
+          <a:ln w="101600">
+            <a:solidFill>
+              <a:srgbClr val="FF0066"/>
+            </a:solidFill>
+            <a:tailEnd type="triangle"/>
+          </a:ln>
+        </p:spPr>
+        <p:style>
+          <a:lnRef idx="1">
+            <a:schemeClr val="accent1"/>
+          </a:lnRef>
+          <a:fillRef idx="0">
+            <a:schemeClr val="accent1"/>
+          </a:fillRef>
+          <a:effectRef idx="0">
+            <a:schemeClr val="accent1"/>
+          </a:effectRef>
+          <a:fontRef idx="minor">
+            <a:schemeClr val="tx1"/>
+          </a:fontRef>
+        </p:style>
+      </p:cxnSp>
+      <p:cxnSp>
+        <p:nvCxnSpPr>
+          <p:cNvPr id="61" name="直線單箭頭接點 60"/>
+          <p:cNvCxnSpPr>
+            <a:stCxn id="94" idx="3"/>
+            <a:endCxn id="60" idx="1"/>
+          </p:cNvCxnSpPr>
+          <p:nvPr/>
+        </p:nvCxnSpPr>
+        <p:spPr>
+          <a:xfrm flipV="1">
+            <a:off x="6480338" y="8356973"/>
+            <a:ext cx="1241256" cy="36938"/>
+          </a:xfrm>
+          <a:prstGeom prst="straightConnector1">
+            <a:avLst/>
+          </a:prstGeom>
+          <a:ln w="101600">
+            <a:solidFill>
+              <a:srgbClr val="FF0066"/>
+            </a:solidFill>
+            <a:tailEnd type="triangle"/>
+          </a:ln>
+        </p:spPr>
+        <p:style>
+          <a:lnRef idx="1">
+            <a:schemeClr val="accent1"/>
+          </a:lnRef>
+          <a:fillRef idx="0">
+            <a:schemeClr val="accent1"/>
+          </a:fillRef>
+          <a:effectRef idx="0">
+            <a:schemeClr val="accent1"/>
+          </a:effectRef>
+          <a:fontRef idx="minor">
+            <a:schemeClr val="tx1"/>
+          </a:fontRef>
+        </p:style>
+      </p:cxnSp>
+      <p:cxnSp>
+        <p:nvCxnSpPr>
+          <p:cNvPr id="79" name="直線單箭頭接點 78"/>
+          <p:cNvCxnSpPr>
+            <a:endCxn id="83" idx="1"/>
+          </p:cNvCxnSpPr>
+          <p:nvPr/>
+        </p:nvCxnSpPr>
+        <p:spPr>
+          <a:xfrm>
+            <a:off x="9534971" y="6714235"/>
+            <a:ext cx="702986" cy="2526"/>
+          </a:xfrm>
+          <a:prstGeom prst="straightConnector1">
+            <a:avLst/>
+          </a:prstGeom>
+          <a:ln w="101600">
+            <a:solidFill>
+              <a:schemeClr val="accent2"/>
+            </a:solidFill>
+            <a:tailEnd type="triangle"/>
+          </a:ln>
+        </p:spPr>
+        <p:style>
+          <a:lnRef idx="1">
+            <a:schemeClr val="accent1"/>
+          </a:lnRef>
+          <a:fillRef idx="0">
+            <a:schemeClr val="accent1"/>
+          </a:fillRef>
+          <a:effectRef idx="0">
+            <a:schemeClr val="accent1"/>
+          </a:effectRef>
+          <a:fontRef idx="minor">
+            <a:schemeClr val="tx1"/>
+          </a:fontRef>
+        </p:style>
+      </p:cxnSp>
+      <p:cxnSp>
+        <p:nvCxnSpPr>
+          <p:cNvPr id="80" name="直線單箭頭接點 79"/>
+          <p:cNvCxnSpPr>
+            <a:endCxn id="84" idx="1"/>
+          </p:cNvCxnSpPr>
+          <p:nvPr/>
+        </p:nvCxnSpPr>
+        <p:spPr>
+          <a:xfrm flipV="1">
+            <a:off x="9534971" y="7436765"/>
+            <a:ext cx="702986" cy="5053"/>
+          </a:xfrm>
+          <a:prstGeom prst="straightConnector1">
+            <a:avLst/>
+          </a:prstGeom>
+          <a:ln w="101600">
+            <a:solidFill>
+              <a:schemeClr val="accent2"/>
+            </a:solidFill>
+            <a:tailEnd type="triangle"/>
+          </a:ln>
+        </p:spPr>
+        <p:style>
+          <a:lnRef idx="1">
+            <a:schemeClr val="accent1"/>
+          </a:lnRef>
+          <a:fillRef idx="0">
+            <a:schemeClr val="accent1"/>
+          </a:fillRef>
+          <a:effectRef idx="0">
+            <a:schemeClr val="accent1"/>
+          </a:effectRef>
+          <a:fontRef idx="minor">
+            <a:schemeClr val="tx1"/>
+          </a:fontRef>
+        </p:style>
+      </p:cxnSp>
+      <p:cxnSp>
+        <p:nvCxnSpPr>
+          <p:cNvPr id="81" name="直線單箭頭接點 80"/>
+          <p:cNvCxnSpPr>
+            <a:endCxn id="85" idx="1"/>
+          </p:cNvCxnSpPr>
+          <p:nvPr/>
+        </p:nvCxnSpPr>
+        <p:spPr>
+          <a:xfrm flipV="1">
+            <a:off x="9543257" y="8156765"/>
+            <a:ext cx="694700" cy="10107"/>
+          </a:xfrm>
+          <a:prstGeom prst="straightConnector1">
+            <a:avLst/>
+          </a:prstGeom>
+          <a:ln w="101600">
+            <a:solidFill>
+              <a:schemeClr val="accent2"/>
+            </a:solidFill>
+            <a:tailEnd type="triangle"/>
+          </a:ln>
+        </p:spPr>
+        <p:style>
+          <a:lnRef idx="1">
+            <a:schemeClr val="accent1"/>
+          </a:lnRef>
+          <a:fillRef idx="0">
+            <a:schemeClr val="accent1"/>
+          </a:fillRef>
+          <a:effectRef idx="0">
+            <a:schemeClr val="accent1"/>
+          </a:effectRef>
+          <a:fontRef idx="minor">
+            <a:schemeClr val="tx1"/>
+          </a:fontRef>
+        </p:style>
+      </p:cxnSp>
+      <p:sp useBgFill="1">
+        <p:nvSpPr>
+          <p:cNvPr id="82" name="圓角矩形 81"/>
+          <p:cNvSpPr/>
+          <p:nvPr/>
+        </p:nvSpPr>
+        <p:spPr>
+          <a:xfrm>
+            <a:off x="10649618" y="5885667"/>
+            <a:ext cx="3444681" cy="2998805"/>
+          </a:xfrm>
+          <a:prstGeom prst="roundRect">
+            <a:avLst/>
+          </a:prstGeom>
+          <a:ln w="50800">
+            <a:solidFill>
+              <a:schemeClr val="accent6"/>
+            </a:solidFill>
+          </a:ln>
+        </p:spPr>
+        <p:style>
+          <a:lnRef idx="2">
+            <a:schemeClr val="accent1">
+              <a:shade val="50000"/>
+            </a:schemeClr>
+          </a:lnRef>
+          <a:fillRef idx="1">
+            <a:schemeClr val="accent1"/>
+          </a:fillRef>
+          <a:effectRef idx="0">
+            <a:schemeClr val="accent1"/>
+          </a:effectRef>
+          <a:fontRef idx="minor">
+            <a:schemeClr val="lt1"/>
+          </a:fontRef>
+        </p:style>
+        <p:txBody>
+          <a:bodyPr rtlCol="0" anchor="ctr"/>
+          <a:lstStyle/>
+          <a:p>
+            <a:pPr lvl="1"/>
+            <a:r>
+              <a:rPr lang="en-US" altLang="zh-TW" sz="3200" dirty="0"/>
+              <a:t>Scaled </a:t>
+            </a:r>
+            <a:r>
+              <a:rPr lang="en-US" altLang="zh-TW" sz="3200" dirty="0" smtClean="0"/>
+              <a:t/>
+            </a:r>
+            <a:br>
+              <a:rPr lang="en-US" altLang="zh-TW" sz="3200" dirty="0" smtClean="0"/>
+            </a:br>
+            <a:r>
+              <a:rPr lang="en-US" altLang="zh-TW" sz="3200" dirty="0" smtClean="0"/>
+              <a:t>Dot-Product </a:t>
+            </a:r>
+            <a:r>
+              <a:rPr lang="en-US" altLang="zh-TW" sz="3200" dirty="0"/>
+              <a:t>Attention</a:t>
+            </a:r>
+            <a:endParaRPr lang="zh-TW" altLang="en-US" sz="3200" dirty="0">
+              <a:latin typeface="Source Code Pro" panose="020B0509030403020204" pitchFamily="49" charset="0"/>
+            </a:endParaRPr>
+          </a:p>
+        </p:txBody>
+      </p:sp>
+      <p:sp useBgFill="1">
+        <p:nvSpPr>
+          <p:cNvPr id="83" name="圓角矩形 82"/>
+          <p:cNvSpPr/>
+          <p:nvPr/>
+        </p:nvSpPr>
+        <p:spPr>
+          <a:xfrm>
+            <a:off x="10237957" y="6356761"/>
+            <a:ext cx="720000" cy="720000"/>
+          </a:xfrm>
+          <a:prstGeom prst="roundRect">
+            <a:avLst/>
+          </a:prstGeom>
+          <a:ln w="50800">
+            <a:solidFill>
+              <a:schemeClr val="bg1"/>
+            </a:solidFill>
+          </a:ln>
+        </p:spPr>
+        <p:style>
+          <a:lnRef idx="2">
+            <a:schemeClr val="accent1">
+              <a:shade val="50000"/>
+            </a:schemeClr>
+          </a:lnRef>
+          <a:fillRef idx="1">
+            <a:schemeClr val="accent1"/>
+          </a:fillRef>
+          <a:effectRef idx="0">
+            <a:schemeClr val="accent1"/>
+          </a:effectRef>
+          <a:fontRef idx="minor">
+            <a:schemeClr val="lt1"/>
+          </a:fontRef>
+        </p:style>
+        <p:txBody>
+          <a:bodyPr rtlCol="0" anchor="ctr"/>
+          <a:lstStyle/>
+          <a:p>
+            <a:pPr algn="ctr"/>
+            <a:r>
+              <a:rPr lang="en-US" altLang="zh-TW" sz="3200" dirty="0">
+                <a:latin typeface="Source Code Pro" panose="020B0509030403020204" pitchFamily="49" charset="0"/>
+              </a:rPr>
+              <a:t>V</a:t>
+            </a:r>
+          </a:p>
+        </p:txBody>
+      </p:sp>
+      <p:sp useBgFill="1">
+        <p:nvSpPr>
+          <p:cNvPr id="84" name="圓角矩形 83"/>
+          <p:cNvSpPr/>
+          <p:nvPr/>
+        </p:nvSpPr>
+        <p:spPr>
+          <a:xfrm>
+            <a:off x="10237957" y="7076761"/>
+            <a:ext cx="720000" cy="720000"/>
+          </a:xfrm>
+          <a:prstGeom prst="roundRect">
+            <a:avLst/>
+          </a:prstGeom>
+          <a:ln w="50800">
+            <a:solidFill>
+              <a:schemeClr val="bg1"/>
+            </a:solidFill>
+          </a:ln>
+        </p:spPr>
+        <p:style>
+          <a:lnRef idx="2">
+            <a:schemeClr val="accent1">
+              <a:shade val="50000"/>
+            </a:schemeClr>
+          </a:lnRef>
+          <a:fillRef idx="1">
+            <a:schemeClr val="accent1"/>
+          </a:fillRef>
+          <a:effectRef idx="0">
+            <a:schemeClr val="accent1"/>
+          </a:effectRef>
+          <a:fontRef idx="minor">
+            <a:schemeClr val="lt1"/>
+          </a:fontRef>
+        </p:style>
+        <p:txBody>
+          <a:bodyPr rtlCol="0" anchor="ctr"/>
+          <a:lstStyle/>
+          <a:p>
+            <a:pPr algn="ctr"/>
+            <a:r>
+              <a:rPr lang="en-US" altLang="zh-TW" sz="3200" dirty="0">
+                <a:latin typeface="Source Code Pro" panose="020B0509030403020204" pitchFamily="49" charset="0"/>
+              </a:rPr>
+              <a:t>K</a:t>
+            </a:r>
+          </a:p>
+        </p:txBody>
+      </p:sp>
+      <p:sp useBgFill="1">
+        <p:nvSpPr>
+          <p:cNvPr id="85" name="圓角矩形 84"/>
+          <p:cNvSpPr/>
+          <p:nvPr/>
+        </p:nvSpPr>
+        <p:spPr>
+          <a:xfrm>
+            <a:off x="10237957" y="7796761"/>
+            <a:ext cx="720000" cy="720000"/>
+          </a:xfrm>
+          <a:prstGeom prst="roundRect">
+            <a:avLst/>
+          </a:prstGeom>
+          <a:ln w="50800">
+            <a:solidFill>
+              <a:schemeClr val="bg1"/>
+            </a:solidFill>
+          </a:ln>
+        </p:spPr>
+        <p:style>
+          <a:lnRef idx="2">
+            <a:schemeClr val="accent1">
+              <a:shade val="50000"/>
+            </a:schemeClr>
+          </a:lnRef>
+          <a:fillRef idx="1">
+            <a:schemeClr val="accent1"/>
+          </a:fillRef>
+          <a:effectRef idx="0">
+            <a:schemeClr val="accent1"/>
+          </a:effectRef>
+          <a:fontRef idx="minor">
+            <a:schemeClr val="lt1"/>
+          </a:fontRef>
+        </p:style>
+        <p:txBody>
+          <a:bodyPr rtlCol="0" anchor="ctr"/>
+          <a:lstStyle/>
+          <a:p>
+            <a:pPr algn="ctr"/>
+            <a:r>
+              <a:rPr lang="en-US" altLang="zh-TW" sz="3200" dirty="0">
+                <a:latin typeface="Source Code Pro" panose="020B0509030403020204" pitchFamily="49" charset="0"/>
+              </a:rPr>
+              <a:t>Q</a:t>
+            </a:r>
+          </a:p>
+        </p:txBody>
+      </p:sp>
+      <p:cxnSp>
+        <p:nvCxnSpPr>
+          <p:cNvPr id="86" name="直線單箭頭接點 85"/>
+          <p:cNvCxnSpPr>
+            <a:endCxn id="90" idx="1"/>
+          </p:cNvCxnSpPr>
+          <p:nvPr/>
+        </p:nvCxnSpPr>
+        <p:spPr>
+          <a:xfrm>
+            <a:off x="9687371" y="6866635"/>
+            <a:ext cx="702986" cy="2526"/>
+          </a:xfrm>
+          <a:prstGeom prst="straightConnector1">
+            <a:avLst/>
+          </a:prstGeom>
+          <a:ln w="101600">
+            <a:solidFill>
+              <a:srgbClr val="FF0066"/>
+            </a:solidFill>
+            <a:tailEnd type="triangle"/>
+          </a:ln>
+        </p:spPr>
+        <p:style>
+          <a:lnRef idx="1">
+            <a:schemeClr val="accent1"/>
+          </a:lnRef>
+          <a:fillRef idx="0">
+            <a:schemeClr val="accent1"/>
+          </a:fillRef>
+          <a:effectRef idx="0">
+            <a:schemeClr val="accent1"/>
+          </a:effectRef>
+          <a:fontRef idx="minor">
+            <a:schemeClr val="tx1"/>
+          </a:fontRef>
+        </p:style>
+      </p:cxnSp>
+      <p:cxnSp>
+        <p:nvCxnSpPr>
+          <p:cNvPr id="87" name="直線單箭頭接點 86"/>
+          <p:cNvCxnSpPr>
+            <a:endCxn id="91" idx="1"/>
+          </p:cNvCxnSpPr>
+          <p:nvPr/>
+        </p:nvCxnSpPr>
+        <p:spPr>
+          <a:xfrm flipV="1">
+            <a:off x="9687371" y="7589165"/>
+            <a:ext cx="702986" cy="5053"/>
+          </a:xfrm>
+          <a:prstGeom prst="straightConnector1">
+            <a:avLst/>
+          </a:prstGeom>
+          <a:ln w="101600">
+            <a:solidFill>
+              <a:srgbClr val="FF0066"/>
+            </a:solidFill>
+            <a:tailEnd type="triangle"/>
+          </a:ln>
+        </p:spPr>
+        <p:style>
+          <a:lnRef idx="1">
+            <a:schemeClr val="accent1"/>
+          </a:lnRef>
+          <a:fillRef idx="0">
+            <a:schemeClr val="accent1"/>
+          </a:fillRef>
+          <a:effectRef idx="0">
+            <a:schemeClr val="accent1"/>
+          </a:effectRef>
+          <a:fontRef idx="minor">
+            <a:schemeClr val="tx1"/>
+          </a:fontRef>
+        </p:style>
+      </p:cxnSp>
+      <p:cxnSp>
+        <p:nvCxnSpPr>
+          <p:cNvPr id="88" name="直線單箭頭接點 87"/>
+          <p:cNvCxnSpPr>
+            <a:endCxn id="92" idx="1"/>
+          </p:cNvCxnSpPr>
+          <p:nvPr/>
+        </p:nvCxnSpPr>
+        <p:spPr>
+          <a:xfrm flipV="1">
+            <a:off x="9695657" y="8309165"/>
+            <a:ext cx="694700" cy="10107"/>
+          </a:xfrm>
+          <a:prstGeom prst="straightConnector1">
+            <a:avLst/>
+          </a:prstGeom>
+          <a:ln w="101600">
+            <a:solidFill>
+              <a:srgbClr val="FF0066"/>
+            </a:solidFill>
+            <a:tailEnd type="triangle"/>
+          </a:ln>
+        </p:spPr>
+        <p:style>
+          <a:lnRef idx="1">
+            <a:schemeClr val="accent1"/>
+          </a:lnRef>
+          <a:fillRef idx="0">
+            <a:schemeClr val="accent1"/>
+          </a:fillRef>
+          <a:effectRef idx="0">
+            <a:schemeClr val="accent1"/>
+          </a:effectRef>
+          <a:fontRef idx="minor">
+            <a:schemeClr val="tx1"/>
+          </a:fontRef>
+        </p:style>
+      </p:cxnSp>
+      <p:sp useBgFill="1">
+        <p:nvSpPr>
+          <p:cNvPr id="89" name="圓角矩形 88"/>
+          <p:cNvSpPr/>
+          <p:nvPr/>
+        </p:nvSpPr>
+        <p:spPr>
+          <a:xfrm>
+            <a:off x="10802018" y="6038067"/>
+            <a:ext cx="3444681" cy="2998805"/>
+          </a:xfrm>
+          <a:prstGeom prst="roundRect">
+            <a:avLst/>
+          </a:prstGeom>
+          <a:ln w="50800">
+            <a:solidFill>
+              <a:schemeClr val="accent6"/>
+            </a:solidFill>
+          </a:ln>
+        </p:spPr>
+        <p:style>
+          <a:lnRef idx="2">
+            <a:schemeClr val="accent1">
+              <a:shade val="50000"/>
+            </a:schemeClr>
+          </a:lnRef>
+          <a:fillRef idx="1">
+            <a:schemeClr val="accent1"/>
+          </a:fillRef>
+          <a:effectRef idx="0">
+            <a:schemeClr val="accent1"/>
+          </a:effectRef>
+          <a:fontRef idx="minor">
+            <a:schemeClr val="lt1"/>
+          </a:fontRef>
+        </p:style>
+        <p:txBody>
+          <a:bodyPr rtlCol="0" anchor="ctr"/>
+          <a:lstStyle/>
+          <a:p>
+            <a:pPr lvl="1"/>
+            <a:r>
+              <a:rPr lang="en-US" altLang="zh-TW" sz="3200" dirty="0"/>
+              <a:t>Scaled </a:t>
+            </a:r>
+            <a:r>
+              <a:rPr lang="en-US" altLang="zh-TW" sz="3200" dirty="0" smtClean="0"/>
+              <a:t/>
+            </a:r>
+            <a:br>
+              <a:rPr lang="en-US" altLang="zh-TW" sz="3200" dirty="0" smtClean="0"/>
+            </a:br>
+            <a:r>
+              <a:rPr lang="en-US" altLang="zh-TW" sz="3200" dirty="0" smtClean="0"/>
+              <a:t>Dot-Product </a:t>
+            </a:r>
+            <a:r>
+              <a:rPr lang="en-US" altLang="zh-TW" sz="3200" dirty="0"/>
+              <a:t>Attention</a:t>
+            </a:r>
+            <a:endParaRPr lang="zh-TW" altLang="en-US" sz="3200" dirty="0">
+              <a:latin typeface="Source Code Pro" panose="020B0509030403020204" pitchFamily="49" charset="0"/>
+            </a:endParaRPr>
+          </a:p>
+        </p:txBody>
+      </p:sp>
+      <p:sp useBgFill="1">
+        <p:nvSpPr>
+          <p:cNvPr id="90" name="圓角矩形 89"/>
+          <p:cNvSpPr/>
+          <p:nvPr/>
+        </p:nvSpPr>
+        <p:spPr>
+          <a:xfrm>
+            <a:off x="10390357" y="6509161"/>
+            <a:ext cx="720000" cy="720000"/>
+          </a:xfrm>
+          <a:prstGeom prst="roundRect">
+            <a:avLst/>
+          </a:prstGeom>
+          <a:ln w="50800">
+            <a:solidFill>
+              <a:schemeClr val="bg1"/>
+            </a:solidFill>
+          </a:ln>
+        </p:spPr>
+        <p:style>
+          <a:lnRef idx="2">
+            <a:schemeClr val="accent1">
+              <a:shade val="50000"/>
+            </a:schemeClr>
+          </a:lnRef>
+          <a:fillRef idx="1">
+            <a:schemeClr val="accent1"/>
+          </a:fillRef>
+          <a:effectRef idx="0">
+            <a:schemeClr val="accent1"/>
+          </a:effectRef>
+          <a:fontRef idx="minor">
+            <a:schemeClr val="lt1"/>
+          </a:fontRef>
+        </p:style>
+        <p:txBody>
+          <a:bodyPr rtlCol="0" anchor="ctr"/>
+          <a:lstStyle/>
+          <a:p>
+            <a:pPr algn="ctr"/>
+            <a:r>
+              <a:rPr lang="en-US" altLang="zh-TW" sz="3200" dirty="0">
+                <a:latin typeface="Source Code Pro" panose="020B0509030403020204" pitchFamily="49" charset="0"/>
+              </a:rPr>
+              <a:t>V</a:t>
+            </a:r>
+          </a:p>
+        </p:txBody>
+      </p:sp>
+      <p:sp useBgFill="1">
+        <p:nvSpPr>
+          <p:cNvPr id="91" name="圓角矩形 90"/>
+          <p:cNvSpPr/>
+          <p:nvPr/>
+        </p:nvSpPr>
+        <p:spPr>
+          <a:xfrm>
+            <a:off x="10390357" y="7229161"/>
+            <a:ext cx="720000" cy="720000"/>
+          </a:xfrm>
+          <a:prstGeom prst="roundRect">
+            <a:avLst/>
+          </a:prstGeom>
+          <a:ln w="50800">
+            <a:solidFill>
+              <a:schemeClr val="bg1"/>
+            </a:solidFill>
+          </a:ln>
+        </p:spPr>
+        <p:style>
+          <a:lnRef idx="2">
+            <a:schemeClr val="accent1">
+              <a:shade val="50000"/>
+            </a:schemeClr>
+          </a:lnRef>
+          <a:fillRef idx="1">
+            <a:schemeClr val="accent1"/>
+          </a:fillRef>
+          <a:effectRef idx="0">
+            <a:schemeClr val="accent1"/>
+          </a:effectRef>
+          <a:fontRef idx="minor">
+            <a:schemeClr val="lt1"/>
+          </a:fontRef>
+        </p:style>
+        <p:txBody>
+          <a:bodyPr rtlCol="0" anchor="ctr"/>
+          <a:lstStyle/>
+          <a:p>
+            <a:pPr algn="ctr"/>
+            <a:r>
+              <a:rPr lang="en-US" altLang="zh-TW" sz="3200" dirty="0">
+                <a:latin typeface="Source Code Pro" panose="020B0509030403020204" pitchFamily="49" charset="0"/>
+              </a:rPr>
+              <a:t>K</a:t>
+            </a:r>
+          </a:p>
+        </p:txBody>
+      </p:sp>
+      <p:sp useBgFill="1">
+        <p:nvSpPr>
+          <p:cNvPr id="92" name="圓角矩形 91"/>
+          <p:cNvSpPr/>
+          <p:nvPr/>
+        </p:nvSpPr>
+        <p:spPr>
+          <a:xfrm>
+            <a:off x="10390357" y="7949161"/>
+            <a:ext cx="720000" cy="720000"/>
+          </a:xfrm>
+          <a:prstGeom prst="roundRect">
+            <a:avLst/>
+          </a:prstGeom>
+          <a:ln w="50800">
+            <a:solidFill>
+              <a:schemeClr val="bg1"/>
+            </a:solidFill>
+          </a:ln>
+        </p:spPr>
+        <p:style>
+          <a:lnRef idx="2">
+            <a:schemeClr val="accent1">
+              <a:shade val="50000"/>
+            </a:schemeClr>
+          </a:lnRef>
+          <a:fillRef idx="1">
+            <a:schemeClr val="accent1"/>
+          </a:fillRef>
+          <a:effectRef idx="0">
+            <a:schemeClr val="accent1"/>
+          </a:effectRef>
+          <a:fontRef idx="minor">
+            <a:schemeClr val="lt1"/>
+          </a:fontRef>
+        </p:style>
+        <p:txBody>
+          <a:bodyPr rtlCol="0" anchor="ctr"/>
+          <a:lstStyle/>
+          <a:p>
+            <a:pPr algn="ctr"/>
+            <a:r>
+              <a:rPr lang="en-US" altLang="zh-TW" sz="3200" dirty="0">
+                <a:latin typeface="Source Code Pro" panose="020B0509030403020204" pitchFamily="49" charset="0"/>
+              </a:rPr>
+              <a:t>Q</a:t>
+            </a:r>
+          </a:p>
+        </p:txBody>
+      </p:sp>
+      <p:sp useBgFill="1">
+        <p:nvSpPr>
+          <p:cNvPr id="56" name="圓角矩形 55"/>
+          <p:cNvSpPr/>
+          <p:nvPr/>
+        </p:nvSpPr>
+        <p:spPr>
+          <a:xfrm>
+            <a:off x="7713308" y="6546867"/>
+            <a:ext cx="1967326" cy="714947"/>
+          </a:xfrm>
+          <a:prstGeom prst="roundRect">
+            <a:avLst/>
+          </a:prstGeom>
+          <a:ln w="50800">
+            <a:solidFill>
+              <a:schemeClr val="bg1"/>
+            </a:solidFill>
+          </a:ln>
+        </p:spPr>
+        <p:style>
+          <a:lnRef idx="2">
+            <a:schemeClr val="accent1">
+              <a:shade val="50000"/>
+            </a:schemeClr>
+          </a:lnRef>
+          <a:fillRef idx="1">
+            <a:schemeClr val="accent1"/>
+          </a:fillRef>
+          <a:effectRef idx="0">
+            <a:schemeClr val="accent1"/>
+          </a:effectRef>
+          <a:fontRef idx="minor">
+            <a:schemeClr val="lt1"/>
+          </a:fontRef>
+        </p:style>
+        <p:txBody>
+          <a:bodyPr rtlCol="0" anchor="ctr"/>
+          <a:lstStyle/>
+          <a:p>
+            <a:pPr algn="ctr"/>
+            <a:r>
+              <a:rPr lang="en-US" altLang="zh-TW" sz="3200" dirty="0">
+                <a:latin typeface="Source Code Pro" panose="020B0509030403020204" pitchFamily="49" charset="0"/>
+              </a:rPr>
+              <a:t>Linear</a:t>
+            </a:r>
+            <a:endParaRPr lang="zh-TW" altLang="en-US" sz="3200" dirty="0">
+              <a:latin typeface="Source Code Pro" panose="020B0509030403020204" pitchFamily="49" charset="0"/>
+            </a:endParaRPr>
+          </a:p>
+        </p:txBody>
+      </p:sp>
+      <p:sp useBgFill="1">
+        <p:nvSpPr>
+          <p:cNvPr id="58" name="圓角矩形 57"/>
+          <p:cNvSpPr/>
+          <p:nvPr/>
+        </p:nvSpPr>
+        <p:spPr>
+          <a:xfrm>
+            <a:off x="7713308" y="7271916"/>
+            <a:ext cx="1967326" cy="720000"/>
+          </a:xfrm>
+          <a:prstGeom prst="roundRect">
+            <a:avLst/>
+          </a:prstGeom>
+          <a:ln w="50800">
+            <a:solidFill>
+              <a:schemeClr val="bg1"/>
+            </a:solidFill>
+          </a:ln>
+        </p:spPr>
+        <p:style>
+          <a:lnRef idx="2">
+            <a:schemeClr val="accent1">
+              <a:shade val="50000"/>
+            </a:schemeClr>
+          </a:lnRef>
+          <a:fillRef idx="1">
+            <a:schemeClr val="accent1"/>
+          </a:fillRef>
+          <a:effectRef idx="0">
+            <a:schemeClr val="accent1"/>
+          </a:effectRef>
+          <a:fontRef idx="minor">
+            <a:schemeClr val="lt1"/>
+          </a:fontRef>
+        </p:style>
+        <p:txBody>
+          <a:bodyPr rtlCol="0" anchor="ctr"/>
+          <a:lstStyle/>
+          <a:p>
+            <a:pPr algn="ctr"/>
+            <a:r>
+              <a:rPr lang="en-US" altLang="zh-TW" sz="3200" dirty="0">
+                <a:latin typeface="Source Code Pro" panose="020B0509030403020204" pitchFamily="49" charset="0"/>
+              </a:rPr>
+              <a:t>Linear</a:t>
+            </a:r>
+            <a:endParaRPr lang="zh-TW" altLang="en-US" sz="3200" dirty="0">
+              <a:latin typeface="Source Code Pro" panose="020B0509030403020204" pitchFamily="49" charset="0"/>
+            </a:endParaRPr>
+          </a:p>
+        </p:txBody>
+      </p:sp>
+      <p:sp useBgFill="1">
+        <p:nvSpPr>
+          <p:cNvPr id="60" name="圓角矩形 59"/>
+          <p:cNvSpPr/>
+          <p:nvPr/>
+        </p:nvSpPr>
+        <p:spPr>
+          <a:xfrm>
+            <a:off x="7721594" y="8002026"/>
+            <a:ext cx="1967326" cy="709893"/>
+          </a:xfrm>
+          <a:prstGeom prst="roundRect">
+            <a:avLst/>
+          </a:prstGeom>
+          <a:ln w="50800">
+            <a:solidFill>
+              <a:schemeClr val="bg1"/>
+            </a:solidFill>
+          </a:ln>
+        </p:spPr>
+        <p:style>
+          <a:lnRef idx="2">
+            <a:schemeClr val="accent1">
+              <a:shade val="50000"/>
+            </a:schemeClr>
+          </a:lnRef>
+          <a:fillRef idx="1">
+            <a:schemeClr val="accent1"/>
+          </a:fillRef>
+          <a:effectRef idx="0">
+            <a:schemeClr val="accent1"/>
+          </a:effectRef>
+          <a:fontRef idx="minor">
+            <a:schemeClr val="lt1"/>
+          </a:fontRef>
+        </p:style>
+        <p:txBody>
+          <a:bodyPr rtlCol="0" anchor="ctr"/>
+          <a:lstStyle/>
+          <a:p>
+            <a:pPr algn="ctr"/>
+            <a:r>
+              <a:rPr lang="en-US" altLang="zh-TW" sz="3200" dirty="0">
+                <a:latin typeface="Source Code Pro" panose="020B0509030403020204" pitchFamily="49" charset="0"/>
+              </a:rPr>
+              <a:t>Linear</a:t>
+            </a:r>
+            <a:endParaRPr lang="zh-TW" altLang="en-US" sz="3200" dirty="0">
+              <a:latin typeface="Source Code Pro" panose="020B0509030403020204" pitchFamily="49" charset="0"/>
+            </a:endParaRPr>
+          </a:p>
+        </p:txBody>
+      </p:sp>
+      <p:sp>
+        <p:nvSpPr>
+          <p:cNvPr id="93" name="圓角矩形 92"/>
+          <p:cNvSpPr/>
+          <p:nvPr/>
+        </p:nvSpPr>
+        <p:spPr>
+          <a:xfrm>
+            <a:off x="5545431" y="6970438"/>
+            <a:ext cx="948982" cy="948982"/>
+          </a:xfrm>
+          <a:prstGeom prst="roundRect">
+            <a:avLst/>
+          </a:prstGeom>
+          <a:noFill/>
+          <a:ln w="50800">
+            <a:solidFill>
+              <a:srgbClr val="00B0F0"/>
+            </a:solidFill>
+          </a:ln>
+        </p:spPr>
+        <p:style>
+          <a:lnRef idx="2">
+            <a:schemeClr val="accent1">
+              <a:shade val="50000"/>
+            </a:schemeClr>
+          </a:lnRef>
+          <a:fillRef idx="1">
+            <a:schemeClr val="accent1"/>
+          </a:fillRef>
+          <a:effectRef idx="0">
+            <a:schemeClr val="accent1"/>
+          </a:effectRef>
+          <a:fontRef idx="minor">
+            <a:schemeClr val="lt1"/>
+          </a:fontRef>
+        </p:style>
+        <p:txBody>
+          <a:bodyPr rtlCol="0" anchor="ctr"/>
+          <a:lstStyle/>
+          <a:p>
+            <a:pPr algn="ctr"/>
+            <a:r>
+              <a:rPr lang="en-US" altLang="zh-TW" sz="3600" dirty="0">
+                <a:latin typeface="Source Code Pro" panose="020B0509030403020204" pitchFamily="49" charset="0"/>
+              </a:rPr>
+              <a:t>K</a:t>
+            </a:r>
+            <a:r>
+              <a:rPr lang="en-US" altLang="zh-TW" sz="2400" dirty="0" smtClean="0">
+                <a:latin typeface="Source Code Pro" panose="020B0509030403020204" pitchFamily="49" charset="0"/>
+              </a:rPr>
+              <a:t>in</a:t>
+            </a:r>
+            <a:endParaRPr lang="en-US" altLang="zh-TW" sz="3200" dirty="0">
+              <a:latin typeface="Source Code Pro" panose="020B0509030403020204" pitchFamily="49" charset="0"/>
+            </a:endParaRPr>
+          </a:p>
+        </p:txBody>
+      </p:sp>
+      <p:sp>
+        <p:nvSpPr>
+          <p:cNvPr id="94" name="圓角矩形 93"/>
+          <p:cNvSpPr/>
+          <p:nvPr/>
+        </p:nvSpPr>
+        <p:spPr>
+          <a:xfrm>
+            <a:off x="5531356" y="7919420"/>
+            <a:ext cx="948982" cy="948982"/>
+          </a:xfrm>
+          <a:prstGeom prst="roundRect">
+            <a:avLst/>
+          </a:prstGeom>
+          <a:noFill/>
+          <a:ln w="50800">
+            <a:solidFill>
+              <a:srgbClr val="00B0F0"/>
+            </a:solidFill>
+          </a:ln>
+        </p:spPr>
+        <p:style>
+          <a:lnRef idx="2">
+            <a:schemeClr val="accent1">
+              <a:shade val="50000"/>
+            </a:schemeClr>
+          </a:lnRef>
+          <a:fillRef idx="1">
+            <a:schemeClr val="accent1"/>
+          </a:fillRef>
+          <a:effectRef idx="0">
+            <a:schemeClr val="accent1"/>
+          </a:effectRef>
+          <a:fontRef idx="minor">
+            <a:schemeClr val="lt1"/>
+          </a:fontRef>
+        </p:style>
+        <p:txBody>
+          <a:bodyPr rtlCol="0" anchor="ctr"/>
+          <a:lstStyle/>
+          <a:p>
+            <a:pPr algn="ctr"/>
+            <a:r>
+              <a:rPr lang="en-US" altLang="zh-TW" sz="3600" dirty="0">
+                <a:latin typeface="Source Code Pro" panose="020B0509030403020204" pitchFamily="49" charset="0"/>
+              </a:rPr>
+              <a:t>Q</a:t>
+            </a:r>
+            <a:r>
+              <a:rPr lang="en-US" altLang="zh-TW" sz="2400" dirty="0" smtClean="0">
+                <a:latin typeface="Source Code Pro" panose="020B0509030403020204" pitchFamily="49" charset="0"/>
+              </a:rPr>
+              <a:t>in</a:t>
+            </a:r>
+            <a:endParaRPr lang="en-US" altLang="zh-TW" sz="3200" dirty="0">
+              <a:latin typeface="Source Code Pro" panose="020B0509030403020204" pitchFamily="49" charset="0"/>
+            </a:endParaRPr>
+          </a:p>
+        </p:txBody>
+      </p:sp>
+      <p:cxnSp>
+        <p:nvCxnSpPr>
+          <p:cNvPr id="153" name="直線單箭頭接點 152"/>
+          <p:cNvCxnSpPr>
+            <a:stCxn id="35" idx="0"/>
+            <a:endCxn id="163" idx="2"/>
+          </p:cNvCxnSpPr>
+          <p:nvPr/>
+        </p:nvCxnSpPr>
+        <p:spPr>
+          <a:xfrm rot="5400000" flipH="1" flipV="1">
+            <a:off x="11893247" y="5254557"/>
+            <a:ext cx="805023" cy="152399"/>
+          </a:xfrm>
+          <a:prstGeom prst="bentConnector3">
+            <a:avLst>
+              <a:gd name="adj1" fmla="val 39935"/>
+            </a:avLst>
+          </a:prstGeom>
+          <a:ln w="101600">
+            <a:solidFill>
+              <a:schemeClr val="accent2">
+                <a:lumMod val="75000"/>
+              </a:schemeClr>
+            </a:solidFill>
+            <a:round/>
+            <a:tailEnd type="triangle"/>
+          </a:ln>
+        </p:spPr>
+        <p:style>
+          <a:lnRef idx="1">
+            <a:schemeClr val="accent1"/>
+          </a:lnRef>
+          <a:fillRef idx="0">
+            <a:schemeClr val="accent1"/>
+          </a:fillRef>
+          <a:effectRef idx="0">
+            <a:schemeClr val="accent1"/>
+          </a:effectRef>
+          <a:fontRef idx="minor">
+            <a:schemeClr val="tx1"/>
+          </a:fontRef>
+        </p:style>
+      </p:cxnSp>
+      <p:cxnSp>
+        <p:nvCxnSpPr>
+          <p:cNvPr id="154" name="直線單箭頭接點 153"/>
+          <p:cNvCxnSpPr>
+            <a:stCxn id="82" idx="0"/>
+            <a:endCxn id="163" idx="2"/>
+          </p:cNvCxnSpPr>
+          <p:nvPr/>
+        </p:nvCxnSpPr>
+        <p:spPr>
+          <a:xfrm flipH="1" flipV="1">
+            <a:off x="12371958" y="4928244"/>
+            <a:ext cx="1" cy="957423"/>
+          </a:xfrm>
+          <a:prstGeom prst="straightConnector1">
+            <a:avLst/>
+          </a:prstGeom>
+          <a:ln w="101600">
+            <a:solidFill>
+              <a:schemeClr val="accent2"/>
+            </a:solidFill>
+            <a:round/>
+            <a:tailEnd type="triangle"/>
+          </a:ln>
+        </p:spPr>
+        <p:style>
+          <a:lnRef idx="1">
+            <a:schemeClr val="accent1"/>
+          </a:lnRef>
+          <a:fillRef idx="0">
+            <a:schemeClr val="accent1"/>
+          </a:fillRef>
+          <a:effectRef idx="0">
+            <a:schemeClr val="accent1"/>
+          </a:effectRef>
+          <a:fontRef idx="minor">
+            <a:schemeClr val="tx1"/>
+          </a:fontRef>
+        </p:style>
+      </p:cxnSp>
+      <p:cxnSp>
+        <p:nvCxnSpPr>
+          <p:cNvPr id="155" name="直線單箭頭接點 154"/>
+          <p:cNvCxnSpPr>
+            <a:stCxn id="89" idx="0"/>
+            <a:endCxn id="163" idx="2"/>
+          </p:cNvCxnSpPr>
+          <p:nvPr/>
+        </p:nvCxnSpPr>
+        <p:spPr>
+          <a:xfrm rot="16200000" flipV="1">
+            <a:off x="11893248" y="5406955"/>
+            <a:ext cx="1109823" cy="152401"/>
+          </a:xfrm>
+          <a:prstGeom prst="bentConnector3">
+            <a:avLst>
+              <a:gd name="adj1" fmla="val 50000"/>
+            </a:avLst>
+          </a:prstGeom>
+          <a:ln w="101600">
+            <a:solidFill>
+              <a:srgbClr val="FF0066"/>
+            </a:solidFill>
+            <a:round/>
+            <a:tailEnd type="triangle"/>
+          </a:ln>
+        </p:spPr>
+        <p:style>
+          <a:lnRef idx="1">
+            <a:schemeClr val="accent1"/>
+          </a:lnRef>
+          <a:fillRef idx="0">
+            <a:schemeClr val="accent1"/>
+          </a:fillRef>
+          <a:effectRef idx="0">
+            <a:schemeClr val="accent1"/>
+          </a:effectRef>
+          <a:fontRef idx="minor">
+            <a:schemeClr val="tx1"/>
+          </a:fontRef>
+        </p:style>
+      </p:cxnSp>
+      <p:sp>
+        <p:nvSpPr>
+          <p:cNvPr id="163" name="圓角矩形 162"/>
+          <p:cNvSpPr/>
+          <p:nvPr/>
+        </p:nvSpPr>
+        <p:spPr>
+          <a:xfrm>
+            <a:off x="11388295" y="4213297"/>
+            <a:ext cx="1967326" cy="714947"/>
+          </a:xfrm>
+          <a:prstGeom prst="roundRect">
+            <a:avLst/>
+          </a:prstGeom>
+          <a:noFill/>
+          <a:ln w="50800">
+            <a:solidFill>
+              <a:srgbClr val="FFC000"/>
+            </a:solidFill>
+          </a:ln>
+        </p:spPr>
+        <p:style>
+          <a:lnRef idx="2">
+            <a:schemeClr val="accent1">
+              <a:shade val="50000"/>
+            </a:schemeClr>
+          </a:lnRef>
+          <a:fillRef idx="1">
+            <a:schemeClr val="accent1"/>
+          </a:fillRef>
+          <a:effectRef idx="0">
+            <a:schemeClr val="accent1"/>
+          </a:effectRef>
+          <a:fontRef idx="minor">
+            <a:schemeClr val="lt1"/>
+          </a:fontRef>
+        </p:style>
+        <p:txBody>
+          <a:bodyPr rtlCol="0" anchor="ctr"/>
+          <a:lstStyle/>
+          <a:p>
+            <a:pPr algn="ctr"/>
+            <a:r>
+              <a:rPr lang="en-US" altLang="zh-TW" sz="3200" dirty="0" err="1" smtClean="0">
+                <a:latin typeface="Source Code Pro" panose="020B0509030403020204" pitchFamily="49" charset="0"/>
+              </a:rPr>
+              <a:t>Concat</a:t>
+            </a:r>
+            <a:endParaRPr lang="zh-TW" altLang="en-US" sz="3200" dirty="0">
+              <a:latin typeface="Source Code Pro" panose="020B0509030403020204" pitchFamily="49" charset="0"/>
+            </a:endParaRPr>
+          </a:p>
+        </p:txBody>
+      </p:sp>
+      <p:sp>
+        <p:nvSpPr>
+          <p:cNvPr id="173" name="圓角矩形 172"/>
+          <p:cNvSpPr/>
+          <p:nvPr/>
+        </p:nvSpPr>
+        <p:spPr>
+          <a:xfrm>
+            <a:off x="7575931" y="4213296"/>
+            <a:ext cx="1967326" cy="714947"/>
+          </a:xfrm>
+          <a:prstGeom prst="roundRect">
+            <a:avLst/>
+          </a:prstGeom>
+          <a:noFill/>
+          <a:ln w="50800">
+            <a:solidFill>
+              <a:schemeClr val="bg1"/>
+            </a:solidFill>
+          </a:ln>
+        </p:spPr>
+        <p:style>
+          <a:lnRef idx="2">
+            <a:schemeClr val="accent1">
+              <a:shade val="50000"/>
+            </a:schemeClr>
+          </a:lnRef>
+          <a:fillRef idx="1">
+            <a:schemeClr val="accent1"/>
+          </a:fillRef>
+          <a:effectRef idx="0">
+            <a:schemeClr val="accent1"/>
+          </a:effectRef>
+          <a:fontRef idx="minor">
+            <a:schemeClr val="lt1"/>
+          </a:fontRef>
+        </p:style>
+        <p:txBody>
+          <a:bodyPr rtlCol="0" anchor="ctr"/>
+          <a:lstStyle/>
+          <a:p>
+            <a:pPr algn="ctr"/>
+            <a:r>
+              <a:rPr lang="en-US" altLang="zh-TW" sz="3200" dirty="0">
+                <a:latin typeface="Source Code Pro" panose="020B0509030403020204" pitchFamily="49" charset="0"/>
+              </a:rPr>
+              <a:t>Linear</a:t>
+            </a:r>
+            <a:endParaRPr lang="zh-TW" altLang="en-US" sz="3200" dirty="0">
+              <a:latin typeface="Source Code Pro" panose="020B0509030403020204" pitchFamily="49" charset="0"/>
+            </a:endParaRPr>
+          </a:p>
+        </p:txBody>
+      </p:sp>
+      <p:cxnSp>
+        <p:nvCxnSpPr>
+          <p:cNvPr id="174" name="直線單箭頭接點 154"/>
+          <p:cNvCxnSpPr>
+            <a:stCxn id="163" idx="1"/>
+            <a:endCxn id="173" idx="3"/>
+          </p:cNvCxnSpPr>
+          <p:nvPr/>
+        </p:nvCxnSpPr>
+        <p:spPr>
+          <a:xfrm flipH="1" flipV="1">
+            <a:off x="9543257" y="4570770"/>
+            <a:ext cx="1845038" cy="1"/>
+          </a:xfrm>
+          <a:prstGeom prst="straightConnector1">
+            <a:avLst/>
+          </a:prstGeom>
+          <a:ln w="101600">
+            <a:solidFill>
+              <a:srgbClr val="FF0066"/>
+            </a:solidFill>
+            <a:round/>
+            <a:tailEnd type="triangle"/>
+          </a:ln>
+        </p:spPr>
+        <p:style>
+          <a:lnRef idx="1">
+            <a:schemeClr val="accent1"/>
+          </a:lnRef>
+          <a:fillRef idx="0">
+            <a:schemeClr val="accent1"/>
+          </a:fillRef>
+          <a:effectRef idx="0">
+            <a:schemeClr val="accent1"/>
+          </a:effectRef>
+          <a:fontRef idx="minor">
+            <a:schemeClr val="tx1"/>
+          </a:fontRef>
+        </p:style>
+      </p:cxnSp>
+      <p:sp>
+        <p:nvSpPr>
+          <p:cNvPr id="188" name="圓角矩形 187"/>
+          <p:cNvSpPr/>
+          <p:nvPr/>
+        </p:nvSpPr>
+        <p:spPr>
+          <a:xfrm>
+            <a:off x="5416633" y="4096278"/>
+            <a:ext cx="1206577" cy="948982"/>
+          </a:xfrm>
+          <a:prstGeom prst="roundRect">
+            <a:avLst/>
+          </a:prstGeom>
+          <a:noFill/>
+          <a:ln w="50800">
+            <a:solidFill>
+              <a:srgbClr val="CC66FF"/>
+            </a:solidFill>
+          </a:ln>
+        </p:spPr>
+        <p:style>
+          <a:lnRef idx="2">
+            <a:schemeClr val="accent1">
+              <a:shade val="50000"/>
+            </a:schemeClr>
+          </a:lnRef>
+          <a:fillRef idx="1">
+            <a:schemeClr val="accent1"/>
+          </a:fillRef>
+          <a:effectRef idx="0">
+            <a:schemeClr val="accent1"/>
+          </a:effectRef>
+          <a:fontRef idx="minor">
+            <a:schemeClr val="lt1"/>
+          </a:fontRef>
+        </p:style>
+        <p:txBody>
+          <a:bodyPr rtlCol="0" anchor="ctr"/>
+          <a:lstStyle/>
+          <a:p>
+            <a:pPr algn="ctr"/>
+            <a:r>
+              <a:rPr lang="en-US" altLang="zh-TW" sz="3600" dirty="0" smtClean="0">
+                <a:latin typeface="Source Code Pro" panose="020B0509030403020204" pitchFamily="49" charset="0"/>
+              </a:rPr>
+              <a:t>Out</a:t>
+            </a:r>
+            <a:endParaRPr lang="en-US" altLang="zh-TW" sz="3200" dirty="0">
+              <a:latin typeface="Source Code Pro" panose="020B0509030403020204" pitchFamily="49" charset="0"/>
+            </a:endParaRPr>
+          </a:p>
+        </p:txBody>
+      </p:sp>
+      <p:cxnSp>
+        <p:nvCxnSpPr>
+          <p:cNvPr id="190" name="直線單箭頭接點 154"/>
+          <p:cNvCxnSpPr>
+            <a:stCxn id="173" idx="1"/>
+            <a:endCxn id="188" idx="3"/>
+          </p:cNvCxnSpPr>
+          <p:nvPr/>
+        </p:nvCxnSpPr>
+        <p:spPr>
+          <a:xfrm flipH="1" flipV="1">
+            <a:off x="6623210" y="4570769"/>
+            <a:ext cx="952721" cy="1"/>
+          </a:xfrm>
+          <a:prstGeom prst="straightConnector1">
+            <a:avLst/>
+          </a:prstGeom>
+          <a:ln w="101600">
+            <a:solidFill>
+              <a:srgbClr val="FF0066"/>
+            </a:solidFill>
+            <a:round/>
+            <a:tailEnd type="triangle"/>
+          </a:ln>
+        </p:spPr>
+        <p:style>
+          <a:lnRef idx="1">
+            <a:schemeClr val="accent1"/>
+          </a:lnRef>
+          <a:fillRef idx="0">
+            <a:schemeClr val="accent1"/>
+          </a:fillRef>
+          <a:effectRef idx="0">
+            <a:schemeClr val="accent1"/>
+          </a:effectRef>
+          <a:fontRef idx="minor">
+            <a:schemeClr val="tx1"/>
+          </a:fontRef>
+        </p:style>
+      </p:cxnSp>
+    </p:spTree>
+    <p:extLst>
+      <p:ext uri="{BB962C8B-B14F-4D97-AF65-F5344CB8AC3E}">
+        <p14:creationId xmlns:p14="http://schemas.microsoft.com/office/powerpoint/2010/main" val="3523347638"/>
+      </p:ext>
+    </p:extLst>
+  </p:cSld>
+  <p:clrMapOvr>
+    <a:masterClrMapping/>
+  </p:clrMapOvr>
+  <p:timing>
+    <p:tnLst>
+      <p:par>
+        <p:cTn id="1" dur="indefinite" restart="never" nodeType="tmRoot"/>
+      </p:par>
+    </p:tnLst>
+  </p:timing>
+</p:sld>
+</file>
+
+<file path=ppt/slides/slide17.xml><?xml version="1.0" encoding="utf-8"?>
+<p:sld xmlns:a="http://schemas.openxmlformats.org/drawingml/2006/main" xmlns:r="http://schemas.openxmlformats.org/officeDocument/2006/relationships" xmlns:p="http://schemas.openxmlformats.org/presentationml/2006/main">
+  <p:cSld>
+    <p:bg>
+      <p:bgPr>
+        <a:solidFill>
+          <a:srgbClr val="191919"/>
+        </a:solidFill>
+        <a:effectLst/>
+      </p:bgPr>
+    </p:bg>
+    <p:spTree>
+      <p:nvGrpSpPr>
+        <p:cNvPr id="1" name=""/>
+        <p:cNvGrpSpPr/>
+        <p:nvPr/>
+      </p:nvGrpSpPr>
+      <p:grpSpPr>
+        <a:xfrm>
+          <a:off x="0" y="0"/>
+          <a:ext cx="0" cy="0"/>
+          <a:chOff x="0" y="0"/>
+          <a:chExt cx="0" cy="0"/>
+        </a:xfrm>
+      </p:grpSpPr>
+      <p:sp>
+        <p:nvSpPr>
           <p:cNvPr id="4" name="圓角矩形 3"/>
           <p:cNvSpPr/>
           <p:nvPr/>
@@ -10315,7 +12757,7 @@
 </p:sld>
 </file>
 
-<file path=ppt/slides/slide17.xml><?xml version="1.0" encoding="utf-8"?>
+<file path=ppt/slides/slide18.xml><?xml version="1.0" encoding="utf-8"?>
 <p:sld xmlns:a="http://schemas.openxmlformats.org/drawingml/2006/main" xmlns:r="http://schemas.openxmlformats.org/officeDocument/2006/relationships" xmlns:p="http://schemas.openxmlformats.org/presentationml/2006/main">
   <p:cSld>
     <p:bg>
@@ -11637,7 +14079,7 @@
 </p:sld>
 </file>
 
-<file path=ppt/slides/slide18.xml><?xml version="1.0" encoding="utf-8"?>
+<file path=ppt/slides/slide19.xml><?xml version="1.0" encoding="utf-8"?>
 <p:sld xmlns:a="http://schemas.openxmlformats.org/drawingml/2006/main" xmlns:r="http://schemas.openxmlformats.org/officeDocument/2006/relationships" xmlns:p="http://schemas.openxmlformats.org/presentationml/2006/main">
   <p:cSld>
     <p:bg>
@@ -14738,59 +17180,6 @@
       </p:sp>
       <p:sp>
         <p:nvSpPr>
-          <p:cNvPr id="75" name="圓角矩形 74"/>
-          <p:cNvSpPr/>
-          <p:nvPr/>
-        </p:nvSpPr>
-        <p:spPr>
-          <a:xfrm>
-            <a:off x="11000692" y="9039914"/>
-            <a:ext cx="720000" cy="720000"/>
-          </a:xfrm>
-          <a:prstGeom prst="roundRect">
-            <a:avLst/>
-          </a:prstGeom>
-          <a:solidFill>
-            <a:schemeClr val="bg1">
-              <a:alpha val="0"/>
-            </a:schemeClr>
-          </a:solidFill>
-          <a:ln w="50800">
-            <a:noFill/>
-          </a:ln>
-        </p:spPr>
-        <p:style>
-          <a:lnRef idx="2">
-            <a:schemeClr val="accent1">
-              <a:shade val="50000"/>
-            </a:schemeClr>
-          </a:lnRef>
-          <a:fillRef idx="1">
-            <a:schemeClr val="accent1"/>
-          </a:fillRef>
-          <a:effectRef idx="0">
-            <a:schemeClr val="accent1"/>
-          </a:effectRef>
-          <a:fontRef idx="minor">
-            <a:schemeClr val="lt1"/>
-          </a:fontRef>
-        </p:style>
-        <p:txBody>
-          <a:bodyPr rtlCol="0" anchor="ctr"/>
-          <a:lstStyle/>
-          <a:p>
-            <a:pPr algn="ctr"/>
-            <a:r>
-              <a:rPr lang="en-US" altLang="zh-TW" sz="4800" dirty="0">
-                <a:latin typeface="Source Code Pro" panose="020B0509030403020204" pitchFamily="49" charset="0"/>
-              </a:rPr>
-              <a:t>K</a:t>
-            </a:r>
-          </a:p>
-        </p:txBody>
-      </p:sp>
-      <p:sp>
-        <p:nvSpPr>
           <p:cNvPr id="77" name="圓角矩形 76"/>
           <p:cNvSpPr/>
           <p:nvPr/>
@@ -14842,6 +17231,130 @@
           </a:p>
         </p:txBody>
       </p:sp>
+      <p:grpSp>
+        <p:nvGrpSpPr>
+          <p:cNvPr id="3" name="群組 2"/>
+          <p:cNvGrpSpPr/>
+          <p:nvPr/>
+        </p:nvGrpSpPr>
+        <p:grpSpPr>
+          <a:xfrm>
+            <a:off x="11000692" y="8830239"/>
+            <a:ext cx="998822" cy="929675"/>
+            <a:chOff x="11000692" y="8830239"/>
+            <a:chExt cx="998822" cy="929675"/>
+          </a:xfrm>
+        </p:grpSpPr>
+        <p:sp>
+          <p:nvSpPr>
+            <p:cNvPr id="75" name="圓角矩形 74"/>
+            <p:cNvSpPr/>
+            <p:nvPr/>
+          </p:nvSpPr>
+          <p:spPr>
+            <a:xfrm>
+              <a:off x="11000692" y="9039914"/>
+              <a:ext cx="720000" cy="720000"/>
+            </a:xfrm>
+            <a:prstGeom prst="roundRect">
+              <a:avLst/>
+            </a:prstGeom>
+            <a:solidFill>
+              <a:schemeClr val="bg1">
+                <a:alpha val="0"/>
+              </a:schemeClr>
+            </a:solidFill>
+            <a:ln w="50800">
+              <a:noFill/>
+            </a:ln>
+          </p:spPr>
+          <p:style>
+            <a:lnRef idx="2">
+              <a:schemeClr val="accent1">
+                <a:shade val="50000"/>
+              </a:schemeClr>
+            </a:lnRef>
+            <a:fillRef idx="1">
+              <a:schemeClr val="accent1"/>
+            </a:fillRef>
+            <a:effectRef idx="0">
+              <a:schemeClr val="accent1"/>
+            </a:effectRef>
+            <a:fontRef idx="minor">
+              <a:schemeClr val="lt1"/>
+            </a:fontRef>
+          </p:style>
+          <p:txBody>
+            <a:bodyPr rtlCol="0" anchor="ctr"/>
+            <a:lstStyle/>
+            <a:p>
+              <a:pPr algn="ctr"/>
+              <a:r>
+                <a:rPr lang="en-US" altLang="zh-TW" sz="4800" dirty="0">
+                  <a:latin typeface="Source Code Pro" panose="020B0509030403020204" pitchFamily="49" charset="0"/>
+                </a:rPr>
+                <a:t>K</a:t>
+              </a:r>
+            </a:p>
+          </p:txBody>
+        </p:sp>
+        <p:sp>
+          <p:nvSpPr>
+            <p:cNvPr id="69" name="圓角矩形 68"/>
+            <p:cNvSpPr/>
+            <p:nvPr/>
+          </p:nvSpPr>
+          <p:spPr>
+            <a:xfrm>
+              <a:off x="11279514" y="8830239"/>
+              <a:ext cx="720000" cy="720000"/>
+            </a:xfrm>
+            <a:prstGeom prst="roundRect">
+              <a:avLst/>
+            </a:prstGeom>
+            <a:solidFill>
+              <a:schemeClr val="bg1">
+                <a:alpha val="0"/>
+              </a:schemeClr>
+            </a:solidFill>
+            <a:ln w="50800">
+              <a:noFill/>
+            </a:ln>
+          </p:spPr>
+          <p:style>
+            <a:lnRef idx="2">
+              <a:schemeClr val="accent1">
+                <a:shade val="50000"/>
+              </a:schemeClr>
+            </a:lnRef>
+            <a:fillRef idx="1">
+              <a:schemeClr val="accent1"/>
+            </a:fillRef>
+            <a:effectRef idx="0">
+              <a:schemeClr val="accent1"/>
+            </a:effectRef>
+            <a:fontRef idx="minor">
+              <a:schemeClr val="lt1"/>
+            </a:fontRef>
+          </p:style>
+          <p:txBody>
+            <a:bodyPr rtlCol="0" anchor="ctr"/>
+            <a:lstStyle/>
+            <a:p>
+              <a:pPr algn="ctr"/>
+              <a:r>
+                <a:rPr lang="en-US" altLang="zh-TW" sz="3200" dirty="0" smtClean="0">
+                  <a:latin typeface="Source Code Pro" panose="020B0509030403020204" pitchFamily="49" charset="0"/>
+                </a:rPr>
+                <a:t>T</a:t>
+              </a:r>
+              <a:endParaRPr lang="en-US" altLang="zh-TW" sz="3200" dirty="0">
+                <a:latin typeface="Source Code Pro" panose="020B0509030403020204" pitchFamily="49" charset="0"/>
+              </a:endParaRPr>
+            </a:p>
+          </p:txBody>
+        </p:sp>
+      </p:grpSp>
     </p:spTree>
     <p:extLst>
       <p:ext uri="{BB962C8B-B14F-4D97-AF65-F5344CB8AC3E}">
@@ -14862,7 +17375,830 @@
 </p:sld>
 </file>
 
-<file path=ppt/slides/slide19.xml><?xml version="1.0" encoding="utf-8"?>
+<file path=ppt/slides/slide2.xml><?xml version="1.0" encoding="utf-8"?>
+<p:sld xmlns:a="http://schemas.openxmlformats.org/drawingml/2006/main" xmlns:r="http://schemas.openxmlformats.org/officeDocument/2006/relationships" xmlns:p="http://schemas.openxmlformats.org/presentationml/2006/main">
+  <p:cSld>
+    <p:bg>
+      <p:bgPr>
+        <a:solidFill>
+          <a:srgbClr val="191919"/>
+        </a:solidFill>
+        <a:effectLst/>
+      </p:bgPr>
+    </p:bg>
+    <p:spTree>
+      <p:nvGrpSpPr>
+        <p:cNvPr id="1" name=""/>
+        <p:cNvGrpSpPr/>
+        <p:nvPr/>
+      </p:nvGrpSpPr>
+      <p:grpSpPr>
+        <a:xfrm>
+          <a:off x="0" y="0"/>
+          <a:ext cx="0" cy="0"/>
+          <a:chOff x="0" y="0"/>
+          <a:chExt cx="0" cy="0"/>
+        </a:xfrm>
+      </p:grpSpPr>
+      <p:sp>
+        <p:nvSpPr>
+          <p:cNvPr id="5" name="圓角矩形 4"/>
+          <p:cNvSpPr/>
+          <p:nvPr/>
+        </p:nvSpPr>
+        <p:spPr>
+          <a:xfrm>
+            <a:off x="9213056" y="5563330"/>
+            <a:ext cx="3849624" cy="566928"/>
+          </a:xfrm>
+          <a:prstGeom prst="roundRect">
+            <a:avLst/>
+          </a:prstGeom>
+          <a:solidFill>
+            <a:srgbClr val="00B0F0"/>
+          </a:solidFill>
+          <a:ln w="25400">
+            <a:solidFill>
+              <a:schemeClr val="bg1"/>
+            </a:solidFill>
+          </a:ln>
+        </p:spPr>
+        <p:style>
+          <a:lnRef idx="2">
+            <a:schemeClr val="accent1">
+              <a:shade val="50000"/>
+            </a:schemeClr>
+          </a:lnRef>
+          <a:fillRef idx="1">
+            <a:schemeClr val="accent1"/>
+          </a:fillRef>
+          <a:effectRef idx="0">
+            <a:schemeClr val="accent1"/>
+          </a:effectRef>
+          <a:fontRef idx="minor">
+            <a:schemeClr val="lt1"/>
+          </a:fontRef>
+        </p:style>
+        <p:txBody>
+          <a:bodyPr rtlCol="0" anchor="ctr"/>
+          <a:lstStyle/>
+          <a:p>
+            <a:pPr algn="ctr"/>
+            <a:r>
+              <a:rPr lang="en-US" altLang="zh-TW" sz="2400" dirty="0">
+                <a:latin typeface="SauceCodePro Nerd Font" panose="020B0509030403020204" pitchFamily="49" charset="0"/>
+              </a:rPr>
+              <a:t>Vector 0</a:t>
+            </a:r>
+            <a:endParaRPr lang="zh-TW" altLang="en-US" sz="2400" dirty="0">
+              <a:latin typeface="SauceCodePro Nerd Font" panose="020B0509030403020204" pitchFamily="49" charset="0"/>
+            </a:endParaRPr>
+          </a:p>
+        </p:txBody>
+      </p:sp>
+      <p:sp>
+        <p:nvSpPr>
+          <p:cNvPr id="7" name="弧形 6"/>
+          <p:cNvSpPr/>
+          <p:nvPr/>
+        </p:nvSpPr>
+        <p:spPr>
+          <a:xfrm>
+            <a:off x="12367738" y="5167558"/>
+            <a:ext cx="694945" cy="791546"/>
+          </a:xfrm>
+          <a:prstGeom prst="arc">
+            <a:avLst/>
+          </a:prstGeom>
+          <a:ln w="38100">
+            <a:solidFill>
+              <a:schemeClr val="bg1"/>
+            </a:solidFill>
+          </a:ln>
+        </p:spPr>
+        <p:style>
+          <a:lnRef idx="1">
+            <a:schemeClr val="accent1"/>
+          </a:lnRef>
+          <a:fillRef idx="0">
+            <a:schemeClr val="accent1"/>
+          </a:fillRef>
+          <a:effectRef idx="0">
+            <a:schemeClr val="accent1"/>
+          </a:effectRef>
+          <a:fontRef idx="minor">
+            <a:schemeClr val="tx1"/>
+          </a:fontRef>
+        </p:style>
+        <p:txBody>
+          <a:bodyPr rtlCol="0" anchor="ctr"/>
+          <a:lstStyle/>
+          <a:p>
+            <a:pPr algn="ctr"/>
+            <a:endParaRPr lang="zh-TW" altLang="en-US"/>
+          </a:p>
+        </p:txBody>
+      </p:sp>
+      <p:sp>
+        <p:nvSpPr>
+          <p:cNvPr id="8" name="弧形 7"/>
+          <p:cNvSpPr/>
+          <p:nvPr/>
+        </p:nvSpPr>
+        <p:spPr>
+          <a:xfrm flipH="1">
+            <a:off x="9213056" y="5167557"/>
+            <a:ext cx="694946" cy="791546"/>
+          </a:xfrm>
+          <a:prstGeom prst="arc">
+            <a:avLst/>
+          </a:prstGeom>
+          <a:ln w="38100">
+            <a:solidFill>
+              <a:schemeClr val="bg1"/>
+            </a:solidFill>
+          </a:ln>
+        </p:spPr>
+        <p:style>
+          <a:lnRef idx="1">
+            <a:schemeClr val="accent1"/>
+          </a:lnRef>
+          <a:fillRef idx="0">
+            <a:schemeClr val="accent1"/>
+          </a:fillRef>
+          <a:effectRef idx="0">
+            <a:schemeClr val="accent1"/>
+          </a:effectRef>
+          <a:fontRef idx="minor">
+            <a:schemeClr val="tx1"/>
+          </a:fontRef>
+        </p:style>
+        <p:txBody>
+          <a:bodyPr rtlCol="0" anchor="ctr"/>
+          <a:lstStyle/>
+          <a:p>
+            <a:pPr algn="ctr"/>
+            <a:endParaRPr lang="zh-TW" altLang="en-US"/>
+          </a:p>
+        </p:txBody>
+      </p:sp>
+      <p:sp>
+        <p:nvSpPr>
+          <p:cNvPr id="9" name="圓角矩形 8"/>
+          <p:cNvSpPr/>
+          <p:nvPr/>
+        </p:nvSpPr>
+        <p:spPr>
+          <a:xfrm>
+            <a:off x="9213056" y="4996402"/>
+            <a:ext cx="3849624" cy="566928"/>
+          </a:xfrm>
+          <a:prstGeom prst="roundRect">
+            <a:avLst/>
+          </a:prstGeom>
+          <a:solidFill>
+            <a:schemeClr val="accent1">
+              <a:alpha val="0"/>
+            </a:schemeClr>
+          </a:solidFill>
+          <a:ln>
+            <a:solidFill>
+              <a:schemeClr val="accent1">
+                <a:shade val="50000"/>
+                <a:alpha val="0"/>
+              </a:schemeClr>
+            </a:solidFill>
+          </a:ln>
+        </p:spPr>
+        <p:style>
+          <a:lnRef idx="2">
+            <a:schemeClr val="accent1">
+              <a:shade val="50000"/>
+            </a:schemeClr>
+          </a:lnRef>
+          <a:fillRef idx="1">
+            <a:schemeClr val="accent1"/>
+          </a:fillRef>
+          <a:effectRef idx="0">
+            <a:schemeClr val="accent1"/>
+          </a:effectRef>
+          <a:fontRef idx="minor">
+            <a:schemeClr val="lt1"/>
+          </a:fontRef>
+        </p:style>
+        <p:txBody>
+          <a:bodyPr rtlCol="0" anchor="ctr"/>
+          <a:lstStyle/>
+          <a:p>
+            <a:pPr algn="ctr"/>
+            <a:r>
+              <a:rPr lang="en-US" altLang="zh-TW" sz="2400" dirty="0">
+                <a:latin typeface="SauceCodePro Nerd Font" panose="020B0509030403020204" pitchFamily="49" charset="0"/>
+                <a:ea typeface="SauceCodePro Nerd Font" panose="020B0509030403020204" pitchFamily="49" charset="0"/>
+              </a:rPr>
+              <a:t>Embedding length</a:t>
+            </a:r>
+            <a:endParaRPr lang="zh-TW" altLang="en-US" sz="2400" dirty="0">
+              <a:latin typeface="SauceCodePro Nerd Font" panose="020B0509030403020204" pitchFamily="49" charset="0"/>
+            </a:endParaRPr>
+          </a:p>
+        </p:txBody>
+      </p:sp>
+      <p:sp>
+        <p:nvSpPr>
+          <p:cNvPr id="10" name="圓角矩形 9"/>
+          <p:cNvSpPr/>
+          <p:nvPr/>
+        </p:nvSpPr>
+        <p:spPr>
+          <a:xfrm>
+            <a:off x="9213056" y="6130258"/>
+            <a:ext cx="3849624" cy="566928"/>
+          </a:xfrm>
+          <a:prstGeom prst="roundRect">
+            <a:avLst/>
+          </a:prstGeom>
+          <a:solidFill>
+            <a:srgbClr val="00B0F0"/>
+          </a:solidFill>
+          <a:ln w="25400">
+            <a:solidFill>
+              <a:schemeClr val="bg1"/>
+            </a:solidFill>
+          </a:ln>
+        </p:spPr>
+        <p:style>
+          <a:lnRef idx="2">
+            <a:schemeClr val="accent1">
+              <a:shade val="50000"/>
+            </a:schemeClr>
+          </a:lnRef>
+          <a:fillRef idx="1">
+            <a:schemeClr val="accent1"/>
+          </a:fillRef>
+          <a:effectRef idx="0">
+            <a:schemeClr val="accent1"/>
+          </a:effectRef>
+          <a:fontRef idx="minor">
+            <a:schemeClr val="lt1"/>
+          </a:fontRef>
+        </p:style>
+        <p:txBody>
+          <a:bodyPr rtlCol="0" anchor="ctr"/>
+          <a:lstStyle/>
+          <a:p>
+            <a:pPr algn="ctr"/>
+            <a:r>
+              <a:rPr lang="en-US" altLang="zh-TW" sz="2400" dirty="0">
+                <a:latin typeface="SauceCodePro Nerd Font" panose="020B0509030403020204" pitchFamily="49" charset="0"/>
+              </a:rPr>
+              <a:t>Vector 1</a:t>
+            </a:r>
+            <a:endParaRPr lang="zh-TW" altLang="en-US" sz="2400" dirty="0">
+              <a:latin typeface="SauceCodePro Nerd Font" panose="020B0509030403020204" pitchFamily="49" charset="0"/>
+            </a:endParaRPr>
+          </a:p>
+        </p:txBody>
+      </p:sp>
+      <p:sp>
+        <p:nvSpPr>
+          <p:cNvPr id="11" name="圓角矩形 10"/>
+          <p:cNvSpPr/>
+          <p:nvPr/>
+        </p:nvSpPr>
+        <p:spPr>
+          <a:xfrm>
+            <a:off x="9213056" y="7246409"/>
+            <a:ext cx="3849624" cy="566928"/>
+          </a:xfrm>
+          <a:prstGeom prst="roundRect">
+            <a:avLst/>
+          </a:prstGeom>
+          <a:solidFill>
+            <a:schemeClr val="accent1">
+              <a:alpha val="0"/>
+            </a:schemeClr>
+          </a:solidFill>
+          <a:ln w="25400">
+            <a:solidFill>
+              <a:schemeClr val="bg1">
+                <a:alpha val="0"/>
+              </a:schemeClr>
+            </a:solidFill>
+          </a:ln>
+        </p:spPr>
+        <p:style>
+          <a:lnRef idx="2">
+            <a:schemeClr val="accent1">
+              <a:shade val="50000"/>
+            </a:schemeClr>
+          </a:lnRef>
+          <a:fillRef idx="1">
+            <a:schemeClr val="accent1"/>
+          </a:fillRef>
+          <a:effectRef idx="0">
+            <a:schemeClr val="accent1"/>
+          </a:effectRef>
+          <a:fontRef idx="minor">
+            <a:schemeClr val="lt1"/>
+          </a:fontRef>
+        </p:style>
+        <p:txBody>
+          <a:bodyPr rtlCol="0" anchor="ctr"/>
+          <a:lstStyle/>
+          <a:p>
+            <a:pPr algn="ctr"/>
+            <a:r>
+              <a:rPr lang="en-US" altLang="zh-TW" sz="3200" dirty="0">
+                <a:latin typeface="SauceCodePro Nerd Font" panose="020B0509030403020204" pitchFamily="49" charset="0"/>
+                <a:ea typeface="SauceCodePro Nerd Font" panose="020B0509030403020204" pitchFamily="49" charset="0"/>
+              </a:rPr>
+              <a:t>.</a:t>
+            </a:r>
+          </a:p>
+          <a:p>
+            <a:pPr algn="ctr"/>
+            <a:r>
+              <a:rPr lang="en-US" altLang="zh-TW" sz="3200" dirty="0">
+                <a:latin typeface="SauceCodePro Nerd Font" panose="020B0509030403020204" pitchFamily="49" charset="0"/>
+                <a:ea typeface="SauceCodePro Nerd Font" panose="020B0509030403020204" pitchFamily="49" charset="0"/>
+              </a:rPr>
+              <a:t>.</a:t>
+            </a:r>
+          </a:p>
+          <a:p>
+            <a:pPr algn="ctr"/>
+            <a:r>
+              <a:rPr lang="en-US" altLang="zh-TW" sz="3200" dirty="0">
+                <a:latin typeface="SauceCodePro Nerd Font" panose="020B0509030403020204" pitchFamily="49" charset="0"/>
+                <a:ea typeface="SauceCodePro Nerd Font" panose="020B0509030403020204" pitchFamily="49" charset="0"/>
+              </a:rPr>
+              <a:t>.</a:t>
+            </a:r>
+            <a:endParaRPr lang="zh-TW" altLang="en-US" sz="3200" dirty="0">
+              <a:latin typeface="SauceCodePro Nerd Font" panose="020B0509030403020204" pitchFamily="49" charset="0"/>
+            </a:endParaRPr>
+          </a:p>
+        </p:txBody>
+      </p:sp>
+      <p:sp>
+        <p:nvSpPr>
+          <p:cNvPr id="14" name="圓角矩形 13"/>
+          <p:cNvSpPr/>
+          <p:nvPr/>
+        </p:nvSpPr>
+        <p:spPr>
+          <a:xfrm>
+            <a:off x="9213056" y="8622251"/>
+            <a:ext cx="3849624" cy="566928"/>
+          </a:xfrm>
+          <a:prstGeom prst="roundRect">
+            <a:avLst/>
+          </a:prstGeom>
+          <a:solidFill>
+            <a:srgbClr val="00B0F0"/>
+          </a:solidFill>
+          <a:ln w="25400">
+            <a:solidFill>
+              <a:schemeClr val="bg1"/>
+            </a:solidFill>
+          </a:ln>
+        </p:spPr>
+        <p:style>
+          <a:lnRef idx="2">
+            <a:schemeClr val="accent1">
+              <a:shade val="50000"/>
+            </a:schemeClr>
+          </a:lnRef>
+          <a:fillRef idx="1">
+            <a:schemeClr val="accent1"/>
+          </a:fillRef>
+          <a:effectRef idx="0">
+            <a:schemeClr val="accent1"/>
+          </a:effectRef>
+          <a:fontRef idx="minor">
+            <a:schemeClr val="lt1"/>
+          </a:fontRef>
+        </p:style>
+        <p:txBody>
+          <a:bodyPr rtlCol="0" anchor="ctr"/>
+          <a:lstStyle/>
+          <a:p>
+            <a:pPr algn="ctr"/>
+            <a:r>
+              <a:rPr lang="en-US" altLang="zh-TW" sz="2400" dirty="0">
+                <a:latin typeface="SauceCodePro Nerd Font" panose="020B0509030403020204" pitchFamily="49" charset="0"/>
+              </a:rPr>
+              <a:t>Vector d</a:t>
+            </a:r>
+            <a:endParaRPr lang="zh-TW" altLang="en-US" sz="2400" dirty="0">
+              <a:latin typeface="SauceCodePro Nerd Font" panose="020B0509030403020204" pitchFamily="49" charset="0"/>
+            </a:endParaRPr>
+          </a:p>
+        </p:txBody>
+      </p:sp>
+      <p:sp>
+        <p:nvSpPr>
+          <p:cNvPr id="20" name="圓角矩形 19"/>
+          <p:cNvSpPr/>
+          <p:nvPr/>
+        </p:nvSpPr>
+        <p:spPr>
+          <a:xfrm rot="5400000">
+            <a:off x="11719458" y="7092790"/>
+            <a:ext cx="3253370" cy="566928"/>
+          </a:xfrm>
+          <a:prstGeom prst="roundRect">
+            <a:avLst/>
+          </a:prstGeom>
+          <a:solidFill>
+            <a:schemeClr val="accent1">
+              <a:alpha val="0"/>
+            </a:schemeClr>
+          </a:solidFill>
+          <a:ln>
+            <a:solidFill>
+              <a:schemeClr val="accent1">
+                <a:shade val="50000"/>
+                <a:alpha val="0"/>
+              </a:schemeClr>
+            </a:solidFill>
+          </a:ln>
+        </p:spPr>
+        <p:style>
+          <a:lnRef idx="2">
+            <a:schemeClr val="accent1">
+              <a:shade val="50000"/>
+            </a:schemeClr>
+          </a:lnRef>
+          <a:fillRef idx="1">
+            <a:schemeClr val="accent1"/>
+          </a:fillRef>
+          <a:effectRef idx="0">
+            <a:schemeClr val="accent1"/>
+          </a:effectRef>
+          <a:fontRef idx="minor">
+            <a:schemeClr val="lt1"/>
+          </a:fontRef>
+        </p:style>
+        <p:txBody>
+          <a:bodyPr rtlCol="0" anchor="ctr"/>
+          <a:lstStyle/>
+          <a:p>
+            <a:pPr algn="ctr"/>
+            <a:r>
+              <a:rPr lang="en-US" altLang="zh-TW" sz="2400" dirty="0">
+                <a:latin typeface="SauceCodePro Nerd Font" panose="020B0509030403020204" pitchFamily="49" charset="0"/>
+                <a:ea typeface="SauceCodePro Nerd Font" panose="020B0509030403020204" pitchFamily="49" charset="0"/>
+              </a:rPr>
+              <a:t>Dictionary</a:t>
+            </a:r>
+            <a:r>
+              <a:rPr lang="zh-TW" altLang="en-US" sz="2400" dirty="0">
+                <a:latin typeface="SauceCodePro Nerd Font" panose="020B0509030403020204" pitchFamily="49" charset="0"/>
+                <a:ea typeface="SauceCodePro Nerd Font" panose="020B0509030403020204" pitchFamily="49" charset="0"/>
+              </a:rPr>
+              <a:t> </a:t>
+            </a:r>
+            <a:r>
+              <a:rPr lang="en-US" altLang="zh-TW" sz="2400" dirty="0">
+                <a:latin typeface="SauceCodePro Nerd Font" panose="020B0509030403020204" pitchFamily="49" charset="0"/>
+                <a:ea typeface="SauceCodePro Nerd Font" panose="020B0509030403020204" pitchFamily="49" charset="0"/>
+              </a:rPr>
+              <a:t>size</a:t>
+            </a:r>
+            <a:endParaRPr lang="zh-TW" altLang="en-US" sz="2400" dirty="0">
+              <a:latin typeface="SauceCodePro Nerd Font" panose="020B0509030403020204" pitchFamily="49" charset="0"/>
+            </a:endParaRPr>
+          </a:p>
+        </p:txBody>
+      </p:sp>
+      <p:sp>
+        <p:nvSpPr>
+          <p:cNvPr id="21" name="弧形 20"/>
+          <p:cNvSpPr/>
+          <p:nvPr/>
+        </p:nvSpPr>
+        <p:spPr>
+          <a:xfrm rot="5400000" flipH="1">
+            <a:off x="12715205" y="5515030"/>
+            <a:ext cx="694946" cy="791546"/>
+          </a:xfrm>
+          <a:prstGeom prst="arc">
+            <a:avLst/>
+          </a:prstGeom>
+          <a:ln w="38100">
+            <a:solidFill>
+              <a:schemeClr val="bg1"/>
+            </a:solidFill>
+          </a:ln>
+        </p:spPr>
+        <p:style>
+          <a:lnRef idx="1">
+            <a:schemeClr val="accent1"/>
+          </a:lnRef>
+          <a:fillRef idx="0">
+            <a:schemeClr val="accent1"/>
+          </a:fillRef>
+          <a:effectRef idx="0">
+            <a:schemeClr val="accent1"/>
+          </a:effectRef>
+          <a:fontRef idx="minor">
+            <a:schemeClr val="tx1"/>
+          </a:fontRef>
+        </p:style>
+        <p:txBody>
+          <a:bodyPr rtlCol="0" anchor="ctr"/>
+          <a:lstStyle/>
+          <a:p>
+            <a:pPr algn="ctr"/>
+            <a:endParaRPr lang="zh-TW" altLang="en-US"/>
+          </a:p>
+        </p:txBody>
+      </p:sp>
+      <p:sp>
+        <p:nvSpPr>
+          <p:cNvPr id="22" name="弧形 21"/>
+          <p:cNvSpPr/>
+          <p:nvPr/>
+        </p:nvSpPr>
+        <p:spPr>
+          <a:xfrm rot="5400000">
+            <a:off x="12715209" y="8445932"/>
+            <a:ext cx="694945" cy="791546"/>
+          </a:xfrm>
+          <a:prstGeom prst="arc">
+            <a:avLst/>
+          </a:prstGeom>
+          <a:ln w="38100">
+            <a:solidFill>
+              <a:schemeClr val="bg1"/>
+            </a:solidFill>
+          </a:ln>
+        </p:spPr>
+        <p:style>
+          <a:lnRef idx="1">
+            <a:schemeClr val="accent1"/>
+          </a:lnRef>
+          <a:fillRef idx="0">
+            <a:schemeClr val="accent1"/>
+          </a:fillRef>
+          <a:effectRef idx="0">
+            <a:schemeClr val="accent1"/>
+          </a:effectRef>
+          <a:fontRef idx="minor">
+            <a:schemeClr val="tx1"/>
+          </a:fontRef>
+        </p:style>
+        <p:txBody>
+          <a:bodyPr rtlCol="0" anchor="ctr"/>
+          <a:lstStyle/>
+          <a:p>
+            <a:pPr algn="ctr"/>
+            <a:endParaRPr lang="zh-TW" altLang="en-US"/>
+          </a:p>
+        </p:txBody>
+      </p:sp>
+      <p:sp>
+        <p:nvSpPr>
+          <p:cNvPr id="23" name="圓角矩形 22"/>
+          <p:cNvSpPr/>
+          <p:nvPr/>
+        </p:nvSpPr>
+        <p:spPr>
+          <a:xfrm>
+            <a:off x="6835616" y="5563330"/>
+            <a:ext cx="2377440" cy="566928"/>
+          </a:xfrm>
+          <a:prstGeom prst="roundRect">
+            <a:avLst/>
+          </a:prstGeom>
+          <a:solidFill>
+            <a:schemeClr val="accent1">
+              <a:alpha val="0"/>
+            </a:schemeClr>
+          </a:solidFill>
+          <a:ln w="25400">
+            <a:solidFill>
+              <a:schemeClr val="bg1">
+                <a:alpha val="0"/>
+              </a:schemeClr>
+            </a:solidFill>
+          </a:ln>
+        </p:spPr>
+        <p:style>
+          <a:lnRef idx="2">
+            <a:schemeClr val="accent1">
+              <a:shade val="50000"/>
+            </a:schemeClr>
+          </a:lnRef>
+          <a:fillRef idx="1">
+            <a:schemeClr val="accent1"/>
+          </a:fillRef>
+          <a:effectRef idx="0">
+            <a:schemeClr val="accent1"/>
+          </a:effectRef>
+          <a:fontRef idx="minor">
+            <a:schemeClr val="lt1"/>
+          </a:fontRef>
+        </p:style>
+        <p:txBody>
+          <a:bodyPr rtlCol="0" anchor="ctr"/>
+          <a:lstStyle/>
+          <a:p>
+            <a:r>
+              <a:rPr lang="en-US" altLang="zh-TW" sz="2400" dirty="0">
+                <a:latin typeface="SauceCodePro Nerd Font" panose="020B0509030403020204" pitchFamily="49" charset="0"/>
+                <a:ea typeface="SauceCodePro Nerd Font" panose="020B0509030403020204" pitchFamily="49" charset="0"/>
+              </a:rPr>
+              <a:t>Symbol id</a:t>
+            </a:r>
+            <a:r>
+              <a:rPr lang="zh-TW" altLang="en-US" sz="2400" dirty="0">
+                <a:latin typeface="SauceCodePro Nerd Font" panose="020B0509030403020204" pitchFamily="49" charset="0"/>
+              </a:rPr>
+              <a:t>：</a:t>
+            </a:r>
+            <a:r>
+              <a:rPr lang="en-US" altLang="zh-TW" sz="2400" dirty="0">
+                <a:latin typeface="SauceCodePro Nerd Font" panose="020B0509030403020204" pitchFamily="49" charset="0"/>
+                <a:ea typeface="SauceCodePro Nerd Font" panose="020B0509030403020204" pitchFamily="49" charset="0"/>
+              </a:rPr>
+              <a:t>0</a:t>
+            </a:r>
+            <a:endParaRPr lang="zh-TW" altLang="en-US" sz="2400" dirty="0">
+              <a:latin typeface="SauceCodePro Nerd Font" panose="020B0509030403020204" pitchFamily="49" charset="0"/>
+            </a:endParaRPr>
+          </a:p>
+        </p:txBody>
+      </p:sp>
+      <p:sp>
+        <p:nvSpPr>
+          <p:cNvPr id="15" name="圓角矩形 14"/>
+          <p:cNvSpPr/>
+          <p:nvPr/>
+        </p:nvSpPr>
+        <p:spPr>
+          <a:xfrm>
+            <a:off x="6835616" y="6130258"/>
+            <a:ext cx="2377440" cy="566928"/>
+          </a:xfrm>
+          <a:prstGeom prst="roundRect">
+            <a:avLst/>
+          </a:prstGeom>
+          <a:solidFill>
+            <a:schemeClr val="accent1">
+              <a:alpha val="0"/>
+            </a:schemeClr>
+          </a:solidFill>
+          <a:ln w="25400">
+            <a:solidFill>
+              <a:schemeClr val="bg1">
+                <a:alpha val="0"/>
+              </a:schemeClr>
+            </a:solidFill>
+          </a:ln>
+        </p:spPr>
+        <p:style>
+          <a:lnRef idx="2">
+            <a:schemeClr val="accent1">
+              <a:shade val="50000"/>
+            </a:schemeClr>
+          </a:lnRef>
+          <a:fillRef idx="1">
+            <a:schemeClr val="accent1"/>
+          </a:fillRef>
+          <a:effectRef idx="0">
+            <a:schemeClr val="accent1"/>
+          </a:effectRef>
+          <a:fontRef idx="minor">
+            <a:schemeClr val="lt1"/>
+          </a:fontRef>
+        </p:style>
+        <p:txBody>
+          <a:bodyPr rtlCol="0" anchor="ctr"/>
+          <a:lstStyle/>
+          <a:p>
+            <a:r>
+              <a:rPr lang="en-US" altLang="zh-TW" sz="2400" dirty="0">
+                <a:latin typeface="SauceCodePro Nerd Font" panose="020B0509030403020204" pitchFamily="49" charset="0"/>
+                <a:ea typeface="SauceCodePro Nerd Font" panose="020B0509030403020204" pitchFamily="49" charset="0"/>
+              </a:rPr>
+              <a:t>Symbol id</a:t>
+            </a:r>
+            <a:r>
+              <a:rPr lang="zh-TW" altLang="en-US" sz="2400" dirty="0">
+                <a:latin typeface="SauceCodePro Nerd Font" panose="020B0509030403020204" pitchFamily="49" charset="0"/>
+              </a:rPr>
+              <a:t>：</a:t>
+            </a:r>
+            <a:r>
+              <a:rPr lang="en-US" altLang="zh-TW" sz="2400" dirty="0">
+                <a:latin typeface="SauceCodePro Nerd Font" panose="020B0509030403020204" pitchFamily="49" charset="0"/>
+                <a:ea typeface="SauceCodePro Nerd Font" panose="020B0509030403020204" pitchFamily="49" charset="0"/>
+              </a:rPr>
+              <a:t>1</a:t>
+            </a:r>
+            <a:endParaRPr lang="zh-TW" altLang="en-US" sz="2400" dirty="0">
+              <a:latin typeface="SauceCodePro Nerd Font" panose="020B0509030403020204" pitchFamily="49" charset="0"/>
+            </a:endParaRPr>
+          </a:p>
+        </p:txBody>
+      </p:sp>
+      <p:sp>
+        <p:nvSpPr>
+          <p:cNvPr id="16" name="圓角矩形 15"/>
+          <p:cNvSpPr/>
+          <p:nvPr/>
+        </p:nvSpPr>
+        <p:spPr>
+          <a:xfrm>
+            <a:off x="6835616" y="8622251"/>
+            <a:ext cx="2377440" cy="566928"/>
+          </a:xfrm>
+          <a:prstGeom prst="roundRect">
+            <a:avLst/>
+          </a:prstGeom>
+          <a:solidFill>
+            <a:schemeClr val="accent1">
+              <a:alpha val="0"/>
+            </a:schemeClr>
+          </a:solidFill>
+          <a:ln w="25400">
+            <a:solidFill>
+              <a:schemeClr val="bg1">
+                <a:alpha val="0"/>
+              </a:schemeClr>
+            </a:solidFill>
+          </a:ln>
+        </p:spPr>
+        <p:style>
+          <a:lnRef idx="2">
+            <a:schemeClr val="accent1">
+              <a:shade val="50000"/>
+            </a:schemeClr>
+          </a:lnRef>
+          <a:fillRef idx="1">
+            <a:schemeClr val="accent1"/>
+          </a:fillRef>
+          <a:effectRef idx="0">
+            <a:schemeClr val="accent1"/>
+          </a:effectRef>
+          <a:fontRef idx="minor">
+            <a:schemeClr val="lt1"/>
+          </a:fontRef>
+        </p:style>
+        <p:txBody>
+          <a:bodyPr rtlCol="0" anchor="ctr"/>
+          <a:lstStyle/>
+          <a:p>
+            <a:r>
+              <a:rPr lang="en-US" altLang="zh-TW" sz="2400" dirty="0">
+                <a:latin typeface="SauceCodePro Nerd Font" panose="020B0509030403020204" pitchFamily="49" charset="0"/>
+                <a:ea typeface="SauceCodePro Nerd Font" panose="020B0509030403020204" pitchFamily="49" charset="0"/>
+              </a:rPr>
+              <a:t>Symbol id</a:t>
+            </a:r>
+            <a:r>
+              <a:rPr lang="zh-TW" altLang="en-US" sz="2400" dirty="0">
+                <a:latin typeface="SauceCodePro Nerd Font" panose="020B0509030403020204" pitchFamily="49" charset="0"/>
+              </a:rPr>
+              <a:t>：</a:t>
+            </a:r>
+            <a:r>
+              <a:rPr lang="en-US" altLang="zh-TW" sz="2400" dirty="0">
+                <a:latin typeface="SauceCodePro Nerd Font" panose="020B0509030403020204" pitchFamily="49" charset="0"/>
+                <a:ea typeface="SauceCodePro Nerd Font" panose="020B0509030403020204" pitchFamily="49" charset="0"/>
+              </a:rPr>
+              <a:t>d</a:t>
+            </a:r>
+            <a:endParaRPr lang="zh-TW" altLang="en-US" sz="2400" dirty="0">
+              <a:latin typeface="SauceCodePro Nerd Font" panose="020B0509030403020204" pitchFamily="49" charset="0"/>
+            </a:endParaRPr>
+          </a:p>
+        </p:txBody>
+      </p:sp>
+    </p:spTree>
+    <p:extLst>
+      <p:ext uri="{BB962C8B-B14F-4D97-AF65-F5344CB8AC3E}">
+        <p14:creationId xmlns:p14="http://schemas.microsoft.com/office/powerpoint/2010/main" val="3047557713"/>
+      </p:ext>
+    </p:extLst>
+  </p:cSld>
+  <p:clrMapOvr>
+    <a:masterClrMapping/>
+  </p:clrMapOvr>
+  <p:timing>
+    <p:tnLst>
+      <p:par>
+        <p:cTn id="1" dur="indefinite" restart="never" nodeType="tmRoot"/>
+      </p:par>
+    </p:tnLst>
+  </p:timing>
+</p:sld>
+</file>
+
+<file path=ppt/slides/slide20.xml><?xml version="1.0" encoding="utf-8"?>
 <p:sld xmlns:a="http://schemas.openxmlformats.org/drawingml/2006/main" xmlns:r="http://schemas.openxmlformats.org/officeDocument/2006/relationships" xmlns:p="http://schemas.openxmlformats.org/presentationml/2006/main">
   <p:cSld>
     <p:bg>
@@ -19140,830 +22476,7 @@
 </p:sld>
 </file>
 
-<file path=ppt/slides/slide2.xml><?xml version="1.0" encoding="utf-8"?>
-<p:sld xmlns:a="http://schemas.openxmlformats.org/drawingml/2006/main" xmlns:r="http://schemas.openxmlformats.org/officeDocument/2006/relationships" xmlns:p="http://schemas.openxmlformats.org/presentationml/2006/main">
-  <p:cSld>
-    <p:bg>
-      <p:bgPr>
-        <a:solidFill>
-          <a:srgbClr val="191919"/>
-        </a:solidFill>
-        <a:effectLst/>
-      </p:bgPr>
-    </p:bg>
-    <p:spTree>
-      <p:nvGrpSpPr>
-        <p:cNvPr id="1" name=""/>
-        <p:cNvGrpSpPr/>
-        <p:nvPr/>
-      </p:nvGrpSpPr>
-      <p:grpSpPr>
-        <a:xfrm>
-          <a:off x="0" y="0"/>
-          <a:ext cx="0" cy="0"/>
-          <a:chOff x="0" y="0"/>
-          <a:chExt cx="0" cy="0"/>
-        </a:xfrm>
-      </p:grpSpPr>
-      <p:sp>
-        <p:nvSpPr>
-          <p:cNvPr id="5" name="圓角矩形 4"/>
-          <p:cNvSpPr/>
-          <p:nvPr/>
-        </p:nvSpPr>
-        <p:spPr>
-          <a:xfrm>
-            <a:off x="9213056" y="5563330"/>
-            <a:ext cx="3849624" cy="566928"/>
-          </a:xfrm>
-          <a:prstGeom prst="roundRect">
-            <a:avLst/>
-          </a:prstGeom>
-          <a:solidFill>
-            <a:srgbClr val="00B0F0"/>
-          </a:solidFill>
-          <a:ln w="25400">
-            <a:solidFill>
-              <a:schemeClr val="bg1"/>
-            </a:solidFill>
-          </a:ln>
-        </p:spPr>
-        <p:style>
-          <a:lnRef idx="2">
-            <a:schemeClr val="accent1">
-              <a:shade val="50000"/>
-            </a:schemeClr>
-          </a:lnRef>
-          <a:fillRef idx="1">
-            <a:schemeClr val="accent1"/>
-          </a:fillRef>
-          <a:effectRef idx="0">
-            <a:schemeClr val="accent1"/>
-          </a:effectRef>
-          <a:fontRef idx="minor">
-            <a:schemeClr val="lt1"/>
-          </a:fontRef>
-        </p:style>
-        <p:txBody>
-          <a:bodyPr rtlCol="0" anchor="ctr"/>
-          <a:lstStyle/>
-          <a:p>
-            <a:pPr algn="ctr"/>
-            <a:r>
-              <a:rPr lang="en-US" altLang="zh-TW" sz="2400" dirty="0">
-                <a:latin typeface="SauceCodePro Nerd Font" panose="020B0509030403020204" pitchFamily="49" charset="0"/>
-              </a:rPr>
-              <a:t>Vector 0</a:t>
-            </a:r>
-            <a:endParaRPr lang="zh-TW" altLang="en-US" sz="2400" dirty="0">
-              <a:latin typeface="SauceCodePro Nerd Font" panose="020B0509030403020204" pitchFamily="49" charset="0"/>
-            </a:endParaRPr>
-          </a:p>
-        </p:txBody>
-      </p:sp>
-      <p:sp>
-        <p:nvSpPr>
-          <p:cNvPr id="7" name="弧形 6"/>
-          <p:cNvSpPr/>
-          <p:nvPr/>
-        </p:nvSpPr>
-        <p:spPr>
-          <a:xfrm>
-            <a:off x="12367738" y="5167558"/>
-            <a:ext cx="694945" cy="791546"/>
-          </a:xfrm>
-          <a:prstGeom prst="arc">
-            <a:avLst/>
-          </a:prstGeom>
-          <a:ln w="38100">
-            <a:solidFill>
-              <a:schemeClr val="bg1"/>
-            </a:solidFill>
-          </a:ln>
-        </p:spPr>
-        <p:style>
-          <a:lnRef idx="1">
-            <a:schemeClr val="accent1"/>
-          </a:lnRef>
-          <a:fillRef idx="0">
-            <a:schemeClr val="accent1"/>
-          </a:fillRef>
-          <a:effectRef idx="0">
-            <a:schemeClr val="accent1"/>
-          </a:effectRef>
-          <a:fontRef idx="minor">
-            <a:schemeClr val="tx1"/>
-          </a:fontRef>
-        </p:style>
-        <p:txBody>
-          <a:bodyPr rtlCol="0" anchor="ctr"/>
-          <a:lstStyle/>
-          <a:p>
-            <a:pPr algn="ctr"/>
-            <a:endParaRPr lang="zh-TW" altLang="en-US"/>
-          </a:p>
-        </p:txBody>
-      </p:sp>
-      <p:sp>
-        <p:nvSpPr>
-          <p:cNvPr id="8" name="弧形 7"/>
-          <p:cNvSpPr/>
-          <p:nvPr/>
-        </p:nvSpPr>
-        <p:spPr>
-          <a:xfrm flipH="1">
-            <a:off x="9213056" y="5167557"/>
-            <a:ext cx="694946" cy="791546"/>
-          </a:xfrm>
-          <a:prstGeom prst="arc">
-            <a:avLst/>
-          </a:prstGeom>
-          <a:ln w="38100">
-            <a:solidFill>
-              <a:schemeClr val="bg1"/>
-            </a:solidFill>
-          </a:ln>
-        </p:spPr>
-        <p:style>
-          <a:lnRef idx="1">
-            <a:schemeClr val="accent1"/>
-          </a:lnRef>
-          <a:fillRef idx="0">
-            <a:schemeClr val="accent1"/>
-          </a:fillRef>
-          <a:effectRef idx="0">
-            <a:schemeClr val="accent1"/>
-          </a:effectRef>
-          <a:fontRef idx="minor">
-            <a:schemeClr val="tx1"/>
-          </a:fontRef>
-        </p:style>
-        <p:txBody>
-          <a:bodyPr rtlCol="0" anchor="ctr"/>
-          <a:lstStyle/>
-          <a:p>
-            <a:pPr algn="ctr"/>
-            <a:endParaRPr lang="zh-TW" altLang="en-US"/>
-          </a:p>
-        </p:txBody>
-      </p:sp>
-      <p:sp>
-        <p:nvSpPr>
-          <p:cNvPr id="9" name="圓角矩形 8"/>
-          <p:cNvSpPr/>
-          <p:nvPr/>
-        </p:nvSpPr>
-        <p:spPr>
-          <a:xfrm>
-            <a:off x="9213056" y="4996402"/>
-            <a:ext cx="3849624" cy="566928"/>
-          </a:xfrm>
-          <a:prstGeom prst="roundRect">
-            <a:avLst/>
-          </a:prstGeom>
-          <a:solidFill>
-            <a:schemeClr val="accent1">
-              <a:alpha val="0"/>
-            </a:schemeClr>
-          </a:solidFill>
-          <a:ln>
-            <a:solidFill>
-              <a:schemeClr val="accent1">
-                <a:shade val="50000"/>
-                <a:alpha val="0"/>
-              </a:schemeClr>
-            </a:solidFill>
-          </a:ln>
-        </p:spPr>
-        <p:style>
-          <a:lnRef idx="2">
-            <a:schemeClr val="accent1">
-              <a:shade val="50000"/>
-            </a:schemeClr>
-          </a:lnRef>
-          <a:fillRef idx="1">
-            <a:schemeClr val="accent1"/>
-          </a:fillRef>
-          <a:effectRef idx="0">
-            <a:schemeClr val="accent1"/>
-          </a:effectRef>
-          <a:fontRef idx="minor">
-            <a:schemeClr val="lt1"/>
-          </a:fontRef>
-        </p:style>
-        <p:txBody>
-          <a:bodyPr rtlCol="0" anchor="ctr"/>
-          <a:lstStyle/>
-          <a:p>
-            <a:pPr algn="ctr"/>
-            <a:r>
-              <a:rPr lang="en-US" altLang="zh-TW" sz="2400" dirty="0">
-                <a:latin typeface="SauceCodePro Nerd Font" panose="020B0509030403020204" pitchFamily="49" charset="0"/>
-                <a:ea typeface="SauceCodePro Nerd Font" panose="020B0509030403020204" pitchFamily="49" charset="0"/>
-              </a:rPr>
-              <a:t>Embedding length</a:t>
-            </a:r>
-            <a:endParaRPr lang="zh-TW" altLang="en-US" sz="2400" dirty="0">
-              <a:latin typeface="SauceCodePro Nerd Font" panose="020B0509030403020204" pitchFamily="49" charset="0"/>
-            </a:endParaRPr>
-          </a:p>
-        </p:txBody>
-      </p:sp>
-      <p:sp>
-        <p:nvSpPr>
-          <p:cNvPr id="10" name="圓角矩形 9"/>
-          <p:cNvSpPr/>
-          <p:nvPr/>
-        </p:nvSpPr>
-        <p:spPr>
-          <a:xfrm>
-            <a:off x="9213056" y="6130258"/>
-            <a:ext cx="3849624" cy="566928"/>
-          </a:xfrm>
-          <a:prstGeom prst="roundRect">
-            <a:avLst/>
-          </a:prstGeom>
-          <a:solidFill>
-            <a:srgbClr val="00B0F0"/>
-          </a:solidFill>
-          <a:ln w="25400">
-            <a:solidFill>
-              <a:schemeClr val="bg1"/>
-            </a:solidFill>
-          </a:ln>
-        </p:spPr>
-        <p:style>
-          <a:lnRef idx="2">
-            <a:schemeClr val="accent1">
-              <a:shade val="50000"/>
-            </a:schemeClr>
-          </a:lnRef>
-          <a:fillRef idx="1">
-            <a:schemeClr val="accent1"/>
-          </a:fillRef>
-          <a:effectRef idx="0">
-            <a:schemeClr val="accent1"/>
-          </a:effectRef>
-          <a:fontRef idx="minor">
-            <a:schemeClr val="lt1"/>
-          </a:fontRef>
-        </p:style>
-        <p:txBody>
-          <a:bodyPr rtlCol="0" anchor="ctr"/>
-          <a:lstStyle/>
-          <a:p>
-            <a:pPr algn="ctr"/>
-            <a:r>
-              <a:rPr lang="en-US" altLang="zh-TW" sz="2400" dirty="0">
-                <a:latin typeface="SauceCodePro Nerd Font" panose="020B0509030403020204" pitchFamily="49" charset="0"/>
-              </a:rPr>
-              <a:t>Vector 1</a:t>
-            </a:r>
-            <a:endParaRPr lang="zh-TW" altLang="en-US" sz="2400" dirty="0">
-              <a:latin typeface="SauceCodePro Nerd Font" panose="020B0509030403020204" pitchFamily="49" charset="0"/>
-            </a:endParaRPr>
-          </a:p>
-        </p:txBody>
-      </p:sp>
-      <p:sp>
-        <p:nvSpPr>
-          <p:cNvPr id="11" name="圓角矩形 10"/>
-          <p:cNvSpPr/>
-          <p:nvPr/>
-        </p:nvSpPr>
-        <p:spPr>
-          <a:xfrm>
-            <a:off x="9213056" y="7246409"/>
-            <a:ext cx="3849624" cy="566928"/>
-          </a:xfrm>
-          <a:prstGeom prst="roundRect">
-            <a:avLst/>
-          </a:prstGeom>
-          <a:solidFill>
-            <a:schemeClr val="accent1">
-              <a:alpha val="0"/>
-            </a:schemeClr>
-          </a:solidFill>
-          <a:ln w="25400">
-            <a:solidFill>
-              <a:schemeClr val="bg1">
-                <a:alpha val="0"/>
-              </a:schemeClr>
-            </a:solidFill>
-          </a:ln>
-        </p:spPr>
-        <p:style>
-          <a:lnRef idx="2">
-            <a:schemeClr val="accent1">
-              <a:shade val="50000"/>
-            </a:schemeClr>
-          </a:lnRef>
-          <a:fillRef idx="1">
-            <a:schemeClr val="accent1"/>
-          </a:fillRef>
-          <a:effectRef idx="0">
-            <a:schemeClr val="accent1"/>
-          </a:effectRef>
-          <a:fontRef idx="minor">
-            <a:schemeClr val="lt1"/>
-          </a:fontRef>
-        </p:style>
-        <p:txBody>
-          <a:bodyPr rtlCol="0" anchor="ctr"/>
-          <a:lstStyle/>
-          <a:p>
-            <a:pPr algn="ctr"/>
-            <a:r>
-              <a:rPr lang="en-US" altLang="zh-TW" sz="3200" dirty="0">
-                <a:latin typeface="SauceCodePro Nerd Font" panose="020B0509030403020204" pitchFamily="49" charset="0"/>
-                <a:ea typeface="SauceCodePro Nerd Font" panose="020B0509030403020204" pitchFamily="49" charset="0"/>
-              </a:rPr>
-              <a:t>.</a:t>
-            </a:r>
-          </a:p>
-          <a:p>
-            <a:pPr algn="ctr"/>
-            <a:r>
-              <a:rPr lang="en-US" altLang="zh-TW" sz="3200" dirty="0">
-                <a:latin typeface="SauceCodePro Nerd Font" panose="020B0509030403020204" pitchFamily="49" charset="0"/>
-                <a:ea typeface="SauceCodePro Nerd Font" panose="020B0509030403020204" pitchFamily="49" charset="0"/>
-              </a:rPr>
-              <a:t>.</a:t>
-            </a:r>
-          </a:p>
-          <a:p>
-            <a:pPr algn="ctr"/>
-            <a:r>
-              <a:rPr lang="en-US" altLang="zh-TW" sz="3200" dirty="0">
-                <a:latin typeface="SauceCodePro Nerd Font" panose="020B0509030403020204" pitchFamily="49" charset="0"/>
-                <a:ea typeface="SauceCodePro Nerd Font" panose="020B0509030403020204" pitchFamily="49" charset="0"/>
-              </a:rPr>
-              <a:t>.</a:t>
-            </a:r>
-            <a:endParaRPr lang="zh-TW" altLang="en-US" sz="3200" dirty="0">
-              <a:latin typeface="SauceCodePro Nerd Font" panose="020B0509030403020204" pitchFamily="49" charset="0"/>
-            </a:endParaRPr>
-          </a:p>
-        </p:txBody>
-      </p:sp>
-      <p:sp>
-        <p:nvSpPr>
-          <p:cNvPr id="14" name="圓角矩形 13"/>
-          <p:cNvSpPr/>
-          <p:nvPr/>
-        </p:nvSpPr>
-        <p:spPr>
-          <a:xfrm>
-            <a:off x="9213056" y="8622251"/>
-            <a:ext cx="3849624" cy="566928"/>
-          </a:xfrm>
-          <a:prstGeom prst="roundRect">
-            <a:avLst/>
-          </a:prstGeom>
-          <a:solidFill>
-            <a:srgbClr val="00B0F0"/>
-          </a:solidFill>
-          <a:ln w="25400">
-            <a:solidFill>
-              <a:schemeClr val="bg1"/>
-            </a:solidFill>
-          </a:ln>
-        </p:spPr>
-        <p:style>
-          <a:lnRef idx="2">
-            <a:schemeClr val="accent1">
-              <a:shade val="50000"/>
-            </a:schemeClr>
-          </a:lnRef>
-          <a:fillRef idx="1">
-            <a:schemeClr val="accent1"/>
-          </a:fillRef>
-          <a:effectRef idx="0">
-            <a:schemeClr val="accent1"/>
-          </a:effectRef>
-          <a:fontRef idx="minor">
-            <a:schemeClr val="lt1"/>
-          </a:fontRef>
-        </p:style>
-        <p:txBody>
-          <a:bodyPr rtlCol="0" anchor="ctr"/>
-          <a:lstStyle/>
-          <a:p>
-            <a:pPr algn="ctr"/>
-            <a:r>
-              <a:rPr lang="en-US" altLang="zh-TW" sz="2400" dirty="0">
-                <a:latin typeface="SauceCodePro Nerd Font" panose="020B0509030403020204" pitchFamily="49" charset="0"/>
-              </a:rPr>
-              <a:t>Vector d</a:t>
-            </a:r>
-            <a:endParaRPr lang="zh-TW" altLang="en-US" sz="2400" dirty="0">
-              <a:latin typeface="SauceCodePro Nerd Font" panose="020B0509030403020204" pitchFamily="49" charset="0"/>
-            </a:endParaRPr>
-          </a:p>
-        </p:txBody>
-      </p:sp>
-      <p:sp>
-        <p:nvSpPr>
-          <p:cNvPr id="20" name="圓角矩形 19"/>
-          <p:cNvSpPr/>
-          <p:nvPr/>
-        </p:nvSpPr>
-        <p:spPr>
-          <a:xfrm rot="5400000">
-            <a:off x="11719458" y="7092790"/>
-            <a:ext cx="3253370" cy="566928"/>
-          </a:xfrm>
-          <a:prstGeom prst="roundRect">
-            <a:avLst/>
-          </a:prstGeom>
-          <a:solidFill>
-            <a:schemeClr val="accent1">
-              <a:alpha val="0"/>
-            </a:schemeClr>
-          </a:solidFill>
-          <a:ln>
-            <a:solidFill>
-              <a:schemeClr val="accent1">
-                <a:shade val="50000"/>
-                <a:alpha val="0"/>
-              </a:schemeClr>
-            </a:solidFill>
-          </a:ln>
-        </p:spPr>
-        <p:style>
-          <a:lnRef idx="2">
-            <a:schemeClr val="accent1">
-              <a:shade val="50000"/>
-            </a:schemeClr>
-          </a:lnRef>
-          <a:fillRef idx="1">
-            <a:schemeClr val="accent1"/>
-          </a:fillRef>
-          <a:effectRef idx="0">
-            <a:schemeClr val="accent1"/>
-          </a:effectRef>
-          <a:fontRef idx="minor">
-            <a:schemeClr val="lt1"/>
-          </a:fontRef>
-        </p:style>
-        <p:txBody>
-          <a:bodyPr rtlCol="0" anchor="ctr"/>
-          <a:lstStyle/>
-          <a:p>
-            <a:pPr algn="ctr"/>
-            <a:r>
-              <a:rPr lang="en-US" altLang="zh-TW" sz="2400" dirty="0">
-                <a:latin typeface="SauceCodePro Nerd Font" panose="020B0509030403020204" pitchFamily="49" charset="0"/>
-                <a:ea typeface="SauceCodePro Nerd Font" panose="020B0509030403020204" pitchFamily="49" charset="0"/>
-              </a:rPr>
-              <a:t>Dictionary</a:t>
-            </a:r>
-            <a:r>
-              <a:rPr lang="zh-TW" altLang="en-US" sz="2400" dirty="0">
-                <a:latin typeface="SauceCodePro Nerd Font" panose="020B0509030403020204" pitchFamily="49" charset="0"/>
-                <a:ea typeface="SauceCodePro Nerd Font" panose="020B0509030403020204" pitchFamily="49" charset="0"/>
-              </a:rPr>
-              <a:t> </a:t>
-            </a:r>
-            <a:r>
-              <a:rPr lang="en-US" altLang="zh-TW" sz="2400" dirty="0">
-                <a:latin typeface="SauceCodePro Nerd Font" panose="020B0509030403020204" pitchFamily="49" charset="0"/>
-                <a:ea typeface="SauceCodePro Nerd Font" panose="020B0509030403020204" pitchFamily="49" charset="0"/>
-              </a:rPr>
-              <a:t>size</a:t>
-            </a:r>
-            <a:endParaRPr lang="zh-TW" altLang="en-US" sz="2400" dirty="0">
-              <a:latin typeface="SauceCodePro Nerd Font" panose="020B0509030403020204" pitchFamily="49" charset="0"/>
-            </a:endParaRPr>
-          </a:p>
-        </p:txBody>
-      </p:sp>
-      <p:sp>
-        <p:nvSpPr>
-          <p:cNvPr id="21" name="弧形 20"/>
-          <p:cNvSpPr/>
-          <p:nvPr/>
-        </p:nvSpPr>
-        <p:spPr>
-          <a:xfrm rot="5400000" flipH="1">
-            <a:off x="12715205" y="5515030"/>
-            <a:ext cx="694946" cy="791546"/>
-          </a:xfrm>
-          <a:prstGeom prst="arc">
-            <a:avLst/>
-          </a:prstGeom>
-          <a:ln w="38100">
-            <a:solidFill>
-              <a:schemeClr val="bg1"/>
-            </a:solidFill>
-          </a:ln>
-        </p:spPr>
-        <p:style>
-          <a:lnRef idx="1">
-            <a:schemeClr val="accent1"/>
-          </a:lnRef>
-          <a:fillRef idx="0">
-            <a:schemeClr val="accent1"/>
-          </a:fillRef>
-          <a:effectRef idx="0">
-            <a:schemeClr val="accent1"/>
-          </a:effectRef>
-          <a:fontRef idx="minor">
-            <a:schemeClr val="tx1"/>
-          </a:fontRef>
-        </p:style>
-        <p:txBody>
-          <a:bodyPr rtlCol="0" anchor="ctr"/>
-          <a:lstStyle/>
-          <a:p>
-            <a:pPr algn="ctr"/>
-            <a:endParaRPr lang="zh-TW" altLang="en-US"/>
-          </a:p>
-        </p:txBody>
-      </p:sp>
-      <p:sp>
-        <p:nvSpPr>
-          <p:cNvPr id="22" name="弧形 21"/>
-          <p:cNvSpPr/>
-          <p:nvPr/>
-        </p:nvSpPr>
-        <p:spPr>
-          <a:xfrm rot="5400000">
-            <a:off x="12715209" y="8445932"/>
-            <a:ext cx="694945" cy="791546"/>
-          </a:xfrm>
-          <a:prstGeom prst="arc">
-            <a:avLst/>
-          </a:prstGeom>
-          <a:ln w="38100">
-            <a:solidFill>
-              <a:schemeClr val="bg1"/>
-            </a:solidFill>
-          </a:ln>
-        </p:spPr>
-        <p:style>
-          <a:lnRef idx="1">
-            <a:schemeClr val="accent1"/>
-          </a:lnRef>
-          <a:fillRef idx="0">
-            <a:schemeClr val="accent1"/>
-          </a:fillRef>
-          <a:effectRef idx="0">
-            <a:schemeClr val="accent1"/>
-          </a:effectRef>
-          <a:fontRef idx="minor">
-            <a:schemeClr val="tx1"/>
-          </a:fontRef>
-        </p:style>
-        <p:txBody>
-          <a:bodyPr rtlCol="0" anchor="ctr"/>
-          <a:lstStyle/>
-          <a:p>
-            <a:pPr algn="ctr"/>
-            <a:endParaRPr lang="zh-TW" altLang="en-US"/>
-          </a:p>
-        </p:txBody>
-      </p:sp>
-      <p:sp>
-        <p:nvSpPr>
-          <p:cNvPr id="23" name="圓角矩形 22"/>
-          <p:cNvSpPr/>
-          <p:nvPr/>
-        </p:nvSpPr>
-        <p:spPr>
-          <a:xfrm>
-            <a:off x="6835616" y="5563330"/>
-            <a:ext cx="2377440" cy="566928"/>
-          </a:xfrm>
-          <a:prstGeom prst="roundRect">
-            <a:avLst/>
-          </a:prstGeom>
-          <a:solidFill>
-            <a:schemeClr val="accent1">
-              <a:alpha val="0"/>
-            </a:schemeClr>
-          </a:solidFill>
-          <a:ln w="25400">
-            <a:solidFill>
-              <a:schemeClr val="bg1">
-                <a:alpha val="0"/>
-              </a:schemeClr>
-            </a:solidFill>
-          </a:ln>
-        </p:spPr>
-        <p:style>
-          <a:lnRef idx="2">
-            <a:schemeClr val="accent1">
-              <a:shade val="50000"/>
-            </a:schemeClr>
-          </a:lnRef>
-          <a:fillRef idx="1">
-            <a:schemeClr val="accent1"/>
-          </a:fillRef>
-          <a:effectRef idx="0">
-            <a:schemeClr val="accent1"/>
-          </a:effectRef>
-          <a:fontRef idx="minor">
-            <a:schemeClr val="lt1"/>
-          </a:fontRef>
-        </p:style>
-        <p:txBody>
-          <a:bodyPr rtlCol="0" anchor="ctr"/>
-          <a:lstStyle/>
-          <a:p>
-            <a:r>
-              <a:rPr lang="en-US" altLang="zh-TW" sz="2400" dirty="0">
-                <a:latin typeface="SauceCodePro Nerd Font" panose="020B0509030403020204" pitchFamily="49" charset="0"/>
-                <a:ea typeface="SauceCodePro Nerd Font" panose="020B0509030403020204" pitchFamily="49" charset="0"/>
-              </a:rPr>
-              <a:t>Symbol id</a:t>
-            </a:r>
-            <a:r>
-              <a:rPr lang="zh-TW" altLang="en-US" sz="2400" dirty="0">
-                <a:latin typeface="SauceCodePro Nerd Font" panose="020B0509030403020204" pitchFamily="49" charset="0"/>
-              </a:rPr>
-              <a:t>：</a:t>
-            </a:r>
-            <a:r>
-              <a:rPr lang="en-US" altLang="zh-TW" sz="2400" dirty="0">
-                <a:latin typeface="SauceCodePro Nerd Font" panose="020B0509030403020204" pitchFamily="49" charset="0"/>
-                <a:ea typeface="SauceCodePro Nerd Font" panose="020B0509030403020204" pitchFamily="49" charset="0"/>
-              </a:rPr>
-              <a:t>0</a:t>
-            </a:r>
-            <a:endParaRPr lang="zh-TW" altLang="en-US" sz="2400" dirty="0">
-              <a:latin typeface="SauceCodePro Nerd Font" panose="020B0509030403020204" pitchFamily="49" charset="0"/>
-            </a:endParaRPr>
-          </a:p>
-        </p:txBody>
-      </p:sp>
-      <p:sp>
-        <p:nvSpPr>
-          <p:cNvPr id="15" name="圓角矩形 14"/>
-          <p:cNvSpPr/>
-          <p:nvPr/>
-        </p:nvSpPr>
-        <p:spPr>
-          <a:xfrm>
-            <a:off x="6835616" y="6130258"/>
-            <a:ext cx="2377440" cy="566928"/>
-          </a:xfrm>
-          <a:prstGeom prst="roundRect">
-            <a:avLst/>
-          </a:prstGeom>
-          <a:solidFill>
-            <a:schemeClr val="accent1">
-              <a:alpha val="0"/>
-            </a:schemeClr>
-          </a:solidFill>
-          <a:ln w="25400">
-            <a:solidFill>
-              <a:schemeClr val="bg1">
-                <a:alpha val="0"/>
-              </a:schemeClr>
-            </a:solidFill>
-          </a:ln>
-        </p:spPr>
-        <p:style>
-          <a:lnRef idx="2">
-            <a:schemeClr val="accent1">
-              <a:shade val="50000"/>
-            </a:schemeClr>
-          </a:lnRef>
-          <a:fillRef idx="1">
-            <a:schemeClr val="accent1"/>
-          </a:fillRef>
-          <a:effectRef idx="0">
-            <a:schemeClr val="accent1"/>
-          </a:effectRef>
-          <a:fontRef idx="minor">
-            <a:schemeClr val="lt1"/>
-          </a:fontRef>
-        </p:style>
-        <p:txBody>
-          <a:bodyPr rtlCol="0" anchor="ctr"/>
-          <a:lstStyle/>
-          <a:p>
-            <a:r>
-              <a:rPr lang="en-US" altLang="zh-TW" sz="2400" dirty="0">
-                <a:latin typeface="SauceCodePro Nerd Font" panose="020B0509030403020204" pitchFamily="49" charset="0"/>
-                <a:ea typeface="SauceCodePro Nerd Font" panose="020B0509030403020204" pitchFamily="49" charset="0"/>
-              </a:rPr>
-              <a:t>Symbol id</a:t>
-            </a:r>
-            <a:r>
-              <a:rPr lang="zh-TW" altLang="en-US" sz="2400" dirty="0">
-                <a:latin typeface="SauceCodePro Nerd Font" panose="020B0509030403020204" pitchFamily="49" charset="0"/>
-              </a:rPr>
-              <a:t>：</a:t>
-            </a:r>
-            <a:r>
-              <a:rPr lang="en-US" altLang="zh-TW" sz="2400" dirty="0">
-                <a:latin typeface="SauceCodePro Nerd Font" panose="020B0509030403020204" pitchFamily="49" charset="0"/>
-                <a:ea typeface="SauceCodePro Nerd Font" panose="020B0509030403020204" pitchFamily="49" charset="0"/>
-              </a:rPr>
-              <a:t>1</a:t>
-            </a:r>
-            <a:endParaRPr lang="zh-TW" altLang="en-US" sz="2400" dirty="0">
-              <a:latin typeface="SauceCodePro Nerd Font" panose="020B0509030403020204" pitchFamily="49" charset="0"/>
-            </a:endParaRPr>
-          </a:p>
-        </p:txBody>
-      </p:sp>
-      <p:sp>
-        <p:nvSpPr>
-          <p:cNvPr id="16" name="圓角矩形 15"/>
-          <p:cNvSpPr/>
-          <p:nvPr/>
-        </p:nvSpPr>
-        <p:spPr>
-          <a:xfrm>
-            <a:off x="6835616" y="8622251"/>
-            <a:ext cx="2377440" cy="566928"/>
-          </a:xfrm>
-          <a:prstGeom prst="roundRect">
-            <a:avLst/>
-          </a:prstGeom>
-          <a:solidFill>
-            <a:schemeClr val="accent1">
-              <a:alpha val="0"/>
-            </a:schemeClr>
-          </a:solidFill>
-          <a:ln w="25400">
-            <a:solidFill>
-              <a:schemeClr val="bg1">
-                <a:alpha val="0"/>
-              </a:schemeClr>
-            </a:solidFill>
-          </a:ln>
-        </p:spPr>
-        <p:style>
-          <a:lnRef idx="2">
-            <a:schemeClr val="accent1">
-              <a:shade val="50000"/>
-            </a:schemeClr>
-          </a:lnRef>
-          <a:fillRef idx="1">
-            <a:schemeClr val="accent1"/>
-          </a:fillRef>
-          <a:effectRef idx="0">
-            <a:schemeClr val="accent1"/>
-          </a:effectRef>
-          <a:fontRef idx="minor">
-            <a:schemeClr val="lt1"/>
-          </a:fontRef>
-        </p:style>
-        <p:txBody>
-          <a:bodyPr rtlCol="0" anchor="ctr"/>
-          <a:lstStyle/>
-          <a:p>
-            <a:r>
-              <a:rPr lang="en-US" altLang="zh-TW" sz="2400" dirty="0">
-                <a:latin typeface="SauceCodePro Nerd Font" panose="020B0509030403020204" pitchFamily="49" charset="0"/>
-                <a:ea typeface="SauceCodePro Nerd Font" panose="020B0509030403020204" pitchFamily="49" charset="0"/>
-              </a:rPr>
-              <a:t>Symbol id</a:t>
-            </a:r>
-            <a:r>
-              <a:rPr lang="zh-TW" altLang="en-US" sz="2400" dirty="0">
-                <a:latin typeface="SauceCodePro Nerd Font" panose="020B0509030403020204" pitchFamily="49" charset="0"/>
-              </a:rPr>
-              <a:t>：</a:t>
-            </a:r>
-            <a:r>
-              <a:rPr lang="en-US" altLang="zh-TW" sz="2400" dirty="0">
-                <a:latin typeface="SauceCodePro Nerd Font" panose="020B0509030403020204" pitchFamily="49" charset="0"/>
-                <a:ea typeface="SauceCodePro Nerd Font" panose="020B0509030403020204" pitchFamily="49" charset="0"/>
-              </a:rPr>
-              <a:t>d</a:t>
-            </a:r>
-            <a:endParaRPr lang="zh-TW" altLang="en-US" sz="2400" dirty="0">
-              <a:latin typeface="SauceCodePro Nerd Font" panose="020B0509030403020204" pitchFamily="49" charset="0"/>
-            </a:endParaRPr>
-          </a:p>
-        </p:txBody>
-      </p:sp>
-    </p:spTree>
-    <p:extLst>
-      <p:ext uri="{BB962C8B-B14F-4D97-AF65-F5344CB8AC3E}">
-        <p14:creationId xmlns:p14="http://schemas.microsoft.com/office/powerpoint/2010/main" val="3047557713"/>
-      </p:ext>
-    </p:extLst>
-  </p:cSld>
-  <p:clrMapOvr>
-    <a:masterClrMapping/>
-  </p:clrMapOvr>
-  <p:timing>
-    <p:tnLst>
-      <p:par>
-        <p:cTn id="1" dur="indefinite" restart="never" nodeType="tmRoot"/>
-      </p:par>
-    </p:tnLst>
-  </p:timing>
-</p:sld>
-</file>
-
-<file path=ppt/slides/slide20.xml><?xml version="1.0" encoding="utf-8"?>
+<file path=ppt/slides/slide21.xml><?xml version="1.0" encoding="utf-8"?>
 <p:sld xmlns:a="http://schemas.openxmlformats.org/drawingml/2006/main" xmlns:r="http://schemas.openxmlformats.org/officeDocument/2006/relationships" xmlns:p="http://schemas.openxmlformats.org/presentationml/2006/main">
   <p:cSld>
     <p:bg>
@@ -23435,7 +25948,7 @@
 </p:sld>
 </file>
 
-<file path=ppt/slides/slide21.xml><?xml version="1.0" encoding="utf-8"?>
+<file path=ppt/slides/slide22.xml><?xml version="1.0" encoding="utf-8"?>
 <p:sld xmlns:a="http://schemas.openxmlformats.org/drawingml/2006/main" xmlns:r="http://schemas.openxmlformats.org/officeDocument/2006/relationships" xmlns:p="http://schemas.openxmlformats.org/presentationml/2006/main">
   <p:cSld>
     <p:bg>
@@ -25490,7 +28003,7 @@
 </p:sld>
 </file>
 
-<file path=ppt/slides/slide22.xml><?xml version="1.0" encoding="utf-8"?>
+<file path=ppt/slides/slide23.xml><?xml version="1.0" encoding="utf-8"?>
 <p:sld xmlns:a="http://schemas.openxmlformats.org/drawingml/2006/main" xmlns:r="http://schemas.openxmlformats.org/officeDocument/2006/relationships" xmlns:p="http://schemas.openxmlformats.org/presentationml/2006/main">
   <p:cSld>
     <p:bg>
@@ -26364,7 +28877,7 @@
 </p:sld>
 </file>
 
-<file path=ppt/slides/slide23.xml><?xml version="1.0" encoding="utf-8"?>
+<file path=ppt/slides/slide24.xml><?xml version="1.0" encoding="utf-8"?>
 <p:sld xmlns:a="http://schemas.openxmlformats.org/drawingml/2006/main" xmlns:r="http://schemas.openxmlformats.org/officeDocument/2006/relationships" xmlns:p="http://schemas.openxmlformats.org/presentationml/2006/main">
   <p:cSld>
     <p:bg>
@@ -28142,7 +30655,7 @@
 </p:sld>
 </file>
 
-<file path=ppt/slides/slide24.xml><?xml version="1.0" encoding="utf-8"?>
+<file path=ppt/slides/slide25.xml><?xml version="1.0" encoding="utf-8"?>
 <p:sld xmlns:a="http://schemas.openxmlformats.org/drawingml/2006/main" xmlns:r="http://schemas.openxmlformats.org/officeDocument/2006/relationships" xmlns:p="http://schemas.openxmlformats.org/presentationml/2006/main">
   <p:cSld>
     <p:bg>
@@ -28886,7 +31399,7 @@
 </p:sld>
 </file>
 
-<file path=ppt/slides/slide25.xml><?xml version="1.0" encoding="utf-8"?>
+<file path=ppt/slides/slide26.xml><?xml version="1.0" encoding="utf-8"?>
 <p:sld xmlns:a="http://schemas.openxmlformats.org/drawingml/2006/main" xmlns:r="http://schemas.openxmlformats.org/officeDocument/2006/relationships" xmlns:p="http://schemas.openxmlformats.org/presentationml/2006/main">
   <p:cSld>
     <p:bg>
@@ -33033,7 +35546,7 @@
 </p:sld>
 </file>
 
-<file path=ppt/slides/slide26.xml><?xml version="1.0" encoding="utf-8"?>
+<file path=ppt/slides/slide27.xml><?xml version="1.0" encoding="utf-8"?>
 <p:sld xmlns:a="http://schemas.openxmlformats.org/drawingml/2006/main" xmlns:r="http://schemas.openxmlformats.org/officeDocument/2006/relationships" xmlns:p="http://schemas.openxmlformats.org/presentationml/2006/main">
   <p:cSld>
     <p:bg>
@@ -36347,7 +38860,7 @@
 </p:sld>
 </file>
 
-<file path=ppt/slides/slide27.xml><?xml version="1.0" encoding="utf-8"?>
+<file path=ppt/slides/slide28.xml><?xml version="1.0" encoding="utf-8"?>
 <p:sld xmlns:a="http://schemas.openxmlformats.org/drawingml/2006/main" xmlns:r="http://schemas.openxmlformats.org/officeDocument/2006/relationships" xmlns:p="http://schemas.openxmlformats.org/presentationml/2006/main">
   <p:cSld>
     <p:bg>
@@ -37138,7 +39651,7 @@
 </p:sld>
 </file>
 
-<file path=ppt/slides/slide28.xml><?xml version="1.0" encoding="utf-8"?>
+<file path=ppt/slides/slide29.xml><?xml version="1.0" encoding="utf-8"?>
 <p:sld xmlns:a="http://schemas.openxmlformats.org/drawingml/2006/main" xmlns:r="http://schemas.openxmlformats.org/officeDocument/2006/relationships" xmlns:p="http://schemas.openxmlformats.org/presentationml/2006/main">
   <p:cSld>
     <p:bg>
@@ -37163,8 +39676,8 @@
           <a:chExt cx="0" cy="0"/>
         </a:xfrm>
       </p:grpSpPr>
-      <mc:AlternateContent xmlns:mc="http://schemas.openxmlformats.org/markup-compatibility/2006" xmlns:a14="http://schemas.microsoft.com/office/drawing/2010/main">
-        <mc:Choice Requires="a14">
+      <mc:AlternateContent xmlns:mc="http://schemas.openxmlformats.org/markup-compatibility/2006">
+        <mc:Choice xmlns:a14="http://schemas.microsoft.com/office/drawing/2010/main" Requires="a14">
           <p:sp>
             <p:nvSpPr>
               <p:cNvPr id="33" name="圓角矩形 32"/>
@@ -37173,7 +39686,7 @@
             </p:nvSpPr>
             <p:spPr>
               <a:xfrm>
-                <a:off x="8370449" y="6932677"/>
+                <a:off x="8440227" y="6943666"/>
                 <a:ext cx="940191" cy="720000"/>
               </a:xfrm>
               <a:prstGeom prst="roundRect">
@@ -37237,7 +39750,7 @@
             </p:txBody>
           </p:sp>
         </mc:Choice>
-        <mc:Fallback xmlns="">
+        <mc:Fallback>
           <p:sp>
             <p:nvSpPr>
               <p:cNvPr id="33" name="圓角矩形 32"/>
@@ -37248,7 +39761,7 @@
             </p:nvSpPr>
             <p:spPr>
               <a:xfrm>
-                <a:off x="8370449" y="6932677"/>
+                <a:off x="8440227" y="6943666"/>
                 <a:ext cx="940191" cy="720000"/>
               </a:xfrm>
               <a:prstGeom prst="roundRect">
@@ -37942,7 +40455,7 @@
         </p:nvGrpSpPr>
         <p:grpSpPr>
           <a:xfrm>
-            <a:off x="13740715" y="5866352"/>
+            <a:off x="13716754" y="5590427"/>
             <a:ext cx="3531653" cy="3007365"/>
             <a:chOff x="7254940" y="1625917"/>
             <a:chExt cx="3531653" cy="3007365"/>
@@ -39355,66 +41868,13 @@
       </p:sp>
       <p:sp>
         <p:nvSpPr>
-          <p:cNvPr id="75" name="圓角矩形 74"/>
-          <p:cNvSpPr/>
-          <p:nvPr/>
-        </p:nvSpPr>
-        <p:spPr>
-          <a:xfrm>
-            <a:off x="10888729" y="9039914"/>
-            <a:ext cx="720000" cy="720000"/>
-          </a:xfrm>
-          <a:prstGeom prst="roundRect">
-            <a:avLst/>
-          </a:prstGeom>
-          <a:solidFill>
-            <a:schemeClr val="bg1">
-              <a:alpha val="0"/>
-            </a:schemeClr>
-          </a:solidFill>
-          <a:ln w="50800">
-            <a:noFill/>
-          </a:ln>
-        </p:spPr>
-        <p:style>
-          <a:lnRef idx="2">
-            <a:schemeClr val="accent1">
-              <a:shade val="50000"/>
-            </a:schemeClr>
-          </a:lnRef>
-          <a:fillRef idx="1">
-            <a:schemeClr val="accent1"/>
-          </a:fillRef>
-          <a:effectRef idx="0">
-            <a:schemeClr val="accent1"/>
-          </a:effectRef>
-          <a:fontRef idx="minor">
-            <a:schemeClr val="lt1"/>
-          </a:fontRef>
-        </p:style>
-        <p:txBody>
-          <a:bodyPr rtlCol="0" anchor="ctr"/>
-          <a:lstStyle/>
-          <a:p>
-            <a:pPr algn="ctr"/>
-            <a:r>
-              <a:rPr lang="en-US" altLang="zh-TW" sz="4800" dirty="0">
-                <a:latin typeface="Source Code Pro" panose="020B0509030403020204" pitchFamily="49" charset="0"/>
-              </a:rPr>
-              <a:t>K</a:t>
-            </a:r>
-          </a:p>
-        </p:txBody>
-      </p:sp>
-      <p:sp>
-        <p:nvSpPr>
           <p:cNvPr id="77" name="圓角矩形 76"/>
           <p:cNvSpPr/>
           <p:nvPr/>
         </p:nvSpPr>
         <p:spPr>
           <a:xfrm>
-            <a:off x="15138562" y="9023469"/>
+            <a:off x="15114601" y="8747544"/>
             <a:ext cx="1228305" cy="720000"/>
           </a:xfrm>
           <a:prstGeom prst="roundRect">
@@ -40055,6 +42515,130 @@
           </p:sp>
         </p:grpSp>
       </p:grpSp>
+      <p:grpSp>
+        <p:nvGrpSpPr>
+          <p:cNvPr id="63" name="群組 62"/>
+          <p:cNvGrpSpPr/>
+          <p:nvPr/>
+        </p:nvGrpSpPr>
+        <p:grpSpPr>
+          <a:xfrm>
+            <a:off x="10843506" y="8762711"/>
+            <a:ext cx="998822" cy="929675"/>
+            <a:chOff x="11000692" y="8830239"/>
+            <a:chExt cx="998822" cy="929675"/>
+          </a:xfrm>
+        </p:grpSpPr>
+        <p:sp>
+          <p:nvSpPr>
+            <p:cNvPr id="64" name="圓角矩形 63"/>
+            <p:cNvSpPr/>
+            <p:nvPr/>
+          </p:nvSpPr>
+          <p:spPr>
+            <a:xfrm>
+              <a:off x="11000692" y="9039914"/>
+              <a:ext cx="720000" cy="720000"/>
+            </a:xfrm>
+            <a:prstGeom prst="roundRect">
+              <a:avLst/>
+            </a:prstGeom>
+            <a:solidFill>
+              <a:schemeClr val="bg1">
+                <a:alpha val="0"/>
+              </a:schemeClr>
+            </a:solidFill>
+            <a:ln w="50800">
+              <a:noFill/>
+            </a:ln>
+          </p:spPr>
+          <p:style>
+            <a:lnRef idx="2">
+              <a:schemeClr val="accent1">
+                <a:shade val="50000"/>
+              </a:schemeClr>
+            </a:lnRef>
+            <a:fillRef idx="1">
+              <a:schemeClr val="accent1"/>
+            </a:fillRef>
+            <a:effectRef idx="0">
+              <a:schemeClr val="accent1"/>
+            </a:effectRef>
+            <a:fontRef idx="minor">
+              <a:schemeClr val="lt1"/>
+            </a:fontRef>
+          </p:style>
+          <p:txBody>
+            <a:bodyPr rtlCol="0" anchor="ctr"/>
+            <a:lstStyle/>
+            <a:p>
+              <a:pPr algn="ctr"/>
+              <a:r>
+                <a:rPr lang="en-US" altLang="zh-TW" sz="4800" dirty="0">
+                  <a:latin typeface="Source Code Pro" panose="020B0509030403020204" pitchFamily="49" charset="0"/>
+                </a:rPr>
+                <a:t>K</a:t>
+              </a:r>
+            </a:p>
+          </p:txBody>
+        </p:sp>
+        <p:sp>
+          <p:nvSpPr>
+            <p:cNvPr id="65" name="圓角矩形 64"/>
+            <p:cNvSpPr/>
+            <p:nvPr/>
+          </p:nvSpPr>
+          <p:spPr>
+            <a:xfrm>
+              <a:off x="11279514" y="8830239"/>
+              <a:ext cx="720000" cy="720000"/>
+            </a:xfrm>
+            <a:prstGeom prst="roundRect">
+              <a:avLst/>
+            </a:prstGeom>
+            <a:solidFill>
+              <a:schemeClr val="bg1">
+                <a:alpha val="0"/>
+              </a:schemeClr>
+            </a:solidFill>
+            <a:ln w="50800">
+              <a:noFill/>
+            </a:ln>
+          </p:spPr>
+          <p:style>
+            <a:lnRef idx="2">
+              <a:schemeClr val="accent1">
+                <a:shade val="50000"/>
+              </a:schemeClr>
+            </a:lnRef>
+            <a:fillRef idx="1">
+              <a:schemeClr val="accent1"/>
+            </a:fillRef>
+            <a:effectRef idx="0">
+              <a:schemeClr val="accent1"/>
+            </a:effectRef>
+            <a:fontRef idx="minor">
+              <a:schemeClr val="lt1"/>
+            </a:fontRef>
+          </p:style>
+          <p:txBody>
+            <a:bodyPr rtlCol="0" anchor="ctr"/>
+            <a:lstStyle/>
+            <a:p>
+              <a:pPr algn="ctr"/>
+              <a:r>
+                <a:rPr lang="en-US" altLang="zh-TW" sz="3200" dirty="0" smtClean="0">
+                  <a:latin typeface="Source Code Pro" panose="020B0509030403020204" pitchFamily="49" charset="0"/>
+                </a:rPr>
+                <a:t>T</a:t>
+              </a:r>
+              <a:endParaRPr lang="en-US" altLang="zh-TW" sz="3200" dirty="0">
+                <a:latin typeface="Source Code Pro" panose="020B0509030403020204" pitchFamily="49" charset="0"/>
+              </a:endParaRPr>
+            </a:p>
+          </p:txBody>
+        </p:sp>
+      </p:grpSp>
     </p:spTree>
     <p:extLst>
       <p:ext uri="{BB962C8B-B14F-4D97-AF65-F5344CB8AC3E}">
@@ -40075,7 +42659,1317 @@
 </p:sld>
 </file>
 
-<file path=ppt/slides/slide29.xml><?xml version="1.0" encoding="utf-8"?>
+<file path=ppt/slides/slide3.xml><?xml version="1.0" encoding="utf-8"?>
+<p:sld xmlns:a="http://schemas.openxmlformats.org/drawingml/2006/main" xmlns:r="http://schemas.openxmlformats.org/officeDocument/2006/relationships" xmlns:p="http://schemas.openxmlformats.org/presentationml/2006/main">
+  <p:cSld>
+    <p:bg>
+      <p:bgPr>
+        <a:solidFill>
+          <a:srgbClr val="191919"/>
+        </a:solidFill>
+        <a:effectLst/>
+      </p:bgPr>
+    </p:bg>
+    <p:spTree>
+      <p:nvGrpSpPr>
+        <p:cNvPr id="1" name=""/>
+        <p:cNvGrpSpPr/>
+        <p:nvPr/>
+      </p:nvGrpSpPr>
+      <p:grpSpPr>
+        <a:xfrm>
+          <a:off x="0" y="0"/>
+          <a:ext cx="0" cy="0"/>
+          <a:chOff x="0" y="0"/>
+          <a:chExt cx="0" cy="0"/>
+        </a:xfrm>
+      </p:grpSpPr>
+      <p:sp>
+        <p:nvSpPr>
+          <p:cNvPr id="5" name="圓角矩形 4"/>
+          <p:cNvSpPr/>
+          <p:nvPr/>
+        </p:nvSpPr>
+        <p:spPr>
+          <a:xfrm>
+            <a:off x="12218902" y="5573056"/>
+            <a:ext cx="3849624" cy="566928"/>
+          </a:xfrm>
+          <a:prstGeom prst="roundRect">
+            <a:avLst/>
+          </a:prstGeom>
+          <a:solidFill>
+            <a:srgbClr val="00B0F0"/>
+          </a:solidFill>
+          <a:ln w="25400">
+            <a:solidFill>
+              <a:schemeClr val="bg1"/>
+            </a:solidFill>
+          </a:ln>
+        </p:spPr>
+        <p:style>
+          <a:lnRef idx="2">
+            <a:schemeClr val="accent1">
+              <a:shade val="50000"/>
+            </a:schemeClr>
+          </a:lnRef>
+          <a:fillRef idx="1">
+            <a:schemeClr val="accent1"/>
+          </a:fillRef>
+          <a:effectRef idx="0">
+            <a:schemeClr val="accent1"/>
+          </a:effectRef>
+          <a:fontRef idx="minor">
+            <a:schemeClr val="lt1"/>
+          </a:fontRef>
+        </p:style>
+        <p:txBody>
+          <a:bodyPr rtlCol="0" anchor="ctr"/>
+          <a:lstStyle/>
+          <a:p>
+            <a:pPr algn="ctr"/>
+            <a:r>
+              <a:rPr lang="en-US" altLang="zh-TW" sz="2400" dirty="0">
+                <a:latin typeface="SauceCodePro Nerd Font" panose="020B0509030403020204" pitchFamily="49" charset="0"/>
+              </a:rPr>
+              <a:t>Vector 0</a:t>
+            </a:r>
+            <a:endParaRPr lang="zh-TW" altLang="en-US" sz="2400" dirty="0">
+              <a:latin typeface="SauceCodePro Nerd Font" panose="020B0509030403020204" pitchFamily="49" charset="0"/>
+            </a:endParaRPr>
+          </a:p>
+        </p:txBody>
+      </p:sp>
+      <p:sp>
+        <p:nvSpPr>
+          <p:cNvPr id="7" name="弧形 6"/>
+          <p:cNvSpPr/>
+          <p:nvPr/>
+        </p:nvSpPr>
+        <p:spPr>
+          <a:xfrm>
+            <a:off x="15373584" y="5177283"/>
+            <a:ext cx="694945" cy="791546"/>
+          </a:xfrm>
+          <a:prstGeom prst="arc">
+            <a:avLst/>
+          </a:prstGeom>
+          <a:ln w="38100">
+            <a:solidFill>
+              <a:schemeClr val="bg1"/>
+            </a:solidFill>
+          </a:ln>
+        </p:spPr>
+        <p:style>
+          <a:lnRef idx="1">
+            <a:schemeClr val="accent1"/>
+          </a:lnRef>
+          <a:fillRef idx="0">
+            <a:schemeClr val="accent1"/>
+          </a:fillRef>
+          <a:effectRef idx="0">
+            <a:schemeClr val="accent1"/>
+          </a:effectRef>
+          <a:fontRef idx="minor">
+            <a:schemeClr val="tx1"/>
+          </a:fontRef>
+        </p:style>
+        <p:txBody>
+          <a:bodyPr rtlCol="0" anchor="ctr"/>
+          <a:lstStyle/>
+          <a:p>
+            <a:pPr algn="ctr"/>
+            <a:endParaRPr lang="zh-TW" altLang="en-US"/>
+          </a:p>
+        </p:txBody>
+      </p:sp>
+      <p:sp>
+        <p:nvSpPr>
+          <p:cNvPr id="8" name="弧形 7"/>
+          <p:cNvSpPr/>
+          <p:nvPr/>
+        </p:nvSpPr>
+        <p:spPr>
+          <a:xfrm flipH="1">
+            <a:off x="12218902" y="5177283"/>
+            <a:ext cx="694946" cy="791546"/>
+          </a:xfrm>
+          <a:prstGeom prst="arc">
+            <a:avLst/>
+          </a:prstGeom>
+          <a:ln w="38100">
+            <a:solidFill>
+              <a:schemeClr val="bg1"/>
+            </a:solidFill>
+          </a:ln>
+        </p:spPr>
+        <p:style>
+          <a:lnRef idx="1">
+            <a:schemeClr val="accent1"/>
+          </a:lnRef>
+          <a:fillRef idx="0">
+            <a:schemeClr val="accent1"/>
+          </a:fillRef>
+          <a:effectRef idx="0">
+            <a:schemeClr val="accent1"/>
+          </a:effectRef>
+          <a:fontRef idx="minor">
+            <a:schemeClr val="tx1"/>
+          </a:fontRef>
+        </p:style>
+        <p:txBody>
+          <a:bodyPr rtlCol="0" anchor="ctr"/>
+          <a:lstStyle/>
+          <a:p>
+            <a:pPr algn="ctr"/>
+            <a:endParaRPr lang="zh-TW" altLang="en-US"/>
+          </a:p>
+        </p:txBody>
+      </p:sp>
+      <p:sp>
+        <p:nvSpPr>
+          <p:cNvPr id="9" name="圓角矩形 8"/>
+          <p:cNvSpPr/>
+          <p:nvPr/>
+        </p:nvSpPr>
+        <p:spPr>
+          <a:xfrm>
+            <a:off x="12218902" y="5006128"/>
+            <a:ext cx="3849624" cy="566928"/>
+          </a:xfrm>
+          <a:prstGeom prst="roundRect">
+            <a:avLst/>
+          </a:prstGeom>
+          <a:solidFill>
+            <a:schemeClr val="accent1">
+              <a:alpha val="0"/>
+            </a:schemeClr>
+          </a:solidFill>
+          <a:ln>
+            <a:solidFill>
+              <a:schemeClr val="accent1">
+                <a:shade val="50000"/>
+                <a:alpha val="0"/>
+              </a:schemeClr>
+            </a:solidFill>
+          </a:ln>
+        </p:spPr>
+        <p:style>
+          <a:lnRef idx="2">
+            <a:schemeClr val="accent1">
+              <a:shade val="50000"/>
+            </a:schemeClr>
+          </a:lnRef>
+          <a:fillRef idx="1">
+            <a:schemeClr val="accent1"/>
+          </a:fillRef>
+          <a:effectRef idx="0">
+            <a:schemeClr val="accent1"/>
+          </a:effectRef>
+          <a:fontRef idx="minor">
+            <a:schemeClr val="lt1"/>
+          </a:fontRef>
+        </p:style>
+        <p:txBody>
+          <a:bodyPr rtlCol="0" anchor="ctr"/>
+          <a:lstStyle/>
+          <a:p>
+            <a:pPr algn="ctr"/>
+            <a:r>
+              <a:rPr lang="en-US" altLang="zh-TW" sz="2400" dirty="0">
+                <a:latin typeface="SauceCodePro Nerd Font" panose="020B0509030403020204" pitchFamily="49" charset="0"/>
+                <a:ea typeface="SauceCodePro Nerd Font" panose="020B0509030403020204" pitchFamily="49" charset="0"/>
+              </a:rPr>
+              <a:t>Embedding length</a:t>
+            </a:r>
+            <a:endParaRPr lang="zh-TW" altLang="en-US" sz="2400" dirty="0">
+              <a:latin typeface="SauceCodePro Nerd Font" panose="020B0509030403020204" pitchFamily="49" charset="0"/>
+            </a:endParaRPr>
+          </a:p>
+        </p:txBody>
+      </p:sp>
+      <p:sp>
+        <p:nvSpPr>
+          <p:cNvPr id="10" name="圓角矩形 9"/>
+          <p:cNvSpPr/>
+          <p:nvPr/>
+        </p:nvSpPr>
+        <p:spPr>
+          <a:xfrm>
+            <a:off x="12218902" y="6139984"/>
+            <a:ext cx="3849624" cy="566928"/>
+          </a:xfrm>
+          <a:prstGeom prst="roundRect">
+            <a:avLst/>
+          </a:prstGeom>
+          <a:solidFill>
+            <a:srgbClr val="00B0F0"/>
+          </a:solidFill>
+          <a:ln w="25400">
+            <a:solidFill>
+              <a:schemeClr val="bg1"/>
+            </a:solidFill>
+          </a:ln>
+        </p:spPr>
+        <p:style>
+          <a:lnRef idx="2">
+            <a:schemeClr val="accent1">
+              <a:shade val="50000"/>
+            </a:schemeClr>
+          </a:lnRef>
+          <a:fillRef idx="1">
+            <a:schemeClr val="accent1"/>
+          </a:fillRef>
+          <a:effectRef idx="0">
+            <a:schemeClr val="accent1"/>
+          </a:effectRef>
+          <a:fontRef idx="minor">
+            <a:schemeClr val="lt1"/>
+          </a:fontRef>
+        </p:style>
+        <p:txBody>
+          <a:bodyPr rtlCol="0" anchor="ctr"/>
+          <a:lstStyle/>
+          <a:p>
+            <a:pPr algn="ctr"/>
+            <a:r>
+              <a:rPr lang="en-US" altLang="zh-TW" sz="2400" dirty="0">
+                <a:latin typeface="SauceCodePro Nerd Font" panose="020B0509030403020204" pitchFamily="49" charset="0"/>
+              </a:rPr>
+              <a:t>Vector 1</a:t>
+            </a:r>
+            <a:endParaRPr lang="zh-TW" altLang="en-US" sz="2400" dirty="0">
+              <a:latin typeface="SauceCodePro Nerd Font" panose="020B0509030403020204" pitchFamily="49" charset="0"/>
+            </a:endParaRPr>
+          </a:p>
+        </p:txBody>
+      </p:sp>
+      <p:sp>
+        <p:nvSpPr>
+          <p:cNvPr id="11" name="圓角矩形 10"/>
+          <p:cNvSpPr/>
+          <p:nvPr/>
+        </p:nvSpPr>
+        <p:spPr>
+          <a:xfrm>
+            <a:off x="12218902" y="7256135"/>
+            <a:ext cx="3849624" cy="566928"/>
+          </a:xfrm>
+          <a:prstGeom prst="roundRect">
+            <a:avLst/>
+          </a:prstGeom>
+          <a:solidFill>
+            <a:schemeClr val="accent1">
+              <a:alpha val="0"/>
+            </a:schemeClr>
+          </a:solidFill>
+          <a:ln w="25400">
+            <a:solidFill>
+              <a:schemeClr val="bg1">
+                <a:alpha val="0"/>
+              </a:schemeClr>
+            </a:solidFill>
+          </a:ln>
+        </p:spPr>
+        <p:style>
+          <a:lnRef idx="2">
+            <a:schemeClr val="accent1">
+              <a:shade val="50000"/>
+            </a:schemeClr>
+          </a:lnRef>
+          <a:fillRef idx="1">
+            <a:schemeClr val="accent1"/>
+          </a:fillRef>
+          <a:effectRef idx="0">
+            <a:schemeClr val="accent1"/>
+          </a:effectRef>
+          <a:fontRef idx="minor">
+            <a:schemeClr val="lt1"/>
+          </a:fontRef>
+        </p:style>
+        <p:txBody>
+          <a:bodyPr rtlCol="0" anchor="ctr"/>
+          <a:lstStyle/>
+          <a:p>
+            <a:pPr algn="ctr"/>
+            <a:r>
+              <a:rPr lang="en-US" altLang="zh-TW" sz="3200" dirty="0">
+                <a:latin typeface="SauceCodePro Nerd Font" panose="020B0509030403020204" pitchFamily="49" charset="0"/>
+                <a:ea typeface="SauceCodePro Nerd Font" panose="020B0509030403020204" pitchFamily="49" charset="0"/>
+              </a:rPr>
+              <a:t>.</a:t>
+            </a:r>
+          </a:p>
+          <a:p>
+            <a:pPr algn="ctr"/>
+            <a:r>
+              <a:rPr lang="en-US" altLang="zh-TW" sz="3200" dirty="0">
+                <a:latin typeface="SauceCodePro Nerd Font" panose="020B0509030403020204" pitchFamily="49" charset="0"/>
+                <a:ea typeface="SauceCodePro Nerd Font" panose="020B0509030403020204" pitchFamily="49" charset="0"/>
+              </a:rPr>
+              <a:t>.</a:t>
+            </a:r>
+          </a:p>
+          <a:p>
+            <a:pPr algn="ctr"/>
+            <a:r>
+              <a:rPr lang="en-US" altLang="zh-TW" sz="3200" dirty="0">
+                <a:latin typeface="SauceCodePro Nerd Font" panose="020B0509030403020204" pitchFamily="49" charset="0"/>
+                <a:ea typeface="SauceCodePro Nerd Font" panose="020B0509030403020204" pitchFamily="49" charset="0"/>
+              </a:rPr>
+              <a:t>.</a:t>
+            </a:r>
+            <a:endParaRPr lang="zh-TW" altLang="en-US" sz="3200" dirty="0">
+              <a:latin typeface="SauceCodePro Nerd Font" panose="020B0509030403020204" pitchFamily="49" charset="0"/>
+            </a:endParaRPr>
+          </a:p>
+        </p:txBody>
+      </p:sp>
+      <p:sp>
+        <p:nvSpPr>
+          <p:cNvPr id="14" name="圓角矩形 13"/>
+          <p:cNvSpPr/>
+          <p:nvPr/>
+        </p:nvSpPr>
+        <p:spPr>
+          <a:xfrm>
+            <a:off x="12218902" y="8631977"/>
+            <a:ext cx="3849624" cy="566928"/>
+          </a:xfrm>
+          <a:prstGeom prst="roundRect">
+            <a:avLst/>
+          </a:prstGeom>
+          <a:solidFill>
+            <a:srgbClr val="00B0F0"/>
+          </a:solidFill>
+          <a:ln w="25400">
+            <a:solidFill>
+              <a:schemeClr val="bg1"/>
+            </a:solidFill>
+          </a:ln>
+        </p:spPr>
+        <p:style>
+          <a:lnRef idx="2">
+            <a:schemeClr val="accent1">
+              <a:shade val="50000"/>
+            </a:schemeClr>
+          </a:lnRef>
+          <a:fillRef idx="1">
+            <a:schemeClr val="accent1"/>
+          </a:fillRef>
+          <a:effectRef idx="0">
+            <a:schemeClr val="accent1"/>
+          </a:effectRef>
+          <a:fontRef idx="minor">
+            <a:schemeClr val="lt1"/>
+          </a:fontRef>
+        </p:style>
+        <p:txBody>
+          <a:bodyPr rtlCol="0" anchor="ctr"/>
+          <a:lstStyle/>
+          <a:p>
+            <a:pPr algn="ctr"/>
+            <a:r>
+              <a:rPr lang="en-US" altLang="zh-TW" sz="2400" dirty="0">
+                <a:latin typeface="SauceCodePro Nerd Font" panose="020B0509030403020204" pitchFamily="49" charset="0"/>
+              </a:rPr>
+              <a:t>Vector d</a:t>
+            </a:r>
+            <a:endParaRPr lang="zh-TW" altLang="en-US" sz="2400" dirty="0">
+              <a:latin typeface="SauceCodePro Nerd Font" panose="020B0509030403020204" pitchFamily="49" charset="0"/>
+            </a:endParaRPr>
+          </a:p>
+        </p:txBody>
+      </p:sp>
+      <p:sp>
+        <p:nvSpPr>
+          <p:cNvPr id="20" name="圓角矩形 19"/>
+          <p:cNvSpPr/>
+          <p:nvPr/>
+        </p:nvSpPr>
+        <p:spPr>
+          <a:xfrm rot="5400000">
+            <a:off x="14725303" y="7102516"/>
+            <a:ext cx="3253370" cy="566928"/>
+          </a:xfrm>
+          <a:prstGeom prst="roundRect">
+            <a:avLst/>
+          </a:prstGeom>
+          <a:solidFill>
+            <a:schemeClr val="accent1">
+              <a:alpha val="0"/>
+            </a:schemeClr>
+          </a:solidFill>
+          <a:ln>
+            <a:solidFill>
+              <a:schemeClr val="accent1">
+                <a:shade val="50000"/>
+                <a:alpha val="0"/>
+              </a:schemeClr>
+            </a:solidFill>
+          </a:ln>
+        </p:spPr>
+        <p:style>
+          <a:lnRef idx="2">
+            <a:schemeClr val="accent1">
+              <a:shade val="50000"/>
+            </a:schemeClr>
+          </a:lnRef>
+          <a:fillRef idx="1">
+            <a:schemeClr val="accent1"/>
+          </a:fillRef>
+          <a:effectRef idx="0">
+            <a:schemeClr val="accent1"/>
+          </a:effectRef>
+          <a:fontRef idx="minor">
+            <a:schemeClr val="lt1"/>
+          </a:fontRef>
+        </p:style>
+        <p:txBody>
+          <a:bodyPr rtlCol="0" anchor="ctr"/>
+          <a:lstStyle/>
+          <a:p>
+            <a:pPr algn="ctr"/>
+            <a:r>
+              <a:rPr lang="en-US" altLang="zh-TW" sz="2400" dirty="0">
+                <a:latin typeface="SauceCodePro Nerd Font" panose="020B0509030403020204" pitchFamily="49" charset="0"/>
+                <a:ea typeface="SauceCodePro Nerd Font" panose="020B0509030403020204" pitchFamily="49" charset="0"/>
+              </a:rPr>
+              <a:t>Dictionary</a:t>
+            </a:r>
+            <a:r>
+              <a:rPr lang="zh-TW" altLang="en-US" sz="2400" dirty="0">
+                <a:latin typeface="SauceCodePro Nerd Font" panose="020B0509030403020204" pitchFamily="49" charset="0"/>
+                <a:ea typeface="SauceCodePro Nerd Font" panose="020B0509030403020204" pitchFamily="49" charset="0"/>
+              </a:rPr>
+              <a:t> </a:t>
+            </a:r>
+            <a:r>
+              <a:rPr lang="en-US" altLang="zh-TW" sz="2400" dirty="0">
+                <a:latin typeface="SauceCodePro Nerd Font" panose="020B0509030403020204" pitchFamily="49" charset="0"/>
+                <a:ea typeface="SauceCodePro Nerd Font" panose="020B0509030403020204" pitchFamily="49" charset="0"/>
+              </a:rPr>
+              <a:t>size</a:t>
+            </a:r>
+            <a:endParaRPr lang="zh-TW" altLang="en-US" sz="2400" dirty="0">
+              <a:latin typeface="SauceCodePro Nerd Font" panose="020B0509030403020204" pitchFamily="49" charset="0"/>
+            </a:endParaRPr>
+          </a:p>
+        </p:txBody>
+      </p:sp>
+      <p:sp>
+        <p:nvSpPr>
+          <p:cNvPr id="21" name="弧形 20"/>
+          <p:cNvSpPr/>
+          <p:nvPr/>
+        </p:nvSpPr>
+        <p:spPr>
+          <a:xfrm rot="5400000" flipH="1">
+            <a:off x="15721051" y="5524756"/>
+            <a:ext cx="694946" cy="791546"/>
+          </a:xfrm>
+          <a:prstGeom prst="arc">
+            <a:avLst/>
+          </a:prstGeom>
+          <a:ln w="38100">
+            <a:solidFill>
+              <a:schemeClr val="bg1"/>
+            </a:solidFill>
+          </a:ln>
+        </p:spPr>
+        <p:style>
+          <a:lnRef idx="1">
+            <a:schemeClr val="accent1"/>
+          </a:lnRef>
+          <a:fillRef idx="0">
+            <a:schemeClr val="accent1"/>
+          </a:fillRef>
+          <a:effectRef idx="0">
+            <a:schemeClr val="accent1"/>
+          </a:effectRef>
+          <a:fontRef idx="minor">
+            <a:schemeClr val="tx1"/>
+          </a:fontRef>
+        </p:style>
+        <p:txBody>
+          <a:bodyPr rtlCol="0" anchor="ctr"/>
+          <a:lstStyle/>
+          <a:p>
+            <a:pPr algn="ctr"/>
+            <a:endParaRPr lang="zh-TW" altLang="en-US"/>
+          </a:p>
+        </p:txBody>
+      </p:sp>
+      <p:sp>
+        <p:nvSpPr>
+          <p:cNvPr id="22" name="弧形 21"/>
+          <p:cNvSpPr/>
+          <p:nvPr/>
+        </p:nvSpPr>
+        <p:spPr>
+          <a:xfrm rot="5400000">
+            <a:off x="15721055" y="8455658"/>
+            <a:ext cx="694945" cy="791546"/>
+          </a:xfrm>
+          <a:prstGeom prst="arc">
+            <a:avLst/>
+          </a:prstGeom>
+          <a:ln w="38100">
+            <a:solidFill>
+              <a:schemeClr val="bg1"/>
+            </a:solidFill>
+          </a:ln>
+        </p:spPr>
+        <p:style>
+          <a:lnRef idx="1">
+            <a:schemeClr val="accent1"/>
+          </a:lnRef>
+          <a:fillRef idx="0">
+            <a:schemeClr val="accent1"/>
+          </a:fillRef>
+          <a:effectRef idx="0">
+            <a:schemeClr val="accent1"/>
+          </a:effectRef>
+          <a:fontRef idx="minor">
+            <a:schemeClr val="tx1"/>
+          </a:fontRef>
+        </p:style>
+        <p:txBody>
+          <a:bodyPr rtlCol="0" anchor="ctr"/>
+          <a:lstStyle/>
+          <a:p>
+            <a:pPr algn="ctr"/>
+            <a:endParaRPr lang="zh-TW" altLang="en-US"/>
+          </a:p>
+        </p:txBody>
+      </p:sp>
+      <p:sp>
+        <p:nvSpPr>
+          <p:cNvPr id="23" name="圓角矩形 22"/>
+          <p:cNvSpPr/>
+          <p:nvPr/>
+        </p:nvSpPr>
+        <p:spPr>
+          <a:xfrm>
+            <a:off x="9771244" y="5749680"/>
+            <a:ext cx="675710" cy="619460"/>
+          </a:xfrm>
+          <a:prstGeom prst="roundRect">
+            <a:avLst/>
+          </a:prstGeom>
+          <a:solidFill>
+            <a:schemeClr val="accent1">
+              <a:alpha val="0"/>
+            </a:schemeClr>
+          </a:solidFill>
+          <a:ln w="25400">
+            <a:solidFill>
+              <a:srgbClr val="FF0066"/>
+            </a:solidFill>
+          </a:ln>
+        </p:spPr>
+        <p:style>
+          <a:lnRef idx="2">
+            <a:schemeClr val="accent1">
+              <a:shade val="50000"/>
+            </a:schemeClr>
+          </a:lnRef>
+          <a:fillRef idx="1">
+            <a:schemeClr val="accent1"/>
+          </a:fillRef>
+          <a:effectRef idx="0">
+            <a:schemeClr val="accent1"/>
+          </a:effectRef>
+          <a:fontRef idx="minor">
+            <a:schemeClr val="lt1"/>
+          </a:fontRef>
+        </p:style>
+        <p:txBody>
+          <a:bodyPr rtlCol="0" anchor="ctr"/>
+          <a:lstStyle/>
+          <a:p>
+            <a:r>
+              <a:rPr lang="en-US" altLang="zh-TW" sz="2400" dirty="0">
+                <a:latin typeface="SauceCodePro Nerd Font" panose="020B0509030403020204" pitchFamily="49" charset="0"/>
+                <a:ea typeface="SauceCodePro Nerd Font" panose="020B0509030403020204" pitchFamily="49" charset="0"/>
+              </a:rPr>
+              <a:t>1</a:t>
+            </a:r>
+            <a:endParaRPr lang="zh-TW" altLang="en-US" sz="2400" dirty="0">
+              <a:latin typeface="SauceCodePro Nerd Font" panose="020B0509030403020204" pitchFamily="49" charset="0"/>
+            </a:endParaRPr>
+          </a:p>
+        </p:txBody>
+      </p:sp>
+      <p:sp>
+        <p:nvSpPr>
+          <p:cNvPr id="17" name="圓角矩形 16"/>
+          <p:cNvSpPr/>
+          <p:nvPr/>
+        </p:nvSpPr>
+        <p:spPr>
+          <a:xfrm>
+            <a:off x="9771244" y="6369140"/>
+            <a:ext cx="675710" cy="619460"/>
+          </a:xfrm>
+          <a:prstGeom prst="roundRect">
+            <a:avLst/>
+          </a:prstGeom>
+          <a:solidFill>
+            <a:schemeClr val="accent1">
+              <a:alpha val="0"/>
+            </a:schemeClr>
+          </a:solidFill>
+          <a:ln w="25400">
+            <a:solidFill>
+              <a:srgbClr val="FF0066"/>
+            </a:solidFill>
+          </a:ln>
+        </p:spPr>
+        <p:style>
+          <a:lnRef idx="2">
+            <a:schemeClr val="accent1">
+              <a:shade val="50000"/>
+            </a:schemeClr>
+          </a:lnRef>
+          <a:fillRef idx="1">
+            <a:schemeClr val="accent1"/>
+          </a:fillRef>
+          <a:effectRef idx="0">
+            <a:schemeClr val="accent1"/>
+          </a:effectRef>
+          <a:fontRef idx="minor">
+            <a:schemeClr val="lt1"/>
+          </a:fontRef>
+        </p:style>
+        <p:txBody>
+          <a:bodyPr rtlCol="0" anchor="ctr"/>
+          <a:lstStyle/>
+          <a:p>
+            <a:r>
+              <a:rPr lang="en-US" altLang="zh-TW" sz="2400" dirty="0">
+                <a:latin typeface="SauceCodePro Nerd Font" panose="020B0509030403020204" pitchFamily="49" charset="0"/>
+                <a:ea typeface="SauceCodePro Nerd Font" panose="020B0509030403020204" pitchFamily="49" charset="0"/>
+              </a:rPr>
+              <a:t>12</a:t>
+            </a:r>
+            <a:endParaRPr lang="zh-TW" altLang="en-US" sz="2400" dirty="0">
+              <a:latin typeface="SauceCodePro Nerd Font" panose="020B0509030403020204" pitchFamily="49" charset="0"/>
+            </a:endParaRPr>
+          </a:p>
+        </p:txBody>
+      </p:sp>
+      <p:sp>
+        <p:nvSpPr>
+          <p:cNvPr id="18" name="圓角矩形 17"/>
+          <p:cNvSpPr/>
+          <p:nvPr/>
+        </p:nvSpPr>
+        <p:spPr>
+          <a:xfrm>
+            <a:off x="9771244" y="6988600"/>
+            <a:ext cx="675710" cy="619460"/>
+          </a:xfrm>
+          <a:prstGeom prst="roundRect">
+            <a:avLst/>
+          </a:prstGeom>
+          <a:solidFill>
+            <a:schemeClr val="accent1">
+              <a:alpha val="0"/>
+            </a:schemeClr>
+          </a:solidFill>
+          <a:ln w="25400">
+            <a:solidFill>
+              <a:srgbClr val="FF0066"/>
+            </a:solidFill>
+          </a:ln>
+        </p:spPr>
+        <p:style>
+          <a:lnRef idx="2">
+            <a:schemeClr val="accent1">
+              <a:shade val="50000"/>
+            </a:schemeClr>
+          </a:lnRef>
+          <a:fillRef idx="1">
+            <a:schemeClr val="accent1"/>
+          </a:fillRef>
+          <a:effectRef idx="0">
+            <a:schemeClr val="accent1"/>
+          </a:effectRef>
+          <a:fontRef idx="minor">
+            <a:schemeClr val="lt1"/>
+          </a:fontRef>
+        </p:style>
+        <p:txBody>
+          <a:bodyPr rtlCol="0" anchor="ctr"/>
+          <a:lstStyle/>
+          <a:p>
+            <a:r>
+              <a:rPr lang="en-US" altLang="zh-TW" sz="2400" dirty="0">
+                <a:latin typeface="SauceCodePro Nerd Font" panose="020B0509030403020204" pitchFamily="49" charset="0"/>
+                <a:ea typeface="SauceCodePro Nerd Font" panose="020B0509030403020204" pitchFamily="49" charset="0"/>
+              </a:rPr>
+              <a:t>0</a:t>
+            </a:r>
+            <a:endParaRPr lang="zh-TW" altLang="en-US" sz="2400" dirty="0">
+              <a:latin typeface="SauceCodePro Nerd Font" panose="020B0509030403020204" pitchFamily="49" charset="0"/>
+            </a:endParaRPr>
+          </a:p>
+        </p:txBody>
+      </p:sp>
+      <p:sp>
+        <p:nvSpPr>
+          <p:cNvPr id="19" name="圓角矩形 18"/>
+          <p:cNvSpPr/>
+          <p:nvPr/>
+        </p:nvSpPr>
+        <p:spPr>
+          <a:xfrm>
+            <a:off x="9771244" y="7608060"/>
+            <a:ext cx="675710" cy="619460"/>
+          </a:xfrm>
+          <a:prstGeom prst="roundRect">
+            <a:avLst/>
+          </a:prstGeom>
+          <a:solidFill>
+            <a:schemeClr val="accent1">
+              <a:alpha val="0"/>
+            </a:schemeClr>
+          </a:solidFill>
+          <a:ln w="25400">
+            <a:solidFill>
+              <a:srgbClr val="FF0066"/>
+            </a:solidFill>
+          </a:ln>
+        </p:spPr>
+        <p:style>
+          <a:lnRef idx="2">
+            <a:schemeClr val="accent1">
+              <a:shade val="50000"/>
+            </a:schemeClr>
+          </a:lnRef>
+          <a:fillRef idx="1">
+            <a:schemeClr val="accent1"/>
+          </a:fillRef>
+          <a:effectRef idx="0">
+            <a:schemeClr val="accent1"/>
+          </a:effectRef>
+          <a:fontRef idx="minor">
+            <a:schemeClr val="lt1"/>
+          </a:fontRef>
+        </p:style>
+        <p:txBody>
+          <a:bodyPr rtlCol="0" anchor="ctr"/>
+          <a:lstStyle/>
+          <a:p>
+            <a:r>
+              <a:rPr lang="en-US" altLang="zh-TW" sz="2400" dirty="0">
+                <a:latin typeface="SauceCodePro Nerd Font" panose="020B0509030403020204" pitchFamily="49" charset="0"/>
+                <a:ea typeface="SauceCodePro Nerd Font" panose="020B0509030403020204" pitchFamily="49" charset="0"/>
+              </a:rPr>
+              <a:t>d</a:t>
+            </a:r>
+            <a:endParaRPr lang="zh-TW" altLang="en-US" sz="2400" dirty="0">
+              <a:latin typeface="SauceCodePro Nerd Font" panose="020B0509030403020204" pitchFamily="49" charset="0"/>
+            </a:endParaRPr>
+          </a:p>
+        </p:txBody>
+      </p:sp>
+      <p:sp>
+        <p:nvSpPr>
+          <p:cNvPr id="26" name="圓角矩形 25"/>
+          <p:cNvSpPr/>
+          <p:nvPr/>
+        </p:nvSpPr>
+        <p:spPr>
+          <a:xfrm>
+            <a:off x="9771244" y="8227520"/>
+            <a:ext cx="675710" cy="619460"/>
+          </a:xfrm>
+          <a:prstGeom prst="roundRect">
+            <a:avLst/>
+          </a:prstGeom>
+          <a:solidFill>
+            <a:schemeClr val="accent1">
+              <a:alpha val="0"/>
+            </a:schemeClr>
+          </a:solidFill>
+          <a:ln w="25400">
+            <a:solidFill>
+              <a:srgbClr val="FF0066"/>
+            </a:solidFill>
+          </a:ln>
+        </p:spPr>
+        <p:style>
+          <a:lnRef idx="2">
+            <a:schemeClr val="accent1">
+              <a:shade val="50000"/>
+            </a:schemeClr>
+          </a:lnRef>
+          <a:fillRef idx="1">
+            <a:schemeClr val="accent1"/>
+          </a:fillRef>
+          <a:effectRef idx="0">
+            <a:schemeClr val="accent1"/>
+          </a:effectRef>
+          <a:fontRef idx="minor">
+            <a:schemeClr val="lt1"/>
+          </a:fontRef>
+        </p:style>
+        <p:txBody>
+          <a:bodyPr rtlCol="0" anchor="ctr"/>
+          <a:lstStyle/>
+          <a:p>
+            <a:r>
+              <a:rPr lang="en-US" altLang="zh-TW" sz="2400" dirty="0">
+                <a:latin typeface="SauceCodePro Nerd Font" panose="020B0509030403020204" pitchFamily="49" charset="0"/>
+                <a:ea typeface="SauceCodePro Nerd Font" panose="020B0509030403020204" pitchFamily="49" charset="0"/>
+              </a:rPr>
+              <a:t>5</a:t>
+            </a:r>
+            <a:endParaRPr lang="zh-TW" altLang="en-US" sz="2400" dirty="0">
+              <a:latin typeface="SauceCodePro Nerd Font" panose="020B0509030403020204" pitchFamily="49" charset="0"/>
+            </a:endParaRPr>
+          </a:p>
+        </p:txBody>
+      </p:sp>
+      <p:cxnSp>
+        <p:nvCxnSpPr>
+          <p:cNvPr id="27" name="直線單箭頭接點 26"/>
+          <p:cNvCxnSpPr>
+            <a:stCxn id="23" idx="3"/>
+            <a:endCxn id="10" idx="1"/>
+          </p:cNvCxnSpPr>
+          <p:nvPr/>
+        </p:nvCxnSpPr>
+        <p:spPr>
+          <a:xfrm>
+            <a:off x="10446954" y="6059410"/>
+            <a:ext cx="1771948" cy="364038"/>
+          </a:xfrm>
+          <a:prstGeom prst="straightConnector1">
+            <a:avLst/>
+          </a:prstGeom>
+          <a:ln w="63500">
+            <a:solidFill>
+              <a:schemeClr val="accent6">
+                <a:lumMod val="60000"/>
+                <a:lumOff val="40000"/>
+              </a:schemeClr>
+            </a:solidFill>
+            <a:tailEnd type="triangle"/>
+          </a:ln>
+        </p:spPr>
+        <p:style>
+          <a:lnRef idx="1">
+            <a:schemeClr val="accent1"/>
+          </a:lnRef>
+          <a:fillRef idx="0">
+            <a:schemeClr val="accent1"/>
+          </a:fillRef>
+          <a:effectRef idx="0">
+            <a:schemeClr val="accent1"/>
+          </a:effectRef>
+          <a:fontRef idx="minor">
+            <a:schemeClr val="tx1"/>
+          </a:fontRef>
+        </p:style>
+      </p:cxnSp>
+      <p:cxnSp>
+        <p:nvCxnSpPr>
+          <p:cNvPr id="28" name="直線單箭頭接點 27"/>
+          <p:cNvCxnSpPr>
+            <a:stCxn id="18" idx="3"/>
+            <a:endCxn id="5" idx="1"/>
+          </p:cNvCxnSpPr>
+          <p:nvPr/>
+        </p:nvCxnSpPr>
+        <p:spPr>
+          <a:xfrm flipV="1">
+            <a:off x="10446954" y="5856520"/>
+            <a:ext cx="1771948" cy="1441810"/>
+          </a:xfrm>
+          <a:prstGeom prst="straightConnector1">
+            <a:avLst/>
+          </a:prstGeom>
+          <a:ln w="63500">
+            <a:solidFill>
+              <a:schemeClr val="accent6">
+                <a:lumMod val="60000"/>
+                <a:lumOff val="40000"/>
+              </a:schemeClr>
+            </a:solidFill>
+            <a:tailEnd type="triangle"/>
+          </a:ln>
+        </p:spPr>
+        <p:style>
+          <a:lnRef idx="1">
+            <a:schemeClr val="accent1"/>
+          </a:lnRef>
+          <a:fillRef idx="0">
+            <a:schemeClr val="accent1"/>
+          </a:fillRef>
+          <a:effectRef idx="0">
+            <a:schemeClr val="accent1"/>
+          </a:effectRef>
+          <a:fontRef idx="minor">
+            <a:schemeClr val="tx1"/>
+          </a:fontRef>
+        </p:style>
+      </p:cxnSp>
+      <p:cxnSp>
+        <p:nvCxnSpPr>
+          <p:cNvPr id="29" name="直線單箭頭接點 28"/>
+          <p:cNvCxnSpPr>
+            <a:stCxn id="19" idx="3"/>
+            <a:endCxn id="14" idx="1"/>
+          </p:cNvCxnSpPr>
+          <p:nvPr/>
+        </p:nvCxnSpPr>
+        <p:spPr>
+          <a:xfrm>
+            <a:off x="10446954" y="7917794"/>
+            <a:ext cx="1771948" cy="997651"/>
+          </a:xfrm>
+          <a:prstGeom prst="straightConnector1">
+            <a:avLst/>
+          </a:prstGeom>
+          <a:ln w="63500">
+            <a:solidFill>
+              <a:schemeClr val="accent6">
+                <a:lumMod val="60000"/>
+                <a:lumOff val="40000"/>
+              </a:schemeClr>
+            </a:solidFill>
+            <a:tailEnd type="triangle"/>
+          </a:ln>
+        </p:spPr>
+        <p:style>
+          <a:lnRef idx="1">
+            <a:schemeClr val="accent1"/>
+          </a:lnRef>
+          <a:fillRef idx="0">
+            <a:schemeClr val="accent1"/>
+          </a:fillRef>
+          <a:effectRef idx="0">
+            <a:schemeClr val="accent1"/>
+          </a:effectRef>
+          <a:fontRef idx="minor">
+            <a:schemeClr val="tx1"/>
+          </a:fontRef>
+        </p:style>
+      </p:cxnSp>
+      <p:cxnSp>
+        <p:nvCxnSpPr>
+          <p:cNvPr id="31" name="直線單箭頭接點 30"/>
+          <p:cNvCxnSpPr>
+            <a:stCxn id="17" idx="3"/>
+            <a:endCxn id="11" idx="1"/>
+          </p:cNvCxnSpPr>
+          <p:nvPr/>
+        </p:nvCxnSpPr>
+        <p:spPr>
+          <a:xfrm>
+            <a:off x="10446954" y="6678874"/>
+            <a:ext cx="1771948" cy="860729"/>
+          </a:xfrm>
+          <a:prstGeom prst="straightConnector1">
+            <a:avLst/>
+          </a:prstGeom>
+          <a:ln w="63500">
+            <a:solidFill>
+              <a:schemeClr val="accent6">
+                <a:lumMod val="60000"/>
+                <a:lumOff val="40000"/>
+              </a:schemeClr>
+            </a:solidFill>
+            <a:tailEnd type="triangle"/>
+          </a:ln>
+        </p:spPr>
+        <p:style>
+          <a:lnRef idx="1">
+            <a:schemeClr val="accent1"/>
+          </a:lnRef>
+          <a:fillRef idx="0">
+            <a:schemeClr val="accent1"/>
+          </a:fillRef>
+          <a:effectRef idx="0">
+            <a:schemeClr val="accent1"/>
+          </a:effectRef>
+          <a:fontRef idx="minor">
+            <a:schemeClr val="tx1"/>
+          </a:fontRef>
+        </p:style>
+      </p:cxnSp>
+      <p:cxnSp>
+        <p:nvCxnSpPr>
+          <p:cNvPr id="34" name="直線單箭頭接點 33"/>
+          <p:cNvCxnSpPr>
+            <a:stCxn id="26" idx="3"/>
+          </p:cNvCxnSpPr>
+          <p:nvPr/>
+        </p:nvCxnSpPr>
+        <p:spPr>
+          <a:xfrm flipV="1">
+            <a:off x="10446954" y="7098445"/>
+            <a:ext cx="1771948" cy="1438809"/>
+          </a:xfrm>
+          <a:prstGeom prst="straightConnector1">
+            <a:avLst/>
+          </a:prstGeom>
+          <a:ln w="63500">
+            <a:solidFill>
+              <a:schemeClr val="accent6">
+                <a:lumMod val="60000"/>
+                <a:lumOff val="40000"/>
+              </a:schemeClr>
+            </a:solidFill>
+            <a:tailEnd type="triangle"/>
+          </a:ln>
+        </p:spPr>
+        <p:style>
+          <a:lnRef idx="1">
+            <a:schemeClr val="accent1"/>
+          </a:lnRef>
+          <a:fillRef idx="0">
+            <a:schemeClr val="accent1"/>
+          </a:fillRef>
+          <a:effectRef idx="0">
+            <a:schemeClr val="accent1"/>
+          </a:effectRef>
+          <a:fontRef idx="minor">
+            <a:schemeClr val="tx1"/>
+          </a:fontRef>
+        </p:style>
+      </p:cxnSp>
+      <p:sp>
+        <p:nvSpPr>
+          <p:cNvPr id="44" name="圓角矩形 43"/>
+          <p:cNvSpPr/>
+          <p:nvPr/>
+        </p:nvSpPr>
+        <p:spPr>
+          <a:xfrm rot="16200000">
+            <a:off x="7844366" y="7005292"/>
+            <a:ext cx="3253370" cy="566928"/>
+          </a:xfrm>
+          <a:prstGeom prst="roundRect">
+            <a:avLst/>
+          </a:prstGeom>
+          <a:solidFill>
+            <a:schemeClr val="accent1">
+              <a:alpha val="0"/>
+            </a:schemeClr>
+          </a:solidFill>
+          <a:ln>
+            <a:solidFill>
+              <a:schemeClr val="accent1">
+                <a:shade val="50000"/>
+                <a:alpha val="0"/>
+              </a:schemeClr>
+            </a:solidFill>
+          </a:ln>
+        </p:spPr>
+        <p:style>
+          <a:lnRef idx="2">
+            <a:schemeClr val="accent1">
+              <a:shade val="50000"/>
+            </a:schemeClr>
+          </a:lnRef>
+          <a:fillRef idx="1">
+            <a:schemeClr val="accent1"/>
+          </a:fillRef>
+          <a:effectRef idx="0">
+            <a:schemeClr val="accent1"/>
+          </a:effectRef>
+          <a:fontRef idx="minor">
+            <a:schemeClr val="lt1"/>
+          </a:fontRef>
+        </p:style>
+        <p:txBody>
+          <a:bodyPr rtlCol="0" anchor="ctr"/>
+          <a:lstStyle/>
+          <a:p>
+            <a:pPr algn="ctr"/>
+            <a:r>
+              <a:rPr lang="en-US" altLang="zh-TW" sz="2400" dirty="0">
+                <a:latin typeface="SauceCodePro Nerd Font" panose="020B0509030403020204" pitchFamily="49" charset="0"/>
+              </a:rPr>
+              <a:t>Input length</a:t>
+            </a:r>
+            <a:endParaRPr lang="zh-TW" altLang="en-US" sz="2400" dirty="0">
+              <a:latin typeface="SauceCodePro Nerd Font" panose="020B0509030403020204" pitchFamily="49" charset="0"/>
+            </a:endParaRPr>
+          </a:p>
+        </p:txBody>
+      </p:sp>
+      <p:sp>
+        <p:nvSpPr>
+          <p:cNvPr id="45" name="弧形 44"/>
+          <p:cNvSpPr/>
+          <p:nvPr/>
+        </p:nvSpPr>
+        <p:spPr>
+          <a:xfrm rot="16200000" flipH="1">
+            <a:off x="9411696" y="8103734"/>
+            <a:ext cx="694946" cy="791546"/>
+          </a:xfrm>
+          <a:prstGeom prst="arc">
+            <a:avLst/>
+          </a:prstGeom>
+          <a:ln w="38100">
+            <a:solidFill>
+              <a:schemeClr val="bg1"/>
+            </a:solidFill>
+          </a:ln>
+        </p:spPr>
+        <p:style>
+          <a:lnRef idx="1">
+            <a:schemeClr val="accent1"/>
+          </a:lnRef>
+          <a:fillRef idx="0">
+            <a:schemeClr val="accent1"/>
+          </a:fillRef>
+          <a:effectRef idx="0">
+            <a:schemeClr val="accent1"/>
+          </a:effectRef>
+          <a:fontRef idx="minor">
+            <a:schemeClr val="tx1"/>
+          </a:fontRef>
+        </p:style>
+        <p:txBody>
+          <a:bodyPr rtlCol="0" anchor="ctr"/>
+          <a:lstStyle/>
+          <a:p>
+            <a:pPr algn="ctr"/>
+            <a:endParaRPr lang="zh-TW" altLang="en-US"/>
+          </a:p>
+        </p:txBody>
+      </p:sp>
+      <p:sp>
+        <p:nvSpPr>
+          <p:cNvPr id="46" name="弧形 45"/>
+          <p:cNvSpPr/>
+          <p:nvPr/>
+        </p:nvSpPr>
+        <p:spPr>
+          <a:xfrm rot="16200000">
+            <a:off x="9411699" y="5704448"/>
+            <a:ext cx="694945" cy="791546"/>
+          </a:xfrm>
+          <a:prstGeom prst="arc">
+            <a:avLst/>
+          </a:prstGeom>
+          <a:ln w="38100">
+            <a:solidFill>
+              <a:schemeClr val="bg1"/>
+            </a:solidFill>
+          </a:ln>
+        </p:spPr>
+        <p:style>
+          <a:lnRef idx="1">
+            <a:schemeClr val="accent1"/>
+          </a:lnRef>
+          <a:fillRef idx="0">
+            <a:schemeClr val="accent1"/>
+          </a:fillRef>
+          <a:effectRef idx="0">
+            <a:schemeClr val="accent1"/>
+          </a:effectRef>
+          <a:fontRef idx="minor">
+            <a:schemeClr val="tx1"/>
+          </a:fontRef>
+        </p:style>
+        <p:txBody>
+          <a:bodyPr rtlCol="0" anchor="ctr"/>
+          <a:lstStyle/>
+          <a:p>
+            <a:pPr algn="ctr"/>
+            <a:endParaRPr lang="zh-TW" altLang="en-US"/>
+          </a:p>
+        </p:txBody>
+      </p:sp>
+      <p:sp>
+        <p:nvSpPr>
+          <p:cNvPr id="30" name="圓角矩形 29"/>
+          <p:cNvSpPr/>
+          <p:nvPr/>
+        </p:nvSpPr>
+        <p:spPr>
+          <a:xfrm>
+            <a:off x="9138313" y="8846980"/>
+            <a:ext cx="1921802" cy="566928"/>
+          </a:xfrm>
+          <a:prstGeom prst="roundRect">
+            <a:avLst/>
+          </a:prstGeom>
+          <a:solidFill>
+            <a:schemeClr val="accent1">
+              <a:alpha val="0"/>
+            </a:schemeClr>
+          </a:solidFill>
+          <a:ln w="25400">
+            <a:solidFill>
+              <a:srgbClr val="FF0066">
+                <a:alpha val="0"/>
+              </a:srgbClr>
+            </a:solidFill>
+          </a:ln>
+        </p:spPr>
+        <p:style>
+          <a:lnRef idx="2">
+            <a:schemeClr val="accent1">
+              <a:shade val="50000"/>
+            </a:schemeClr>
+          </a:lnRef>
+          <a:fillRef idx="1">
+            <a:schemeClr val="accent1"/>
+          </a:fillRef>
+          <a:effectRef idx="0">
+            <a:schemeClr val="accent1"/>
+          </a:effectRef>
+          <a:fontRef idx="minor">
+            <a:schemeClr val="lt1"/>
+          </a:fontRef>
+        </p:style>
+        <p:txBody>
+          <a:bodyPr rtlCol="0" anchor="ctr"/>
+          <a:lstStyle/>
+          <a:p>
+            <a:r>
+              <a:rPr lang="en-US" altLang="zh-TW" sz="2400" dirty="0">
+                <a:latin typeface="SauceCodePro Nerd Font" panose="020B0509030403020204" pitchFamily="49" charset="0"/>
+                <a:ea typeface="SauceCodePro Nerd Font" panose="020B0509030403020204" pitchFamily="49" charset="0"/>
+              </a:rPr>
+              <a:t>Symbol id</a:t>
+            </a:r>
+            <a:endParaRPr lang="zh-TW" altLang="en-US" sz="2400" dirty="0">
+              <a:latin typeface="SauceCodePro Nerd Font" panose="020B0509030403020204" pitchFamily="49" charset="0"/>
+            </a:endParaRPr>
+          </a:p>
+        </p:txBody>
+      </p:sp>
+    </p:spTree>
+    <p:extLst>
+      <p:ext uri="{BB962C8B-B14F-4D97-AF65-F5344CB8AC3E}">
+        <p14:creationId xmlns:p14="http://schemas.microsoft.com/office/powerpoint/2010/main" val="3963773577"/>
+      </p:ext>
+    </p:extLst>
+  </p:cSld>
+  <p:clrMapOvr>
+    <a:masterClrMapping/>
+  </p:clrMapOvr>
+  <p:timing>
+    <p:tnLst>
+      <p:par>
+        <p:cTn id="1" dur="indefinite" restart="never" nodeType="tmRoot"/>
+      </p:par>
+    </p:tnLst>
+  </p:timing>
+</p:sld>
+</file>
+
+<file path=ppt/slides/slide30.xml><?xml version="1.0" encoding="utf-8"?>
 <p:sld xmlns:a="http://schemas.openxmlformats.org/drawingml/2006/main" xmlns:r="http://schemas.openxmlformats.org/officeDocument/2006/relationships" xmlns:p="http://schemas.openxmlformats.org/presentationml/2006/main">
   <p:cSld>
     <p:bg>
@@ -43804,1317 +47698,7 @@
 </p:sld>
 </file>
 
-<file path=ppt/slides/slide3.xml><?xml version="1.0" encoding="utf-8"?>
-<p:sld xmlns:a="http://schemas.openxmlformats.org/drawingml/2006/main" xmlns:r="http://schemas.openxmlformats.org/officeDocument/2006/relationships" xmlns:p="http://schemas.openxmlformats.org/presentationml/2006/main">
-  <p:cSld>
-    <p:bg>
-      <p:bgPr>
-        <a:solidFill>
-          <a:srgbClr val="191919"/>
-        </a:solidFill>
-        <a:effectLst/>
-      </p:bgPr>
-    </p:bg>
-    <p:spTree>
-      <p:nvGrpSpPr>
-        <p:cNvPr id="1" name=""/>
-        <p:cNvGrpSpPr/>
-        <p:nvPr/>
-      </p:nvGrpSpPr>
-      <p:grpSpPr>
-        <a:xfrm>
-          <a:off x="0" y="0"/>
-          <a:ext cx="0" cy="0"/>
-          <a:chOff x="0" y="0"/>
-          <a:chExt cx="0" cy="0"/>
-        </a:xfrm>
-      </p:grpSpPr>
-      <p:sp>
-        <p:nvSpPr>
-          <p:cNvPr id="5" name="圓角矩形 4"/>
-          <p:cNvSpPr/>
-          <p:nvPr/>
-        </p:nvSpPr>
-        <p:spPr>
-          <a:xfrm>
-            <a:off x="12218902" y="5573056"/>
-            <a:ext cx="3849624" cy="566928"/>
-          </a:xfrm>
-          <a:prstGeom prst="roundRect">
-            <a:avLst/>
-          </a:prstGeom>
-          <a:solidFill>
-            <a:srgbClr val="00B0F0"/>
-          </a:solidFill>
-          <a:ln w="25400">
-            <a:solidFill>
-              <a:schemeClr val="bg1"/>
-            </a:solidFill>
-          </a:ln>
-        </p:spPr>
-        <p:style>
-          <a:lnRef idx="2">
-            <a:schemeClr val="accent1">
-              <a:shade val="50000"/>
-            </a:schemeClr>
-          </a:lnRef>
-          <a:fillRef idx="1">
-            <a:schemeClr val="accent1"/>
-          </a:fillRef>
-          <a:effectRef idx="0">
-            <a:schemeClr val="accent1"/>
-          </a:effectRef>
-          <a:fontRef idx="minor">
-            <a:schemeClr val="lt1"/>
-          </a:fontRef>
-        </p:style>
-        <p:txBody>
-          <a:bodyPr rtlCol="0" anchor="ctr"/>
-          <a:lstStyle/>
-          <a:p>
-            <a:pPr algn="ctr"/>
-            <a:r>
-              <a:rPr lang="en-US" altLang="zh-TW" sz="2400" dirty="0">
-                <a:latin typeface="SauceCodePro Nerd Font" panose="020B0509030403020204" pitchFamily="49" charset="0"/>
-              </a:rPr>
-              <a:t>Vector 0</a:t>
-            </a:r>
-            <a:endParaRPr lang="zh-TW" altLang="en-US" sz="2400" dirty="0">
-              <a:latin typeface="SauceCodePro Nerd Font" panose="020B0509030403020204" pitchFamily="49" charset="0"/>
-            </a:endParaRPr>
-          </a:p>
-        </p:txBody>
-      </p:sp>
-      <p:sp>
-        <p:nvSpPr>
-          <p:cNvPr id="7" name="弧形 6"/>
-          <p:cNvSpPr/>
-          <p:nvPr/>
-        </p:nvSpPr>
-        <p:spPr>
-          <a:xfrm>
-            <a:off x="15373584" y="5177283"/>
-            <a:ext cx="694945" cy="791546"/>
-          </a:xfrm>
-          <a:prstGeom prst="arc">
-            <a:avLst/>
-          </a:prstGeom>
-          <a:ln w="38100">
-            <a:solidFill>
-              <a:schemeClr val="bg1"/>
-            </a:solidFill>
-          </a:ln>
-        </p:spPr>
-        <p:style>
-          <a:lnRef idx="1">
-            <a:schemeClr val="accent1"/>
-          </a:lnRef>
-          <a:fillRef idx="0">
-            <a:schemeClr val="accent1"/>
-          </a:fillRef>
-          <a:effectRef idx="0">
-            <a:schemeClr val="accent1"/>
-          </a:effectRef>
-          <a:fontRef idx="minor">
-            <a:schemeClr val="tx1"/>
-          </a:fontRef>
-        </p:style>
-        <p:txBody>
-          <a:bodyPr rtlCol="0" anchor="ctr"/>
-          <a:lstStyle/>
-          <a:p>
-            <a:pPr algn="ctr"/>
-            <a:endParaRPr lang="zh-TW" altLang="en-US"/>
-          </a:p>
-        </p:txBody>
-      </p:sp>
-      <p:sp>
-        <p:nvSpPr>
-          <p:cNvPr id="8" name="弧形 7"/>
-          <p:cNvSpPr/>
-          <p:nvPr/>
-        </p:nvSpPr>
-        <p:spPr>
-          <a:xfrm flipH="1">
-            <a:off x="12218902" y="5177283"/>
-            <a:ext cx="694946" cy="791546"/>
-          </a:xfrm>
-          <a:prstGeom prst="arc">
-            <a:avLst/>
-          </a:prstGeom>
-          <a:ln w="38100">
-            <a:solidFill>
-              <a:schemeClr val="bg1"/>
-            </a:solidFill>
-          </a:ln>
-        </p:spPr>
-        <p:style>
-          <a:lnRef idx="1">
-            <a:schemeClr val="accent1"/>
-          </a:lnRef>
-          <a:fillRef idx="0">
-            <a:schemeClr val="accent1"/>
-          </a:fillRef>
-          <a:effectRef idx="0">
-            <a:schemeClr val="accent1"/>
-          </a:effectRef>
-          <a:fontRef idx="minor">
-            <a:schemeClr val="tx1"/>
-          </a:fontRef>
-        </p:style>
-        <p:txBody>
-          <a:bodyPr rtlCol="0" anchor="ctr"/>
-          <a:lstStyle/>
-          <a:p>
-            <a:pPr algn="ctr"/>
-            <a:endParaRPr lang="zh-TW" altLang="en-US"/>
-          </a:p>
-        </p:txBody>
-      </p:sp>
-      <p:sp>
-        <p:nvSpPr>
-          <p:cNvPr id="9" name="圓角矩形 8"/>
-          <p:cNvSpPr/>
-          <p:nvPr/>
-        </p:nvSpPr>
-        <p:spPr>
-          <a:xfrm>
-            <a:off x="12218902" y="5006128"/>
-            <a:ext cx="3849624" cy="566928"/>
-          </a:xfrm>
-          <a:prstGeom prst="roundRect">
-            <a:avLst/>
-          </a:prstGeom>
-          <a:solidFill>
-            <a:schemeClr val="accent1">
-              <a:alpha val="0"/>
-            </a:schemeClr>
-          </a:solidFill>
-          <a:ln>
-            <a:solidFill>
-              <a:schemeClr val="accent1">
-                <a:shade val="50000"/>
-                <a:alpha val="0"/>
-              </a:schemeClr>
-            </a:solidFill>
-          </a:ln>
-        </p:spPr>
-        <p:style>
-          <a:lnRef idx="2">
-            <a:schemeClr val="accent1">
-              <a:shade val="50000"/>
-            </a:schemeClr>
-          </a:lnRef>
-          <a:fillRef idx="1">
-            <a:schemeClr val="accent1"/>
-          </a:fillRef>
-          <a:effectRef idx="0">
-            <a:schemeClr val="accent1"/>
-          </a:effectRef>
-          <a:fontRef idx="minor">
-            <a:schemeClr val="lt1"/>
-          </a:fontRef>
-        </p:style>
-        <p:txBody>
-          <a:bodyPr rtlCol="0" anchor="ctr"/>
-          <a:lstStyle/>
-          <a:p>
-            <a:pPr algn="ctr"/>
-            <a:r>
-              <a:rPr lang="en-US" altLang="zh-TW" sz="2400" dirty="0">
-                <a:latin typeface="SauceCodePro Nerd Font" panose="020B0509030403020204" pitchFamily="49" charset="0"/>
-                <a:ea typeface="SauceCodePro Nerd Font" panose="020B0509030403020204" pitchFamily="49" charset="0"/>
-              </a:rPr>
-              <a:t>Embedding length</a:t>
-            </a:r>
-            <a:endParaRPr lang="zh-TW" altLang="en-US" sz="2400" dirty="0">
-              <a:latin typeface="SauceCodePro Nerd Font" panose="020B0509030403020204" pitchFamily="49" charset="0"/>
-            </a:endParaRPr>
-          </a:p>
-        </p:txBody>
-      </p:sp>
-      <p:sp>
-        <p:nvSpPr>
-          <p:cNvPr id="10" name="圓角矩形 9"/>
-          <p:cNvSpPr/>
-          <p:nvPr/>
-        </p:nvSpPr>
-        <p:spPr>
-          <a:xfrm>
-            <a:off x="12218902" y="6139984"/>
-            <a:ext cx="3849624" cy="566928"/>
-          </a:xfrm>
-          <a:prstGeom prst="roundRect">
-            <a:avLst/>
-          </a:prstGeom>
-          <a:solidFill>
-            <a:srgbClr val="00B0F0"/>
-          </a:solidFill>
-          <a:ln w="25400">
-            <a:solidFill>
-              <a:schemeClr val="bg1"/>
-            </a:solidFill>
-          </a:ln>
-        </p:spPr>
-        <p:style>
-          <a:lnRef idx="2">
-            <a:schemeClr val="accent1">
-              <a:shade val="50000"/>
-            </a:schemeClr>
-          </a:lnRef>
-          <a:fillRef idx="1">
-            <a:schemeClr val="accent1"/>
-          </a:fillRef>
-          <a:effectRef idx="0">
-            <a:schemeClr val="accent1"/>
-          </a:effectRef>
-          <a:fontRef idx="minor">
-            <a:schemeClr val="lt1"/>
-          </a:fontRef>
-        </p:style>
-        <p:txBody>
-          <a:bodyPr rtlCol="0" anchor="ctr"/>
-          <a:lstStyle/>
-          <a:p>
-            <a:pPr algn="ctr"/>
-            <a:r>
-              <a:rPr lang="en-US" altLang="zh-TW" sz="2400" dirty="0">
-                <a:latin typeface="SauceCodePro Nerd Font" panose="020B0509030403020204" pitchFamily="49" charset="0"/>
-              </a:rPr>
-              <a:t>Vector 1</a:t>
-            </a:r>
-            <a:endParaRPr lang="zh-TW" altLang="en-US" sz="2400" dirty="0">
-              <a:latin typeface="SauceCodePro Nerd Font" panose="020B0509030403020204" pitchFamily="49" charset="0"/>
-            </a:endParaRPr>
-          </a:p>
-        </p:txBody>
-      </p:sp>
-      <p:sp>
-        <p:nvSpPr>
-          <p:cNvPr id="11" name="圓角矩形 10"/>
-          <p:cNvSpPr/>
-          <p:nvPr/>
-        </p:nvSpPr>
-        <p:spPr>
-          <a:xfrm>
-            <a:off x="12218902" y="7256135"/>
-            <a:ext cx="3849624" cy="566928"/>
-          </a:xfrm>
-          <a:prstGeom prst="roundRect">
-            <a:avLst/>
-          </a:prstGeom>
-          <a:solidFill>
-            <a:schemeClr val="accent1">
-              <a:alpha val="0"/>
-            </a:schemeClr>
-          </a:solidFill>
-          <a:ln w="25400">
-            <a:solidFill>
-              <a:schemeClr val="bg1">
-                <a:alpha val="0"/>
-              </a:schemeClr>
-            </a:solidFill>
-          </a:ln>
-        </p:spPr>
-        <p:style>
-          <a:lnRef idx="2">
-            <a:schemeClr val="accent1">
-              <a:shade val="50000"/>
-            </a:schemeClr>
-          </a:lnRef>
-          <a:fillRef idx="1">
-            <a:schemeClr val="accent1"/>
-          </a:fillRef>
-          <a:effectRef idx="0">
-            <a:schemeClr val="accent1"/>
-          </a:effectRef>
-          <a:fontRef idx="minor">
-            <a:schemeClr val="lt1"/>
-          </a:fontRef>
-        </p:style>
-        <p:txBody>
-          <a:bodyPr rtlCol="0" anchor="ctr"/>
-          <a:lstStyle/>
-          <a:p>
-            <a:pPr algn="ctr"/>
-            <a:r>
-              <a:rPr lang="en-US" altLang="zh-TW" sz="3200" dirty="0">
-                <a:latin typeface="SauceCodePro Nerd Font" panose="020B0509030403020204" pitchFamily="49" charset="0"/>
-                <a:ea typeface="SauceCodePro Nerd Font" panose="020B0509030403020204" pitchFamily="49" charset="0"/>
-              </a:rPr>
-              <a:t>.</a:t>
-            </a:r>
-          </a:p>
-          <a:p>
-            <a:pPr algn="ctr"/>
-            <a:r>
-              <a:rPr lang="en-US" altLang="zh-TW" sz="3200" dirty="0">
-                <a:latin typeface="SauceCodePro Nerd Font" panose="020B0509030403020204" pitchFamily="49" charset="0"/>
-                <a:ea typeface="SauceCodePro Nerd Font" panose="020B0509030403020204" pitchFamily="49" charset="0"/>
-              </a:rPr>
-              <a:t>.</a:t>
-            </a:r>
-          </a:p>
-          <a:p>
-            <a:pPr algn="ctr"/>
-            <a:r>
-              <a:rPr lang="en-US" altLang="zh-TW" sz="3200" dirty="0">
-                <a:latin typeface="SauceCodePro Nerd Font" panose="020B0509030403020204" pitchFamily="49" charset="0"/>
-                <a:ea typeface="SauceCodePro Nerd Font" panose="020B0509030403020204" pitchFamily="49" charset="0"/>
-              </a:rPr>
-              <a:t>.</a:t>
-            </a:r>
-            <a:endParaRPr lang="zh-TW" altLang="en-US" sz="3200" dirty="0">
-              <a:latin typeface="SauceCodePro Nerd Font" panose="020B0509030403020204" pitchFamily="49" charset="0"/>
-            </a:endParaRPr>
-          </a:p>
-        </p:txBody>
-      </p:sp>
-      <p:sp>
-        <p:nvSpPr>
-          <p:cNvPr id="14" name="圓角矩形 13"/>
-          <p:cNvSpPr/>
-          <p:nvPr/>
-        </p:nvSpPr>
-        <p:spPr>
-          <a:xfrm>
-            <a:off x="12218902" y="8631977"/>
-            <a:ext cx="3849624" cy="566928"/>
-          </a:xfrm>
-          <a:prstGeom prst="roundRect">
-            <a:avLst/>
-          </a:prstGeom>
-          <a:solidFill>
-            <a:srgbClr val="00B0F0"/>
-          </a:solidFill>
-          <a:ln w="25400">
-            <a:solidFill>
-              <a:schemeClr val="bg1"/>
-            </a:solidFill>
-          </a:ln>
-        </p:spPr>
-        <p:style>
-          <a:lnRef idx="2">
-            <a:schemeClr val="accent1">
-              <a:shade val="50000"/>
-            </a:schemeClr>
-          </a:lnRef>
-          <a:fillRef idx="1">
-            <a:schemeClr val="accent1"/>
-          </a:fillRef>
-          <a:effectRef idx="0">
-            <a:schemeClr val="accent1"/>
-          </a:effectRef>
-          <a:fontRef idx="minor">
-            <a:schemeClr val="lt1"/>
-          </a:fontRef>
-        </p:style>
-        <p:txBody>
-          <a:bodyPr rtlCol="0" anchor="ctr"/>
-          <a:lstStyle/>
-          <a:p>
-            <a:pPr algn="ctr"/>
-            <a:r>
-              <a:rPr lang="en-US" altLang="zh-TW" sz="2400" dirty="0">
-                <a:latin typeface="SauceCodePro Nerd Font" panose="020B0509030403020204" pitchFamily="49" charset="0"/>
-              </a:rPr>
-              <a:t>Vector d</a:t>
-            </a:r>
-            <a:endParaRPr lang="zh-TW" altLang="en-US" sz="2400" dirty="0">
-              <a:latin typeface="SauceCodePro Nerd Font" panose="020B0509030403020204" pitchFamily="49" charset="0"/>
-            </a:endParaRPr>
-          </a:p>
-        </p:txBody>
-      </p:sp>
-      <p:sp>
-        <p:nvSpPr>
-          <p:cNvPr id="20" name="圓角矩形 19"/>
-          <p:cNvSpPr/>
-          <p:nvPr/>
-        </p:nvSpPr>
-        <p:spPr>
-          <a:xfrm rot="5400000">
-            <a:off x="14725303" y="7102516"/>
-            <a:ext cx="3253370" cy="566928"/>
-          </a:xfrm>
-          <a:prstGeom prst="roundRect">
-            <a:avLst/>
-          </a:prstGeom>
-          <a:solidFill>
-            <a:schemeClr val="accent1">
-              <a:alpha val="0"/>
-            </a:schemeClr>
-          </a:solidFill>
-          <a:ln>
-            <a:solidFill>
-              <a:schemeClr val="accent1">
-                <a:shade val="50000"/>
-                <a:alpha val="0"/>
-              </a:schemeClr>
-            </a:solidFill>
-          </a:ln>
-        </p:spPr>
-        <p:style>
-          <a:lnRef idx="2">
-            <a:schemeClr val="accent1">
-              <a:shade val="50000"/>
-            </a:schemeClr>
-          </a:lnRef>
-          <a:fillRef idx="1">
-            <a:schemeClr val="accent1"/>
-          </a:fillRef>
-          <a:effectRef idx="0">
-            <a:schemeClr val="accent1"/>
-          </a:effectRef>
-          <a:fontRef idx="minor">
-            <a:schemeClr val="lt1"/>
-          </a:fontRef>
-        </p:style>
-        <p:txBody>
-          <a:bodyPr rtlCol="0" anchor="ctr"/>
-          <a:lstStyle/>
-          <a:p>
-            <a:pPr algn="ctr"/>
-            <a:r>
-              <a:rPr lang="en-US" altLang="zh-TW" sz="2400" dirty="0">
-                <a:latin typeface="SauceCodePro Nerd Font" panose="020B0509030403020204" pitchFamily="49" charset="0"/>
-                <a:ea typeface="SauceCodePro Nerd Font" panose="020B0509030403020204" pitchFamily="49" charset="0"/>
-              </a:rPr>
-              <a:t>Dictionary</a:t>
-            </a:r>
-            <a:r>
-              <a:rPr lang="zh-TW" altLang="en-US" sz="2400" dirty="0">
-                <a:latin typeface="SauceCodePro Nerd Font" panose="020B0509030403020204" pitchFamily="49" charset="0"/>
-                <a:ea typeface="SauceCodePro Nerd Font" panose="020B0509030403020204" pitchFamily="49" charset="0"/>
-              </a:rPr>
-              <a:t> </a:t>
-            </a:r>
-            <a:r>
-              <a:rPr lang="en-US" altLang="zh-TW" sz="2400" dirty="0">
-                <a:latin typeface="SauceCodePro Nerd Font" panose="020B0509030403020204" pitchFamily="49" charset="0"/>
-                <a:ea typeface="SauceCodePro Nerd Font" panose="020B0509030403020204" pitchFamily="49" charset="0"/>
-              </a:rPr>
-              <a:t>size</a:t>
-            </a:r>
-            <a:endParaRPr lang="zh-TW" altLang="en-US" sz="2400" dirty="0">
-              <a:latin typeface="SauceCodePro Nerd Font" panose="020B0509030403020204" pitchFamily="49" charset="0"/>
-            </a:endParaRPr>
-          </a:p>
-        </p:txBody>
-      </p:sp>
-      <p:sp>
-        <p:nvSpPr>
-          <p:cNvPr id="21" name="弧形 20"/>
-          <p:cNvSpPr/>
-          <p:nvPr/>
-        </p:nvSpPr>
-        <p:spPr>
-          <a:xfrm rot="5400000" flipH="1">
-            <a:off x="15721051" y="5524756"/>
-            <a:ext cx="694946" cy="791546"/>
-          </a:xfrm>
-          <a:prstGeom prst="arc">
-            <a:avLst/>
-          </a:prstGeom>
-          <a:ln w="38100">
-            <a:solidFill>
-              <a:schemeClr val="bg1"/>
-            </a:solidFill>
-          </a:ln>
-        </p:spPr>
-        <p:style>
-          <a:lnRef idx="1">
-            <a:schemeClr val="accent1"/>
-          </a:lnRef>
-          <a:fillRef idx="0">
-            <a:schemeClr val="accent1"/>
-          </a:fillRef>
-          <a:effectRef idx="0">
-            <a:schemeClr val="accent1"/>
-          </a:effectRef>
-          <a:fontRef idx="minor">
-            <a:schemeClr val="tx1"/>
-          </a:fontRef>
-        </p:style>
-        <p:txBody>
-          <a:bodyPr rtlCol="0" anchor="ctr"/>
-          <a:lstStyle/>
-          <a:p>
-            <a:pPr algn="ctr"/>
-            <a:endParaRPr lang="zh-TW" altLang="en-US"/>
-          </a:p>
-        </p:txBody>
-      </p:sp>
-      <p:sp>
-        <p:nvSpPr>
-          <p:cNvPr id="22" name="弧形 21"/>
-          <p:cNvSpPr/>
-          <p:nvPr/>
-        </p:nvSpPr>
-        <p:spPr>
-          <a:xfrm rot="5400000">
-            <a:off x="15721055" y="8455658"/>
-            <a:ext cx="694945" cy="791546"/>
-          </a:xfrm>
-          <a:prstGeom prst="arc">
-            <a:avLst/>
-          </a:prstGeom>
-          <a:ln w="38100">
-            <a:solidFill>
-              <a:schemeClr val="bg1"/>
-            </a:solidFill>
-          </a:ln>
-        </p:spPr>
-        <p:style>
-          <a:lnRef idx="1">
-            <a:schemeClr val="accent1"/>
-          </a:lnRef>
-          <a:fillRef idx="0">
-            <a:schemeClr val="accent1"/>
-          </a:fillRef>
-          <a:effectRef idx="0">
-            <a:schemeClr val="accent1"/>
-          </a:effectRef>
-          <a:fontRef idx="minor">
-            <a:schemeClr val="tx1"/>
-          </a:fontRef>
-        </p:style>
-        <p:txBody>
-          <a:bodyPr rtlCol="0" anchor="ctr"/>
-          <a:lstStyle/>
-          <a:p>
-            <a:pPr algn="ctr"/>
-            <a:endParaRPr lang="zh-TW" altLang="en-US"/>
-          </a:p>
-        </p:txBody>
-      </p:sp>
-      <p:sp>
-        <p:nvSpPr>
-          <p:cNvPr id="23" name="圓角矩形 22"/>
-          <p:cNvSpPr/>
-          <p:nvPr/>
-        </p:nvSpPr>
-        <p:spPr>
-          <a:xfrm>
-            <a:off x="9771244" y="5749680"/>
-            <a:ext cx="675710" cy="619460"/>
-          </a:xfrm>
-          <a:prstGeom prst="roundRect">
-            <a:avLst/>
-          </a:prstGeom>
-          <a:solidFill>
-            <a:schemeClr val="accent1">
-              <a:alpha val="0"/>
-            </a:schemeClr>
-          </a:solidFill>
-          <a:ln w="25400">
-            <a:solidFill>
-              <a:srgbClr val="FF0066"/>
-            </a:solidFill>
-          </a:ln>
-        </p:spPr>
-        <p:style>
-          <a:lnRef idx="2">
-            <a:schemeClr val="accent1">
-              <a:shade val="50000"/>
-            </a:schemeClr>
-          </a:lnRef>
-          <a:fillRef idx="1">
-            <a:schemeClr val="accent1"/>
-          </a:fillRef>
-          <a:effectRef idx="0">
-            <a:schemeClr val="accent1"/>
-          </a:effectRef>
-          <a:fontRef idx="minor">
-            <a:schemeClr val="lt1"/>
-          </a:fontRef>
-        </p:style>
-        <p:txBody>
-          <a:bodyPr rtlCol="0" anchor="ctr"/>
-          <a:lstStyle/>
-          <a:p>
-            <a:r>
-              <a:rPr lang="en-US" altLang="zh-TW" sz="2400" dirty="0">
-                <a:latin typeface="SauceCodePro Nerd Font" panose="020B0509030403020204" pitchFamily="49" charset="0"/>
-                <a:ea typeface="SauceCodePro Nerd Font" panose="020B0509030403020204" pitchFamily="49" charset="0"/>
-              </a:rPr>
-              <a:t>1</a:t>
-            </a:r>
-            <a:endParaRPr lang="zh-TW" altLang="en-US" sz="2400" dirty="0">
-              <a:latin typeface="SauceCodePro Nerd Font" panose="020B0509030403020204" pitchFamily="49" charset="0"/>
-            </a:endParaRPr>
-          </a:p>
-        </p:txBody>
-      </p:sp>
-      <p:sp>
-        <p:nvSpPr>
-          <p:cNvPr id="17" name="圓角矩形 16"/>
-          <p:cNvSpPr/>
-          <p:nvPr/>
-        </p:nvSpPr>
-        <p:spPr>
-          <a:xfrm>
-            <a:off x="9771244" y="6369140"/>
-            <a:ext cx="675710" cy="619460"/>
-          </a:xfrm>
-          <a:prstGeom prst="roundRect">
-            <a:avLst/>
-          </a:prstGeom>
-          <a:solidFill>
-            <a:schemeClr val="accent1">
-              <a:alpha val="0"/>
-            </a:schemeClr>
-          </a:solidFill>
-          <a:ln w="25400">
-            <a:solidFill>
-              <a:srgbClr val="FF0066"/>
-            </a:solidFill>
-          </a:ln>
-        </p:spPr>
-        <p:style>
-          <a:lnRef idx="2">
-            <a:schemeClr val="accent1">
-              <a:shade val="50000"/>
-            </a:schemeClr>
-          </a:lnRef>
-          <a:fillRef idx="1">
-            <a:schemeClr val="accent1"/>
-          </a:fillRef>
-          <a:effectRef idx="0">
-            <a:schemeClr val="accent1"/>
-          </a:effectRef>
-          <a:fontRef idx="minor">
-            <a:schemeClr val="lt1"/>
-          </a:fontRef>
-        </p:style>
-        <p:txBody>
-          <a:bodyPr rtlCol="0" anchor="ctr"/>
-          <a:lstStyle/>
-          <a:p>
-            <a:r>
-              <a:rPr lang="en-US" altLang="zh-TW" sz="2400" dirty="0">
-                <a:latin typeface="SauceCodePro Nerd Font" panose="020B0509030403020204" pitchFamily="49" charset="0"/>
-                <a:ea typeface="SauceCodePro Nerd Font" panose="020B0509030403020204" pitchFamily="49" charset="0"/>
-              </a:rPr>
-              <a:t>12</a:t>
-            </a:r>
-            <a:endParaRPr lang="zh-TW" altLang="en-US" sz="2400" dirty="0">
-              <a:latin typeface="SauceCodePro Nerd Font" panose="020B0509030403020204" pitchFamily="49" charset="0"/>
-            </a:endParaRPr>
-          </a:p>
-        </p:txBody>
-      </p:sp>
-      <p:sp>
-        <p:nvSpPr>
-          <p:cNvPr id="18" name="圓角矩形 17"/>
-          <p:cNvSpPr/>
-          <p:nvPr/>
-        </p:nvSpPr>
-        <p:spPr>
-          <a:xfrm>
-            <a:off x="9771244" y="6988600"/>
-            <a:ext cx="675710" cy="619460"/>
-          </a:xfrm>
-          <a:prstGeom prst="roundRect">
-            <a:avLst/>
-          </a:prstGeom>
-          <a:solidFill>
-            <a:schemeClr val="accent1">
-              <a:alpha val="0"/>
-            </a:schemeClr>
-          </a:solidFill>
-          <a:ln w="25400">
-            <a:solidFill>
-              <a:srgbClr val="FF0066"/>
-            </a:solidFill>
-          </a:ln>
-        </p:spPr>
-        <p:style>
-          <a:lnRef idx="2">
-            <a:schemeClr val="accent1">
-              <a:shade val="50000"/>
-            </a:schemeClr>
-          </a:lnRef>
-          <a:fillRef idx="1">
-            <a:schemeClr val="accent1"/>
-          </a:fillRef>
-          <a:effectRef idx="0">
-            <a:schemeClr val="accent1"/>
-          </a:effectRef>
-          <a:fontRef idx="minor">
-            <a:schemeClr val="lt1"/>
-          </a:fontRef>
-        </p:style>
-        <p:txBody>
-          <a:bodyPr rtlCol="0" anchor="ctr"/>
-          <a:lstStyle/>
-          <a:p>
-            <a:r>
-              <a:rPr lang="en-US" altLang="zh-TW" sz="2400" dirty="0">
-                <a:latin typeface="SauceCodePro Nerd Font" panose="020B0509030403020204" pitchFamily="49" charset="0"/>
-                <a:ea typeface="SauceCodePro Nerd Font" panose="020B0509030403020204" pitchFamily="49" charset="0"/>
-              </a:rPr>
-              <a:t>0</a:t>
-            </a:r>
-            <a:endParaRPr lang="zh-TW" altLang="en-US" sz="2400" dirty="0">
-              <a:latin typeface="SauceCodePro Nerd Font" panose="020B0509030403020204" pitchFamily="49" charset="0"/>
-            </a:endParaRPr>
-          </a:p>
-        </p:txBody>
-      </p:sp>
-      <p:sp>
-        <p:nvSpPr>
-          <p:cNvPr id="19" name="圓角矩形 18"/>
-          <p:cNvSpPr/>
-          <p:nvPr/>
-        </p:nvSpPr>
-        <p:spPr>
-          <a:xfrm>
-            <a:off x="9771244" y="7608060"/>
-            <a:ext cx="675710" cy="619460"/>
-          </a:xfrm>
-          <a:prstGeom prst="roundRect">
-            <a:avLst/>
-          </a:prstGeom>
-          <a:solidFill>
-            <a:schemeClr val="accent1">
-              <a:alpha val="0"/>
-            </a:schemeClr>
-          </a:solidFill>
-          <a:ln w="25400">
-            <a:solidFill>
-              <a:srgbClr val="FF0066"/>
-            </a:solidFill>
-          </a:ln>
-        </p:spPr>
-        <p:style>
-          <a:lnRef idx="2">
-            <a:schemeClr val="accent1">
-              <a:shade val="50000"/>
-            </a:schemeClr>
-          </a:lnRef>
-          <a:fillRef idx="1">
-            <a:schemeClr val="accent1"/>
-          </a:fillRef>
-          <a:effectRef idx="0">
-            <a:schemeClr val="accent1"/>
-          </a:effectRef>
-          <a:fontRef idx="minor">
-            <a:schemeClr val="lt1"/>
-          </a:fontRef>
-        </p:style>
-        <p:txBody>
-          <a:bodyPr rtlCol="0" anchor="ctr"/>
-          <a:lstStyle/>
-          <a:p>
-            <a:r>
-              <a:rPr lang="en-US" altLang="zh-TW" sz="2400" dirty="0">
-                <a:latin typeface="SauceCodePro Nerd Font" panose="020B0509030403020204" pitchFamily="49" charset="0"/>
-                <a:ea typeface="SauceCodePro Nerd Font" panose="020B0509030403020204" pitchFamily="49" charset="0"/>
-              </a:rPr>
-              <a:t>d</a:t>
-            </a:r>
-            <a:endParaRPr lang="zh-TW" altLang="en-US" sz="2400" dirty="0">
-              <a:latin typeface="SauceCodePro Nerd Font" panose="020B0509030403020204" pitchFamily="49" charset="0"/>
-            </a:endParaRPr>
-          </a:p>
-        </p:txBody>
-      </p:sp>
-      <p:sp>
-        <p:nvSpPr>
-          <p:cNvPr id="26" name="圓角矩形 25"/>
-          <p:cNvSpPr/>
-          <p:nvPr/>
-        </p:nvSpPr>
-        <p:spPr>
-          <a:xfrm>
-            <a:off x="9771244" y="8227520"/>
-            <a:ext cx="675710" cy="619460"/>
-          </a:xfrm>
-          <a:prstGeom prst="roundRect">
-            <a:avLst/>
-          </a:prstGeom>
-          <a:solidFill>
-            <a:schemeClr val="accent1">
-              <a:alpha val="0"/>
-            </a:schemeClr>
-          </a:solidFill>
-          <a:ln w="25400">
-            <a:solidFill>
-              <a:srgbClr val="FF0066"/>
-            </a:solidFill>
-          </a:ln>
-        </p:spPr>
-        <p:style>
-          <a:lnRef idx="2">
-            <a:schemeClr val="accent1">
-              <a:shade val="50000"/>
-            </a:schemeClr>
-          </a:lnRef>
-          <a:fillRef idx="1">
-            <a:schemeClr val="accent1"/>
-          </a:fillRef>
-          <a:effectRef idx="0">
-            <a:schemeClr val="accent1"/>
-          </a:effectRef>
-          <a:fontRef idx="minor">
-            <a:schemeClr val="lt1"/>
-          </a:fontRef>
-        </p:style>
-        <p:txBody>
-          <a:bodyPr rtlCol="0" anchor="ctr"/>
-          <a:lstStyle/>
-          <a:p>
-            <a:r>
-              <a:rPr lang="en-US" altLang="zh-TW" sz="2400" dirty="0">
-                <a:latin typeface="SauceCodePro Nerd Font" panose="020B0509030403020204" pitchFamily="49" charset="0"/>
-                <a:ea typeface="SauceCodePro Nerd Font" panose="020B0509030403020204" pitchFamily="49" charset="0"/>
-              </a:rPr>
-              <a:t>5</a:t>
-            </a:r>
-            <a:endParaRPr lang="zh-TW" altLang="en-US" sz="2400" dirty="0">
-              <a:latin typeface="SauceCodePro Nerd Font" panose="020B0509030403020204" pitchFamily="49" charset="0"/>
-            </a:endParaRPr>
-          </a:p>
-        </p:txBody>
-      </p:sp>
-      <p:cxnSp>
-        <p:nvCxnSpPr>
-          <p:cNvPr id="27" name="直線單箭頭接點 26"/>
-          <p:cNvCxnSpPr>
-            <a:stCxn id="23" idx="3"/>
-            <a:endCxn id="10" idx="1"/>
-          </p:cNvCxnSpPr>
-          <p:nvPr/>
-        </p:nvCxnSpPr>
-        <p:spPr>
-          <a:xfrm>
-            <a:off x="10446954" y="6059410"/>
-            <a:ext cx="1771948" cy="364038"/>
-          </a:xfrm>
-          <a:prstGeom prst="straightConnector1">
-            <a:avLst/>
-          </a:prstGeom>
-          <a:ln w="63500">
-            <a:solidFill>
-              <a:schemeClr val="accent6">
-                <a:lumMod val="60000"/>
-                <a:lumOff val="40000"/>
-              </a:schemeClr>
-            </a:solidFill>
-            <a:tailEnd type="triangle"/>
-          </a:ln>
-        </p:spPr>
-        <p:style>
-          <a:lnRef idx="1">
-            <a:schemeClr val="accent1"/>
-          </a:lnRef>
-          <a:fillRef idx="0">
-            <a:schemeClr val="accent1"/>
-          </a:fillRef>
-          <a:effectRef idx="0">
-            <a:schemeClr val="accent1"/>
-          </a:effectRef>
-          <a:fontRef idx="minor">
-            <a:schemeClr val="tx1"/>
-          </a:fontRef>
-        </p:style>
-      </p:cxnSp>
-      <p:cxnSp>
-        <p:nvCxnSpPr>
-          <p:cNvPr id="28" name="直線單箭頭接點 27"/>
-          <p:cNvCxnSpPr>
-            <a:stCxn id="18" idx="3"/>
-            <a:endCxn id="5" idx="1"/>
-          </p:cNvCxnSpPr>
-          <p:nvPr/>
-        </p:nvCxnSpPr>
-        <p:spPr>
-          <a:xfrm flipV="1">
-            <a:off x="10446954" y="5856520"/>
-            <a:ext cx="1771948" cy="1441810"/>
-          </a:xfrm>
-          <a:prstGeom prst="straightConnector1">
-            <a:avLst/>
-          </a:prstGeom>
-          <a:ln w="63500">
-            <a:solidFill>
-              <a:schemeClr val="accent6">
-                <a:lumMod val="60000"/>
-                <a:lumOff val="40000"/>
-              </a:schemeClr>
-            </a:solidFill>
-            <a:tailEnd type="triangle"/>
-          </a:ln>
-        </p:spPr>
-        <p:style>
-          <a:lnRef idx="1">
-            <a:schemeClr val="accent1"/>
-          </a:lnRef>
-          <a:fillRef idx="0">
-            <a:schemeClr val="accent1"/>
-          </a:fillRef>
-          <a:effectRef idx="0">
-            <a:schemeClr val="accent1"/>
-          </a:effectRef>
-          <a:fontRef idx="minor">
-            <a:schemeClr val="tx1"/>
-          </a:fontRef>
-        </p:style>
-      </p:cxnSp>
-      <p:cxnSp>
-        <p:nvCxnSpPr>
-          <p:cNvPr id="29" name="直線單箭頭接點 28"/>
-          <p:cNvCxnSpPr>
-            <a:stCxn id="19" idx="3"/>
-            <a:endCxn id="14" idx="1"/>
-          </p:cNvCxnSpPr>
-          <p:nvPr/>
-        </p:nvCxnSpPr>
-        <p:spPr>
-          <a:xfrm>
-            <a:off x="10446954" y="7917794"/>
-            <a:ext cx="1771948" cy="997651"/>
-          </a:xfrm>
-          <a:prstGeom prst="straightConnector1">
-            <a:avLst/>
-          </a:prstGeom>
-          <a:ln w="63500">
-            <a:solidFill>
-              <a:schemeClr val="accent6">
-                <a:lumMod val="60000"/>
-                <a:lumOff val="40000"/>
-              </a:schemeClr>
-            </a:solidFill>
-            <a:tailEnd type="triangle"/>
-          </a:ln>
-        </p:spPr>
-        <p:style>
-          <a:lnRef idx="1">
-            <a:schemeClr val="accent1"/>
-          </a:lnRef>
-          <a:fillRef idx="0">
-            <a:schemeClr val="accent1"/>
-          </a:fillRef>
-          <a:effectRef idx="0">
-            <a:schemeClr val="accent1"/>
-          </a:effectRef>
-          <a:fontRef idx="minor">
-            <a:schemeClr val="tx1"/>
-          </a:fontRef>
-        </p:style>
-      </p:cxnSp>
-      <p:cxnSp>
-        <p:nvCxnSpPr>
-          <p:cNvPr id="31" name="直線單箭頭接點 30"/>
-          <p:cNvCxnSpPr>
-            <a:stCxn id="17" idx="3"/>
-            <a:endCxn id="11" idx="1"/>
-          </p:cNvCxnSpPr>
-          <p:nvPr/>
-        </p:nvCxnSpPr>
-        <p:spPr>
-          <a:xfrm>
-            <a:off x="10446954" y="6678874"/>
-            <a:ext cx="1771948" cy="860729"/>
-          </a:xfrm>
-          <a:prstGeom prst="straightConnector1">
-            <a:avLst/>
-          </a:prstGeom>
-          <a:ln w="63500">
-            <a:solidFill>
-              <a:schemeClr val="accent6">
-                <a:lumMod val="60000"/>
-                <a:lumOff val="40000"/>
-              </a:schemeClr>
-            </a:solidFill>
-            <a:tailEnd type="triangle"/>
-          </a:ln>
-        </p:spPr>
-        <p:style>
-          <a:lnRef idx="1">
-            <a:schemeClr val="accent1"/>
-          </a:lnRef>
-          <a:fillRef idx="0">
-            <a:schemeClr val="accent1"/>
-          </a:fillRef>
-          <a:effectRef idx="0">
-            <a:schemeClr val="accent1"/>
-          </a:effectRef>
-          <a:fontRef idx="minor">
-            <a:schemeClr val="tx1"/>
-          </a:fontRef>
-        </p:style>
-      </p:cxnSp>
-      <p:cxnSp>
-        <p:nvCxnSpPr>
-          <p:cNvPr id="34" name="直線單箭頭接點 33"/>
-          <p:cNvCxnSpPr>
-            <a:stCxn id="26" idx="3"/>
-          </p:cNvCxnSpPr>
-          <p:nvPr/>
-        </p:nvCxnSpPr>
-        <p:spPr>
-          <a:xfrm flipV="1">
-            <a:off x="10446954" y="7098445"/>
-            <a:ext cx="1771948" cy="1438809"/>
-          </a:xfrm>
-          <a:prstGeom prst="straightConnector1">
-            <a:avLst/>
-          </a:prstGeom>
-          <a:ln w="63500">
-            <a:solidFill>
-              <a:schemeClr val="accent6">
-                <a:lumMod val="60000"/>
-                <a:lumOff val="40000"/>
-              </a:schemeClr>
-            </a:solidFill>
-            <a:tailEnd type="triangle"/>
-          </a:ln>
-        </p:spPr>
-        <p:style>
-          <a:lnRef idx="1">
-            <a:schemeClr val="accent1"/>
-          </a:lnRef>
-          <a:fillRef idx="0">
-            <a:schemeClr val="accent1"/>
-          </a:fillRef>
-          <a:effectRef idx="0">
-            <a:schemeClr val="accent1"/>
-          </a:effectRef>
-          <a:fontRef idx="minor">
-            <a:schemeClr val="tx1"/>
-          </a:fontRef>
-        </p:style>
-      </p:cxnSp>
-      <p:sp>
-        <p:nvSpPr>
-          <p:cNvPr id="44" name="圓角矩形 43"/>
-          <p:cNvSpPr/>
-          <p:nvPr/>
-        </p:nvSpPr>
-        <p:spPr>
-          <a:xfrm rot="16200000">
-            <a:off x="7844366" y="7005292"/>
-            <a:ext cx="3253370" cy="566928"/>
-          </a:xfrm>
-          <a:prstGeom prst="roundRect">
-            <a:avLst/>
-          </a:prstGeom>
-          <a:solidFill>
-            <a:schemeClr val="accent1">
-              <a:alpha val="0"/>
-            </a:schemeClr>
-          </a:solidFill>
-          <a:ln>
-            <a:solidFill>
-              <a:schemeClr val="accent1">
-                <a:shade val="50000"/>
-                <a:alpha val="0"/>
-              </a:schemeClr>
-            </a:solidFill>
-          </a:ln>
-        </p:spPr>
-        <p:style>
-          <a:lnRef idx="2">
-            <a:schemeClr val="accent1">
-              <a:shade val="50000"/>
-            </a:schemeClr>
-          </a:lnRef>
-          <a:fillRef idx="1">
-            <a:schemeClr val="accent1"/>
-          </a:fillRef>
-          <a:effectRef idx="0">
-            <a:schemeClr val="accent1"/>
-          </a:effectRef>
-          <a:fontRef idx="minor">
-            <a:schemeClr val="lt1"/>
-          </a:fontRef>
-        </p:style>
-        <p:txBody>
-          <a:bodyPr rtlCol="0" anchor="ctr"/>
-          <a:lstStyle/>
-          <a:p>
-            <a:pPr algn="ctr"/>
-            <a:r>
-              <a:rPr lang="en-US" altLang="zh-TW" sz="2400" dirty="0">
-                <a:latin typeface="SauceCodePro Nerd Font" panose="020B0509030403020204" pitchFamily="49" charset="0"/>
-              </a:rPr>
-              <a:t>Input length</a:t>
-            </a:r>
-            <a:endParaRPr lang="zh-TW" altLang="en-US" sz="2400" dirty="0">
-              <a:latin typeface="SauceCodePro Nerd Font" panose="020B0509030403020204" pitchFamily="49" charset="0"/>
-            </a:endParaRPr>
-          </a:p>
-        </p:txBody>
-      </p:sp>
-      <p:sp>
-        <p:nvSpPr>
-          <p:cNvPr id="45" name="弧形 44"/>
-          <p:cNvSpPr/>
-          <p:nvPr/>
-        </p:nvSpPr>
-        <p:spPr>
-          <a:xfrm rot="16200000" flipH="1">
-            <a:off x="9411696" y="8103734"/>
-            <a:ext cx="694946" cy="791546"/>
-          </a:xfrm>
-          <a:prstGeom prst="arc">
-            <a:avLst/>
-          </a:prstGeom>
-          <a:ln w="38100">
-            <a:solidFill>
-              <a:schemeClr val="bg1"/>
-            </a:solidFill>
-          </a:ln>
-        </p:spPr>
-        <p:style>
-          <a:lnRef idx="1">
-            <a:schemeClr val="accent1"/>
-          </a:lnRef>
-          <a:fillRef idx="0">
-            <a:schemeClr val="accent1"/>
-          </a:fillRef>
-          <a:effectRef idx="0">
-            <a:schemeClr val="accent1"/>
-          </a:effectRef>
-          <a:fontRef idx="minor">
-            <a:schemeClr val="tx1"/>
-          </a:fontRef>
-        </p:style>
-        <p:txBody>
-          <a:bodyPr rtlCol="0" anchor="ctr"/>
-          <a:lstStyle/>
-          <a:p>
-            <a:pPr algn="ctr"/>
-            <a:endParaRPr lang="zh-TW" altLang="en-US"/>
-          </a:p>
-        </p:txBody>
-      </p:sp>
-      <p:sp>
-        <p:nvSpPr>
-          <p:cNvPr id="46" name="弧形 45"/>
-          <p:cNvSpPr/>
-          <p:nvPr/>
-        </p:nvSpPr>
-        <p:spPr>
-          <a:xfrm rot="16200000">
-            <a:off x="9411699" y="5704448"/>
-            <a:ext cx="694945" cy="791546"/>
-          </a:xfrm>
-          <a:prstGeom prst="arc">
-            <a:avLst/>
-          </a:prstGeom>
-          <a:ln w="38100">
-            <a:solidFill>
-              <a:schemeClr val="bg1"/>
-            </a:solidFill>
-          </a:ln>
-        </p:spPr>
-        <p:style>
-          <a:lnRef idx="1">
-            <a:schemeClr val="accent1"/>
-          </a:lnRef>
-          <a:fillRef idx="0">
-            <a:schemeClr val="accent1"/>
-          </a:fillRef>
-          <a:effectRef idx="0">
-            <a:schemeClr val="accent1"/>
-          </a:effectRef>
-          <a:fontRef idx="minor">
-            <a:schemeClr val="tx1"/>
-          </a:fontRef>
-        </p:style>
-        <p:txBody>
-          <a:bodyPr rtlCol="0" anchor="ctr"/>
-          <a:lstStyle/>
-          <a:p>
-            <a:pPr algn="ctr"/>
-            <a:endParaRPr lang="zh-TW" altLang="en-US"/>
-          </a:p>
-        </p:txBody>
-      </p:sp>
-      <p:sp>
-        <p:nvSpPr>
-          <p:cNvPr id="30" name="圓角矩形 29"/>
-          <p:cNvSpPr/>
-          <p:nvPr/>
-        </p:nvSpPr>
-        <p:spPr>
-          <a:xfrm>
-            <a:off x="9138313" y="8846980"/>
-            <a:ext cx="1921802" cy="566928"/>
-          </a:xfrm>
-          <a:prstGeom prst="roundRect">
-            <a:avLst/>
-          </a:prstGeom>
-          <a:solidFill>
-            <a:schemeClr val="accent1">
-              <a:alpha val="0"/>
-            </a:schemeClr>
-          </a:solidFill>
-          <a:ln w="25400">
-            <a:solidFill>
-              <a:srgbClr val="FF0066">
-                <a:alpha val="0"/>
-              </a:srgbClr>
-            </a:solidFill>
-          </a:ln>
-        </p:spPr>
-        <p:style>
-          <a:lnRef idx="2">
-            <a:schemeClr val="accent1">
-              <a:shade val="50000"/>
-            </a:schemeClr>
-          </a:lnRef>
-          <a:fillRef idx="1">
-            <a:schemeClr val="accent1"/>
-          </a:fillRef>
-          <a:effectRef idx="0">
-            <a:schemeClr val="accent1"/>
-          </a:effectRef>
-          <a:fontRef idx="minor">
-            <a:schemeClr val="lt1"/>
-          </a:fontRef>
-        </p:style>
-        <p:txBody>
-          <a:bodyPr rtlCol="0" anchor="ctr"/>
-          <a:lstStyle/>
-          <a:p>
-            <a:r>
-              <a:rPr lang="en-US" altLang="zh-TW" sz="2400" dirty="0">
-                <a:latin typeface="SauceCodePro Nerd Font" panose="020B0509030403020204" pitchFamily="49" charset="0"/>
-                <a:ea typeface="SauceCodePro Nerd Font" panose="020B0509030403020204" pitchFamily="49" charset="0"/>
-              </a:rPr>
-              <a:t>Symbol id</a:t>
-            </a:r>
-            <a:endParaRPr lang="zh-TW" altLang="en-US" sz="2400" dirty="0">
-              <a:latin typeface="SauceCodePro Nerd Font" panose="020B0509030403020204" pitchFamily="49" charset="0"/>
-            </a:endParaRPr>
-          </a:p>
-        </p:txBody>
-      </p:sp>
-    </p:spTree>
-    <p:extLst>
-      <p:ext uri="{BB962C8B-B14F-4D97-AF65-F5344CB8AC3E}">
-        <p14:creationId xmlns:p14="http://schemas.microsoft.com/office/powerpoint/2010/main" val="3963773577"/>
-      </p:ext>
-    </p:extLst>
-  </p:cSld>
-  <p:clrMapOvr>
-    <a:masterClrMapping/>
-  </p:clrMapOvr>
-  <p:timing>
-    <p:tnLst>
-      <p:par>
-        <p:cTn id="1" dur="indefinite" restart="never" nodeType="tmRoot"/>
-      </p:par>
-    </p:tnLst>
-  </p:timing>
-</p:sld>
-</file>
-
-<file path=ppt/slides/slide30.xml><?xml version="1.0" encoding="utf-8"?>
+<file path=ppt/slides/slide31.xml><?xml version="1.0" encoding="utf-8"?>
 <p:sld xmlns:a="http://schemas.openxmlformats.org/drawingml/2006/main" xmlns:r="http://schemas.openxmlformats.org/officeDocument/2006/relationships" xmlns:p="http://schemas.openxmlformats.org/presentationml/2006/main">
   <p:cSld>
     <p:bg>
@@ -48280,7 +50864,7 @@
 </p:sld>
 </file>
 
-<file path=ppt/slides/slide31.xml><?xml version="1.0" encoding="utf-8"?>
+<file path=ppt/slides/slide32.xml><?xml version="1.0" encoding="utf-8"?>
 <p:sld xmlns:a="http://schemas.openxmlformats.org/drawingml/2006/main" xmlns:r="http://schemas.openxmlformats.org/officeDocument/2006/relationships" xmlns:p="http://schemas.openxmlformats.org/presentationml/2006/main">
   <p:cSld>
     <p:bg>
@@ -50135,7 +52719,7 @@
 </p:sld>
 </file>
 
-<file path=ppt/slides/slide32.xml><?xml version="1.0" encoding="utf-8"?>
+<file path=ppt/slides/slide33.xml><?xml version="1.0" encoding="utf-8"?>
 <p:sld xmlns:a="http://schemas.openxmlformats.org/drawingml/2006/main" xmlns:r="http://schemas.openxmlformats.org/officeDocument/2006/relationships" xmlns:p="http://schemas.openxmlformats.org/presentationml/2006/main">
   <p:cSld>
     <p:bg>
